--- a/Selenium/Specflow/Web Automation Test with Specflow.pptx
+++ b/Selenium/Specflow/Web Automation Test with Specflow.pptx
@@ -27076,7 +27076,48 @@
                 <a:latin typeface="Times New Roman" panose="02020603050405020304" pitchFamily="18" charset="0"/>
                 <a:cs typeface="Times New Roman" panose="02020603050405020304" pitchFamily="18" charset="0"/>
               </a:rPr>
-              <a:t>is Gherkin, Gherkin syntax, Advantage and Disadvantages</a:t>
+              <a:t>is Gherkin, Gherkin syntax, Advantage and </a:t>
+            </a:r>
+            <a:r>
+              <a:rPr lang="en-US" sz="3000" b="0" dirty="0" smtClean="0">
+                <a:latin typeface="Times New Roman" panose="02020603050405020304" pitchFamily="18" charset="0"/>
+                <a:cs typeface="Times New Roman" panose="02020603050405020304" pitchFamily="18" charset="0"/>
+              </a:rPr>
+              <a:t>Disadvantages</a:t>
+            </a:r>
+            <a:br>
+              <a:rPr lang="en-US" sz="3000" b="0" dirty="0" smtClean="0">
+                <a:latin typeface="Times New Roman" panose="02020603050405020304" pitchFamily="18" charset="0"/>
+                <a:cs typeface="Times New Roman" panose="02020603050405020304" pitchFamily="18" charset="0"/>
+              </a:rPr>
+            </a:br>
+            <a:r>
+              <a:rPr lang="en-US" sz="3000" b="0" dirty="0" smtClean="0">
+                <a:latin typeface="Times New Roman" panose="02020603050405020304" pitchFamily="18" charset="0"/>
+                <a:cs typeface="Times New Roman" panose="02020603050405020304" pitchFamily="18" charset="0"/>
+              </a:rPr>
+              <a:t> * Terms </a:t>
+            </a:r>
+            <a:r>
+              <a:rPr lang="en-US" sz="3000" b="0" dirty="0">
+                <a:latin typeface="Times New Roman" panose="02020603050405020304" pitchFamily="18" charset="0"/>
+                <a:cs typeface="Times New Roman" panose="02020603050405020304" pitchFamily="18" charset="0"/>
+              </a:rPr>
+              <a:t>used in </a:t>
+            </a:r>
+            <a:r>
+              <a:rPr lang="en-US" sz="3000" b="0" dirty="0" smtClean="0">
+                <a:latin typeface="Times New Roman" panose="02020603050405020304" pitchFamily="18" charset="0"/>
+                <a:cs typeface="Times New Roman" panose="02020603050405020304" pitchFamily="18" charset="0"/>
+              </a:rPr>
+              <a:t>Gherkin</a:t>
+            </a:r>
+            <a:r>
+              <a:rPr lang="en-US" sz="3000" b="0" dirty="0">
+                <a:latin typeface="Times New Roman" panose="02020603050405020304" pitchFamily="18" charset="0"/>
+                <a:cs typeface="Times New Roman" panose="02020603050405020304" pitchFamily="18" charset="0"/>
+              </a:rPr>
+              <a:t/>
             </a:r>
             <a:br>
               <a:rPr lang="en-US" sz="3000" b="0" dirty="0">
@@ -27300,19 +27341,57 @@
           <a:p>
             <a:r>
               <a:rPr lang="en-US" dirty="0"/>
-              <a:t>Lorem ipsum dolor sit amet, consectetuer adipiscing elit. Maecenas porttitor congue massa. Fusce posuere, magna sed pulvinar ultricies, purus lectus malesuada libero, sit amet commodo magna eros quis urna.</a:t>
+              <a:t>Use </a:t>
+            </a:r>
+            <a:r>
+              <a:rPr lang="en-US" dirty="0" err="1"/>
+              <a:t>SpecFlow</a:t>
+            </a:r>
+            <a:r>
+              <a:rPr lang="en-US" dirty="0"/>
+              <a:t> to define, manage and automatically execute human-readable acceptance tests in .NET projects. Writing easily understandable tests is a cornerstone of the BDD paradigm and also helps build up a living documentation of your system</a:t>
+            </a:r>
+            <a:r>
+              <a:rPr lang="en-US" dirty="0" smtClean="0"/>
+              <a:t>.</a:t>
             </a:r>
           </a:p>
           <a:p>
             <a:r>
-              <a:rPr lang="en-US" dirty="0"/>
-              <a:t>Nunc viverra imperdiet enim. Fusce est. Vivamus a tellus.</a:t>
+              <a:rPr lang="en-US" dirty="0" err="1"/>
+              <a:t>SpecFlow</a:t>
             </a:r>
-          </a:p>
-          <a:p>
             <a:r>
               <a:rPr lang="en-US" dirty="0"/>
-              <a:t>Pellentesque habitant morbi tristique senectus et netus et malesuada fames ac turpis egestas. Proin pharetra nonummy pede. Mauris et orci.</a:t>
+              <a:t> supports popular testing frameworks: </a:t>
+            </a:r>
+            <a:r>
+              <a:rPr lang="en-US" dirty="0" err="1"/>
+              <a:t>MSTest</a:t>
+            </a:r>
+            <a:r>
+              <a:rPr lang="en-US" dirty="0"/>
+              <a:t>, </a:t>
+            </a:r>
+            <a:r>
+              <a:rPr lang="en-US" dirty="0" err="1"/>
+              <a:t>NUnit</a:t>
+            </a:r>
+            <a:r>
+              <a:rPr lang="en-US" dirty="0"/>
+              <a:t> (2 and 3) and </a:t>
+            </a:r>
+            <a:r>
+              <a:rPr lang="en-US" dirty="0" err="1"/>
+              <a:t>xUnit</a:t>
+            </a:r>
+            <a:r>
+              <a:rPr lang="en-US" dirty="0"/>
+              <a:t> 2</a:t>
+            </a:r>
+            <a:r>
+              <a:rPr lang="en-US" dirty="0" smtClean="0"/>
+              <a:t>.</a:t>
             </a:r>
           </a:p>
         </p:txBody>
@@ -27411,9 +27490,10 @@
           <a:lstStyle/>
           <a:p>
             <a:r>
-              <a:rPr lang="en-US" dirty="0"/>
-              <a:t>Content Title 02</a:t>
+              <a:rPr lang="en-US" dirty="0" smtClean="0"/>
+              <a:t>TDD &amp; BDD</a:t>
             </a:r>
+            <a:endParaRPr lang="en-US" dirty="0"/>
           </a:p>
         </p:txBody>
       </p:sp>
@@ -27469,9 +27549,10 @@
           <a:lstStyle/>
           <a:p>
             <a:r>
-              <a:rPr lang="en-US" dirty="0"/>
-              <a:t>Lorem ipsum dolor sit amet</a:t>
+              <a:rPr lang="en-US" dirty="0" smtClean="0"/>
+              <a:t>TDD</a:t>
             </a:r>
+            <a:endParaRPr lang="en-US" dirty="0"/>
           </a:p>
         </p:txBody>
       </p:sp>
@@ -27497,9 +27578,10 @@
           <a:lstStyle/>
           <a:p>
             <a:r>
-              <a:rPr lang="en-US" dirty="0"/>
-              <a:t>Lorem ipsum dolor sit amet</a:t>
+              <a:rPr lang="en-US" dirty="0" smtClean="0"/>
+              <a:t>BDD</a:t>
             </a:r>
+            <a:endParaRPr lang="en-US" dirty="0"/>
           </a:p>
         </p:txBody>
       </p:sp>
@@ -27526,14 +27608,25 @@
           <a:p>
             <a:r>
               <a:rPr lang="en-US" dirty="0"/>
-              <a:t>Lorem ipsum dolor sit amet, consectetuer adipiscing elit. Maecenas porttitor congue massa. Fusce posuere, magna sed pulvinar ultricies, purus lectus malesuada libero, sit amet commodo magna eros quis urna. Nunc viverra imperdiet enim. Fusce est. Vivamus a tellus.</a:t>
+              <a:t>TDD is an innovative software development approach where tests are written, before writing the bare minimum of code required for the test to be </a:t>
+            </a:r>
+            <a:r>
+              <a:rPr lang="en-US" dirty="0" smtClean="0"/>
+              <a:t>fulfilled</a:t>
             </a:r>
           </a:p>
           <a:p>
             <a:r>
-              <a:rPr lang="en-US" dirty="0"/>
-              <a:t>Pellentesque habitant morbi tristique senectus et netus et malesuada fames ac turpis egestas. Proin pharetra nonummy pede. Mauris et orci.</a:t>
+              <a:rPr lang="nl-NL" dirty="0" smtClean="0"/>
+              <a:t>Focus on unit testing and tend to be use by Developer</a:t>
             </a:r>
+          </a:p>
+          <a:p>
+            <a:r>
+              <a:rPr lang="nl-NL" dirty="0" smtClean="0"/>
+              <a:t>Testing focus on requirements</a:t>
+            </a:r>
+            <a:endParaRPr lang="en-US" dirty="0"/>
           </a:p>
           <a:p>
             <a:endParaRPr lang="en-US" dirty="0"/>
@@ -27566,14 +27659,45 @@
           <a:p>
             <a:r>
               <a:rPr lang="en-US" dirty="0"/>
-              <a:t>Lorem ipsum dolor sit amet, consectetuer adipiscing elit. Maecenas porttitor congue massa. Fusce posuere, magna sed pulvinar ultricies, purus lectus malesuada libero, sit amet commodo magna eros quis urna. Nunc viverra imperdiet enim. Fusce est. Vivamus a tellus.</a:t>
+              <a:t>T</a:t>
+            </a:r>
+            <a:r>
+              <a:rPr lang="en-US" dirty="0" smtClean="0"/>
+              <a:t>ests </a:t>
+            </a:r>
+            <a:r>
+              <a:rPr lang="en-US" dirty="0"/>
+              <a:t>are more user-focused and based on the system’s </a:t>
+            </a:r>
+            <a:r>
+              <a:rPr lang="en-US" dirty="0" smtClean="0"/>
+              <a:t>behavior</a:t>
             </a:r>
           </a:p>
           <a:p>
             <a:r>
-              <a:rPr lang="en-US" dirty="0"/>
-              <a:t>Pellentesque habitant morbi tristique senectus et netus et malesuada fames ac turpis egestas. Proin pharetra nonummy pede. Mauris et orci.</a:t>
+              <a:rPr lang="nl-NL" dirty="0"/>
+              <a:t>Focus on </a:t>
             </a:r>
+            <a:r>
+              <a:rPr lang="nl-NL" dirty="0" smtClean="0"/>
+              <a:t>requirement </a:t>
+            </a:r>
+            <a:r>
+              <a:rPr lang="nl-NL" dirty="0"/>
+              <a:t>and tend to be use by </a:t>
+            </a:r>
+            <a:r>
+              <a:rPr lang="nl-NL" dirty="0" smtClean="0"/>
+              <a:t>Developer, Tester, Customer</a:t>
+            </a:r>
+          </a:p>
+          <a:p>
+            <a:r>
+              <a:rPr lang="nl-NL" dirty="0" smtClean="0"/>
+              <a:t>New feature align with business outcomes</a:t>
+            </a:r>
+            <a:endParaRPr lang="nl-NL" dirty="0"/>
           </a:p>
           <a:p>
             <a:endParaRPr lang="en-US" dirty="0"/>

--- a/Selenium/Specflow/Web Automation Test with Specflow.pptx
+++ b/Selenium/Specflow/Web Automation Test with Specflow.pptx
@@ -5,25 +5,28 @@
     <p:sldMasterId id="2147483648" r:id="rId4"/>
   </p:sldMasterIdLst>
   <p:notesMasterIdLst>
-    <p:notesMasterId r:id="rId18"/>
+    <p:notesMasterId r:id="rId21"/>
   </p:notesMasterIdLst>
   <p:handoutMasterIdLst>
-    <p:handoutMasterId r:id="rId19"/>
+    <p:handoutMasterId r:id="rId22"/>
   </p:handoutMasterIdLst>
   <p:sldIdLst>
     <p:sldId id="256" r:id="rId5"/>
     <p:sldId id="257" r:id="rId6"/>
     <p:sldId id="258" r:id="rId7"/>
-    <p:sldId id="261" r:id="rId8"/>
-    <p:sldId id="262" r:id="rId9"/>
-    <p:sldId id="283" r:id="rId10"/>
-    <p:sldId id="264" r:id="rId11"/>
-    <p:sldId id="266" r:id="rId12"/>
-    <p:sldId id="284" r:id="rId13"/>
-    <p:sldId id="267" r:id="rId14"/>
-    <p:sldId id="269" r:id="rId15"/>
-    <p:sldId id="268" r:id="rId16"/>
-    <p:sldId id="285" r:id="rId17"/>
+    <p:sldId id="286" r:id="rId8"/>
+    <p:sldId id="287" r:id="rId9"/>
+    <p:sldId id="261" r:id="rId10"/>
+    <p:sldId id="288" r:id="rId11"/>
+    <p:sldId id="262" r:id="rId12"/>
+    <p:sldId id="283" r:id="rId13"/>
+    <p:sldId id="264" r:id="rId14"/>
+    <p:sldId id="266" r:id="rId15"/>
+    <p:sldId id="284" r:id="rId16"/>
+    <p:sldId id="267" r:id="rId17"/>
+    <p:sldId id="269" r:id="rId18"/>
+    <p:sldId id="268" r:id="rId19"/>
+    <p:sldId id="285" r:id="rId20"/>
   </p:sldIdLst>
   <p:sldSz cx="12192000" cy="6858000"/>
   <p:notesSz cx="6858000" cy="9144000"/>
@@ -26528,1856 +26531,6 @@
       </p:grpSpPr>
       <p:sp>
         <p:nvSpPr>
-          <p:cNvPr id="6" name="Title 5">
-            <a:extLst>
-              <a:ext uri="{FF2B5EF4-FFF2-40B4-BE49-F238E27FC236}">
-                <a16:creationId xmlns:a16="http://schemas.microsoft.com/office/drawing/2014/main" xmlns="" id="{A4CD37D6-FE32-48E3-A3AD-F07BE6A19FA1}"/>
-              </a:ext>
-            </a:extLst>
-          </p:cNvPr>
-          <p:cNvSpPr>
-            <a:spLocks noGrp="1"/>
-          </p:cNvSpPr>
-          <p:nvPr>
-            <p:ph type="title"/>
-          </p:nvPr>
-        </p:nvSpPr>
-        <p:spPr>
-          <a:xfrm>
-            <a:off x="533399" y="3200400"/>
-            <a:ext cx="7551057" cy="2859313"/>
-          </a:xfrm>
-        </p:spPr>
-        <p:txBody>
-          <a:bodyPr/>
-          <a:lstStyle/>
-          <a:p>
-            <a:r>
-              <a:rPr lang="en-US" dirty="0"/>
-              <a:t>Quote appears here </a:t>
-            </a:r>
-            <a:br>
-              <a:rPr lang="en-US" dirty="0"/>
-            </a:br>
-            <a:r>
-              <a:rPr lang="en-US" dirty="0"/>
-              <a:t>Lorem ipsum dolor sit amet, consectetuer adipiscing elit.” </a:t>
-            </a:r>
-            <a:br>
-              <a:rPr lang="en-US" dirty="0"/>
-            </a:br>
-            <a:r>
-              <a:rPr lang="en-US" sz="2400" dirty="0"/>
-              <a:t>- Author</a:t>
-            </a:r>
-            <a:endParaRPr lang="en-US" dirty="0"/>
-          </a:p>
-        </p:txBody>
-      </p:sp>
-      <p:sp>
-        <p:nvSpPr>
-          <p:cNvPr id="2" name="Slide Number Placeholder 1">
-            <a:extLst>
-              <a:ext uri="{FF2B5EF4-FFF2-40B4-BE49-F238E27FC236}">
-                <a16:creationId xmlns:a16="http://schemas.microsoft.com/office/drawing/2014/main" xmlns="" id="{8EDC7217-2779-44E0-9E6D-3B3879516A1D}"/>
-              </a:ext>
-            </a:extLst>
-          </p:cNvPr>
-          <p:cNvSpPr>
-            <a:spLocks noGrp="1"/>
-          </p:cNvSpPr>
-          <p:nvPr>
-            <p:ph type="sldNum" sz="quarter" idx="12"/>
-          </p:nvPr>
-        </p:nvSpPr>
-        <p:spPr/>
-        <p:txBody>
-          <a:bodyPr/>
-          <a:lstStyle/>
-          <a:p>
-            <a:fld id="{C263D6C4-4840-40CC-AC84-17E24B3B7BDE}" type="slidenum">
-              <a:rPr lang="en-US" smtClean="0"/>
-              <a:pPr/>
-              <a:t>10</a:t>
-            </a:fld>
-            <a:endParaRPr lang="en-US" dirty="0"/>
-          </a:p>
-        </p:txBody>
-      </p:sp>
-    </p:spTree>
-    <p:extLst>
-      <p:ext uri="{BB962C8B-B14F-4D97-AF65-F5344CB8AC3E}">
-        <p14:creationId xmlns:p14="http://schemas.microsoft.com/office/powerpoint/2010/main" val="914134537"/>
-      </p:ext>
-    </p:extLst>
-  </p:cSld>
-  <p:clrMapOvr>
-    <a:masterClrMapping/>
-  </p:clrMapOvr>
-  <mc:AlternateContent xmlns:mc="http://schemas.openxmlformats.org/markup-compatibility/2006" xmlns:p14="http://schemas.microsoft.com/office/powerpoint/2010/main">
-    <mc:Choice Requires="p14">
-      <p:transition spd="med" p14:dur="700">
-        <p:fade/>
-      </p:transition>
-    </mc:Choice>
-    <mc:Fallback xmlns="">
-      <p:transition spd="med">
-        <p:fade/>
-      </p:transition>
-    </mc:Fallback>
-  </mc:AlternateContent>
-</p:sld>
-</file>
-
-<file path=ppt/slides/slide11.xml><?xml version="1.0" encoding="utf-8"?>
-<p:sld xmlns:a="http://schemas.openxmlformats.org/drawingml/2006/main" xmlns:r="http://schemas.openxmlformats.org/officeDocument/2006/relationships" xmlns:p="http://schemas.openxmlformats.org/presentationml/2006/main">
-  <p:cSld>
-    <p:spTree>
-      <p:nvGrpSpPr>
-        <p:cNvPr id="1" name=""/>
-        <p:cNvGrpSpPr/>
-        <p:nvPr/>
-      </p:nvGrpSpPr>
-      <p:grpSpPr>
-        <a:xfrm>
-          <a:off x="0" y="0"/>
-          <a:ext cx="0" cy="0"/>
-          <a:chOff x="0" y="0"/>
-          <a:chExt cx="0" cy="0"/>
-        </a:xfrm>
-      </p:grpSpPr>
-      <p:sp>
-        <p:nvSpPr>
-          <p:cNvPr id="2" name="Title 1">
-            <a:extLst>
-              <a:ext uri="{FF2B5EF4-FFF2-40B4-BE49-F238E27FC236}">
-                <a16:creationId xmlns:a16="http://schemas.microsoft.com/office/drawing/2014/main" xmlns="" id="{632BE5BF-9922-45FB-8F3F-4446D40A051B}"/>
-              </a:ext>
-            </a:extLst>
-          </p:cNvPr>
-          <p:cNvSpPr>
-            <a:spLocks noGrp="1"/>
-          </p:cNvSpPr>
-          <p:nvPr>
-            <p:ph type="ctrTitle"/>
-          </p:nvPr>
-        </p:nvSpPr>
-        <p:spPr/>
-        <p:txBody>
-          <a:bodyPr/>
-          <a:lstStyle/>
-          <a:p>
-            <a:r>
-              <a:rPr lang="en-US" dirty="0"/>
-              <a:t>Thank You 1</a:t>
-            </a:r>
-            <a:endParaRPr lang="en-GB" dirty="0"/>
-          </a:p>
-        </p:txBody>
-      </p:sp>
-    </p:spTree>
-    <p:extLst>
-      <p:ext uri="{BB962C8B-B14F-4D97-AF65-F5344CB8AC3E}">
-        <p14:creationId xmlns:p14="http://schemas.microsoft.com/office/powerpoint/2010/main" val="429771863"/>
-      </p:ext>
-    </p:extLst>
-  </p:cSld>
-  <p:clrMapOvr>
-    <a:masterClrMapping/>
-  </p:clrMapOvr>
-  <p:transition spd="slow">
-    <p:wipe/>
-  </p:transition>
-</p:sld>
-</file>
-
-<file path=ppt/slides/slide12.xml><?xml version="1.0" encoding="utf-8"?>
-<p:sld xmlns:a="http://schemas.openxmlformats.org/drawingml/2006/main" xmlns:r="http://schemas.openxmlformats.org/officeDocument/2006/relationships" xmlns:p="http://schemas.openxmlformats.org/presentationml/2006/main">
-  <p:cSld>
-    <p:spTree>
-      <p:nvGrpSpPr>
-        <p:cNvPr id="1" name=""/>
-        <p:cNvGrpSpPr/>
-        <p:nvPr/>
-      </p:nvGrpSpPr>
-      <p:grpSpPr>
-        <a:xfrm>
-          <a:off x="0" y="0"/>
-          <a:ext cx="0" cy="0"/>
-          <a:chOff x="0" y="0"/>
-          <a:chExt cx="0" cy="0"/>
-        </a:xfrm>
-      </p:grpSpPr>
-      <p:sp>
-        <p:nvSpPr>
-          <p:cNvPr id="2" name="Title 1">
-            <a:extLst>
-              <a:ext uri="{FF2B5EF4-FFF2-40B4-BE49-F238E27FC236}">
-                <a16:creationId xmlns:a16="http://schemas.microsoft.com/office/drawing/2014/main" xmlns="" id="{632BE5BF-9922-45FB-8F3F-4446D40A051B}"/>
-              </a:ext>
-            </a:extLst>
-          </p:cNvPr>
-          <p:cNvSpPr>
-            <a:spLocks noGrp="1"/>
-          </p:cNvSpPr>
-          <p:nvPr>
-            <p:ph type="ctrTitle"/>
-          </p:nvPr>
-        </p:nvSpPr>
-        <p:spPr/>
-        <p:txBody>
-          <a:bodyPr/>
-          <a:lstStyle/>
-          <a:p>
-            <a:r>
-              <a:rPr lang="en-US" dirty="0"/>
-              <a:t>Thank You 2</a:t>
-            </a:r>
-            <a:endParaRPr lang="en-GB" dirty="0"/>
-          </a:p>
-        </p:txBody>
-      </p:sp>
-    </p:spTree>
-    <p:extLst>
-      <p:ext uri="{BB962C8B-B14F-4D97-AF65-F5344CB8AC3E}">
-        <p14:creationId xmlns:p14="http://schemas.microsoft.com/office/powerpoint/2010/main" val="44069682"/>
-      </p:ext>
-    </p:extLst>
-  </p:cSld>
-  <p:clrMapOvr>
-    <a:masterClrMapping/>
-  </p:clrMapOvr>
-  <p:transition spd="slow">
-    <p:wipe/>
-  </p:transition>
-</p:sld>
-</file>
-
-<file path=ppt/slides/slide13.xml><?xml version="1.0" encoding="utf-8"?>
-<p:sld xmlns:a="http://schemas.openxmlformats.org/drawingml/2006/main" xmlns:r="http://schemas.openxmlformats.org/officeDocument/2006/relationships" xmlns:p="http://schemas.openxmlformats.org/presentationml/2006/main">
-  <p:cSld>
-    <p:spTree>
-      <p:nvGrpSpPr>
-        <p:cNvPr id="1" name=""/>
-        <p:cNvGrpSpPr/>
-        <p:nvPr/>
-      </p:nvGrpSpPr>
-      <p:grpSpPr>
-        <a:xfrm>
-          <a:off x="0" y="0"/>
-          <a:ext cx="0" cy="0"/>
-          <a:chOff x="0" y="0"/>
-          <a:chExt cx="0" cy="0"/>
-        </a:xfrm>
-      </p:grpSpPr>
-      <p:sp>
-        <p:nvSpPr>
-          <p:cNvPr id="4" name="Title 3">
-            <a:extLst>
-              <a:ext uri="{FF2B5EF4-FFF2-40B4-BE49-F238E27FC236}">
-                <a16:creationId xmlns:a16="http://schemas.microsoft.com/office/drawing/2014/main" xmlns="" id="{E98DCA46-603B-4178-8707-30E192CE6B8D}"/>
-              </a:ext>
-            </a:extLst>
-          </p:cNvPr>
-          <p:cNvSpPr>
-            <a:spLocks noGrp="1"/>
-          </p:cNvSpPr>
-          <p:nvPr>
-            <p:ph type="title"/>
-          </p:nvPr>
-        </p:nvSpPr>
-        <p:spPr/>
-        <p:txBody>
-          <a:bodyPr/>
-          <a:lstStyle/>
-          <a:p>
-            <a:r>
-              <a:rPr lang="en-US" dirty="0"/>
-              <a:t>Customize this Template</a:t>
-            </a:r>
-          </a:p>
-        </p:txBody>
-      </p:sp>
-      <p:sp>
-        <p:nvSpPr>
-          <p:cNvPr id="2" name="Slide Number Placeholder 1">
-            <a:extLst>
-              <a:ext uri="{FF2B5EF4-FFF2-40B4-BE49-F238E27FC236}">
-                <a16:creationId xmlns:a16="http://schemas.microsoft.com/office/drawing/2014/main" xmlns="" id="{6D90B5C6-1CB0-445E-99D1-8E2FE8C59B50}"/>
-              </a:ext>
-            </a:extLst>
-          </p:cNvPr>
-          <p:cNvSpPr>
-            <a:spLocks noGrp="1"/>
-          </p:cNvSpPr>
-          <p:nvPr>
-            <p:ph type="sldNum" sz="quarter" idx="12"/>
-          </p:nvPr>
-        </p:nvSpPr>
-        <p:spPr/>
-        <p:txBody>
-          <a:bodyPr/>
-          <a:lstStyle/>
-          <a:p>
-            <a:fld id="{C263D6C4-4840-40CC-AC84-17E24B3B7BDE}" type="slidenum">
-              <a:rPr lang="en-US" smtClean="0"/>
-              <a:pPr/>
-              <a:t>13</a:t>
-            </a:fld>
-            <a:endParaRPr lang="en-US" dirty="0"/>
-          </a:p>
-        </p:txBody>
-      </p:sp>
-      <p:sp>
-        <p:nvSpPr>
-          <p:cNvPr id="3" name="Text Placeholder 2">
-            <a:extLst>
-              <a:ext uri="{FF2B5EF4-FFF2-40B4-BE49-F238E27FC236}">
-                <a16:creationId xmlns:a16="http://schemas.microsoft.com/office/drawing/2014/main" xmlns="" id="{06554A61-D199-469B-AB0C-B68F82B5059F}"/>
-              </a:ext>
-            </a:extLst>
-          </p:cNvPr>
-          <p:cNvSpPr>
-            <a:spLocks noGrp="1"/>
-          </p:cNvSpPr>
-          <p:nvPr>
-            <p:ph type="body" sz="quarter" idx="13"/>
-          </p:nvPr>
-        </p:nvSpPr>
-        <p:spPr/>
-        <p:txBody>
-          <a:bodyPr/>
-          <a:lstStyle/>
-          <a:p>
-            <a:r>
-              <a:rPr lang="en-US" u="sng" dirty="0">
-                <a:hlinkClick r:id="rId2">
-                  <a:extLst>
-                    <a:ext uri="{A12FA001-AC4F-418D-AE19-62706E023703}">
-                      <ahyp:hlinkClr xmlns:ahyp="http://schemas.microsoft.com/office/drawing/2018/hyperlinkcolor" xmlns="" val="tx"/>
-                    </a:ext>
-                  </a:extLst>
-                </a:hlinkClick>
-              </a:rPr>
-              <a:t>Template Editing Instructions and Feedback</a:t>
-            </a:r>
-            <a:endParaRPr lang="en-US" u="sng" dirty="0"/>
-          </a:p>
-        </p:txBody>
-      </p:sp>
-    </p:spTree>
-    <p:extLst>
-      <p:ext uri="{BB962C8B-B14F-4D97-AF65-F5344CB8AC3E}">
-        <p14:creationId xmlns:p14="http://schemas.microsoft.com/office/powerpoint/2010/main" val="59582380"/>
-      </p:ext>
-    </p:extLst>
-  </p:cSld>
-  <p:clrMapOvr>
-    <a:masterClrMapping/>
-  </p:clrMapOvr>
-</p:sld>
-</file>
-
-<file path=ppt/slides/slide2.xml><?xml version="1.0" encoding="utf-8"?>
-<p:sld xmlns:a="http://schemas.openxmlformats.org/drawingml/2006/main" xmlns:r="http://schemas.openxmlformats.org/officeDocument/2006/relationships" xmlns:p="http://schemas.openxmlformats.org/presentationml/2006/main">
-  <p:cSld>
-    <p:spTree>
-      <p:nvGrpSpPr>
-        <p:cNvPr id="1" name=""/>
-        <p:cNvGrpSpPr/>
-        <p:nvPr/>
-      </p:nvGrpSpPr>
-      <p:grpSpPr>
-        <a:xfrm>
-          <a:off x="0" y="0"/>
-          <a:ext cx="0" cy="0"/>
-          <a:chOff x="0" y="0"/>
-          <a:chExt cx="0" cy="0"/>
-        </a:xfrm>
-      </p:grpSpPr>
-      <p:sp>
-        <p:nvSpPr>
-          <p:cNvPr id="4" name="Title 3">
-            <a:extLst>
-              <a:ext uri="{FF2B5EF4-FFF2-40B4-BE49-F238E27FC236}">
-                <a16:creationId xmlns:a16="http://schemas.microsoft.com/office/drawing/2014/main" xmlns="" id="{E3BD8413-C238-49D7-A4E1-E8FEF1811A0E}"/>
-              </a:ext>
-            </a:extLst>
-          </p:cNvPr>
-          <p:cNvSpPr>
-            <a:spLocks noGrp="1"/>
-          </p:cNvSpPr>
-          <p:nvPr>
-            <p:ph type="title"/>
-          </p:nvPr>
-        </p:nvSpPr>
-        <p:spPr>
-          <a:xfrm>
-            <a:off x="186813" y="268236"/>
-            <a:ext cx="10874477" cy="6046839"/>
-          </a:xfrm>
-        </p:spPr>
-        <p:txBody>
-          <a:bodyPr>
-            <a:noAutofit/>
-          </a:bodyPr>
-          <a:lstStyle/>
-          <a:p>
-            <a:r>
-              <a:rPr lang="en-US" sz="3000" b="0" dirty="0" smtClean="0">
-                <a:latin typeface="Times New Roman" panose="02020603050405020304" pitchFamily="18" charset="0"/>
-                <a:cs typeface="Times New Roman" panose="02020603050405020304" pitchFamily="18" charset="0"/>
-              </a:rPr>
-              <a:t> * What </a:t>
-            </a:r>
-            <a:r>
-              <a:rPr lang="en-US" sz="3000" b="0" dirty="0">
-                <a:latin typeface="Times New Roman" panose="02020603050405020304" pitchFamily="18" charset="0"/>
-                <a:cs typeface="Times New Roman" panose="02020603050405020304" pitchFamily="18" charset="0"/>
-              </a:rPr>
-              <a:t>is </a:t>
-            </a:r>
-            <a:r>
-              <a:rPr lang="en-US" sz="3000" b="0" dirty="0" err="1" smtClean="0">
-                <a:latin typeface="Times New Roman" panose="02020603050405020304" pitchFamily="18" charset="0"/>
-                <a:cs typeface="Times New Roman" panose="02020603050405020304" pitchFamily="18" charset="0"/>
-              </a:rPr>
-              <a:t>specflow</a:t>
-            </a:r>
-            <a:r>
-              <a:rPr lang="en-US" sz="3000" b="0" dirty="0" smtClean="0">
-                <a:latin typeface="Times New Roman" panose="02020603050405020304" pitchFamily="18" charset="0"/>
-                <a:cs typeface="Times New Roman" panose="02020603050405020304" pitchFamily="18" charset="0"/>
-              </a:rPr>
-              <a:t/>
-            </a:r>
-            <a:br>
-              <a:rPr lang="en-US" sz="3000" b="0" dirty="0" smtClean="0">
-                <a:latin typeface="Times New Roman" panose="02020603050405020304" pitchFamily="18" charset="0"/>
-                <a:cs typeface="Times New Roman" panose="02020603050405020304" pitchFamily="18" charset="0"/>
-              </a:rPr>
-            </a:br>
-            <a:r>
-              <a:rPr lang="en-US" sz="3000" b="0" dirty="0">
-                <a:latin typeface="Times New Roman" panose="02020603050405020304" pitchFamily="18" charset="0"/>
-                <a:cs typeface="Times New Roman" panose="02020603050405020304" pitchFamily="18" charset="0"/>
-              </a:rPr>
-              <a:t> </a:t>
-            </a:r>
-            <a:r>
-              <a:rPr lang="en-US" sz="3000" b="0" dirty="0" smtClean="0">
-                <a:latin typeface="Times New Roman" panose="02020603050405020304" pitchFamily="18" charset="0"/>
-                <a:cs typeface="Times New Roman" panose="02020603050405020304" pitchFamily="18" charset="0"/>
-              </a:rPr>
-              <a:t>* TDD &amp; BDD</a:t>
-            </a:r>
-            <a:br>
-              <a:rPr lang="en-US" sz="3000" b="0" dirty="0" smtClean="0">
-                <a:latin typeface="Times New Roman" panose="02020603050405020304" pitchFamily="18" charset="0"/>
-                <a:cs typeface="Times New Roman" panose="02020603050405020304" pitchFamily="18" charset="0"/>
-              </a:rPr>
-            </a:br>
-            <a:r>
-              <a:rPr lang="en-US" sz="3000" b="0" dirty="0" smtClean="0">
-                <a:latin typeface="Times New Roman" panose="02020603050405020304" pitchFamily="18" charset="0"/>
-                <a:cs typeface="Times New Roman" panose="02020603050405020304" pitchFamily="18" charset="0"/>
-              </a:rPr>
-              <a:t> * Selenium</a:t>
-            </a:r>
-            <a:r>
-              <a:rPr lang="en-US" sz="3000" b="0" dirty="0">
-                <a:latin typeface="Times New Roman" panose="02020603050405020304" pitchFamily="18" charset="0"/>
-                <a:cs typeface="Times New Roman" panose="02020603050405020304" pitchFamily="18" charset="0"/>
-              </a:rPr>
-              <a:t/>
-            </a:r>
-            <a:br>
-              <a:rPr lang="en-US" sz="3000" b="0" dirty="0">
-                <a:latin typeface="Times New Roman" panose="02020603050405020304" pitchFamily="18" charset="0"/>
-                <a:cs typeface="Times New Roman" panose="02020603050405020304" pitchFamily="18" charset="0"/>
-              </a:rPr>
-            </a:br>
-            <a:r>
-              <a:rPr lang="en-US" sz="3000" b="0" dirty="0">
-                <a:latin typeface="Times New Roman" panose="02020603050405020304" pitchFamily="18" charset="0"/>
-                <a:cs typeface="Times New Roman" panose="02020603050405020304" pitchFamily="18" charset="0"/>
-              </a:rPr>
-              <a:t> * Web Driver</a:t>
-            </a:r>
-            <a:br>
-              <a:rPr lang="en-US" sz="3000" b="0" dirty="0">
-                <a:latin typeface="Times New Roman" panose="02020603050405020304" pitchFamily="18" charset="0"/>
-                <a:cs typeface="Times New Roman" panose="02020603050405020304" pitchFamily="18" charset="0"/>
-              </a:rPr>
-            </a:br>
-            <a:r>
-              <a:rPr lang="en-US" sz="3000" b="0" dirty="0" smtClean="0">
-                <a:latin typeface="Times New Roman" panose="02020603050405020304" pitchFamily="18" charset="0"/>
-                <a:cs typeface="Times New Roman" panose="02020603050405020304" pitchFamily="18" charset="0"/>
-              </a:rPr>
-              <a:t> * Setup </a:t>
-            </a:r>
-            <a:r>
-              <a:rPr lang="en-US" sz="3000" b="0" dirty="0">
-                <a:latin typeface="Times New Roman" panose="02020603050405020304" pitchFamily="18" charset="0"/>
-                <a:cs typeface="Times New Roman" panose="02020603050405020304" pitchFamily="18" charset="0"/>
-              </a:rPr>
-              <a:t>&amp; </a:t>
-            </a:r>
-            <a:r>
-              <a:rPr lang="en-US" sz="3000" b="0" dirty="0" smtClean="0">
-                <a:latin typeface="Times New Roman" panose="02020603050405020304" pitchFamily="18" charset="0"/>
-                <a:cs typeface="Times New Roman" panose="02020603050405020304" pitchFamily="18" charset="0"/>
-              </a:rPr>
-              <a:t>Requirement</a:t>
-            </a:r>
-            <a:r>
-              <a:rPr lang="en-US" sz="3000" b="0" dirty="0">
-                <a:latin typeface="Times New Roman" panose="02020603050405020304" pitchFamily="18" charset="0"/>
-                <a:cs typeface="Times New Roman" panose="02020603050405020304" pitchFamily="18" charset="0"/>
-              </a:rPr>
-              <a:t/>
-            </a:r>
-            <a:br>
-              <a:rPr lang="en-US" sz="3000" b="0" dirty="0">
-                <a:latin typeface="Times New Roman" panose="02020603050405020304" pitchFamily="18" charset="0"/>
-                <a:cs typeface="Times New Roman" panose="02020603050405020304" pitchFamily="18" charset="0"/>
-              </a:rPr>
-            </a:br>
-            <a:r>
-              <a:rPr lang="en-US" sz="3000" b="0" dirty="0" smtClean="0">
-                <a:latin typeface="Times New Roman" panose="02020603050405020304" pitchFamily="18" charset="0"/>
-                <a:cs typeface="Times New Roman" panose="02020603050405020304" pitchFamily="18" charset="0"/>
-              </a:rPr>
-              <a:t> * Page </a:t>
-            </a:r>
-            <a:r>
-              <a:rPr lang="en-US" sz="3000" b="0" dirty="0">
-                <a:latin typeface="Times New Roman" panose="02020603050405020304" pitchFamily="18" charset="0"/>
-                <a:cs typeface="Times New Roman" panose="02020603050405020304" pitchFamily="18" charset="0"/>
-              </a:rPr>
-              <a:t>Model Pattern</a:t>
-            </a:r>
-            <a:br>
-              <a:rPr lang="en-US" sz="3000" b="0" dirty="0">
-                <a:latin typeface="Times New Roman" panose="02020603050405020304" pitchFamily="18" charset="0"/>
-                <a:cs typeface="Times New Roman" panose="02020603050405020304" pitchFamily="18" charset="0"/>
-              </a:rPr>
-            </a:br>
-            <a:r>
-              <a:rPr lang="en-US" sz="3000" b="0" dirty="0" smtClean="0">
-                <a:latin typeface="Times New Roman" panose="02020603050405020304" pitchFamily="18" charset="0"/>
-                <a:cs typeface="Times New Roman" panose="02020603050405020304" pitchFamily="18" charset="0"/>
-              </a:rPr>
-              <a:t> * What </a:t>
-            </a:r>
-            <a:r>
-              <a:rPr lang="en-US" sz="3000" b="0" dirty="0">
-                <a:latin typeface="Times New Roman" panose="02020603050405020304" pitchFamily="18" charset="0"/>
-                <a:cs typeface="Times New Roman" panose="02020603050405020304" pitchFamily="18" charset="0"/>
-              </a:rPr>
-              <a:t>is Gherkin, Gherkin syntax, Advantage and </a:t>
-            </a:r>
-            <a:r>
-              <a:rPr lang="en-US" sz="3000" b="0" dirty="0" smtClean="0">
-                <a:latin typeface="Times New Roman" panose="02020603050405020304" pitchFamily="18" charset="0"/>
-                <a:cs typeface="Times New Roman" panose="02020603050405020304" pitchFamily="18" charset="0"/>
-              </a:rPr>
-              <a:t>Disadvantages</a:t>
-            </a:r>
-            <a:br>
-              <a:rPr lang="en-US" sz="3000" b="0" dirty="0" smtClean="0">
-                <a:latin typeface="Times New Roman" panose="02020603050405020304" pitchFamily="18" charset="0"/>
-                <a:cs typeface="Times New Roman" panose="02020603050405020304" pitchFamily="18" charset="0"/>
-              </a:rPr>
-            </a:br>
-            <a:r>
-              <a:rPr lang="en-US" sz="3000" b="0" dirty="0" smtClean="0">
-                <a:latin typeface="Times New Roman" panose="02020603050405020304" pitchFamily="18" charset="0"/>
-                <a:cs typeface="Times New Roman" panose="02020603050405020304" pitchFamily="18" charset="0"/>
-              </a:rPr>
-              <a:t> * Terms </a:t>
-            </a:r>
-            <a:r>
-              <a:rPr lang="en-US" sz="3000" b="0" dirty="0">
-                <a:latin typeface="Times New Roman" panose="02020603050405020304" pitchFamily="18" charset="0"/>
-                <a:cs typeface="Times New Roman" panose="02020603050405020304" pitchFamily="18" charset="0"/>
-              </a:rPr>
-              <a:t>used in </a:t>
-            </a:r>
-            <a:r>
-              <a:rPr lang="en-US" sz="3000" b="0" dirty="0" smtClean="0">
-                <a:latin typeface="Times New Roman" panose="02020603050405020304" pitchFamily="18" charset="0"/>
-                <a:cs typeface="Times New Roman" panose="02020603050405020304" pitchFamily="18" charset="0"/>
-              </a:rPr>
-              <a:t>Gherkin</a:t>
-            </a:r>
-            <a:r>
-              <a:rPr lang="en-US" sz="3000" b="0" dirty="0">
-                <a:latin typeface="Times New Roman" panose="02020603050405020304" pitchFamily="18" charset="0"/>
-                <a:cs typeface="Times New Roman" panose="02020603050405020304" pitchFamily="18" charset="0"/>
-              </a:rPr>
-              <a:t/>
-            </a:r>
-            <a:br>
-              <a:rPr lang="en-US" sz="3000" b="0" dirty="0">
-                <a:latin typeface="Times New Roman" panose="02020603050405020304" pitchFamily="18" charset="0"/>
-                <a:cs typeface="Times New Roman" panose="02020603050405020304" pitchFamily="18" charset="0"/>
-              </a:rPr>
-            </a:br>
-            <a:r>
-              <a:rPr lang="en-US" sz="3000" b="0" dirty="0" smtClean="0">
-                <a:latin typeface="Times New Roman" panose="02020603050405020304" pitchFamily="18" charset="0"/>
-                <a:cs typeface="Times New Roman" panose="02020603050405020304" pitchFamily="18" charset="0"/>
-              </a:rPr>
-              <a:t> * Web </a:t>
-            </a:r>
-            <a:r>
-              <a:rPr lang="en-US" sz="3000" b="0" dirty="0">
-                <a:latin typeface="Times New Roman" panose="02020603050405020304" pitchFamily="18" charset="0"/>
-                <a:cs typeface="Times New Roman" panose="02020603050405020304" pitchFamily="18" charset="0"/>
-              </a:rPr>
-              <a:t>elements</a:t>
-            </a:r>
-            <a:br>
-              <a:rPr lang="en-US" sz="3000" b="0" dirty="0">
-                <a:latin typeface="Times New Roman" panose="02020603050405020304" pitchFamily="18" charset="0"/>
-                <a:cs typeface="Times New Roman" panose="02020603050405020304" pitchFamily="18" charset="0"/>
-              </a:rPr>
-            </a:br>
-            <a:r>
-              <a:rPr lang="en-US" sz="3000" b="0" dirty="0" smtClean="0">
-                <a:latin typeface="Times New Roman" panose="02020603050405020304" pitchFamily="18" charset="0"/>
-                <a:cs typeface="Times New Roman" panose="02020603050405020304" pitchFamily="18" charset="0"/>
-              </a:rPr>
-              <a:t> * Feature </a:t>
-            </a:r>
-            <a:r>
-              <a:rPr lang="en-US" sz="3000" b="0" dirty="0">
-                <a:latin typeface="Times New Roman" panose="02020603050405020304" pitchFamily="18" charset="0"/>
-                <a:cs typeface="Times New Roman" panose="02020603050405020304" pitchFamily="18" charset="0"/>
-              </a:rPr>
-              <a:t>in </a:t>
-            </a:r>
-            <a:r>
-              <a:rPr lang="en-US" sz="3000" b="0" dirty="0" err="1">
-                <a:latin typeface="Times New Roman" panose="02020603050405020304" pitchFamily="18" charset="0"/>
-                <a:cs typeface="Times New Roman" panose="02020603050405020304" pitchFamily="18" charset="0"/>
-              </a:rPr>
-              <a:t>specflow</a:t>
-            </a:r>
-            <a:r>
-              <a:rPr lang="en-US" sz="3000" b="0" dirty="0">
-                <a:latin typeface="Times New Roman" panose="02020603050405020304" pitchFamily="18" charset="0"/>
-                <a:cs typeface="Times New Roman" panose="02020603050405020304" pitchFamily="18" charset="0"/>
-              </a:rPr>
-              <a:t/>
-            </a:r>
-            <a:br>
-              <a:rPr lang="en-US" sz="3000" b="0" dirty="0">
-                <a:latin typeface="Times New Roman" panose="02020603050405020304" pitchFamily="18" charset="0"/>
-                <a:cs typeface="Times New Roman" panose="02020603050405020304" pitchFamily="18" charset="0"/>
-              </a:rPr>
-            </a:br>
-            <a:r>
-              <a:rPr lang="en-US" sz="3000" b="0" dirty="0" smtClean="0">
-                <a:latin typeface="Times New Roman" panose="02020603050405020304" pitchFamily="18" charset="0"/>
-                <a:cs typeface="Times New Roman" panose="02020603050405020304" pitchFamily="18" charset="0"/>
-              </a:rPr>
-              <a:t> * Demo</a:t>
-            </a:r>
-            <a:r>
-              <a:rPr lang="en-US" sz="3000" b="0" dirty="0">
-                <a:latin typeface="Times New Roman" panose="02020603050405020304" pitchFamily="18" charset="0"/>
-                <a:cs typeface="Times New Roman" panose="02020603050405020304" pitchFamily="18" charset="0"/>
-              </a:rPr>
-              <a:t/>
-            </a:r>
-            <a:br>
-              <a:rPr lang="en-US" sz="3000" b="0" dirty="0">
-                <a:latin typeface="Times New Roman" panose="02020603050405020304" pitchFamily="18" charset="0"/>
-                <a:cs typeface="Times New Roman" panose="02020603050405020304" pitchFamily="18" charset="0"/>
-              </a:rPr>
-            </a:br>
-            <a:endParaRPr lang="en-US" sz="3000" b="0" dirty="0">
-              <a:latin typeface="Times New Roman" panose="02020603050405020304" pitchFamily="18" charset="0"/>
-              <a:cs typeface="Times New Roman" panose="02020603050405020304" pitchFamily="18" charset="0"/>
-            </a:endParaRPr>
-          </a:p>
-        </p:txBody>
-      </p:sp>
-      <p:sp>
-        <p:nvSpPr>
-          <p:cNvPr id="2" name="Slide Number Placeholder 1">
-            <a:extLst>
-              <a:ext uri="{FF2B5EF4-FFF2-40B4-BE49-F238E27FC236}">
-                <a16:creationId xmlns:a16="http://schemas.microsoft.com/office/drawing/2014/main" xmlns="" id="{0B24BF10-2B55-43AB-9F77-F1A1410384A9}"/>
-              </a:ext>
-            </a:extLst>
-          </p:cNvPr>
-          <p:cNvSpPr>
-            <a:spLocks noGrp="1"/>
-          </p:cNvSpPr>
-          <p:nvPr>
-            <p:ph type="sldNum" sz="quarter" idx="12"/>
-          </p:nvPr>
-        </p:nvSpPr>
-        <p:spPr/>
-        <p:txBody>
-          <a:bodyPr/>
-          <a:lstStyle/>
-          <a:p>
-            <a:fld id="{C263D6C4-4840-40CC-AC84-17E24B3B7BDE}" type="slidenum">
-              <a:rPr lang="en-US" smtClean="0"/>
-              <a:pPr/>
-              <a:t>2</a:t>
-            </a:fld>
-            <a:endParaRPr lang="en-US" dirty="0"/>
-          </a:p>
-        </p:txBody>
-      </p:sp>
-    </p:spTree>
-    <p:extLst>
-      <p:ext uri="{BB962C8B-B14F-4D97-AF65-F5344CB8AC3E}">
-        <p14:creationId xmlns:p14="http://schemas.microsoft.com/office/powerpoint/2010/main" val="2902794312"/>
-      </p:ext>
-    </p:extLst>
-  </p:cSld>
-  <p:clrMapOvr>
-    <a:masterClrMapping/>
-  </p:clrMapOvr>
-  <mc:AlternateContent xmlns:mc="http://schemas.openxmlformats.org/markup-compatibility/2006" xmlns:p14="http://schemas.microsoft.com/office/powerpoint/2010/main">
-    <mc:Choice Requires="p14">
-      <p:transition spd="med" p14:dur="700">
-        <p:fade/>
-      </p:transition>
-    </mc:Choice>
-    <mc:Fallback xmlns="">
-      <p:transition spd="med">
-        <p:fade/>
-      </p:transition>
-    </mc:Fallback>
-  </mc:AlternateContent>
-  <p:timing>
-    <p:tnLst>
-      <p:par>
-        <p:cTn id="1" dur="indefinite" restart="never" nodeType="tmRoot"/>
-      </p:par>
-    </p:tnLst>
-  </p:timing>
-</p:sld>
-</file>
-
-<file path=ppt/slides/slide3.xml><?xml version="1.0" encoding="utf-8"?>
-<p:sld xmlns:a="http://schemas.openxmlformats.org/drawingml/2006/main" xmlns:r="http://schemas.openxmlformats.org/officeDocument/2006/relationships" xmlns:p="http://schemas.openxmlformats.org/presentationml/2006/main">
-  <p:cSld>
-    <p:spTree>
-      <p:nvGrpSpPr>
-        <p:cNvPr id="1" name=""/>
-        <p:cNvGrpSpPr/>
-        <p:nvPr/>
-      </p:nvGrpSpPr>
-      <p:grpSpPr>
-        <a:xfrm>
-          <a:off x="0" y="0"/>
-          <a:ext cx="0" cy="0"/>
-          <a:chOff x="0" y="0"/>
-          <a:chExt cx="0" cy="0"/>
-        </a:xfrm>
-      </p:grpSpPr>
-      <p:sp>
-        <p:nvSpPr>
-          <p:cNvPr id="7" name="Title 6">
-            <a:extLst>
-              <a:ext uri="{FF2B5EF4-FFF2-40B4-BE49-F238E27FC236}">
-                <a16:creationId xmlns:a16="http://schemas.microsoft.com/office/drawing/2014/main" xmlns="" id="{7875C19A-1AAE-476A-A316-A2CF92D763D3}"/>
-              </a:ext>
-            </a:extLst>
-          </p:cNvPr>
-          <p:cNvSpPr>
-            <a:spLocks noGrp="1"/>
-          </p:cNvSpPr>
-          <p:nvPr>
-            <p:ph type="title"/>
-          </p:nvPr>
-        </p:nvSpPr>
-        <p:spPr/>
-        <p:txBody>
-          <a:bodyPr/>
-          <a:lstStyle/>
-          <a:p>
-            <a:r>
-              <a:rPr lang="en-US" dirty="0" smtClean="0"/>
-              <a:t>What is </a:t>
-            </a:r>
-            <a:r>
-              <a:rPr lang="en-US" dirty="0" err="1" smtClean="0"/>
-              <a:t>Specflow</a:t>
-            </a:r>
-            <a:endParaRPr lang="en-US" dirty="0"/>
-          </a:p>
-        </p:txBody>
-      </p:sp>
-      <p:sp>
-        <p:nvSpPr>
-          <p:cNvPr id="10" name="Text Placeholder 9">
-            <a:extLst>
-              <a:ext uri="{FF2B5EF4-FFF2-40B4-BE49-F238E27FC236}">
-                <a16:creationId xmlns:a16="http://schemas.microsoft.com/office/drawing/2014/main" xmlns="" id="{EF2BC084-E6DB-4DE7-B309-042A85EBA700}"/>
-              </a:ext>
-            </a:extLst>
-          </p:cNvPr>
-          <p:cNvSpPr>
-            <a:spLocks noGrp="1"/>
-          </p:cNvSpPr>
-          <p:nvPr>
-            <p:ph type="body" sz="quarter" idx="13"/>
-          </p:nvPr>
-        </p:nvSpPr>
-        <p:spPr/>
-        <p:txBody>
-          <a:bodyPr/>
-          <a:lstStyle/>
-          <a:p>
-            <a:r>
-              <a:rPr lang="en-US" dirty="0"/>
-              <a:t>Use </a:t>
-            </a:r>
-            <a:r>
-              <a:rPr lang="en-US" dirty="0" err="1"/>
-              <a:t>SpecFlow</a:t>
-            </a:r>
-            <a:r>
-              <a:rPr lang="en-US" dirty="0"/>
-              <a:t> to define, manage and automatically execute human-readable acceptance tests in .NET projects. Writing easily understandable tests is a cornerstone of the BDD paradigm and also helps build up a living documentation of your system</a:t>
-            </a:r>
-            <a:r>
-              <a:rPr lang="en-US" dirty="0" smtClean="0"/>
-              <a:t>.</a:t>
-            </a:r>
-          </a:p>
-          <a:p>
-            <a:r>
-              <a:rPr lang="en-US" dirty="0" err="1"/>
-              <a:t>SpecFlow</a:t>
-            </a:r>
-            <a:r>
-              <a:rPr lang="en-US" dirty="0"/>
-              <a:t> supports popular testing frameworks: </a:t>
-            </a:r>
-            <a:r>
-              <a:rPr lang="en-US" dirty="0" err="1"/>
-              <a:t>MSTest</a:t>
-            </a:r>
-            <a:r>
-              <a:rPr lang="en-US" dirty="0"/>
-              <a:t>, </a:t>
-            </a:r>
-            <a:r>
-              <a:rPr lang="en-US" dirty="0" err="1"/>
-              <a:t>NUnit</a:t>
-            </a:r>
-            <a:r>
-              <a:rPr lang="en-US" dirty="0"/>
-              <a:t> (2 and 3) and </a:t>
-            </a:r>
-            <a:r>
-              <a:rPr lang="en-US" dirty="0" err="1"/>
-              <a:t>xUnit</a:t>
-            </a:r>
-            <a:r>
-              <a:rPr lang="en-US" dirty="0"/>
-              <a:t> 2</a:t>
-            </a:r>
-            <a:r>
-              <a:rPr lang="en-US" dirty="0" smtClean="0"/>
-              <a:t>.</a:t>
-            </a:r>
-          </a:p>
-        </p:txBody>
-      </p:sp>
-      <p:sp>
-        <p:nvSpPr>
-          <p:cNvPr id="2" name="Slide Number Placeholder 1">
-            <a:extLst>
-              <a:ext uri="{FF2B5EF4-FFF2-40B4-BE49-F238E27FC236}">
-                <a16:creationId xmlns:a16="http://schemas.microsoft.com/office/drawing/2014/main" xmlns="" id="{BE9800F6-D571-48C4-8466-12AA1ADB6599}"/>
-              </a:ext>
-            </a:extLst>
-          </p:cNvPr>
-          <p:cNvSpPr>
-            <a:spLocks noGrp="1"/>
-          </p:cNvSpPr>
-          <p:nvPr>
-            <p:ph type="sldNum" sz="quarter" idx="12"/>
-          </p:nvPr>
-        </p:nvSpPr>
-        <p:spPr/>
-        <p:txBody>
-          <a:bodyPr/>
-          <a:lstStyle/>
-          <a:p>
-            <a:fld id="{C263D6C4-4840-40CC-AC84-17E24B3B7BDE}" type="slidenum">
-              <a:rPr lang="en-US" smtClean="0"/>
-              <a:pPr/>
-              <a:t>3</a:t>
-            </a:fld>
-            <a:endParaRPr lang="en-US" dirty="0"/>
-          </a:p>
-        </p:txBody>
-      </p:sp>
-    </p:spTree>
-    <p:extLst>
-      <p:ext uri="{BB962C8B-B14F-4D97-AF65-F5344CB8AC3E}">
-        <p14:creationId xmlns:p14="http://schemas.microsoft.com/office/powerpoint/2010/main" val="3733486012"/>
-      </p:ext>
-    </p:extLst>
-  </p:cSld>
-  <p:clrMapOvr>
-    <a:masterClrMapping/>
-  </p:clrMapOvr>
-  <mc:AlternateContent xmlns:mc="http://schemas.openxmlformats.org/markup-compatibility/2006" xmlns:p14="http://schemas.microsoft.com/office/powerpoint/2010/main">
-    <mc:Choice Requires="p14">
-      <p:transition spd="med" p14:dur="700">
-        <p:fade/>
-      </p:transition>
-    </mc:Choice>
-    <mc:Fallback xmlns="">
-      <p:transition spd="med">
-        <p:fade/>
-      </p:transition>
-    </mc:Fallback>
-  </mc:AlternateContent>
-</p:sld>
-</file>
-
-<file path=ppt/slides/slide4.xml><?xml version="1.0" encoding="utf-8"?>
-<p:sld xmlns:a="http://schemas.openxmlformats.org/drawingml/2006/main" xmlns:r="http://schemas.openxmlformats.org/officeDocument/2006/relationships" xmlns:p="http://schemas.openxmlformats.org/presentationml/2006/main">
-  <p:cSld>
-    <p:spTree>
-      <p:nvGrpSpPr>
-        <p:cNvPr id="1" name=""/>
-        <p:cNvGrpSpPr/>
-        <p:nvPr/>
-      </p:nvGrpSpPr>
-      <p:grpSpPr>
-        <a:xfrm>
-          <a:off x="0" y="0"/>
-          <a:ext cx="0" cy="0"/>
-          <a:chOff x="0" y="0"/>
-          <a:chExt cx="0" cy="0"/>
-        </a:xfrm>
-      </p:grpSpPr>
-      <p:sp>
-        <p:nvSpPr>
-          <p:cNvPr id="4" name="Title 3">
-            <a:extLst>
-              <a:ext uri="{FF2B5EF4-FFF2-40B4-BE49-F238E27FC236}">
-                <a16:creationId xmlns:a16="http://schemas.microsoft.com/office/drawing/2014/main" xmlns="" id="{315E3981-F0D7-482C-A8E0-6A57700BECA7}"/>
-              </a:ext>
-            </a:extLst>
-          </p:cNvPr>
-          <p:cNvSpPr>
-            <a:spLocks noGrp="1"/>
-          </p:cNvSpPr>
-          <p:nvPr>
-            <p:ph type="title"/>
-          </p:nvPr>
-        </p:nvSpPr>
-        <p:spPr/>
-        <p:txBody>
-          <a:bodyPr/>
-          <a:lstStyle/>
-          <a:p>
-            <a:r>
-              <a:rPr lang="en-US" dirty="0" smtClean="0"/>
-              <a:t>TDD &amp; BDD</a:t>
-            </a:r>
-            <a:endParaRPr lang="en-US" dirty="0"/>
-          </a:p>
-        </p:txBody>
-      </p:sp>
-      <p:sp>
-        <p:nvSpPr>
-          <p:cNvPr id="2" name="Slide Number Placeholder 1">
-            <a:extLst>
-              <a:ext uri="{FF2B5EF4-FFF2-40B4-BE49-F238E27FC236}">
-                <a16:creationId xmlns:a16="http://schemas.microsoft.com/office/drawing/2014/main" xmlns="" id="{520FC4EE-F318-4344-9E3C-B950ADB63865}"/>
-              </a:ext>
-            </a:extLst>
-          </p:cNvPr>
-          <p:cNvSpPr>
-            <a:spLocks noGrp="1"/>
-          </p:cNvSpPr>
-          <p:nvPr>
-            <p:ph type="sldNum" sz="quarter" idx="12"/>
-          </p:nvPr>
-        </p:nvSpPr>
-        <p:spPr/>
-        <p:txBody>
-          <a:bodyPr/>
-          <a:lstStyle/>
-          <a:p>
-            <a:fld id="{C263D6C4-4840-40CC-AC84-17E24B3B7BDE}" type="slidenum">
-              <a:rPr lang="en-US" smtClean="0"/>
-              <a:pPr/>
-              <a:t>4</a:t>
-            </a:fld>
-            <a:endParaRPr lang="en-US" dirty="0"/>
-          </a:p>
-        </p:txBody>
-      </p:sp>
-      <p:sp>
-        <p:nvSpPr>
-          <p:cNvPr id="7" name="Text Placeholder 6">
-            <a:extLst>
-              <a:ext uri="{FF2B5EF4-FFF2-40B4-BE49-F238E27FC236}">
-                <a16:creationId xmlns:a16="http://schemas.microsoft.com/office/drawing/2014/main" xmlns="" id="{B74126B4-1E6C-4FFF-9282-40E18A85A07F}"/>
-              </a:ext>
-            </a:extLst>
-          </p:cNvPr>
-          <p:cNvSpPr>
-            <a:spLocks noGrp="1"/>
-          </p:cNvSpPr>
-          <p:nvPr>
-            <p:ph type="body" sz="quarter" idx="1"/>
-          </p:nvPr>
-        </p:nvSpPr>
-        <p:spPr/>
-        <p:txBody>
-          <a:bodyPr/>
-          <a:lstStyle/>
-          <a:p>
-            <a:r>
-              <a:rPr lang="en-US" dirty="0" smtClean="0"/>
-              <a:t>TDD</a:t>
-            </a:r>
-            <a:endParaRPr lang="en-US" dirty="0"/>
-          </a:p>
-        </p:txBody>
-      </p:sp>
-      <p:sp>
-        <p:nvSpPr>
-          <p:cNvPr id="5" name="Text Placeholder 4">
-            <a:extLst>
-              <a:ext uri="{FF2B5EF4-FFF2-40B4-BE49-F238E27FC236}">
-                <a16:creationId xmlns:a16="http://schemas.microsoft.com/office/drawing/2014/main" xmlns="" id="{E0C87788-476B-4620-8002-A5C1177AD6C1}"/>
-              </a:ext>
-            </a:extLst>
-          </p:cNvPr>
-          <p:cNvSpPr>
-            <a:spLocks noGrp="1"/>
-          </p:cNvSpPr>
-          <p:nvPr>
-            <p:ph type="body" sz="quarter" idx="3"/>
-          </p:nvPr>
-        </p:nvSpPr>
-        <p:spPr/>
-        <p:txBody>
-          <a:bodyPr/>
-          <a:lstStyle/>
-          <a:p>
-            <a:r>
-              <a:rPr lang="en-US" dirty="0" smtClean="0"/>
-              <a:t>BDD</a:t>
-            </a:r>
-            <a:endParaRPr lang="en-US" dirty="0"/>
-          </a:p>
-        </p:txBody>
-      </p:sp>
-      <p:sp>
-        <p:nvSpPr>
-          <p:cNvPr id="8" name="Text Placeholder 7">
-            <a:extLst>
-              <a:ext uri="{FF2B5EF4-FFF2-40B4-BE49-F238E27FC236}">
-                <a16:creationId xmlns:a16="http://schemas.microsoft.com/office/drawing/2014/main" xmlns="" id="{47DC4E62-1A34-4F98-A451-214F1808519C}"/>
-              </a:ext>
-            </a:extLst>
-          </p:cNvPr>
-          <p:cNvSpPr>
-            <a:spLocks noGrp="1"/>
-          </p:cNvSpPr>
-          <p:nvPr>
-            <p:ph type="body" sz="quarter" idx="2"/>
-          </p:nvPr>
-        </p:nvSpPr>
-        <p:spPr/>
-        <p:txBody>
-          <a:bodyPr/>
-          <a:lstStyle/>
-          <a:p>
-            <a:r>
-              <a:rPr lang="en-US" dirty="0"/>
-              <a:t>TDD is an innovative software development approach where tests are written, before writing the bare minimum of code required for the test to be </a:t>
-            </a:r>
-            <a:r>
-              <a:rPr lang="en-US" dirty="0" smtClean="0"/>
-              <a:t>fulfilled</a:t>
-            </a:r>
-          </a:p>
-          <a:p>
-            <a:r>
-              <a:rPr lang="nl-NL" dirty="0" smtClean="0"/>
-              <a:t>Focus on unit testing and tend to be use by Developer</a:t>
-            </a:r>
-          </a:p>
-          <a:p>
-            <a:r>
-              <a:rPr lang="nl-NL" dirty="0" smtClean="0"/>
-              <a:t>Testing focus on requirements</a:t>
-            </a:r>
-            <a:endParaRPr lang="en-US" dirty="0"/>
-          </a:p>
-          <a:p>
-            <a:endParaRPr lang="en-US" dirty="0"/>
-          </a:p>
-          <a:p>
-            <a:endParaRPr lang="en-US" dirty="0"/>
-          </a:p>
-        </p:txBody>
-      </p:sp>
-      <p:sp>
-        <p:nvSpPr>
-          <p:cNvPr id="6" name="Text Placeholder 5">
-            <a:extLst>
-              <a:ext uri="{FF2B5EF4-FFF2-40B4-BE49-F238E27FC236}">
-                <a16:creationId xmlns:a16="http://schemas.microsoft.com/office/drawing/2014/main" xmlns="" id="{000A9570-5EF6-4AFB-9FCA-7C8998E3FEB1}"/>
-              </a:ext>
-            </a:extLst>
-          </p:cNvPr>
-          <p:cNvSpPr>
-            <a:spLocks noGrp="1"/>
-          </p:cNvSpPr>
-          <p:nvPr>
-            <p:ph type="body" sz="quarter" idx="4"/>
-          </p:nvPr>
-        </p:nvSpPr>
-        <p:spPr/>
-        <p:txBody>
-          <a:bodyPr/>
-          <a:lstStyle/>
-          <a:p>
-            <a:r>
-              <a:rPr lang="en-US" dirty="0"/>
-              <a:t>T</a:t>
-            </a:r>
-            <a:r>
-              <a:rPr lang="en-US" dirty="0" smtClean="0"/>
-              <a:t>ests </a:t>
-            </a:r>
-            <a:r>
-              <a:rPr lang="en-US" dirty="0"/>
-              <a:t>are more user-focused and based on the system’s </a:t>
-            </a:r>
-            <a:r>
-              <a:rPr lang="en-US" dirty="0" smtClean="0"/>
-              <a:t>behavior</a:t>
-            </a:r>
-          </a:p>
-          <a:p>
-            <a:r>
-              <a:rPr lang="nl-NL" dirty="0"/>
-              <a:t>Focus on </a:t>
-            </a:r>
-            <a:r>
-              <a:rPr lang="nl-NL" dirty="0" smtClean="0"/>
-              <a:t>requirement </a:t>
-            </a:r>
-            <a:r>
-              <a:rPr lang="nl-NL" dirty="0"/>
-              <a:t>and tend to be use by </a:t>
-            </a:r>
-            <a:r>
-              <a:rPr lang="nl-NL" dirty="0" smtClean="0"/>
-              <a:t>Developer, Tester, Customer</a:t>
-            </a:r>
-          </a:p>
-          <a:p>
-            <a:r>
-              <a:rPr lang="nl-NL" dirty="0" smtClean="0"/>
-              <a:t>New feature align with business outcomes</a:t>
-            </a:r>
-            <a:endParaRPr lang="nl-NL" dirty="0"/>
-          </a:p>
-          <a:p>
-            <a:endParaRPr lang="en-US" dirty="0"/>
-          </a:p>
-        </p:txBody>
-      </p:sp>
-    </p:spTree>
-    <p:extLst>
-      <p:ext uri="{BB962C8B-B14F-4D97-AF65-F5344CB8AC3E}">
-        <p14:creationId xmlns:p14="http://schemas.microsoft.com/office/powerpoint/2010/main" val="3607270498"/>
-      </p:ext>
-    </p:extLst>
-  </p:cSld>
-  <p:clrMapOvr>
-    <a:masterClrMapping/>
-  </p:clrMapOvr>
-  <mc:AlternateContent xmlns:mc="http://schemas.openxmlformats.org/markup-compatibility/2006" xmlns:p14="http://schemas.microsoft.com/office/powerpoint/2010/main">
-    <mc:Choice Requires="p14">
-      <p:transition spd="med" p14:dur="700">
-        <p:fade/>
-      </p:transition>
-    </mc:Choice>
-    <mc:Fallback xmlns="">
-      <p:transition spd="med">
-        <p:fade/>
-      </p:transition>
-    </mc:Fallback>
-  </mc:AlternateContent>
-</p:sld>
-</file>
-
-<file path=ppt/slides/slide5.xml><?xml version="1.0" encoding="utf-8"?>
-<p:sld xmlns:a="http://schemas.openxmlformats.org/drawingml/2006/main" xmlns:r="http://schemas.openxmlformats.org/officeDocument/2006/relationships" xmlns:p="http://schemas.openxmlformats.org/presentationml/2006/main">
-  <p:cSld>
-    <p:spTree>
-      <p:nvGrpSpPr>
-        <p:cNvPr id="1" name=""/>
-        <p:cNvGrpSpPr/>
-        <p:nvPr/>
-      </p:nvGrpSpPr>
-      <p:grpSpPr>
-        <a:xfrm>
-          <a:off x="0" y="0"/>
-          <a:ext cx="0" cy="0"/>
-          <a:chOff x="0" y="0"/>
-          <a:chExt cx="0" cy="0"/>
-        </a:xfrm>
-      </p:grpSpPr>
-      <p:sp>
-        <p:nvSpPr>
-          <p:cNvPr id="4" name="Title 3">
-            <a:extLst>
-              <a:ext uri="{FF2B5EF4-FFF2-40B4-BE49-F238E27FC236}">
-                <a16:creationId xmlns:a16="http://schemas.microsoft.com/office/drawing/2014/main" xmlns="" id="{315E3981-F0D7-482C-A8E0-6A57700BECA7}"/>
-              </a:ext>
-            </a:extLst>
-          </p:cNvPr>
-          <p:cNvSpPr>
-            <a:spLocks noGrp="1"/>
-          </p:cNvSpPr>
-          <p:nvPr>
-            <p:ph type="title"/>
-          </p:nvPr>
-        </p:nvSpPr>
-        <p:spPr/>
-        <p:txBody>
-          <a:bodyPr/>
-          <a:lstStyle/>
-          <a:p>
-            <a:r>
-              <a:rPr lang="en-US" dirty="0"/>
-              <a:t>Content Title</a:t>
-            </a:r>
-          </a:p>
-        </p:txBody>
-      </p:sp>
-      <p:pic>
-        <p:nvPicPr>
-          <p:cNvPr id="25" name="Picture Placeholder 24" descr="Bar chart">
-            <a:extLst>
-              <a:ext uri="{FF2B5EF4-FFF2-40B4-BE49-F238E27FC236}">
-                <a16:creationId xmlns:a16="http://schemas.microsoft.com/office/drawing/2014/main" xmlns="" id="{C03AAFA7-022A-47F8-9DA1-7DC3897D1E52}"/>
-              </a:ext>
-            </a:extLst>
-          </p:cNvPr>
-          <p:cNvPicPr>
-            <a:picLocks noGrp="1" noChangeAspect="1"/>
-          </p:cNvPicPr>
-          <p:nvPr>
-            <p:ph type="pic" sz="quarter" idx="13"/>
-          </p:nvPr>
-        </p:nvPicPr>
-        <p:blipFill>
-          <a:blip r:embed="rId2">
-            <a:extLst>
-              <a:ext uri="{28A0092B-C50C-407E-A947-70E740481C1C}">
-                <a14:useLocalDpi xmlns:a14="http://schemas.microsoft.com/office/drawing/2010/main"/>
-              </a:ext>
-              <a:ext uri="{96DAC541-7B7A-43D3-8B79-37D633B846F1}">
-                <asvg:svgBlip xmlns:asvg="http://schemas.microsoft.com/office/drawing/2016/SVG/main" xmlns="" r:embed="rId3"/>
-              </a:ext>
-            </a:extLst>
-          </a:blip>
-          <a:srcRect t="63" b="63"/>
-          <a:stretch>
-            <a:fillRect/>
-          </a:stretch>
-        </p:blipFill>
-        <p:spPr>
-          <a:xfrm>
-            <a:off x="978212" y="2096716"/>
-            <a:ext cx="1259505" cy="1259505"/>
-          </a:xfrm>
-        </p:spPr>
-      </p:pic>
-      <p:sp>
-        <p:nvSpPr>
-          <p:cNvPr id="19" name="Text Placeholder 18">
-            <a:extLst>
-              <a:ext uri="{FF2B5EF4-FFF2-40B4-BE49-F238E27FC236}">
-                <a16:creationId xmlns:a16="http://schemas.microsoft.com/office/drawing/2014/main" xmlns="" id="{782206B1-586F-4254-9B36-D06C4E294ACF}"/>
-              </a:ext>
-            </a:extLst>
-          </p:cNvPr>
-          <p:cNvSpPr>
-            <a:spLocks noGrp="1"/>
-          </p:cNvSpPr>
-          <p:nvPr>
-            <p:ph type="body" sz="quarter" idx="18"/>
-          </p:nvPr>
-        </p:nvSpPr>
-        <p:spPr/>
-        <p:txBody>
-          <a:bodyPr/>
-          <a:lstStyle/>
-          <a:p>
-            <a:r>
-              <a:rPr lang="en-US" dirty="0"/>
-              <a:t>Caption01 appears here</a:t>
-            </a:r>
-          </a:p>
-        </p:txBody>
-      </p:sp>
-      <p:pic>
-        <p:nvPicPr>
-          <p:cNvPr id="27" name="Picture Placeholder 26" descr="Clock">
-            <a:extLst>
-              <a:ext uri="{FF2B5EF4-FFF2-40B4-BE49-F238E27FC236}">
-                <a16:creationId xmlns:a16="http://schemas.microsoft.com/office/drawing/2014/main" xmlns="" id="{6F737161-FE67-434D-A781-59EDB9EDCB23}"/>
-              </a:ext>
-            </a:extLst>
-          </p:cNvPr>
-          <p:cNvPicPr>
-            <a:picLocks noGrp="1" noChangeAspect="1"/>
-          </p:cNvPicPr>
-          <p:nvPr>
-            <p:ph type="pic" sz="quarter" idx="14"/>
-          </p:nvPr>
-        </p:nvPicPr>
-        <p:blipFill>
-          <a:blip r:embed="rId4">
-            <a:extLst>
-              <a:ext uri="{28A0092B-C50C-407E-A947-70E740481C1C}">
-                <a14:useLocalDpi xmlns:a14="http://schemas.microsoft.com/office/drawing/2010/main"/>
-              </a:ext>
-              <a:ext uri="{96DAC541-7B7A-43D3-8B79-37D633B846F1}">
-                <asvg:svgBlip xmlns:asvg="http://schemas.microsoft.com/office/drawing/2016/SVG/main" xmlns="" r:embed="rId5"/>
-              </a:ext>
-            </a:extLst>
-          </a:blip>
-          <a:srcRect/>
-          <a:stretch>
-            <a:fillRect/>
-          </a:stretch>
-        </p:blipFill>
-        <p:spPr/>
-      </p:pic>
-      <p:sp>
-        <p:nvSpPr>
-          <p:cNvPr id="20" name="Text Placeholder 19">
-            <a:extLst>
-              <a:ext uri="{FF2B5EF4-FFF2-40B4-BE49-F238E27FC236}">
-                <a16:creationId xmlns:a16="http://schemas.microsoft.com/office/drawing/2014/main" xmlns="" id="{CB924A29-3538-4A3F-82A6-D2A7538C2111}"/>
-              </a:ext>
-            </a:extLst>
-          </p:cNvPr>
-          <p:cNvSpPr>
-            <a:spLocks noGrp="1"/>
-          </p:cNvSpPr>
-          <p:nvPr>
-            <p:ph type="body" sz="quarter" idx="19"/>
-          </p:nvPr>
-        </p:nvSpPr>
-        <p:spPr/>
-        <p:txBody>
-          <a:bodyPr/>
-          <a:lstStyle/>
-          <a:p>
-            <a:r>
-              <a:rPr lang="en-US" dirty="0"/>
-              <a:t>Caption02 appears here</a:t>
-            </a:r>
-          </a:p>
-        </p:txBody>
-      </p:sp>
-      <p:pic>
-        <p:nvPicPr>
-          <p:cNvPr id="29" name="Picture Placeholder 28" descr="Microscope">
-            <a:extLst>
-              <a:ext uri="{FF2B5EF4-FFF2-40B4-BE49-F238E27FC236}">
-                <a16:creationId xmlns:a16="http://schemas.microsoft.com/office/drawing/2014/main" xmlns="" id="{9E5BF01B-21D6-4D43-9CAE-0298685C1A7B}"/>
-              </a:ext>
-            </a:extLst>
-          </p:cNvPr>
-          <p:cNvPicPr>
-            <a:picLocks noGrp="1" noChangeAspect="1"/>
-          </p:cNvPicPr>
-          <p:nvPr>
-            <p:ph type="pic" sz="quarter" idx="15"/>
-          </p:nvPr>
-        </p:nvPicPr>
-        <p:blipFill>
-          <a:blip r:embed="rId6">
-            <a:extLst>
-              <a:ext uri="{28A0092B-C50C-407E-A947-70E740481C1C}">
-                <a14:useLocalDpi xmlns:a14="http://schemas.microsoft.com/office/drawing/2010/main"/>
-              </a:ext>
-              <a:ext uri="{96DAC541-7B7A-43D3-8B79-37D633B846F1}">
-                <asvg:svgBlip xmlns:asvg="http://schemas.microsoft.com/office/drawing/2016/SVG/main" xmlns="" r:embed="rId7"/>
-              </a:ext>
-            </a:extLst>
-          </a:blip>
-          <a:srcRect t="63" b="63"/>
-          <a:stretch>
-            <a:fillRect/>
-          </a:stretch>
-        </p:blipFill>
-        <p:spPr/>
-      </p:pic>
-      <p:sp>
-        <p:nvSpPr>
-          <p:cNvPr id="21" name="Text Placeholder 20">
-            <a:extLst>
-              <a:ext uri="{FF2B5EF4-FFF2-40B4-BE49-F238E27FC236}">
-                <a16:creationId xmlns:a16="http://schemas.microsoft.com/office/drawing/2014/main" xmlns="" id="{1B8F0371-4F69-4131-91BF-9AB99E6EE89B}"/>
-              </a:ext>
-            </a:extLst>
-          </p:cNvPr>
-          <p:cNvSpPr>
-            <a:spLocks noGrp="1"/>
-          </p:cNvSpPr>
-          <p:nvPr>
-            <p:ph type="body" sz="quarter" idx="20"/>
-          </p:nvPr>
-        </p:nvSpPr>
-        <p:spPr/>
-        <p:txBody>
-          <a:bodyPr/>
-          <a:lstStyle/>
-          <a:p>
-            <a:r>
-              <a:rPr lang="en-US" dirty="0"/>
-              <a:t>Caption03 appears here</a:t>
-            </a:r>
-          </a:p>
-        </p:txBody>
-      </p:sp>
-      <p:pic>
-        <p:nvPicPr>
-          <p:cNvPr id="31" name="Picture Placeholder 30" descr="Magnifying glass">
-            <a:extLst>
-              <a:ext uri="{FF2B5EF4-FFF2-40B4-BE49-F238E27FC236}">
-                <a16:creationId xmlns:a16="http://schemas.microsoft.com/office/drawing/2014/main" xmlns="" id="{089E8AB6-C16E-4752-810F-8F98DB929DB5}"/>
-              </a:ext>
-            </a:extLst>
-          </p:cNvPr>
-          <p:cNvPicPr>
-            <a:picLocks noGrp="1" noChangeAspect="1"/>
-          </p:cNvPicPr>
-          <p:nvPr>
-            <p:ph type="pic" sz="quarter" idx="16"/>
-          </p:nvPr>
-        </p:nvPicPr>
-        <p:blipFill>
-          <a:blip r:embed="rId8">
-            <a:extLst>
-              <a:ext uri="{28A0092B-C50C-407E-A947-70E740481C1C}">
-                <a14:useLocalDpi xmlns:a14="http://schemas.microsoft.com/office/drawing/2010/main"/>
-              </a:ext>
-              <a:ext uri="{96DAC541-7B7A-43D3-8B79-37D633B846F1}">
-                <asvg:svgBlip xmlns:asvg="http://schemas.microsoft.com/office/drawing/2016/SVG/main" xmlns="" r:embed="rId9"/>
-              </a:ext>
-            </a:extLst>
-          </a:blip>
-          <a:srcRect/>
-          <a:stretch>
-            <a:fillRect/>
-          </a:stretch>
-        </p:blipFill>
-        <p:spPr/>
-      </p:pic>
-      <p:sp>
-        <p:nvSpPr>
-          <p:cNvPr id="22" name="Text Placeholder 21">
-            <a:extLst>
-              <a:ext uri="{FF2B5EF4-FFF2-40B4-BE49-F238E27FC236}">
-                <a16:creationId xmlns:a16="http://schemas.microsoft.com/office/drawing/2014/main" xmlns="" id="{78CACAF1-61EA-4605-A8FE-2EEE752B49FF}"/>
-              </a:ext>
-            </a:extLst>
-          </p:cNvPr>
-          <p:cNvSpPr>
-            <a:spLocks noGrp="1"/>
-          </p:cNvSpPr>
-          <p:nvPr>
-            <p:ph type="body" sz="quarter" idx="21"/>
-          </p:nvPr>
-        </p:nvSpPr>
-        <p:spPr/>
-        <p:txBody>
-          <a:bodyPr/>
-          <a:lstStyle/>
-          <a:p>
-            <a:r>
-              <a:rPr lang="en-US" dirty="0"/>
-              <a:t>Caption04 appears here</a:t>
-            </a:r>
-          </a:p>
-        </p:txBody>
-      </p:sp>
-      <p:pic>
-        <p:nvPicPr>
-          <p:cNvPr id="33" name="Picture Placeholder 32" descr="Head with Gears">
-            <a:extLst>
-              <a:ext uri="{FF2B5EF4-FFF2-40B4-BE49-F238E27FC236}">
-                <a16:creationId xmlns:a16="http://schemas.microsoft.com/office/drawing/2014/main" xmlns="" id="{CC9DBBE5-5AD0-41E8-A719-84509E5D9F9E}"/>
-              </a:ext>
-            </a:extLst>
-          </p:cNvPr>
-          <p:cNvPicPr>
-            <a:picLocks noGrp="1" noChangeAspect="1"/>
-          </p:cNvPicPr>
-          <p:nvPr>
-            <p:ph type="pic" sz="quarter" idx="17"/>
-          </p:nvPr>
-        </p:nvPicPr>
-        <p:blipFill>
-          <a:blip r:embed="rId10">
-            <a:extLst>
-              <a:ext uri="{28A0092B-C50C-407E-A947-70E740481C1C}">
-                <a14:useLocalDpi xmlns:a14="http://schemas.microsoft.com/office/drawing/2010/main"/>
-              </a:ext>
-              <a:ext uri="{96DAC541-7B7A-43D3-8B79-37D633B846F1}">
-                <asvg:svgBlip xmlns:asvg="http://schemas.microsoft.com/office/drawing/2016/SVG/main" xmlns="" r:embed="rId11"/>
-              </a:ext>
-            </a:extLst>
-          </a:blip>
-          <a:srcRect t="63" b="63"/>
-          <a:stretch>
-            <a:fillRect/>
-          </a:stretch>
-        </p:blipFill>
-        <p:spPr/>
-      </p:pic>
-      <p:sp>
-        <p:nvSpPr>
-          <p:cNvPr id="23" name="Text Placeholder 22">
-            <a:extLst>
-              <a:ext uri="{FF2B5EF4-FFF2-40B4-BE49-F238E27FC236}">
-                <a16:creationId xmlns:a16="http://schemas.microsoft.com/office/drawing/2014/main" xmlns="" id="{8D05A34F-7712-46DB-AB5B-272E294B62EE}"/>
-              </a:ext>
-            </a:extLst>
-          </p:cNvPr>
-          <p:cNvSpPr>
-            <a:spLocks noGrp="1"/>
-          </p:cNvSpPr>
-          <p:nvPr>
-            <p:ph type="body" sz="quarter" idx="22"/>
-          </p:nvPr>
-        </p:nvSpPr>
-        <p:spPr/>
-        <p:txBody>
-          <a:bodyPr/>
-          <a:lstStyle/>
-          <a:p>
-            <a:r>
-              <a:rPr lang="en-US" dirty="0"/>
-              <a:t>Caption05 appears here</a:t>
-            </a:r>
-          </a:p>
-        </p:txBody>
-      </p:sp>
-      <p:sp>
-        <p:nvSpPr>
-          <p:cNvPr id="2" name="Slide Number Placeholder 1">
-            <a:extLst>
-              <a:ext uri="{FF2B5EF4-FFF2-40B4-BE49-F238E27FC236}">
-                <a16:creationId xmlns:a16="http://schemas.microsoft.com/office/drawing/2014/main" xmlns="" id="{CC1F11E7-EDE5-4119-BA64-4FC57C285D19}"/>
-              </a:ext>
-            </a:extLst>
-          </p:cNvPr>
-          <p:cNvSpPr>
-            <a:spLocks noGrp="1"/>
-          </p:cNvSpPr>
-          <p:nvPr>
-            <p:ph type="sldNum" sz="quarter" idx="12"/>
-          </p:nvPr>
-        </p:nvSpPr>
-        <p:spPr/>
-        <p:txBody>
-          <a:bodyPr/>
-          <a:lstStyle/>
-          <a:p>
-            <a:fld id="{C263D6C4-4840-40CC-AC84-17E24B3B7BDE}" type="slidenum">
-              <a:rPr lang="en-US" smtClean="0"/>
-              <a:pPr/>
-              <a:t>5</a:t>
-            </a:fld>
-            <a:endParaRPr lang="en-US" dirty="0"/>
-          </a:p>
-        </p:txBody>
-      </p:sp>
-    </p:spTree>
-    <p:extLst>
-      <p:ext uri="{BB962C8B-B14F-4D97-AF65-F5344CB8AC3E}">
-        <p14:creationId xmlns:p14="http://schemas.microsoft.com/office/powerpoint/2010/main" val="3892131414"/>
-      </p:ext>
-    </p:extLst>
-  </p:cSld>
-  <p:clrMapOvr>
-    <a:masterClrMapping/>
-  </p:clrMapOvr>
-  <mc:AlternateContent xmlns:mc="http://schemas.openxmlformats.org/markup-compatibility/2006" xmlns:p14="http://schemas.microsoft.com/office/powerpoint/2010/main">
-    <mc:Choice Requires="p14">
-      <p:transition spd="med" p14:dur="700">
-        <p:fade/>
-      </p:transition>
-    </mc:Choice>
-    <mc:Fallback xmlns="">
-      <p:transition spd="med">
-        <p:fade/>
-      </p:transition>
-    </mc:Fallback>
-  </mc:AlternateContent>
-</p:sld>
-</file>
-
-<file path=ppt/slides/slide6.xml><?xml version="1.0" encoding="utf-8"?>
-<p:sld xmlns:a="http://schemas.openxmlformats.org/drawingml/2006/main" xmlns:r="http://schemas.openxmlformats.org/officeDocument/2006/relationships" xmlns:p="http://schemas.openxmlformats.org/presentationml/2006/main">
-  <p:cSld>
-    <p:spTree>
-      <p:nvGrpSpPr>
-        <p:cNvPr id="1" name=""/>
-        <p:cNvGrpSpPr/>
-        <p:nvPr/>
-      </p:nvGrpSpPr>
-      <p:grpSpPr>
-        <a:xfrm>
-          <a:off x="0" y="0"/>
-          <a:ext cx="0" cy="0"/>
-          <a:chOff x="0" y="0"/>
-          <a:chExt cx="0" cy="0"/>
-        </a:xfrm>
-      </p:grpSpPr>
-      <p:sp>
-        <p:nvSpPr>
-          <p:cNvPr id="4" name="Title 3">
-            <a:extLst>
-              <a:ext uri="{FF2B5EF4-FFF2-40B4-BE49-F238E27FC236}">
-                <a16:creationId xmlns:a16="http://schemas.microsoft.com/office/drawing/2014/main" xmlns="" id="{315E3981-F0D7-482C-A8E0-6A57700BECA7}"/>
-              </a:ext>
-            </a:extLst>
-          </p:cNvPr>
-          <p:cNvSpPr>
-            <a:spLocks noGrp="1"/>
-          </p:cNvSpPr>
-          <p:nvPr>
-            <p:ph type="title"/>
-          </p:nvPr>
-        </p:nvSpPr>
-        <p:spPr/>
-        <p:txBody>
-          <a:bodyPr/>
-          <a:lstStyle/>
-          <a:p>
-            <a:r>
-              <a:rPr lang="en-US" dirty="0"/>
-              <a:t>Content Title 03</a:t>
-            </a:r>
-          </a:p>
-        </p:txBody>
-      </p:sp>
-      <p:pic>
-        <p:nvPicPr>
-          <p:cNvPr id="20" name="Picture Placeholder 19" descr="Triangular pattern design with dimension">
-            <a:extLst>
-              <a:ext uri="{FF2B5EF4-FFF2-40B4-BE49-F238E27FC236}">
-                <a16:creationId xmlns:a16="http://schemas.microsoft.com/office/drawing/2014/main" xmlns="" id="{3DCA2B8E-64D3-7645-8DEB-688ED5756F52}"/>
-              </a:ext>
-            </a:extLst>
-          </p:cNvPr>
-          <p:cNvPicPr>
-            <a:picLocks noGrp="1" noChangeAspect="1"/>
-          </p:cNvPicPr>
-          <p:nvPr>
-            <p:ph type="pic" sz="quarter" idx="19"/>
-          </p:nvPr>
-        </p:nvPicPr>
-        <p:blipFill>
-          <a:blip r:embed="rId2">
-            <a:extLst>
-              <a:ext uri="{28A0092B-C50C-407E-A947-70E740481C1C}">
-                <a14:useLocalDpi xmlns:a14="http://schemas.microsoft.com/office/drawing/2010/main" val="0"/>
-              </a:ext>
-            </a:extLst>
-          </a:blip>
-          <a:srcRect/>
-          <a:stretch>
-            <a:fillRect/>
-          </a:stretch>
-        </p:blipFill>
-        <p:spPr/>
-      </p:pic>
-      <p:sp>
-        <p:nvSpPr>
-          <p:cNvPr id="19" name="Text Placeholder 18">
-            <a:extLst>
-              <a:ext uri="{FF2B5EF4-FFF2-40B4-BE49-F238E27FC236}">
-                <a16:creationId xmlns:a16="http://schemas.microsoft.com/office/drawing/2014/main" xmlns="" id="{782206B1-586F-4254-9B36-D06C4E294ACF}"/>
-              </a:ext>
-            </a:extLst>
-          </p:cNvPr>
-          <p:cNvSpPr>
-            <a:spLocks noGrp="1"/>
-          </p:cNvSpPr>
-          <p:nvPr>
-            <p:ph type="body" sz="quarter" idx="18"/>
-          </p:nvPr>
-        </p:nvSpPr>
-        <p:spPr/>
-        <p:txBody>
-          <a:bodyPr/>
-          <a:lstStyle/>
-          <a:p>
-            <a:r>
-              <a:rPr lang="en-US" dirty="0"/>
-              <a:t>Caption01 appears here</a:t>
-            </a:r>
-          </a:p>
-        </p:txBody>
-      </p:sp>
-      <p:sp>
-        <p:nvSpPr>
-          <p:cNvPr id="21" name="Text Placeholder 20">
-            <a:extLst>
-              <a:ext uri="{FF2B5EF4-FFF2-40B4-BE49-F238E27FC236}">
-                <a16:creationId xmlns:a16="http://schemas.microsoft.com/office/drawing/2014/main" xmlns="" id="{1B8F0371-4F69-4131-91BF-9AB99E6EE89B}"/>
-              </a:ext>
-            </a:extLst>
-          </p:cNvPr>
-          <p:cNvSpPr>
-            <a:spLocks noGrp="1"/>
-          </p:cNvSpPr>
-          <p:nvPr>
-            <p:ph type="body" sz="quarter" idx="20"/>
-          </p:nvPr>
-        </p:nvSpPr>
-        <p:spPr/>
-        <p:txBody>
-          <a:bodyPr/>
-          <a:lstStyle/>
-          <a:p>
-            <a:r>
-              <a:rPr lang="en-US" dirty="0"/>
-              <a:t>Caption03 appears here</a:t>
-            </a:r>
-          </a:p>
-        </p:txBody>
-      </p:sp>
-      <p:sp>
-        <p:nvSpPr>
-          <p:cNvPr id="22" name="Text Placeholder 21">
-            <a:extLst>
-              <a:ext uri="{FF2B5EF4-FFF2-40B4-BE49-F238E27FC236}">
-                <a16:creationId xmlns:a16="http://schemas.microsoft.com/office/drawing/2014/main" xmlns="" id="{78CACAF1-61EA-4605-A8FE-2EEE752B49FF}"/>
-              </a:ext>
-            </a:extLst>
-          </p:cNvPr>
-          <p:cNvSpPr>
-            <a:spLocks noGrp="1"/>
-          </p:cNvSpPr>
-          <p:nvPr>
-            <p:ph type="body" sz="quarter" idx="21"/>
-          </p:nvPr>
-        </p:nvSpPr>
-        <p:spPr/>
-        <p:txBody>
-          <a:bodyPr/>
-          <a:lstStyle/>
-          <a:p>
-            <a:r>
-              <a:rPr lang="en-US" dirty="0"/>
-              <a:t>Caption04 appears here</a:t>
-            </a:r>
-          </a:p>
-        </p:txBody>
-      </p:sp>
-      <p:sp>
-        <p:nvSpPr>
-          <p:cNvPr id="2" name="Slide Number Placeholder 1">
-            <a:extLst>
-              <a:ext uri="{FF2B5EF4-FFF2-40B4-BE49-F238E27FC236}">
-                <a16:creationId xmlns:a16="http://schemas.microsoft.com/office/drawing/2014/main" xmlns="" id="{2F478C69-0A1D-45FF-8600-ED903803FFE1}"/>
-              </a:ext>
-            </a:extLst>
-          </p:cNvPr>
-          <p:cNvSpPr>
-            <a:spLocks noGrp="1"/>
-          </p:cNvSpPr>
-          <p:nvPr>
-            <p:ph type="sldNum" sz="quarter" idx="12"/>
-          </p:nvPr>
-        </p:nvSpPr>
-        <p:spPr/>
-        <p:txBody>
-          <a:bodyPr/>
-          <a:lstStyle/>
-          <a:p>
-            <a:fld id="{C263D6C4-4840-40CC-AC84-17E24B3B7BDE}" type="slidenum">
-              <a:rPr lang="en-US" smtClean="0"/>
-              <a:pPr/>
-              <a:t>6</a:t>
-            </a:fld>
-            <a:endParaRPr lang="en-US" dirty="0"/>
-          </a:p>
-        </p:txBody>
-      </p:sp>
-    </p:spTree>
-    <p:extLst>
-      <p:ext uri="{BB962C8B-B14F-4D97-AF65-F5344CB8AC3E}">
-        <p14:creationId xmlns:p14="http://schemas.microsoft.com/office/powerpoint/2010/main" val="451187730"/>
-      </p:ext>
-    </p:extLst>
-  </p:cSld>
-  <p:clrMapOvr>
-    <a:masterClrMapping/>
-  </p:clrMapOvr>
-  <mc:AlternateContent xmlns:mc="http://schemas.openxmlformats.org/markup-compatibility/2006" xmlns:p14="http://schemas.microsoft.com/office/powerpoint/2010/main">
-    <mc:Choice Requires="p14">
-      <p:transition spd="med" p14:dur="700">
-        <p:fade/>
-      </p:transition>
-    </mc:Choice>
-    <mc:Fallback xmlns="">
-      <p:transition spd="med">
-        <p:fade/>
-      </p:transition>
-    </mc:Fallback>
-  </mc:AlternateContent>
-</p:sld>
-</file>
-
-<file path=ppt/slides/slide7.xml><?xml version="1.0" encoding="utf-8"?>
-<p:sld xmlns:a="http://schemas.openxmlformats.org/drawingml/2006/main" xmlns:r="http://schemas.openxmlformats.org/officeDocument/2006/relationships" xmlns:p="http://schemas.openxmlformats.org/presentationml/2006/main">
-  <p:cSld>
-    <p:spTree>
-      <p:nvGrpSpPr>
-        <p:cNvPr id="1" name=""/>
-        <p:cNvGrpSpPr/>
-        <p:nvPr/>
-      </p:nvGrpSpPr>
-      <p:grpSpPr>
-        <a:xfrm>
-          <a:off x="0" y="0"/>
-          <a:ext cx="0" cy="0"/>
-          <a:chOff x="0" y="0"/>
-          <a:chExt cx="0" cy="0"/>
-        </a:xfrm>
-      </p:grpSpPr>
-      <p:sp>
-        <p:nvSpPr>
           <p:cNvPr id="4" name="Title 3">
             <a:extLst>
               <a:ext uri="{FF2B5EF4-FFF2-40B4-BE49-F238E27FC236}">
@@ -28496,7 +26649,7 @@
             <a:fld id="{C263D6C4-4840-40CC-AC84-17E24B3B7BDE}" type="slidenum">
               <a:rPr lang="en-US" smtClean="0"/>
               <a:pPr/>
-              <a:t>7</a:t>
+              <a:t>10</a:t>
             </a:fld>
             <a:endParaRPr lang="en-US" dirty="0"/>
           </a:p>
@@ -28527,7 +26680,7 @@
 </p:sld>
 </file>
 
-<file path=ppt/slides/slide8.xml><?xml version="1.0" encoding="utf-8"?>
+<file path=ppt/slides/slide11.xml><?xml version="1.0" encoding="utf-8"?>
 <p:sld xmlns:a="http://schemas.openxmlformats.org/drawingml/2006/main" xmlns:r="http://schemas.openxmlformats.org/officeDocument/2006/relationships" xmlns:p="http://schemas.openxmlformats.org/presentationml/2006/main">
   <p:cSld>
     <p:spTree>
@@ -30417,7 +28570,7 @@
             <a:fld id="{C263D6C4-4840-40CC-AC84-17E24B3B7BDE}" type="slidenum">
               <a:rPr lang="en-US" smtClean="0"/>
               <a:pPr/>
-              <a:t>8</a:t>
+              <a:t>11</a:t>
             </a:fld>
             <a:endParaRPr lang="en-US" dirty="0"/>
           </a:p>
@@ -30448,7 +28601,7 @@
 </p:sld>
 </file>
 
-<file path=ppt/slides/slide9.xml><?xml version="1.0" encoding="utf-8"?>
+<file path=ppt/slides/slide12.xml><?xml version="1.0" encoding="utf-8"?>
 <p:sld xmlns:a="http://schemas.openxmlformats.org/drawingml/2006/main" xmlns:r="http://schemas.openxmlformats.org/officeDocument/2006/relationships" xmlns:p="http://schemas.openxmlformats.org/presentationml/2006/main">
   <p:cSld>
     <p:spTree>
@@ -30545,6 +28698,2508 @@
             <a:fld id="{C263D6C4-4840-40CC-AC84-17E24B3B7BDE}" type="slidenum">
               <a:rPr lang="en-US" smtClean="0"/>
               <a:pPr/>
+              <a:t>12</a:t>
+            </a:fld>
+            <a:endParaRPr lang="en-US" dirty="0"/>
+          </a:p>
+        </p:txBody>
+      </p:sp>
+    </p:spTree>
+    <p:extLst>
+      <p:ext uri="{BB962C8B-B14F-4D97-AF65-F5344CB8AC3E}">
+        <p14:creationId xmlns:p14="http://schemas.microsoft.com/office/powerpoint/2010/main" val="3322300142"/>
+      </p:ext>
+    </p:extLst>
+  </p:cSld>
+  <p:clrMapOvr>
+    <a:masterClrMapping/>
+  </p:clrMapOvr>
+  <mc:AlternateContent xmlns:mc="http://schemas.openxmlformats.org/markup-compatibility/2006" xmlns:p14="http://schemas.microsoft.com/office/powerpoint/2010/main">
+    <mc:Choice Requires="p14">
+      <p:transition spd="med" p14:dur="700">
+        <p:fade/>
+      </p:transition>
+    </mc:Choice>
+    <mc:Fallback xmlns="">
+      <p:transition spd="med">
+        <p:fade/>
+      </p:transition>
+    </mc:Fallback>
+  </mc:AlternateContent>
+</p:sld>
+</file>
+
+<file path=ppt/slides/slide13.xml><?xml version="1.0" encoding="utf-8"?>
+<p:sld xmlns:a="http://schemas.openxmlformats.org/drawingml/2006/main" xmlns:r="http://schemas.openxmlformats.org/officeDocument/2006/relationships" xmlns:p="http://schemas.openxmlformats.org/presentationml/2006/main">
+  <p:cSld>
+    <p:spTree>
+      <p:nvGrpSpPr>
+        <p:cNvPr id="1" name=""/>
+        <p:cNvGrpSpPr/>
+        <p:nvPr/>
+      </p:nvGrpSpPr>
+      <p:grpSpPr>
+        <a:xfrm>
+          <a:off x="0" y="0"/>
+          <a:ext cx="0" cy="0"/>
+          <a:chOff x="0" y="0"/>
+          <a:chExt cx="0" cy="0"/>
+        </a:xfrm>
+      </p:grpSpPr>
+      <p:sp>
+        <p:nvSpPr>
+          <p:cNvPr id="6" name="Title 5">
+            <a:extLst>
+              <a:ext uri="{FF2B5EF4-FFF2-40B4-BE49-F238E27FC236}">
+                <a16:creationId xmlns:a16="http://schemas.microsoft.com/office/drawing/2014/main" xmlns="" id="{A4CD37D6-FE32-48E3-A3AD-F07BE6A19FA1}"/>
+              </a:ext>
+            </a:extLst>
+          </p:cNvPr>
+          <p:cNvSpPr>
+            <a:spLocks noGrp="1"/>
+          </p:cNvSpPr>
+          <p:nvPr>
+            <p:ph type="title"/>
+          </p:nvPr>
+        </p:nvSpPr>
+        <p:spPr>
+          <a:xfrm>
+            <a:off x="533399" y="3200400"/>
+            <a:ext cx="7551057" cy="2859313"/>
+          </a:xfrm>
+        </p:spPr>
+        <p:txBody>
+          <a:bodyPr/>
+          <a:lstStyle/>
+          <a:p>
+            <a:r>
+              <a:rPr lang="en-US" dirty="0"/>
+              <a:t>Quote appears here </a:t>
+            </a:r>
+            <a:br>
+              <a:rPr lang="en-US" dirty="0"/>
+            </a:br>
+            <a:r>
+              <a:rPr lang="en-US" dirty="0"/>
+              <a:t>Lorem ipsum dolor sit amet, consectetuer adipiscing elit.” </a:t>
+            </a:r>
+            <a:br>
+              <a:rPr lang="en-US" dirty="0"/>
+            </a:br>
+            <a:r>
+              <a:rPr lang="en-US" sz="2400" dirty="0"/>
+              <a:t>- Author</a:t>
+            </a:r>
+            <a:endParaRPr lang="en-US" dirty="0"/>
+          </a:p>
+        </p:txBody>
+      </p:sp>
+      <p:sp>
+        <p:nvSpPr>
+          <p:cNvPr id="2" name="Slide Number Placeholder 1">
+            <a:extLst>
+              <a:ext uri="{FF2B5EF4-FFF2-40B4-BE49-F238E27FC236}">
+                <a16:creationId xmlns:a16="http://schemas.microsoft.com/office/drawing/2014/main" xmlns="" id="{8EDC7217-2779-44E0-9E6D-3B3879516A1D}"/>
+              </a:ext>
+            </a:extLst>
+          </p:cNvPr>
+          <p:cNvSpPr>
+            <a:spLocks noGrp="1"/>
+          </p:cNvSpPr>
+          <p:nvPr>
+            <p:ph type="sldNum" sz="quarter" idx="12"/>
+          </p:nvPr>
+        </p:nvSpPr>
+        <p:spPr/>
+        <p:txBody>
+          <a:bodyPr/>
+          <a:lstStyle/>
+          <a:p>
+            <a:fld id="{C263D6C4-4840-40CC-AC84-17E24B3B7BDE}" type="slidenum">
+              <a:rPr lang="en-US" smtClean="0"/>
+              <a:pPr/>
+              <a:t>13</a:t>
+            </a:fld>
+            <a:endParaRPr lang="en-US" dirty="0"/>
+          </a:p>
+        </p:txBody>
+      </p:sp>
+    </p:spTree>
+    <p:extLst>
+      <p:ext uri="{BB962C8B-B14F-4D97-AF65-F5344CB8AC3E}">
+        <p14:creationId xmlns:p14="http://schemas.microsoft.com/office/powerpoint/2010/main" val="914134537"/>
+      </p:ext>
+    </p:extLst>
+  </p:cSld>
+  <p:clrMapOvr>
+    <a:masterClrMapping/>
+  </p:clrMapOvr>
+  <mc:AlternateContent xmlns:mc="http://schemas.openxmlformats.org/markup-compatibility/2006" xmlns:p14="http://schemas.microsoft.com/office/powerpoint/2010/main">
+    <mc:Choice Requires="p14">
+      <p:transition spd="med" p14:dur="700">
+        <p:fade/>
+      </p:transition>
+    </mc:Choice>
+    <mc:Fallback xmlns="">
+      <p:transition spd="med">
+        <p:fade/>
+      </p:transition>
+    </mc:Fallback>
+  </mc:AlternateContent>
+</p:sld>
+</file>
+
+<file path=ppt/slides/slide14.xml><?xml version="1.0" encoding="utf-8"?>
+<p:sld xmlns:a="http://schemas.openxmlformats.org/drawingml/2006/main" xmlns:r="http://schemas.openxmlformats.org/officeDocument/2006/relationships" xmlns:p="http://schemas.openxmlformats.org/presentationml/2006/main">
+  <p:cSld>
+    <p:spTree>
+      <p:nvGrpSpPr>
+        <p:cNvPr id="1" name=""/>
+        <p:cNvGrpSpPr/>
+        <p:nvPr/>
+      </p:nvGrpSpPr>
+      <p:grpSpPr>
+        <a:xfrm>
+          <a:off x="0" y="0"/>
+          <a:ext cx="0" cy="0"/>
+          <a:chOff x="0" y="0"/>
+          <a:chExt cx="0" cy="0"/>
+        </a:xfrm>
+      </p:grpSpPr>
+      <p:sp>
+        <p:nvSpPr>
+          <p:cNvPr id="2" name="Title 1">
+            <a:extLst>
+              <a:ext uri="{FF2B5EF4-FFF2-40B4-BE49-F238E27FC236}">
+                <a16:creationId xmlns:a16="http://schemas.microsoft.com/office/drawing/2014/main" xmlns="" id="{632BE5BF-9922-45FB-8F3F-4446D40A051B}"/>
+              </a:ext>
+            </a:extLst>
+          </p:cNvPr>
+          <p:cNvSpPr>
+            <a:spLocks noGrp="1"/>
+          </p:cNvSpPr>
+          <p:nvPr>
+            <p:ph type="ctrTitle"/>
+          </p:nvPr>
+        </p:nvSpPr>
+        <p:spPr/>
+        <p:txBody>
+          <a:bodyPr/>
+          <a:lstStyle/>
+          <a:p>
+            <a:r>
+              <a:rPr lang="en-US" dirty="0"/>
+              <a:t>Thank You 1</a:t>
+            </a:r>
+            <a:endParaRPr lang="en-GB" dirty="0"/>
+          </a:p>
+        </p:txBody>
+      </p:sp>
+    </p:spTree>
+    <p:extLst>
+      <p:ext uri="{BB962C8B-B14F-4D97-AF65-F5344CB8AC3E}">
+        <p14:creationId xmlns:p14="http://schemas.microsoft.com/office/powerpoint/2010/main" val="429771863"/>
+      </p:ext>
+    </p:extLst>
+  </p:cSld>
+  <p:clrMapOvr>
+    <a:masterClrMapping/>
+  </p:clrMapOvr>
+  <p:transition spd="slow">
+    <p:wipe/>
+  </p:transition>
+</p:sld>
+</file>
+
+<file path=ppt/slides/slide15.xml><?xml version="1.0" encoding="utf-8"?>
+<p:sld xmlns:a="http://schemas.openxmlformats.org/drawingml/2006/main" xmlns:r="http://schemas.openxmlformats.org/officeDocument/2006/relationships" xmlns:p="http://schemas.openxmlformats.org/presentationml/2006/main">
+  <p:cSld>
+    <p:spTree>
+      <p:nvGrpSpPr>
+        <p:cNvPr id="1" name=""/>
+        <p:cNvGrpSpPr/>
+        <p:nvPr/>
+      </p:nvGrpSpPr>
+      <p:grpSpPr>
+        <a:xfrm>
+          <a:off x="0" y="0"/>
+          <a:ext cx="0" cy="0"/>
+          <a:chOff x="0" y="0"/>
+          <a:chExt cx="0" cy="0"/>
+        </a:xfrm>
+      </p:grpSpPr>
+      <p:sp>
+        <p:nvSpPr>
+          <p:cNvPr id="2" name="Title 1">
+            <a:extLst>
+              <a:ext uri="{FF2B5EF4-FFF2-40B4-BE49-F238E27FC236}">
+                <a16:creationId xmlns:a16="http://schemas.microsoft.com/office/drawing/2014/main" xmlns="" id="{632BE5BF-9922-45FB-8F3F-4446D40A051B}"/>
+              </a:ext>
+            </a:extLst>
+          </p:cNvPr>
+          <p:cNvSpPr>
+            <a:spLocks noGrp="1"/>
+          </p:cNvSpPr>
+          <p:nvPr>
+            <p:ph type="ctrTitle"/>
+          </p:nvPr>
+        </p:nvSpPr>
+        <p:spPr/>
+        <p:txBody>
+          <a:bodyPr/>
+          <a:lstStyle/>
+          <a:p>
+            <a:r>
+              <a:rPr lang="en-US" dirty="0"/>
+              <a:t>Thank You 2</a:t>
+            </a:r>
+            <a:endParaRPr lang="en-GB" dirty="0"/>
+          </a:p>
+        </p:txBody>
+      </p:sp>
+    </p:spTree>
+    <p:extLst>
+      <p:ext uri="{BB962C8B-B14F-4D97-AF65-F5344CB8AC3E}">
+        <p14:creationId xmlns:p14="http://schemas.microsoft.com/office/powerpoint/2010/main" val="44069682"/>
+      </p:ext>
+    </p:extLst>
+  </p:cSld>
+  <p:clrMapOvr>
+    <a:masterClrMapping/>
+  </p:clrMapOvr>
+  <p:transition spd="slow">
+    <p:wipe/>
+  </p:transition>
+</p:sld>
+</file>
+
+<file path=ppt/slides/slide16.xml><?xml version="1.0" encoding="utf-8"?>
+<p:sld xmlns:a="http://schemas.openxmlformats.org/drawingml/2006/main" xmlns:r="http://schemas.openxmlformats.org/officeDocument/2006/relationships" xmlns:p="http://schemas.openxmlformats.org/presentationml/2006/main">
+  <p:cSld>
+    <p:spTree>
+      <p:nvGrpSpPr>
+        <p:cNvPr id="1" name=""/>
+        <p:cNvGrpSpPr/>
+        <p:nvPr/>
+      </p:nvGrpSpPr>
+      <p:grpSpPr>
+        <a:xfrm>
+          <a:off x="0" y="0"/>
+          <a:ext cx="0" cy="0"/>
+          <a:chOff x="0" y="0"/>
+          <a:chExt cx="0" cy="0"/>
+        </a:xfrm>
+      </p:grpSpPr>
+      <p:sp>
+        <p:nvSpPr>
+          <p:cNvPr id="4" name="Title 3">
+            <a:extLst>
+              <a:ext uri="{FF2B5EF4-FFF2-40B4-BE49-F238E27FC236}">
+                <a16:creationId xmlns:a16="http://schemas.microsoft.com/office/drawing/2014/main" xmlns="" id="{E98DCA46-603B-4178-8707-30E192CE6B8D}"/>
+              </a:ext>
+            </a:extLst>
+          </p:cNvPr>
+          <p:cNvSpPr>
+            <a:spLocks noGrp="1"/>
+          </p:cNvSpPr>
+          <p:nvPr>
+            <p:ph type="title"/>
+          </p:nvPr>
+        </p:nvSpPr>
+        <p:spPr/>
+        <p:txBody>
+          <a:bodyPr/>
+          <a:lstStyle/>
+          <a:p>
+            <a:r>
+              <a:rPr lang="en-US" dirty="0"/>
+              <a:t>Customize this Template</a:t>
+            </a:r>
+          </a:p>
+        </p:txBody>
+      </p:sp>
+      <p:sp>
+        <p:nvSpPr>
+          <p:cNvPr id="2" name="Slide Number Placeholder 1">
+            <a:extLst>
+              <a:ext uri="{FF2B5EF4-FFF2-40B4-BE49-F238E27FC236}">
+                <a16:creationId xmlns:a16="http://schemas.microsoft.com/office/drawing/2014/main" xmlns="" id="{6D90B5C6-1CB0-445E-99D1-8E2FE8C59B50}"/>
+              </a:ext>
+            </a:extLst>
+          </p:cNvPr>
+          <p:cNvSpPr>
+            <a:spLocks noGrp="1"/>
+          </p:cNvSpPr>
+          <p:nvPr>
+            <p:ph type="sldNum" sz="quarter" idx="12"/>
+          </p:nvPr>
+        </p:nvSpPr>
+        <p:spPr/>
+        <p:txBody>
+          <a:bodyPr/>
+          <a:lstStyle/>
+          <a:p>
+            <a:fld id="{C263D6C4-4840-40CC-AC84-17E24B3B7BDE}" type="slidenum">
+              <a:rPr lang="en-US" smtClean="0"/>
+              <a:pPr/>
+              <a:t>16</a:t>
+            </a:fld>
+            <a:endParaRPr lang="en-US" dirty="0"/>
+          </a:p>
+        </p:txBody>
+      </p:sp>
+      <p:sp>
+        <p:nvSpPr>
+          <p:cNvPr id="3" name="Text Placeholder 2">
+            <a:extLst>
+              <a:ext uri="{FF2B5EF4-FFF2-40B4-BE49-F238E27FC236}">
+                <a16:creationId xmlns:a16="http://schemas.microsoft.com/office/drawing/2014/main" xmlns="" id="{06554A61-D199-469B-AB0C-B68F82B5059F}"/>
+              </a:ext>
+            </a:extLst>
+          </p:cNvPr>
+          <p:cNvSpPr>
+            <a:spLocks noGrp="1"/>
+          </p:cNvSpPr>
+          <p:nvPr>
+            <p:ph type="body" sz="quarter" idx="13"/>
+          </p:nvPr>
+        </p:nvSpPr>
+        <p:spPr/>
+        <p:txBody>
+          <a:bodyPr/>
+          <a:lstStyle/>
+          <a:p>
+            <a:r>
+              <a:rPr lang="en-US" u="sng" dirty="0">
+                <a:hlinkClick r:id="rId2">
+                  <a:extLst>
+                    <a:ext uri="{A12FA001-AC4F-418D-AE19-62706E023703}">
+                      <ahyp:hlinkClr xmlns:ahyp="http://schemas.microsoft.com/office/drawing/2018/hyperlinkcolor" xmlns="" val="tx"/>
+                    </a:ext>
+                  </a:extLst>
+                </a:hlinkClick>
+              </a:rPr>
+              <a:t>Template Editing Instructions and Feedback</a:t>
+            </a:r>
+            <a:endParaRPr lang="en-US" u="sng" dirty="0"/>
+          </a:p>
+        </p:txBody>
+      </p:sp>
+    </p:spTree>
+    <p:extLst>
+      <p:ext uri="{BB962C8B-B14F-4D97-AF65-F5344CB8AC3E}">
+        <p14:creationId xmlns:p14="http://schemas.microsoft.com/office/powerpoint/2010/main" val="59582380"/>
+      </p:ext>
+    </p:extLst>
+  </p:cSld>
+  <p:clrMapOvr>
+    <a:masterClrMapping/>
+  </p:clrMapOvr>
+</p:sld>
+</file>
+
+<file path=ppt/slides/slide2.xml><?xml version="1.0" encoding="utf-8"?>
+<p:sld xmlns:a="http://schemas.openxmlformats.org/drawingml/2006/main" xmlns:r="http://schemas.openxmlformats.org/officeDocument/2006/relationships" xmlns:p="http://schemas.openxmlformats.org/presentationml/2006/main">
+  <p:cSld>
+    <p:spTree>
+      <p:nvGrpSpPr>
+        <p:cNvPr id="1" name=""/>
+        <p:cNvGrpSpPr/>
+        <p:nvPr/>
+      </p:nvGrpSpPr>
+      <p:grpSpPr>
+        <a:xfrm>
+          <a:off x="0" y="0"/>
+          <a:ext cx="0" cy="0"/>
+          <a:chOff x="0" y="0"/>
+          <a:chExt cx="0" cy="0"/>
+        </a:xfrm>
+      </p:grpSpPr>
+      <p:sp>
+        <p:nvSpPr>
+          <p:cNvPr id="4" name="Title 3">
+            <a:extLst>
+              <a:ext uri="{FF2B5EF4-FFF2-40B4-BE49-F238E27FC236}">
+                <a16:creationId xmlns:a16="http://schemas.microsoft.com/office/drawing/2014/main" xmlns="" id="{E3BD8413-C238-49D7-A4E1-E8FEF1811A0E}"/>
+              </a:ext>
+            </a:extLst>
+          </p:cNvPr>
+          <p:cNvSpPr>
+            <a:spLocks noGrp="1"/>
+          </p:cNvSpPr>
+          <p:nvPr>
+            <p:ph type="title"/>
+          </p:nvPr>
+        </p:nvSpPr>
+        <p:spPr>
+          <a:xfrm>
+            <a:off x="186813" y="268236"/>
+            <a:ext cx="10874477" cy="6046839"/>
+          </a:xfrm>
+        </p:spPr>
+        <p:txBody>
+          <a:bodyPr>
+            <a:noAutofit/>
+          </a:bodyPr>
+          <a:lstStyle/>
+          <a:p>
+            <a:r>
+              <a:rPr lang="en-US" sz="3000" b="0" dirty="0" smtClean="0">
+                <a:latin typeface="Times New Roman" panose="02020603050405020304" pitchFamily="18" charset="0"/>
+                <a:cs typeface="Times New Roman" panose="02020603050405020304" pitchFamily="18" charset="0"/>
+              </a:rPr>
+              <a:t> * What </a:t>
+            </a:r>
+            <a:r>
+              <a:rPr lang="en-US" sz="3000" b="0" dirty="0">
+                <a:latin typeface="Times New Roman" panose="02020603050405020304" pitchFamily="18" charset="0"/>
+                <a:cs typeface="Times New Roman" panose="02020603050405020304" pitchFamily="18" charset="0"/>
+              </a:rPr>
+              <a:t>is </a:t>
+            </a:r>
+            <a:r>
+              <a:rPr lang="en-US" sz="3000" b="0" dirty="0" err="1" smtClean="0">
+                <a:latin typeface="Times New Roman" panose="02020603050405020304" pitchFamily="18" charset="0"/>
+                <a:cs typeface="Times New Roman" panose="02020603050405020304" pitchFamily="18" charset="0"/>
+              </a:rPr>
+              <a:t>specflow</a:t>
+            </a:r>
+            <a:r>
+              <a:rPr lang="en-US" sz="3000" b="0" dirty="0" smtClean="0">
+                <a:latin typeface="Times New Roman" panose="02020603050405020304" pitchFamily="18" charset="0"/>
+                <a:cs typeface="Times New Roman" panose="02020603050405020304" pitchFamily="18" charset="0"/>
+              </a:rPr>
+              <a:t/>
+            </a:r>
+            <a:br>
+              <a:rPr lang="en-US" sz="3000" b="0" dirty="0" smtClean="0">
+                <a:latin typeface="Times New Roman" panose="02020603050405020304" pitchFamily="18" charset="0"/>
+                <a:cs typeface="Times New Roman" panose="02020603050405020304" pitchFamily="18" charset="0"/>
+              </a:rPr>
+            </a:br>
+            <a:r>
+              <a:rPr lang="en-US" sz="3000" b="0" dirty="0">
+                <a:latin typeface="Times New Roman" panose="02020603050405020304" pitchFamily="18" charset="0"/>
+                <a:cs typeface="Times New Roman" panose="02020603050405020304" pitchFamily="18" charset="0"/>
+              </a:rPr>
+              <a:t> </a:t>
+            </a:r>
+            <a:r>
+              <a:rPr lang="en-US" sz="3000" b="0" dirty="0" smtClean="0">
+                <a:latin typeface="Times New Roman" panose="02020603050405020304" pitchFamily="18" charset="0"/>
+                <a:cs typeface="Times New Roman" panose="02020603050405020304" pitchFamily="18" charset="0"/>
+              </a:rPr>
+              <a:t>* TDD &amp; BDD</a:t>
+            </a:r>
+            <a:br>
+              <a:rPr lang="en-US" sz="3000" b="0" dirty="0" smtClean="0">
+                <a:latin typeface="Times New Roman" panose="02020603050405020304" pitchFamily="18" charset="0"/>
+                <a:cs typeface="Times New Roman" panose="02020603050405020304" pitchFamily="18" charset="0"/>
+              </a:rPr>
+            </a:br>
+            <a:r>
+              <a:rPr lang="en-US" sz="3000" b="0" dirty="0" smtClean="0">
+                <a:latin typeface="Times New Roman" panose="02020603050405020304" pitchFamily="18" charset="0"/>
+                <a:cs typeface="Times New Roman" panose="02020603050405020304" pitchFamily="18" charset="0"/>
+              </a:rPr>
+              <a:t> * Selenium</a:t>
+            </a:r>
+            <a:r>
+              <a:rPr lang="en-US" sz="3000" b="0" dirty="0">
+                <a:latin typeface="Times New Roman" panose="02020603050405020304" pitchFamily="18" charset="0"/>
+                <a:cs typeface="Times New Roman" panose="02020603050405020304" pitchFamily="18" charset="0"/>
+              </a:rPr>
+              <a:t/>
+            </a:r>
+            <a:br>
+              <a:rPr lang="en-US" sz="3000" b="0" dirty="0">
+                <a:latin typeface="Times New Roman" panose="02020603050405020304" pitchFamily="18" charset="0"/>
+                <a:cs typeface="Times New Roman" panose="02020603050405020304" pitchFamily="18" charset="0"/>
+              </a:rPr>
+            </a:br>
+            <a:r>
+              <a:rPr lang="en-US" sz="3000" b="0" dirty="0">
+                <a:latin typeface="Times New Roman" panose="02020603050405020304" pitchFamily="18" charset="0"/>
+                <a:cs typeface="Times New Roman" panose="02020603050405020304" pitchFamily="18" charset="0"/>
+              </a:rPr>
+              <a:t> * Web Driver</a:t>
+            </a:r>
+            <a:br>
+              <a:rPr lang="en-US" sz="3000" b="0" dirty="0">
+                <a:latin typeface="Times New Roman" panose="02020603050405020304" pitchFamily="18" charset="0"/>
+                <a:cs typeface="Times New Roman" panose="02020603050405020304" pitchFamily="18" charset="0"/>
+              </a:rPr>
+            </a:br>
+            <a:r>
+              <a:rPr lang="en-US" sz="3000" b="0" dirty="0" smtClean="0">
+                <a:latin typeface="Times New Roman" panose="02020603050405020304" pitchFamily="18" charset="0"/>
+                <a:cs typeface="Times New Roman" panose="02020603050405020304" pitchFamily="18" charset="0"/>
+              </a:rPr>
+              <a:t> * Setup </a:t>
+            </a:r>
+            <a:r>
+              <a:rPr lang="en-US" sz="3000" b="0" dirty="0">
+                <a:latin typeface="Times New Roman" panose="02020603050405020304" pitchFamily="18" charset="0"/>
+                <a:cs typeface="Times New Roman" panose="02020603050405020304" pitchFamily="18" charset="0"/>
+              </a:rPr>
+              <a:t>&amp; </a:t>
+            </a:r>
+            <a:r>
+              <a:rPr lang="en-US" sz="3000" b="0" dirty="0" smtClean="0">
+                <a:latin typeface="Times New Roman" panose="02020603050405020304" pitchFamily="18" charset="0"/>
+                <a:cs typeface="Times New Roman" panose="02020603050405020304" pitchFamily="18" charset="0"/>
+              </a:rPr>
+              <a:t>Requirement</a:t>
+            </a:r>
+            <a:r>
+              <a:rPr lang="en-US" sz="3000" b="0" dirty="0">
+                <a:latin typeface="Times New Roman" panose="02020603050405020304" pitchFamily="18" charset="0"/>
+                <a:cs typeface="Times New Roman" panose="02020603050405020304" pitchFamily="18" charset="0"/>
+              </a:rPr>
+              <a:t/>
+            </a:r>
+            <a:br>
+              <a:rPr lang="en-US" sz="3000" b="0" dirty="0">
+                <a:latin typeface="Times New Roman" panose="02020603050405020304" pitchFamily="18" charset="0"/>
+                <a:cs typeface="Times New Roman" panose="02020603050405020304" pitchFamily="18" charset="0"/>
+              </a:rPr>
+            </a:br>
+            <a:r>
+              <a:rPr lang="en-US" sz="3000" b="0" dirty="0" smtClean="0">
+                <a:latin typeface="Times New Roman" panose="02020603050405020304" pitchFamily="18" charset="0"/>
+                <a:cs typeface="Times New Roman" panose="02020603050405020304" pitchFamily="18" charset="0"/>
+              </a:rPr>
+              <a:t> * Page </a:t>
+            </a:r>
+            <a:r>
+              <a:rPr lang="en-US" sz="3000" b="0" dirty="0">
+                <a:latin typeface="Times New Roman" panose="02020603050405020304" pitchFamily="18" charset="0"/>
+                <a:cs typeface="Times New Roman" panose="02020603050405020304" pitchFamily="18" charset="0"/>
+              </a:rPr>
+              <a:t>Model Pattern</a:t>
+            </a:r>
+            <a:br>
+              <a:rPr lang="en-US" sz="3000" b="0" dirty="0">
+                <a:latin typeface="Times New Roman" panose="02020603050405020304" pitchFamily="18" charset="0"/>
+                <a:cs typeface="Times New Roman" panose="02020603050405020304" pitchFamily="18" charset="0"/>
+              </a:rPr>
+            </a:br>
+            <a:r>
+              <a:rPr lang="en-US" sz="3000" b="0" dirty="0" smtClean="0">
+                <a:latin typeface="Times New Roman" panose="02020603050405020304" pitchFamily="18" charset="0"/>
+                <a:cs typeface="Times New Roman" panose="02020603050405020304" pitchFamily="18" charset="0"/>
+              </a:rPr>
+              <a:t> * What </a:t>
+            </a:r>
+            <a:r>
+              <a:rPr lang="en-US" sz="3000" b="0" dirty="0">
+                <a:latin typeface="Times New Roman" panose="02020603050405020304" pitchFamily="18" charset="0"/>
+                <a:cs typeface="Times New Roman" panose="02020603050405020304" pitchFamily="18" charset="0"/>
+              </a:rPr>
+              <a:t>is Gherkin, Gherkin syntax, Advantage and </a:t>
+            </a:r>
+            <a:r>
+              <a:rPr lang="en-US" sz="3000" b="0" dirty="0" smtClean="0">
+                <a:latin typeface="Times New Roman" panose="02020603050405020304" pitchFamily="18" charset="0"/>
+                <a:cs typeface="Times New Roman" panose="02020603050405020304" pitchFamily="18" charset="0"/>
+              </a:rPr>
+              <a:t>Disadvantages</a:t>
+            </a:r>
+            <a:br>
+              <a:rPr lang="en-US" sz="3000" b="0" dirty="0" smtClean="0">
+                <a:latin typeface="Times New Roman" panose="02020603050405020304" pitchFamily="18" charset="0"/>
+                <a:cs typeface="Times New Roman" panose="02020603050405020304" pitchFamily="18" charset="0"/>
+              </a:rPr>
+            </a:br>
+            <a:r>
+              <a:rPr lang="en-US" sz="3000" b="0" dirty="0" smtClean="0">
+                <a:latin typeface="Times New Roman" panose="02020603050405020304" pitchFamily="18" charset="0"/>
+                <a:cs typeface="Times New Roman" panose="02020603050405020304" pitchFamily="18" charset="0"/>
+              </a:rPr>
+              <a:t> * Terms </a:t>
+            </a:r>
+            <a:r>
+              <a:rPr lang="en-US" sz="3000" b="0" dirty="0">
+                <a:latin typeface="Times New Roman" panose="02020603050405020304" pitchFamily="18" charset="0"/>
+                <a:cs typeface="Times New Roman" panose="02020603050405020304" pitchFamily="18" charset="0"/>
+              </a:rPr>
+              <a:t>used in </a:t>
+            </a:r>
+            <a:r>
+              <a:rPr lang="en-US" sz="3000" b="0" dirty="0" smtClean="0">
+                <a:latin typeface="Times New Roman" panose="02020603050405020304" pitchFamily="18" charset="0"/>
+                <a:cs typeface="Times New Roman" panose="02020603050405020304" pitchFamily="18" charset="0"/>
+              </a:rPr>
+              <a:t>Gherkin</a:t>
+            </a:r>
+            <a:r>
+              <a:rPr lang="en-US" sz="3000" b="0" dirty="0">
+                <a:latin typeface="Times New Roman" panose="02020603050405020304" pitchFamily="18" charset="0"/>
+                <a:cs typeface="Times New Roman" panose="02020603050405020304" pitchFamily="18" charset="0"/>
+              </a:rPr>
+              <a:t/>
+            </a:r>
+            <a:br>
+              <a:rPr lang="en-US" sz="3000" b="0" dirty="0">
+                <a:latin typeface="Times New Roman" panose="02020603050405020304" pitchFamily="18" charset="0"/>
+                <a:cs typeface="Times New Roman" panose="02020603050405020304" pitchFamily="18" charset="0"/>
+              </a:rPr>
+            </a:br>
+            <a:r>
+              <a:rPr lang="en-US" sz="3000" b="0" dirty="0" smtClean="0">
+                <a:latin typeface="Times New Roman" panose="02020603050405020304" pitchFamily="18" charset="0"/>
+                <a:cs typeface="Times New Roman" panose="02020603050405020304" pitchFamily="18" charset="0"/>
+              </a:rPr>
+              <a:t> * Web </a:t>
+            </a:r>
+            <a:r>
+              <a:rPr lang="en-US" sz="3000" b="0" dirty="0">
+                <a:latin typeface="Times New Roman" panose="02020603050405020304" pitchFamily="18" charset="0"/>
+                <a:cs typeface="Times New Roman" panose="02020603050405020304" pitchFamily="18" charset="0"/>
+              </a:rPr>
+              <a:t>elements</a:t>
+            </a:r>
+            <a:br>
+              <a:rPr lang="en-US" sz="3000" b="0" dirty="0">
+                <a:latin typeface="Times New Roman" panose="02020603050405020304" pitchFamily="18" charset="0"/>
+                <a:cs typeface="Times New Roman" panose="02020603050405020304" pitchFamily="18" charset="0"/>
+              </a:rPr>
+            </a:br>
+            <a:r>
+              <a:rPr lang="en-US" sz="3000" b="0" dirty="0" smtClean="0">
+                <a:latin typeface="Times New Roman" panose="02020603050405020304" pitchFamily="18" charset="0"/>
+                <a:cs typeface="Times New Roman" panose="02020603050405020304" pitchFamily="18" charset="0"/>
+              </a:rPr>
+              <a:t> * Feature </a:t>
+            </a:r>
+            <a:r>
+              <a:rPr lang="en-US" sz="3000" b="0" dirty="0">
+                <a:latin typeface="Times New Roman" panose="02020603050405020304" pitchFamily="18" charset="0"/>
+                <a:cs typeface="Times New Roman" panose="02020603050405020304" pitchFamily="18" charset="0"/>
+              </a:rPr>
+              <a:t>in </a:t>
+            </a:r>
+            <a:r>
+              <a:rPr lang="en-US" sz="3000" b="0" dirty="0" err="1">
+                <a:latin typeface="Times New Roman" panose="02020603050405020304" pitchFamily="18" charset="0"/>
+                <a:cs typeface="Times New Roman" panose="02020603050405020304" pitchFamily="18" charset="0"/>
+              </a:rPr>
+              <a:t>specflow</a:t>
+            </a:r>
+            <a:r>
+              <a:rPr lang="en-US" sz="3000" b="0" dirty="0">
+                <a:latin typeface="Times New Roman" panose="02020603050405020304" pitchFamily="18" charset="0"/>
+                <a:cs typeface="Times New Roman" panose="02020603050405020304" pitchFamily="18" charset="0"/>
+              </a:rPr>
+              <a:t/>
+            </a:r>
+            <a:br>
+              <a:rPr lang="en-US" sz="3000" b="0" dirty="0">
+                <a:latin typeface="Times New Roman" panose="02020603050405020304" pitchFamily="18" charset="0"/>
+                <a:cs typeface="Times New Roman" panose="02020603050405020304" pitchFamily="18" charset="0"/>
+              </a:rPr>
+            </a:br>
+            <a:r>
+              <a:rPr lang="en-US" sz="3000" b="0" dirty="0" smtClean="0">
+                <a:latin typeface="Times New Roman" panose="02020603050405020304" pitchFamily="18" charset="0"/>
+                <a:cs typeface="Times New Roman" panose="02020603050405020304" pitchFamily="18" charset="0"/>
+              </a:rPr>
+              <a:t> * Demo</a:t>
+            </a:r>
+            <a:r>
+              <a:rPr lang="en-US" sz="3000" b="0" dirty="0">
+                <a:latin typeface="Times New Roman" panose="02020603050405020304" pitchFamily="18" charset="0"/>
+                <a:cs typeface="Times New Roman" panose="02020603050405020304" pitchFamily="18" charset="0"/>
+              </a:rPr>
+              <a:t/>
+            </a:r>
+            <a:br>
+              <a:rPr lang="en-US" sz="3000" b="0" dirty="0">
+                <a:latin typeface="Times New Roman" panose="02020603050405020304" pitchFamily="18" charset="0"/>
+                <a:cs typeface="Times New Roman" panose="02020603050405020304" pitchFamily="18" charset="0"/>
+              </a:rPr>
+            </a:br>
+            <a:endParaRPr lang="en-US" sz="3000" b="0" dirty="0">
+              <a:latin typeface="Times New Roman" panose="02020603050405020304" pitchFamily="18" charset="0"/>
+              <a:cs typeface="Times New Roman" panose="02020603050405020304" pitchFamily="18" charset="0"/>
+            </a:endParaRPr>
+          </a:p>
+        </p:txBody>
+      </p:sp>
+      <p:sp>
+        <p:nvSpPr>
+          <p:cNvPr id="2" name="Slide Number Placeholder 1">
+            <a:extLst>
+              <a:ext uri="{FF2B5EF4-FFF2-40B4-BE49-F238E27FC236}">
+                <a16:creationId xmlns:a16="http://schemas.microsoft.com/office/drawing/2014/main" xmlns="" id="{0B24BF10-2B55-43AB-9F77-F1A1410384A9}"/>
+              </a:ext>
+            </a:extLst>
+          </p:cNvPr>
+          <p:cNvSpPr>
+            <a:spLocks noGrp="1"/>
+          </p:cNvSpPr>
+          <p:nvPr>
+            <p:ph type="sldNum" sz="quarter" idx="12"/>
+          </p:nvPr>
+        </p:nvSpPr>
+        <p:spPr/>
+        <p:txBody>
+          <a:bodyPr/>
+          <a:lstStyle/>
+          <a:p>
+            <a:fld id="{C263D6C4-4840-40CC-AC84-17E24B3B7BDE}" type="slidenum">
+              <a:rPr lang="en-US" smtClean="0"/>
+              <a:pPr/>
+              <a:t>2</a:t>
+            </a:fld>
+            <a:endParaRPr lang="en-US" dirty="0"/>
+          </a:p>
+        </p:txBody>
+      </p:sp>
+    </p:spTree>
+    <p:extLst>
+      <p:ext uri="{BB962C8B-B14F-4D97-AF65-F5344CB8AC3E}">
+        <p14:creationId xmlns:p14="http://schemas.microsoft.com/office/powerpoint/2010/main" val="2902794312"/>
+      </p:ext>
+    </p:extLst>
+  </p:cSld>
+  <p:clrMapOvr>
+    <a:masterClrMapping/>
+  </p:clrMapOvr>
+  <mc:AlternateContent xmlns:mc="http://schemas.openxmlformats.org/markup-compatibility/2006" xmlns:p14="http://schemas.microsoft.com/office/powerpoint/2010/main">
+    <mc:Choice Requires="p14">
+      <p:transition spd="med" p14:dur="700">
+        <p:fade/>
+      </p:transition>
+    </mc:Choice>
+    <mc:Fallback xmlns="">
+      <p:transition spd="med">
+        <p:fade/>
+      </p:transition>
+    </mc:Fallback>
+  </mc:AlternateContent>
+  <p:timing>
+    <p:tnLst>
+      <p:par>
+        <p:cTn id="1" dur="indefinite" restart="never" nodeType="tmRoot"/>
+      </p:par>
+    </p:tnLst>
+  </p:timing>
+</p:sld>
+</file>
+
+<file path=ppt/slides/slide3.xml><?xml version="1.0" encoding="utf-8"?>
+<p:sld xmlns:a="http://schemas.openxmlformats.org/drawingml/2006/main" xmlns:r="http://schemas.openxmlformats.org/officeDocument/2006/relationships" xmlns:p="http://schemas.openxmlformats.org/presentationml/2006/main">
+  <p:cSld>
+    <p:spTree>
+      <p:nvGrpSpPr>
+        <p:cNvPr id="1" name=""/>
+        <p:cNvGrpSpPr/>
+        <p:nvPr/>
+      </p:nvGrpSpPr>
+      <p:grpSpPr>
+        <a:xfrm>
+          <a:off x="0" y="0"/>
+          <a:ext cx="0" cy="0"/>
+          <a:chOff x="0" y="0"/>
+          <a:chExt cx="0" cy="0"/>
+        </a:xfrm>
+      </p:grpSpPr>
+      <p:sp>
+        <p:nvSpPr>
+          <p:cNvPr id="7" name="Title 6">
+            <a:extLst>
+              <a:ext uri="{FF2B5EF4-FFF2-40B4-BE49-F238E27FC236}">
+                <a16:creationId xmlns:a16="http://schemas.microsoft.com/office/drawing/2014/main" xmlns="" id="{7875C19A-1AAE-476A-A316-A2CF92D763D3}"/>
+              </a:ext>
+            </a:extLst>
+          </p:cNvPr>
+          <p:cNvSpPr>
+            <a:spLocks noGrp="1"/>
+          </p:cNvSpPr>
+          <p:nvPr>
+            <p:ph type="title"/>
+          </p:nvPr>
+        </p:nvSpPr>
+        <p:spPr/>
+        <p:txBody>
+          <a:bodyPr/>
+          <a:lstStyle/>
+          <a:p>
+            <a:r>
+              <a:rPr lang="en-US" dirty="0" smtClean="0">
+                <a:latin typeface="Times New Roman" panose="02020603050405020304" pitchFamily="18" charset="0"/>
+                <a:cs typeface="Times New Roman" panose="02020603050405020304" pitchFamily="18" charset="0"/>
+              </a:rPr>
+              <a:t>What is </a:t>
+            </a:r>
+            <a:r>
+              <a:rPr lang="en-US" dirty="0" err="1" smtClean="0">
+                <a:latin typeface="Times New Roman" panose="02020603050405020304" pitchFamily="18" charset="0"/>
+                <a:cs typeface="Times New Roman" panose="02020603050405020304" pitchFamily="18" charset="0"/>
+              </a:rPr>
+              <a:t>Specflow</a:t>
+            </a:r>
+            <a:endParaRPr lang="en-US" dirty="0">
+              <a:latin typeface="Times New Roman" panose="02020603050405020304" pitchFamily="18" charset="0"/>
+              <a:cs typeface="Times New Roman" panose="02020603050405020304" pitchFamily="18" charset="0"/>
+            </a:endParaRPr>
+          </a:p>
+        </p:txBody>
+      </p:sp>
+      <p:sp>
+        <p:nvSpPr>
+          <p:cNvPr id="10" name="Text Placeholder 9">
+            <a:extLst>
+              <a:ext uri="{FF2B5EF4-FFF2-40B4-BE49-F238E27FC236}">
+                <a16:creationId xmlns:a16="http://schemas.microsoft.com/office/drawing/2014/main" xmlns="" id="{EF2BC084-E6DB-4DE7-B309-042A85EBA700}"/>
+              </a:ext>
+            </a:extLst>
+          </p:cNvPr>
+          <p:cNvSpPr>
+            <a:spLocks noGrp="1"/>
+          </p:cNvSpPr>
+          <p:nvPr>
+            <p:ph type="body" sz="quarter" idx="13"/>
+          </p:nvPr>
+        </p:nvSpPr>
+        <p:spPr>
+          <a:xfrm>
+            <a:off x="444500" y="1625385"/>
+            <a:ext cx="7974570" cy="4093243"/>
+          </a:xfrm>
+        </p:spPr>
+        <p:txBody>
+          <a:bodyPr/>
+          <a:lstStyle/>
+          <a:p>
+            <a:r>
+              <a:rPr lang="en-US" sz="3000" dirty="0">
+                <a:latin typeface="Times New Roman" panose="02020603050405020304" pitchFamily="18" charset="0"/>
+                <a:cs typeface="Times New Roman" panose="02020603050405020304" pitchFamily="18" charset="0"/>
+              </a:rPr>
+              <a:t>Use </a:t>
+            </a:r>
+            <a:r>
+              <a:rPr lang="en-US" sz="3000" dirty="0" err="1">
+                <a:latin typeface="Times New Roman" panose="02020603050405020304" pitchFamily="18" charset="0"/>
+                <a:cs typeface="Times New Roman" panose="02020603050405020304" pitchFamily="18" charset="0"/>
+              </a:rPr>
+              <a:t>SpecFlow</a:t>
+            </a:r>
+            <a:r>
+              <a:rPr lang="en-US" sz="3000" dirty="0">
+                <a:latin typeface="Times New Roman" panose="02020603050405020304" pitchFamily="18" charset="0"/>
+                <a:cs typeface="Times New Roman" panose="02020603050405020304" pitchFamily="18" charset="0"/>
+              </a:rPr>
+              <a:t> to define, manage and automatically execute human-readable acceptance tests in .NET projects. Writing easily understandable tests is a cornerstone of the BDD paradigm and also helps build up a living documentation of your system</a:t>
+            </a:r>
+            <a:r>
+              <a:rPr lang="en-US" sz="3000" dirty="0" smtClean="0">
+                <a:latin typeface="Times New Roman" panose="02020603050405020304" pitchFamily="18" charset="0"/>
+                <a:cs typeface="Times New Roman" panose="02020603050405020304" pitchFamily="18" charset="0"/>
+              </a:rPr>
+              <a:t>.</a:t>
+            </a:r>
+          </a:p>
+          <a:p>
+            <a:endParaRPr lang="en-US" sz="3000" dirty="0" smtClean="0">
+              <a:latin typeface="Times New Roman" panose="02020603050405020304" pitchFamily="18" charset="0"/>
+              <a:cs typeface="Times New Roman" panose="02020603050405020304" pitchFamily="18" charset="0"/>
+            </a:endParaRPr>
+          </a:p>
+          <a:p>
+            <a:r>
+              <a:rPr lang="en-US" sz="3000" dirty="0" err="1">
+                <a:latin typeface="Times New Roman" panose="02020603050405020304" pitchFamily="18" charset="0"/>
+                <a:cs typeface="Times New Roman" panose="02020603050405020304" pitchFamily="18" charset="0"/>
+              </a:rPr>
+              <a:t>SpecFlow</a:t>
+            </a:r>
+            <a:r>
+              <a:rPr lang="en-US" sz="3000" dirty="0">
+                <a:latin typeface="Times New Roman" panose="02020603050405020304" pitchFamily="18" charset="0"/>
+                <a:cs typeface="Times New Roman" panose="02020603050405020304" pitchFamily="18" charset="0"/>
+              </a:rPr>
+              <a:t> supports popular testing frameworks: </a:t>
+            </a:r>
+            <a:r>
+              <a:rPr lang="en-US" sz="3000" dirty="0" err="1">
+                <a:latin typeface="Times New Roman" panose="02020603050405020304" pitchFamily="18" charset="0"/>
+                <a:cs typeface="Times New Roman" panose="02020603050405020304" pitchFamily="18" charset="0"/>
+              </a:rPr>
+              <a:t>MSTest</a:t>
+            </a:r>
+            <a:r>
+              <a:rPr lang="en-US" sz="3000" dirty="0">
+                <a:latin typeface="Times New Roman" panose="02020603050405020304" pitchFamily="18" charset="0"/>
+                <a:cs typeface="Times New Roman" panose="02020603050405020304" pitchFamily="18" charset="0"/>
+              </a:rPr>
+              <a:t>, </a:t>
+            </a:r>
+            <a:r>
+              <a:rPr lang="en-US" sz="3000" dirty="0" err="1">
+                <a:latin typeface="Times New Roman" panose="02020603050405020304" pitchFamily="18" charset="0"/>
+                <a:cs typeface="Times New Roman" panose="02020603050405020304" pitchFamily="18" charset="0"/>
+              </a:rPr>
+              <a:t>NUnit</a:t>
+            </a:r>
+            <a:r>
+              <a:rPr lang="en-US" sz="3000" dirty="0">
+                <a:latin typeface="Times New Roman" panose="02020603050405020304" pitchFamily="18" charset="0"/>
+                <a:cs typeface="Times New Roman" panose="02020603050405020304" pitchFamily="18" charset="0"/>
+              </a:rPr>
+              <a:t> (2 and 3) and </a:t>
+            </a:r>
+            <a:r>
+              <a:rPr lang="en-US" sz="3000" dirty="0" err="1">
+                <a:latin typeface="Times New Roman" panose="02020603050405020304" pitchFamily="18" charset="0"/>
+                <a:cs typeface="Times New Roman" panose="02020603050405020304" pitchFamily="18" charset="0"/>
+              </a:rPr>
+              <a:t>xUnit</a:t>
+            </a:r>
+            <a:r>
+              <a:rPr lang="en-US" sz="3000" dirty="0">
+                <a:latin typeface="Times New Roman" panose="02020603050405020304" pitchFamily="18" charset="0"/>
+                <a:cs typeface="Times New Roman" panose="02020603050405020304" pitchFamily="18" charset="0"/>
+              </a:rPr>
+              <a:t> 2</a:t>
+            </a:r>
+            <a:r>
+              <a:rPr lang="en-US" sz="3000" dirty="0" smtClean="0">
+                <a:latin typeface="Times New Roman" panose="02020603050405020304" pitchFamily="18" charset="0"/>
+                <a:cs typeface="Times New Roman" panose="02020603050405020304" pitchFamily="18" charset="0"/>
+              </a:rPr>
+              <a:t>.</a:t>
+            </a:r>
+          </a:p>
+        </p:txBody>
+      </p:sp>
+      <p:sp>
+        <p:nvSpPr>
+          <p:cNvPr id="2" name="Slide Number Placeholder 1">
+            <a:extLst>
+              <a:ext uri="{FF2B5EF4-FFF2-40B4-BE49-F238E27FC236}">
+                <a16:creationId xmlns:a16="http://schemas.microsoft.com/office/drawing/2014/main" xmlns="" id="{BE9800F6-D571-48C4-8466-12AA1ADB6599}"/>
+              </a:ext>
+            </a:extLst>
+          </p:cNvPr>
+          <p:cNvSpPr>
+            <a:spLocks noGrp="1"/>
+          </p:cNvSpPr>
+          <p:nvPr>
+            <p:ph type="sldNum" sz="quarter" idx="12"/>
+          </p:nvPr>
+        </p:nvSpPr>
+        <p:spPr/>
+        <p:txBody>
+          <a:bodyPr/>
+          <a:lstStyle/>
+          <a:p>
+            <a:fld id="{C263D6C4-4840-40CC-AC84-17E24B3B7BDE}" type="slidenum">
+              <a:rPr lang="en-US" smtClean="0"/>
+              <a:pPr/>
+              <a:t>3</a:t>
+            </a:fld>
+            <a:endParaRPr lang="en-US" dirty="0"/>
+          </a:p>
+        </p:txBody>
+      </p:sp>
+    </p:spTree>
+    <p:extLst>
+      <p:ext uri="{BB962C8B-B14F-4D97-AF65-F5344CB8AC3E}">
+        <p14:creationId xmlns:p14="http://schemas.microsoft.com/office/powerpoint/2010/main" val="3733486012"/>
+      </p:ext>
+    </p:extLst>
+  </p:cSld>
+  <p:clrMapOvr>
+    <a:masterClrMapping/>
+  </p:clrMapOvr>
+  <mc:AlternateContent xmlns:mc="http://schemas.openxmlformats.org/markup-compatibility/2006" xmlns:p14="http://schemas.microsoft.com/office/powerpoint/2010/main">
+    <mc:Choice Requires="p14">
+      <p:transition spd="med" p14:dur="700">
+        <p:fade/>
+      </p:transition>
+    </mc:Choice>
+    <mc:Fallback xmlns="">
+      <p:transition spd="med">
+        <p:fade/>
+      </p:transition>
+    </mc:Fallback>
+  </mc:AlternateContent>
+  <p:timing>
+    <p:tnLst>
+      <p:par>
+        <p:cTn id="1" dur="indefinite" restart="never" nodeType="tmRoot"/>
+      </p:par>
+    </p:tnLst>
+  </p:timing>
+</p:sld>
+</file>
+
+<file path=ppt/slides/slide4.xml><?xml version="1.0" encoding="utf-8"?>
+<p:sld xmlns:a="http://schemas.openxmlformats.org/drawingml/2006/main" xmlns:r="http://schemas.openxmlformats.org/officeDocument/2006/relationships" xmlns:p="http://schemas.openxmlformats.org/presentationml/2006/main">
+  <p:cSld>
+    <p:spTree>
+      <p:nvGrpSpPr>
+        <p:cNvPr id="1" name=""/>
+        <p:cNvGrpSpPr/>
+        <p:nvPr/>
+      </p:nvGrpSpPr>
+      <p:grpSpPr>
+        <a:xfrm>
+          <a:off x="0" y="0"/>
+          <a:ext cx="0" cy="0"/>
+          <a:chOff x="0" y="0"/>
+          <a:chExt cx="0" cy="0"/>
+        </a:xfrm>
+      </p:grpSpPr>
+      <p:sp>
+        <p:nvSpPr>
+          <p:cNvPr id="2" name="Title 1"/>
+          <p:cNvSpPr>
+            <a:spLocks noGrp="1"/>
+          </p:cNvSpPr>
+          <p:nvPr>
+            <p:ph type="title"/>
+          </p:nvPr>
+        </p:nvSpPr>
+        <p:spPr/>
+        <p:txBody>
+          <a:bodyPr/>
+          <a:lstStyle/>
+          <a:p>
+            <a:r>
+              <a:rPr lang="en-US" dirty="0"/>
+              <a:t>TDD &amp; BDD</a:t>
+            </a:r>
+          </a:p>
+        </p:txBody>
+      </p:sp>
+      <p:sp>
+        <p:nvSpPr>
+          <p:cNvPr id="3" name="Slide Number Placeholder 2"/>
+          <p:cNvSpPr>
+            <a:spLocks noGrp="1"/>
+          </p:cNvSpPr>
+          <p:nvPr>
+            <p:ph type="sldNum" sz="quarter" idx="12"/>
+          </p:nvPr>
+        </p:nvSpPr>
+        <p:spPr/>
+        <p:txBody>
+          <a:bodyPr/>
+          <a:lstStyle/>
+          <a:p>
+            <a:fld id="{C263D6C4-4840-40CC-AC84-17E24B3B7BDE}" type="slidenum">
+              <a:rPr lang="en-US" noProof="0" smtClean="0"/>
+              <a:pPr/>
+              <a:t>4</a:t>
+            </a:fld>
+            <a:endParaRPr lang="en-US" noProof="0" dirty="0"/>
+          </a:p>
+        </p:txBody>
+      </p:sp>
+      <p:sp>
+        <p:nvSpPr>
+          <p:cNvPr id="4" name="Text Placeholder 3"/>
+          <p:cNvSpPr>
+            <a:spLocks noGrp="1"/>
+          </p:cNvSpPr>
+          <p:nvPr>
+            <p:ph type="body" sz="quarter" idx="13"/>
+          </p:nvPr>
+        </p:nvSpPr>
+        <p:spPr/>
+        <p:txBody>
+          <a:bodyPr/>
+          <a:lstStyle/>
+          <a:p>
+            <a:endParaRPr lang="en-US"/>
+          </a:p>
+        </p:txBody>
+      </p:sp>
+      <p:pic>
+        <p:nvPicPr>
+          <p:cNvPr id="5" name="Picture 4"/>
+          <p:cNvPicPr>
+            <a:picLocks noChangeAspect="1"/>
+          </p:cNvPicPr>
+          <p:nvPr/>
+        </p:nvPicPr>
+        <p:blipFill>
+          <a:blip r:embed="rId2">
+            <a:extLst>
+              <a:ext uri="{28A0092B-C50C-407E-A947-70E740481C1C}">
+                <a14:useLocalDpi xmlns:a14="http://schemas.microsoft.com/office/drawing/2010/main" val="0"/>
+              </a:ext>
+            </a:extLst>
+          </a:blip>
+          <a:stretch>
+            <a:fillRect/>
+          </a:stretch>
+        </p:blipFill>
+        <p:spPr>
+          <a:xfrm>
+            <a:off x="444500" y="1190625"/>
+            <a:ext cx="11137900" cy="5124450"/>
+          </a:xfrm>
+          <a:prstGeom prst="rect">
+            <a:avLst/>
+          </a:prstGeom>
+        </p:spPr>
+      </p:pic>
+    </p:spTree>
+    <p:extLst>
+      <p:ext uri="{BB962C8B-B14F-4D97-AF65-F5344CB8AC3E}">
+        <p14:creationId xmlns:p14="http://schemas.microsoft.com/office/powerpoint/2010/main" val="4082427360"/>
+      </p:ext>
+    </p:extLst>
+  </p:cSld>
+  <p:clrMapOvr>
+    <a:masterClrMapping/>
+  </p:clrMapOvr>
+  <p:timing>
+    <p:tnLst>
+      <p:par>
+        <p:cTn id="1" dur="indefinite" restart="never" nodeType="tmRoot"/>
+      </p:par>
+    </p:tnLst>
+  </p:timing>
+</p:sld>
+</file>
+
+<file path=ppt/slides/slide5.xml><?xml version="1.0" encoding="utf-8"?>
+<p:sld xmlns:a="http://schemas.openxmlformats.org/drawingml/2006/main" xmlns:r="http://schemas.openxmlformats.org/officeDocument/2006/relationships" xmlns:p="http://schemas.openxmlformats.org/presentationml/2006/main">
+  <p:cSld>
+    <p:spTree>
+      <p:nvGrpSpPr>
+        <p:cNvPr id="1" name=""/>
+        <p:cNvGrpSpPr/>
+        <p:nvPr/>
+      </p:nvGrpSpPr>
+      <p:grpSpPr>
+        <a:xfrm>
+          <a:off x="0" y="0"/>
+          <a:ext cx="0" cy="0"/>
+          <a:chOff x="0" y="0"/>
+          <a:chExt cx="0" cy="0"/>
+        </a:xfrm>
+      </p:grpSpPr>
+      <p:sp>
+        <p:nvSpPr>
+          <p:cNvPr id="2" name="Title 1"/>
+          <p:cNvSpPr>
+            <a:spLocks noGrp="1"/>
+          </p:cNvSpPr>
+          <p:nvPr>
+            <p:ph type="title"/>
+          </p:nvPr>
+        </p:nvSpPr>
+        <p:spPr/>
+        <p:txBody>
+          <a:bodyPr/>
+          <a:lstStyle/>
+          <a:p>
+            <a:r>
+              <a:rPr lang="en-US" dirty="0"/>
+              <a:t>TDD</a:t>
+            </a:r>
+          </a:p>
+        </p:txBody>
+      </p:sp>
+      <p:sp>
+        <p:nvSpPr>
+          <p:cNvPr id="3" name="Slide Number Placeholder 2"/>
+          <p:cNvSpPr>
+            <a:spLocks noGrp="1"/>
+          </p:cNvSpPr>
+          <p:nvPr>
+            <p:ph type="sldNum" sz="quarter" idx="12"/>
+          </p:nvPr>
+        </p:nvSpPr>
+        <p:spPr/>
+        <p:txBody>
+          <a:bodyPr/>
+          <a:lstStyle/>
+          <a:p>
+            <a:fld id="{C263D6C4-4840-40CC-AC84-17E24B3B7BDE}" type="slidenum">
+              <a:rPr lang="en-US" noProof="0" smtClean="0"/>
+              <a:pPr/>
+              <a:t>5</a:t>
+            </a:fld>
+            <a:endParaRPr lang="en-US" noProof="0" dirty="0"/>
+          </a:p>
+        </p:txBody>
+      </p:sp>
+      <p:sp>
+        <p:nvSpPr>
+          <p:cNvPr id="4" name="Text Placeholder 3"/>
+          <p:cNvSpPr>
+            <a:spLocks noGrp="1"/>
+          </p:cNvSpPr>
+          <p:nvPr>
+            <p:ph type="body" sz="quarter" idx="13"/>
+          </p:nvPr>
+        </p:nvSpPr>
+        <p:spPr/>
+        <p:txBody>
+          <a:bodyPr/>
+          <a:lstStyle/>
+          <a:p>
+            <a:endParaRPr lang="en-US"/>
+          </a:p>
+        </p:txBody>
+      </p:sp>
+      <p:pic>
+        <p:nvPicPr>
+          <p:cNvPr id="5" name="Picture 4"/>
+          <p:cNvPicPr>
+            <a:picLocks noChangeAspect="1"/>
+          </p:cNvPicPr>
+          <p:nvPr/>
+        </p:nvPicPr>
+        <p:blipFill>
+          <a:blip r:embed="rId2">
+            <a:extLst>
+              <a:ext uri="{28A0092B-C50C-407E-A947-70E740481C1C}">
+                <a14:useLocalDpi xmlns:a14="http://schemas.microsoft.com/office/drawing/2010/main" val="0"/>
+              </a:ext>
+            </a:extLst>
+          </a:blip>
+          <a:stretch>
+            <a:fillRect/>
+          </a:stretch>
+        </p:blipFill>
+        <p:spPr>
+          <a:xfrm>
+            <a:off x="444499" y="1625385"/>
+            <a:ext cx="9449144" cy="4665166"/>
+          </a:xfrm>
+          <a:prstGeom prst="rect">
+            <a:avLst/>
+          </a:prstGeom>
+        </p:spPr>
+      </p:pic>
+    </p:spTree>
+    <p:extLst>
+      <p:ext uri="{BB962C8B-B14F-4D97-AF65-F5344CB8AC3E}">
+        <p14:creationId xmlns:p14="http://schemas.microsoft.com/office/powerpoint/2010/main" val="1188944892"/>
+      </p:ext>
+    </p:extLst>
+  </p:cSld>
+  <p:clrMapOvr>
+    <a:masterClrMapping/>
+  </p:clrMapOvr>
+  <p:timing>
+    <p:tnLst>
+      <p:par>
+        <p:cTn id="1" dur="indefinite" restart="never" nodeType="tmRoot"/>
+      </p:par>
+    </p:tnLst>
+  </p:timing>
+</p:sld>
+</file>
+
+<file path=ppt/slides/slide6.xml><?xml version="1.0" encoding="utf-8"?>
+<p:sld xmlns:a="http://schemas.openxmlformats.org/drawingml/2006/main" xmlns:r="http://schemas.openxmlformats.org/officeDocument/2006/relationships" xmlns:p="http://schemas.openxmlformats.org/presentationml/2006/main">
+  <p:cSld>
+    <p:spTree>
+      <p:nvGrpSpPr>
+        <p:cNvPr id="1" name=""/>
+        <p:cNvGrpSpPr/>
+        <p:nvPr/>
+      </p:nvGrpSpPr>
+      <p:grpSpPr>
+        <a:xfrm>
+          <a:off x="0" y="0"/>
+          <a:ext cx="0" cy="0"/>
+          <a:chOff x="0" y="0"/>
+          <a:chExt cx="0" cy="0"/>
+        </a:xfrm>
+      </p:grpSpPr>
+      <p:sp>
+        <p:nvSpPr>
+          <p:cNvPr id="4" name="Title 3">
+            <a:extLst>
+              <a:ext uri="{FF2B5EF4-FFF2-40B4-BE49-F238E27FC236}">
+                <a16:creationId xmlns:a16="http://schemas.microsoft.com/office/drawing/2014/main" xmlns="" id="{315E3981-F0D7-482C-A8E0-6A57700BECA7}"/>
+              </a:ext>
+            </a:extLst>
+          </p:cNvPr>
+          <p:cNvSpPr>
+            <a:spLocks noGrp="1"/>
+          </p:cNvSpPr>
+          <p:nvPr>
+            <p:ph type="title"/>
+          </p:nvPr>
+        </p:nvSpPr>
+        <p:spPr/>
+        <p:txBody>
+          <a:bodyPr/>
+          <a:lstStyle/>
+          <a:p>
+            <a:r>
+              <a:rPr lang="en-US" dirty="0" smtClean="0">
+                <a:latin typeface="Times New Roman" panose="02020603050405020304" pitchFamily="18" charset="0"/>
+                <a:cs typeface="Times New Roman" panose="02020603050405020304" pitchFamily="18" charset="0"/>
+              </a:rPr>
+              <a:t>TDD &amp; BDD</a:t>
+            </a:r>
+            <a:endParaRPr lang="en-US" dirty="0">
+              <a:latin typeface="Times New Roman" panose="02020603050405020304" pitchFamily="18" charset="0"/>
+              <a:cs typeface="Times New Roman" panose="02020603050405020304" pitchFamily="18" charset="0"/>
+            </a:endParaRPr>
+          </a:p>
+        </p:txBody>
+      </p:sp>
+      <p:sp>
+        <p:nvSpPr>
+          <p:cNvPr id="2" name="Slide Number Placeholder 1">
+            <a:extLst>
+              <a:ext uri="{FF2B5EF4-FFF2-40B4-BE49-F238E27FC236}">
+                <a16:creationId xmlns:a16="http://schemas.microsoft.com/office/drawing/2014/main" xmlns="" id="{520FC4EE-F318-4344-9E3C-B950ADB63865}"/>
+              </a:ext>
+            </a:extLst>
+          </p:cNvPr>
+          <p:cNvSpPr>
+            <a:spLocks noGrp="1"/>
+          </p:cNvSpPr>
+          <p:nvPr>
+            <p:ph type="sldNum" sz="quarter" idx="12"/>
+          </p:nvPr>
+        </p:nvSpPr>
+        <p:spPr/>
+        <p:txBody>
+          <a:bodyPr/>
+          <a:lstStyle/>
+          <a:p>
+            <a:fld id="{C263D6C4-4840-40CC-AC84-17E24B3B7BDE}" type="slidenum">
+              <a:rPr lang="en-US" smtClean="0"/>
+              <a:pPr/>
+              <a:t>6</a:t>
+            </a:fld>
+            <a:endParaRPr lang="en-US" dirty="0"/>
+          </a:p>
+        </p:txBody>
+      </p:sp>
+      <p:sp>
+        <p:nvSpPr>
+          <p:cNvPr id="7" name="Text Placeholder 6">
+            <a:extLst>
+              <a:ext uri="{FF2B5EF4-FFF2-40B4-BE49-F238E27FC236}">
+                <a16:creationId xmlns:a16="http://schemas.microsoft.com/office/drawing/2014/main" xmlns="" id="{B74126B4-1E6C-4FFF-9282-40E18A85A07F}"/>
+              </a:ext>
+            </a:extLst>
+          </p:cNvPr>
+          <p:cNvSpPr>
+            <a:spLocks noGrp="1"/>
+          </p:cNvSpPr>
+          <p:nvPr>
+            <p:ph type="body" sz="quarter" idx="1"/>
+          </p:nvPr>
+        </p:nvSpPr>
+        <p:spPr/>
+        <p:txBody>
+          <a:bodyPr>
+            <a:normAutofit/>
+          </a:bodyPr>
+          <a:lstStyle/>
+          <a:p>
+            <a:r>
+              <a:rPr lang="en-US" sz="2500" dirty="0" smtClean="0">
+                <a:latin typeface="Times New Roman" panose="02020603050405020304" pitchFamily="18" charset="0"/>
+                <a:cs typeface="Times New Roman" panose="02020603050405020304" pitchFamily="18" charset="0"/>
+              </a:rPr>
+              <a:t>TDD</a:t>
+            </a:r>
+            <a:endParaRPr lang="en-US" sz="2500" dirty="0">
+              <a:latin typeface="Times New Roman" panose="02020603050405020304" pitchFamily="18" charset="0"/>
+              <a:cs typeface="Times New Roman" panose="02020603050405020304" pitchFamily="18" charset="0"/>
+            </a:endParaRPr>
+          </a:p>
+        </p:txBody>
+      </p:sp>
+      <p:sp>
+        <p:nvSpPr>
+          <p:cNvPr id="5" name="Text Placeholder 4">
+            <a:extLst>
+              <a:ext uri="{FF2B5EF4-FFF2-40B4-BE49-F238E27FC236}">
+                <a16:creationId xmlns:a16="http://schemas.microsoft.com/office/drawing/2014/main" xmlns="" id="{E0C87788-476B-4620-8002-A5C1177AD6C1}"/>
+              </a:ext>
+            </a:extLst>
+          </p:cNvPr>
+          <p:cNvSpPr>
+            <a:spLocks noGrp="1"/>
+          </p:cNvSpPr>
+          <p:nvPr>
+            <p:ph type="body" sz="quarter" idx="3"/>
+          </p:nvPr>
+        </p:nvSpPr>
+        <p:spPr/>
+        <p:txBody>
+          <a:bodyPr>
+            <a:normAutofit/>
+          </a:bodyPr>
+          <a:lstStyle/>
+          <a:p>
+            <a:r>
+              <a:rPr lang="en-US" sz="2500" dirty="0" smtClean="0">
+                <a:latin typeface="Times New Roman" panose="02020603050405020304" pitchFamily="18" charset="0"/>
+                <a:cs typeface="Times New Roman" panose="02020603050405020304" pitchFamily="18" charset="0"/>
+              </a:rPr>
+              <a:t>BDD</a:t>
+            </a:r>
+            <a:endParaRPr lang="en-US" sz="2500" dirty="0">
+              <a:latin typeface="Times New Roman" panose="02020603050405020304" pitchFamily="18" charset="0"/>
+              <a:cs typeface="Times New Roman" panose="02020603050405020304" pitchFamily="18" charset="0"/>
+            </a:endParaRPr>
+          </a:p>
+        </p:txBody>
+      </p:sp>
+      <p:sp>
+        <p:nvSpPr>
+          <p:cNvPr id="8" name="Text Placeholder 7">
+            <a:extLst>
+              <a:ext uri="{FF2B5EF4-FFF2-40B4-BE49-F238E27FC236}">
+                <a16:creationId xmlns:a16="http://schemas.microsoft.com/office/drawing/2014/main" xmlns="" id="{47DC4E62-1A34-4F98-A451-214F1808519C}"/>
+              </a:ext>
+            </a:extLst>
+          </p:cNvPr>
+          <p:cNvSpPr>
+            <a:spLocks noGrp="1"/>
+          </p:cNvSpPr>
+          <p:nvPr>
+            <p:ph type="body" sz="quarter" idx="2"/>
+          </p:nvPr>
+        </p:nvSpPr>
+        <p:spPr/>
+        <p:txBody>
+          <a:bodyPr>
+            <a:normAutofit/>
+          </a:bodyPr>
+          <a:lstStyle/>
+          <a:p>
+            <a:r>
+              <a:rPr lang="en-US" sz="2500" dirty="0">
+                <a:latin typeface="Times New Roman" panose="02020603050405020304" pitchFamily="18" charset="0"/>
+                <a:cs typeface="Times New Roman" panose="02020603050405020304" pitchFamily="18" charset="0"/>
+              </a:rPr>
+              <a:t>TDD is an innovative software development approach where tests are written, before writing the bare minimum of code required for the test to be </a:t>
+            </a:r>
+            <a:r>
+              <a:rPr lang="en-US" sz="2500" dirty="0" smtClean="0">
+                <a:latin typeface="Times New Roman" panose="02020603050405020304" pitchFamily="18" charset="0"/>
+                <a:cs typeface="Times New Roman" panose="02020603050405020304" pitchFamily="18" charset="0"/>
+              </a:rPr>
+              <a:t>fulfilled</a:t>
+            </a:r>
+          </a:p>
+          <a:p>
+            <a:r>
+              <a:rPr lang="nl-NL" sz="2500" dirty="0" smtClean="0">
+                <a:latin typeface="Times New Roman" panose="02020603050405020304" pitchFamily="18" charset="0"/>
+                <a:cs typeface="Times New Roman" panose="02020603050405020304" pitchFamily="18" charset="0"/>
+              </a:rPr>
+              <a:t>Focus on unit testing and tend to be use by Developer</a:t>
+            </a:r>
+          </a:p>
+          <a:p>
+            <a:r>
+              <a:rPr lang="nl-NL" sz="2500" dirty="0" smtClean="0">
+                <a:latin typeface="Times New Roman" panose="02020603050405020304" pitchFamily="18" charset="0"/>
+                <a:cs typeface="Times New Roman" panose="02020603050405020304" pitchFamily="18" charset="0"/>
+              </a:rPr>
+              <a:t>Testing focus on requirements</a:t>
+            </a:r>
+            <a:endParaRPr lang="en-US" sz="2500" dirty="0">
+              <a:latin typeface="Times New Roman" panose="02020603050405020304" pitchFamily="18" charset="0"/>
+              <a:cs typeface="Times New Roman" panose="02020603050405020304" pitchFamily="18" charset="0"/>
+            </a:endParaRPr>
+          </a:p>
+          <a:p>
+            <a:endParaRPr lang="en-US" sz="2500" dirty="0">
+              <a:latin typeface="Times New Roman" panose="02020603050405020304" pitchFamily="18" charset="0"/>
+              <a:cs typeface="Times New Roman" panose="02020603050405020304" pitchFamily="18" charset="0"/>
+            </a:endParaRPr>
+          </a:p>
+          <a:p>
+            <a:endParaRPr lang="en-US" sz="2500" dirty="0">
+              <a:latin typeface="Times New Roman" panose="02020603050405020304" pitchFamily="18" charset="0"/>
+              <a:cs typeface="Times New Roman" panose="02020603050405020304" pitchFamily="18" charset="0"/>
+            </a:endParaRPr>
+          </a:p>
+        </p:txBody>
+      </p:sp>
+      <p:sp>
+        <p:nvSpPr>
+          <p:cNvPr id="6" name="Text Placeholder 5">
+            <a:extLst>
+              <a:ext uri="{FF2B5EF4-FFF2-40B4-BE49-F238E27FC236}">
+                <a16:creationId xmlns:a16="http://schemas.microsoft.com/office/drawing/2014/main" xmlns="" id="{000A9570-5EF6-4AFB-9FCA-7C8998E3FEB1}"/>
+              </a:ext>
+            </a:extLst>
+          </p:cNvPr>
+          <p:cNvSpPr>
+            <a:spLocks noGrp="1"/>
+          </p:cNvSpPr>
+          <p:nvPr>
+            <p:ph type="body" sz="quarter" idx="4"/>
+          </p:nvPr>
+        </p:nvSpPr>
+        <p:spPr/>
+        <p:txBody>
+          <a:bodyPr>
+            <a:normAutofit/>
+          </a:bodyPr>
+          <a:lstStyle/>
+          <a:p>
+            <a:r>
+              <a:rPr lang="en-US" sz="2500" dirty="0">
+                <a:latin typeface="Times New Roman" panose="02020603050405020304" pitchFamily="18" charset="0"/>
+                <a:cs typeface="Times New Roman" panose="02020603050405020304" pitchFamily="18" charset="0"/>
+              </a:rPr>
+              <a:t>T</a:t>
+            </a:r>
+            <a:r>
+              <a:rPr lang="en-US" sz="2500" dirty="0" smtClean="0">
+                <a:latin typeface="Times New Roman" panose="02020603050405020304" pitchFamily="18" charset="0"/>
+                <a:cs typeface="Times New Roman" panose="02020603050405020304" pitchFamily="18" charset="0"/>
+              </a:rPr>
+              <a:t>ests </a:t>
+            </a:r>
+            <a:r>
+              <a:rPr lang="en-US" sz="2500" dirty="0">
+                <a:latin typeface="Times New Roman" panose="02020603050405020304" pitchFamily="18" charset="0"/>
+                <a:cs typeface="Times New Roman" panose="02020603050405020304" pitchFamily="18" charset="0"/>
+              </a:rPr>
+              <a:t>are more user-focused and based on the system’s </a:t>
+            </a:r>
+            <a:r>
+              <a:rPr lang="en-US" sz="2500" dirty="0" smtClean="0">
+                <a:latin typeface="Times New Roman" panose="02020603050405020304" pitchFamily="18" charset="0"/>
+                <a:cs typeface="Times New Roman" panose="02020603050405020304" pitchFamily="18" charset="0"/>
+              </a:rPr>
+              <a:t>behavior</a:t>
+            </a:r>
+          </a:p>
+          <a:p>
+            <a:r>
+              <a:rPr lang="nl-NL" sz="2500" dirty="0">
+                <a:latin typeface="Times New Roman" panose="02020603050405020304" pitchFamily="18" charset="0"/>
+                <a:cs typeface="Times New Roman" panose="02020603050405020304" pitchFamily="18" charset="0"/>
+              </a:rPr>
+              <a:t>Focus on </a:t>
+            </a:r>
+            <a:r>
+              <a:rPr lang="nl-NL" sz="2500" dirty="0" smtClean="0">
+                <a:latin typeface="Times New Roman" panose="02020603050405020304" pitchFamily="18" charset="0"/>
+                <a:cs typeface="Times New Roman" panose="02020603050405020304" pitchFamily="18" charset="0"/>
+              </a:rPr>
+              <a:t>requirement </a:t>
+            </a:r>
+            <a:r>
+              <a:rPr lang="nl-NL" sz="2500" dirty="0">
+                <a:latin typeface="Times New Roman" panose="02020603050405020304" pitchFamily="18" charset="0"/>
+                <a:cs typeface="Times New Roman" panose="02020603050405020304" pitchFamily="18" charset="0"/>
+              </a:rPr>
+              <a:t>and tend to be use by </a:t>
+            </a:r>
+            <a:r>
+              <a:rPr lang="nl-NL" sz="2500" dirty="0" smtClean="0">
+                <a:latin typeface="Times New Roman" panose="02020603050405020304" pitchFamily="18" charset="0"/>
+                <a:cs typeface="Times New Roman" panose="02020603050405020304" pitchFamily="18" charset="0"/>
+              </a:rPr>
+              <a:t>Developer, Tester, Customer</a:t>
+            </a:r>
+          </a:p>
+          <a:p>
+            <a:r>
+              <a:rPr lang="nl-NL" sz="2500" dirty="0" smtClean="0">
+                <a:latin typeface="Times New Roman" panose="02020603050405020304" pitchFamily="18" charset="0"/>
+                <a:cs typeface="Times New Roman" panose="02020603050405020304" pitchFamily="18" charset="0"/>
+              </a:rPr>
+              <a:t>New feature align with business outcomes</a:t>
+            </a:r>
+            <a:endParaRPr lang="nl-NL" sz="2500" dirty="0">
+              <a:latin typeface="Times New Roman" panose="02020603050405020304" pitchFamily="18" charset="0"/>
+              <a:cs typeface="Times New Roman" panose="02020603050405020304" pitchFamily="18" charset="0"/>
+            </a:endParaRPr>
+          </a:p>
+          <a:p>
+            <a:endParaRPr lang="en-US" sz="2500" dirty="0">
+              <a:latin typeface="Times New Roman" panose="02020603050405020304" pitchFamily="18" charset="0"/>
+              <a:cs typeface="Times New Roman" panose="02020603050405020304" pitchFamily="18" charset="0"/>
+            </a:endParaRPr>
+          </a:p>
+        </p:txBody>
+      </p:sp>
+    </p:spTree>
+    <p:extLst>
+      <p:ext uri="{BB962C8B-B14F-4D97-AF65-F5344CB8AC3E}">
+        <p14:creationId xmlns:p14="http://schemas.microsoft.com/office/powerpoint/2010/main" val="3607270498"/>
+      </p:ext>
+    </p:extLst>
+  </p:cSld>
+  <p:clrMapOvr>
+    <a:masterClrMapping/>
+  </p:clrMapOvr>
+  <mc:AlternateContent xmlns:mc="http://schemas.openxmlformats.org/markup-compatibility/2006" xmlns:p14="http://schemas.microsoft.com/office/powerpoint/2010/main">
+    <mc:Choice Requires="p14">
+      <p:transition spd="med" p14:dur="700">
+        <p:fade/>
+      </p:transition>
+    </mc:Choice>
+    <mc:Fallback xmlns="">
+      <p:transition spd="med">
+        <p:fade/>
+      </p:transition>
+    </mc:Fallback>
+  </mc:AlternateContent>
+  <p:timing>
+    <p:tnLst>
+      <p:par>
+        <p:cTn id="1" dur="indefinite" restart="never" nodeType="tmRoot"/>
+      </p:par>
+    </p:tnLst>
+  </p:timing>
+</p:sld>
+</file>
+
+<file path=ppt/slides/slide7.xml><?xml version="1.0" encoding="utf-8"?>
+<p:sld xmlns:a="http://schemas.openxmlformats.org/drawingml/2006/main" xmlns:r="http://schemas.openxmlformats.org/officeDocument/2006/relationships" xmlns:p="http://schemas.openxmlformats.org/presentationml/2006/main">
+  <p:cSld>
+    <p:spTree>
+      <p:nvGrpSpPr>
+        <p:cNvPr id="1" name=""/>
+        <p:cNvGrpSpPr/>
+        <p:nvPr/>
+      </p:nvGrpSpPr>
+      <p:grpSpPr>
+        <a:xfrm>
+          <a:off x="0" y="0"/>
+          <a:ext cx="0" cy="0"/>
+          <a:chOff x="0" y="0"/>
+          <a:chExt cx="0" cy="0"/>
+        </a:xfrm>
+      </p:grpSpPr>
+      <p:sp>
+        <p:nvSpPr>
+          <p:cNvPr id="7" name="Title 6">
+            <a:extLst>
+              <a:ext uri="{FF2B5EF4-FFF2-40B4-BE49-F238E27FC236}">
+                <a16:creationId xmlns:a16="http://schemas.microsoft.com/office/drawing/2014/main" xmlns="" id="{7875C19A-1AAE-476A-A316-A2CF92D763D3}"/>
+              </a:ext>
+            </a:extLst>
+          </p:cNvPr>
+          <p:cNvSpPr>
+            <a:spLocks noGrp="1"/>
+          </p:cNvSpPr>
+          <p:nvPr>
+            <p:ph type="title"/>
+          </p:nvPr>
+        </p:nvSpPr>
+        <p:spPr/>
+        <p:txBody>
+          <a:bodyPr/>
+          <a:lstStyle/>
+          <a:p>
+            <a:r>
+              <a:rPr lang="en-US" dirty="0"/>
+              <a:t>What Is </a:t>
+            </a:r>
+            <a:r>
+              <a:rPr lang="en-US" dirty="0" smtClean="0"/>
+              <a:t>Selenium? Selenium Web Driver</a:t>
+            </a:r>
+            <a:endParaRPr lang="en-US" dirty="0"/>
+          </a:p>
+        </p:txBody>
+      </p:sp>
+      <p:sp>
+        <p:nvSpPr>
+          <p:cNvPr id="10" name="Text Placeholder 9">
+            <a:extLst>
+              <a:ext uri="{FF2B5EF4-FFF2-40B4-BE49-F238E27FC236}">
+                <a16:creationId xmlns:a16="http://schemas.microsoft.com/office/drawing/2014/main" xmlns="" id="{EF2BC084-E6DB-4DE7-B309-042A85EBA700}"/>
+              </a:ext>
+            </a:extLst>
+          </p:cNvPr>
+          <p:cNvSpPr>
+            <a:spLocks noGrp="1"/>
+          </p:cNvSpPr>
+          <p:nvPr>
+            <p:ph type="body" sz="quarter" idx="13"/>
+          </p:nvPr>
+        </p:nvSpPr>
+        <p:spPr/>
+        <p:txBody>
+          <a:bodyPr/>
+          <a:lstStyle/>
+          <a:p>
+            <a:r>
+              <a:rPr lang="en-US" sz="2500" dirty="0">
+                <a:latin typeface="Times New Roman" panose="02020603050405020304" pitchFamily="18" charset="0"/>
+                <a:cs typeface="Times New Roman" panose="02020603050405020304" pitchFamily="18" charset="0"/>
+              </a:rPr>
+              <a:t>Selenium is an open source tool which is used for automating the tests carried out on web browsers (Web applications are tested using any web browser</a:t>
+            </a:r>
+            <a:r>
+              <a:rPr lang="en-US" sz="2500" dirty="0" smtClean="0">
+                <a:latin typeface="Times New Roman" panose="02020603050405020304" pitchFamily="18" charset="0"/>
+                <a:cs typeface="Times New Roman" panose="02020603050405020304" pitchFamily="18" charset="0"/>
+              </a:rPr>
+              <a:t>).</a:t>
+            </a:r>
+          </a:p>
+          <a:p>
+            <a:r>
+              <a:rPr lang="en-US" sz="2500" dirty="0" err="1">
+                <a:latin typeface="Times New Roman" panose="02020603050405020304" pitchFamily="18" charset="0"/>
+                <a:cs typeface="Times New Roman" panose="02020603050405020304" pitchFamily="18" charset="0"/>
+              </a:rPr>
+              <a:t>WebDriver</a:t>
+            </a:r>
+            <a:r>
+              <a:rPr lang="en-US" sz="2500" dirty="0">
+                <a:latin typeface="Times New Roman" panose="02020603050405020304" pitchFamily="18" charset="0"/>
+                <a:cs typeface="Times New Roman" panose="02020603050405020304" pitchFamily="18" charset="0"/>
+              </a:rPr>
+              <a:t> is a web automation framework that allows you to execute your tests against different </a:t>
+            </a:r>
+            <a:r>
+              <a:rPr lang="en-US" sz="2500" dirty="0" smtClean="0">
+                <a:latin typeface="Times New Roman" panose="02020603050405020304" pitchFamily="18" charset="0"/>
+                <a:cs typeface="Times New Roman" panose="02020603050405020304" pitchFamily="18" charset="0"/>
+              </a:rPr>
+              <a:t>browsers</a:t>
+            </a:r>
+            <a:r>
+              <a:rPr lang="en-US" sz="2500" dirty="0">
+                <a:latin typeface="Times New Roman" panose="02020603050405020304" pitchFamily="18" charset="0"/>
+                <a:cs typeface="Times New Roman" panose="02020603050405020304" pitchFamily="18" charset="0"/>
+              </a:rPr>
+              <a:t> using different programming languages</a:t>
+            </a:r>
+            <a:r>
+              <a:rPr lang="en-US" sz="2500" dirty="0" smtClean="0">
+                <a:latin typeface="Times New Roman" panose="02020603050405020304" pitchFamily="18" charset="0"/>
+                <a:cs typeface="Times New Roman" panose="02020603050405020304" pitchFamily="18" charset="0"/>
+              </a:rPr>
+              <a:t>.</a:t>
+            </a:r>
+          </a:p>
+          <a:p>
+            <a:r>
+              <a:rPr lang="nl-NL" sz="2500" dirty="0" smtClean="0">
+                <a:latin typeface="Times New Roman" panose="02020603050405020304" pitchFamily="18" charset="0"/>
+                <a:cs typeface="Times New Roman" panose="02020603050405020304" pitchFamily="18" charset="0"/>
+              </a:rPr>
+              <a:t>Web Driver support FireFox, IE, Chrome, Opera</a:t>
+            </a:r>
+            <a:r>
+              <a:rPr lang="nl-NL" sz="2500" smtClean="0">
+                <a:latin typeface="Times New Roman" panose="02020603050405020304" pitchFamily="18" charset="0"/>
+                <a:cs typeface="Times New Roman" panose="02020603050405020304" pitchFamily="18" charset="0"/>
+              </a:rPr>
+              <a:t>, Safari, etc...</a:t>
+            </a:r>
+            <a:endParaRPr lang="nl-NL" sz="2500" dirty="0" smtClean="0">
+              <a:latin typeface="Times New Roman" panose="02020603050405020304" pitchFamily="18" charset="0"/>
+              <a:cs typeface="Times New Roman" panose="02020603050405020304" pitchFamily="18" charset="0"/>
+            </a:endParaRPr>
+          </a:p>
+        </p:txBody>
+      </p:sp>
+      <p:sp>
+        <p:nvSpPr>
+          <p:cNvPr id="2" name="Slide Number Placeholder 1">
+            <a:extLst>
+              <a:ext uri="{FF2B5EF4-FFF2-40B4-BE49-F238E27FC236}">
+                <a16:creationId xmlns:a16="http://schemas.microsoft.com/office/drawing/2014/main" xmlns="" id="{BE9800F6-D571-48C4-8466-12AA1ADB6599}"/>
+              </a:ext>
+            </a:extLst>
+          </p:cNvPr>
+          <p:cNvSpPr>
+            <a:spLocks noGrp="1"/>
+          </p:cNvSpPr>
+          <p:nvPr>
+            <p:ph type="sldNum" sz="quarter" idx="12"/>
+          </p:nvPr>
+        </p:nvSpPr>
+        <p:spPr/>
+        <p:txBody>
+          <a:bodyPr/>
+          <a:lstStyle/>
+          <a:p>
+            <a:fld id="{C263D6C4-4840-40CC-AC84-17E24B3B7BDE}" type="slidenum">
+              <a:rPr lang="en-US" smtClean="0"/>
+              <a:pPr/>
+              <a:t>7</a:t>
+            </a:fld>
+            <a:endParaRPr lang="en-US" dirty="0"/>
+          </a:p>
+        </p:txBody>
+      </p:sp>
+    </p:spTree>
+    <p:extLst>
+      <p:ext uri="{BB962C8B-B14F-4D97-AF65-F5344CB8AC3E}">
+        <p14:creationId xmlns:p14="http://schemas.microsoft.com/office/powerpoint/2010/main" val="625126734"/>
+      </p:ext>
+    </p:extLst>
+  </p:cSld>
+  <p:clrMapOvr>
+    <a:masterClrMapping/>
+  </p:clrMapOvr>
+  <mc:AlternateContent xmlns:mc="http://schemas.openxmlformats.org/markup-compatibility/2006">
+    <mc:Choice xmlns:p14="http://schemas.microsoft.com/office/powerpoint/2010/main" Requires="p14">
+      <p:transition spd="med" p14:dur="700">
+        <p:fade/>
+      </p:transition>
+    </mc:Choice>
+    <mc:Fallback>
+      <p:transition spd="med">
+        <p:fade/>
+      </p:transition>
+    </mc:Fallback>
+  </mc:AlternateContent>
+  <p:timing>
+    <p:tnLst>
+      <p:par>
+        <p:cTn id="1" dur="indefinite" restart="never" nodeType="tmRoot"/>
+      </p:par>
+    </p:tnLst>
+  </p:timing>
+</p:sld>
+</file>
+
+<file path=ppt/slides/slide8.xml><?xml version="1.0" encoding="utf-8"?>
+<p:sld xmlns:a="http://schemas.openxmlformats.org/drawingml/2006/main" xmlns:r="http://schemas.openxmlformats.org/officeDocument/2006/relationships" xmlns:p="http://schemas.openxmlformats.org/presentationml/2006/main">
+  <p:cSld>
+    <p:spTree>
+      <p:nvGrpSpPr>
+        <p:cNvPr id="1" name=""/>
+        <p:cNvGrpSpPr/>
+        <p:nvPr/>
+      </p:nvGrpSpPr>
+      <p:grpSpPr>
+        <a:xfrm>
+          <a:off x="0" y="0"/>
+          <a:ext cx="0" cy="0"/>
+          <a:chOff x="0" y="0"/>
+          <a:chExt cx="0" cy="0"/>
+        </a:xfrm>
+      </p:grpSpPr>
+      <p:sp>
+        <p:nvSpPr>
+          <p:cNvPr id="4" name="Title 3">
+            <a:extLst>
+              <a:ext uri="{FF2B5EF4-FFF2-40B4-BE49-F238E27FC236}">
+                <a16:creationId xmlns:a16="http://schemas.microsoft.com/office/drawing/2014/main" xmlns="" id="{315E3981-F0D7-482C-A8E0-6A57700BECA7}"/>
+              </a:ext>
+            </a:extLst>
+          </p:cNvPr>
+          <p:cNvSpPr>
+            <a:spLocks noGrp="1"/>
+          </p:cNvSpPr>
+          <p:nvPr>
+            <p:ph type="title"/>
+          </p:nvPr>
+        </p:nvSpPr>
+        <p:spPr/>
+        <p:txBody>
+          <a:bodyPr/>
+          <a:lstStyle/>
+          <a:p>
+            <a:r>
+              <a:rPr lang="en-US" dirty="0"/>
+              <a:t>What Is Selenium?</a:t>
+            </a:r>
+            <a:endParaRPr lang="en-US" b="0" dirty="0"/>
+          </a:p>
+        </p:txBody>
+      </p:sp>
+      <p:pic>
+        <p:nvPicPr>
+          <p:cNvPr id="25" name="Picture Placeholder 24" descr="Bar chart">
+            <a:extLst>
+              <a:ext uri="{FF2B5EF4-FFF2-40B4-BE49-F238E27FC236}">
+                <a16:creationId xmlns:a16="http://schemas.microsoft.com/office/drawing/2014/main" xmlns="" id="{C03AAFA7-022A-47F8-9DA1-7DC3897D1E52}"/>
+              </a:ext>
+            </a:extLst>
+          </p:cNvPr>
+          <p:cNvPicPr>
+            <a:picLocks noGrp="1" noChangeAspect="1"/>
+          </p:cNvPicPr>
+          <p:nvPr>
+            <p:ph type="pic" sz="quarter" idx="13"/>
+          </p:nvPr>
+        </p:nvPicPr>
+        <p:blipFill>
+          <a:blip r:embed="rId2">
+            <a:extLst>
+              <a:ext uri="{28A0092B-C50C-407E-A947-70E740481C1C}">
+                <a14:useLocalDpi xmlns:a14="http://schemas.microsoft.com/office/drawing/2010/main"/>
+              </a:ext>
+              <a:ext uri="{96DAC541-7B7A-43D3-8B79-37D633B846F1}">
+                <asvg:svgBlip xmlns:asvg="http://schemas.microsoft.com/office/drawing/2016/SVG/main" xmlns="" r:embed="rId3"/>
+              </a:ext>
+            </a:extLst>
+          </a:blip>
+          <a:srcRect t="63" b="63"/>
+          <a:stretch>
+            <a:fillRect/>
+          </a:stretch>
+        </p:blipFill>
+        <p:spPr>
+          <a:xfrm>
+            <a:off x="1002925" y="2096716"/>
+            <a:ext cx="1259505" cy="1259505"/>
+          </a:xfrm>
+        </p:spPr>
+      </p:pic>
+      <p:sp>
+        <p:nvSpPr>
+          <p:cNvPr id="19" name="Text Placeholder 18">
+            <a:extLst>
+              <a:ext uri="{FF2B5EF4-FFF2-40B4-BE49-F238E27FC236}">
+                <a16:creationId xmlns:a16="http://schemas.microsoft.com/office/drawing/2014/main" xmlns="" id="{782206B1-586F-4254-9B36-D06C4E294ACF}"/>
+              </a:ext>
+            </a:extLst>
+          </p:cNvPr>
+          <p:cNvSpPr>
+            <a:spLocks noGrp="1"/>
+          </p:cNvSpPr>
+          <p:nvPr>
+            <p:ph type="body" sz="quarter" idx="18"/>
+          </p:nvPr>
+        </p:nvSpPr>
+        <p:spPr/>
+        <p:txBody>
+          <a:bodyPr/>
+          <a:lstStyle/>
+          <a:p>
+            <a:r>
+              <a:rPr lang="en-US" dirty="0"/>
+              <a:t>Caption01 appears here</a:t>
+            </a:r>
+          </a:p>
+        </p:txBody>
+      </p:sp>
+      <p:pic>
+        <p:nvPicPr>
+          <p:cNvPr id="27" name="Picture Placeholder 26" descr="Clock">
+            <a:extLst>
+              <a:ext uri="{FF2B5EF4-FFF2-40B4-BE49-F238E27FC236}">
+                <a16:creationId xmlns:a16="http://schemas.microsoft.com/office/drawing/2014/main" xmlns="" id="{6F737161-FE67-434D-A781-59EDB9EDCB23}"/>
+              </a:ext>
+            </a:extLst>
+          </p:cNvPr>
+          <p:cNvPicPr>
+            <a:picLocks noGrp="1" noChangeAspect="1"/>
+          </p:cNvPicPr>
+          <p:nvPr>
+            <p:ph type="pic" sz="quarter" idx="14"/>
+          </p:nvPr>
+        </p:nvPicPr>
+        <p:blipFill>
+          <a:blip r:embed="rId4">
+            <a:extLst>
+              <a:ext uri="{28A0092B-C50C-407E-A947-70E740481C1C}">
+                <a14:useLocalDpi xmlns:a14="http://schemas.microsoft.com/office/drawing/2010/main"/>
+              </a:ext>
+              <a:ext uri="{96DAC541-7B7A-43D3-8B79-37D633B846F1}">
+                <asvg:svgBlip xmlns:asvg="http://schemas.microsoft.com/office/drawing/2016/SVG/main" xmlns="" r:embed="rId5"/>
+              </a:ext>
+            </a:extLst>
+          </a:blip>
+          <a:srcRect/>
+          <a:stretch>
+            <a:fillRect/>
+          </a:stretch>
+        </p:blipFill>
+        <p:spPr>
+          <a:xfrm>
+            <a:off x="3246943" y="2096716"/>
+            <a:ext cx="1259505" cy="1259505"/>
+          </a:xfrm>
+        </p:spPr>
+      </p:pic>
+      <p:sp>
+        <p:nvSpPr>
+          <p:cNvPr id="20" name="Text Placeholder 19">
+            <a:extLst>
+              <a:ext uri="{FF2B5EF4-FFF2-40B4-BE49-F238E27FC236}">
+                <a16:creationId xmlns:a16="http://schemas.microsoft.com/office/drawing/2014/main" xmlns="" id="{CB924A29-3538-4A3F-82A6-D2A7538C2111}"/>
+              </a:ext>
+            </a:extLst>
+          </p:cNvPr>
+          <p:cNvSpPr>
+            <a:spLocks noGrp="1"/>
+          </p:cNvSpPr>
+          <p:nvPr>
+            <p:ph type="body" sz="quarter" idx="19"/>
+          </p:nvPr>
+        </p:nvSpPr>
+        <p:spPr/>
+        <p:txBody>
+          <a:bodyPr/>
+          <a:lstStyle/>
+          <a:p>
+            <a:r>
+              <a:rPr lang="en-US" dirty="0"/>
+              <a:t>Caption02 appears here</a:t>
+            </a:r>
+          </a:p>
+        </p:txBody>
+      </p:sp>
+      <p:pic>
+        <p:nvPicPr>
+          <p:cNvPr id="29" name="Picture Placeholder 28" descr="Microscope">
+            <a:extLst>
+              <a:ext uri="{FF2B5EF4-FFF2-40B4-BE49-F238E27FC236}">
+                <a16:creationId xmlns:a16="http://schemas.microsoft.com/office/drawing/2014/main" xmlns="" id="{9E5BF01B-21D6-4D43-9CAE-0298685C1A7B}"/>
+              </a:ext>
+            </a:extLst>
+          </p:cNvPr>
+          <p:cNvPicPr>
+            <a:picLocks noGrp="1" noChangeAspect="1"/>
+          </p:cNvPicPr>
+          <p:nvPr>
+            <p:ph type="pic" sz="quarter" idx="15"/>
+          </p:nvPr>
+        </p:nvPicPr>
+        <p:blipFill>
+          <a:blip r:embed="rId6">
+            <a:extLst>
+              <a:ext uri="{28A0092B-C50C-407E-A947-70E740481C1C}">
+                <a14:useLocalDpi xmlns:a14="http://schemas.microsoft.com/office/drawing/2010/main"/>
+              </a:ext>
+              <a:ext uri="{96DAC541-7B7A-43D3-8B79-37D633B846F1}">
+                <asvg:svgBlip xmlns:asvg="http://schemas.microsoft.com/office/drawing/2016/SVG/main" xmlns="" r:embed="rId7"/>
+              </a:ext>
+            </a:extLst>
+          </a:blip>
+          <a:srcRect t="63" b="63"/>
+          <a:stretch>
+            <a:fillRect/>
+          </a:stretch>
+        </p:blipFill>
+        <p:spPr>
+          <a:xfrm>
+            <a:off x="5490961" y="2096716"/>
+            <a:ext cx="1259505" cy="1259505"/>
+          </a:xfrm>
+        </p:spPr>
+      </p:pic>
+      <p:sp>
+        <p:nvSpPr>
+          <p:cNvPr id="21" name="Text Placeholder 20">
+            <a:extLst>
+              <a:ext uri="{FF2B5EF4-FFF2-40B4-BE49-F238E27FC236}">
+                <a16:creationId xmlns:a16="http://schemas.microsoft.com/office/drawing/2014/main" xmlns="" id="{1B8F0371-4F69-4131-91BF-9AB99E6EE89B}"/>
+              </a:ext>
+            </a:extLst>
+          </p:cNvPr>
+          <p:cNvSpPr>
+            <a:spLocks noGrp="1"/>
+          </p:cNvSpPr>
+          <p:nvPr>
+            <p:ph type="body" sz="quarter" idx="20"/>
+          </p:nvPr>
+        </p:nvSpPr>
+        <p:spPr/>
+        <p:txBody>
+          <a:bodyPr/>
+          <a:lstStyle/>
+          <a:p>
+            <a:r>
+              <a:rPr lang="en-US" dirty="0"/>
+              <a:t>Caption03 appears here</a:t>
+            </a:r>
+          </a:p>
+        </p:txBody>
+      </p:sp>
+      <p:pic>
+        <p:nvPicPr>
+          <p:cNvPr id="31" name="Picture Placeholder 30" descr="Magnifying glass">
+            <a:extLst>
+              <a:ext uri="{FF2B5EF4-FFF2-40B4-BE49-F238E27FC236}">
+                <a16:creationId xmlns:a16="http://schemas.microsoft.com/office/drawing/2014/main" xmlns="" id="{089E8AB6-C16E-4752-810F-8F98DB929DB5}"/>
+              </a:ext>
+            </a:extLst>
+          </p:cNvPr>
+          <p:cNvPicPr>
+            <a:picLocks noGrp="1" noChangeAspect="1"/>
+          </p:cNvPicPr>
+          <p:nvPr>
+            <p:ph type="pic" sz="quarter" idx="16"/>
+          </p:nvPr>
+        </p:nvPicPr>
+        <p:blipFill>
+          <a:blip r:embed="rId8">
+            <a:extLst>
+              <a:ext uri="{28A0092B-C50C-407E-A947-70E740481C1C}">
+                <a14:useLocalDpi xmlns:a14="http://schemas.microsoft.com/office/drawing/2010/main"/>
+              </a:ext>
+              <a:ext uri="{96DAC541-7B7A-43D3-8B79-37D633B846F1}">
+                <asvg:svgBlip xmlns:asvg="http://schemas.microsoft.com/office/drawing/2016/SVG/main" xmlns="" r:embed="rId9"/>
+              </a:ext>
+            </a:extLst>
+          </a:blip>
+          <a:srcRect/>
+          <a:stretch>
+            <a:fillRect/>
+          </a:stretch>
+        </p:blipFill>
+        <p:spPr/>
+      </p:pic>
+      <p:sp>
+        <p:nvSpPr>
+          <p:cNvPr id="22" name="Text Placeholder 21">
+            <a:extLst>
+              <a:ext uri="{FF2B5EF4-FFF2-40B4-BE49-F238E27FC236}">
+                <a16:creationId xmlns:a16="http://schemas.microsoft.com/office/drawing/2014/main" xmlns="" id="{78CACAF1-61EA-4605-A8FE-2EEE752B49FF}"/>
+              </a:ext>
+            </a:extLst>
+          </p:cNvPr>
+          <p:cNvSpPr>
+            <a:spLocks noGrp="1"/>
+          </p:cNvSpPr>
+          <p:nvPr>
+            <p:ph type="body" sz="quarter" idx="21"/>
+          </p:nvPr>
+        </p:nvSpPr>
+        <p:spPr/>
+        <p:txBody>
+          <a:bodyPr/>
+          <a:lstStyle/>
+          <a:p>
+            <a:r>
+              <a:rPr lang="en-US" dirty="0"/>
+              <a:t>Caption04 appears here</a:t>
+            </a:r>
+          </a:p>
+        </p:txBody>
+      </p:sp>
+      <p:pic>
+        <p:nvPicPr>
+          <p:cNvPr id="33" name="Picture Placeholder 32" descr="Head with Gears">
+            <a:extLst>
+              <a:ext uri="{FF2B5EF4-FFF2-40B4-BE49-F238E27FC236}">
+                <a16:creationId xmlns:a16="http://schemas.microsoft.com/office/drawing/2014/main" xmlns="" id="{CC9DBBE5-5AD0-41E8-A719-84509E5D9F9E}"/>
+              </a:ext>
+            </a:extLst>
+          </p:cNvPr>
+          <p:cNvPicPr>
+            <a:picLocks noGrp="1" noChangeAspect="1"/>
+          </p:cNvPicPr>
+          <p:nvPr>
+            <p:ph type="pic" sz="quarter" idx="17"/>
+          </p:nvPr>
+        </p:nvPicPr>
+        <p:blipFill>
+          <a:blip r:embed="rId10">
+            <a:extLst>
+              <a:ext uri="{28A0092B-C50C-407E-A947-70E740481C1C}">
+                <a14:useLocalDpi xmlns:a14="http://schemas.microsoft.com/office/drawing/2010/main"/>
+              </a:ext>
+              <a:ext uri="{96DAC541-7B7A-43D3-8B79-37D633B846F1}">
+                <asvg:svgBlip xmlns:asvg="http://schemas.microsoft.com/office/drawing/2016/SVG/main" xmlns="" r:embed="rId11"/>
+              </a:ext>
+            </a:extLst>
+          </a:blip>
+          <a:srcRect t="63" b="63"/>
+          <a:stretch>
+            <a:fillRect/>
+          </a:stretch>
+        </p:blipFill>
+        <p:spPr>
+          <a:xfrm>
+            <a:off x="9978996" y="2096716"/>
+            <a:ext cx="1259505" cy="1259505"/>
+          </a:xfrm>
+        </p:spPr>
+      </p:pic>
+      <p:sp>
+        <p:nvSpPr>
+          <p:cNvPr id="23" name="Text Placeholder 22">
+            <a:extLst>
+              <a:ext uri="{FF2B5EF4-FFF2-40B4-BE49-F238E27FC236}">
+                <a16:creationId xmlns:a16="http://schemas.microsoft.com/office/drawing/2014/main" xmlns="" id="{8D05A34F-7712-46DB-AB5B-272E294B62EE}"/>
+              </a:ext>
+            </a:extLst>
+          </p:cNvPr>
+          <p:cNvSpPr>
+            <a:spLocks noGrp="1"/>
+          </p:cNvSpPr>
+          <p:nvPr>
+            <p:ph type="body" sz="quarter" idx="22"/>
+          </p:nvPr>
+        </p:nvSpPr>
+        <p:spPr>
+          <a:xfrm>
+            <a:off x="9720678" y="4240093"/>
+            <a:ext cx="1776140" cy="1463040"/>
+          </a:xfrm>
+        </p:spPr>
+        <p:txBody>
+          <a:bodyPr/>
+          <a:lstStyle/>
+          <a:p>
+            <a:r>
+              <a:rPr lang="en-US" dirty="0"/>
+              <a:t>Caption05 appears here</a:t>
+            </a:r>
+          </a:p>
+        </p:txBody>
+      </p:sp>
+      <p:sp>
+        <p:nvSpPr>
+          <p:cNvPr id="2" name="Slide Number Placeholder 1">
+            <a:extLst>
+              <a:ext uri="{FF2B5EF4-FFF2-40B4-BE49-F238E27FC236}">
+                <a16:creationId xmlns:a16="http://schemas.microsoft.com/office/drawing/2014/main" xmlns="" id="{CC1F11E7-EDE5-4119-BA64-4FC57C285D19}"/>
+              </a:ext>
+            </a:extLst>
+          </p:cNvPr>
+          <p:cNvSpPr>
+            <a:spLocks noGrp="1"/>
+          </p:cNvSpPr>
+          <p:nvPr>
+            <p:ph type="sldNum" sz="quarter" idx="12"/>
+          </p:nvPr>
+        </p:nvSpPr>
+        <p:spPr/>
+        <p:txBody>
+          <a:bodyPr/>
+          <a:lstStyle/>
+          <a:p>
+            <a:fld id="{C263D6C4-4840-40CC-AC84-17E24B3B7BDE}" type="slidenum">
+              <a:rPr lang="en-US" smtClean="0"/>
+              <a:pPr/>
+              <a:t>8</a:t>
+            </a:fld>
+            <a:endParaRPr lang="en-US" dirty="0"/>
+          </a:p>
+        </p:txBody>
+      </p:sp>
+    </p:spTree>
+    <p:extLst>
+      <p:ext uri="{BB962C8B-B14F-4D97-AF65-F5344CB8AC3E}">
+        <p14:creationId xmlns:p14="http://schemas.microsoft.com/office/powerpoint/2010/main" val="3892131414"/>
+      </p:ext>
+    </p:extLst>
+  </p:cSld>
+  <p:clrMapOvr>
+    <a:masterClrMapping/>
+  </p:clrMapOvr>
+  <mc:AlternateContent xmlns:mc="http://schemas.openxmlformats.org/markup-compatibility/2006" xmlns:p14="http://schemas.microsoft.com/office/powerpoint/2010/main">
+    <mc:Choice Requires="p14">
+      <p:transition spd="med" p14:dur="700">
+        <p:fade/>
+      </p:transition>
+    </mc:Choice>
+    <mc:Fallback xmlns="">
+      <p:transition spd="med">
+        <p:fade/>
+      </p:transition>
+    </mc:Fallback>
+  </mc:AlternateContent>
+  <p:timing>
+    <p:tnLst>
+      <p:par>
+        <p:cTn id="1" dur="indefinite" restart="never" nodeType="tmRoot"/>
+      </p:par>
+    </p:tnLst>
+  </p:timing>
+</p:sld>
+</file>
+
+<file path=ppt/slides/slide9.xml><?xml version="1.0" encoding="utf-8"?>
+<p:sld xmlns:a="http://schemas.openxmlformats.org/drawingml/2006/main" xmlns:r="http://schemas.openxmlformats.org/officeDocument/2006/relationships" xmlns:p="http://schemas.openxmlformats.org/presentationml/2006/main">
+  <p:cSld>
+    <p:spTree>
+      <p:nvGrpSpPr>
+        <p:cNvPr id="1" name=""/>
+        <p:cNvGrpSpPr/>
+        <p:nvPr/>
+      </p:nvGrpSpPr>
+      <p:grpSpPr>
+        <a:xfrm>
+          <a:off x="0" y="0"/>
+          <a:ext cx="0" cy="0"/>
+          <a:chOff x="0" y="0"/>
+          <a:chExt cx="0" cy="0"/>
+        </a:xfrm>
+      </p:grpSpPr>
+      <p:sp>
+        <p:nvSpPr>
+          <p:cNvPr id="4" name="Title 3">
+            <a:extLst>
+              <a:ext uri="{FF2B5EF4-FFF2-40B4-BE49-F238E27FC236}">
+                <a16:creationId xmlns:a16="http://schemas.microsoft.com/office/drawing/2014/main" xmlns="" id="{315E3981-F0D7-482C-A8E0-6A57700BECA7}"/>
+              </a:ext>
+            </a:extLst>
+          </p:cNvPr>
+          <p:cNvSpPr>
+            <a:spLocks noGrp="1"/>
+          </p:cNvSpPr>
+          <p:nvPr>
+            <p:ph type="title"/>
+          </p:nvPr>
+        </p:nvSpPr>
+        <p:spPr/>
+        <p:txBody>
+          <a:bodyPr/>
+          <a:lstStyle/>
+          <a:p>
+            <a:r>
+              <a:rPr lang="en-US" dirty="0"/>
+              <a:t>Content Title 03</a:t>
+            </a:r>
+          </a:p>
+        </p:txBody>
+      </p:sp>
+      <p:pic>
+        <p:nvPicPr>
+          <p:cNvPr id="20" name="Picture Placeholder 19" descr="Triangular pattern design with dimension">
+            <a:extLst>
+              <a:ext uri="{FF2B5EF4-FFF2-40B4-BE49-F238E27FC236}">
+                <a16:creationId xmlns:a16="http://schemas.microsoft.com/office/drawing/2014/main" xmlns="" id="{3DCA2B8E-64D3-7645-8DEB-688ED5756F52}"/>
+              </a:ext>
+            </a:extLst>
+          </p:cNvPr>
+          <p:cNvPicPr>
+            <a:picLocks noGrp="1" noChangeAspect="1"/>
+          </p:cNvPicPr>
+          <p:nvPr>
+            <p:ph type="pic" sz="quarter" idx="19"/>
+          </p:nvPr>
+        </p:nvPicPr>
+        <p:blipFill>
+          <a:blip r:embed="rId2">
+            <a:extLst>
+              <a:ext uri="{28A0092B-C50C-407E-A947-70E740481C1C}">
+                <a14:useLocalDpi xmlns:a14="http://schemas.microsoft.com/office/drawing/2010/main" val="0"/>
+              </a:ext>
+            </a:extLst>
+          </a:blip>
+          <a:srcRect/>
+          <a:stretch>
+            <a:fillRect/>
+          </a:stretch>
+        </p:blipFill>
+        <p:spPr/>
+      </p:pic>
+      <p:sp>
+        <p:nvSpPr>
+          <p:cNvPr id="19" name="Text Placeholder 18">
+            <a:extLst>
+              <a:ext uri="{FF2B5EF4-FFF2-40B4-BE49-F238E27FC236}">
+                <a16:creationId xmlns:a16="http://schemas.microsoft.com/office/drawing/2014/main" xmlns="" id="{782206B1-586F-4254-9B36-D06C4E294ACF}"/>
+              </a:ext>
+            </a:extLst>
+          </p:cNvPr>
+          <p:cNvSpPr>
+            <a:spLocks noGrp="1"/>
+          </p:cNvSpPr>
+          <p:nvPr>
+            <p:ph type="body" sz="quarter" idx="18"/>
+          </p:nvPr>
+        </p:nvSpPr>
+        <p:spPr/>
+        <p:txBody>
+          <a:bodyPr/>
+          <a:lstStyle/>
+          <a:p>
+            <a:r>
+              <a:rPr lang="en-US" dirty="0"/>
+              <a:t>Caption01 appears here</a:t>
+            </a:r>
+          </a:p>
+        </p:txBody>
+      </p:sp>
+      <p:sp>
+        <p:nvSpPr>
+          <p:cNvPr id="21" name="Text Placeholder 20">
+            <a:extLst>
+              <a:ext uri="{FF2B5EF4-FFF2-40B4-BE49-F238E27FC236}">
+                <a16:creationId xmlns:a16="http://schemas.microsoft.com/office/drawing/2014/main" xmlns="" id="{1B8F0371-4F69-4131-91BF-9AB99E6EE89B}"/>
+              </a:ext>
+            </a:extLst>
+          </p:cNvPr>
+          <p:cNvSpPr>
+            <a:spLocks noGrp="1"/>
+          </p:cNvSpPr>
+          <p:nvPr>
+            <p:ph type="body" sz="quarter" idx="20"/>
+          </p:nvPr>
+        </p:nvSpPr>
+        <p:spPr/>
+        <p:txBody>
+          <a:bodyPr/>
+          <a:lstStyle/>
+          <a:p>
+            <a:r>
+              <a:rPr lang="en-US" dirty="0"/>
+              <a:t>Caption03 appears here</a:t>
+            </a:r>
+          </a:p>
+        </p:txBody>
+      </p:sp>
+      <p:sp>
+        <p:nvSpPr>
+          <p:cNvPr id="22" name="Text Placeholder 21">
+            <a:extLst>
+              <a:ext uri="{FF2B5EF4-FFF2-40B4-BE49-F238E27FC236}">
+                <a16:creationId xmlns:a16="http://schemas.microsoft.com/office/drawing/2014/main" xmlns="" id="{78CACAF1-61EA-4605-A8FE-2EEE752B49FF}"/>
+              </a:ext>
+            </a:extLst>
+          </p:cNvPr>
+          <p:cNvSpPr>
+            <a:spLocks noGrp="1"/>
+          </p:cNvSpPr>
+          <p:nvPr>
+            <p:ph type="body" sz="quarter" idx="21"/>
+          </p:nvPr>
+        </p:nvSpPr>
+        <p:spPr/>
+        <p:txBody>
+          <a:bodyPr/>
+          <a:lstStyle/>
+          <a:p>
+            <a:r>
+              <a:rPr lang="en-US" dirty="0"/>
+              <a:t>Caption04 appears here</a:t>
+            </a:r>
+          </a:p>
+        </p:txBody>
+      </p:sp>
+      <p:sp>
+        <p:nvSpPr>
+          <p:cNvPr id="2" name="Slide Number Placeholder 1">
+            <a:extLst>
+              <a:ext uri="{FF2B5EF4-FFF2-40B4-BE49-F238E27FC236}">
+                <a16:creationId xmlns:a16="http://schemas.microsoft.com/office/drawing/2014/main" xmlns="" id="{2F478C69-0A1D-45FF-8600-ED903803FFE1}"/>
+              </a:ext>
+            </a:extLst>
+          </p:cNvPr>
+          <p:cNvSpPr>
+            <a:spLocks noGrp="1"/>
+          </p:cNvSpPr>
+          <p:nvPr>
+            <p:ph type="sldNum" sz="quarter" idx="12"/>
+          </p:nvPr>
+        </p:nvSpPr>
+        <p:spPr/>
+        <p:txBody>
+          <a:bodyPr/>
+          <a:lstStyle/>
+          <a:p>
+            <a:fld id="{C263D6C4-4840-40CC-AC84-17E24B3B7BDE}" type="slidenum">
+              <a:rPr lang="en-US" smtClean="0"/>
+              <a:pPr/>
               <a:t>9</a:t>
             </a:fld>
             <a:endParaRPr lang="en-US" dirty="0"/>
@@ -30554,7 +31209,7 @@
     </p:spTree>
     <p:extLst>
       <p:ext uri="{BB962C8B-B14F-4D97-AF65-F5344CB8AC3E}">
-        <p14:creationId xmlns:p14="http://schemas.microsoft.com/office/powerpoint/2010/main" val="3322300142"/>
+        <p14:creationId xmlns:p14="http://schemas.microsoft.com/office/powerpoint/2010/main" val="451187730"/>
       </p:ext>
     </p:extLst>
   </p:cSld>

--- a/Selenium/Specflow/Web Automation Test with Specflow.pptx
+++ b/Selenium/Specflow/Web Automation Test with Specflow.pptx
@@ -5,10 +5,10 @@
     <p:sldMasterId id="2147483648" r:id="rId4"/>
   </p:sldMasterIdLst>
   <p:notesMasterIdLst>
-    <p:notesMasterId r:id="rId21"/>
+    <p:notesMasterId r:id="rId28"/>
   </p:notesMasterIdLst>
   <p:handoutMasterIdLst>
-    <p:handoutMasterId r:id="rId22"/>
+    <p:handoutMasterId r:id="rId29"/>
   </p:handoutMasterIdLst>
   <p:sldIdLst>
     <p:sldId id="256" r:id="rId5"/>
@@ -18,15 +18,22 @@
     <p:sldId id="287" r:id="rId9"/>
     <p:sldId id="261" r:id="rId10"/>
     <p:sldId id="288" r:id="rId11"/>
-    <p:sldId id="262" r:id="rId12"/>
-    <p:sldId id="283" r:id="rId13"/>
-    <p:sldId id="264" r:id="rId14"/>
-    <p:sldId id="266" r:id="rId15"/>
-    <p:sldId id="284" r:id="rId16"/>
-    <p:sldId id="267" r:id="rId17"/>
-    <p:sldId id="269" r:id="rId18"/>
-    <p:sldId id="268" r:id="rId19"/>
-    <p:sldId id="285" r:id="rId20"/>
+    <p:sldId id="289" r:id="rId12"/>
+    <p:sldId id="290" r:id="rId13"/>
+    <p:sldId id="291" r:id="rId14"/>
+    <p:sldId id="292" r:id="rId15"/>
+    <p:sldId id="295" r:id="rId16"/>
+    <p:sldId id="293" r:id="rId17"/>
+    <p:sldId id="294" r:id="rId18"/>
+    <p:sldId id="262" r:id="rId19"/>
+    <p:sldId id="283" r:id="rId20"/>
+    <p:sldId id="264" r:id="rId21"/>
+    <p:sldId id="266" r:id="rId22"/>
+    <p:sldId id="284" r:id="rId23"/>
+    <p:sldId id="267" r:id="rId24"/>
+    <p:sldId id="269" r:id="rId25"/>
+    <p:sldId id="268" r:id="rId26"/>
+    <p:sldId id="285" r:id="rId27"/>
   </p:sldIdLst>
   <p:sldSz cx="12192000" cy="6858000"/>
   <p:notesSz cx="6858000" cy="9144000"/>
@@ -26531,6 +26538,1682 @@
       </p:grpSpPr>
       <p:sp>
         <p:nvSpPr>
+          <p:cNvPr id="7" name="Title 6">
+            <a:extLst>
+              <a:ext uri="{FF2B5EF4-FFF2-40B4-BE49-F238E27FC236}">
+                <a16:creationId xmlns:a16="http://schemas.microsoft.com/office/drawing/2014/main" xmlns="" id="{7875C19A-1AAE-476A-A316-A2CF92D763D3}"/>
+              </a:ext>
+            </a:extLst>
+          </p:cNvPr>
+          <p:cNvSpPr>
+            <a:spLocks noGrp="1"/>
+          </p:cNvSpPr>
+          <p:nvPr>
+            <p:ph type="title"/>
+          </p:nvPr>
+        </p:nvSpPr>
+        <p:spPr>
+          <a:xfrm>
+            <a:off x="444500" y="542925"/>
+            <a:ext cx="11214100" cy="535531"/>
+          </a:xfrm>
+        </p:spPr>
+        <p:txBody>
+          <a:bodyPr/>
+          <a:lstStyle/>
+          <a:p>
+            <a:endParaRPr lang="en-US" dirty="0"/>
+          </a:p>
+        </p:txBody>
+      </p:sp>
+      <p:sp>
+        <p:nvSpPr>
+          <p:cNvPr id="10" name="Text Placeholder 9">
+            <a:extLst>
+              <a:ext uri="{FF2B5EF4-FFF2-40B4-BE49-F238E27FC236}">
+                <a16:creationId xmlns:a16="http://schemas.microsoft.com/office/drawing/2014/main" xmlns="" id="{EF2BC084-E6DB-4DE7-B309-042A85EBA700}"/>
+              </a:ext>
+            </a:extLst>
+          </p:cNvPr>
+          <p:cNvSpPr>
+            <a:spLocks noGrp="1"/>
+          </p:cNvSpPr>
+          <p:nvPr>
+            <p:ph type="body" sz="quarter" idx="13"/>
+          </p:nvPr>
+        </p:nvSpPr>
+        <p:spPr/>
+        <p:txBody>
+          <a:bodyPr/>
+          <a:lstStyle/>
+          <a:p>
+            <a:endParaRPr lang="nl-NL" sz="2500" dirty="0" smtClean="0">
+              <a:latin typeface="Times New Roman" panose="02020603050405020304" pitchFamily="18" charset="0"/>
+              <a:cs typeface="Times New Roman" panose="02020603050405020304" pitchFamily="18" charset="0"/>
+            </a:endParaRPr>
+          </a:p>
+        </p:txBody>
+      </p:sp>
+      <p:sp>
+        <p:nvSpPr>
+          <p:cNvPr id="2" name="Slide Number Placeholder 1">
+            <a:extLst>
+              <a:ext uri="{FF2B5EF4-FFF2-40B4-BE49-F238E27FC236}">
+                <a16:creationId xmlns:a16="http://schemas.microsoft.com/office/drawing/2014/main" xmlns="" id="{BE9800F6-D571-48C4-8466-12AA1ADB6599}"/>
+              </a:ext>
+            </a:extLst>
+          </p:cNvPr>
+          <p:cNvSpPr>
+            <a:spLocks noGrp="1"/>
+          </p:cNvSpPr>
+          <p:nvPr>
+            <p:ph type="sldNum" sz="quarter" idx="12"/>
+          </p:nvPr>
+        </p:nvSpPr>
+        <p:spPr/>
+        <p:txBody>
+          <a:bodyPr/>
+          <a:lstStyle/>
+          <a:p>
+            <a:fld id="{C263D6C4-4840-40CC-AC84-17E24B3B7BDE}" type="slidenum">
+              <a:rPr lang="en-US" smtClean="0"/>
+              <a:pPr/>
+              <a:t>10</a:t>
+            </a:fld>
+            <a:endParaRPr lang="en-US" dirty="0"/>
+          </a:p>
+        </p:txBody>
+      </p:sp>
+      <p:pic>
+        <p:nvPicPr>
+          <p:cNvPr id="3" name="Picture 2"/>
+          <p:cNvPicPr>
+            <a:picLocks noChangeAspect="1"/>
+          </p:cNvPicPr>
+          <p:nvPr/>
+        </p:nvPicPr>
+        <p:blipFill>
+          <a:blip r:embed="rId2">
+            <a:extLst>
+              <a:ext uri="{28A0092B-C50C-407E-A947-70E740481C1C}">
+                <a14:useLocalDpi xmlns:a14="http://schemas.microsoft.com/office/drawing/2010/main" val="0"/>
+              </a:ext>
+            </a:extLst>
+          </a:blip>
+          <a:stretch>
+            <a:fillRect/>
+          </a:stretch>
+        </p:blipFill>
+        <p:spPr>
+          <a:xfrm>
+            <a:off x="444500" y="1098550"/>
+            <a:ext cx="8886825" cy="5581650"/>
+          </a:xfrm>
+          <a:prstGeom prst="rect">
+            <a:avLst/>
+          </a:prstGeom>
+        </p:spPr>
+      </p:pic>
+    </p:spTree>
+    <p:extLst>
+      <p:ext uri="{BB962C8B-B14F-4D97-AF65-F5344CB8AC3E}">
+        <p14:creationId xmlns:p14="http://schemas.microsoft.com/office/powerpoint/2010/main" val="411668700"/>
+      </p:ext>
+    </p:extLst>
+  </p:cSld>
+  <p:clrMapOvr>
+    <a:masterClrMapping/>
+  </p:clrMapOvr>
+  <mc:AlternateContent xmlns:mc="http://schemas.openxmlformats.org/markup-compatibility/2006">
+    <mc:Choice xmlns:p14="http://schemas.microsoft.com/office/powerpoint/2010/main" Requires="p14">
+      <p:transition spd="med" p14:dur="700">
+        <p:fade/>
+      </p:transition>
+    </mc:Choice>
+    <mc:Fallback>
+      <p:transition spd="med">
+        <p:fade/>
+      </p:transition>
+    </mc:Fallback>
+  </mc:AlternateContent>
+  <p:timing>
+    <p:tnLst>
+      <p:par>
+        <p:cTn id="1" dur="indefinite" restart="never" nodeType="tmRoot"/>
+      </p:par>
+    </p:tnLst>
+  </p:timing>
+</p:sld>
+</file>
+
+<file path=ppt/slides/slide11.xml><?xml version="1.0" encoding="utf-8"?>
+<p:sld xmlns:a="http://schemas.openxmlformats.org/drawingml/2006/main" xmlns:r="http://schemas.openxmlformats.org/officeDocument/2006/relationships" xmlns:p="http://schemas.openxmlformats.org/presentationml/2006/main">
+  <p:cSld>
+    <p:spTree>
+      <p:nvGrpSpPr>
+        <p:cNvPr id="1" name=""/>
+        <p:cNvGrpSpPr/>
+        <p:nvPr/>
+      </p:nvGrpSpPr>
+      <p:grpSpPr>
+        <a:xfrm>
+          <a:off x="0" y="0"/>
+          <a:ext cx="0" cy="0"/>
+          <a:chOff x="0" y="0"/>
+          <a:chExt cx="0" cy="0"/>
+        </a:xfrm>
+      </p:grpSpPr>
+      <p:sp>
+        <p:nvSpPr>
+          <p:cNvPr id="7" name="Title 6">
+            <a:extLst>
+              <a:ext uri="{FF2B5EF4-FFF2-40B4-BE49-F238E27FC236}">
+                <a16:creationId xmlns:a16="http://schemas.microsoft.com/office/drawing/2014/main" xmlns="" id="{7875C19A-1AAE-476A-A316-A2CF92D763D3}"/>
+              </a:ext>
+            </a:extLst>
+          </p:cNvPr>
+          <p:cNvSpPr>
+            <a:spLocks noGrp="1"/>
+          </p:cNvSpPr>
+          <p:nvPr>
+            <p:ph type="title"/>
+          </p:nvPr>
+        </p:nvSpPr>
+        <p:spPr>
+          <a:xfrm>
+            <a:off x="444500" y="542925"/>
+            <a:ext cx="11214100" cy="535531"/>
+          </a:xfrm>
+        </p:spPr>
+        <p:txBody>
+          <a:bodyPr/>
+          <a:lstStyle/>
+          <a:p>
+            <a:r>
+              <a:rPr lang="en-US" dirty="0">
+                <a:latin typeface="Times New Roman" panose="02020603050405020304" pitchFamily="18" charset="0"/>
+                <a:cs typeface="Times New Roman" panose="02020603050405020304" pitchFamily="18" charset="0"/>
+              </a:rPr>
+              <a:t>Important Terms used in Gherkin</a:t>
+            </a:r>
+          </a:p>
+        </p:txBody>
+      </p:sp>
+      <p:sp>
+        <p:nvSpPr>
+          <p:cNvPr id="10" name="Text Placeholder 9">
+            <a:extLst>
+              <a:ext uri="{FF2B5EF4-FFF2-40B4-BE49-F238E27FC236}">
+                <a16:creationId xmlns:a16="http://schemas.microsoft.com/office/drawing/2014/main" xmlns="" id="{EF2BC084-E6DB-4DE7-B309-042A85EBA700}"/>
+              </a:ext>
+            </a:extLst>
+          </p:cNvPr>
+          <p:cNvSpPr>
+            <a:spLocks noGrp="1"/>
+          </p:cNvSpPr>
+          <p:nvPr>
+            <p:ph type="body" sz="quarter" idx="13"/>
+          </p:nvPr>
+        </p:nvSpPr>
+        <p:spPr/>
+        <p:txBody>
+          <a:bodyPr/>
+          <a:lstStyle/>
+          <a:p>
+            <a:r>
+              <a:rPr lang="en-US" sz="2000" dirty="0" smtClean="0">
+                <a:latin typeface="Times New Roman" panose="02020603050405020304" pitchFamily="18" charset="0"/>
+                <a:cs typeface="Times New Roman" panose="02020603050405020304" pitchFamily="18" charset="0"/>
+              </a:rPr>
+              <a:t>Feature: </a:t>
+            </a:r>
+            <a:r>
+              <a:rPr lang="en-US" sz="2000" dirty="0">
+                <a:latin typeface="Times New Roman" panose="02020603050405020304" pitchFamily="18" charset="0"/>
+                <a:cs typeface="Times New Roman" panose="02020603050405020304" pitchFamily="18" charset="0"/>
+              </a:rPr>
+              <a:t> name of the feature will be written.</a:t>
+            </a:r>
+          </a:p>
+          <a:p>
+            <a:r>
+              <a:rPr lang="en-US" sz="2000" dirty="0" smtClean="0">
+                <a:latin typeface="Times New Roman" panose="02020603050405020304" pitchFamily="18" charset="0"/>
+                <a:cs typeface="Times New Roman" panose="02020603050405020304" pitchFamily="18" charset="0"/>
+              </a:rPr>
+              <a:t>Background: </a:t>
+            </a:r>
+            <a:r>
+              <a:rPr lang="en-US" sz="2000" dirty="0">
+                <a:latin typeface="Times New Roman" panose="02020603050405020304" pitchFamily="18" charset="0"/>
+                <a:cs typeface="Times New Roman" panose="02020603050405020304" pitchFamily="18" charset="0"/>
+              </a:rPr>
+              <a:t>helps you to add some context to the scenario. It can contain some steps of the scenario, but the only difference is that it should be run before each scenario.</a:t>
+            </a:r>
+          </a:p>
+          <a:p>
+            <a:r>
+              <a:rPr lang="en-US" sz="2000" dirty="0" smtClean="0">
+                <a:latin typeface="Times New Roman" panose="02020603050405020304" pitchFamily="18" charset="0"/>
+                <a:cs typeface="Times New Roman" panose="02020603050405020304" pitchFamily="18" charset="0"/>
+              </a:rPr>
+              <a:t>Scenario: </a:t>
+            </a:r>
+            <a:r>
+              <a:rPr lang="en-US" sz="2000" dirty="0">
+                <a:latin typeface="Times New Roman" panose="02020603050405020304" pitchFamily="18" charset="0"/>
+                <a:cs typeface="Times New Roman" panose="02020603050405020304" pitchFamily="18" charset="0"/>
+              </a:rPr>
+              <a:t>Each feature file may have multiple scenarios, and each scenario starts with Scenario: followed by scenario name.</a:t>
+            </a:r>
+          </a:p>
+          <a:p>
+            <a:r>
+              <a:rPr lang="en-US" sz="2000" dirty="0" smtClean="0">
+                <a:latin typeface="Times New Roman" panose="02020603050405020304" pitchFamily="18" charset="0"/>
+                <a:cs typeface="Times New Roman" panose="02020603050405020304" pitchFamily="18" charset="0"/>
+              </a:rPr>
+              <a:t>Given: </a:t>
+            </a:r>
+            <a:r>
+              <a:rPr lang="en-US" sz="2000" dirty="0">
+                <a:latin typeface="Times New Roman" panose="02020603050405020304" pitchFamily="18" charset="0"/>
+                <a:cs typeface="Times New Roman" panose="02020603050405020304" pitchFamily="18" charset="0"/>
+              </a:rPr>
+              <a:t>Given keyword is to put the system in a familiar state before the user starts interacting with the system.</a:t>
+            </a:r>
+          </a:p>
+          <a:p>
+            <a:r>
+              <a:rPr lang="en-US" sz="2000" dirty="0" smtClean="0">
+                <a:latin typeface="Times New Roman" panose="02020603050405020304" pitchFamily="18" charset="0"/>
+                <a:cs typeface="Times New Roman" panose="02020603050405020304" pitchFamily="18" charset="0"/>
+              </a:rPr>
+              <a:t>When: </a:t>
+            </a:r>
+            <a:r>
+              <a:rPr lang="en-US" sz="2000" dirty="0">
+                <a:latin typeface="Times New Roman" panose="02020603050405020304" pitchFamily="18" charset="0"/>
+                <a:cs typeface="Times New Roman" panose="02020603050405020304" pitchFamily="18" charset="0"/>
+              </a:rPr>
+              <a:t>When the step is to define action performed by the user.</a:t>
+            </a:r>
+          </a:p>
+          <a:p>
+            <a:r>
+              <a:rPr lang="en-US" sz="2000" dirty="0" smtClean="0">
+                <a:latin typeface="Times New Roman" panose="02020603050405020304" pitchFamily="18" charset="0"/>
+                <a:cs typeface="Times New Roman" panose="02020603050405020304" pitchFamily="18" charset="0"/>
+              </a:rPr>
+              <a:t>Then: </a:t>
+            </a:r>
+            <a:r>
+              <a:rPr lang="en-US" sz="2000" dirty="0">
+                <a:latin typeface="Times New Roman" panose="02020603050405020304" pitchFamily="18" charset="0"/>
+                <a:cs typeface="Times New Roman" panose="02020603050405020304" pitchFamily="18" charset="0"/>
+              </a:rPr>
+              <a:t>The use of 'then' keyword is to see the </a:t>
+            </a:r>
+            <a:r>
+              <a:rPr lang="en-US" sz="2000" b="1" dirty="0">
+                <a:latin typeface="Times New Roman" panose="02020603050405020304" pitchFamily="18" charset="0"/>
+                <a:cs typeface="Times New Roman" panose="02020603050405020304" pitchFamily="18" charset="0"/>
+              </a:rPr>
+              <a:t>outcome</a:t>
+            </a:r>
+            <a:r>
+              <a:rPr lang="en-US" sz="2000" dirty="0">
+                <a:latin typeface="Times New Roman" panose="02020603050405020304" pitchFamily="18" charset="0"/>
+                <a:cs typeface="Times New Roman" panose="02020603050405020304" pitchFamily="18" charset="0"/>
+              </a:rPr>
+              <a:t> after the action in when step. </a:t>
+            </a:r>
+          </a:p>
+          <a:p>
+            <a:r>
+              <a:rPr lang="en-US" sz="2000" dirty="0" smtClean="0">
+                <a:latin typeface="Times New Roman" panose="02020603050405020304" pitchFamily="18" charset="0"/>
+                <a:cs typeface="Times New Roman" panose="02020603050405020304" pitchFamily="18" charset="0"/>
+              </a:rPr>
+              <a:t>And &amp; But</a:t>
+            </a:r>
+            <a:endParaRPr lang="en-US" sz="2000" dirty="0">
+              <a:latin typeface="Times New Roman" panose="02020603050405020304" pitchFamily="18" charset="0"/>
+              <a:cs typeface="Times New Roman" panose="02020603050405020304" pitchFamily="18" charset="0"/>
+            </a:endParaRPr>
+          </a:p>
+        </p:txBody>
+      </p:sp>
+      <p:sp>
+        <p:nvSpPr>
+          <p:cNvPr id="2" name="Slide Number Placeholder 1">
+            <a:extLst>
+              <a:ext uri="{FF2B5EF4-FFF2-40B4-BE49-F238E27FC236}">
+                <a16:creationId xmlns:a16="http://schemas.microsoft.com/office/drawing/2014/main" xmlns="" id="{BE9800F6-D571-48C4-8466-12AA1ADB6599}"/>
+              </a:ext>
+            </a:extLst>
+          </p:cNvPr>
+          <p:cNvSpPr>
+            <a:spLocks noGrp="1"/>
+          </p:cNvSpPr>
+          <p:nvPr>
+            <p:ph type="sldNum" sz="quarter" idx="12"/>
+          </p:nvPr>
+        </p:nvSpPr>
+        <p:spPr/>
+        <p:txBody>
+          <a:bodyPr/>
+          <a:lstStyle/>
+          <a:p>
+            <a:fld id="{C263D6C4-4840-40CC-AC84-17E24B3B7BDE}" type="slidenum">
+              <a:rPr lang="en-US" smtClean="0"/>
+              <a:pPr/>
+              <a:t>11</a:t>
+            </a:fld>
+            <a:endParaRPr lang="en-US" dirty="0"/>
+          </a:p>
+        </p:txBody>
+      </p:sp>
+    </p:spTree>
+    <p:extLst>
+      <p:ext uri="{BB962C8B-B14F-4D97-AF65-F5344CB8AC3E}">
+        <p14:creationId xmlns:p14="http://schemas.microsoft.com/office/powerpoint/2010/main" val="3954962368"/>
+      </p:ext>
+    </p:extLst>
+  </p:cSld>
+  <p:clrMapOvr>
+    <a:masterClrMapping/>
+  </p:clrMapOvr>
+  <mc:AlternateContent xmlns:mc="http://schemas.openxmlformats.org/markup-compatibility/2006">
+    <mc:Choice xmlns:p14="http://schemas.microsoft.com/office/powerpoint/2010/main" Requires="p14">
+      <p:transition spd="med" p14:dur="700">
+        <p:fade/>
+      </p:transition>
+    </mc:Choice>
+    <mc:Fallback>
+      <p:transition spd="med">
+        <p:fade/>
+      </p:transition>
+    </mc:Fallback>
+  </mc:AlternateContent>
+  <p:timing>
+    <p:tnLst>
+      <p:par>
+        <p:cTn id="1" dur="indefinite" restart="never" nodeType="tmRoot"/>
+      </p:par>
+    </p:tnLst>
+  </p:timing>
+</p:sld>
+</file>
+
+<file path=ppt/slides/slide12.xml><?xml version="1.0" encoding="utf-8"?>
+<p:sld xmlns:a="http://schemas.openxmlformats.org/drawingml/2006/main" xmlns:r="http://schemas.openxmlformats.org/officeDocument/2006/relationships" xmlns:p="http://schemas.openxmlformats.org/presentationml/2006/main">
+  <p:cSld>
+    <p:spTree>
+      <p:nvGrpSpPr>
+        <p:cNvPr id="1" name=""/>
+        <p:cNvGrpSpPr/>
+        <p:nvPr/>
+      </p:nvGrpSpPr>
+      <p:grpSpPr>
+        <a:xfrm>
+          <a:off x="0" y="0"/>
+          <a:ext cx="0" cy="0"/>
+          <a:chOff x="0" y="0"/>
+          <a:chExt cx="0" cy="0"/>
+        </a:xfrm>
+      </p:grpSpPr>
+      <p:sp>
+        <p:nvSpPr>
+          <p:cNvPr id="2" name="Title 1"/>
+          <p:cNvSpPr>
+            <a:spLocks noGrp="1"/>
+          </p:cNvSpPr>
+          <p:nvPr>
+            <p:ph type="title"/>
+          </p:nvPr>
+        </p:nvSpPr>
+        <p:spPr>
+          <a:xfrm>
+            <a:off x="444500" y="254601"/>
+            <a:ext cx="11214100" cy="978729"/>
+          </a:xfrm>
+        </p:spPr>
+        <p:txBody>
+          <a:bodyPr/>
+          <a:lstStyle/>
+          <a:p>
+            <a:r>
+              <a:rPr lang="en-US" dirty="0">
+                <a:latin typeface="Times New Roman" panose="02020603050405020304" pitchFamily="18" charset="0"/>
+                <a:cs typeface="Times New Roman" panose="02020603050405020304" pitchFamily="18" charset="0"/>
+              </a:rPr>
+              <a:t>Advantage and Disadvantages of Gherkin</a:t>
+            </a:r>
+            <a:br>
+              <a:rPr lang="en-US" dirty="0">
+                <a:latin typeface="Times New Roman" panose="02020603050405020304" pitchFamily="18" charset="0"/>
+                <a:cs typeface="Times New Roman" panose="02020603050405020304" pitchFamily="18" charset="0"/>
+              </a:rPr>
+            </a:br>
+            <a:endParaRPr lang="en-US" dirty="0">
+              <a:latin typeface="Times New Roman" panose="02020603050405020304" pitchFamily="18" charset="0"/>
+              <a:cs typeface="Times New Roman" panose="02020603050405020304" pitchFamily="18" charset="0"/>
+            </a:endParaRPr>
+          </a:p>
+        </p:txBody>
+      </p:sp>
+      <p:sp>
+        <p:nvSpPr>
+          <p:cNvPr id="3" name="Slide Number Placeholder 2"/>
+          <p:cNvSpPr>
+            <a:spLocks noGrp="1"/>
+          </p:cNvSpPr>
+          <p:nvPr>
+            <p:ph type="sldNum" sz="quarter" idx="12"/>
+          </p:nvPr>
+        </p:nvSpPr>
+        <p:spPr/>
+        <p:txBody>
+          <a:bodyPr/>
+          <a:lstStyle/>
+          <a:p>
+            <a:fld id="{C263D6C4-4840-40CC-AC84-17E24B3B7BDE}" type="slidenum">
+              <a:rPr lang="en-US" noProof="0" smtClean="0"/>
+              <a:pPr/>
+              <a:t>12</a:t>
+            </a:fld>
+            <a:endParaRPr lang="en-US" noProof="0" dirty="0"/>
+          </a:p>
+        </p:txBody>
+      </p:sp>
+      <p:sp>
+        <p:nvSpPr>
+          <p:cNvPr id="4" name="Text Placeholder 3"/>
+          <p:cNvSpPr>
+            <a:spLocks noGrp="1"/>
+          </p:cNvSpPr>
+          <p:nvPr>
+            <p:ph type="body" sz="quarter" idx="13"/>
+          </p:nvPr>
+        </p:nvSpPr>
+        <p:spPr>
+          <a:xfrm>
+            <a:off x="444500" y="848498"/>
+            <a:ext cx="6718300" cy="4870132"/>
+          </a:xfrm>
+        </p:spPr>
+        <p:txBody>
+          <a:bodyPr/>
+          <a:lstStyle/>
+          <a:p>
+            <a:r>
+              <a:rPr lang="en-US" sz="2000" dirty="0" smtClean="0">
+                <a:latin typeface="Times New Roman" panose="02020603050405020304" pitchFamily="18" charset="0"/>
+                <a:cs typeface="Times New Roman" panose="02020603050405020304" pitchFamily="18" charset="0"/>
+              </a:rPr>
+              <a:t>Gherkin </a:t>
+            </a:r>
+            <a:r>
+              <a:rPr lang="en-US" sz="2000" dirty="0">
+                <a:latin typeface="Times New Roman" panose="02020603050405020304" pitchFamily="18" charset="0"/>
+                <a:cs typeface="Times New Roman" panose="02020603050405020304" pitchFamily="18" charset="0"/>
+              </a:rPr>
+              <a:t>is simple enough for non-programmers to understand</a:t>
+            </a:r>
+          </a:p>
+          <a:p>
+            <a:r>
+              <a:rPr lang="en-US" sz="2000" dirty="0">
+                <a:latin typeface="Times New Roman" panose="02020603050405020304" pitchFamily="18" charset="0"/>
+                <a:cs typeface="Times New Roman" panose="02020603050405020304" pitchFamily="18" charset="0"/>
+              </a:rPr>
+              <a:t>Programmers can use it as a very solid base to start their tests</a:t>
+            </a:r>
+          </a:p>
+          <a:p>
+            <a:r>
+              <a:rPr lang="en-US" sz="2000" dirty="0">
+                <a:latin typeface="Times New Roman" panose="02020603050405020304" pitchFamily="18" charset="0"/>
+                <a:cs typeface="Times New Roman" panose="02020603050405020304" pitchFamily="18" charset="0"/>
+              </a:rPr>
+              <a:t>It makes User Stories easier to digest</a:t>
+            </a:r>
+          </a:p>
+          <a:p>
+            <a:r>
+              <a:rPr lang="en-US" sz="2000" dirty="0">
+                <a:latin typeface="Times New Roman" panose="02020603050405020304" pitchFamily="18" charset="0"/>
+                <a:cs typeface="Times New Roman" panose="02020603050405020304" pitchFamily="18" charset="0"/>
+              </a:rPr>
+              <a:t>Gherkin script can easily understand by business executives and developers</a:t>
+            </a:r>
+          </a:p>
+          <a:p>
+            <a:r>
+              <a:rPr lang="en-US" sz="2000" dirty="0">
+                <a:latin typeface="Times New Roman" panose="02020603050405020304" pitchFamily="18" charset="0"/>
+                <a:cs typeface="Times New Roman" panose="02020603050405020304" pitchFamily="18" charset="0"/>
+              </a:rPr>
+              <a:t>Targets the business requirements</a:t>
+            </a:r>
+          </a:p>
+          <a:p>
+            <a:r>
+              <a:rPr lang="en-US" sz="2000" dirty="0">
+                <a:latin typeface="Times New Roman" panose="02020603050405020304" pitchFamily="18" charset="0"/>
+                <a:cs typeface="Times New Roman" panose="02020603050405020304" pitchFamily="18" charset="0"/>
+              </a:rPr>
+              <a:t>A significant proportion of the functional specifications is written as user </a:t>
+            </a:r>
+            <a:r>
+              <a:rPr lang="en-US" sz="2000" dirty="0" smtClean="0">
+                <a:latin typeface="Times New Roman" panose="02020603050405020304" pitchFamily="18" charset="0"/>
+                <a:cs typeface="Times New Roman" panose="02020603050405020304" pitchFamily="18" charset="0"/>
+              </a:rPr>
+              <a:t>stories</a:t>
+            </a:r>
+          </a:p>
+          <a:p>
+            <a:r>
+              <a:rPr lang="en-US" sz="2000" dirty="0" smtClean="0">
+                <a:latin typeface="Times New Roman" panose="02020603050405020304" pitchFamily="18" charset="0"/>
+                <a:cs typeface="Times New Roman" panose="02020603050405020304" pitchFamily="18" charset="0"/>
+              </a:rPr>
+              <a:t>Style </a:t>
+            </a:r>
+            <a:r>
+              <a:rPr lang="en-US" sz="2000" dirty="0">
+                <a:latin typeface="Times New Roman" panose="02020603050405020304" pitchFamily="18" charset="0"/>
+                <a:cs typeface="Times New Roman" panose="02020603050405020304" pitchFamily="18" charset="0"/>
+              </a:rPr>
+              <a:t>of writing tests cases are easier to reuse code in other tests</a:t>
+            </a:r>
+          </a:p>
+          <a:p>
+            <a:endParaRPr lang="en-US" sz="2000" dirty="0" smtClean="0">
+              <a:latin typeface="Times New Roman" panose="02020603050405020304" pitchFamily="18" charset="0"/>
+              <a:cs typeface="Times New Roman" panose="02020603050405020304" pitchFamily="18" charset="0"/>
+            </a:endParaRPr>
+          </a:p>
+          <a:p>
+            <a:r>
+              <a:rPr lang="en-US" sz="2000" dirty="0" smtClean="0">
+                <a:latin typeface="Times New Roman" panose="02020603050405020304" pitchFamily="18" charset="0"/>
+                <a:cs typeface="Times New Roman" panose="02020603050405020304" pitchFamily="18" charset="0"/>
+              </a:rPr>
+              <a:t>It </a:t>
+            </a:r>
+            <a:r>
+              <a:rPr lang="en-US" sz="2000" dirty="0">
+                <a:latin typeface="Times New Roman" panose="02020603050405020304" pitchFamily="18" charset="0"/>
+                <a:cs typeface="Times New Roman" panose="02020603050405020304" pitchFamily="18" charset="0"/>
+              </a:rPr>
+              <a:t>requires a high level of business engagement and collaborations</a:t>
+            </a:r>
+          </a:p>
+          <a:p>
+            <a:r>
+              <a:rPr lang="en-US" sz="2000" dirty="0">
+                <a:latin typeface="Times New Roman" panose="02020603050405020304" pitchFamily="18" charset="0"/>
+                <a:cs typeface="Times New Roman" panose="02020603050405020304" pitchFamily="18" charset="0"/>
+              </a:rPr>
+              <a:t>May not work well in all scenarios</a:t>
+            </a:r>
+          </a:p>
+          <a:p>
+            <a:r>
+              <a:rPr lang="en-US" sz="2000" dirty="0">
+                <a:latin typeface="Times New Roman" panose="02020603050405020304" pitchFamily="18" charset="0"/>
+                <a:cs typeface="Times New Roman" panose="02020603050405020304" pitchFamily="18" charset="0"/>
+              </a:rPr>
+              <a:t>Poorly written tests can easily increase test-maintenance cost</a:t>
+            </a:r>
+          </a:p>
+          <a:p>
+            <a:endParaRPr lang="en-US" sz="2000" dirty="0">
+              <a:latin typeface="Times New Roman" panose="02020603050405020304" pitchFamily="18" charset="0"/>
+              <a:cs typeface="Times New Roman" panose="02020603050405020304" pitchFamily="18" charset="0"/>
+            </a:endParaRPr>
+          </a:p>
+        </p:txBody>
+      </p:sp>
+    </p:spTree>
+    <p:extLst>
+      <p:ext uri="{BB962C8B-B14F-4D97-AF65-F5344CB8AC3E}">
+        <p14:creationId xmlns:p14="http://schemas.microsoft.com/office/powerpoint/2010/main" val="2466399648"/>
+      </p:ext>
+    </p:extLst>
+  </p:cSld>
+  <p:clrMapOvr>
+    <a:masterClrMapping/>
+  </p:clrMapOvr>
+  <p:timing>
+    <p:tnLst>
+      <p:par>
+        <p:cTn id="1" dur="indefinite" restart="never" nodeType="tmRoot"/>
+      </p:par>
+    </p:tnLst>
+  </p:timing>
+</p:sld>
+</file>
+
+<file path=ppt/slides/slide13.xml><?xml version="1.0" encoding="utf-8"?>
+<p:sld xmlns:a="http://schemas.openxmlformats.org/drawingml/2006/main" xmlns:r="http://schemas.openxmlformats.org/officeDocument/2006/relationships" xmlns:p="http://schemas.openxmlformats.org/presentationml/2006/main">
+  <p:cSld>
+    <p:spTree>
+      <p:nvGrpSpPr>
+        <p:cNvPr id="1" name=""/>
+        <p:cNvGrpSpPr/>
+        <p:nvPr/>
+      </p:nvGrpSpPr>
+      <p:grpSpPr>
+        <a:xfrm>
+          <a:off x="0" y="0"/>
+          <a:ext cx="0" cy="0"/>
+          <a:chOff x="0" y="0"/>
+          <a:chExt cx="0" cy="0"/>
+        </a:xfrm>
+      </p:grpSpPr>
+      <p:sp>
+        <p:nvSpPr>
+          <p:cNvPr id="7" name="Title 6">
+            <a:extLst>
+              <a:ext uri="{FF2B5EF4-FFF2-40B4-BE49-F238E27FC236}">
+                <a16:creationId xmlns:a16="http://schemas.microsoft.com/office/drawing/2014/main" xmlns="" id="{7875C19A-1AAE-476A-A316-A2CF92D763D3}"/>
+              </a:ext>
+            </a:extLst>
+          </p:cNvPr>
+          <p:cNvSpPr>
+            <a:spLocks noGrp="1"/>
+          </p:cNvSpPr>
+          <p:nvPr>
+            <p:ph type="title"/>
+          </p:nvPr>
+        </p:nvSpPr>
+        <p:spPr>
+          <a:xfrm>
+            <a:off x="444500" y="542925"/>
+            <a:ext cx="11214100" cy="535531"/>
+          </a:xfrm>
+        </p:spPr>
+        <p:txBody>
+          <a:bodyPr/>
+          <a:lstStyle/>
+          <a:p>
+            <a:r>
+              <a:rPr lang="en-US" b="0" dirty="0">
+                <a:latin typeface="Times New Roman" panose="02020603050405020304" pitchFamily="18" charset="0"/>
+                <a:cs typeface="Times New Roman" panose="02020603050405020304" pitchFamily="18" charset="0"/>
+              </a:rPr>
+              <a:t>Page Object Model</a:t>
+            </a:r>
+            <a:endParaRPr lang="en-US" dirty="0">
+              <a:latin typeface="Times New Roman" panose="02020603050405020304" pitchFamily="18" charset="0"/>
+              <a:cs typeface="Times New Roman" panose="02020603050405020304" pitchFamily="18" charset="0"/>
+            </a:endParaRPr>
+          </a:p>
+        </p:txBody>
+      </p:sp>
+      <p:sp>
+        <p:nvSpPr>
+          <p:cNvPr id="10" name="Text Placeholder 9">
+            <a:extLst>
+              <a:ext uri="{FF2B5EF4-FFF2-40B4-BE49-F238E27FC236}">
+                <a16:creationId xmlns:a16="http://schemas.microsoft.com/office/drawing/2014/main" xmlns="" id="{EF2BC084-E6DB-4DE7-B309-042A85EBA700}"/>
+              </a:ext>
+            </a:extLst>
+          </p:cNvPr>
+          <p:cNvSpPr>
+            <a:spLocks noGrp="1"/>
+          </p:cNvSpPr>
+          <p:nvPr>
+            <p:ph type="body" sz="quarter" idx="13"/>
+          </p:nvPr>
+        </p:nvSpPr>
+        <p:spPr/>
+        <p:txBody>
+          <a:bodyPr/>
+          <a:lstStyle/>
+          <a:p>
+            <a:endParaRPr lang="en-US" sz="2000" dirty="0">
+              <a:latin typeface="Times New Roman" panose="02020603050405020304" pitchFamily="18" charset="0"/>
+              <a:cs typeface="Times New Roman" panose="02020603050405020304" pitchFamily="18" charset="0"/>
+            </a:endParaRPr>
+          </a:p>
+        </p:txBody>
+      </p:sp>
+      <p:sp>
+        <p:nvSpPr>
+          <p:cNvPr id="2" name="Slide Number Placeholder 1">
+            <a:extLst>
+              <a:ext uri="{FF2B5EF4-FFF2-40B4-BE49-F238E27FC236}">
+                <a16:creationId xmlns:a16="http://schemas.microsoft.com/office/drawing/2014/main" xmlns="" id="{BE9800F6-D571-48C4-8466-12AA1ADB6599}"/>
+              </a:ext>
+            </a:extLst>
+          </p:cNvPr>
+          <p:cNvSpPr>
+            <a:spLocks noGrp="1"/>
+          </p:cNvSpPr>
+          <p:nvPr>
+            <p:ph type="sldNum" sz="quarter" idx="12"/>
+          </p:nvPr>
+        </p:nvSpPr>
+        <p:spPr/>
+        <p:txBody>
+          <a:bodyPr/>
+          <a:lstStyle/>
+          <a:p>
+            <a:fld id="{C263D6C4-4840-40CC-AC84-17E24B3B7BDE}" type="slidenum">
+              <a:rPr lang="en-US" smtClean="0"/>
+              <a:pPr/>
+              <a:t>13</a:t>
+            </a:fld>
+            <a:endParaRPr lang="en-US" dirty="0"/>
+          </a:p>
+        </p:txBody>
+      </p:sp>
+      <p:pic>
+        <p:nvPicPr>
+          <p:cNvPr id="3" name="Picture 2"/>
+          <p:cNvPicPr>
+            <a:picLocks noChangeAspect="1"/>
+          </p:cNvPicPr>
+          <p:nvPr/>
+        </p:nvPicPr>
+        <p:blipFill>
+          <a:blip r:embed="rId2">
+            <a:extLst>
+              <a:ext uri="{28A0092B-C50C-407E-A947-70E740481C1C}">
+                <a14:useLocalDpi xmlns:a14="http://schemas.microsoft.com/office/drawing/2010/main" val="0"/>
+              </a:ext>
+            </a:extLst>
+          </a:blip>
+          <a:stretch>
+            <a:fillRect/>
+          </a:stretch>
+        </p:blipFill>
+        <p:spPr>
+          <a:xfrm>
+            <a:off x="444500" y="1625385"/>
+            <a:ext cx="7490408" cy="5018573"/>
+          </a:xfrm>
+          <a:prstGeom prst="rect">
+            <a:avLst/>
+          </a:prstGeom>
+        </p:spPr>
+      </p:pic>
+    </p:spTree>
+    <p:extLst>
+      <p:ext uri="{BB962C8B-B14F-4D97-AF65-F5344CB8AC3E}">
+        <p14:creationId xmlns:p14="http://schemas.microsoft.com/office/powerpoint/2010/main" val="100636510"/>
+      </p:ext>
+    </p:extLst>
+  </p:cSld>
+  <p:clrMapOvr>
+    <a:masterClrMapping/>
+  </p:clrMapOvr>
+  <mc:AlternateContent xmlns:mc="http://schemas.openxmlformats.org/markup-compatibility/2006">
+    <mc:Choice xmlns:p14="http://schemas.microsoft.com/office/powerpoint/2010/main" Requires="p14">
+      <p:transition spd="med" p14:dur="700">
+        <p:fade/>
+      </p:transition>
+    </mc:Choice>
+    <mc:Fallback>
+      <p:transition spd="med">
+        <p:fade/>
+      </p:transition>
+    </mc:Fallback>
+  </mc:AlternateContent>
+  <p:timing>
+    <p:tnLst>
+      <p:par>
+        <p:cTn id="1" dur="indefinite" restart="never" nodeType="tmRoot"/>
+      </p:par>
+    </p:tnLst>
+  </p:timing>
+</p:sld>
+</file>
+
+<file path=ppt/slides/slide14.xml><?xml version="1.0" encoding="utf-8"?>
+<p:sld xmlns:a="http://schemas.openxmlformats.org/drawingml/2006/main" xmlns:r="http://schemas.openxmlformats.org/officeDocument/2006/relationships" xmlns:p="http://schemas.openxmlformats.org/presentationml/2006/main">
+  <p:cSld>
+    <p:spTree>
+      <p:nvGrpSpPr>
+        <p:cNvPr id="1" name=""/>
+        <p:cNvGrpSpPr/>
+        <p:nvPr/>
+      </p:nvGrpSpPr>
+      <p:grpSpPr>
+        <a:xfrm>
+          <a:off x="0" y="0"/>
+          <a:ext cx="0" cy="0"/>
+          <a:chOff x="0" y="0"/>
+          <a:chExt cx="0" cy="0"/>
+        </a:xfrm>
+      </p:grpSpPr>
+      <p:sp>
+        <p:nvSpPr>
+          <p:cNvPr id="7" name="Title 6">
+            <a:extLst>
+              <a:ext uri="{FF2B5EF4-FFF2-40B4-BE49-F238E27FC236}">
+                <a16:creationId xmlns:a16="http://schemas.microsoft.com/office/drawing/2014/main" xmlns="" id="{7875C19A-1AAE-476A-A316-A2CF92D763D3}"/>
+              </a:ext>
+            </a:extLst>
+          </p:cNvPr>
+          <p:cNvSpPr>
+            <a:spLocks noGrp="1"/>
+          </p:cNvSpPr>
+          <p:nvPr>
+            <p:ph type="title"/>
+          </p:nvPr>
+        </p:nvSpPr>
+        <p:spPr>
+          <a:xfrm>
+            <a:off x="444500" y="542925"/>
+            <a:ext cx="11214100" cy="535531"/>
+          </a:xfrm>
+        </p:spPr>
+        <p:txBody>
+          <a:bodyPr/>
+          <a:lstStyle/>
+          <a:p>
+            <a:r>
+              <a:rPr lang="en-US" b="0" dirty="0">
+                <a:latin typeface="Times New Roman" panose="02020603050405020304" pitchFamily="18" charset="0"/>
+                <a:cs typeface="Times New Roman" panose="02020603050405020304" pitchFamily="18" charset="0"/>
+              </a:rPr>
+              <a:t>Page Object Model</a:t>
+            </a:r>
+            <a:endParaRPr lang="en-US" dirty="0">
+              <a:latin typeface="Times New Roman" panose="02020603050405020304" pitchFamily="18" charset="0"/>
+              <a:cs typeface="Times New Roman" panose="02020603050405020304" pitchFamily="18" charset="0"/>
+            </a:endParaRPr>
+          </a:p>
+        </p:txBody>
+      </p:sp>
+      <p:sp>
+        <p:nvSpPr>
+          <p:cNvPr id="10" name="Text Placeholder 9">
+            <a:extLst>
+              <a:ext uri="{FF2B5EF4-FFF2-40B4-BE49-F238E27FC236}">
+                <a16:creationId xmlns:a16="http://schemas.microsoft.com/office/drawing/2014/main" xmlns="" id="{EF2BC084-E6DB-4DE7-B309-042A85EBA700}"/>
+              </a:ext>
+            </a:extLst>
+          </p:cNvPr>
+          <p:cNvSpPr>
+            <a:spLocks noGrp="1"/>
+          </p:cNvSpPr>
+          <p:nvPr>
+            <p:ph type="body" sz="quarter" idx="13"/>
+          </p:nvPr>
+        </p:nvSpPr>
+        <p:spPr/>
+        <p:txBody>
+          <a:bodyPr/>
+          <a:lstStyle/>
+          <a:p>
+            <a:r>
+              <a:rPr lang="en-US" sz="2000" b="1" dirty="0"/>
+              <a:t>Page Object Model</a:t>
+            </a:r>
+            <a:r>
+              <a:rPr lang="en-US" sz="2000" dirty="0"/>
+              <a:t> is a design pattern which has become popular in test automation for enhancing test maintenance and reducing code duplication</a:t>
+            </a:r>
+            <a:endParaRPr lang="en-US" sz="2000" dirty="0">
+              <a:latin typeface="Times New Roman" panose="02020603050405020304" pitchFamily="18" charset="0"/>
+              <a:cs typeface="Times New Roman" panose="02020603050405020304" pitchFamily="18" charset="0"/>
+            </a:endParaRPr>
+          </a:p>
+        </p:txBody>
+      </p:sp>
+      <p:sp>
+        <p:nvSpPr>
+          <p:cNvPr id="2" name="Slide Number Placeholder 1">
+            <a:extLst>
+              <a:ext uri="{FF2B5EF4-FFF2-40B4-BE49-F238E27FC236}">
+                <a16:creationId xmlns:a16="http://schemas.microsoft.com/office/drawing/2014/main" xmlns="" id="{BE9800F6-D571-48C4-8466-12AA1ADB6599}"/>
+              </a:ext>
+            </a:extLst>
+          </p:cNvPr>
+          <p:cNvSpPr>
+            <a:spLocks noGrp="1"/>
+          </p:cNvSpPr>
+          <p:nvPr>
+            <p:ph type="sldNum" sz="quarter" idx="12"/>
+          </p:nvPr>
+        </p:nvSpPr>
+        <p:spPr/>
+        <p:txBody>
+          <a:bodyPr/>
+          <a:lstStyle/>
+          <a:p>
+            <a:fld id="{C263D6C4-4840-40CC-AC84-17E24B3B7BDE}" type="slidenum">
+              <a:rPr lang="en-US" smtClean="0"/>
+              <a:pPr/>
+              <a:t>14</a:t>
+            </a:fld>
+            <a:endParaRPr lang="en-US" dirty="0"/>
+          </a:p>
+        </p:txBody>
+      </p:sp>
+    </p:spTree>
+    <p:extLst>
+      <p:ext uri="{BB962C8B-B14F-4D97-AF65-F5344CB8AC3E}">
+        <p14:creationId xmlns:p14="http://schemas.microsoft.com/office/powerpoint/2010/main" val="69014658"/>
+      </p:ext>
+    </p:extLst>
+  </p:cSld>
+  <p:clrMapOvr>
+    <a:masterClrMapping/>
+  </p:clrMapOvr>
+  <mc:AlternateContent xmlns:mc="http://schemas.openxmlformats.org/markup-compatibility/2006">
+    <mc:Choice xmlns:p14="http://schemas.microsoft.com/office/powerpoint/2010/main" Requires="p14">
+      <p:transition spd="med" p14:dur="700">
+        <p:fade/>
+      </p:transition>
+    </mc:Choice>
+    <mc:Fallback>
+      <p:transition spd="med">
+        <p:fade/>
+      </p:transition>
+    </mc:Fallback>
+  </mc:AlternateContent>
+  <p:timing>
+    <p:tnLst>
+      <p:par>
+        <p:cTn id="1" dur="indefinite" restart="never" nodeType="tmRoot"/>
+      </p:par>
+    </p:tnLst>
+  </p:timing>
+</p:sld>
+</file>
+
+<file path=ppt/slides/slide15.xml><?xml version="1.0" encoding="utf-8"?>
+<p:sld xmlns:a="http://schemas.openxmlformats.org/drawingml/2006/main" xmlns:r="http://schemas.openxmlformats.org/officeDocument/2006/relationships" xmlns:p="http://schemas.openxmlformats.org/presentationml/2006/main">
+  <p:cSld>
+    <p:spTree>
+      <p:nvGrpSpPr>
+        <p:cNvPr id="1" name=""/>
+        <p:cNvGrpSpPr/>
+        <p:nvPr/>
+      </p:nvGrpSpPr>
+      <p:grpSpPr>
+        <a:xfrm>
+          <a:off x="0" y="0"/>
+          <a:ext cx="0" cy="0"/>
+          <a:chOff x="0" y="0"/>
+          <a:chExt cx="0" cy="0"/>
+        </a:xfrm>
+      </p:grpSpPr>
+      <p:sp>
+        <p:nvSpPr>
+          <p:cNvPr id="4" name="Title 3">
+            <a:extLst>
+              <a:ext uri="{FF2B5EF4-FFF2-40B4-BE49-F238E27FC236}">
+                <a16:creationId xmlns:a16="http://schemas.microsoft.com/office/drawing/2014/main" xmlns="" id="{315E3981-F0D7-482C-A8E0-6A57700BECA7}"/>
+              </a:ext>
+            </a:extLst>
+          </p:cNvPr>
+          <p:cNvSpPr>
+            <a:spLocks noGrp="1"/>
+          </p:cNvSpPr>
+          <p:nvPr>
+            <p:ph type="title"/>
+          </p:nvPr>
+        </p:nvSpPr>
+        <p:spPr/>
+        <p:txBody>
+          <a:bodyPr/>
+          <a:lstStyle/>
+          <a:p>
+            <a:r>
+              <a:rPr lang="en-US" dirty="0"/>
+              <a:t>What Is Selenium?</a:t>
+            </a:r>
+            <a:endParaRPr lang="en-US" b="0" dirty="0"/>
+          </a:p>
+        </p:txBody>
+      </p:sp>
+      <p:pic>
+        <p:nvPicPr>
+          <p:cNvPr id="25" name="Picture Placeholder 24" descr="Bar chart">
+            <a:extLst>
+              <a:ext uri="{FF2B5EF4-FFF2-40B4-BE49-F238E27FC236}">
+                <a16:creationId xmlns:a16="http://schemas.microsoft.com/office/drawing/2014/main" xmlns="" id="{C03AAFA7-022A-47F8-9DA1-7DC3897D1E52}"/>
+              </a:ext>
+            </a:extLst>
+          </p:cNvPr>
+          <p:cNvPicPr>
+            <a:picLocks noGrp="1" noChangeAspect="1"/>
+          </p:cNvPicPr>
+          <p:nvPr>
+            <p:ph type="pic" sz="quarter" idx="13"/>
+          </p:nvPr>
+        </p:nvPicPr>
+        <p:blipFill>
+          <a:blip r:embed="rId2">
+            <a:extLst>
+              <a:ext uri="{28A0092B-C50C-407E-A947-70E740481C1C}">
+                <a14:useLocalDpi xmlns:a14="http://schemas.microsoft.com/office/drawing/2010/main"/>
+              </a:ext>
+              <a:ext uri="{96DAC541-7B7A-43D3-8B79-37D633B846F1}">
+                <asvg:svgBlip xmlns:asvg="http://schemas.microsoft.com/office/drawing/2016/SVG/main" xmlns="" r:embed="rId3"/>
+              </a:ext>
+            </a:extLst>
+          </a:blip>
+          <a:srcRect t="63" b="63"/>
+          <a:stretch>
+            <a:fillRect/>
+          </a:stretch>
+        </p:blipFill>
+        <p:spPr>
+          <a:xfrm>
+            <a:off x="1002925" y="2096716"/>
+            <a:ext cx="1259505" cy="1259505"/>
+          </a:xfrm>
+        </p:spPr>
+      </p:pic>
+      <p:sp>
+        <p:nvSpPr>
+          <p:cNvPr id="19" name="Text Placeholder 18">
+            <a:extLst>
+              <a:ext uri="{FF2B5EF4-FFF2-40B4-BE49-F238E27FC236}">
+                <a16:creationId xmlns:a16="http://schemas.microsoft.com/office/drawing/2014/main" xmlns="" id="{782206B1-586F-4254-9B36-D06C4E294ACF}"/>
+              </a:ext>
+            </a:extLst>
+          </p:cNvPr>
+          <p:cNvSpPr>
+            <a:spLocks noGrp="1"/>
+          </p:cNvSpPr>
+          <p:nvPr>
+            <p:ph type="body" sz="quarter" idx="18"/>
+          </p:nvPr>
+        </p:nvSpPr>
+        <p:spPr/>
+        <p:txBody>
+          <a:bodyPr/>
+          <a:lstStyle/>
+          <a:p>
+            <a:r>
+              <a:rPr lang="en-US" dirty="0"/>
+              <a:t>Caption01 appears here</a:t>
+            </a:r>
+          </a:p>
+        </p:txBody>
+      </p:sp>
+      <p:pic>
+        <p:nvPicPr>
+          <p:cNvPr id="27" name="Picture Placeholder 26" descr="Clock">
+            <a:extLst>
+              <a:ext uri="{FF2B5EF4-FFF2-40B4-BE49-F238E27FC236}">
+                <a16:creationId xmlns:a16="http://schemas.microsoft.com/office/drawing/2014/main" xmlns="" id="{6F737161-FE67-434D-A781-59EDB9EDCB23}"/>
+              </a:ext>
+            </a:extLst>
+          </p:cNvPr>
+          <p:cNvPicPr>
+            <a:picLocks noGrp="1" noChangeAspect="1"/>
+          </p:cNvPicPr>
+          <p:nvPr>
+            <p:ph type="pic" sz="quarter" idx="14"/>
+          </p:nvPr>
+        </p:nvPicPr>
+        <p:blipFill>
+          <a:blip r:embed="rId4">
+            <a:extLst>
+              <a:ext uri="{28A0092B-C50C-407E-A947-70E740481C1C}">
+                <a14:useLocalDpi xmlns:a14="http://schemas.microsoft.com/office/drawing/2010/main"/>
+              </a:ext>
+              <a:ext uri="{96DAC541-7B7A-43D3-8B79-37D633B846F1}">
+                <asvg:svgBlip xmlns:asvg="http://schemas.microsoft.com/office/drawing/2016/SVG/main" xmlns="" r:embed="rId5"/>
+              </a:ext>
+            </a:extLst>
+          </a:blip>
+          <a:srcRect/>
+          <a:stretch>
+            <a:fillRect/>
+          </a:stretch>
+        </p:blipFill>
+        <p:spPr>
+          <a:xfrm>
+            <a:off x="3246943" y="2096716"/>
+            <a:ext cx="1259505" cy="1259505"/>
+          </a:xfrm>
+        </p:spPr>
+      </p:pic>
+      <p:sp>
+        <p:nvSpPr>
+          <p:cNvPr id="20" name="Text Placeholder 19">
+            <a:extLst>
+              <a:ext uri="{FF2B5EF4-FFF2-40B4-BE49-F238E27FC236}">
+                <a16:creationId xmlns:a16="http://schemas.microsoft.com/office/drawing/2014/main" xmlns="" id="{CB924A29-3538-4A3F-82A6-D2A7538C2111}"/>
+              </a:ext>
+            </a:extLst>
+          </p:cNvPr>
+          <p:cNvSpPr>
+            <a:spLocks noGrp="1"/>
+          </p:cNvSpPr>
+          <p:nvPr>
+            <p:ph type="body" sz="quarter" idx="19"/>
+          </p:nvPr>
+        </p:nvSpPr>
+        <p:spPr/>
+        <p:txBody>
+          <a:bodyPr/>
+          <a:lstStyle/>
+          <a:p>
+            <a:r>
+              <a:rPr lang="en-US" dirty="0"/>
+              <a:t>Caption02 appears here</a:t>
+            </a:r>
+          </a:p>
+        </p:txBody>
+      </p:sp>
+      <p:pic>
+        <p:nvPicPr>
+          <p:cNvPr id="29" name="Picture Placeholder 28" descr="Microscope">
+            <a:extLst>
+              <a:ext uri="{FF2B5EF4-FFF2-40B4-BE49-F238E27FC236}">
+                <a16:creationId xmlns:a16="http://schemas.microsoft.com/office/drawing/2014/main" xmlns="" id="{9E5BF01B-21D6-4D43-9CAE-0298685C1A7B}"/>
+              </a:ext>
+            </a:extLst>
+          </p:cNvPr>
+          <p:cNvPicPr>
+            <a:picLocks noGrp="1" noChangeAspect="1"/>
+          </p:cNvPicPr>
+          <p:nvPr>
+            <p:ph type="pic" sz="quarter" idx="15"/>
+          </p:nvPr>
+        </p:nvPicPr>
+        <p:blipFill>
+          <a:blip r:embed="rId6">
+            <a:extLst>
+              <a:ext uri="{28A0092B-C50C-407E-A947-70E740481C1C}">
+                <a14:useLocalDpi xmlns:a14="http://schemas.microsoft.com/office/drawing/2010/main"/>
+              </a:ext>
+              <a:ext uri="{96DAC541-7B7A-43D3-8B79-37D633B846F1}">
+                <asvg:svgBlip xmlns:asvg="http://schemas.microsoft.com/office/drawing/2016/SVG/main" xmlns="" r:embed="rId7"/>
+              </a:ext>
+            </a:extLst>
+          </a:blip>
+          <a:srcRect t="63" b="63"/>
+          <a:stretch>
+            <a:fillRect/>
+          </a:stretch>
+        </p:blipFill>
+        <p:spPr>
+          <a:xfrm>
+            <a:off x="5490961" y="2096716"/>
+            <a:ext cx="1259505" cy="1259505"/>
+          </a:xfrm>
+        </p:spPr>
+      </p:pic>
+      <p:sp>
+        <p:nvSpPr>
+          <p:cNvPr id="21" name="Text Placeholder 20">
+            <a:extLst>
+              <a:ext uri="{FF2B5EF4-FFF2-40B4-BE49-F238E27FC236}">
+                <a16:creationId xmlns:a16="http://schemas.microsoft.com/office/drawing/2014/main" xmlns="" id="{1B8F0371-4F69-4131-91BF-9AB99E6EE89B}"/>
+              </a:ext>
+            </a:extLst>
+          </p:cNvPr>
+          <p:cNvSpPr>
+            <a:spLocks noGrp="1"/>
+          </p:cNvSpPr>
+          <p:nvPr>
+            <p:ph type="body" sz="quarter" idx="20"/>
+          </p:nvPr>
+        </p:nvSpPr>
+        <p:spPr/>
+        <p:txBody>
+          <a:bodyPr/>
+          <a:lstStyle/>
+          <a:p>
+            <a:r>
+              <a:rPr lang="en-US" dirty="0"/>
+              <a:t>Caption03 appears here</a:t>
+            </a:r>
+          </a:p>
+        </p:txBody>
+      </p:sp>
+      <p:pic>
+        <p:nvPicPr>
+          <p:cNvPr id="31" name="Picture Placeholder 30" descr="Magnifying glass">
+            <a:extLst>
+              <a:ext uri="{FF2B5EF4-FFF2-40B4-BE49-F238E27FC236}">
+                <a16:creationId xmlns:a16="http://schemas.microsoft.com/office/drawing/2014/main" xmlns="" id="{089E8AB6-C16E-4752-810F-8F98DB929DB5}"/>
+              </a:ext>
+            </a:extLst>
+          </p:cNvPr>
+          <p:cNvPicPr>
+            <a:picLocks noGrp="1" noChangeAspect="1"/>
+          </p:cNvPicPr>
+          <p:nvPr>
+            <p:ph type="pic" sz="quarter" idx="16"/>
+          </p:nvPr>
+        </p:nvPicPr>
+        <p:blipFill>
+          <a:blip r:embed="rId8">
+            <a:extLst>
+              <a:ext uri="{28A0092B-C50C-407E-A947-70E740481C1C}">
+                <a14:useLocalDpi xmlns:a14="http://schemas.microsoft.com/office/drawing/2010/main"/>
+              </a:ext>
+              <a:ext uri="{96DAC541-7B7A-43D3-8B79-37D633B846F1}">
+                <asvg:svgBlip xmlns:asvg="http://schemas.microsoft.com/office/drawing/2016/SVG/main" xmlns="" r:embed="rId9"/>
+              </a:ext>
+            </a:extLst>
+          </a:blip>
+          <a:srcRect/>
+          <a:stretch>
+            <a:fillRect/>
+          </a:stretch>
+        </p:blipFill>
+        <p:spPr/>
+      </p:pic>
+      <p:sp>
+        <p:nvSpPr>
+          <p:cNvPr id="22" name="Text Placeholder 21">
+            <a:extLst>
+              <a:ext uri="{FF2B5EF4-FFF2-40B4-BE49-F238E27FC236}">
+                <a16:creationId xmlns:a16="http://schemas.microsoft.com/office/drawing/2014/main" xmlns="" id="{78CACAF1-61EA-4605-A8FE-2EEE752B49FF}"/>
+              </a:ext>
+            </a:extLst>
+          </p:cNvPr>
+          <p:cNvSpPr>
+            <a:spLocks noGrp="1"/>
+          </p:cNvSpPr>
+          <p:nvPr>
+            <p:ph type="body" sz="quarter" idx="21"/>
+          </p:nvPr>
+        </p:nvSpPr>
+        <p:spPr/>
+        <p:txBody>
+          <a:bodyPr/>
+          <a:lstStyle/>
+          <a:p>
+            <a:r>
+              <a:rPr lang="en-US" dirty="0"/>
+              <a:t>Caption04 appears here</a:t>
+            </a:r>
+          </a:p>
+        </p:txBody>
+      </p:sp>
+      <p:pic>
+        <p:nvPicPr>
+          <p:cNvPr id="33" name="Picture Placeholder 32" descr="Head with Gears">
+            <a:extLst>
+              <a:ext uri="{FF2B5EF4-FFF2-40B4-BE49-F238E27FC236}">
+                <a16:creationId xmlns:a16="http://schemas.microsoft.com/office/drawing/2014/main" xmlns="" id="{CC9DBBE5-5AD0-41E8-A719-84509E5D9F9E}"/>
+              </a:ext>
+            </a:extLst>
+          </p:cNvPr>
+          <p:cNvPicPr>
+            <a:picLocks noGrp="1" noChangeAspect="1"/>
+          </p:cNvPicPr>
+          <p:nvPr>
+            <p:ph type="pic" sz="quarter" idx="17"/>
+          </p:nvPr>
+        </p:nvPicPr>
+        <p:blipFill>
+          <a:blip r:embed="rId10">
+            <a:extLst>
+              <a:ext uri="{28A0092B-C50C-407E-A947-70E740481C1C}">
+                <a14:useLocalDpi xmlns:a14="http://schemas.microsoft.com/office/drawing/2010/main"/>
+              </a:ext>
+              <a:ext uri="{96DAC541-7B7A-43D3-8B79-37D633B846F1}">
+                <asvg:svgBlip xmlns:asvg="http://schemas.microsoft.com/office/drawing/2016/SVG/main" xmlns="" r:embed="rId11"/>
+              </a:ext>
+            </a:extLst>
+          </a:blip>
+          <a:srcRect t="63" b="63"/>
+          <a:stretch>
+            <a:fillRect/>
+          </a:stretch>
+        </p:blipFill>
+        <p:spPr>
+          <a:xfrm>
+            <a:off x="9978996" y="2096716"/>
+            <a:ext cx="1259505" cy="1259505"/>
+          </a:xfrm>
+        </p:spPr>
+      </p:pic>
+      <p:sp>
+        <p:nvSpPr>
+          <p:cNvPr id="23" name="Text Placeholder 22">
+            <a:extLst>
+              <a:ext uri="{FF2B5EF4-FFF2-40B4-BE49-F238E27FC236}">
+                <a16:creationId xmlns:a16="http://schemas.microsoft.com/office/drawing/2014/main" xmlns="" id="{8D05A34F-7712-46DB-AB5B-272E294B62EE}"/>
+              </a:ext>
+            </a:extLst>
+          </p:cNvPr>
+          <p:cNvSpPr>
+            <a:spLocks noGrp="1"/>
+          </p:cNvSpPr>
+          <p:nvPr>
+            <p:ph type="body" sz="quarter" idx="22"/>
+          </p:nvPr>
+        </p:nvSpPr>
+        <p:spPr>
+          <a:xfrm>
+            <a:off x="9720678" y="4240093"/>
+            <a:ext cx="1776140" cy="1463040"/>
+          </a:xfrm>
+        </p:spPr>
+        <p:txBody>
+          <a:bodyPr/>
+          <a:lstStyle/>
+          <a:p>
+            <a:r>
+              <a:rPr lang="en-US" dirty="0"/>
+              <a:t>Caption05 appears here</a:t>
+            </a:r>
+          </a:p>
+        </p:txBody>
+      </p:sp>
+      <p:sp>
+        <p:nvSpPr>
+          <p:cNvPr id="2" name="Slide Number Placeholder 1">
+            <a:extLst>
+              <a:ext uri="{FF2B5EF4-FFF2-40B4-BE49-F238E27FC236}">
+                <a16:creationId xmlns:a16="http://schemas.microsoft.com/office/drawing/2014/main" xmlns="" id="{CC1F11E7-EDE5-4119-BA64-4FC57C285D19}"/>
+              </a:ext>
+            </a:extLst>
+          </p:cNvPr>
+          <p:cNvSpPr>
+            <a:spLocks noGrp="1"/>
+          </p:cNvSpPr>
+          <p:nvPr>
+            <p:ph type="sldNum" sz="quarter" idx="12"/>
+          </p:nvPr>
+        </p:nvSpPr>
+        <p:spPr/>
+        <p:txBody>
+          <a:bodyPr/>
+          <a:lstStyle/>
+          <a:p>
+            <a:fld id="{C263D6C4-4840-40CC-AC84-17E24B3B7BDE}" type="slidenum">
+              <a:rPr lang="en-US" smtClean="0"/>
+              <a:pPr/>
+              <a:t>15</a:t>
+            </a:fld>
+            <a:endParaRPr lang="en-US" dirty="0"/>
+          </a:p>
+        </p:txBody>
+      </p:sp>
+    </p:spTree>
+    <p:extLst>
+      <p:ext uri="{BB962C8B-B14F-4D97-AF65-F5344CB8AC3E}">
+        <p14:creationId xmlns:p14="http://schemas.microsoft.com/office/powerpoint/2010/main" val="3892131414"/>
+      </p:ext>
+    </p:extLst>
+  </p:cSld>
+  <p:clrMapOvr>
+    <a:masterClrMapping/>
+  </p:clrMapOvr>
+  <mc:AlternateContent xmlns:mc="http://schemas.openxmlformats.org/markup-compatibility/2006" xmlns:p14="http://schemas.microsoft.com/office/powerpoint/2010/main">
+    <mc:Choice Requires="p14">
+      <p:transition spd="med" p14:dur="700">
+        <p:fade/>
+      </p:transition>
+    </mc:Choice>
+    <mc:Fallback xmlns="">
+      <p:transition spd="med">
+        <p:fade/>
+      </p:transition>
+    </mc:Fallback>
+  </mc:AlternateContent>
+  <p:timing>
+    <p:tnLst>
+      <p:par>
+        <p:cTn id="1" dur="indefinite" restart="never" nodeType="tmRoot"/>
+      </p:par>
+    </p:tnLst>
+  </p:timing>
+</p:sld>
+</file>
+
+<file path=ppt/slides/slide16.xml><?xml version="1.0" encoding="utf-8"?>
+<p:sld xmlns:a="http://schemas.openxmlformats.org/drawingml/2006/main" xmlns:r="http://schemas.openxmlformats.org/officeDocument/2006/relationships" xmlns:p="http://schemas.openxmlformats.org/presentationml/2006/main">
+  <p:cSld>
+    <p:spTree>
+      <p:nvGrpSpPr>
+        <p:cNvPr id="1" name=""/>
+        <p:cNvGrpSpPr/>
+        <p:nvPr/>
+      </p:nvGrpSpPr>
+      <p:grpSpPr>
+        <a:xfrm>
+          <a:off x="0" y="0"/>
+          <a:ext cx="0" cy="0"/>
+          <a:chOff x="0" y="0"/>
+          <a:chExt cx="0" cy="0"/>
+        </a:xfrm>
+      </p:grpSpPr>
+      <p:sp>
+        <p:nvSpPr>
+          <p:cNvPr id="4" name="Title 3">
+            <a:extLst>
+              <a:ext uri="{FF2B5EF4-FFF2-40B4-BE49-F238E27FC236}">
+                <a16:creationId xmlns:a16="http://schemas.microsoft.com/office/drawing/2014/main" xmlns="" id="{315E3981-F0D7-482C-A8E0-6A57700BECA7}"/>
+              </a:ext>
+            </a:extLst>
+          </p:cNvPr>
+          <p:cNvSpPr>
+            <a:spLocks noGrp="1"/>
+          </p:cNvSpPr>
+          <p:nvPr>
+            <p:ph type="title"/>
+          </p:nvPr>
+        </p:nvSpPr>
+        <p:spPr/>
+        <p:txBody>
+          <a:bodyPr/>
+          <a:lstStyle/>
+          <a:p>
+            <a:r>
+              <a:rPr lang="en-US" dirty="0"/>
+              <a:t>Content Title 03</a:t>
+            </a:r>
+          </a:p>
+        </p:txBody>
+      </p:sp>
+      <p:pic>
+        <p:nvPicPr>
+          <p:cNvPr id="20" name="Picture Placeholder 19" descr="Triangular pattern design with dimension">
+            <a:extLst>
+              <a:ext uri="{FF2B5EF4-FFF2-40B4-BE49-F238E27FC236}">
+                <a16:creationId xmlns:a16="http://schemas.microsoft.com/office/drawing/2014/main" xmlns="" id="{3DCA2B8E-64D3-7645-8DEB-688ED5756F52}"/>
+              </a:ext>
+            </a:extLst>
+          </p:cNvPr>
+          <p:cNvPicPr>
+            <a:picLocks noGrp="1" noChangeAspect="1"/>
+          </p:cNvPicPr>
+          <p:nvPr>
+            <p:ph type="pic" sz="quarter" idx="19"/>
+          </p:nvPr>
+        </p:nvPicPr>
+        <p:blipFill>
+          <a:blip r:embed="rId2">
+            <a:extLst>
+              <a:ext uri="{28A0092B-C50C-407E-A947-70E740481C1C}">
+                <a14:useLocalDpi xmlns:a14="http://schemas.microsoft.com/office/drawing/2010/main" val="0"/>
+              </a:ext>
+            </a:extLst>
+          </a:blip>
+          <a:srcRect/>
+          <a:stretch>
+            <a:fillRect/>
+          </a:stretch>
+        </p:blipFill>
+        <p:spPr/>
+      </p:pic>
+      <p:sp>
+        <p:nvSpPr>
+          <p:cNvPr id="19" name="Text Placeholder 18">
+            <a:extLst>
+              <a:ext uri="{FF2B5EF4-FFF2-40B4-BE49-F238E27FC236}">
+                <a16:creationId xmlns:a16="http://schemas.microsoft.com/office/drawing/2014/main" xmlns="" id="{782206B1-586F-4254-9B36-D06C4E294ACF}"/>
+              </a:ext>
+            </a:extLst>
+          </p:cNvPr>
+          <p:cNvSpPr>
+            <a:spLocks noGrp="1"/>
+          </p:cNvSpPr>
+          <p:nvPr>
+            <p:ph type="body" sz="quarter" idx="18"/>
+          </p:nvPr>
+        </p:nvSpPr>
+        <p:spPr/>
+        <p:txBody>
+          <a:bodyPr/>
+          <a:lstStyle/>
+          <a:p>
+            <a:r>
+              <a:rPr lang="en-US" dirty="0"/>
+              <a:t>Caption01 appears here</a:t>
+            </a:r>
+          </a:p>
+        </p:txBody>
+      </p:sp>
+      <p:sp>
+        <p:nvSpPr>
+          <p:cNvPr id="21" name="Text Placeholder 20">
+            <a:extLst>
+              <a:ext uri="{FF2B5EF4-FFF2-40B4-BE49-F238E27FC236}">
+                <a16:creationId xmlns:a16="http://schemas.microsoft.com/office/drawing/2014/main" xmlns="" id="{1B8F0371-4F69-4131-91BF-9AB99E6EE89B}"/>
+              </a:ext>
+            </a:extLst>
+          </p:cNvPr>
+          <p:cNvSpPr>
+            <a:spLocks noGrp="1"/>
+          </p:cNvSpPr>
+          <p:nvPr>
+            <p:ph type="body" sz="quarter" idx="20"/>
+          </p:nvPr>
+        </p:nvSpPr>
+        <p:spPr/>
+        <p:txBody>
+          <a:bodyPr/>
+          <a:lstStyle/>
+          <a:p>
+            <a:r>
+              <a:rPr lang="en-US" dirty="0"/>
+              <a:t>Caption03 appears here</a:t>
+            </a:r>
+          </a:p>
+        </p:txBody>
+      </p:sp>
+      <p:sp>
+        <p:nvSpPr>
+          <p:cNvPr id="22" name="Text Placeholder 21">
+            <a:extLst>
+              <a:ext uri="{FF2B5EF4-FFF2-40B4-BE49-F238E27FC236}">
+                <a16:creationId xmlns:a16="http://schemas.microsoft.com/office/drawing/2014/main" xmlns="" id="{78CACAF1-61EA-4605-A8FE-2EEE752B49FF}"/>
+              </a:ext>
+            </a:extLst>
+          </p:cNvPr>
+          <p:cNvSpPr>
+            <a:spLocks noGrp="1"/>
+          </p:cNvSpPr>
+          <p:nvPr>
+            <p:ph type="body" sz="quarter" idx="21"/>
+          </p:nvPr>
+        </p:nvSpPr>
+        <p:spPr/>
+        <p:txBody>
+          <a:bodyPr/>
+          <a:lstStyle/>
+          <a:p>
+            <a:r>
+              <a:rPr lang="en-US" dirty="0"/>
+              <a:t>Caption04 appears here</a:t>
+            </a:r>
+          </a:p>
+        </p:txBody>
+      </p:sp>
+      <p:sp>
+        <p:nvSpPr>
+          <p:cNvPr id="2" name="Slide Number Placeholder 1">
+            <a:extLst>
+              <a:ext uri="{FF2B5EF4-FFF2-40B4-BE49-F238E27FC236}">
+                <a16:creationId xmlns:a16="http://schemas.microsoft.com/office/drawing/2014/main" xmlns="" id="{2F478C69-0A1D-45FF-8600-ED903803FFE1}"/>
+              </a:ext>
+            </a:extLst>
+          </p:cNvPr>
+          <p:cNvSpPr>
+            <a:spLocks noGrp="1"/>
+          </p:cNvSpPr>
+          <p:nvPr>
+            <p:ph type="sldNum" sz="quarter" idx="12"/>
+          </p:nvPr>
+        </p:nvSpPr>
+        <p:spPr/>
+        <p:txBody>
+          <a:bodyPr/>
+          <a:lstStyle/>
+          <a:p>
+            <a:fld id="{C263D6C4-4840-40CC-AC84-17E24B3B7BDE}" type="slidenum">
+              <a:rPr lang="en-US" smtClean="0"/>
+              <a:pPr/>
+              <a:t>16</a:t>
+            </a:fld>
+            <a:endParaRPr lang="en-US" dirty="0"/>
+          </a:p>
+        </p:txBody>
+      </p:sp>
+    </p:spTree>
+    <p:extLst>
+      <p:ext uri="{BB962C8B-B14F-4D97-AF65-F5344CB8AC3E}">
+        <p14:creationId xmlns:p14="http://schemas.microsoft.com/office/powerpoint/2010/main" val="451187730"/>
+      </p:ext>
+    </p:extLst>
+  </p:cSld>
+  <p:clrMapOvr>
+    <a:masterClrMapping/>
+  </p:clrMapOvr>
+  <mc:AlternateContent xmlns:mc="http://schemas.openxmlformats.org/markup-compatibility/2006" xmlns:p14="http://schemas.microsoft.com/office/powerpoint/2010/main">
+    <mc:Choice Requires="p14">
+      <p:transition spd="med" p14:dur="700">
+        <p:fade/>
+      </p:transition>
+    </mc:Choice>
+    <mc:Fallback xmlns="">
+      <p:transition spd="med">
+        <p:fade/>
+      </p:transition>
+    </mc:Fallback>
+  </mc:AlternateContent>
+  <p:timing>
+    <p:tnLst>
+      <p:par>
+        <p:cTn id="1" dur="indefinite" restart="never" nodeType="tmRoot"/>
+      </p:par>
+    </p:tnLst>
+  </p:timing>
+</p:sld>
+</file>
+
+<file path=ppt/slides/slide17.xml><?xml version="1.0" encoding="utf-8"?>
+<p:sld xmlns:a="http://schemas.openxmlformats.org/drawingml/2006/main" xmlns:r="http://schemas.openxmlformats.org/officeDocument/2006/relationships" xmlns:p="http://schemas.openxmlformats.org/presentationml/2006/main">
+  <p:cSld>
+    <p:spTree>
+      <p:nvGrpSpPr>
+        <p:cNvPr id="1" name=""/>
+        <p:cNvGrpSpPr/>
+        <p:nvPr/>
+      </p:nvGrpSpPr>
+      <p:grpSpPr>
+        <a:xfrm>
+          <a:off x="0" y="0"/>
+          <a:ext cx="0" cy="0"/>
+          <a:chOff x="0" y="0"/>
+          <a:chExt cx="0" cy="0"/>
+        </a:xfrm>
+      </p:grpSpPr>
+      <p:sp>
+        <p:nvSpPr>
           <p:cNvPr id="4" name="Title 3">
             <a:extLst>
               <a:ext uri="{FF2B5EF4-FFF2-40B4-BE49-F238E27FC236}">
@@ -26649,7 +28332,7 @@
             <a:fld id="{C263D6C4-4840-40CC-AC84-17E24B3B7BDE}" type="slidenum">
               <a:rPr lang="en-US" smtClean="0"/>
               <a:pPr/>
-              <a:t>10</a:t>
+              <a:t>17</a:t>
             </a:fld>
             <a:endParaRPr lang="en-US" dirty="0"/>
           </a:p>
@@ -26680,7 +28363,7 @@
 </p:sld>
 </file>
 
-<file path=ppt/slides/slide11.xml><?xml version="1.0" encoding="utf-8"?>
+<file path=ppt/slides/slide18.xml><?xml version="1.0" encoding="utf-8"?>
 <p:sld xmlns:a="http://schemas.openxmlformats.org/drawingml/2006/main" xmlns:r="http://schemas.openxmlformats.org/officeDocument/2006/relationships" xmlns:p="http://schemas.openxmlformats.org/presentationml/2006/main">
   <p:cSld>
     <p:spTree>
@@ -28570,7 +30253,7 @@
             <a:fld id="{C263D6C4-4840-40CC-AC84-17E24B3B7BDE}" type="slidenum">
               <a:rPr lang="en-US" smtClean="0"/>
               <a:pPr/>
-              <a:t>11</a:t>
+              <a:t>18</a:t>
             </a:fld>
             <a:endParaRPr lang="en-US" dirty="0"/>
           </a:p>
@@ -28601,7 +30284,7 @@
 </p:sld>
 </file>
 
-<file path=ppt/slides/slide12.xml><?xml version="1.0" encoding="utf-8"?>
+<file path=ppt/slides/slide19.xml><?xml version="1.0" encoding="utf-8"?>
 <p:sld xmlns:a="http://schemas.openxmlformats.org/drawingml/2006/main" xmlns:r="http://schemas.openxmlformats.org/officeDocument/2006/relationships" xmlns:p="http://schemas.openxmlformats.org/presentationml/2006/main">
   <p:cSld>
     <p:spTree>
@@ -28698,7 +30381,7 @@
             <a:fld id="{C263D6C4-4840-40CC-AC84-17E24B3B7BDE}" type="slidenum">
               <a:rPr lang="en-US" smtClean="0"/>
               <a:pPr/>
-              <a:t>12</a:t>
+              <a:t>19</a:t>
             </a:fld>
             <a:endParaRPr lang="en-US" dirty="0"/>
           </a:p>
@@ -28726,375 +30409,6 @@
       </p:transition>
     </mc:Fallback>
   </mc:AlternateContent>
-</p:sld>
-</file>
-
-<file path=ppt/slides/slide13.xml><?xml version="1.0" encoding="utf-8"?>
-<p:sld xmlns:a="http://schemas.openxmlformats.org/drawingml/2006/main" xmlns:r="http://schemas.openxmlformats.org/officeDocument/2006/relationships" xmlns:p="http://schemas.openxmlformats.org/presentationml/2006/main">
-  <p:cSld>
-    <p:spTree>
-      <p:nvGrpSpPr>
-        <p:cNvPr id="1" name=""/>
-        <p:cNvGrpSpPr/>
-        <p:nvPr/>
-      </p:nvGrpSpPr>
-      <p:grpSpPr>
-        <a:xfrm>
-          <a:off x="0" y="0"/>
-          <a:ext cx="0" cy="0"/>
-          <a:chOff x="0" y="0"/>
-          <a:chExt cx="0" cy="0"/>
-        </a:xfrm>
-      </p:grpSpPr>
-      <p:sp>
-        <p:nvSpPr>
-          <p:cNvPr id="6" name="Title 5">
-            <a:extLst>
-              <a:ext uri="{FF2B5EF4-FFF2-40B4-BE49-F238E27FC236}">
-                <a16:creationId xmlns:a16="http://schemas.microsoft.com/office/drawing/2014/main" xmlns="" id="{A4CD37D6-FE32-48E3-A3AD-F07BE6A19FA1}"/>
-              </a:ext>
-            </a:extLst>
-          </p:cNvPr>
-          <p:cNvSpPr>
-            <a:spLocks noGrp="1"/>
-          </p:cNvSpPr>
-          <p:nvPr>
-            <p:ph type="title"/>
-          </p:nvPr>
-        </p:nvSpPr>
-        <p:spPr>
-          <a:xfrm>
-            <a:off x="533399" y="3200400"/>
-            <a:ext cx="7551057" cy="2859313"/>
-          </a:xfrm>
-        </p:spPr>
-        <p:txBody>
-          <a:bodyPr/>
-          <a:lstStyle/>
-          <a:p>
-            <a:r>
-              <a:rPr lang="en-US" dirty="0"/>
-              <a:t>Quote appears here </a:t>
-            </a:r>
-            <a:br>
-              <a:rPr lang="en-US" dirty="0"/>
-            </a:br>
-            <a:r>
-              <a:rPr lang="en-US" dirty="0"/>
-              <a:t>Lorem ipsum dolor sit amet, consectetuer adipiscing elit.” </a:t>
-            </a:r>
-            <a:br>
-              <a:rPr lang="en-US" dirty="0"/>
-            </a:br>
-            <a:r>
-              <a:rPr lang="en-US" sz="2400" dirty="0"/>
-              <a:t>- Author</a:t>
-            </a:r>
-            <a:endParaRPr lang="en-US" dirty="0"/>
-          </a:p>
-        </p:txBody>
-      </p:sp>
-      <p:sp>
-        <p:nvSpPr>
-          <p:cNvPr id="2" name="Slide Number Placeholder 1">
-            <a:extLst>
-              <a:ext uri="{FF2B5EF4-FFF2-40B4-BE49-F238E27FC236}">
-                <a16:creationId xmlns:a16="http://schemas.microsoft.com/office/drawing/2014/main" xmlns="" id="{8EDC7217-2779-44E0-9E6D-3B3879516A1D}"/>
-              </a:ext>
-            </a:extLst>
-          </p:cNvPr>
-          <p:cNvSpPr>
-            <a:spLocks noGrp="1"/>
-          </p:cNvSpPr>
-          <p:nvPr>
-            <p:ph type="sldNum" sz="quarter" idx="12"/>
-          </p:nvPr>
-        </p:nvSpPr>
-        <p:spPr/>
-        <p:txBody>
-          <a:bodyPr/>
-          <a:lstStyle/>
-          <a:p>
-            <a:fld id="{C263D6C4-4840-40CC-AC84-17E24B3B7BDE}" type="slidenum">
-              <a:rPr lang="en-US" smtClean="0"/>
-              <a:pPr/>
-              <a:t>13</a:t>
-            </a:fld>
-            <a:endParaRPr lang="en-US" dirty="0"/>
-          </a:p>
-        </p:txBody>
-      </p:sp>
-    </p:spTree>
-    <p:extLst>
-      <p:ext uri="{BB962C8B-B14F-4D97-AF65-F5344CB8AC3E}">
-        <p14:creationId xmlns:p14="http://schemas.microsoft.com/office/powerpoint/2010/main" val="914134537"/>
-      </p:ext>
-    </p:extLst>
-  </p:cSld>
-  <p:clrMapOvr>
-    <a:masterClrMapping/>
-  </p:clrMapOvr>
-  <mc:AlternateContent xmlns:mc="http://schemas.openxmlformats.org/markup-compatibility/2006" xmlns:p14="http://schemas.microsoft.com/office/powerpoint/2010/main">
-    <mc:Choice Requires="p14">
-      <p:transition spd="med" p14:dur="700">
-        <p:fade/>
-      </p:transition>
-    </mc:Choice>
-    <mc:Fallback xmlns="">
-      <p:transition spd="med">
-        <p:fade/>
-      </p:transition>
-    </mc:Fallback>
-  </mc:AlternateContent>
-</p:sld>
-</file>
-
-<file path=ppt/slides/slide14.xml><?xml version="1.0" encoding="utf-8"?>
-<p:sld xmlns:a="http://schemas.openxmlformats.org/drawingml/2006/main" xmlns:r="http://schemas.openxmlformats.org/officeDocument/2006/relationships" xmlns:p="http://schemas.openxmlformats.org/presentationml/2006/main">
-  <p:cSld>
-    <p:spTree>
-      <p:nvGrpSpPr>
-        <p:cNvPr id="1" name=""/>
-        <p:cNvGrpSpPr/>
-        <p:nvPr/>
-      </p:nvGrpSpPr>
-      <p:grpSpPr>
-        <a:xfrm>
-          <a:off x="0" y="0"/>
-          <a:ext cx="0" cy="0"/>
-          <a:chOff x="0" y="0"/>
-          <a:chExt cx="0" cy="0"/>
-        </a:xfrm>
-      </p:grpSpPr>
-      <p:sp>
-        <p:nvSpPr>
-          <p:cNvPr id="2" name="Title 1">
-            <a:extLst>
-              <a:ext uri="{FF2B5EF4-FFF2-40B4-BE49-F238E27FC236}">
-                <a16:creationId xmlns:a16="http://schemas.microsoft.com/office/drawing/2014/main" xmlns="" id="{632BE5BF-9922-45FB-8F3F-4446D40A051B}"/>
-              </a:ext>
-            </a:extLst>
-          </p:cNvPr>
-          <p:cNvSpPr>
-            <a:spLocks noGrp="1"/>
-          </p:cNvSpPr>
-          <p:nvPr>
-            <p:ph type="ctrTitle"/>
-          </p:nvPr>
-        </p:nvSpPr>
-        <p:spPr/>
-        <p:txBody>
-          <a:bodyPr/>
-          <a:lstStyle/>
-          <a:p>
-            <a:r>
-              <a:rPr lang="en-US" dirty="0"/>
-              <a:t>Thank You 1</a:t>
-            </a:r>
-            <a:endParaRPr lang="en-GB" dirty="0"/>
-          </a:p>
-        </p:txBody>
-      </p:sp>
-    </p:spTree>
-    <p:extLst>
-      <p:ext uri="{BB962C8B-B14F-4D97-AF65-F5344CB8AC3E}">
-        <p14:creationId xmlns:p14="http://schemas.microsoft.com/office/powerpoint/2010/main" val="429771863"/>
-      </p:ext>
-    </p:extLst>
-  </p:cSld>
-  <p:clrMapOvr>
-    <a:masterClrMapping/>
-  </p:clrMapOvr>
-  <p:transition spd="slow">
-    <p:wipe/>
-  </p:transition>
-</p:sld>
-</file>
-
-<file path=ppt/slides/slide15.xml><?xml version="1.0" encoding="utf-8"?>
-<p:sld xmlns:a="http://schemas.openxmlformats.org/drawingml/2006/main" xmlns:r="http://schemas.openxmlformats.org/officeDocument/2006/relationships" xmlns:p="http://schemas.openxmlformats.org/presentationml/2006/main">
-  <p:cSld>
-    <p:spTree>
-      <p:nvGrpSpPr>
-        <p:cNvPr id="1" name=""/>
-        <p:cNvGrpSpPr/>
-        <p:nvPr/>
-      </p:nvGrpSpPr>
-      <p:grpSpPr>
-        <a:xfrm>
-          <a:off x="0" y="0"/>
-          <a:ext cx="0" cy="0"/>
-          <a:chOff x="0" y="0"/>
-          <a:chExt cx="0" cy="0"/>
-        </a:xfrm>
-      </p:grpSpPr>
-      <p:sp>
-        <p:nvSpPr>
-          <p:cNvPr id="2" name="Title 1">
-            <a:extLst>
-              <a:ext uri="{FF2B5EF4-FFF2-40B4-BE49-F238E27FC236}">
-                <a16:creationId xmlns:a16="http://schemas.microsoft.com/office/drawing/2014/main" xmlns="" id="{632BE5BF-9922-45FB-8F3F-4446D40A051B}"/>
-              </a:ext>
-            </a:extLst>
-          </p:cNvPr>
-          <p:cNvSpPr>
-            <a:spLocks noGrp="1"/>
-          </p:cNvSpPr>
-          <p:nvPr>
-            <p:ph type="ctrTitle"/>
-          </p:nvPr>
-        </p:nvSpPr>
-        <p:spPr/>
-        <p:txBody>
-          <a:bodyPr/>
-          <a:lstStyle/>
-          <a:p>
-            <a:r>
-              <a:rPr lang="en-US" dirty="0"/>
-              <a:t>Thank You 2</a:t>
-            </a:r>
-            <a:endParaRPr lang="en-GB" dirty="0"/>
-          </a:p>
-        </p:txBody>
-      </p:sp>
-    </p:spTree>
-    <p:extLst>
-      <p:ext uri="{BB962C8B-B14F-4D97-AF65-F5344CB8AC3E}">
-        <p14:creationId xmlns:p14="http://schemas.microsoft.com/office/powerpoint/2010/main" val="44069682"/>
-      </p:ext>
-    </p:extLst>
-  </p:cSld>
-  <p:clrMapOvr>
-    <a:masterClrMapping/>
-  </p:clrMapOvr>
-  <p:transition spd="slow">
-    <p:wipe/>
-  </p:transition>
-</p:sld>
-</file>
-
-<file path=ppt/slides/slide16.xml><?xml version="1.0" encoding="utf-8"?>
-<p:sld xmlns:a="http://schemas.openxmlformats.org/drawingml/2006/main" xmlns:r="http://schemas.openxmlformats.org/officeDocument/2006/relationships" xmlns:p="http://schemas.openxmlformats.org/presentationml/2006/main">
-  <p:cSld>
-    <p:spTree>
-      <p:nvGrpSpPr>
-        <p:cNvPr id="1" name=""/>
-        <p:cNvGrpSpPr/>
-        <p:nvPr/>
-      </p:nvGrpSpPr>
-      <p:grpSpPr>
-        <a:xfrm>
-          <a:off x="0" y="0"/>
-          <a:ext cx="0" cy="0"/>
-          <a:chOff x="0" y="0"/>
-          <a:chExt cx="0" cy="0"/>
-        </a:xfrm>
-      </p:grpSpPr>
-      <p:sp>
-        <p:nvSpPr>
-          <p:cNvPr id="4" name="Title 3">
-            <a:extLst>
-              <a:ext uri="{FF2B5EF4-FFF2-40B4-BE49-F238E27FC236}">
-                <a16:creationId xmlns:a16="http://schemas.microsoft.com/office/drawing/2014/main" xmlns="" id="{E98DCA46-603B-4178-8707-30E192CE6B8D}"/>
-              </a:ext>
-            </a:extLst>
-          </p:cNvPr>
-          <p:cNvSpPr>
-            <a:spLocks noGrp="1"/>
-          </p:cNvSpPr>
-          <p:nvPr>
-            <p:ph type="title"/>
-          </p:nvPr>
-        </p:nvSpPr>
-        <p:spPr/>
-        <p:txBody>
-          <a:bodyPr/>
-          <a:lstStyle/>
-          <a:p>
-            <a:r>
-              <a:rPr lang="en-US" dirty="0"/>
-              <a:t>Customize this Template</a:t>
-            </a:r>
-          </a:p>
-        </p:txBody>
-      </p:sp>
-      <p:sp>
-        <p:nvSpPr>
-          <p:cNvPr id="2" name="Slide Number Placeholder 1">
-            <a:extLst>
-              <a:ext uri="{FF2B5EF4-FFF2-40B4-BE49-F238E27FC236}">
-                <a16:creationId xmlns:a16="http://schemas.microsoft.com/office/drawing/2014/main" xmlns="" id="{6D90B5C6-1CB0-445E-99D1-8E2FE8C59B50}"/>
-              </a:ext>
-            </a:extLst>
-          </p:cNvPr>
-          <p:cNvSpPr>
-            <a:spLocks noGrp="1"/>
-          </p:cNvSpPr>
-          <p:nvPr>
-            <p:ph type="sldNum" sz="quarter" idx="12"/>
-          </p:nvPr>
-        </p:nvSpPr>
-        <p:spPr/>
-        <p:txBody>
-          <a:bodyPr/>
-          <a:lstStyle/>
-          <a:p>
-            <a:fld id="{C263D6C4-4840-40CC-AC84-17E24B3B7BDE}" type="slidenum">
-              <a:rPr lang="en-US" smtClean="0"/>
-              <a:pPr/>
-              <a:t>16</a:t>
-            </a:fld>
-            <a:endParaRPr lang="en-US" dirty="0"/>
-          </a:p>
-        </p:txBody>
-      </p:sp>
-      <p:sp>
-        <p:nvSpPr>
-          <p:cNvPr id="3" name="Text Placeholder 2">
-            <a:extLst>
-              <a:ext uri="{FF2B5EF4-FFF2-40B4-BE49-F238E27FC236}">
-                <a16:creationId xmlns:a16="http://schemas.microsoft.com/office/drawing/2014/main" xmlns="" id="{06554A61-D199-469B-AB0C-B68F82B5059F}"/>
-              </a:ext>
-            </a:extLst>
-          </p:cNvPr>
-          <p:cNvSpPr>
-            <a:spLocks noGrp="1"/>
-          </p:cNvSpPr>
-          <p:nvPr>
-            <p:ph type="body" sz="quarter" idx="13"/>
-          </p:nvPr>
-        </p:nvSpPr>
-        <p:spPr/>
-        <p:txBody>
-          <a:bodyPr/>
-          <a:lstStyle/>
-          <a:p>
-            <a:r>
-              <a:rPr lang="en-US" u="sng" dirty="0">
-                <a:hlinkClick r:id="rId2">
-                  <a:extLst>
-                    <a:ext uri="{A12FA001-AC4F-418D-AE19-62706E023703}">
-                      <ahyp:hlinkClr xmlns:ahyp="http://schemas.microsoft.com/office/drawing/2018/hyperlinkcolor" xmlns="" val="tx"/>
-                    </a:ext>
-                  </a:extLst>
-                </a:hlinkClick>
-              </a:rPr>
-              <a:t>Template Editing Instructions and Feedback</a:t>
-            </a:r>
-            <a:endParaRPr lang="en-US" u="sng" dirty="0"/>
-          </a:p>
-        </p:txBody>
-      </p:sp>
-    </p:spTree>
-    <p:extLst>
-      <p:ext uri="{BB962C8B-B14F-4D97-AF65-F5344CB8AC3E}">
-        <p14:creationId xmlns:p14="http://schemas.microsoft.com/office/powerpoint/2010/main" val="59582380"/>
-      </p:ext>
-    </p:extLst>
-  </p:cSld>
-  <p:clrMapOvr>
-    <a:masterClrMapping/>
-  </p:clrMapOvr>
 </p:sld>
 </file>
 
@@ -29269,26 +30583,6 @@
                 <a:latin typeface="Times New Roman" panose="02020603050405020304" pitchFamily="18" charset="0"/>
                 <a:cs typeface="Times New Roman" panose="02020603050405020304" pitchFamily="18" charset="0"/>
               </a:rPr>
-              <a:t> * Page </a:t>
-            </a:r>
-            <a:r>
-              <a:rPr lang="en-US" sz="3000" b="0" dirty="0">
-                <a:latin typeface="Times New Roman" panose="02020603050405020304" pitchFamily="18" charset="0"/>
-                <a:cs typeface="Times New Roman" panose="02020603050405020304" pitchFamily="18" charset="0"/>
-              </a:rPr>
-              <a:t>Model Pattern</a:t>
-            </a:r>
-            <a:br>
-              <a:rPr lang="en-US" sz="3000" b="0" dirty="0">
-                <a:latin typeface="Times New Roman" panose="02020603050405020304" pitchFamily="18" charset="0"/>
-                <a:cs typeface="Times New Roman" panose="02020603050405020304" pitchFamily="18" charset="0"/>
-              </a:rPr>
-            </a:br>
-            <a:r>
-              <a:rPr lang="en-US" sz="3000" b="0" dirty="0" smtClean="0">
-                <a:latin typeface="Times New Roman" panose="02020603050405020304" pitchFamily="18" charset="0"/>
-                <a:cs typeface="Times New Roman" panose="02020603050405020304" pitchFamily="18" charset="0"/>
-              </a:rPr>
               <a:t> * What </a:t>
             </a:r>
             <a:r>
@@ -29332,15 +30626,28 @@
               </a:rPr>
               <a:t>Gherkin</a:t>
             </a:r>
+            <a:br>
+              <a:rPr lang="en-US" sz="3000" b="0" dirty="0" smtClean="0">
+                <a:latin typeface="Times New Roman" panose="02020603050405020304" pitchFamily="18" charset="0"/>
+                <a:cs typeface="Times New Roman" panose="02020603050405020304" pitchFamily="18" charset="0"/>
+              </a:rPr>
+            </a:br>
             <a:r>
               <a:rPr lang="en-US" sz="3000" b="0" dirty="0">
                 <a:latin typeface="Times New Roman" panose="02020603050405020304" pitchFamily="18" charset="0"/>
                 <a:cs typeface="Times New Roman" panose="02020603050405020304" pitchFamily="18" charset="0"/>
               </a:rPr>
-              <a:t/>
+              <a:t> * Page </a:t>
+            </a:r>
+            <a:r>
+              <a:rPr lang="en-US" sz="3000" b="0" dirty="0" smtClean="0">
+                <a:latin typeface="Times New Roman" panose="02020603050405020304" pitchFamily="18" charset="0"/>
+                <a:cs typeface="Times New Roman" panose="02020603050405020304" pitchFamily="18" charset="0"/>
+              </a:rPr>
+              <a:t>Object Model</a:t>
             </a:r>
             <a:br>
-              <a:rPr lang="en-US" sz="3000" b="0" dirty="0">
+              <a:rPr lang="en-US" sz="3000" b="0" dirty="0" smtClean="0">
                 <a:latin typeface="Times New Roman" panose="02020603050405020304" pitchFamily="18" charset="0"/>
                 <a:cs typeface="Times New Roman" panose="02020603050405020304" pitchFamily="18" charset="0"/>
               </a:rPr>
@@ -29350,17 +30657,10 @@
                 <a:latin typeface="Times New Roman" panose="02020603050405020304" pitchFamily="18" charset="0"/>
                 <a:cs typeface="Times New Roman" panose="02020603050405020304" pitchFamily="18" charset="0"/>
               </a:rPr>
-              <a:t> * Web </a:t>
-            </a:r>
-            <a:r>
-              <a:rPr lang="en-US" sz="3000" b="0" dirty="0">
-                <a:latin typeface="Times New Roman" panose="02020603050405020304" pitchFamily="18" charset="0"/>
-                <a:cs typeface="Times New Roman" panose="02020603050405020304" pitchFamily="18" charset="0"/>
-              </a:rPr>
-              <a:t>elements</a:t>
+              <a:t> * Web elements</a:t>
             </a:r>
             <a:br>
-              <a:rPr lang="en-US" sz="3000" b="0" dirty="0">
+              <a:rPr lang="en-US" sz="3000" b="0" dirty="0" smtClean="0">
                 <a:latin typeface="Times New Roman" panose="02020603050405020304" pitchFamily="18" charset="0"/>
                 <a:cs typeface="Times New Roman" panose="02020603050405020304" pitchFamily="18" charset="0"/>
               </a:rPr>
@@ -29370,17 +30670,10 @@
                 <a:latin typeface="Times New Roman" panose="02020603050405020304" pitchFamily="18" charset="0"/>
                 <a:cs typeface="Times New Roman" panose="02020603050405020304" pitchFamily="18" charset="0"/>
               </a:rPr>
-              <a:t> * Feature </a:t>
+              <a:t> * Feature in </a:t>
             </a:r>
             <a:r>
-              <a:rPr lang="en-US" sz="3000" b="0" dirty="0">
-                <a:latin typeface="Times New Roman" panose="02020603050405020304" pitchFamily="18" charset="0"/>
-                <a:cs typeface="Times New Roman" panose="02020603050405020304" pitchFamily="18" charset="0"/>
-              </a:rPr>
-              <a:t>in </a:t>
-            </a:r>
-            <a:r>
-              <a:rPr lang="en-US" sz="3000" b="0" dirty="0" err="1">
+              <a:rPr lang="en-US" sz="3000" b="0" dirty="0" err="1" smtClean="0">
                 <a:latin typeface="Times New Roman" panose="02020603050405020304" pitchFamily="18" charset="0"/>
                 <a:cs typeface="Times New Roman" panose="02020603050405020304" pitchFamily="18" charset="0"/>
               </a:rPr>
@@ -29485,6 +30778,375 @@
       </p:par>
     </p:tnLst>
   </p:timing>
+</p:sld>
+</file>
+
+<file path=ppt/slides/slide20.xml><?xml version="1.0" encoding="utf-8"?>
+<p:sld xmlns:a="http://schemas.openxmlformats.org/drawingml/2006/main" xmlns:r="http://schemas.openxmlformats.org/officeDocument/2006/relationships" xmlns:p="http://schemas.openxmlformats.org/presentationml/2006/main">
+  <p:cSld>
+    <p:spTree>
+      <p:nvGrpSpPr>
+        <p:cNvPr id="1" name=""/>
+        <p:cNvGrpSpPr/>
+        <p:nvPr/>
+      </p:nvGrpSpPr>
+      <p:grpSpPr>
+        <a:xfrm>
+          <a:off x="0" y="0"/>
+          <a:ext cx="0" cy="0"/>
+          <a:chOff x="0" y="0"/>
+          <a:chExt cx="0" cy="0"/>
+        </a:xfrm>
+      </p:grpSpPr>
+      <p:sp>
+        <p:nvSpPr>
+          <p:cNvPr id="6" name="Title 5">
+            <a:extLst>
+              <a:ext uri="{FF2B5EF4-FFF2-40B4-BE49-F238E27FC236}">
+                <a16:creationId xmlns:a16="http://schemas.microsoft.com/office/drawing/2014/main" xmlns="" id="{A4CD37D6-FE32-48E3-A3AD-F07BE6A19FA1}"/>
+              </a:ext>
+            </a:extLst>
+          </p:cNvPr>
+          <p:cNvSpPr>
+            <a:spLocks noGrp="1"/>
+          </p:cNvSpPr>
+          <p:nvPr>
+            <p:ph type="title"/>
+          </p:nvPr>
+        </p:nvSpPr>
+        <p:spPr>
+          <a:xfrm>
+            <a:off x="533399" y="3200400"/>
+            <a:ext cx="7551057" cy="2859313"/>
+          </a:xfrm>
+        </p:spPr>
+        <p:txBody>
+          <a:bodyPr/>
+          <a:lstStyle/>
+          <a:p>
+            <a:r>
+              <a:rPr lang="en-US" dirty="0"/>
+              <a:t>Quote appears here </a:t>
+            </a:r>
+            <a:br>
+              <a:rPr lang="en-US" dirty="0"/>
+            </a:br>
+            <a:r>
+              <a:rPr lang="en-US" dirty="0"/>
+              <a:t>Lorem ipsum dolor sit amet, consectetuer adipiscing elit.” </a:t>
+            </a:r>
+            <a:br>
+              <a:rPr lang="en-US" dirty="0"/>
+            </a:br>
+            <a:r>
+              <a:rPr lang="en-US" sz="2400" dirty="0"/>
+              <a:t>- Author</a:t>
+            </a:r>
+            <a:endParaRPr lang="en-US" dirty="0"/>
+          </a:p>
+        </p:txBody>
+      </p:sp>
+      <p:sp>
+        <p:nvSpPr>
+          <p:cNvPr id="2" name="Slide Number Placeholder 1">
+            <a:extLst>
+              <a:ext uri="{FF2B5EF4-FFF2-40B4-BE49-F238E27FC236}">
+                <a16:creationId xmlns:a16="http://schemas.microsoft.com/office/drawing/2014/main" xmlns="" id="{8EDC7217-2779-44E0-9E6D-3B3879516A1D}"/>
+              </a:ext>
+            </a:extLst>
+          </p:cNvPr>
+          <p:cNvSpPr>
+            <a:spLocks noGrp="1"/>
+          </p:cNvSpPr>
+          <p:nvPr>
+            <p:ph type="sldNum" sz="quarter" idx="12"/>
+          </p:nvPr>
+        </p:nvSpPr>
+        <p:spPr/>
+        <p:txBody>
+          <a:bodyPr/>
+          <a:lstStyle/>
+          <a:p>
+            <a:fld id="{C263D6C4-4840-40CC-AC84-17E24B3B7BDE}" type="slidenum">
+              <a:rPr lang="en-US" smtClean="0"/>
+              <a:pPr/>
+              <a:t>20</a:t>
+            </a:fld>
+            <a:endParaRPr lang="en-US" dirty="0"/>
+          </a:p>
+        </p:txBody>
+      </p:sp>
+    </p:spTree>
+    <p:extLst>
+      <p:ext uri="{BB962C8B-B14F-4D97-AF65-F5344CB8AC3E}">
+        <p14:creationId xmlns:p14="http://schemas.microsoft.com/office/powerpoint/2010/main" val="914134537"/>
+      </p:ext>
+    </p:extLst>
+  </p:cSld>
+  <p:clrMapOvr>
+    <a:masterClrMapping/>
+  </p:clrMapOvr>
+  <mc:AlternateContent xmlns:mc="http://schemas.openxmlformats.org/markup-compatibility/2006" xmlns:p14="http://schemas.microsoft.com/office/powerpoint/2010/main">
+    <mc:Choice Requires="p14">
+      <p:transition spd="med" p14:dur="700">
+        <p:fade/>
+      </p:transition>
+    </mc:Choice>
+    <mc:Fallback xmlns="">
+      <p:transition spd="med">
+        <p:fade/>
+      </p:transition>
+    </mc:Fallback>
+  </mc:AlternateContent>
+</p:sld>
+</file>
+
+<file path=ppt/slides/slide21.xml><?xml version="1.0" encoding="utf-8"?>
+<p:sld xmlns:a="http://schemas.openxmlformats.org/drawingml/2006/main" xmlns:r="http://schemas.openxmlformats.org/officeDocument/2006/relationships" xmlns:p="http://schemas.openxmlformats.org/presentationml/2006/main">
+  <p:cSld>
+    <p:spTree>
+      <p:nvGrpSpPr>
+        <p:cNvPr id="1" name=""/>
+        <p:cNvGrpSpPr/>
+        <p:nvPr/>
+      </p:nvGrpSpPr>
+      <p:grpSpPr>
+        <a:xfrm>
+          <a:off x="0" y="0"/>
+          <a:ext cx="0" cy="0"/>
+          <a:chOff x="0" y="0"/>
+          <a:chExt cx="0" cy="0"/>
+        </a:xfrm>
+      </p:grpSpPr>
+      <p:sp>
+        <p:nvSpPr>
+          <p:cNvPr id="2" name="Title 1">
+            <a:extLst>
+              <a:ext uri="{FF2B5EF4-FFF2-40B4-BE49-F238E27FC236}">
+                <a16:creationId xmlns:a16="http://schemas.microsoft.com/office/drawing/2014/main" xmlns="" id="{632BE5BF-9922-45FB-8F3F-4446D40A051B}"/>
+              </a:ext>
+            </a:extLst>
+          </p:cNvPr>
+          <p:cNvSpPr>
+            <a:spLocks noGrp="1"/>
+          </p:cNvSpPr>
+          <p:nvPr>
+            <p:ph type="ctrTitle"/>
+          </p:nvPr>
+        </p:nvSpPr>
+        <p:spPr/>
+        <p:txBody>
+          <a:bodyPr/>
+          <a:lstStyle/>
+          <a:p>
+            <a:r>
+              <a:rPr lang="en-US" dirty="0"/>
+              <a:t>Thank You 1</a:t>
+            </a:r>
+            <a:endParaRPr lang="en-GB" dirty="0"/>
+          </a:p>
+        </p:txBody>
+      </p:sp>
+    </p:spTree>
+    <p:extLst>
+      <p:ext uri="{BB962C8B-B14F-4D97-AF65-F5344CB8AC3E}">
+        <p14:creationId xmlns:p14="http://schemas.microsoft.com/office/powerpoint/2010/main" val="429771863"/>
+      </p:ext>
+    </p:extLst>
+  </p:cSld>
+  <p:clrMapOvr>
+    <a:masterClrMapping/>
+  </p:clrMapOvr>
+  <p:transition spd="slow">
+    <p:wipe/>
+  </p:transition>
+</p:sld>
+</file>
+
+<file path=ppt/slides/slide22.xml><?xml version="1.0" encoding="utf-8"?>
+<p:sld xmlns:a="http://schemas.openxmlformats.org/drawingml/2006/main" xmlns:r="http://schemas.openxmlformats.org/officeDocument/2006/relationships" xmlns:p="http://schemas.openxmlformats.org/presentationml/2006/main">
+  <p:cSld>
+    <p:spTree>
+      <p:nvGrpSpPr>
+        <p:cNvPr id="1" name=""/>
+        <p:cNvGrpSpPr/>
+        <p:nvPr/>
+      </p:nvGrpSpPr>
+      <p:grpSpPr>
+        <a:xfrm>
+          <a:off x="0" y="0"/>
+          <a:ext cx="0" cy="0"/>
+          <a:chOff x="0" y="0"/>
+          <a:chExt cx="0" cy="0"/>
+        </a:xfrm>
+      </p:grpSpPr>
+      <p:sp>
+        <p:nvSpPr>
+          <p:cNvPr id="2" name="Title 1">
+            <a:extLst>
+              <a:ext uri="{FF2B5EF4-FFF2-40B4-BE49-F238E27FC236}">
+                <a16:creationId xmlns:a16="http://schemas.microsoft.com/office/drawing/2014/main" xmlns="" id="{632BE5BF-9922-45FB-8F3F-4446D40A051B}"/>
+              </a:ext>
+            </a:extLst>
+          </p:cNvPr>
+          <p:cNvSpPr>
+            <a:spLocks noGrp="1"/>
+          </p:cNvSpPr>
+          <p:nvPr>
+            <p:ph type="ctrTitle"/>
+          </p:nvPr>
+        </p:nvSpPr>
+        <p:spPr/>
+        <p:txBody>
+          <a:bodyPr/>
+          <a:lstStyle/>
+          <a:p>
+            <a:r>
+              <a:rPr lang="en-US" dirty="0"/>
+              <a:t>Thank You 2</a:t>
+            </a:r>
+            <a:endParaRPr lang="en-GB" dirty="0"/>
+          </a:p>
+        </p:txBody>
+      </p:sp>
+    </p:spTree>
+    <p:extLst>
+      <p:ext uri="{BB962C8B-B14F-4D97-AF65-F5344CB8AC3E}">
+        <p14:creationId xmlns:p14="http://schemas.microsoft.com/office/powerpoint/2010/main" val="44069682"/>
+      </p:ext>
+    </p:extLst>
+  </p:cSld>
+  <p:clrMapOvr>
+    <a:masterClrMapping/>
+  </p:clrMapOvr>
+  <p:transition spd="slow">
+    <p:wipe/>
+  </p:transition>
+</p:sld>
+</file>
+
+<file path=ppt/slides/slide23.xml><?xml version="1.0" encoding="utf-8"?>
+<p:sld xmlns:a="http://schemas.openxmlformats.org/drawingml/2006/main" xmlns:r="http://schemas.openxmlformats.org/officeDocument/2006/relationships" xmlns:p="http://schemas.openxmlformats.org/presentationml/2006/main">
+  <p:cSld>
+    <p:spTree>
+      <p:nvGrpSpPr>
+        <p:cNvPr id="1" name=""/>
+        <p:cNvGrpSpPr/>
+        <p:nvPr/>
+      </p:nvGrpSpPr>
+      <p:grpSpPr>
+        <a:xfrm>
+          <a:off x="0" y="0"/>
+          <a:ext cx="0" cy="0"/>
+          <a:chOff x="0" y="0"/>
+          <a:chExt cx="0" cy="0"/>
+        </a:xfrm>
+      </p:grpSpPr>
+      <p:sp>
+        <p:nvSpPr>
+          <p:cNvPr id="4" name="Title 3">
+            <a:extLst>
+              <a:ext uri="{FF2B5EF4-FFF2-40B4-BE49-F238E27FC236}">
+                <a16:creationId xmlns:a16="http://schemas.microsoft.com/office/drawing/2014/main" xmlns="" id="{E98DCA46-603B-4178-8707-30E192CE6B8D}"/>
+              </a:ext>
+            </a:extLst>
+          </p:cNvPr>
+          <p:cNvSpPr>
+            <a:spLocks noGrp="1"/>
+          </p:cNvSpPr>
+          <p:nvPr>
+            <p:ph type="title"/>
+          </p:nvPr>
+        </p:nvSpPr>
+        <p:spPr/>
+        <p:txBody>
+          <a:bodyPr/>
+          <a:lstStyle/>
+          <a:p>
+            <a:r>
+              <a:rPr lang="en-US" dirty="0"/>
+              <a:t>Customize this Template</a:t>
+            </a:r>
+          </a:p>
+        </p:txBody>
+      </p:sp>
+      <p:sp>
+        <p:nvSpPr>
+          <p:cNvPr id="2" name="Slide Number Placeholder 1">
+            <a:extLst>
+              <a:ext uri="{FF2B5EF4-FFF2-40B4-BE49-F238E27FC236}">
+                <a16:creationId xmlns:a16="http://schemas.microsoft.com/office/drawing/2014/main" xmlns="" id="{6D90B5C6-1CB0-445E-99D1-8E2FE8C59B50}"/>
+              </a:ext>
+            </a:extLst>
+          </p:cNvPr>
+          <p:cNvSpPr>
+            <a:spLocks noGrp="1"/>
+          </p:cNvSpPr>
+          <p:nvPr>
+            <p:ph type="sldNum" sz="quarter" idx="12"/>
+          </p:nvPr>
+        </p:nvSpPr>
+        <p:spPr/>
+        <p:txBody>
+          <a:bodyPr/>
+          <a:lstStyle/>
+          <a:p>
+            <a:fld id="{C263D6C4-4840-40CC-AC84-17E24B3B7BDE}" type="slidenum">
+              <a:rPr lang="en-US" smtClean="0"/>
+              <a:pPr/>
+              <a:t>23</a:t>
+            </a:fld>
+            <a:endParaRPr lang="en-US" dirty="0"/>
+          </a:p>
+        </p:txBody>
+      </p:sp>
+      <p:sp>
+        <p:nvSpPr>
+          <p:cNvPr id="3" name="Text Placeholder 2">
+            <a:extLst>
+              <a:ext uri="{FF2B5EF4-FFF2-40B4-BE49-F238E27FC236}">
+                <a16:creationId xmlns:a16="http://schemas.microsoft.com/office/drawing/2014/main" xmlns="" id="{06554A61-D199-469B-AB0C-B68F82B5059F}"/>
+              </a:ext>
+            </a:extLst>
+          </p:cNvPr>
+          <p:cNvSpPr>
+            <a:spLocks noGrp="1"/>
+          </p:cNvSpPr>
+          <p:nvPr>
+            <p:ph type="body" sz="quarter" idx="13"/>
+          </p:nvPr>
+        </p:nvSpPr>
+        <p:spPr/>
+        <p:txBody>
+          <a:bodyPr/>
+          <a:lstStyle/>
+          <a:p>
+            <a:r>
+              <a:rPr lang="en-US" u="sng" dirty="0">
+                <a:hlinkClick r:id="rId2">
+                  <a:extLst>
+                    <a:ext uri="{A12FA001-AC4F-418D-AE19-62706E023703}">
+                      <ahyp:hlinkClr xmlns:ahyp="http://schemas.microsoft.com/office/drawing/2018/hyperlinkcolor" xmlns="" val="tx"/>
+                    </a:ext>
+                  </a:extLst>
+                </a:hlinkClick>
+              </a:rPr>
+              <a:t>Template Editing Instructions and Feedback</a:t>
+            </a:r>
+            <a:endParaRPr lang="en-US" u="sng" dirty="0"/>
+          </a:p>
+        </p:txBody>
+      </p:sp>
+    </p:spTree>
+    <p:extLst>
+      <p:ext uri="{BB962C8B-B14F-4D97-AF65-F5344CB8AC3E}">
+        <p14:creationId xmlns:p14="http://schemas.microsoft.com/office/powerpoint/2010/main" val="59582380"/>
+      </p:ext>
+    </p:extLst>
+  </p:cSld>
+  <p:clrMapOvr>
+    <a:masterClrMapping/>
+  </p:clrMapOvr>
 </p:sld>
 </file>
 
@@ -30495,19 +32157,8 @@
                 <a:latin typeface="Times New Roman" panose="02020603050405020304" pitchFamily="18" charset="0"/>
                 <a:cs typeface="Times New Roman" panose="02020603050405020304" pitchFamily="18" charset="0"/>
               </a:rPr>
-              <a:t>Web Driver support FireFox, IE, Chrome, Opera</a:t>
+              <a:t>Web Driver support FireFox, IE, Chrome, Opera, Safari, etc...</a:t>
             </a:r>
-            <a:r>
-              <a:rPr lang="nl-NL" sz="2500" smtClean="0">
-                <a:latin typeface="Times New Roman" panose="02020603050405020304" pitchFamily="18" charset="0"/>
-                <a:cs typeface="Times New Roman" panose="02020603050405020304" pitchFamily="18" charset="0"/>
-              </a:rPr>
-              <a:t>, Safari, etc...</a:t>
-            </a:r>
-            <a:endParaRPr lang="nl-NL" sz="2500" dirty="0" smtClean="0">
-              <a:latin typeface="Times New Roman" panose="02020603050405020304" pitchFamily="18" charset="0"/>
-              <a:cs typeface="Times New Roman" panose="02020603050405020304" pitchFamily="18" charset="0"/>
-            </a:endParaRPr>
           </a:p>
         </p:txBody>
       </p:sp>
@@ -30592,10 +32243,10 @@
       </p:grpSpPr>
       <p:sp>
         <p:nvSpPr>
-          <p:cNvPr id="4" name="Title 3">
+          <p:cNvPr id="7" name="Title 6">
             <a:extLst>
               <a:ext uri="{FF2B5EF4-FFF2-40B4-BE49-F238E27FC236}">
-                <a16:creationId xmlns:a16="http://schemas.microsoft.com/office/drawing/2014/main" xmlns="" id="{315E3981-F0D7-482C-A8E0-6A57700BECA7}"/>
+                <a16:creationId xmlns:a16="http://schemas.microsoft.com/office/drawing/2014/main" xmlns="" id="{7875C19A-1AAE-476A-A316-A2CF92D763D3}"/>
               </a:ext>
             </a:extLst>
           </p:cNvPr>
@@ -30606,64 +32257,33 @@
             <p:ph type="title"/>
           </p:nvPr>
         </p:nvSpPr>
-        <p:spPr/>
+        <p:spPr>
+          <a:xfrm>
+            <a:off x="444500" y="542925"/>
+            <a:ext cx="11214100" cy="535531"/>
+          </a:xfrm>
+        </p:spPr>
         <p:txBody>
           <a:bodyPr/>
           <a:lstStyle/>
           <a:p>
             <a:r>
-              <a:rPr lang="en-US" dirty="0"/>
-              <a:t>What Is Selenium?</a:t>
+              <a:rPr lang="en-US" b="0" dirty="0">
+                <a:latin typeface="Times New Roman" panose="02020603050405020304" pitchFamily="18" charset="0"/>
+                <a:cs typeface="Times New Roman" panose="02020603050405020304" pitchFamily="18" charset="0"/>
+              </a:rPr>
+              <a:t>Setup &amp; Requirement</a:t>
             </a:r>
-            <a:endParaRPr lang="en-US" b="0" dirty="0"/>
+            <a:endParaRPr lang="en-US" dirty="0"/>
           </a:p>
         </p:txBody>
       </p:sp>
-      <p:pic>
-        <p:nvPicPr>
-          <p:cNvPr id="25" name="Picture Placeholder 24" descr="Bar chart">
+      <p:sp>
+        <p:nvSpPr>
+          <p:cNvPr id="10" name="Text Placeholder 9">
             <a:extLst>
               <a:ext uri="{FF2B5EF4-FFF2-40B4-BE49-F238E27FC236}">
-                <a16:creationId xmlns:a16="http://schemas.microsoft.com/office/drawing/2014/main" xmlns="" id="{C03AAFA7-022A-47F8-9DA1-7DC3897D1E52}"/>
-              </a:ext>
-            </a:extLst>
-          </p:cNvPr>
-          <p:cNvPicPr>
-            <a:picLocks noGrp="1" noChangeAspect="1"/>
-          </p:cNvPicPr>
-          <p:nvPr>
-            <p:ph type="pic" sz="quarter" idx="13"/>
-          </p:nvPr>
-        </p:nvPicPr>
-        <p:blipFill>
-          <a:blip r:embed="rId2">
-            <a:extLst>
-              <a:ext uri="{28A0092B-C50C-407E-A947-70E740481C1C}">
-                <a14:useLocalDpi xmlns:a14="http://schemas.microsoft.com/office/drawing/2010/main"/>
-              </a:ext>
-              <a:ext uri="{96DAC541-7B7A-43D3-8B79-37D633B846F1}">
-                <asvg:svgBlip xmlns:asvg="http://schemas.microsoft.com/office/drawing/2016/SVG/main" xmlns="" r:embed="rId3"/>
-              </a:ext>
-            </a:extLst>
-          </a:blip>
-          <a:srcRect t="63" b="63"/>
-          <a:stretch>
-            <a:fillRect/>
-          </a:stretch>
-        </p:blipFill>
-        <p:spPr>
-          <a:xfrm>
-            <a:off x="1002925" y="2096716"/>
-            <a:ext cx="1259505" cy="1259505"/>
-          </a:xfrm>
-        </p:spPr>
-      </p:pic>
-      <p:sp>
-        <p:nvSpPr>
-          <p:cNvPr id="19" name="Text Placeholder 18">
-            <a:extLst>
-              <a:ext uri="{FF2B5EF4-FFF2-40B4-BE49-F238E27FC236}">
-                <a16:creationId xmlns:a16="http://schemas.microsoft.com/office/drawing/2014/main" xmlns="" id="{782206B1-586F-4254-9B36-D06C4E294ACF}"/>
+                <a16:creationId xmlns:a16="http://schemas.microsoft.com/office/drawing/2014/main" xmlns="" id="{EF2BC084-E6DB-4DE7-B309-042A85EBA700}"/>
               </a:ext>
             </a:extLst>
           </p:cNvPr>
@@ -30671,7 +32291,7 @@
             <a:spLocks noGrp="1"/>
           </p:cNvSpPr>
           <p:nvPr>
-            <p:ph type="body" sz="quarter" idx="18"/>
+            <p:ph type="body" sz="quarter" idx="13"/>
           </p:nvPr>
         </p:nvSpPr>
         <p:spPr/>
@@ -30680,276 +32300,43 @@
           <a:lstStyle/>
           <a:p>
             <a:r>
-              <a:rPr lang="en-US" dirty="0"/>
-              <a:t>Caption01 appears here</a:t>
+              <a:rPr lang="nl-NL" sz="2500" dirty="0" smtClean="0">
+                <a:latin typeface="Times New Roman" panose="02020603050405020304" pitchFamily="18" charset="0"/>
+                <a:cs typeface="Times New Roman" panose="02020603050405020304" pitchFamily="18" charset="0"/>
+              </a:rPr>
+              <a:t>.Net </a:t>
+            </a:r>
+            <a:r>
+              <a:rPr lang="nl-NL" sz="2500" dirty="0">
+                <a:latin typeface="Times New Roman" panose="02020603050405020304" pitchFamily="18" charset="0"/>
+                <a:cs typeface="Times New Roman" panose="02020603050405020304" pitchFamily="18" charset="0"/>
+              </a:rPr>
+              <a:t>core sdk </a:t>
+            </a:r>
+            <a:r>
+              <a:rPr lang="nl-NL" sz="2500" dirty="0" smtClean="0">
+                <a:latin typeface="Times New Roman" panose="02020603050405020304" pitchFamily="18" charset="0"/>
+                <a:cs typeface="Times New Roman" panose="02020603050405020304" pitchFamily="18" charset="0"/>
+              </a:rPr>
+              <a:t>2.2</a:t>
             </a:r>
           </a:p>
-        </p:txBody>
-      </p:sp>
-      <p:pic>
-        <p:nvPicPr>
-          <p:cNvPr id="27" name="Picture Placeholder 26" descr="Clock">
-            <a:extLst>
-              <a:ext uri="{FF2B5EF4-FFF2-40B4-BE49-F238E27FC236}">
-                <a16:creationId xmlns:a16="http://schemas.microsoft.com/office/drawing/2014/main" xmlns="" id="{6F737161-FE67-434D-A781-59EDB9EDCB23}"/>
-              </a:ext>
-            </a:extLst>
-          </p:cNvPr>
-          <p:cNvPicPr>
-            <a:picLocks noGrp="1" noChangeAspect="1"/>
-          </p:cNvPicPr>
-          <p:nvPr>
-            <p:ph type="pic" sz="quarter" idx="14"/>
-          </p:nvPr>
-        </p:nvPicPr>
-        <p:blipFill>
-          <a:blip r:embed="rId4">
-            <a:extLst>
-              <a:ext uri="{28A0092B-C50C-407E-A947-70E740481C1C}">
-                <a14:useLocalDpi xmlns:a14="http://schemas.microsoft.com/office/drawing/2010/main"/>
-              </a:ext>
-              <a:ext uri="{96DAC541-7B7A-43D3-8B79-37D633B846F1}">
-                <asvg:svgBlip xmlns:asvg="http://schemas.microsoft.com/office/drawing/2016/SVG/main" xmlns="" r:embed="rId5"/>
-              </a:ext>
-            </a:extLst>
-          </a:blip>
-          <a:srcRect/>
-          <a:stretch>
-            <a:fillRect/>
-          </a:stretch>
-        </p:blipFill>
-        <p:spPr>
-          <a:xfrm>
-            <a:off x="3246943" y="2096716"/>
-            <a:ext cx="1259505" cy="1259505"/>
-          </a:xfrm>
-        </p:spPr>
-      </p:pic>
-      <p:sp>
-        <p:nvSpPr>
-          <p:cNvPr id="20" name="Text Placeholder 19">
-            <a:extLst>
-              <a:ext uri="{FF2B5EF4-FFF2-40B4-BE49-F238E27FC236}">
-                <a16:creationId xmlns:a16="http://schemas.microsoft.com/office/drawing/2014/main" xmlns="" id="{CB924A29-3538-4A3F-82A6-D2A7538C2111}"/>
-              </a:ext>
-            </a:extLst>
-          </p:cNvPr>
-          <p:cNvSpPr>
-            <a:spLocks noGrp="1"/>
-          </p:cNvSpPr>
-          <p:nvPr>
-            <p:ph type="body" sz="quarter" idx="19"/>
-          </p:nvPr>
-        </p:nvSpPr>
-        <p:spPr/>
-        <p:txBody>
-          <a:bodyPr/>
-          <a:lstStyle/>
           <a:p>
             <a:r>
-              <a:rPr lang="en-US" dirty="0"/>
-              <a:t>Caption02 appears here</a:t>
+              <a:rPr lang="nl-NL" sz="2500" dirty="0" smtClean="0">
+                <a:latin typeface="Times New Roman" panose="02020603050405020304" pitchFamily="18" charset="0"/>
+                <a:cs typeface="Times New Roman" panose="02020603050405020304" pitchFamily="18" charset="0"/>
+              </a:rPr>
+              <a:t>Visual studio 2019</a:t>
             </a:r>
           </a:p>
-        </p:txBody>
-      </p:sp>
-      <p:pic>
-        <p:nvPicPr>
-          <p:cNvPr id="29" name="Picture Placeholder 28" descr="Microscope">
-            <a:extLst>
-              <a:ext uri="{FF2B5EF4-FFF2-40B4-BE49-F238E27FC236}">
-                <a16:creationId xmlns:a16="http://schemas.microsoft.com/office/drawing/2014/main" xmlns="" id="{9E5BF01B-21D6-4D43-9CAE-0298685C1A7B}"/>
-              </a:ext>
-            </a:extLst>
-          </p:cNvPr>
-          <p:cNvPicPr>
-            <a:picLocks noGrp="1" noChangeAspect="1"/>
-          </p:cNvPicPr>
-          <p:nvPr>
-            <p:ph type="pic" sz="quarter" idx="15"/>
-          </p:nvPr>
-        </p:nvPicPr>
-        <p:blipFill>
-          <a:blip r:embed="rId6">
-            <a:extLst>
-              <a:ext uri="{28A0092B-C50C-407E-A947-70E740481C1C}">
-                <a14:useLocalDpi xmlns:a14="http://schemas.microsoft.com/office/drawing/2010/main"/>
-              </a:ext>
-              <a:ext uri="{96DAC541-7B7A-43D3-8B79-37D633B846F1}">
-                <asvg:svgBlip xmlns:asvg="http://schemas.microsoft.com/office/drawing/2016/SVG/main" xmlns="" r:embed="rId7"/>
-              </a:ext>
-            </a:extLst>
-          </a:blip>
-          <a:srcRect t="63" b="63"/>
-          <a:stretch>
-            <a:fillRect/>
-          </a:stretch>
-        </p:blipFill>
-        <p:spPr>
-          <a:xfrm>
-            <a:off x="5490961" y="2096716"/>
-            <a:ext cx="1259505" cy="1259505"/>
-          </a:xfrm>
-        </p:spPr>
-      </p:pic>
-      <p:sp>
-        <p:nvSpPr>
-          <p:cNvPr id="21" name="Text Placeholder 20">
-            <a:extLst>
-              <a:ext uri="{FF2B5EF4-FFF2-40B4-BE49-F238E27FC236}">
-                <a16:creationId xmlns:a16="http://schemas.microsoft.com/office/drawing/2014/main" xmlns="" id="{1B8F0371-4F69-4131-91BF-9AB99E6EE89B}"/>
-              </a:ext>
-            </a:extLst>
-          </p:cNvPr>
-          <p:cNvSpPr>
-            <a:spLocks noGrp="1"/>
-          </p:cNvSpPr>
-          <p:nvPr>
-            <p:ph type="body" sz="quarter" idx="20"/>
-          </p:nvPr>
-        </p:nvSpPr>
-        <p:spPr/>
-        <p:txBody>
-          <a:bodyPr/>
-          <a:lstStyle/>
           <a:p>
             <a:r>
-              <a:rPr lang="en-US" dirty="0"/>
-              <a:t>Caption03 appears here</a:t>
-            </a:r>
-          </a:p>
-        </p:txBody>
-      </p:sp>
-      <p:pic>
-        <p:nvPicPr>
-          <p:cNvPr id="31" name="Picture Placeholder 30" descr="Magnifying glass">
-            <a:extLst>
-              <a:ext uri="{FF2B5EF4-FFF2-40B4-BE49-F238E27FC236}">
-                <a16:creationId xmlns:a16="http://schemas.microsoft.com/office/drawing/2014/main" xmlns="" id="{089E8AB6-C16E-4752-810F-8F98DB929DB5}"/>
-              </a:ext>
-            </a:extLst>
-          </p:cNvPr>
-          <p:cNvPicPr>
-            <a:picLocks noGrp="1" noChangeAspect="1"/>
-          </p:cNvPicPr>
-          <p:nvPr>
-            <p:ph type="pic" sz="quarter" idx="16"/>
-          </p:nvPr>
-        </p:nvPicPr>
-        <p:blipFill>
-          <a:blip r:embed="rId8">
-            <a:extLst>
-              <a:ext uri="{28A0092B-C50C-407E-A947-70E740481C1C}">
-                <a14:useLocalDpi xmlns:a14="http://schemas.microsoft.com/office/drawing/2010/main"/>
-              </a:ext>
-              <a:ext uri="{96DAC541-7B7A-43D3-8B79-37D633B846F1}">
-                <asvg:svgBlip xmlns:asvg="http://schemas.microsoft.com/office/drawing/2016/SVG/main" xmlns="" r:embed="rId9"/>
-              </a:ext>
-            </a:extLst>
-          </a:blip>
-          <a:srcRect/>
-          <a:stretch>
-            <a:fillRect/>
-          </a:stretch>
-        </p:blipFill>
-        <p:spPr/>
-      </p:pic>
-      <p:sp>
-        <p:nvSpPr>
-          <p:cNvPr id="22" name="Text Placeholder 21">
-            <a:extLst>
-              <a:ext uri="{FF2B5EF4-FFF2-40B4-BE49-F238E27FC236}">
-                <a16:creationId xmlns:a16="http://schemas.microsoft.com/office/drawing/2014/main" xmlns="" id="{78CACAF1-61EA-4605-A8FE-2EEE752B49FF}"/>
-              </a:ext>
-            </a:extLst>
-          </p:cNvPr>
-          <p:cNvSpPr>
-            <a:spLocks noGrp="1"/>
-          </p:cNvSpPr>
-          <p:nvPr>
-            <p:ph type="body" sz="quarter" idx="21"/>
-          </p:nvPr>
-        </p:nvSpPr>
-        <p:spPr/>
-        <p:txBody>
-          <a:bodyPr/>
-          <a:lstStyle/>
-          <a:p>
-            <a:r>
-              <a:rPr lang="en-US" dirty="0"/>
-              <a:t>Caption04 appears here</a:t>
-            </a:r>
-          </a:p>
-        </p:txBody>
-      </p:sp>
-      <p:pic>
-        <p:nvPicPr>
-          <p:cNvPr id="33" name="Picture Placeholder 32" descr="Head with Gears">
-            <a:extLst>
-              <a:ext uri="{FF2B5EF4-FFF2-40B4-BE49-F238E27FC236}">
-                <a16:creationId xmlns:a16="http://schemas.microsoft.com/office/drawing/2014/main" xmlns="" id="{CC9DBBE5-5AD0-41E8-A719-84509E5D9F9E}"/>
-              </a:ext>
-            </a:extLst>
-          </p:cNvPr>
-          <p:cNvPicPr>
-            <a:picLocks noGrp="1" noChangeAspect="1"/>
-          </p:cNvPicPr>
-          <p:nvPr>
-            <p:ph type="pic" sz="quarter" idx="17"/>
-          </p:nvPr>
-        </p:nvPicPr>
-        <p:blipFill>
-          <a:blip r:embed="rId10">
-            <a:extLst>
-              <a:ext uri="{28A0092B-C50C-407E-A947-70E740481C1C}">
-                <a14:useLocalDpi xmlns:a14="http://schemas.microsoft.com/office/drawing/2010/main"/>
-              </a:ext>
-              <a:ext uri="{96DAC541-7B7A-43D3-8B79-37D633B846F1}">
-                <asvg:svgBlip xmlns:asvg="http://schemas.microsoft.com/office/drawing/2016/SVG/main" xmlns="" r:embed="rId11"/>
-              </a:ext>
-            </a:extLst>
-          </a:blip>
-          <a:srcRect t="63" b="63"/>
-          <a:stretch>
-            <a:fillRect/>
-          </a:stretch>
-        </p:blipFill>
-        <p:spPr>
-          <a:xfrm>
-            <a:off x="9978996" y="2096716"/>
-            <a:ext cx="1259505" cy="1259505"/>
-          </a:xfrm>
-        </p:spPr>
-      </p:pic>
-      <p:sp>
-        <p:nvSpPr>
-          <p:cNvPr id="23" name="Text Placeholder 22">
-            <a:extLst>
-              <a:ext uri="{FF2B5EF4-FFF2-40B4-BE49-F238E27FC236}">
-                <a16:creationId xmlns:a16="http://schemas.microsoft.com/office/drawing/2014/main" xmlns="" id="{8D05A34F-7712-46DB-AB5B-272E294B62EE}"/>
-              </a:ext>
-            </a:extLst>
-          </p:cNvPr>
-          <p:cNvSpPr>
-            <a:spLocks noGrp="1"/>
-          </p:cNvSpPr>
-          <p:nvPr>
-            <p:ph type="body" sz="quarter" idx="22"/>
-          </p:nvPr>
-        </p:nvSpPr>
-        <p:spPr>
-          <a:xfrm>
-            <a:off x="9720678" y="4240093"/>
-            <a:ext cx="1776140" cy="1463040"/>
-          </a:xfrm>
-        </p:spPr>
-        <p:txBody>
-          <a:bodyPr/>
-          <a:lstStyle/>
-          <a:p>
-            <a:r>
-              <a:rPr lang="en-US" dirty="0"/>
-              <a:t>Caption05 appears here</a:t>
+              <a:rPr lang="nl-NL" sz="2500" dirty="0" smtClean="0">
+                <a:latin typeface="Times New Roman" panose="02020603050405020304" pitchFamily="18" charset="0"/>
+                <a:cs typeface="Times New Roman" panose="02020603050405020304" pitchFamily="18" charset="0"/>
+              </a:rPr>
+              <a:t>Chrome web driver</a:t>
             </a:r>
           </a:p>
         </p:txBody>
@@ -30959,7 +32346,7 @@
           <p:cNvPr id="2" name="Slide Number Placeholder 1">
             <a:extLst>
               <a:ext uri="{FF2B5EF4-FFF2-40B4-BE49-F238E27FC236}">
-                <a16:creationId xmlns:a16="http://schemas.microsoft.com/office/drawing/2014/main" xmlns="" id="{CC1F11E7-EDE5-4119-BA64-4FC57C285D19}"/>
+                <a16:creationId xmlns:a16="http://schemas.microsoft.com/office/drawing/2014/main" xmlns="" id="{BE9800F6-D571-48C4-8466-12AA1ADB6599}"/>
               </a:ext>
             </a:extLst>
           </p:cNvPr>
@@ -30987,20 +32374,20 @@
     </p:spTree>
     <p:extLst>
       <p:ext uri="{BB962C8B-B14F-4D97-AF65-F5344CB8AC3E}">
-        <p14:creationId xmlns:p14="http://schemas.microsoft.com/office/powerpoint/2010/main" val="3892131414"/>
+        <p14:creationId xmlns:p14="http://schemas.microsoft.com/office/powerpoint/2010/main" val="1719078573"/>
       </p:ext>
     </p:extLst>
   </p:cSld>
   <p:clrMapOvr>
     <a:masterClrMapping/>
   </p:clrMapOvr>
-  <mc:AlternateContent xmlns:mc="http://schemas.openxmlformats.org/markup-compatibility/2006" xmlns:p14="http://schemas.microsoft.com/office/powerpoint/2010/main">
-    <mc:Choice Requires="p14">
+  <mc:AlternateContent xmlns:mc="http://schemas.openxmlformats.org/markup-compatibility/2006">
+    <mc:Choice xmlns:p14="http://schemas.microsoft.com/office/powerpoint/2010/main" Requires="p14">
       <p:transition spd="med" p14:dur="700">
         <p:fade/>
       </p:transition>
     </mc:Choice>
-    <mc:Fallback xmlns="">
+    <mc:Fallback>
       <p:transition spd="med">
         <p:fade/>
       </p:transition>
@@ -31035,10 +32422,10 @@
       </p:grpSpPr>
       <p:sp>
         <p:nvSpPr>
-          <p:cNvPr id="4" name="Title 3">
+          <p:cNvPr id="7" name="Title 6">
             <a:extLst>
               <a:ext uri="{FF2B5EF4-FFF2-40B4-BE49-F238E27FC236}">
-                <a16:creationId xmlns:a16="http://schemas.microsoft.com/office/drawing/2014/main" xmlns="" id="{315E3981-F0D7-482C-A8E0-6A57700BECA7}"/>
+                <a16:creationId xmlns:a16="http://schemas.microsoft.com/office/drawing/2014/main" xmlns="" id="{7875C19A-1AAE-476A-A316-A2CF92D763D3}"/>
               </a:ext>
             </a:extLst>
           </p:cNvPr>
@@ -31049,55 +32436,39 @@
             <p:ph type="title"/>
           </p:nvPr>
         </p:nvSpPr>
-        <p:spPr/>
+        <p:spPr>
+          <a:xfrm>
+            <a:off x="444500" y="542925"/>
+            <a:ext cx="11214100" cy="978729"/>
+          </a:xfrm>
+        </p:spPr>
         <p:txBody>
           <a:bodyPr/>
           <a:lstStyle/>
           <a:p>
             <a:r>
-              <a:rPr lang="en-US" dirty="0"/>
-              <a:t>Content Title 03</a:t>
+              <a:rPr lang="en-US" b="0" dirty="0">
+                <a:latin typeface="Times New Roman" panose="02020603050405020304" pitchFamily="18" charset="0"/>
+                <a:cs typeface="Times New Roman" panose="02020603050405020304" pitchFamily="18" charset="0"/>
+              </a:rPr>
+              <a:t>What is Gherkin, Gherkin syntax, Advantage and Disadvantages</a:t>
             </a:r>
+            <a:br>
+              <a:rPr lang="en-US" b="0" dirty="0">
+                <a:latin typeface="Times New Roman" panose="02020603050405020304" pitchFamily="18" charset="0"/>
+                <a:cs typeface="Times New Roman" panose="02020603050405020304" pitchFamily="18" charset="0"/>
+              </a:rPr>
+            </a:br>
+            <a:endParaRPr lang="en-US" dirty="0"/>
           </a:p>
         </p:txBody>
       </p:sp>
-      <p:pic>
-        <p:nvPicPr>
-          <p:cNvPr id="20" name="Picture Placeholder 19" descr="Triangular pattern design with dimension">
+      <p:sp>
+        <p:nvSpPr>
+          <p:cNvPr id="10" name="Text Placeholder 9">
             <a:extLst>
               <a:ext uri="{FF2B5EF4-FFF2-40B4-BE49-F238E27FC236}">
-                <a16:creationId xmlns:a16="http://schemas.microsoft.com/office/drawing/2014/main" xmlns="" id="{3DCA2B8E-64D3-7645-8DEB-688ED5756F52}"/>
-              </a:ext>
-            </a:extLst>
-          </p:cNvPr>
-          <p:cNvPicPr>
-            <a:picLocks noGrp="1" noChangeAspect="1"/>
-          </p:cNvPicPr>
-          <p:nvPr>
-            <p:ph type="pic" sz="quarter" idx="19"/>
-          </p:nvPr>
-        </p:nvPicPr>
-        <p:blipFill>
-          <a:blip r:embed="rId2">
-            <a:extLst>
-              <a:ext uri="{28A0092B-C50C-407E-A947-70E740481C1C}">
-                <a14:useLocalDpi xmlns:a14="http://schemas.microsoft.com/office/drawing/2010/main" val="0"/>
-              </a:ext>
-            </a:extLst>
-          </a:blip>
-          <a:srcRect/>
-          <a:stretch>
-            <a:fillRect/>
-          </a:stretch>
-        </p:blipFill>
-        <p:spPr/>
-      </p:pic>
-      <p:sp>
-        <p:nvSpPr>
-          <p:cNvPr id="19" name="Text Placeholder 18">
-            <a:extLst>
-              <a:ext uri="{FF2B5EF4-FFF2-40B4-BE49-F238E27FC236}">
-                <a16:creationId xmlns:a16="http://schemas.microsoft.com/office/drawing/2014/main" xmlns="" id="{782206B1-586F-4254-9B36-D06C4E294ACF}"/>
+                <a16:creationId xmlns:a16="http://schemas.microsoft.com/office/drawing/2014/main" xmlns="" id="{EF2BC084-E6DB-4DE7-B309-042A85EBA700}"/>
               </a:ext>
             </a:extLst>
           </p:cNvPr>
@@ -31105,7 +32476,7 @@
             <a:spLocks noGrp="1"/>
           </p:cNvSpPr>
           <p:nvPr>
-            <p:ph type="body" sz="quarter" idx="18"/>
+            <p:ph type="body" sz="quarter" idx="13"/>
           </p:nvPr>
         </p:nvSpPr>
         <p:spPr/>
@@ -31114,65 +32485,22 @@
           <a:lstStyle/>
           <a:p>
             <a:r>
-              <a:rPr lang="en-US" dirty="0"/>
-              <a:t>Caption01 appears here</a:t>
+              <a:rPr lang="en-US" sz="2000" dirty="0">
+                <a:latin typeface="Times New Roman" panose="02020603050405020304" pitchFamily="18" charset="0"/>
+                <a:cs typeface="Times New Roman" panose="02020603050405020304" pitchFamily="18" charset="0"/>
+              </a:rPr>
+              <a:t>Gherkin is the format for cucumber specifications. It is a domain specific language which helps you to describe business behavior without the need to go into detail of implementation. This text acts as documentation and skeleton of your automated tests. </a:t>
             </a:r>
+            <a:endParaRPr lang="en-US" sz="2000" dirty="0" smtClean="0">
+              <a:latin typeface="Times New Roman" panose="02020603050405020304" pitchFamily="18" charset="0"/>
+              <a:cs typeface="Times New Roman" panose="02020603050405020304" pitchFamily="18" charset="0"/>
+            </a:endParaRPr>
           </a:p>
-        </p:txBody>
-      </p:sp>
-      <p:sp>
-        <p:nvSpPr>
-          <p:cNvPr id="21" name="Text Placeholder 20">
-            <a:extLst>
-              <a:ext uri="{FF2B5EF4-FFF2-40B4-BE49-F238E27FC236}">
-                <a16:creationId xmlns:a16="http://schemas.microsoft.com/office/drawing/2014/main" xmlns="" id="{1B8F0371-4F69-4131-91BF-9AB99E6EE89B}"/>
-              </a:ext>
-            </a:extLst>
-          </p:cNvPr>
-          <p:cNvSpPr>
-            <a:spLocks noGrp="1"/>
-          </p:cNvSpPr>
-          <p:nvPr>
-            <p:ph type="body" sz="quarter" idx="20"/>
-          </p:nvPr>
-        </p:nvSpPr>
-        <p:spPr/>
-        <p:txBody>
-          <a:bodyPr/>
-          <a:lstStyle/>
           <a:p>
-            <a:r>
-              <a:rPr lang="en-US" dirty="0"/>
-              <a:t>Caption03 appears here</a:t>
-            </a:r>
-          </a:p>
-        </p:txBody>
-      </p:sp>
-      <p:sp>
-        <p:nvSpPr>
-          <p:cNvPr id="22" name="Text Placeholder 21">
-            <a:extLst>
-              <a:ext uri="{FF2B5EF4-FFF2-40B4-BE49-F238E27FC236}">
-                <a16:creationId xmlns:a16="http://schemas.microsoft.com/office/drawing/2014/main" xmlns="" id="{78CACAF1-61EA-4605-A8FE-2EEE752B49FF}"/>
-              </a:ext>
-            </a:extLst>
-          </p:cNvPr>
-          <p:cNvSpPr>
-            <a:spLocks noGrp="1"/>
-          </p:cNvSpPr>
-          <p:nvPr>
-            <p:ph type="body" sz="quarter" idx="21"/>
-          </p:nvPr>
-        </p:nvSpPr>
-        <p:spPr/>
-        <p:txBody>
-          <a:bodyPr/>
-          <a:lstStyle/>
-          <a:p>
-            <a:r>
-              <a:rPr lang="en-US" dirty="0"/>
-              <a:t>Caption04 appears here</a:t>
-            </a:r>
+            <a:endParaRPr lang="nl-NL" sz="2000" dirty="0" smtClean="0">
+              <a:latin typeface="Times New Roman" panose="02020603050405020304" pitchFamily="18" charset="0"/>
+              <a:cs typeface="Times New Roman" panose="02020603050405020304" pitchFamily="18" charset="0"/>
+            </a:endParaRPr>
           </a:p>
         </p:txBody>
       </p:sp>
@@ -31181,7 +32509,7 @@
           <p:cNvPr id="2" name="Slide Number Placeholder 1">
             <a:extLst>
               <a:ext uri="{FF2B5EF4-FFF2-40B4-BE49-F238E27FC236}">
-                <a16:creationId xmlns:a16="http://schemas.microsoft.com/office/drawing/2014/main" xmlns="" id="{2F478C69-0A1D-45FF-8600-ED903803FFE1}"/>
+                <a16:creationId xmlns:a16="http://schemas.microsoft.com/office/drawing/2014/main" xmlns="" id="{BE9800F6-D571-48C4-8466-12AA1ADB6599}"/>
               </a:ext>
             </a:extLst>
           </p:cNvPr>
@@ -31206,28 +32534,65 @@
           </a:p>
         </p:txBody>
       </p:sp>
+      <p:pic>
+        <p:nvPicPr>
+          <p:cNvPr id="3" name="Picture 2"/>
+          <p:cNvPicPr>
+            <a:picLocks noChangeAspect="1"/>
+          </p:cNvPicPr>
+          <p:nvPr/>
+        </p:nvPicPr>
+        <p:blipFill>
+          <a:blip r:embed="rId2">
+            <a:extLst>
+              <a:ext uri="{28A0092B-C50C-407E-A947-70E740481C1C}">
+                <a14:useLocalDpi xmlns:a14="http://schemas.microsoft.com/office/drawing/2010/main" val="0"/>
+              </a:ext>
+            </a:extLst>
+          </a:blip>
+          <a:stretch>
+            <a:fillRect/>
+          </a:stretch>
+        </p:blipFill>
+        <p:spPr>
+          <a:xfrm>
+            <a:off x="717550" y="3500694"/>
+            <a:ext cx="10668000" cy="2657475"/>
+          </a:xfrm>
+          <a:prstGeom prst="rect">
+            <a:avLst/>
+          </a:prstGeom>
+        </p:spPr>
+      </p:pic>
     </p:spTree>
     <p:extLst>
       <p:ext uri="{BB962C8B-B14F-4D97-AF65-F5344CB8AC3E}">
-        <p14:creationId xmlns:p14="http://schemas.microsoft.com/office/powerpoint/2010/main" val="451187730"/>
+        <p14:creationId xmlns:p14="http://schemas.microsoft.com/office/powerpoint/2010/main" val="1626018084"/>
       </p:ext>
     </p:extLst>
   </p:cSld>
   <p:clrMapOvr>
     <a:masterClrMapping/>
   </p:clrMapOvr>
-  <mc:AlternateContent xmlns:mc="http://schemas.openxmlformats.org/markup-compatibility/2006" xmlns:p14="http://schemas.microsoft.com/office/powerpoint/2010/main">
-    <mc:Choice Requires="p14">
+  <mc:AlternateContent xmlns:mc="http://schemas.openxmlformats.org/markup-compatibility/2006">
+    <mc:Choice xmlns:p14="http://schemas.microsoft.com/office/powerpoint/2010/main" Requires="p14">
       <p:transition spd="med" p14:dur="700">
         <p:fade/>
       </p:transition>
     </mc:Choice>
-    <mc:Fallback xmlns="">
+    <mc:Fallback>
       <p:transition spd="med">
         <p:fade/>
       </p:transition>
     </mc:Fallback>
   </mc:AlternateContent>
+  <p:timing>
+    <p:tnLst>
+      <p:par>
+        <p:cTn id="1" dur="indefinite" restart="never" nodeType="tmRoot"/>
+      </p:par>
+    </p:tnLst>
+  </p:timing>
 </p:sld>
 </file>
 

--- a/Selenium/Specflow/Web Automation Test with Specflow.pptx
+++ b/Selenium/Specflow/Web Automation Test with Specflow.pptx
@@ -27448,20 +27448,106 @@
             <p:ph type="body" sz="quarter" idx="13"/>
           </p:nvPr>
         </p:nvSpPr>
-        <p:spPr/>
+        <p:spPr>
+          <a:xfrm>
+            <a:off x="444499" y="1309817"/>
+            <a:ext cx="7612105" cy="4408812"/>
+          </a:xfrm>
+        </p:spPr>
         <p:txBody>
           <a:bodyPr/>
           <a:lstStyle/>
           <a:p>
             <a:r>
-              <a:rPr lang="en-US" sz="2000" b="1" dirty="0"/>
+              <a:rPr lang="en-US" sz="2100" b="1" dirty="0">
+                <a:latin typeface="Times New Roman" panose="02020603050405020304" pitchFamily="18" charset="0"/>
+                <a:cs typeface="Times New Roman" panose="02020603050405020304" pitchFamily="18" charset="0"/>
+              </a:rPr>
               <a:t>Page Object Model</a:t>
             </a:r>
             <a:r>
-              <a:rPr lang="en-US" sz="2000" dirty="0"/>
-              <a:t> is a design pattern which has become popular in test automation for enhancing test maintenance and reducing code duplication</a:t>
+              <a:rPr lang="en-US" sz="2100" dirty="0">
+                <a:latin typeface="Times New Roman" panose="02020603050405020304" pitchFamily="18" charset="0"/>
+                <a:cs typeface="Times New Roman" panose="02020603050405020304" pitchFamily="18" charset="0"/>
+              </a:rPr>
+              <a:t> is a design pattern which has become popular in test automation for enhancing test maintenance and reducing code </a:t>
             </a:r>
-            <a:endParaRPr lang="en-US" sz="2000" dirty="0">
+            <a:r>
+              <a:rPr lang="en-US" sz="2100" dirty="0" smtClean="0">
+                <a:latin typeface="Times New Roman" panose="02020603050405020304" pitchFamily="18" charset="0"/>
+                <a:cs typeface="Times New Roman" panose="02020603050405020304" pitchFamily="18" charset="0"/>
+              </a:rPr>
+              <a:t>duplication</a:t>
+            </a:r>
+          </a:p>
+          <a:p>
+            <a:r>
+              <a:rPr lang="nl-NL" sz="2100" dirty="0" smtClean="0">
+                <a:latin typeface="Times New Roman" panose="02020603050405020304" pitchFamily="18" charset="0"/>
+                <a:cs typeface="Times New Roman" panose="02020603050405020304" pitchFamily="18" charset="0"/>
+              </a:rPr>
+              <a:t>Instead writing code inside test class to interact with Browser we write code in Page class. Page class handle web interaction logic and how to interact with the web elements</a:t>
+            </a:r>
+          </a:p>
+          <a:p>
+            <a:r>
+              <a:rPr lang="en-US" sz="2100" dirty="0" smtClean="0">
+                <a:latin typeface="Times New Roman" panose="02020603050405020304" pitchFamily="18" charset="0"/>
+                <a:cs typeface="Times New Roman" panose="02020603050405020304" pitchFamily="18" charset="0"/>
+              </a:rPr>
+              <a:t>We </a:t>
+            </a:r>
+            <a:r>
+              <a:rPr lang="en-US" sz="2100" dirty="0">
+                <a:latin typeface="Times New Roman" panose="02020603050405020304" pitchFamily="18" charset="0"/>
+                <a:cs typeface="Times New Roman" panose="02020603050405020304" pitchFamily="18" charset="0"/>
+              </a:rPr>
+              <a:t>should keep our tests and element locators separately, this will keep code clean and easy to understand and maintain.</a:t>
+            </a:r>
+          </a:p>
+          <a:p>
+            <a:r>
+              <a:rPr lang="en-US" sz="2100" dirty="0">
+                <a:latin typeface="Times New Roman" panose="02020603050405020304" pitchFamily="18" charset="0"/>
+                <a:cs typeface="Times New Roman" panose="02020603050405020304" pitchFamily="18" charset="0"/>
+              </a:rPr>
+              <a:t>The Page Object approach makes test automation framework programmer friendly, more durable and comprehensive.</a:t>
+            </a:r>
+          </a:p>
+          <a:p>
+            <a:r>
+              <a:rPr lang="en-US" sz="2100" dirty="0">
+                <a:latin typeface="Times New Roman" panose="02020603050405020304" pitchFamily="18" charset="0"/>
+                <a:cs typeface="Times New Roman" panose="02020603050405020304" pitchFamily="18" charset="0"/>
+              </a:rPr>
+              <a:t>Test cases become short and optimized as we are able to reuse page object methods in the </a:t>
+            </a:r>
+            <a:r>
+              <a:rPr lang="en-US" sz="2100" b="1" dirty="0">
+                <a:latin typeface="Times New Roman" panose="02020603050405020304" pitchFamily="18" charset="0"/>
+                <a:cs typeface="Times New Roman" panose="02020603050405020304" pitchFamily="18" charset="0"/>
+              </a:rPr>
+              <a:t>POM</a:t>
+            </a:r>
+            <a:r>
+              <a:rPr lang="en-US" sz="2100" dirty="0">
+                <a:latin typeface="Times New Roman" panose="02020603050405020304" pitchFamily="18" charset="0"/>
+                <a:cs typeface="Times New Roman" panose="02020603050405020304" pitchFamily="18" charset="0"/>
+              </a:rPr>
+              <a:t> classes.</a:t>
+            </a:r>
+          </a:p>
+          <a:p>
+            <a:r>
+              <a:rPr lang="en-US" sz="2100" dirty="0">
+                <a:latin typeface="Times New Roman" panose="02020603050405020304" pitchFamily="18" charset="0"/>
+                <a:cs typeface="Times New Roman" panose="02020603050405020304" pitchFamily="18" charset="0"/>
+              </a:rPr>
+              <a:t>Any change in UI can easily be implemented, updated and maintained into the Page Objects and Classes.</a:t>
+            </a:r>
+          </a:p>
+          <a:p>
+            <a:endParaRPr lang="en-US" sz="2100" dirty="0">
               <a:latin typeface="Times New Roman" panose="02020603050405020304" pitchFamily="18" charset="0"/>
               <a:cs typeface="Times New Roman" panose="02020603050405020304" pitchFamily="18" charset="0"/>
             </a:endParaRPr>

--- a/Selenium/Specflow/Web Automation Test with Specflow.pptx
+++ b/Selenium/Specflow/Web Automation Test with Specflow.pptx
@@ -5,10 +5,10 @@
     <p:sldMasterId id="2147483648" r:id="rId4"/>
   </p:sldMasterIdLst>
   <p:notesMasterIdLst>
-    <p:notesMasterId r:id="rId28"/>
+    <p:notesMasterId r:id="rId29"/>
   </p:notesMasterIdLst>
   <p:handoutMasterIdLst>
-    <p:handoutMasterId r:id="rId29"/>
+    <p:handoutMasterId r:id="rId30"/>
   </p:handoutMasterIdLst>
   <p:sldIdLst>
     <p:sldId id="256" r:id="rId5"/>
@@ -25,15 +25,16 @@
     <p:sldId id="295" r:id="rId16"/>
     <p:sldId id="293" r:id="rId17"/>
     <p:sldId id="294" r:id="rId18"/>
-    <p:sldId id="262" r:id="rId19"/>
-    <p:sldId id="283" r:id="rId20"/>
-    <p:sldId id="264" r:id="rId21"/>
-    <p:sldId id="266" r:id="rId22"/>
-    <p:sldId id="284" r:id="rId23"/>
-    <p:sldId id="267" r:id="rId24"/>
-    <p:sldId id="269" r:id="rId25"/>
-    <p:sldId id="268" r:id="rId26"/>
-    <p:sldId id="285" r:id="rId27"/>
+    <p:sldId id="296" r:id="rId19"/>
+    <p:sldId id="262" r:id="rId20"/>
+    <p:sldId id="283" r:id="rId21"/>
+    <p:sldId id="264" r:id="rId22"/>
+    <p:sldId id="266" r:id="rId23"/>
+    <p:sldId id="284" r:id="rId24"/>
+    <p:sldId id="267" r:id="rId25"/>
+    <p:sldId id="269" r:id="rId26"/>
+    <p:sldId id="268" r:id="rId27"/>
+    <p:sldId id="285" r:id="rId28"/>
   </p:sldIdLst>
   <p:sldSz cx="12192000" cy="6858000"/>
   <p:notesSz cx="6858000" cy="9144000"/>
@@ -27635,6 +27636,235 @@
       </p:grpSpPr>
       <p:sp>
         <p:nvSpPr>
+          <p:cNvPr id="2" name="Title 1"/>
+          <p:cNvSpPr>
+            <a:spLocks noGrp="1"/>
+          </p:cNvSpPr>
+          <p:nvPr>
+            <p:ph type="title"/>
+          </p:nvPr>
+        </p:nvSpPr>
+        <p:spPr>
+          <a:xfrm>
+            <a:off x="444500" y="542925"/>
+            <a:ext cx="11214100" cy="535531"/>
+          </a:xfrm>
+        </p:spPr>
+        <p:txBody>
+          <a:bodyPr/>
+          <a:lstStyle/>
+          <a:p>
+            <a:r>
+              <a:rPr lang="en-US" b="0" dirty="0">
+                <a:latin typeface="Times New Roman" panose="02020603050405020304" pitchFamily="18" charset="0"/>
+                <a:cs typeface="Times New Roman" panose="02020603050405020304" pitchFamily="18" charset="0"/>
+              </a:rPr>
+              <a:t>Web elements</a:t>
+            </a:r>
+            <a:endParaRPr lang="en-US" dirty="0"/>
+          </a:p>
+        </p:txBody>
+      </p:sp>
+      <p:sp>
+        <p:nvSpPr>
+          <p:cNvPr id="3" name="Slide Number Placeholder 2"/>
+          <p:cNvSpPr>
+            <a:spLocks noGrp="1"/>
+          </p:cNvSpPr>
+          <p:nvPr>
+            <p:ph type="sldNum" sz="quarter" idx="12"/>
+          </p:nvPr>
+        </p:nvSpPr>
+        <p:spPr/>
+        <p:txBody>
+          <a:bodyPr/>
+          <a:lstStyle/>
+          <a:p>
+            <a:fld id="{C263D6C4-4840-40CC-AC84-17E24B3B7BDE}" type="slidenum">
+              <a:rPr lang="en-US" noProof="0" smtClean="0"/>
+              <a:pPr/>
+              <a:t>15</a:t>
+            </a:fld>
+            <a:endParaRPr lang="en-US" noProof="0" dirty="0"/>
+          </a:p>
+        </p:txBody>
+      </p:sp>
+      <p:sp>
+        <p:nvSpPr>
+          <p:cNvPr id="4" name="Text Placeholder 3"/>
+          <p:cNvSpPr>
+            <a:spLocks noGrp="1"/>
+          </p:cNvSpPr>
+          <p:nvPr>
+            <p:ph type="body" sz="quarter" idx="13"/>
+          </p:nvPr>
+        </p:nvSpPr>
+        <p:spPr>
+          <a:xfrm>
+            <a:off x="444500" y="1210963"/>
+            <a:ext cx="6718300" cy="4507666"/>
+          </a:xfrm>
+        </p:spPr>
+        <p:txBody>
+          <a:bodyPr/>
+          <a:lstStyle/>
+          <a:p>
+            <a:r>
+              <a:rPr lang="en-US" sz="2200" dirty="0" smtClean="0">
+                <a:latin typeface="Times New Roman" panose="02020603050405020304" pitchFamily="18" charset="0"/>
+                <a:cs typeface="Times New Roman" panose="02020603050405020304" pitchFamily="18" charset="0"/>
+              </a:rPr>
+              <a:t>A </a:t>
+            </a:r>
+            <a:r>
+              <a:rPr lang="en-US" sz="2200" dirty="0">
+                <a:latin typeface="Times New Roman" panose="02020603050405020304" pitchFamily="18" charset="0"/>
+                <a:cs typeface="Times New Roman" panose="02020603050405020304" pitchFamily="18" charset="0"/>
+              </a:rPr>
+              <a:t>website may be using different kind of elements to display some kind of </a:t>
+            </a:r>
+            <a:r>
+              <a:rPr lang="en-US" sz="2200" dirty="0" smtClean="0">
+                <a:latin typeface="Times New Roman" panose="02020603050405020304" pitchFamily="18" charset="0"/>
+                <a:cs typeface="Times New Roman" panose="02020603050405020304" pitchFamily="18" charset="0"/>
+              </a:rPr>
+              <a:t>data like text box, button, dropdown list, hyper link, checkbox, radio button</a:t>
+            </a:r>
+          </a:p>
+          <a:p>
+            <a:pPr marL="0" indent="0">
+              <a:buNone/>
+            </a:pPr>
+            <a:r>
+              <a:rPr lang="nl-NL" sz="2200" dirty="0" smtClean="0">
+                <a:latin typeface="Times New Roman" panose="02020603050405020304" pitchFamily="18" charset="0"/>
+                <a:cs typeface="Times New Roman" panose="02020603050405020304" pitchFamily="18" charset="0"/>
+              </a:rPr>
+              <a:t>Different type of locators:</a:t>
+            </a:r>
+          </a:p>
+          <a:p>
+            <a:r>
+              <a:rPr lang="en-US" sz="2200" dirty="0">
+                <a:latin typeface="Times New Roman" panose="02020603050405020304" pitchFamily="18" charset="0"/>
+                <a:cs typeface="Times New Roman" panose="02020603050405020304" pitchFamily="18" charset="0"/>
+              </a:rPr>
+              <a:t>ID</a:t>
+            </a:r>
+          </a:p>
+          <a:p>
+            <a:r>
+              <a:rPr lang="en-US" sz="2200" dirty="0">
+                <a:latin typeface="Times New Roman" panose="02020603050405020304" pitchFamily="18" charset="0"/>
+                <a:cs typeface="Times New Roman" panose="02020603050405020304" pitchFamily="18" charset="0"/>
+              </a:rPr>
+              <a:t>Name</a:t>
+            </a:r>
+          </a:p>
+          <a:p>
+            <a:r>
+              <a:rPr lang="en-US" sz="2200" dirty="0">
+                <a:latin typeface="Times New Roman" panose="02020603050405020304" pitchFamily="18" charset="0"/>
+                <a:cs typeface="Times New Roman" panose="02020603050405020304" pitchFamily="18" charset="0"/>
+              </a:rPr>
+              <a:t>Class Name</a:t>
+            </a:r>
+          </a:p>
+          <a:p>
+            <a:r>
+              <a:rPr lang="en-US" sz="2200" dirty="0">
+                <a:latin typeface="Times New Roman" panose="02020603050405020304" pitchFamily="18" charset="0"/>
+                <a:cs typeface="Times New Roman" panose="02020603050405020304" pitchFamily="18" charset="0"/>
+              </a:rPr>
+              <a:t>CSS Selector</a:t>
+            </a:r>
+          </a:p>
+          <a:p>
+            <a:r>
+              <a:rPr lang="en-US" sz="2200" dirty="0" err="1">
+                <a:latin typeface="Times New Roman" panose="02020603050405020304" pitchFamily="18" charset="0"/>
+                <a:cs typeface="Times New Roman" panose="02020603050405020304" pitchFamily="18" charset="0"/>
+              </a:rPr>
+              <a:t>XPath</a:t>
+            </a:r>
+            <a:endParaRPr lang="en-US" sz="2200" dirty="0">
+              <a:latin typeface="Times New Roman" panose="02020603050405020304" pitchFamily="18" charset="0"/>
+              <a:cs typeface="Times New Roman" panose="02020603050405020304" pitchFamily="18" charset="0"/>
+            </a:endParaRPr>
+          </a:p>
+          <a:p>
+            <a:r>
+              <a:rPr lang="en-US" sz="2200" dirty="0">
+                <a:latin typeface="Times New Roman" panose="02020603050405020304" pitchFamily="18" charset="0"/>
+                <a:cs typeface="Times New Roman" panose="02020603050405020304" pitchFamily="18" charset="0"/>
+              </a:rPr>
+              <a:t>Link Text</a:t>
+            </a:r>
+          </a:p>
+          <a:p>
+            <a:r>
+              <a:rPr lang="en-US" sz="2200" dirty="0">
+                <a:latin typeface="Times New Roman" panose="02020603050405020304" pitchFamily="18" charset="0"/>
+                <a:cs typeface="Times New Roman" panose="02020603050405020304" pitchFamily="18" charset="0"/>
+              </a:rPr>
+              <a:t>Partial Link Text</a:t>
+            </a:r>
+          </a:p>
+          <a:p>
+            <a:r>
+              <a:rPr lang="en-US" sz="2200" dirty="0">
+                <a:latin typeface="Times New Roman" panose="02020603050405020304" pitchFamily="18" charset="0"/>
+                <a:cs typeface="Times New Roman" panose="02020603050405020304" pitchFamily="18" charset="0"/>
+              </a:rPr>
+              <a:t>Tag Name</a:t>
+            </a:r>
+          </a:p>
+          <a:p>
+            <a:endParaRPr lang="en-US" sz="2200" dirty="0" smtClean="0">
+              <a:latin typeface="Times New Roman" panose="02020603050405020304" pitchFamily="18" charset="0"/>
+              <a:cs typeface="Times New Roman" panose="02020603050405020304" pitchFamily="18" charset="0"/>
+            </a:endParaRPr>
+          </a:p>
+          <a:p>
+            <a:endParaRPr lang="en-US" sz="2200" dirty="0">
+              <a:latin typeface="Times New Roman" panose="02020603050405020304" pitchFamily="18" charset="0"/>
+              <a:cs typeface="Times New Roman" panose="02020603050405020304" pitchFamily="18" charset="0"/>
+            </a:endParaRPr>
+          </a:p>
+        </p:txBody>
+      </p:sp>
+    </p:spTree>
+    <p:extLst>
+      <p:ext uri="{BB962C8B-B14F-4D97-AF65-F5344CB8AC3E}">
+        <p14:creationId xmlns:p14="http://schemas.microsoft.com/office/powerpoint/2010/main" val="4030582753"/>
+      </p:ext>
+    </p:extLst>
+  </p:cSld>
+  <p:clrMapOvr>
+    <a:masterClrMapping/>
+  </p:clrMapOvr>
+</p:sld>
+</file>
+
+<file path=ppt/slides/slide16.xml><?xml version="1.0" encoding="utf-8"?>
+<p:sld xmlns:a="http://schemas.openxmlformats.org/drawingml/2006/main" xmlns:r="http://schemas.openxmlformats.org/officeDocument/2006/relationships" xmlns:p="http://schemas.openxmlformats.org/presentationml/2006/main">
+  <p:cSld>
+    <p:spTree>
+      <p:nvGrpSpPr>
+        <p:cNvPr id="1" name=""/>
+        <p:cNvGrpSpPr/>
+        <p:nvPr/>
+      </p:nvGrpSpPr>
+      <p:grpSpPr>
+        <a:xfrm>
+          <a:off x="0" y="0"/>
+          <a:ext cx="0" cy="0"/>
+          <a:chOff x="0" y="0"/>
+          <a:chExt cx="0" cy="0"/>
+        </a:xfrm>
+      </p:grpSpPr>
+      <p:sp>
+        <p:nvSpPr>
           <p:cNvPr id="4" name="Title 3">
             <a:extLst>
               <a:ext uri="{FF2B5EF4-FFF2-40B4-BE49-F238E27FC236}">
@@ -28021,7 +28251,7 @@
             <a:fld id="{C263D6C4-4840-40CC-AC84-17E24B3B7BDE}" type="slidenum">
               <a:rPr lang="en-US" smtClean="0"/>
               <a:pPr/>
-              <a:t>15</a:t>
+              <a:t>16</a:t>
             </a:fld>
             <a:endParaRPr lang="en-US" dirty="0"/>
           </a:p>
@@ -28031,228 +28261,6 @@
     <p:extLst>
       <p:ext uri="{BB962C8B-B14F-4D97-AF65-F5344CB8AC3E}">
         <p14:creationId xmlns:p14="http://schemas.microsoft.com/office/powerpoint/2010/main" val="3892131414"/>
-      </p:ext>
-    </p:extLst>
-  </p:cSld>
-  <p:clrMapOvr>
-    <a:masterClrMapping/>
-  </p:clrMapOvr>
-  <mc:AlternateContent xmlns:mc="http://schemas.openxmlformats.org/markup-compatibility/2006" xmlns:p14="http://schemas.microsoft.com/office/powerpoint/2010/main">
-    <mc:Choice Requires="p14">
-      <p:transition spd="med" p14:dur="700">
-        <p:fade/>
-      </p:transition>
-    </mc:Choice>
-    <mc:Fallback xmlns="">
-      <p:transition spd="med">
-        <p:fade/>
-      </p:transition>
-    </mc:Fallback>
-  </mc:AlternateContent>
-  <p:timing>
-    <p:tnLst>
-      <p:par>
-        <p:cTn id="1" dur="indefinite" restart="never" nodeType="tmRoot"/>
-      </p:par>
-    </p:tnLst>
-  </p:timing>
-</p:sld>
-</file>
-
-<file path=ppt/slides/slide16.xml><?xml version="1.0" encoding="utf-8"?>
-<p:sld xmlns:a="http://schemas.openxmlformats.org/drawingml/2006/main" xmlns:r="http://schemas.openxmlformats.org/officeDocument/2006/relationships" xmlns:p="http://schemas.openxmlformats.org/presentationml/2006/main">
-  <p:cSld>
-    <p:spTree>
-      <p:nvGrpSpPr>
-        <p:cNvPr id="1" name=""/>
-        <p:cNvGrpSpPr/>
-        <p:nvPr/>
-      </p:nvGrpSpPr>
-      <p:grpSpPr>
-        <a:xfrm>
-          <a:off x="0" y="0"/>
-          <a:ext cx="0" cy="0"/>
-          <a:chOff x="0" y="0"/>
-          <a:chExt cx="0" cy="0"/>
-        </a:xfrm>
-      </p:grpSpPr>
-      <p:sp>
-        <p:nvSpPr>
-          <p:cNvPr id="4" name="Title 3">
-            <a:extLst>
-              <a:ext uri="{FF2B5EF4-FFF2-40B4-BE49-F238E27FC236}">
-                <a16:creationId xmlns:a16="http://schemas.microsoft.com/office/drawing/2014/main" xmlns="" id="{315E3981-F0D7-482C-A8E0-6A57700BECA7}"/>
-              </a:ext>
-            </a:extLst>
-          </p:cNvPr>
-          <p:cNvSpPr>
-            <a:spLocks noGrp="1"/>
-          </p:cNvSpPr>
-          <p:nvPr>
-            <p:ph type="title"/>
-          </p:nvPr>
-        </p:nvSpPr>
-        <p:spPr/>
-        <p:txBody>
-          <a:bodyPr/>
-          <a:lstStyle/>
-          <a:p>
-            <a:r>
-              <a:rPr lang="en-US" dirty="0"/>
-              <a:t>Content Title 03</a:t>
-            </a:r>
-          </a:p>
-        </p:txBody>
-      </p:sp>
-      <p:pic>
-        <p:nvPicPr>
-          <p:cNvPr id="20" name="Picture Placeholder 19" descr="Triangular pattern design with dimension">
-            <a:extLst>
-              <a:ext uri="{FF2B5EF4-FFF2-40B4-BE49-F238E27FC236}">
-                <a16:creationId xmlns:a16="http://schemas.microsoft.com/office/drawing/2014/main" xmlns="" id="{3DCA2B8E-64D3-7645-8DEB-688ED5756F52}"/>
-              </a:ext>
-            </a:extLst>
-          </p:cNvPr>
-          <p:cNvPicPr>
-            <a:picLocks noGrp="1" noChangeAspect="1"/>
-          </p:cNvPicPr>
-          <p:nvPr>
-            <p:ph type="pic" sz="quarter" idx="19"/>
-          </p:nvPr>
-        </p:nvPicPr>
-        <p:blipFill>
-          <a:blip r:embed="rId2">
-            <a:extLst>
-              <a:ext uri="{28A0092B-C50C-407E-A947-70E740481C1C}">
-                <a14:useLocalDpi xmlns:a14="http://schemas.microsoft.com/office/drawing/2010/main" val="0"/>
-              </a:ext>
-            </a:extLst>
-          </a:blip>
-          <a:srcRect/>
-          <a:stretch>
-            <a:fillRect/>
-          </a:stretch>
-        </p:blipFill>
-        <p:spPr/>
-      </p:pic>
-      <p:sp>
-        <p:nvSpPr>
-          <p:cNvPr id="19" name="Text Placeholder 18">
-            <a:extLst>
-              <a:ext uri="{FF2B5EF4-FFF2-40B4-BE49-F238E27FC236}">
-                <a16:creationId xmlns:a16="http://schemas.microsoft.com/office/drawing/2014/main" xmlns="" id="{782206B1-586F-4254-9B36-D06C4E294ACF}"/>
-              </a:ext>
-            </a:extLst>
-          </p:cNvPr>
-          <p:cNvSpPr>
-            <a:spLocks noGrp="1"/>
-          </p:cNvSpPr>
-          <p:nvPr>
-            <p:ph type="body" sz="quarter" idx="18"/>
-          </p:nvPr>
-        </p:nvSpPr>
-        <p:spPr/>
-        <p:txBody>
-          <a:bodyPr/>
-          <a:lstStyle/>
-          <a:p>
-            <a:r>
-              <a:rPr lang="en-US" dirty="0"/>
-              <a:t>Caption01 appears here</a:t>
-            </a:r>
-          </a:p>
-        </p:txBody>
-      </p:sp>
-      <p:sp>
-        <p:nvSpPr>
-          <p:cNvPr id="21" name="Text Placeholder 20">
-            <a:extLst>
-              <a:ext uri="{FF2B5EF4-FFF2-40B4-BE49-F238E27FC236}">
-                <a16:creationId xmlns:a16="http://schemas.microsoft.com/office/drawing/2014/main" xmlns="" id="{1B8F0371-4F69-4131-91BF-9AB99E6EE89B}"/>
-              </a:ext>
-            </a:extLst>
-          </p:cNvPr>
-          <p:cNvSpPr>
-            <a:spLocks noGrp="1"/>
-          </p:cNvSpPr>
-          <p:nvPr>
-            <p:ph type="body" sz="quarter" idx="20"/>
-          </p:nvPr>
-        </p:nvSpPr>
-        <p:spPr/>
-        <p:txBody>
-          <a:bodyPr/>
-          <a:lstStyle/>
-          <a:p>
-            <a:r>
-              <a:rPr lang="en-US" dirty="0"/>
-              <a:t>Caption03 appears here</a:t>
-            </a:r>
-          </a:p>
-        </p:txBody>
-      </p:sp>
-      <p:sp>
-        <p:nvSpPr>
-          <p:cNvPr id="22" name="Text Placeholder 21">
-            <a:extLst>
-              <a:ext uri="{FF2B5EF4-FFF2-40B4-BE49-F238E27FC236}">
-                <a16:creationId xmlns:a16="http://schemas.microsoft.com/office/drawing/2014/main" xmlns="" id="{78CACAF1-61EA-4605-A8FE-2EEE752B49FF}"/>
-              </a:ext>
-            </a:extLst>
-          </p:cNvPr>
-          <p:cNvSpPr>
-            <a:spLocks noGrp="1"/>
-          </p:cNvSpPr>
-          <p:nvPr>
-            <p:ph type="body" sz="quarter" idx="21"/>
-          </p:nvPr>
-        </p:nvSpPr>
-        <p:spPr/>
-        <p:txBody>
-          <a:bodyPr/>
-          <a:lstStyle/>
-          <a:p>
-            <a:r>
-              <a:rPr lang="en-US" dirty="0"/>
-              <a:t>Caption04 appears here</a:t>
-            </a:r>
-          </a:p>
-        </p:txBody>
-      </p:sp>
-      <p:sp>
-        <p:nvSpPr>
-          <p:cNvPr id="2" name="Slide Number Placeholder 1">
-            <a:extLst>
-              <a:ext uri="{FF2B5EF4-FFF2-40B4-BE49-F238E27FC236}">
-                <a16:creationId xmlns:a16="http://schemas.microsoft.com/office/drawing/2014/main" xmlns="" id="{2F478C69-0A1D-45FF-8600-ED903803FFE1}"/>
-              </a:ext>
-            </a:extLst>
-          </p:cNvPr>
-          <p:cNvSpPr>
-            <a:spLocks noGrp="1"/>
-          </p:cNvSpPr>
-          <p:nvPr>
-            <p:ph type="sldNum" sz="quarter" idx="12"/>
-          </p:nvPr>
-        </p:nvSpPr>
-        <p:spPr/>
-        <p:txBody>
-          <a:bodyPr/>
-          <a:lstStyle/>
-          <a:p>
-            <a:fld id="{C263D6C4-4840-40CC-AC84-17E24B3B7BDE}" type="slidenum">
-              <a:rPr lang="en-US" smtClean="0"/>
-              <a:pPr/>
-              <a:t>16</a:t>
-            </a:fld>
-            <a:endParaRPr lang="en-US" dirty="0"/>
-          </a:p>
-        </p:txBody>
-      </p:sp>
-    </p:spTree>
-    <p:extLst>
-      <p:ext uri="{BB962C8B-B14F-4D97-AF65-F5344CB8AC3E}">
-        <p14:creationId xmlns:p14="http://schemas.microsoft.com/office/powerpoint/2010/main" val="451187730"/>
       </p:ext>
     </p:extLst>
   </p:cSld>
@@ -28321,6 +28329,228 @@
           <a:p>
             <a:r>
               <a:rPr lang="en-US" dirty="0"/>
+              <a:t>Content Title 03</a:t>
+            </a:r>
+          </a:p>
+        </p:txBody>
+      </p:sp>
+      <p:pic>
+        <p:nvPicPr>
+          <p:cNvPr id="20" name="Picture Placeholder 19" descr="Triangular pattern design with dimension">
+            <a:extLst>
+              <a:ext uri="{FF2B5EF4-FFF2-40B4-BE49-F238E27FC236}">
+                <a16:creationId xmlns:a16="http://schemas.microsoft.com/office/drawing/2014/main" xmlns="" id="{3DCA2B8E-64D3-7645-8DEB-688ED5756F52}"/>
+              </a:ext>
+            </a:extLst>
+          </p:cNvPr>
+          <p:cNvPicPr>
+            <a:picLocks noGrp="1" noChangeAspect="1"/>
+          </p:cNvPicPr>
+          <p:nvPr>
+            <p:ph type="pic" sz="quarter" idx="19"/>
+          </p:nvPr>
+        </p:nvPicPr>
+        <p:blipFill>
+          <a:blip r:embed="rId2">
+            <a:extLst>
+              <a:ext uri="{28A0092B-C50C-407E-A947-70E740481C1C}">
+                <a14:useLocalDpi xmlns:a14="http://schemas.microsoft.com/office/drawing/2010/main" val="0"/>
+              </a:ext>
+            </a:extLst>
+          </a:blip>
+          <a:srcRect/>
+          <a:stretch>
+            <a:fillRect/>
+          </a:stretch>
+        </p:blipFill>
+        <p:spPr/>
+      </p:pic>
+      <p:sp>
+        <p:nvSpPr>
+          <p:cNvPr id="19" name="Text Placeholder 18">
+            <a:extLst>
+              <a:ext uri="{FF2B5EF4-FFF2-40B4-BE49-F238E27FC236}">
+                <a16:creationId xmlns:a16="http://schemas.microsoft.com/office/drawing/2014/main" xmlns="" id="{782206B1-586F-4254-9B36-D06C4E294ACF}"/>
+              </a:ext>
+            </a:extLst>
+          </p:cNvPr>
+          <p:cNvSpPr>
+            <a:spLocks noGrp="1"/>
+          </p:cNvSpPr>
+          <p:nvPr>
+            <p:ph type="body" sz="quarter" idx="18"/>
+          </p:nvPr>
+        </p:nvSpPr>
+        <p:spPr/>
+        <p:txBody>
+          <a:bodyPr/>
+          <a:lstStyle/>
+          <a:p>
+            <a:r>
+              <a:rPr lang="en-US" dirty="0"/>
+              <a:t>Caption01 appears here</a:t>
+            </a:r>
+          </a:p>
+        </p:txBody>
+      </p:sp>
+      <p:sp>
+        <p:nvSpPr>
+          <p:cNvPr id="21" name="Text Placeholder 20">
+            <a:extLst>
+              <a:ext uri="{FF2B5EF4-FFF2-40B4-BE49-F238E27FC236}">
+                <a16:creationId xmlns:a16="http://schemas.microsoft.com/office/drawing/2014/main" xmlns="" id="{1B8F0371-4F69-4131-91BF-9AB99E6EE89B}"/>
+              </a:ext>
+            </a:extLst>
+          </p:cNvPr>
+          <p:cNvSpPr>
+            <a:spLocks noGrp="1"/>
+          </p:cNvSpPr>
+          <p:nvPr>
+            <p:ph type="body" sz="quarter" idx="20"/>
+          </p:nvPr>
+        </p:nvSpPr>
+        <p:spPr/>
+        <p:txBody>
+          <a:bodyPr/>
+          <a:lstStyle/>
+          <a:p>
+            <a:r>
+              <a:rPr lang="en-US" dirty="0"/>
+              <a:t>Caption03 appears here</a:t>
+            </a:r>
+          </a:p>
+        </p:txBody>
+      </p:sp>
+      <p:sp>
+        <p:nvSpPr>
+          <p:cNvPr id="22" name="Text Placeholder 21">
+            <a:extLst>
+              <a:ext uri="{FF2B5EF4-FFF2-40B4-BE49-F238E27FC236}">
+                <a16:creationId xmlns:a16="http://schemas.microsoft.com/office/drawing/2014/main" xmlns="" id="{78CACAF1-61EA-4605-A8FE-2EEE752B49FF}"/>
+              </a:ext>
+            </a:extLst>
+          </p:cNvPr>
+          <p:cNvSpPr>
+            <a:spLocks noGrp="1"/>
+          </p:cNvSpPr>
+          <p:nvPr>
+            <p:ph type="body" sz="quarter" idx="21"/>
+          </p:nvPr>
+        </p:nvSpPr>
+        <p:spPr/>
+        <p:txBody>
+          <a:bodyPr/>
+          <a:lstStyle/>
+          <a:p>
+            <a:r>
+              <a:rPr lang="en-US" dirty="0"/>
+              <a:t>Caption04 appears here</a:t>
+            </a:r>
+          </a:p>
+        </p:txBody>
+      </p:sp>
+      <p:sp>
+        <p:nvSpPr>
+          <p:cNvPr id="2" name="Slide Number Placeholder 1">
+            <a:extLst>
+              <a:ext uri="{FF2B5EF4-FFF2-40B4-BE49-F238E27FC236}">
+                <a16:creationId xmlns:a16="http://schemas.microsoft.com/office/drawing/2014/main" xmlns="" id="{2F478C69-0A1D-45FF-8600-ED903803FFE1}"/>
+              </a:ext>
+            </a:extLst>
+          </p:cNvPr>
+          <p:cNvSpPr>
+            <a:spLocks noGrp="1"/>
+          </p:cNvSpPr>
+          <p:nvPr>
+            <p:ph type="sldNum" sz="quarter" idx="12"/>
+          </p:nvPr>
+        </p:nvSpPr>
+        <p:spPr/>
+        <p:txBody>
+          <a:bodyPr/>
+          <a:lstStyle/>
+          <a:p>
+            <a:fld id="{C263D6C4-4840-40CC-AC84-17E24B3B7BDE}" type="slidenum">
+              <a:rPr lang="en-US" smtClean="0"/>
+              <a:pPr/>
+              <a:t>17</a:t>
+            </a:fld>
+            <a:endParaRPr lang="en-US" dirty="0"/>
+          </a:p>
+        </p:txBody>
+      </p:sp>
+    </p:spTree>
+    <p:extLst>
+      <p:ext uri="{BB962C8B-B14F-4D97-AF65-F5344CB8AC3E}">
+        <p14:creationId xmlns:p14="http://schemas.microsoft.com/office/powerpoint/2010/main" val="451187730"/>
+      </p:ext>
+    </p:extLst>
+  </p:cSld>
+  <p:clrMapOvr>
+    <a:masterClrMapping/>
+  </p:clrMapOvr>
+  <mc:AlternateContent xmlns:mc="http://schemas.openxmlformats.org/markup-compatibility/2006" xmlns:p14="http://schemas.microsoft.com/office/powerpoint/2010/main">
+    <mc:Choice Requires="p14">
+      <p:transition spd="med" p14:dur="700">
+        <p:fade/>
+      </p:transition>
+    </mc:Choice>
+    <mc:Fallback xmlns="">
+      <p:transition spd="med">
+        <p:fade/>
+      </p:transition>
+    </mc:Fallback>
+  </mc:AlternateContent>
+  <p:timing>
+    <p:tnLst>
+      <p:par>
+        <p:cTn id="1" dur="indefinite" restart="never" nodeType="tmRoot"/>
+      </p:par>
+    </p:tnLst>
+  </p:timing>
+</p:sld>
+</file>
+
+<file path=ppt/slides/slide18.xml><?xml version="1.0" encoding="utf-8"?>
+<p:sld xmlns:a="http://schemas.openxmlformats.org/drawingml/2006/main" xmlns:r="http://schemas.openxmlformats.org/officeDocument/2006/relationships" xmlns:p="http://schemas.openxmlformats.org/presentationml/2006/main">
+  <p:cSld>
+    <p:spTree>
+      <p:nvGrpSpPr>
+        <p:cNvPr id="1" name=""/>
+        <p:cNvGrpSpPr/>
+        <p:nvPr/>
+      </p:nvGrpSpPr>
+      <p:grpSpPr>
+        <a:xfrm>
+          <a:off x="0" y="0"/>
+          <a:ext cx="0" cy="0"/>
+          <a:chOff x="0" y="0"/>
+          <a:chExt cx="0" cy="0"/>
+        </a:xfrm>
+      </p:grpSpPr>
+      <p:sp>
+        <p:nvSpPr>
+          <p:cNvPr id="4" name="Title 3">
+            <a:extLst>
+              <a:ext uri="{FF2B5EF4-FFF2-40B4-BE49-F238E27FC236}">
+                <a16:creationId xmlns:a16="http://schemas.microsoft.com/office/drawing/2014/main" xmlns="" id="{315E3981-F0D7-482C-A8E0-6A57700BECA7}"/>
+              </a:ext>
+            </a:extLst>
+          </p:cNvPr>
+          <p:cNvSpPr>
+            <a:spLocks noGrp="1"/>
+          </p:cNvSpPr>
+          <p:nvPr>
+            <p:ph type="title"/>
+          </p:nvPr>
+        </p:nvSpPr>
+        <p:spPr/>
+        <p:txBody>
+          <a:bodyPr/>
+          <a:lstStyle/>
+          <a:p>
+            <a:r>
+              <a:rPr lang="en-US" dirty="0"/>
               <a:t>Content Title 04</a:t>
             </a:r>
           </a:p>
@@ -28418,7 +28648,7 @@
             <a:fld id="{C263D6C4-4840-40CC-AC84-17E24B3B7BDE}" type="slidenum">
               <a:rPr lang="en-US" smtClean="0"/>
               <a:pPr/>
-              <a:t>17</a:t>
+              <a:t>18</a:t>
             </a:fld>
             <a:endParaRPr lang="en-US" dirty="0"/>
           </a:p>
@@ -28449,7 +28679,7 @@
 </p:sld>
 </file>
 
-<file path=ppt/slides/slide18.xml><?xml version="1.0" encoding="utf-8"?>
+<file path=ppt/slides/slide19.xml><?xml version="1.0" encoding="utf-8"?>
 <p:sld xmlns:a="http://schemas.openxmlformats.org/drawingml/2006/main" xmlns:r="http://schemas.openxmlformats.org/officeDocument/2006/relationships" xmlns:p="http://schemas.openxmlformats.org/presentationml/2006/main">
   <p:cSld>
     <p:spTree>
@@ -30339,7 +30569,7 @@
             <a:fld id="{C263D6C4-4840-40CC-AC84-17E24B3B7BDE}" type="slidenum">
               <a:rPr lang="en-US" smtClean="0"/>
               <a:pPr/>
-              <a:t>18</a:t>
+              <a:t>19</a:t>
             </a:fld>
             <a:endParaRPr lang="en-US" dirty="0"/>
           </a:p>
@@ -30349,134 +30579,6 @@
     <p:extLst>
       <p:ext uri="{BB962C8B-B14F-4D97-AF65-F5344CB8AC3E}">
         <p14:creationId xmlns:p14="http://schemas.microsoft.com/office/powerpoint/2010/main" val="1065425595"/>
-      </p:ext>
-    </p:extLst>
-  </p:cSld>
-  <p:clrMapOvr>
-    <a:masterClrMapping/>
-  </p:clrMapOvr>
-  <mc:AlternateContent xmlns:mc="http://schemas.openxmlformats.org/markup-compatibility/2006" xmlns:p14="http://schemas.microsoft.com/office/powerpoint/2010/main">
-    <mc:Choice Requires="p14">
-      <p:transition spd="med" p14:dur="700">
-        <p:fade/>
-      </p:transition>
-    </mc:Choice>
-    <mc:Fallback xmlns="">
-      <p:transition spd="med">
-        <p:fade/>
-      </p:transition>
-    </mc:Fallback>
-  </mc:AlternateContent>
-</p:sld>
-</file>
-
-<file path=ppt/slides/slide19.xml><?xml version="1.0" encoding="utf-8"?>
-<p:sld xmlns:a="http://schemas.openxmlformats.org/drawingml/2006/main" xmlns:r="http://schemas.openxmlformats.org/officeDocument/2006/relationships" xmlns:p="http://schemas.openxmlformats.org/presentationml/2006/main">
-  <p:cSld>
-    <p:spTree>
-      <p:nvGrpSpPr>
-        <p:cNvPr id="1" name=""/>
-        <p:cNvGrpSpPr/>
-        <p:nvPr/>
-      </p:nvGrpSpPr>
-      <p:grpSpPr>
-        <a:xfrm>
-          <a:off x="0" y="0"/>
-          <a:ext cx="0" cy="0"/>
-          <a:chOff x="0" y="0"/>
-          <a:chExt cx="0" cy="0"/>
-        </a:xfrm>
-      </p:grpSpPr>
-      <p:sp>
-        <p:nvSpPr>
-          <p:cNvPr id="5" name="Title 4">
-            <a:extLst>
-              <a:ext uri="{FF2B5EF4-FFF2-40B4-BE49-F238E27FC236}">
-                <a16:creationId xmlns:a16="http://schemas.microsoft.com/office/drawing/2014/main" xmlns="" id="{201323FB-427E-4A8D-B473-AB0657D8D23B}"/>
-              </a:ext>
-            </a:extLst>
-          </p:cNvPr>
-          <p:cNvSpPr>
-            <a:spLocks noGrp="1"/>
-          </p:cNvSpPr>
-          <p:nvPr>
-            <p:ph type="title"/>
-          </p:nvPr>
-        </p:nvSpPr>
-        <p:spPr/>
-        <p:txBody>
-          <a:bodyPr/>
-          <a:lstStyle/>
-          <a:p>
-            <a:r>
-              <a:rPr lang="en-US" dirty="0"/>
-              <a:t>Chart</a:t>
-            </a:r>
-          </a:p>
-        </p:txBody>
-      </p:sp>
-      <p:graphicFrame>
-        <p:nvGraphicFramePr>
-          <p:cNvPr id="7" name="Chart 6" title="Gross Revenue Placeholder Chart">
-            <a:extLst>
-              <a:ext uri="{FF2B5EF4-FFF2-40B4-BE49-F238E27FC236}">
-                <a16:creationId xmlns:a16="http://schemas.microsoft.com/office/drawing/2014/main" xmlns="" id="{19AEAA04-4840-FB41-B910-5F3570D85F0A}"/>
-              </a:ext>
-            </a:extLst>
-          </p:cNvPr>
-          <p:cNvGraphicFramePr/>
-          <p:nvPr>
-            <p:extLst>
-              <p:ext uri="{D42A27DB-BD31-4B8C-83A1-F6EECF244321}">
-                <p14:modId xmlns:p14="http://schemas.microsoft.com/office/powerpoint/2010/main" val="654825679"/>
-              </p:ext>
-            </p:extLst>
-          </p:nvPr>
-        </p:nvGraphicFramePr>
-        <p:xfrm>
-          <a:off x="1250950" y="1712075"/>
-          <a:ext cx="9690100" cy="4444199"/>
-        </p:xfrm>
-        <a:graphic>
-          <a:graphicData uri="http://schemas.openxmlformats.org/drawingml/2006/chart">
-            <c:chart xmlns:c="http://schemas.openxmlformats.org/drawingml/2006/chart" xmlns:r="http://schemas.openxmlformats.org/officeDocument/2006/relationships" r:id="rId2"/>
-          </a:graphicData>
-        </a:graphic>
-      </p:graphicFrame>
-      <p:sp>
-        <p:nvSpPr>
-          <p:cNvPr id="2" name="Slide Number Placeholder 1">
-            <a:extLst>
-              <a:ext uri="{FF2B5EF4-FFF2-40B4-BE49-F238E27FC236}">
-                <a16:creationId xmlns:a16="http://schemas.microsoft.com/office/drawing/2014/main" xmlns="" id="{E4398C1C-6656-4A73-A680-62A81CDC27FD}"/>
-              </a:ext>
-            </a:extLst>
-          </p:cNvPr>
-          <p:cNvSpPr>
-            <a:spLocks noGrp="1"/>
-          </p:cNvSpPr>
-          <p:nvPr>
-            <p:ph type="sldNum" sz="quarter" idx="12"/>
-          </p:nvPr>
-        </p:nvSpPr>
-        <p:spPr/>
-        <p:txBody>
-          <a:bodyPr/>
-          <a:lstStyle/>
-          <a:p>
-            <a:fld id="{C263D6C4-4840-40CC-AC84-17E24B3B7BDE}" type="slidenum">
-              <a:rPr lang="en-US" smtClean="0"/>
-              <a:pPr/>
-              <a:t>19</a:t>
-            </a:fld>
-            <a:endParaRPr lang="en-US" dirty="0"/>
-          </a:p>
-        </p:txBody>
-      </p:sp>
-    </p:spTree>
-    <p:extLst>
-      <p:ext uri="{BB962C8B-B14F-4D97-AF65-F5344CB8AC3E}">
-        <p14:creationId xmlns:p14="http://schemas.microsoft.com/office/powerpoint/2010/main" val="3322300142"/>
       </p:ext>
     </p:extLst>
   </p:cSld>
@@ -30886,10 +30988,10 @@
       </p:grpSpPr>
       <p:sp>
         <p:nvSpPr>
-          <p:cNvPr id="6" name="Title 5">
+          <p:cNvPr id="5" name="Title 4">
             <a:extLst>
               <a:ext uri="{FF2B5EF4-FFF2-40B4-BE49-F238E27FC236}">
-                <a16:creationId xmlns:a16="http://schemas.microsoft.com/office/drawing/2014/main" xmlns="" id="{A4CD37D6-FE32-48E3-A3AD-F07BE6A19FA1}"/>
+                <a16:creationId xmlns:a16="http://schemas.microsoft.com/office/drawing/2014/main" xmlns="" id="{201323FB-427E-4A8D-B473-AB0657D8D23B}"/>
               </a:ext>
             </a:extLst>
           </p:cNvPr>
@@ -30900,44 +31002,52 @@
             <p:ph type="title"/>
           </p:nvPr>
         </p:nvSpPr>
-        <p:spPr>
-          <a:xfrm>
-            <a:off x="533399" y="3200400"/>
-            <a:ext cx="7551057" cy="2859313"/>
-          </a:xfrm>
-        </p:spPr>
+        <p:spPr/>
         <p:txBody>
           <a:bodyPr/>
           <a:lstStyle/>
           <a:p>
             <a:r>
               <a:rPr lang="en-US" dirty="0"/>
-              <a:t>Quote appears here </a:t>
+              <a:t>Chart</a:t>
             </a:r>
-            <a:br>
-              <a:rPr lang="en-US" dirty="0"/>
-            </a:br>
-            <a:r>
-              <a:rPr lang="en-US" dirty="0"/>
-              <a:t>Lorem ipsum dolor sit amet, consectetuer adipiscing elit.” </a:t>
-            </a:r>
-            <a:br>
-              <a:rPr lang="en-US" dirty="0"/>
-            </a:br>
-            <a:r>
-              <a:rPr lang="en-US" sz="2400" dirty="0"/>
-              <a:t>- Author</a:t>
-            </a:r>
-            <a:endParaRPr lang="en-US" dirty="0"/>
           </a:p>
         </p:txBody>
       </p:sp>
+      <p:graphicFrame>
+        <p:nvGraphicFramePr>
+          <p:cNvPr id="7" name="Chart 6" title="Gross Revenue Placeholder Chart">
+            <a:extLst>
+              <a:ext uri="{FF2B5EF4-FFF2-40B4-BE49-F238E27FC236}">
+                <a16:creationId xmlns:a16="http://schemas.microsoft.com/office/drawing/2014/main" xmlns="" id="{19AEAA04-4840-FB41-B910-5F3570D85F0A}"/>
+              </a:ext>
+            </a:extLst>
+          </p:cNvPr>
+          <p:cNvGraphicFramePr/>
+          <p:nvPr>
+            <p:extLst>
+              <p:ext uri="{D42A27DB-BD31-4B8C-83A1-F6EECF244321}">
+                <p14:modId xmlns:p14="http://schemas.microsoft.com/office/powerpoint/2010/main" val="654825679"/>
+              </p:ext>
+            </p:extLst>
+          </p:nvPr>
+        </p:nvGraphicFramePr>
+        <p:xfrm>
+          <a:off x="1250950" y="1712075"/>
+          <a:ext cx="9690100" cy="4444199"/>
+        </p:xfrm>
+        <a:graphic>
+          <a:graphicData uri="http://schemas.openxmlformats.org/drawingml/2006/chart">
+            <c:chart xmlns:c="http://schemas.openxmlformats.org/drawingml/2006/chart" xmlns:r="http://schemas.openxmlformats.org/officeDocument/2006/relationships" r:id="rId2"/>
+          </a:graphicData>
+        </a:graphic>
+      </p:graphicFrame>
       <p:sp>
         <p:nvSpPr>
           <p:cNvPr id="2" name="Slide Number Placeholder 1">
             <a:extLst>
               <a:ext uri="{FF2B5EF4-FFF2-40B4-BE49-F238E27FC236}">
-                <a16:creationId xmlns:a16="http://schemas.microsoft.com/office/drawing/2014/main" xmlns="" id="{8EDC7217-2779-44E0-9E6D-3B3879516A1D}"/>
+                <a16:creationId xmlns:a16="http://schemas.microsoft.com/office/drawing/2014/main" xmlns="" id="{E4398C1C-6656-4A73-A680-62A81CDC27FD}"/>
               </a:ext>
             </a:extLst>
           </p:cNvPr>
@@ -30965,7 +31075,7 @@
     </p:spTree>
     <p:extLst>
       <p:ext uri="{BB962C8B-B14F-4D97-AF65-F5344CB8AC3E}">
-        <p14:creationId xmlns:p14="http://schemas.microsoft.com/office/powerpoint/2010/main" val="914134537"/>
+        <p14:creationId xmlns:p14="http://schemas.microsoft.com/office/powerpoint/2010/main" val="3322300142"/>
       </p:ext>
     </p:extLst>
   </p:cSld>
@@ -31006,10 +31116,10 @@
       </p:grpSpPr>
       <p:sp>
         <p:nvSpPr>
-          <p:cNvPr id="2" name="Title 1">
+          <p:cNvPr id="6" name="Title 5">
             <a:extLst>
               <a:ext uri="{FF2B5EF4-FFF2-40B4-BE49-F238E27FC236}">
-                <a16:creationId xmlns:a16="http://schemas.microsoft.com/office/drawing/2014/main" xmlns="" id="{632BE5BF-9922-45FB-8F3F-4446D40A051B}"/>
+                <a16:creationId xmlns:a16="http://schemas.microsoft.com/office/drawing/2014/main" xmlns="" id="{A4CD37D6-FE32-48E3-A3AD-F07BE6A19FA1}"/>
               </a:ext>
             </a:extLst>
           </p:cNvPr>
@@ -31017,7 +31127,55 @@
             <a:spLocks noGrp="1"/>
           </p:cNvSpPr>
           <p:nvPr>
-            <p:ph type="ctrTitle"/>
+            <p:ph type="title"/>
+          </p:nvPr>
+        </p:nvSpPr>
+        <p:spPr>
+          <a:xfrm>
+            <a:off x="533399" y="3200400"/>
+            <a:ext cx="7551057" cy="2859313"/>
+          </a:xfrm>
+        </p:spPr>
+        <p:txBody>
+          <a:bodyPr/>
+          <a:lstStyle/>
+          <a:p>
+            <a:r>
+              <a:rPr lang="en-US" dirty="0"/>
+              <a:t>Quote appears here </a:t>
+            </a:r>
+            <a:br>
+              <a:rPr lang="en-US" dirty="0"/>
+            </a:br>
+            <a:r>
+              <a:rPr lang="en-US" dirty="0"/>
+              <a:t>Lorem ipsum dolor sit amet, consectetuer adipiscing elit.” </a:t>
+            </a:r>
+            <a:br>
+              <a:rPr lang="en-US" dirty="0"/>
+            </a:br>
+            <a:r>
+              <a:rPr lang="en-US" sz="2400" dirty="0"/>
+              <a:t>- Author</a:t>
+            </a:r>
+            <a:endParaRPr lang="en-US" dirty="0"/>
+          </a:p>
+        </p:txBody>
+      </p:sp>
+      <p:sp>
+        <p:nvSpPr>
+          <p:cNvPr id="2" name="Slide Number Placeholder 1">
+            <a:extLst>
+              <a:ext uri="{FF2B5EF4-FFF2-40B4-BE49-F238E27FC236}">
+                <a16:creationId xmlns:a16="http://schemas.microsoft.com/office/drawing/2014/main" xmlns="" id="{8EDC7217-2779-44E0-9E6D-3B3879516A1D}"/>
+              </a:ext>
+            </a:extLst>
+          </p:cNvPr>
+          <p:cNvSpPr>
+            <a:spLocks noGrp="1"/>
+          </p:cNvSpPr>
+          <p:nvPr>
+            <p:ph type="sldNum" sz="quarter" idx="12"/>
           </p:nvPr>
         </p:nvSpPr>
         <p:spPr/>
@@ -31025,27 +31183,37 @@
           <a:bodyPr/>
           <a:lstStyle/>
           <a:p>
-            <a:r>
-              <a:rPr lang="en-US" dirty="0"/>
-              <a:t>Thank You 1</a:t>
-            </a:r>
-            <a:endParaRPr lang="en-GB" dirty="0"/>
+            <a:fld id="{C263D6C4-4840-40CC-AC84-17E24B3B7BDE}" type="slidenum">
+              <a:rPr lang="en-US" smtClean="0"/>
+              <a:pPr/>
+              <a:t>21</a:t>
+            </a:fld>
+            <a:endParaRPr lang="en-US" dirty="0"/>
           </a:p>
         </p:txBody>
       </p:sp>
     </p:spTree>
     <p:extLst>
       <p:ext uri="{BB962C8B-B14F-4D97-AF65-F5344CB8AC3E}">
-        <p14:creationId xmlns:p14="http://schemas.microsoft.com/office/powerpoint/2010/main" val="429771863"/>
+        <p14:creationId xmlns:p14="http://schemas.microsoft.com/office/powerpoint/2010/main" val="914134537"/>
       </p:ext>
     </p:extLst>
   </p:cSld>
   <p:clrMapOvr>
     <a:masterClrMapping/>
   </p:clrMapOvr>
-  <p:transition spd="slow">
-    <p:wipe/>
-  </p:transition>
+  <mc:AlternateContent xmlns:mc="http://schemas.openxmlformats.org/markup-compatibility/2006" xmlns:p14="http://schemas.microsoft.com/office/powerpoint/2010/main">
+    <mc:Choice Requires="p14">
+      <p:transition spd="med" p14:dur="700">
+        <p:fade/>
+      </p:transition>
+    </mc:Choice>
+    <mc:Fallback xmlns="">
+      <p:transition spd="med">
+        <p:fade/>
+      </p:transition>
+    </mc:Fallback>
+  </mc:AlternateContent>
 </p:sld>
 </file>
 
@@ -31089,6 +31257,68 @@
           <a:p>
             <a:r>
               <a:rPr lang="en-US" dirty="0"/>
+              <a:t>Thank You 1</a:t>
+            </a:r>
+            <a:endParaRPr lang="en-GB" dirty="0"/>
+          </a:p>
+        </p:txBody>
+      </p:sp>
+    </p:spTree>
+    <p:extLst>
+      <p:ext uri="{BB962C8B-B14F-4D97-AF65-F5344CB8AC3E}">
+        <p14:creationId xmlns:p14="http://schemas.microsoft.com/office/powerpoint/2010/main" val="429771863"/>
+      </p:ext>
+    </p:extLst>
+  </p:cSld>
+  <p:clrMapOvr>
+    <a:masterClrMapping/>
+  </p:clrMapOvr>
+  <p:transition spd="slow">
+    <p:wipe/>
+  </p:transition>
+</p:sld>
+</file>
+
+<file path=ppt/slides/slide23.xml><?xml version="1.0" encoding="utf-8"?>
+<p:sld xmlns:a="http://schemas.openxmlformats.org/drawingml/2006/main" xmlns:r="http://schemas.openxmlformats.org/officeDocument/2006/relationships" xmlns:p="http://schemas.openxmlformats.org/presentationml/2006/main">
+  <p:cSld>
+    <p:spTree>
+      <p:nvGrpSpPr>
+        <p:cNvPr id="1" name=""/>
+        <p:cNvGrpSpPr/>
+        <p:nvPr/>
+      </p:nvGrpSpPr>
+      <p:grpSpPr>
+        <a:xfrm>
+          <a:off x="0" y="0"/>
+          <a:ext cx="0" cy="0"/>
+          <a:chOff x="0" y="0"/>
+          <a:chExt cx="0" cy="0"/>
+        </a:xfrm>
+      </p:grpSpPr>
+      <p:sp>
+        <p:nvSpPr>
+          <p:cNvPr id="2" name="Title 1">
+            <a:extLst>
+              <a:ext uri="{FF2B5EF4-FFF2-40B4-BE49-F238E27FC236}">
+                <a16:creationId xmlns:a16="http://schemas.microsoft.com/office/drawing/2014/main" xmlns="" id="{632BE5BF-9922-45FB-8F3F-4446D40A051B}"/>
+              </a:ext>
+            </a:extLst>
+          </p:cNvPr>
+          <p:cNvSpPr>
+            <a:spLocks noGrp="1"/>
+          </p:cNvSpPr>
+          <p:nvPr>
+            <p:ph type="ctrTitle"/>
+          </p:nvPr>
+        </p:nvSpPr>
+        <p:spPr/>
+        <p:txBody>
+          <a:bodyPr/>
+          <a:lstStyle/>
+          <a:p>
+            <a:r>
+              <a:rPr lang="en-US" dirty="0"/>
               <a:t>Thank You 2</a:t>
             </a:r>
             <a:endParaRPr lang="en-GB" dirty="0"/>
@@ -31111,7 +31341,7 @@
 </p:sld>
 </file>
 
-<file path=ppt/slides/slide23.xml><?xml version="1.0" encoding="utf-8"?>
+<file path=ppt/slides/slide24.xml><?xml version="1.0" encoding="utf-8"?>
 <p:sld xmlns:a="http://schemas.openxmlformats.org/drawingml/2006/main" xmlns:r="http://schemas.openxmlformats.org/officeDocument/2006/relationships" xmlns:p="http://schemas.openxmlformats.org/presentationml/2006/main">
   <p:cSld>
     <p:spTree>
@@ -31180,7 +31410,7 @@
             <a:fld id="{C263D6C4-4840-40CC-AC84-17E24B3B7BDE}" type="slidenum">
               <a:rPr lang="en-US" smtClean="0"/>
               <a:pPr/>
-              <a:t>23</a:t>
+              <a:t>24</a:t>
             </a:fld>
             <a:endParaRPr lang="en-US" dirty="0"/>
           </a:p>

--- a/Selenium/Specflow/Web Automation Test with Specflow.pptx
+++ b/Selenium/Specflow/Web Automation Test with Specflow.pptx
@@ -5,10 +5,10 @@
     <p:sldMasterId id="2147483648" r:id="rId4"/>
   </p:sldMasterIdLst>
   <p:notesMasterIdLst>
-    <p:notesMasterId r:id="rId29"/>
+    <p:notesMasterId r:id="rId22"/>
   </p:notesMasterIdLst>
   <p:handoutMasterIdLst>
-    <p:handoutMasterId r:id="rId30"/>
+    <p:handoutMasterId r:id="rId23"/>
   </p:handoutMasterIdLst>
   <p:sldIdLst>
     <p:sldId id="256" r:id="rId5"/>
@@ -26,15 +26,8 @@
     <p:sldId id="293" r:id="rId17"/>
     <p:sldId id="294" r:id="rId18"/>
     <p:sldId id="296" r:id="rId19"/>
-    <p:sldId id="262" r:id="rId20"/>
-    <p:sldId id="283" r:id="rId21"/>
-    <p:sldId id="264" r:id="rId22"/>
-    <p:sldId id="266" r:id="rId23"/>
-    <p:sldId id="284" r:id="rId24"/>
-    <p:sldId id="267" r:id="rId25"/>
-    <p:sldId id="269" r:id="rId26"/>
-    <p:sldId id="268" r:id="rId27"/>
-    <p:sldId id="285" r:id="rId28"/>
+    <p:sldId id="297" r:id="rId20"/>
+    <p:sldId id="269" r:id="rId21"/>
   </p:sldIdLst>
   <p:sldSz cx="12192000" cy="6858000"/>
   <p:notesSz cx="6858000" cy="9144000"/>
@@ -153,917 +146,6 @@
     </p:ext>
   </p:extLst>
 </p:presentation>
-</file>
-
-<file path=ppt/charts/chart1.xml><?xml version="1.0" encoding="utf-8"?>
-<c:chartSpace xmlns:c="http://schemas.openxmlformats.org/drawingml/2006/chart" xmlns:a="http://schemas.openxmlformats.org/drawingml/2006/main" xmlns:r="http://schemas.openxmlformats.org/officeDocument/2006/relationships">
-  <c:date1904 val="0"/>
-  <c:lang val="en-US"/>
-  <c:roundedCorners val="0"/>
-  <mc:AlternateContent xmlns:mc="http://schemas.openxmlformats.org/markup-compatibility/2006">
-    <mc:Choice xmlns:c14="http://schemas.microsoft.com/office/drawing/2007/8/2/chart" Requires="c14">
-      <c14:style val="102"/>
-    </mc:Choice>
-    <mc:Fallback>
-      <c:style val="2"/>
-    </mc:Fallback>
-  </mc:AlternateContent>
-  <c:chart>
-    <c:autoTitleDeleted val="1"/>
-    <c:plotArea>
-      <c:layout/>
-      <c:barChart>
-        <c:barDir val="col"/>
-        <c:grouping val="clustered"/>
-        <c:varyColors val="0"/>
-        <c:ser>
-          <c:idx val="0"/>
-          <c:order val="0"/>
-          <c:tx>
-            <c:strRef>
-              <c:f>Sheet1!$B$1</c:f>
-              <c:strCache>
-                <c:ptCount val="1"/>
-                <c:pt idx="0">
-                  <c:v>Series 1</c:v>
-                </c:pt>
-              </c:strCache>
-            </c:strRef>
-          </c:tx>
-          <c:spPr>
-            <a:solidFill>
-              <a:schemeClr val="accent3"/>
-            </a:solidFill>
-            <a:ln>
-              <a:noFill/>
-            </a:ln>
-            <a:effectLst/>
-          </c:spPr>
-          <c:invertIfNegative val="0"/>
-          <c:dPt>
-            <c:idx val="1"/>
-            <c:invertIfNegative val="0"/>
-            <c:bubble3D val="0"/>
-            <c:spPr>
-              <a:pattFill prst="ltUpDiag">
-                <a:fgClr>
-                  <a:schemeClr val="accent1">
-                    <a:lumMod val="50000"/>
-                  </a:schemeClr>
-                </a:fgClr>
-                <a:bgClr>
-                  <a:schemeClr val="accent6"/>
-                </a:bgClr>
-              </a:pattFill>
-              <a:ln w="12700">
-                <a:solidFill>
-                  <a:schemeClr val="accent6">
-                    <a:lumMod val="60000"/>
-                    <a:lumOff val="40000"/>
-                  </a:schemeClr>
-                </a:solidFill>
-              </a:ln>
-              <a:effectLst/>
-            </c:spPr>
-            <c:extLst xmlns:c16r2="http://schemas.microsoft.com/office/drawing/2015/06/chart">
-              <c:ext xmlns:c16="http://schemas.microsoft.com/office/drawing/2014/chart" uri="{C3380CC4-5D6E-409C-BE32-E72D297353CC}">
-                <c16:uniqueId val="{00000001-73FB-9843-92B3-91A80E32B7C5}"/>
-              </c:ext>
-            </c:extLst>
-          </c:dPt>
-          <c:dPt>
-            <c:idx val="2"/>
-            <c:invertIfNegative val="0"/>
-            <c:bubble3D val="0"/>
-            <c:spPr>
-              <a:pattFill prst="ltUpDiag">
-                <a:fgClr>
-                  <a:schemeClr val="accent1">
-                    <a:lumMod val="50000"/>
-                  </a:schemeClr>
-                </a:fgClr>
-                <a:bgClr>
-                  <a:schemeClr val="accent3"/>
-                </a:bgClr>
-              </a:pattFill>
-              <a:ln w="12700">
-                <a:solidFill>
-                  <a:schemeClr val="accent3">
-                    <a:lumMod val="60000"/>
-                    <a:lumOff val="40000"/>
-                  </a:schemeClr>
-                </a:solidFill>
-              </a:ln>
-              <a:effectLst/>
-            </c:spPr>
-            <c:extLst xmlns:c16r2="http://schemas.microsoft.com/office/drawing/2015/06/chart">
-              <c:ext xmlns:c16="http://schemas.microsoft.com/office/drawing/2014/chart" uri="{C3380CC4-5D6E-409C-BE32-E72D297353CC}">
-                <c16:uniqueId val="{00000007-73FB-9843-92B3-91A80E32B7C5}"/>
-              </c:ext>
-            </c:extLst>
-          </c:dPt>
-          <c:dPt>
-            <c:idx val="3"/>
-            <c:invertIfNegative val="0"/>
-            <c:bubble3D val="0"/>
-            <c:spPr>
-              <a:pattFill prst="ltUpDiag">
-                <a:fgClr>
-                  <a:schemeClr val="accent1">
-                    <a:lumMod val="50000"/>
-                  </a:schemeClr>
-                </a:fgClr>
-                <a:bgClr>
-                  <a:schemeClr val="accent1">
-                    <a:lumMod val="60000"/>
-                    <a:lumOff val="40000"/>
-                  </a:schemeClr>
-                </a:bgClr>
-              </a:pattFill>
-              <a:ln w="12700">
-                <a:solidFill>
-                  <a:schemeClr val="accent1">
-                    <a:lumMod val="40000"/>
-                    <a:lumOff val="60000"/>
-                  </a:schemeClr>
-                </a:solidFill>
-              </a:ln>
-              <a:effectLst/>
-            </c:spPr>
-            <c:extLst xmlns:c16r2="http://schemas.microsoft.com/office/drawing/2015/06/chart">
-              <c:ext xmlns:c16="http://schemas.microsoft.com/office/drawing/2014/chart" uri="{C3380CC4-5D6E-409C-BE32-E72D297353CC}">
-                <c16:uniqueId val="{00000003-73FB-9843-92B3-91A80E32B7C5}"/>
-              </c:ext>
-            </c:extLst>
-          </c:dPt>
-          <c:dPt>
-            <c:idx val="4"/>
-            <c:invertIfNegative val="0"/>
-            <c:bubble3D val="0"/>
-            <c:spPr>
-              <a:pattFill prst="ltUpDiag">
-                <a:fgClr>
-                  <a:schemeClr val="accent1">
-                    <a:lumMod val="50000"/>
-                  </a:schemeClr>
-                </a:fgClr>
-                <a:bgClr>
-                  <a:schemeClr val="accent2"/>
-                </a:bgClr>
-              </a:pattFill>
-              <a:ln w="12700">
-                <a:solidFill>
-                  <a:schemeClr val="accent2">
-                    <a:lumMod val="60000"/>
-                    <a:lumOff val="40000"/>
-                  </a:schemeClr>
-                </a:solidFill>
-              </a:ln>
-              <a:effectLst/>
-            </c:spPr>
-            <c:extLst xmlns:c16r2="http://schemas.microsoft.com/office/drawing/2015/06/chart">
-              <c:ext xmlns:c16="http://schemas.microsoft.com/office/drawing/2014/chart" uri="{C3380CC4-5D6E-409C-BE32-E72D297353CC}">
-                <c16:uniqueId val="{00000005-73FB-9843-92B3-91A80E32B7C5}"/>
-              </c:ext>
-            </c:extLst>
-          </c:dPt>
-          <c:cat>
-            <c:strRef>
-              <c:f>Sheet1!$A$2:$A$6</c:f>
-              <c:strCache>
-                <c:ptCount val="5"/>
-                <c:pt idx="0">
-                  <c:v>20YY</c:v>
-                </c:pt>
-                <c:pt idx="1">
-                  <c:v>20YY</c:v>
-                </c:pt>
-                <c:pt idx="2">
-                  <c:v>20YY</c:v>
-                </c:pt>
-                <c:pt idx="3">
-                  <c:v>20YY</c:v>
-                </c:pt>
-                <c:pt idx="4">
-                  <c:v>20YY</c:v>
-                </c:pt>
-              </c:strCache>
-            </c:strRef>
-          </c:cat>
-          <c:val>
-            <c:numRef>
-              <c:f>Sheet1!$B$2:$B$6</c:f>
-              <c:numCache>
-                <c:formatCode>[$$-409]#,##0</c:formatCode>
-                <c:ptCount val="5"/>
-                <c:pt idx="0">
-                  <c:v>0</c:v>
-                </c:pt>
-                <c:pt idx="1">
-                  <c:v>6750</c:v>
-                </c:pt>
-                <c:pt idx="2">
-                  <c:v>33750</c:v>
-                </c:pt>
-                <c:pt idx="3">
-                  <c:v>135000</c:v>
-                </c:pt>
-                <c:pt idx="4">
-                  <c:v>270000</c:v>
-                </c:pt>
-              </c:numCache>
-            </c:numRef>
-          </c:val>
-          <c:extLst xmlns:c16r2="http://schemas.microsoft.com/office/drawing/2015/06/chart">
-            <c:ext xmlns:c16="http://schemas.microsoft.com/office/drawing/2014/chart" uri="{C3380CC4-5D6E-409C-BE32-E72D297353CC}">
-              <c16:uniqueId val="{00000006-73FB-9843-92B3-91A80E32B7C5}"/>
-            </c:ext>
-          </c:extLst>
-        </c:ser>
-        <c:dLbls>
-          <c:showLegendKey val="0"/>
-          <c:showVal val="0"/>
-          <c:showCatName val="0"/>
-          <c:showSerName val="0"/>
-          <c:showPercent val="0"/>
-          <c:showBubbleSize val="0"/>
-        </c:dLbls>
-        <c:gapWidth val="24"/>
-        <c:axId val="629011632"/>
-        <c:axId val="629012808"/>
-      </c:barChart>
-      <c:catAx>
-        <c:axId val="629011632"/>
-        <c:scaling>
-          <c:orientation val="minMax"/>
-        </c:scaling>
-        <c:delete val="0"/>
-        <c:axPos val="b"/>
-        <c:numFmt formatCode="General" sourceLinked="1"/>
-        <c:majorTickMark val="none"/>
-        <c:minorTickMark val="none"/>
-        <c:tickLblPos val="nextTo"/>
-        <c:spPr>
-          <a:noFill/>
-          <a:ln w="9525" cap="flat" cmpd="sng" algn="ctr">
-            <a:solidFill>
-              <a:schemeClr val="tx1">
-                <a:lumMod val="15000"/>
-                <a:lumOff val="85000"/>
-              </a:schemeClr>
-            </a:solidFill>
-            <a:round/>
-          </a:ln>
-          <a:effectLst/>
-        </c:spPr>
-        <c:txPr>
-          <a:bodyPr rot="-60000000" spcFirstLastPara="1" vertOverflow="ellipsis" vert="horz" wrap="square" anchor="ctr" anchorCtr="1"/>
-          <a:lstStyle/>
-          <a:p>
-            <a:pPr>
-              <a:defRPr sz="1197" b="0" i="0" u="none" strike="noStrike" kern="1200" baseline="0">
-                <a:solidFill>
-                  <a:schemeClr val="bg1"/>
-                </a:solidFill>
-                <a:latin typeface="+mn-lt"/>
-                <a:ea typeface="+mn-ea"/>
-                <a:cs typeface="+mn-cs"/>
-              </a:defRPr>
-            </a:pPr>
-            <a:endParaRPr lang="en-US"/>
-          </a:p>
-        </c:txPr>
-        <c:crossAx val="629012808"/>
-        <c:crosses val="autoZero"/>
-        <c:auto val="1"/>
-        <c:lblAlgn val="ctr"/>
-        <c:lblOffset val="100"/>
-        <c:noMultiLvlLbl val="0"/>
-      </c:catAx>
-      <c:valAx>
-        <c:axId val="629012808"/>
-        <c:scaling>
-          <c:orientation val="minMax"/>
-        </c:scaling>
-        <c:delete val="0"/>
-        <c:axPos val="l"/>
-        <c:numFmt formatCode="[$$-409]#,##0" sourceLinked="1"/>
-        <c:majorTickMark val="none"/>
-        <c:minorTickMark val="none"/>
-        <c:tickLblPos val="nextTo"/>
-        <c:spPr>
-          <a:noFill/>
-          <a:ln>
-            <a:noFill/>
-          </a:ln>
-          <a:effectLst/>
-        </c:spPr>
-        <c:txPr>
-          <a:bodyPr rot="-60000000" spcFirstLastPara="1" vertOverflow="ellipsis" vert="horz" wrap="square" anchor="ctr" anchorCtr="1"/>
-          <a:lstStyle/>
-          <a:p>
-            <a:pPr>
-              <a:defRPr sz="1197" b="0" i="0" u="none" strike="noStrike" kern="1200" baseline="0">
-                <a:solidFill>
-                  <a:schemeClr val="bg1"/>
-                </a:solidFill>
-                <a:latin typeface="+mn-lt"/>
-                <a:ea typeface="+mn-ea"/>
-                <a:cs typeface="+mn-cs"/>
-              </a:defRPr>
-            </a:pPr>
-            <a:endParaRPr lang="en-US"/>
-          </a:p>
-        </c:txPr>
-        <c:crossAx val="629011632"/>
-        <c:crosses val="autoZero"/>
-        <c:crossBetween val="between"/>
-      </c:valAx>
-      <c:spPr>
-        <a:noFill/>
-        <a:ln>
-          <a:noFill/>
-        </a:ln>
-        <a:effectLst/>
-      </c:spPr>
-    </c:plotArea>
-    <c:plotVisOnly val="1"/>
-    <c:dispBlanksAs val="gap"/>
-    <c:showDLblsOverMax val="0"/>
-    <c:extLst xmlns:c16r2="http://schemas.microsoft.com/office/drawing/2015/06/chart">
-      <c:ext xmlns:c16r3="http://schemas.microsoft.com/office/drawing/2017/03/chart" uri="{56B9EC1D-385E-4148-901F-78D8002777C0}">
-        <c16r3:dataDisplayOptions16>
-          <c16r3:dispNaAsBlank val="1"/>
-        </c16r3:dataDisplayOptions16>
-      </c:ext>
-    </c:extLst>
-  </c:chart>
-  <c:spPr>
-    <a:noFill/>
-    <a:ln>
-      <a:noFill/>
-    </a:ln>
-    <a:effectLst/>
-  </c:spPr>
-  <c:txPr>
-    <a:bodyPr/>
-    <a:lstStyle/>
-    <a:p>
-      <a:pPr>
-        <a:defRPr>
-          <a:latin typeface="+mn-lt"/>
-        </a:defRPr>
-      </a:pPr>
-      <a:endParaRPr lang="en-US"/>
-    </a:p>
-  </c:txPr>
-  <c:externalData r:id="rId3">
-    <c:autoUpdate val="0"/>
-  </c:externalData>
-</c:chartSpace>
-</file>
-
-<file path=ppt/charts/colors1.xml><?xml version="1.0" encoding="utf-8"?>
-<cs:colorStyle xmlns:cs="http://schemas.microsoft.com/office/drawing/2012/chartStyle" xmlns:a="http://schemas.openxmlformats.org/drawingml/2006/main" meth="cycle" id="10">
-  <a:schemeClr val="accent1"/>
-  <a:schemeClr val="accent2"/>
-  <a:schemeClr val="accent3"/>
-  <a:schemeClr val="accent4"/>
-  <a:schemeClr val="accent5"/>
-  <a:schemeClr val="accent6"/>
-  <cs:variation/>
-  <cs:variation>
-    <a:lumMod val="60000"/>
-  </cs:variation>
-  <cs:variation>
-    <a:lumMod val="80000"/>
-    <a:lumOff val="20000"/>
-  </cs:variation>
-  <cs:variation>
-    <a:lumMod val="80000"/>
-  </cs:variation>
-  <cs:variation>
-    <a:lumMod val="60000"/>
-    <a:lumOff val="40000"/>
-  </cs:variation>
-  <cs:variation>
-    <a:lumMod val="50000"/>
-  </cs:variation>
-  <cs:variation>
-    <a:lumMod val="70000"/>
-    <a:lumOff val="30000"/>
-  </cs:variation>
-  <cs:variation>
-    <a:lumMod val="70000"/>
-  </cs:variation>
-  <cs:variation>
-    <a:lumMod val="50000"/>
-    <a:lumOff val="50000"/>
-  </cs:variation>
-</cs:colorStyle>
-</file>
-
-<file path=ppt/charts/style1.xml><?xml version="1.0" encoding="utf-8"?>
-<cs:chartStyle xmlns:cs="http://schemas.microsoft.com/office/drawing/2012/chartStyle" xmlns:a="http://schemas.openxmlformats.org/drawingml/2006/main" id="201">
-  <cs:axisTitle>
-    <cs:lnRef idx="0"/>
-    <cs:fillRef idx="0"/>
-    <cs:effectRef idx="0"/>
-    <cs:fontRef idx="minor">
-      <a:schemeClr val="tx1">
-        <a:lumMod val="65000"/>
-        <a:lumOff val="35000"/>
-      </a:schemeClr>
-    </cs:fontRef>
-    <cs:defRPr sz="1330" kern="1200"/>
-  </cs:axisTitle>
-  <cs:categoryAxis>
-    <cs:lnRef idx="0"/>
-    <cs:fillRef idx="0"/>
-    <cs:effectRef idx="0"/>
-    <cs:fontRef idx="minor">
-      <a:schemeClr val="tx1">
-        <a:lumMod val="65000"/>
-        <a:lumOff val="35000"/>
-      </a:schemeClr>
-    </cs:fontRef>
-    <cs:spPr>
-      <a:ln w="9525" cap="flat" cmpd="sng" algn="ctr">
-        <a:solidFill>
-          <a:schemeClr val="tx1">
-            <a:lumMod val="15000"/>
-            <a:lumOff val="85000"/>
-          </a:schemeClr>
-        </a:solidFill>
-        <a:round/>
-      </a:ln>
-    </cs:spPr>
-    <cs:defRPr sz="1197" kern="1200"/>
-  </cs:categoryAxis>
-  <cs:chartArea mods="allowNoFillOverride allowNoLineOverride">
-    <cs:lnRef idx="0"/>
-    <cs:fillRef idx="0"/>
-    <cs:effectRef idx="0"/>
-    <cs:fontRef idx="minor">
-      <a:schemeClr val="tx1"/>
-    </cs:fontRef>
-    <cs:spPr>
-      <a:solidFill>
-        <a:schemeClr val="bg1"/>
-      </a:solidFill>
-      <a:ln w="9525" cap="flat" cmpd="sng" algn="ctr">
-        <a:solidFill>
-          <a:schemeClr val="tx1">
-            <a:lumMod val="15000"/>
-            <a:lumOff val="85000"/>
-          </a:schemeClr>
-        </a:solidFill>
-        <a:round/>
-      </a:ln>
-    </cs:spPr>
-    <cs:defRPr sz="1330" kern="1200"/>
-  </cs:chartArea>
-  <cs:dataLabel>
-    <cs:lnRef idx="0"/>
-    <cs:fillRef idx="0"/>
-    <cs:effectRef idx="0"/>
-    <cs:fontRef idx="minor">
-      <a:schemeClr val="tx1">
-        <a:lumMod val="75000"/>
-        <a:lumOff val="25000"/>
-      </a:schemeClr>
-    </cs:fontRef>
-    <cs:defRPr sz="1197" kern="1200"/>
-  </cs:dataLabel>
-  <cs:dataLabelCallout>
-    <cs:lnRef idx="0"/>
-    <cs:fillRef idx="0"/>
-    <cs:effectRef idx="0"/>
-    <cs:fontRef idx="minor">
-      <a:schemeClr val="dk1">
-        <a:lumMod val="65000"/>
-        <a:lumOff val="35000"/>
-      </a:schemeClr>
-    </cs:fontRef>
-    <cs:spPr>
-      <a:solidFill>
-        <a:schemeClr val="lt1"/>
-      </a:solidFill>
-      <a:ln>
-        <a:solidFill>
-          <a:schemeClr val="dk1">
-            <a:lumMod val="25000"/>
-            <a:lumOff val="75000"/>
-          </a:schemeClr>
-        </a:solidFill>
-      </a:ln>
-    </cs:spPr>
-    <cs:defRPr sz="1197" kern="1200"/>
-    <cs:bodyPr rot="0" spcFirstLastPara="1" vertOverflow="clip" horzOverflow="clip" vert="horz" wrap="square" lIns="36576" tIns="18288" rIns="36576" bIns="18288" anchor="ctr" anchorCtr="1">
-      <a:spAutoFit/>
-    </cs:bodyPr>
-  </cs:dataLabelCallout>
-  <cs:dataPoint>
-    <cs:lnRef idx="0"/>
-    <cs:fillRef idx="1">
-      <cs:styleClr val="auto"/>
-    </cs:fillRef>
-    <cs:effectRef idx="0"/>
-    <cs:fontRef idx="minor">
-      <a:schemeClr val="tx1"/>
-    </cs:fontRef>
-  </cs:dataPoint>
-  <cs:dataPoint3D>
-    <cs:lnRef idx="0"/>
-    <cs:fillRef idx="1">
-      <cs:styleClr val="auto"/>
-    </cs:fillRef>
-    <cs:effectRef idx="0"/>
-    <cs:fontRef idx="minor">
-      <a:schemeClr val="tx1"/>
-    </cs:fontRef>
-  </cs:dataPoint3D>
-  <cs:dataPointLine>
-    <cs:lnRef idx="0">
-      <cs:styleClr val="auto"/>
-    </cs:lnRef>
-    <cs:fillRef idx="1"/>
-    <cs:effectRef idx="0"/>
-    <cs:fontRef idx="minor">
-      <a:schemeClr val="tx1"/>
-    </cs:fontRef>
-    <cs:spPr>
-      <a:ln w="28575" cap="rnd">
-        <a:solidFill>
-          <a:schemeClr val="phClr"/>
-        </a:solidFill>
-        <a:round/>
-      </a:ln>
-    </cs:spPr>
-  </cs:dataPointLine>
-  <cs:dataPointMarker>
-    <cs:lnRef idx="0">
-      <cs:styleClr val="auto"/>
-    </cs:lnRef>
-    <cs:fillRef idx="1">
-      <cs:styleClr val="auto"/>
-    </cs:fillRef>
-    <cs:effectRef idx="0"/>
-    <cs:fontRef idx="minor">
-      <a:schemeClr val="tx1"/>
-    </cs:fontRef>
-    <cs:spPr>
-      <a:ln w="9525">
-        <a:solidFill>
-          <a:schemeClr val="phClr"/>
-        </a:solidFill>
-      </a:ln>
-    </cs:spPr>
-  </cs:dataPointMarker>
-  <cs:dataPointMarkerLayout symbol="circle" size="5"/>
-  <cs:dataPointWireframe>
-    <cs:lnRef idx="0">
-      <cs:styleClr val="auto"/>
-    </cs:lnRef>
-    <cs:fillRef idx="1"/>
-    <cs:effectRef idx="0"/>
-    <cs:fontRef idx="minor">
-      <a:schemeClr val="tx1"/>
-    </cs:fontRef>
-    <cs:spPr>
-      <a:ln w="9525" cap="rnd">
-        <a:solidFill>
-          <a:schemeClr val="phClr"/>
-        </a:solidFill>
-        <a:round/>
-      </a:ln>
-    </cs:spPr>
-  </cs:dataPointWireframe>
-  <cs:dataTable>
-    <cs:lnRef idx="0"/>
-    <cs:fillRef idx="0"/>
-    <cs:effectRef idx="0"/>
-    <cs:fontRef idx="minor">
-      <a:schemeClr val="tx1">
-        <a:lumMod val="65000"/>
-        <a:lumOff val="35000"/>
-      </a:schemeClr>
-    </cs:fontRef>
-    <cs:spPr>
-      <a:noFill/>
-      <a:ln w="9525" cap="flat" cmpd="sng" algn="ctr">
-        <a:solidFill>
-          <a:schemeClr val="tx1">
-            <a:lumMod val="15000"/>
-            <a:lumOff val="85000"/>
-          </a:schemeClr>
-        </a:solidFill>
-        <a:round/>
-      </a:ln>
-    </cs:spPr>
-    <cs:defRPr sz="1197" kern="1200"/>
-  </cs:dataTable>
-  <cs:downBar>
-    <cs:lnRef idx="0"/>
-    <cs:fillRef idx="0"/>
-    <cs:effectRef idx="0"/>
-    <cs:fontRef idx="minor">
-      <a:schemeClr val="dk1"/>
-    </cs:fontRef>
-    <cs:spPr>
-      <a:solidFill>
-        <a:schemeClr val="dk1">
-          <a:lumMod val="65000"/>
-          <a:lumOff val="35000"/>
-        </a:schemeClr>
-      </a:solidFill>
-      <a:ln w="9525">
-        <a:solidFill>
-          <a:schemeClr val="tx1">
-            <a:lumMod val="65000"/>
-            <a:lumOff val="35000"/>
-          </a:schemeClr>
-        </a:solidFill>
-      </a:ln>
-    </cs:spPr>
-  </cs:downBar>
-  <cs:dropLine>
-    <cs:lnRef idx="0"/>
-    <cs:fillRef idx="0"/>
-    <cs:effectRef idx="0"/>
-    <cs:fontRef idx="minor">
-      <a:schemeClr val="tx1"/>
-    </cs:fontRef>
-    <cs:spPr>
-      <a:ln w="9525" cap="flat" cmpd="sng" algn="ctr">
-        <a:solidFill>
-          <a:schemeClr val="tx1">
-            <a:lumMod val="35000"/>
-            <a:lumOff val="65000"/>
-          </a:schemeClr>
-        </a:solidFill>
-        <a:round/>
-      </a:ln>
-    </cs:spPr>
-  </cs:dropLine>
-  <cs:errorBar>
-    <cs:lnRef idx="0"/>
-    <cs:fillRef idx="0"/>
-    <cs:effectRef idx="0"/>
-    <cs:fontRef idx="minor">
-      <a:schemeClr val="tx1"/>
-    </cs:fontRef>
-    <cs:spPr>
-      <a:ln w="9525" cap="flat" cmpd="sng" algn="ctr">
-        <a:solidFill>
-          <a:schemeClr val="tx1">
-            <a:lumMod val="65000"/>
-            <a:lumOff val="35000"/>
-          </a:schemeClr>
-        </a:solidFill>
-        <a:round/>
-      </a:ln>
-    </cs:spPr>
-  </cs:errorBar>
-  <cs:floor>
-    <cs:lnRef idx="0"/>
-    <cs:fillRef idx="0"/>
-    <cs:effectRef idx="0"/>
-    <cs:fontRef idx="minor">
-      <a:schemeClr val="tx1"/>
-    </cs:fontRef>
-    <cs:spPr>
-      <a:noFill/>
-      <a:ln>
-        <a:noFill/>
-      </a:ln>
-    </cs:spPr>
-  </cs:floor>
-  <cs:gridlineMajor>
-    <cs:lnRef idx="0"/>
-    <cs:fillRef idx="0"/>
-    <cs:effectRef idx="0"/>
-    <cs:fontRef idx="minor">
-      <a:schemeClr val="tx1"/>
-    </cs:fontRef>
-    <cs:spPr>
-      <a:ln w="9525" cap="flat" cmpd="sng" algn="ctr">
-        <a:solidFill>
-          <a:schemeClr val="tx1">
-            <a:lumMod val="15000"/>
-            <a:lumOff val="85000"/>
-          </a:schemeClr>
-        </a:solidFill>
-        <a:round/>
-      </a:ln>
-    </cs:spPr>
-  </cs:gridlineMajor>
-  <cs:gridlineMinor>
-    <cs:lnRef idx="0"/>
-    <cs:fillRef idx="0"/>
-    <cs:effectRef idx="0"/>
-    <cs:fontRef idx="minor">
-      <a:schemeClr val="tx1"/>
-    </cs:fontRef>
-    <cs:spPr>
-      <a:ln w="9525" cap="flat" cmpd="sng" algn="ctr">
-        <a:solidFill>
-          <a:schemeClr val="tx1">
-            <a:lumMod val="5000"/>
-            <a:lumOff val="95000"/>
-          </a:schemeClr>
-        </a:solidFill>
-        <a:round/>
-      </a:ln>
-    </cs:spPr>
-  </cs:gridlineMinor>
-  <cs:hiLoLine>
-    <cs:lnRef idx="0"/>
-    <cs:fillRef idx="0"/>
-    <cs:effectRef idx="0"/>
-    <cs:fontRef idx="minor">
-      <a:schemeClr val="tx1"/>
-    </cs:fontRef>
-    <cs:spPr>
-      <a:ln w="9525" cap="flat" cmpd="sng" algn="ctr">
-        <a:solidFill>
-          <a:schemeClr val="tx1">
-            <a:lumMod val="75000"/>
-            <a:lumOff val="25000"/>
-          </a:schemeClr>
-        </a:solidFill>
-        <a:round/>
-      </a:ln>
-    </cs:spPr>
-  </cs:hiLoLine>
-  <cs:leaderLine>
-    <cs:lnRef idx="0"/>
-    <cs:fillRef idx="0"/>
-    <cs:effectRef idx="0"/>
-    <cs:fontRef idx="minor">
-      <a:schemeClr val="tx1"/>
-    </cs:fontRef>
-    <cs:spPr>
-      <a:ln w="9525" cap="flat" cmpd="sng" algn="ctr">
-        <a:solidFill>
-          <a:schemeClr val="tx1">
-            <a:lumMod val="35000"/>
-            <a:lumOff val="65000"/>
-          </a:schemeClr>
-        </a:solidFill>
-        <a:round/>
-      </a:ln>
-    </cs:spPr>
-  </cs:leaderLine>
-  <cs:legend>
-    <cs:lnRef idx="0"/>
-    <cs:fillRef idx="0"/>
-    <cs:effectRef idx="0"/>
-    <cs:fontRef idx="minor">
-      <a:schemeClr val="tx1">
-        <a:lumMod val="65000"/>
-        <a:lumOff val="35000"/>
-      </a:schemeClr>
-    </cs:fontRef>
-    <cs:defRPr sz="1197" kern="1200"/>
-  </cs:legend>
-  <cs:plotArea mods="allowNoFillOverride allowNoLineOverride">
-    <cs:lnRef idx="0"/>
-    <cs:fillRef idx="0"/>
-    <cs:effectRef idx="0"/>
-    <cs:fontRef idx="minor">
-      <a:schemeClr val="tx1"/>
-    </cs:fontRef>
-  </cs:plotArea>
-  <cs:plotArea3D mods="allowNoFillOverride allowNoLineOverride">
-    <cs:lnRef idx="0"/>
-    <cs:fillRef idx="0"/>
-    <cs:effectRef idx="0"/>
-    <cs:fontRef idx="minor">
-      <a:schemeClr val="tx1"/>
-    </cs:fontRef>
-  </cs:plotArea3D>
-  <cs:seriesAxis>
-    <cs:lnRef idx="0"/>
-    <cs:fillRef idx="0"/>
-    <cs:effectRef idx="0"/>
-    <cs:fontRef idx="minor">
-      <a:schemeClr val="tx1">
-        <a:lumMod val="65000"/>
-        <a:lumOff val="35000"/>
-      </a:schemeClr>
-    </cs:fontRef>
-    <cs:defRPr sz="1197" kern="1200"/>
-  </cs:seriesAxis>
-  <cs:seriesLine>
-    <cs:lnRef idx="0"/>
-    <cs:fillRef idx="0"/>
-    <cs:effectRef idx="0"/>
-    <cs:fontRef idx="minor">
-      <a:schemeClr val="tx1"/>
-    </cs:fontRef>
-    <cs:spPr>
-      <a:ln w="9525" cap="flat" cmpd="sng" algn="ctr">
-        <a:solidFill>
-          <a:schemeClr val="tx1">
-            <a:lumMod val="35000"/>
-            <a:lumOff val="65000"/>
-          </a:schemeClr>
-        </a:solidFill>
-        <a:round/>
-      </a:ln>
-    </cs:spPr>
-  </cs:seriesLine>
-  <cs:title>
-    <cs:lnRef idx="0"/>
-    <cs:fillRef idx="0"/>
-    <cs:effectRef idx="0"/>
-    <cs:fontRef idx="minor">
-      <a:schemeClr val="tx1">
-        <a:lumMod val="65000"/>
-        <a:lumOff val="35000"/>
-      </a:schemeClr>
-    </cs:fontRef>
-    <cs:defRPr sz="1862" b="0" kern="1200" spc="0" baseline="0"/>
-  </cs:title>
-  <cs:trendline>
-    <cs:lnRef idx="0">
-      <cs:styleClr val="auto"/>
-    </cs:lnRef>
-    <cs:fillRef idx="0"/>
-    <cs:effectRef idx="0"/>
-    <cs:fontRef idx="minor">
-      <a:schemeClr val="tx1"/>
-    </cs:fontRef>
-    <cs:spPr>
-      <a:ln w="19050" cap="rnd">
-        <a:solidFill>
-          <a:schemeClr val="phClr"/>
-        </a:solidFill>
-        <a:prstDash val="sysDot"/>
-      </a:ln>
-    </cs:spPr>
-  </cs:trendline>
-  <cs:trendlineLabel>
-    <cs:lnRef idx="0"/>
-    <cs:fillRef idx="0"/>
-    <cs:effectRef idx="0"/>
-    <cs:fontRef idx="minor">
-      <a:schemeClr val="tx1">
-        <a:lumMod val="65000"/>
-        <a:lumOff val="35000"/>
-      </a:schemeClr>
-    </cs:fontRef>
-    <cs:defRPr sz="1197" kern="1200"/>
-  </cs:trendlineLabel>
-  <cs:upBar>
-    <cs:lnRef idx="0"/>
-    <cs:fillRef idx="0"/>
-    <cs:effectRef idx="0"/>
-    <cs:fontRef idx="minor">
-      <a:schemeClr val="dk1"/>
-    </cs:fontRef>
-    <cs:spPr>
-      <a:solidFill>
-        <a:schemeClr val="lt1"/>
-      </a:solidFill>
-      <a:ln w="9525">
-        <a:solidFill>
-          <a:schemeClr val="tx1">
-            <a:lumMod val="15000"/>
-            <a:lumOff val="85000"/>
-          </a:schemeClr>
-        </a:solidFill>
-      </a:ln>
-    </cs:spPr>
-  </cs:upBar>
-  <cs:valueAxis>
-    <cs:lnRef idx="0"/>
-    <cs:fillRef idx="0"/>
-    <cs:effectRef idx="0"/>
-    <cs:fontRef idx="minor">
-      <a:schemeClr val="tx1">
-        <a:lumMod val="65000"/>
-        <a:lumOff val="35000"/>
-      </a:schemeClr>
-    </cs:fontRef>
-    <cs:defRPr sz="1197" kern="1200"/>
-  </cs:valueAxis>
-  <cs:wall>
-    <cs:lnRef idx="0"/>
-    <cs:fillRef idx="0"/>
-    <cs:effectRef idx="0"/>
-    <cs:fontRef idx="minor">
-      <a:schemeClr val="tx1"/>
-    </cs:fontRef>
-    <cs:spPr>
-      <a:noFill/>
-      <a:ln>
-        <a:noFill/>
-      </a:ln>
-    </cs:spPr>
-  </cs:wall>
-</cs:chartStyle>
 </file>
 
 <file path=ppt/handoutMasters/handoutMaster1.xml><?xml version="1.0" encoding="utf-8"?>
@@ -27843,6 +26925,13 @@
   <p:clrMapOvr>
     <a:masterClrMapping/>
   </p:clrMapOvr>
+  <p:timing>
+    <p:tnLst>
+      <p:par>
+        <p:cTn id="1" dur="indefinite" restart="never" nodeType="tmRoot"/>
+      </p:par>
+    </p:tnLst>
+  </p:timing>
 </p:sld>
 </file>
 
@@ -27865,13 +26954,7 @@
       </p:grpSpPr>
       <p:sp>
         <p:nvSpPr>
-          <p:cNvPr id="4" name="Title 3">
-            <a:extLst>
-              <a:ext uri="{FF2B5EF4-FFF2-40B4-BE49-F238E27FC236}">
-                <a16:creationId xmlns:a16="http://schemas.microsoft.com/office/drawing/2014/main" xmlns="" id="{315E3981-F0D7-482C-A8E0-6A57700BECA7}"/>
-              </a:ext>
-            </a:extLst>
-          </p:cNvPr>
+          <p:cNvPr id="2" name="Title 1"/>
           <p:cNvSpPr>
             <a:spLocks noGrp="1"/>
           </p:cNvSpPr>
@@ -27879,341 +26962,10 @@
             <p:ph type="title"/>
           </p:nvPr>
         </p:nvSpPr>
-        <p:spPr/>
-        <p:txBody>
-          <a:bodyPr/>
-          <a:lstStyle/>
-          <a:p>
-            <a:r>
-              <a:rPr lang="en-US" dirty="0"/>
-              <a:t>What Is Selenium?</a:t>
-            </a:r>
-            <a:endParaRPr lang="en-US" b="0" dirty="0"/>
-          </a:p>
-        </p:txBody>
-      </p:sp>
-      <p:pic>
-        <p:nvPicPr>
-          <p:cNvPr id="25" name="Picture Placeholder 24" descr="Bar chart">
-            <a:extLst>
-              <a:ext uri="{FF2B5EF4-FFF2-40B4-BE49-F238E27FC236}">
-                <a16:creationId xmlns:a16="http://schemas.microsoft.com/office/drawing/2014/main" xmlns="" id="{C03AAFA7-022A-47F8-9DA1-7DC3897D1E52}"/>
-              </a:ext>
-            </a:extLst>
-          </p:cNvPr>
-          <p:cNvPicPr>
-            <a:picLocks noGrp="1" noChangeAspect="1"/>
-          </p:cNvPicPr>
-          <p:nvPr>
-            <p:ph type="pic" sz="quarter" idx="13"/>
-          </p:nvPr>
-        </p:nvPicPr>
-        <p:blipFill>
-          <a:blip r:embed="rId2">
-            <a:extLst>
-              <a:ext uri="{28A0092B-C50C-407E-A947-70E740481C1C}">
-                <a14:useLocalDpi xmlns:a14="http://schemas.microsoft.com/office/drawing/2010/main"/>
-              </a:ext>
-              <a:ext uri="{96DAC541-7B7A-43D3-8B79-37D633B846F1}">
-                <asvg:svgBlip xmlns:asvg="http://schemas.microsoft.com/office/drawing/2016/SVG/main" xmlns="" r:embed="rId3"/>
-              </a:ext>
-            </a:extLst>
-          </a:blip>
-          <a:srcRect t="63" b="63"/>
-          <a:stretch>
-            <a:fillRect/>
-          </a:stretch>
-        </p:blipFill>
         <p:spPr>
           <a:xfrm>
-            <a:off x="1002925" y="2096716"/>
-            <a:ext cx="1259505" cy="1259505"/>
-          </a:xfrm>
-        </p:spPr>
-      </p:pic>
-      <p:sp>
-        <p:nvSpPr>
-          <p:cNvPr id="19" name="Text Placeholder 18">
-            <a:extLst>
-              <a:ext uri="{FF2B5EF4-FFF2-40B4-BE49-F238E27FC236}">
-                <a16:creationId xmlns:a16="http://schemas.microsoft.com/office/drawing/2014/main" xmlns="" id="{782206B1-586F-4254-9B36-D06C4E294ACF}"/>
-              </a:ext>
-            </a:extLst>
-          </p:cNvPr>
-          <p:cNvSpPr>
-            <a:spLocks noGrp="1"/>
-          </p:cNvSpPr>
-          <p:nvPr>
-            <p:ph type="body" sz="quarter" idx="18"/>
-          </p:nvPr>
-        </p:nvSpPr>
-        <p:spPr/>
-        <p:txBody>
-          <a:bodyPr/>
-          <a:lstStyle/>
-          <a:p>
-            <a:r>
-              <a:rPr lang="en-US" dirty="0"/>
-              <a:t>Caption01 appears here</a:t>
-            </a:r>
-          </a:p>
-        </p:txBody>
-      </p:sp>
-      <p:pic>
-        <p:nvPicPr>
-          <p:cNvPr id="27" name="Picture Placeholder 26" descr="Clock">
-            <a:extLst>
-              <a:ext uri="{FF2B5EF4-FFF2-40B4-BE49-F238E27FC236}">
-                <a16:creationId xmlns:a16="http://schemas.microsoft.com/office/drawing/2014/main" xmlns="" id="{6F737161-FE67-434D-A781-59EDB9EDCB23}"/>
-              </a:ext>
-            </a:extLst>
-          </p:cNvPr>
-          <p:cNvPicPr>
-            <a:picLocks noGrp="1" noChangeAspect="1"/>
-          </p:cNvPicPr>
-          <p:nvPr>
-            <p:ph type="pic" sz="quarter" idx="14"/>
-          </p:nvPr>
-        </p:nvPicPr>
-        <p:blipFill>
-          <a:blip r:embed="rId4">
-            <a:extLst>
-              <a:ext uri="{28A0092B-C50C-407E-A947-70E740481C1C}">
-                <a14:useLocalDpi xmlns:a14="http://schemas.microsoft.com/office/drawing/2010/main"/>
-              </a:ext>
-              <a:ext uri="{96DAC541-7B7A-43D3-8B79-37D633B846F1}">
-                <asvg:svgBlip xmlns:asvg="http://schemas.microsoft.com/office/drawing/2016/SVG/main" xmlns="" r:embed="rId5"/>
-              </a:ext>
-            </a:extLst>
-          </a:blip>
-          <a:srcRect/>
-          <a:stretch>
-            <a:fillRect/>
-          </a:stretch>
-        </p:blipFill>
-        <p:spPr>
-          <a:xfrm>
-            <a:off x="3246943" y="2096716"/>
-            <a:ext cx="1259505" cy="1259505"/>
-          </a:xfrm>
-        </p:spPr>
-      </p:pic>
-      <p:sp>
-        <p:nvSpPr>
-          <p:cNvPr id="20" name="Text Placeholder 19">
-            <a:extLst>
-              <a:ext uri="{FF2B5EF4-FFF2-40B4-BE49-F238E27FC236}">
-                <a16:creationId xmlns:a16="http://schemas.microsoft.com/office/drawing/2014/main" xmlns="" id="{CB924A29-3538-4A3F-82A6-D2A7538C2111}"/>
-              </a:ext>
-            </a:extLst>
-          </p:cNvPr>
-          <p:cNvSpPr>
-            <a:spLocks noGrp="1"/>
-          </p:cNvSpPr>
-          <p:nvPr>
-            <p:ph type="body" sz="quarter" idx="19"/>
-          </p:nvPr>
-        </p:nvSpPr>
-        <p:spPr/>
-        <p:txBody>
-          <a:bodyPr/>
-          <a:lstStyle/>
-          <a:p>
-            <a:r>
-              <a:rPr lang="en-US" dirty="0"/>
-              <a:t>Caption02 appears here</a:t>
-            </a:r>
-          </a:p>
-        </p:txBody>
-      </p:sp>
-      <p:pic>
-        <p:nvPicPr>
-          <p:cNvPr id="29" name="Picture Placeholder 28" descr="Microscope">
-            <a:extLst>
-              <a:ext uri="{FF2B5EF4-FFF2-40B4-BE49-F238E27FC236}">
-                <a16:creationId xmlns:a16="http://schemas.microsoft.com/office/drawing/2014/main" xmlns="" id="{9E5BF01B-21D6-4D43-9CAE-0298685C1A7B}"/>
-              </a:ext>
-            </a:extLst>
-          </p:cNvPr>
-          <p:cNvPicPr>
-            <a:picLocks noGrp="1" noChangeAspect="1"/>
-          </p:cNvPicPr>
-          <p:nvPr>
-            <p:ph type="pic" sz="quarter" idx="15"/>
-          </p:nvPr>
-        </p:nvPicPr>
-        <p:blipFill>
-          <a:blip r:embed="rId6">
-            <a:extLst>
-              <a:ext uri="{28A0092B-C50C-407E-A947-70E740481C1C}">
-                <a14:useLocalDpi xmlns:a14="http://schemas.microsoft.com/office/drawing/2010/main"/>
-              </a:ext>
-              <a:ext uri="{96DAC541-7B7A-43D3-8B79-37D633B846F1}">
-                <asvg:svgBlip xmlns:asvg="http://schemas.microsoft.com/office/drawing/2016/SVG/main" xmlns="" r:embed="rId7"/>
-              </a:ext>
-            </a:extLst>
-          </a:blip>
-          <a:srcRect t="63" b="63"/>
-          <a:stretch>
-            <a:fillRect/>
-          </a:stretch>
-        </p:blipFill>
-        <p:spPr>
-          <a:xfrm>
-            <a:off x="5490961" y="2096716"/>
-            <a:ext cx="1259505" cy="1259505"/>
-          </a:xfrm>
-        </p:spPr>
-      </p:pic>
-      <p:sp>
-        <p:nvSpPr>
-          <p:cNvPr id="21" name="Text Placeholder 20">
-            <a:extLst>
-              <a:ext uri="{FF2B5EF4-FFF2-40B4-BE49-F238E27FC236}">
-                <a16:creationId xmlns:a16="http://schemas.microsoft.com/office/drawing/2014/main" xmlns="" id="{1B8F0371-4F69-4131-91BF-9AB99E6EE89B}"/>
-              </a:ext>
-            </a:extLst>
-          </p:cNvPr>
-          <p:cNvSpPr>
-            <a:spLocks noGrp="1"/>
-          </p:cNvSpPr>
-          <p:nvPr>
-            <p:ph type="body" sz="quarter" idx="20"/>
-          </p:nvPr>
-        </p:nvSpPr>
-        <p:spPr/>
-        <p:txBody>
-          <a:bodyPr/>
-          <a:lstStyle/>
-          <a:p>
-            <a:r>
-              <a:rPr lang="en-US" dirty="0"/>
-              <a:t>Caption03 appears here</a:t>
-            </a:r>
-          </a:p>
-        </p:txBody>
-      </p:sp>
-      <p:pic>
-        <p:nvPicPr>
-          <p:cNvPr id="31" name="Picture Placeholder 30" descr="Magnifying glass">
-            <a:extLst>
-              <a:ext uri="{FF2B5EF4-FFF2-40B4-BE49-F238E27FC236}">
-                <a16:creationId xmlns:a16="http://schemas.microsoft.com/office/drawing/2014/main" xmlns="" id="{089E8AB6-C16E-4752-810F-8F98DB929DB5}"/>
-              </a:ext>
-            </a:extLst>
-          </p:cNvPr>
-          <p:cNvPicPr>
-            <a:picLocks noGrp="1" noChangeAspect="1"/>
-          </p:cNvPicPr>
-          <p:nvPr>
-            <p:ph type="pic" sz="quarter" idx="16"/>
-          </p:nvPr>
-        </p:nvPicPr>
-        <p:blipFill>
-          <a:blip r:embed="rId8">
-            <a:extLst>
-              <a:ext uri="{28A0092B-C50C-407E-A947-70E740481C1C}">
-                <a14:useLocalDpi xmlns:a14="http://schemas.microsoft.com/office/drawing/2010/main"/>
-              </a:ext>
-              <a:ext uri="{96DAC541-7B7A-43D3-8B79-37D633B846F1}">
-                <asvg:svgBlip xmlns:asvg="http://schemas.microsoft.com/office/drawing/2016/SVG/main" xmlns="" r:embed="rId9"/>
-              </a:ext>
-            </a:extLst>
-          </a:blip>
-          <a:srcRect/>
-          <a:stretch>
-            <a:fillRect/>
-          </a:stretch>
-        </p:blipFill>
-        <p:spPr/>
-      </p:pic>
-      <p:sp>
-        <p:nvSpPr>
-          <p:cNvPr id="22" name="Text Placeholder 21">
-            <a:extLst>
-              <a:ext uri="{FF2B5EF4-FFF2-40B4-BE49-F238E27FC236}">
-                <a16:creationId xmlns:a16="http://schemas.microsoft.com/office/drawing/2014/main" xmlns="" id="{78CACAF1-61EA-4605-A8FE-2EEE752B49FF}"/>
-              </a:ext>
-            </a:extLst>
-          </p:cNvPr>
-          <p:cNvSpPr>
-            <a:spLocks noGrp="1"/>
-          </p:cNvSpPr>
-          <p:nvPr>
-            <p:ph type="body" sz="quarter" idx="21"/>
-          </p:nvPr>
-        </p:nvSpPr>
-        <p:spPr/>
-        <p:txBody>
-          <a:bodyPr/>
-          <a:lstStyle/>
-          <a:p>
-            <a:r>
-              <a:rPr lang="en-US" dirty="0"/>
-              <a:t>Caption04 appears here</a:t>
-            </a:r>
-          </a:p>
-        </p:txBody>
-      </p:sp>
-      <p:pic>
-        <p:nvPicPr>
-          <p:cNvPr id="33" name="Picture Placeholder 32" descr="Head with Gears">
-            <a:extLst>
-              <a:ext uri="{FF2B5EF4-FFF2-40B4-BE49-F238E27FC236}">
-                <a16:creationId xmlns:a16="http://schemas.microsoft.com/office/drawing/2014/main" xmlns="" id="{CC9DBBE5-5AD0-41E8-A719-84509E5D9F9E}"/>
-              </a:ext>
-            </a:extLst>
-          </p:cNvPr>
-          <p:cNvPicPr>
-            <a:picLocks noGrp="1" noChangeAspect="1"/>
-          </p:cNvPicPr>
-          <p:nvPr>
-            <p:ph type="pic" sz="quarter" idx="17"/>
-          </p:nvPr>
-        </p:nvPicPr>
-        <p:blipFill>
-          <a:blip r:embed="rId10">
-            <a:extLst>
-              <a:ext uri="{28A0092B-C50C-407E-A947-70E740481C1C}">
-                <a14:useLocalDpi xmlns:a14="http://schemas.microsoft.com/office/drawing/2010/main"/>
-              </a:ext>
-              <a:ext uri="{96DAC541-7B7A-43D3-8B79-37D633B846F1}">
-                <asvg:svgBlip xmlns:asvg="http://schemas.microsoft.com/office/drawing/2016/SVG/main" xmlns="" r:embed="rId11"/>
-              </a:ext>
-            </a:extLst>
-          </a:blip>
-          <a:srcRect t="63" b="63"/>
-          <a:stretch>
-            <a:fillRect/>
-          </a:stretch>
-        </p:blipFill>
-        <p:spPr>
-          <a:xfrm>
-            <a:off x="9978996" y="2096716"/>
-            <a:ext cx="1259505" cy="1259505"/>
-          </a:xfrm>
-        </p:spPr>
-      </p:pic>
-      <p:sp>
-        <p:nvSpPr>
-          <p:cNvPr id="23" name="Text Placeholder 22">
-            <a:extLst>
-              <a:ext uri="{FF2B5EF4-FFF2-40B4-BE49-F238E27FC236}">
-                <a16:creationId xmlns:a16="http://schemas.microsoft.com/office/drawing/2014/main" xmlns="" id="{8D05A34F-7712-46DB-AB5B-272E294B62EE}"/>
-              </a:ext>
-            </a:extLst>
-          </p:cNvPr>
-          <p:cNvSpPr>
-            <a:spLocks noGrp="1"/>
-          </p:cNvSpPr>
-          <p:nvPr>
-            <p:ph type="body" sz="quarter" idx="22"/>
-          </p:nvPr>
-        </p:nvSpPr>
-        <p:spPr>
-          <a:xfrm>
-            <a:off x="9720678" y="4240093"/>
-            <a:ext cx="1776140" cy="1463040"/>
+            <a:off x="444500" y="542925"/>
+            <a:ext cx="11214100" cy="978729"/>
           </a:xfrm>
         </p:spPr>
         <p:txBody>
@@ -28221,21 +26973,35 @@
           <a:lstStyle/>
           <a:p>
             <a:r>
-              <a:rPr lang="en-US" dirty="0"/>
-              <a:t>Caption05 appears here</a:t>
+              <a:rPr lang="en-US" dirty="0">
+                <a:latin typeface="Times New Roman" panose="02020603050405020304" pitchFamily="18" charset="0"/>
+                <a:cs typeface="Times New Roman" panose="02020603050405020304" pitchFamily="18" charset="0"/>
+              </a:rPr>
+              <a:t>What is SpecFlow</a:t>
             </a:r>
+            <a:r>
+              <a:rPr lang="en-US" dirty="0">
+                <a:latin typeface="Times New Roman" panose="02020603050405020304" pitchFamily="18" charset="0"/>
+                <a:cs typeface="Times New Roman" panose="02020603050405020304" pitchFamily="18" charset="0"/>
+              </a:rPr>
+              <a:t> Feature File?</a:t>
+            </a:r>
+            <a:br>
+              <a:rPr lang="en-US" dirty="0">
+                <a:latin typeface="Times New Roman" panose="02020603050405020304" pitchFamily="18" charset="0"/>
+                <a:cs typeface="Times New Roman" panose="02020603050405020304" pitchFamily="18" charset="0"/>
+              </a:rPr>
+            </a:br>
+            <a:endParaRPr lang="en-US" dirty="0">
+              <a:latin typeface="Times New Roman" panose="02020603050405020304" pitchFamily="18" charset="0"/>
+              <a:cs typeface="Times New Roman" panose="02020603050405020304" pitchFamily="18" charset="0"/>
+            </a:endParaRPr>
           </a:p>
         </p:txBody>
       </p:sp>
       <p:sp>
         <p:nvSpPr>
-          <p:cNvPr id="2" name="Slide Number Placeholder 1">
-            <a:extLst>
-              <a:ext uri="{FF2B5EF4-FFF2-40B4-BE49-F238E27FC236}">
-                <a16:creationId xmlns:a16="http://schemas.microsoft.com/office/drawing/2014/main" xmlns="" id="{CC1F11E7-EDE5-4119-BA64-4FC57C285D19}"/>
-              </a:ext>
-            </a:extLst>
-          </p:cNvPr>
+          <p:cNvPr id="3" name="Slide Number Placeholder 2"/>
           <p:cNvSpPr>
             <a:spLocks noGrp="1"/>
           </p:cNvSpPr>
@@ -28249,43 +27015,125 @@
           <a:lstStyle/>
           <a:p>
             <a:fld id="{C263D6C4-4840-40CC-AC84-17E24B3B7BDE}" type="slidenum">
-              <a:rPr lang="en-US" smtClean="0"/>
+              <a:rPr lang="en-US" noProof="0" smtClean="0"/>
               <a:pPr/>
               <a:t>16</a:t>
             </a:fld>
-            <a:endParaRPr lang="en-US" dirty="0"/>
+            <a:endParaRPr lang="en-US" noProof="0" dirty="0"/>
+          </a:p>
+        </p:txBody>
+      </p:sp>
+      <p:sp>
+        <p:nvSpPr>
+          <p:cNvPr id="4" name="Text Placeholder 3"/>
+          <p:cNvSpPr>
+            <a:spLocks noGrp="1"/>
+          </p:cNvSpPr>
+          <p:nvPr>
+            <p:ph type="body" sz="quarter" idx="13"/>
+          </p:nvPr>
+        </p:nvSpPr>
+        <p:spPr/>
+        <p:txBody>
+          <a:bodyPr/>
+          <a:lstStyle/>
+          <a:p>
+            <a:r>
+              <a:rPr lang="en-US" sz="2500" dirty="0">
+                <a:latin typeface="Times New Roman" panose="02020603050405020304" pitchFamily="18" charset="0"/>
+                <a:cs typeface="Times New Roman" panose="02020603050405020304" pitchFamily="18" charset="0"/>
+              </a:rPr>
+              <a:t>A </a:t>
+            </a:r>
+            <a:r>
+              <a:rPr lang="en-US" sz="2500" b="1" dirty="0">
+                <a:latin typeface="Times New Roman" panose="02020603050405020304" pitchFamily="18" charset="0"/>
+                <a:cs typeface="Times New Roman" panose="02020603050405020304" pitchFamily="18" charset="0"/>
+              </a:rPr>
+              <a:t>feature file</a:t>
+            </a:r>
+            <a:r>
+              <a:rPr lang="en-US" sz="2500" dirty="0">
+                <a:latin typeface="Times New Roman" panose="02020603050405020304" pitchFamily="18" charset="0"/>
+                <a:cs typeface="Times New Roman" panose="02020603050405020304" pitchFamily="18" charset="0"/>
+              </a:rPr>
+              <a:t> is an entry point to the </a:t>
+            </a:r>
+            <a:r>
+              <a:rPr lang="en-US" sz="2500" dirty="0" err="1">
+                <a:latin typeface="Times New Roman" panose="02020603050405020304" pitchFamily="18" charset="0"/>
+                <a:cs typeface="Times New Roman" panose="02020603050405020304" pitchFamily="18" charset="0"/>
+              </a:rPr>
+              <a:t>SpecFlow</a:t>
+            </a:r>
+            <a:r>
+              <a:rPr lang="en-US" sz="2500" dirty="0">
+                <a:latin typeface="Times New Roman" panose="02020603050405020304" pitchFamily="18" charset="0"/>
+                <a:cs typeface="Times New Roman" panose="02020603050405020304" pitchFamily="18" charset="0"/>
+              </a:rPr>
+              <a:t> test. This is a file where you will describe your tests in Descriptive </a:t>
+            </a:r>
+            <a:r>
+              <a:rPr lang="en-US" sz="2500" dirty="0" smtClean="0">
+                <a:latin typeface="Times New Roman" panose="02020603050405020304" pitchFamily="18" charset="0"/>
+                <a:cs typeface="Times New Roman" panose="02020603050405020304" pitchFamily="18" charset="0"/>
+              </a:rPr>
+              <a:t>language</a:t>
+            </a:r>
+          </a:p>
+          <a:p>
+            <a:r>
+              <a:rPr lang="en-US" sz="2500" dirty="0">
+                <a:latin typeface="Times New Roman" panose="02020603050405020304" pitchFamily="18" charset="0"/>
+                <a:cs typeface="Times New Roman" panose="02020603050405020304" pitchFamily="18" charset="0"/>
+              </a:rPr>
+              <a:t>It </a:t>
+            </a:r>
+            <a:r>
+              <a:rPr lang="en-US" sz="2500" dirty="0" smtClean="0">
+                <a:latin typeface="Times New Roman" panose="02020603050405020304" pitchFamily="18" charset="0"/>
+                <a:cs typeface="Times New Roman" panose="02020603050405020304" pitchFamily="18" charset="0"/>
+              </a:rPr>
+              <a:t>is </a:t>
+            </a:r>
+            <a:r>
+              <a:rPr lang="en-US" sz="2500" dirty="0">
+                <a:latin typeface="Times New Roman" panose="02020603050405020304" pitchFamily="18" charset="0"/>
+                <a:cs typeface="Times New Roman" panose="02020603050405020304" pitchFamily="18" charset="0"/>
+              </a:rPr>
+              <a:t>an essential part of </a:t>
+            </a:r>
+            <a:r>
+              <a:rPr lang="en-US" sz="2500" dirty="0" err="1">
+                <a:latin typeface="Times New Roman" panose="02020603050405020304" pitchFamily="18" charset="0"/>
+                <a:cs typeface="Times New Roman" panose="02020603050405020304" pitchFamily="18" charset="0"/>
+              </a:rPr>
+              <a:t>SpecFlow</a:t>
+            </a:r>
+            <a:r>
+              <a:rPr lang="en-US" sz="2500" dirty="0">
+                <a:latin typeface="Times New Roman" panose="02020603050405020304" pitchFamily="18" charset="0"/>
+                <a:cs typeface="Times New Roman" panose="02020603050405020304" pitchFamily="18" charset="0"/>
+              </a:rPr>
+              <a:t>, as it serves as an automation test script as well as live documents. A feature file can contain a scenario or can contain many scenarios in a single feature file but it usually contains a list of scenarios.</a:t>
+            </a:r>
+            <a:endParaRPr lang="en-US" sz="2500" dirty="0">
+              <a:latin typeface="Times New Roman" panose="02020603050405020304" pitchFamily="18" charset="0"/>
+              <a:cs typeface="Times New Roman" panose="02020603050405020304" pitchFamily="18" charset="0"/>
+            </a:endParaRPr>
           </a:p>
         </p:txBody>
       </p:sp>
     </p:spTree>
     <p:extLst>
       <p:ext uri="{BB962C8B-B14F-4D97-AF65-F5344CB8AC3E}">
-        <p14:creationId xmlns:p14="http://schemas.microsoft.com/office/powerpoint/2010/main" val="3892131414"/>
+        <p14:creationId xmlns:p14="http://schemas.microsoft.com/office/powerpoint/2010/main" val="2102954540"/>
       </p:ext>
     </p:extLst>
   </p:cSld>
   <p:clrMapOvr>
     <a:masterClrMapping/>
   </p:clrMapOvr>
-  <mc:AlternateContent xmlns:mc="http://schemas.openxmlformats.org/markup-compatibility/2006" xmlns:p14="http://schemas.microsoft.com/office/powerpoint/2010/main">
-    <mc:Choice Requires="p14">
-      <p:transition spd="med" p14:dur="700">
-        <p:fade/>
-      </p:transition>
-    </mc:Choice>
-    <mc:Fallback xmlns="">
-      <p:transition spd="med">
-        <p:fade/>
-      </p:transition>
-    </mc:Fallback>
-  </mc:AlternateContent>
-  <p:timing>
-    <p:tnLst>
-      <p:par>
-        <p:cTn id="1" dur="indefinite" restart="never" nodeType="tmRoot"/>
-      </p:par>
-    </p:tnLst>
-  </p:timing>
 </p:sld>
 </file>
 
@@ -28306,49 +27154,13 @@
           <a:chExt cx="0" cy="0"/>
         </a:xfrm>
       </p:grpSpPr>
-      <p:sp>
-        <p:nvSpPr>
-          <p:cNvPr id="4" name="Title 3">
-            <a:extLst>
-              <a:ext uri="{FF2B5EF4-FFF2-40B4-BE49-F238E27FC236}">
-                <a16:creationId xmlns:a16="http://schemas.microsoft.com/office/drawing/2014/main" xmlns="" id="{315E3981-F0D7-482C-A8E0-6A57700BECA7}"/>
-              </a:ext>
-            </a:extLst>
-          </p:cNvPr>
-          <p:cNvSpPr>
-            <a:spLocks noGrp="1"/>
-          </p:cNvSpPr>
-          <p:nvPr>
-            <p:ph type="title"/>
-          </p:nvPr>
-        </p:nvSpPr>
-        <p:spPr/>
-        <p:txBody>
-          <a:bodyPr/>
-          <a:lstStyle/>
-          <a:p>
-            <a:r>
-              <a:rPr lang="en-US" dirty="0"/>
-              <a:t>Content Title 03</a:t>
-            </a:r>
-          </a:p>
-        </p:txBody>
-      </p:sp>
       <p:pic>
         <p:nvPicPr>
-          <p:cNvPr id="20" name="Picture Placeholder 19" descr="Triangular pattern design with dimension">
-            <a:extLst>
-              <a:ext uri="{FF2B5EF4-FFF2-40B4-BE49-F238E27FC236}">
-                <a16:creationId xmlns:a16="http://schemas.microsoft.com/office/drawing/2014/main" xmlns="" id="{3DCA2B8E-64D3-7645-8DEB-688ED5756F52}"/>
-              </a:ext>
-            </a:extLst>
-          </p:cNvPr>
+          <p:cNvPr id="3" name="Picture 2"/>
           <p:cNvPicPr>
-            <a:picLocks noGrp="1" noChangeAspect="1"/>
+            <a:picLocks noChangeAspect="1"/>
           </p:cNvPicPr>
-          <p:nvPr>
-            <p:ph type="pic" sz="quarter" idx="19"/>
-          </p:nvPr>
+          <p:nvPr/>
         </p:nvPicPr>
         <p:blipFill>
           <a:blip r:embed="rId2">
@@ -28358,2245 +27170,33 @@
               </a:ext>
             </a:extLst>
           </a:blip>
-          <a:srcRect/>
           <a:stretch>
             <a:fillRect/>
           </a:stretch>
         </p:blipFill>
-        <p:spPr/>
+        <p:spPr>
+          <a:xfrm>
+            <a:off x="1639330" y="164756"/>
+            <a:ext cx="8135535" cy="6419067"/>
+          </a:xfrm>
+          <a:prstGeom prst="rect">
+            <a:avLst/>
+          </a:prstGeom>
+        </p:spPr>
       </p:pic>
-      <p:sp>
-        <p:nvSpPr>
-          <p:cNvPr id="19" name="Text Placeholder 18">
-            <a:extLst>
-              <a:ext uri="{FF2B5EF4-FFF2-40B4-BE49-F238E27FC236}">
-                <a16:creationId xmlns:a16="http://schemas.microsoft.com/office/drawing/2014/main" xmlns="" id="{782206B1-586F-4254-9B36-D06C4E294ACF}"/>
-              </a:ext>
-            </a:extLst>
-          </p:cNvPr>
-          <p:cNvSpPr>
-            <a:spLocks noGrp="1"/>
-          </p:cNvSpPr>
-          <p:nvPr>
-            <p:ph type="body" sz="quarter" idx="18"/>
-          </p:nvPr>
-        </p:nvSpPr>
-        <p:spPr/>
-        <p:txBody>
-          <a:bodyPr/>
-          <a:lstStyle/>
-          <a:p>
-            <a:r>
-              <a:rPr lang="en-US" dirty="0"/>
-              <a:t>Caption01 appears here</a:t>
-            </a:r>
-          </a:p>
-        </p:txBody>
-      </p:sp>
-      <p:sp>
-        <p:nvSpPr>
-          <p:cNvPr id="21" name="Text Placeholder 20">
-            <a:extLst>
-              <a:ext uri="{FF2B5EF4-FFF2-40B4-BE49-F238E27FC236}">
-                <a16:creationId xmlns:a16="http://schemas.microsoft.com/office/drawing/2014/main" xmlns="" id="{1B8F0371-4F69-4131-91BF-9AB99E6EE89B}"/>
-              </a:ext>
-            </a:extLst>
-          </p:cNvPr>
-          <p:cNvSpPr>
-            <a:spLocks noGrp="1"/>
-          </p:cNvSpPr>
-          <p:nvPr>
-            <p:ph type="body" sz="quarter" idx="20"/>
-          </p:nvPr>
-        </p:nvSpPr>
-        <p:spPr/>
-        <p:txBody>
-          <a:bodyPr/>
-          <a:lstStyle/>
-          <a:p>
-            <a:r>
-              <a:rPr lang="en-US" dirty="0"/>
-              <a:t>Caption03 appears here</a:t>
-            </a:r>
-          </a:p>
-        </p:txBody>
-      </p:sp>
-      <p:sp>
-        <p:nvSpPr>
-          <p:cNvPr id="22" name="Text Placeholder 21">
-            <a:extLst>
-              <a:ext uri="{FF2B5EF4-FFF2-40B4-BE49-F238E27FC236}">
-                <a16:creationId xmlns:a16="http://schemas.microsoft.com/office/drawing/2014/main" xmlns="" id="{78CACAF1-61EA-4605-A8FE-2EEE752B49FF}"/>
-              </a:ext>
-            </a:extLst>
-          </p:cNvPr>
-          <p:cNvSpPr>
-            <a:spLocks noGrp="1"/>
-          </p:cNvSpPr>
-          <p:nvPr>
-            <p:ph type="body" sz="quarter" idx="21"/>
-          </p:nvPr>
-        </p:nvSpPr>
-        <p:spPr/>
-        <p:txBody>
-          <a:bodyPr/>
-          <a:lstStyle/>
-          <a:p>
-            <a:r>
-              <a:rPr lang="en-US" dirty="0"/>
-              <a:t>Caption04 appears here</a:t>
-            </a:r>
-          </a:p>
-        </p:txBody>
-      </p:sp>
-      <p:sp>
-        <p:nvSpPr>
-          <p:cNvPr id="2" name="Slide Number Placeholder 1">
-            <a:extLst>
-              <a:ext uri="{FF2B5EF4-FFF2-40B4-BE49-F238E27FC236}">
-                <a16:creationId xmlns:a16="http://schemas.microsoft.com/office/drawing/2014/main" xmlns="" id="{2F478C69-0A1D-45FF-8600-ED903803FFE1}"/>
-              </a:ext>
-            </a:extLst>
-          </p:cNvPr>
-          <p:cNvSpPr>
-            <a:spLocks noGrp="1"/>
-          </p:cNvSpPr>
-          <p:nvPr>
-            <p:ph type="sldNum" sz="quarter" idx="12"/>
-          </p:nvPr>
-        </p:nvSpPr>
-        <p:spPr/>
-        <p:txBody>
-          <a:bodyPr/>
-          <a:lstStyle/>
-          <a:p>
-            <a:fld id="{C263D6C4-4840-40CC-AC84-17E24B3B7BDE}" type="slidenum">
-              <a:rPr lang="en-US" smtClean="0"/>
-              <a:pPr/>
-              <a:t>17</a:t>
-            </a:fld>
-            <a:endParaRPr lang="en-US" dirty="0"/>
-          </a:p>
-        </p:txBody>
-      </p:sp>
     </p:spTree>
     <p:extLst>
       <p:ext uri="{BB962C8B-B14F-4D97-AF65-F5344CB8AC3E}">
-        <p14:creationId xmlns:p14="http://schemas.microsoft.com/office/powerpoint/2010/main" val="451187730"/>
+        <p14:creationId xmlns:p14="http://schemas.microsoft.com/office/powerpoint/2010/main" val="429771863"/>
       </p:ext>
     </p:extLst>
   </p:cSld>
   <p:clrMapOvr>
     <a:masterClrMapping/>
   </p:clrMapOvr>
-  <mc:AlternateContent xmlns:mc="http://schemas.openxmlformats.org/markup-compatibility/2006" xmlns:p14="http://schemas.microsoft.com/office/powerpoint/2010/main">
-    <mc:Choice Requires="p14">
-      <p:transition spd="med" p14:dur="700">
-        <p:fade/>
-      </p:transition>
-    </mc:Choice>
-    <mc:Fallback xmlns="">
-      <p:transition spd="med">
-        <p:fade/>
-      </p:transition>
-    </mc:Fallback>
-  </mc:AlternateContent>
-  <p:timing>
-    <p:tnLst>
-      <p:par>
-        <p:cTn id="1" dur="indefinite" restart="never" nodeType="tmRoot"/>
-      </p:par>
-    </p:tnLst>
-  </p:timing>
-</p:sld>
-</file>
-
-<file path=ppt/slides/slide18.xml><?xml version="1.0" encoding="utf-8"?>
-<p:sld xmlns:a="http://schemas.openxmlformats.org/drawingml/2006/main" xmlns:r="http://schemas.openxmlformats.org/officeDocument/2006/relationships" xmlns:p="http://schemas.openxmlformats.org/presentationml/2006/main">
-  <p:cSld>
-    <p:spTree>
-      <p:nvGrpSpPr>
-        <p:cNvPr id="1" name=""/>
-        <p:cNvGrpSpPr/>
-        <p:nvPr/>
-      </p:nvGrpSpPr>
-      <p:grpSpPr>
-        <a:xfrm>
-          <a:off x="0" y="0"/>
-          <a:ext cx="0" cy="0"/>
-          <a:chOff x="0" y="0"/>
-          <a:chExt cx="0" cy="0"/>
-        </a:xfrm>
-      </p:grpSpPr>
-      <p:sp>
-        <p:nvSpPr>
-          <p:cNvPr id="4" name="Title 3">
-            <a:extLst>
-              <a:ext uri="{FF2B5EF4-FFF2-40B4-BE49-F238E27FC236}">
-                <a16:creationId xmlns:a16="http://schemas.microsoft.com/office/drawing/2014/main" xmlns="" id="{315E3981-F0D7-482C-A8E0-6A57700BECA7}"/>
-              </a:ext>
-            </a:extLst>
-          </p:cNvPr>
-          <p:cNvSpPr>
-            <a:spLocks noGrp="1"/>
-          </p:cNvSpPr>
-          <p:nvPr>
-            <p:ph type="title"/>
-          </p:nvPr>
-        </p:nvSpPr>
-        <p:spPr/>
-        <p:txBody>
-          <a:bodyPr/>
-          <a:lstStyle/>
-          <a:p>
-            <a:r>
-              <a:rPr lang="en-US" dirty="0"/>
-              <a:t>Content Title 04</a:t>
-            </a:r>
-          </a:p>
-        </p:txBody>
-      </p:sp>
-      <p:pic>
-        <p:nvPicPr>
-          <p:cNvPr id="8" name="Picture Placeholder 7" descr="Triangular pattern design with dimension">
-            <a:extLst>
-              <a:ext uri="{FF2B5EF4-FFF2-40B4-BE49-F238E27FC236}">
-                <a16:creationId xmlns:a16="http://schemas.microsoft.com/office/drawing/2014/main" xmlns="" id="{2301248D-7370-7643-9BE6-F8CDCFF4D460}"/>
-              </a:ext>
-            </a:extLst>
-          </p:cNvPr>
-          <p:cNvPicPr>
-            <a:picLocks noGrp="1" noChangeAspect="1"/>
-          </p:cNvPicPr>
-          <p:nvPr>
-            <p:ph type="pic" sz="quarter" idx="19"/>
-          </p:nvPr>
-        </p:nvPicPr>
-        <p:blipFill rotWithShape="1">
-          <a:blip r:embed="rId2">
-            <a:extLst>
-              <a:ext uri="{28A0092B-C50C-407E-A947-70E740481C1C}">
-                <a14:useLocalDpi xmlns:a14="http://schemas.microsoft.com/office/drawing/2010/main" val="0"/>
-              </a:ext>
-            </a:extLst>
-          </a:blip>
-          <a:srcRect/>
-          <a:stretch/>
-        </p:blipFill>
-        <p:spPr>
-          <a:xfrm>
-            <a:off x="-2" y="1352575"/>
-            <a:ext cx="12192002" cy="2289897"/>
-          </a:xfrm>
-        </p:spPr>
-      </p:pic>
-      <p:sp>
-        <p:nvSpPr>
-          <p:cNvPr id="19" name="Text Placeholder 18">
-            <a:extLst>
-              <a:ext uri="{FF2B5EF4-FFF2-40B4-BE49-F238E27FC236}">
-                <a16:creationId xmlns:a16="http://schemas.microsoft.com/office/drawing/2014/main" xmlns="" id="{782206B1-586F-4254-9B36-D06C4E294ACF}"/>
-              </a:ext>
-            </a:extLst>
-          </p:cNvPr>
-          <p:cNvSpPr>
-            <a:spLocks noGrp="1"/>
-          </p:cNvSpPr>
-          <p:nvPr>
-            <p:ph type="body" sz="quarter" idx="18"/>
-          </p:nvPr>
-        </p:nvSpPr>
-        <p:spPr/>
-        <p:txBody>
-          <a:bodyPr/>
-          <a:lstStyle/>
-          <a:p>
-            <a:r>
-              <a:rPr lang="en-US" dirty="0"/>
-              <a:t>Lorem ipsum dolor sit amet, consectetuer adipiscing elit. Maecenas porttitor congue massa. Fusce posuere, magna sed pulvinar ultricies, purus lectus malesuada libero, sit amet commodo magna eros quis urna. Nunc viverra imperdiet enim. Fusce est. Vivamus a tellus.</a:t>
-            </a:r>
-          </a:p>
-          <a:p>
-            <a:r>
-              <a:rPr lang="en-US" dirty="0"/>
-              <a:t>Pellentesque habitant morbi tristique senectus et netus et malesuada fames ac turpis egestas. Proin pharetra nonummy pede. Mauris et orci.</a:t>
-            </a:r>
-          </a:p>
-        </p:txBody>
-      </p:sp>
-      <p:sp>
-        <p:nvSpPr>
-          <p:cNvPr id="2" name="Slide Number Placeholder 1">
-            <a:extLst>
-              <a:ext uri="{FF2B5EF4-FFF2-40B4-BE49-F238E27FC236}">
-                <a16:creationId xmlns:a16="http://schemas.microsoft.com/office/drawing/2014/main" xmlns="" id="{FAC2D367-2A6E-41FE-A9EA-24FF17BCAA97}"/>
-              </a:ext>
-            </a:extLst>
-          </p:cNvPr>
-          <p:cNvSpPr>
-            <a:spLocks noGrp="1"/>
-          </p:cNvSpPr>
-          <p:nvPr>
-            <p:ph type="sldNum" sz="quarter" idx="12"/>
-          </p:nvPr>
-        </p:nvSpPr>
-        <p:spPr/>
-        <p:txBody>
-          <a:bodyPr/>
-          <a:lstStyle/>
-          <a:p>
-            <a:fld id="{C263D6C4-4840-40CC-AC84-17E24B3B7BDE}" type="slidenum">
-              <a:rPr lang="en-US" smtClean="0"/>
-              <a:pPr/>
-              <a:t>18</a:t>
-            </a:fld>
-            <a:endParaRPr lang="en-US" dirty="0"/>
-          </a:p>
-        </p:txBody>
-      </p:sp>
-    </p:spTree>
-    <p:extLst>
-      <p:ext uri="{BB962C8B-B14F-4D97-AF65-F5344CB8AC3E}">
-        <p14:creationId xmlns:p14="http://schemas.microsoft.com/office/powerpoint/2010/main" val="663103393"/>
-      </p:ext>
-    </p:extLst>
-  </p:cSld>
-  <p:clrMapOvr>
-    <a:masterClrMapping/>
-  </p:clrMapOvr>
-  <mc:AlternateContent xmlns:mc="http://schemas.openxmlformats.org/markup-compatibility/2006" xmlns:p14="http://schemas.microsoft.com/office/powerpoint/2010/main">
-    <mc:Choice Requires="p14">
-      <p:transition spd="med" p14:dur="700">
-        <p:fade/>
-      </p:transition>
-    </mc:Choice>
-    <mc:Fallback xmlns="">
-      <p:transition spd="med">
-        <p:fade/>
-      </p:transition>
-    </mc:Fallback>
-  </mc:AlternateContent>
-</p:sld>
-</file>
-
-<file path=ppt/slides/slide19.xml><?xml version="1.0" encoding="utf-8"?>
-<p:sld xmlns:a="http://schemas.openxmlformats.org/drawingml/2006/main" xmlns:r="http://schemas.openxmlformats.org/officeDocument/2006/relationships" xmlns:p="http://schemas.openxmlformats.org/presentationml/2006/main">
-  <p:cSld>
-    <p:spTree>
-      <p:nvGrpSpPr>
-        <p:cNvPr id="1" name=""/>
-        <p:cNvGrpSpPr/>
-        <p:nvPr/>
-      </p:nvGrpSpPr>
-      <p:grpSpPr>
-        <a:xfrm>
-          <a:off x="0" y="0"/>
-          <a:ext cx="0" cy="0"/>
-          <a:chOff x="0" y="0"/>
-          <a:chExt cx="0" cy="0"/>
-        </a:xfrm>
-      </p:grpSpPr>
-      <p:sp>
-        <p:nvSpPr>
-          <p:cNvPr id="5" name="Title 4">
-            <a:extLst>
-              <a:ext uri="{FF2B5EF4-FFF2-40B4-BE49-F238E27FC236}">
-                <a16:creationId xmlns:a16="http://schemas.microsoft.com/office/drawing/2014/main" xmlns="" id="{201323FB-427E-4A8D-B473-AB0657D8D23B}"/>
-              </a:ext>
-            </a:extLst>
-          </p:cNvPr>
-          <p:cNvSpPr>
-            <a:spLocks noGrp="1"/>
-          </p:cNvSpPr>
-          <p:nvPr>
-            <p:ph type="title"/>
-          </p:nvPr>
-        </p:nvSpPr>
-        <p:spPr/>
-        <p:txBody>
-          <a:bodyPr/>
-          <a:lstStyle/>
-          <a:p>
-            <a:r>
-              <a:rPr lang="en-US" dirty="0"/>
-              <a:t>Table</a:t>
-            </a:r>
-          </a:p>
-        </p:txBody>
-      </p:sp>
-      <p:graphicFrame>
-        <p:nvGraphicFramePr>
-          <p:cNvPr id="6" name="Table 5">
-            <a:extLst>
-              <a:ext uri="{FF2B5EF4-FFF2-40B4-BE49-F238E27FC236}">
-                <a16:creationId xmlns:a16="http://schemas.microsoft.com/office/drawing/2014/main" xmlns="" id="{E8EEB296-8554-4D20-B3B8-C0BBC380A58D}"/>
-              </a:ext>
-            </a:extLst>
-          </p:cNvPr>
-          <p:cNvGraphicFramePr>
-            <a:graphicFrameLocks noGrp="1"/>
-          </p:cNvGraphicFramePr>
-          <p:nvPr>
-            <p:extLst>
-              <p:ext uri="{D42A27DB-BD31-4B8C-83A1-F6EECF244321}">
-                <p14:modId xmlns:p14="http://schemas.microsoft.com/office/powerpoint/2010/main" val="2357960289"/>
-              </p:ext>
-            </p:extLst>
-          </p:nvPr>
-        </p:nvGraphicFramePr>
-        <p:xfrm>
-          <a:off x="1130300" y="1856740"/>
-          <a:ext cx="9931400" cy="3931920"/>
-        </p:xfrm>
-        <a:graphic>
-          <a:graphicData uri="http://schemas.openxmlformats.org/drawingml/2006/table">
-            <a:tbl>
-              <a:tblPr firstRow="1" bandRow="1">
-                <a:tableStyleId>{5C22544A-7EE6-4342-B048-85BDC9FD1C3A}</a:tableStyleId>
-              </a:tblPr>
-              <a:tblGrid>
-                <a:gridCol w="2482850">
-                  <a:extLst>
-                    <a:ext uri="{9D8B030D-6E8A-4147-A177-3AD203B41FA5}">
-                      <a16:colId xmlns:a16="http://schemas.microsoft.com/office/drawing/2014/main" xmlns="" val="3559833401"/>
-                    </a:ext>
-                  </a:extLst>
-                </a:gridCol>
-                <a:gridCol w="2482850">
-                  <a:extLst>
-                    <a:ext uri="{9D8B030D-6E8A-4147-A177-3AD203B41FA5}">
-                      <a16:colId xmlns:a16="http://schemas.microsoft.com/office/drawing/2014/main" xmlns="" val="82523989"/>
-                    </a:ext>
-                  </a:extLst>
-                </a:gridCol>
-                <a:gridCol w="2482850">
-                  <a:extLst>
-                    <a:ext uri="{9D8B030D-6E8A-4147-A177-3AD203B41FA5}">
-                      <a16:colId xmlns:a16="http://schemas.microsoft.com/office/drawing/2014/main" xmlns="" val="3211310719"/>
-                    </a:ext>
-                  </a:extLst>
-                </a:gridCol>
-                <a:gridCol w="2482850">
-                  <a:extLst>
-                    <a:ext uri="{9D8B030D-6E8A-4147-A177-3AD203B41FA5}">
-                      <a16:colId xmlns:a16="http://schemas.microsoft.com/office/drawing/2014/main" xmlns="" val="4160613981"/>
-                    </a:ext>
-                  </a:extLst>
-                </a:gridCol>
-              </a:tblGrid>
-              <a:tr h="640080">
-                <a:tc>
-                  <a:txBody>
-                    <a:bodyPr/>
-                    <a:lstStyle/>
-                    <a:p>
-                      <a:pPr algn="ctr"/>
-                      <a:r>
-                        <a:rPr lang="en-US" sz="1600" b="0" dirty="0">
-                          <a:latin typeface="+mn-lt"/>
-                          <a:cs typeface="Arial" panose="020B0604020202020204" pitchFamily="34" charset="0"/>
-                        </a:rPr>
-                        <a:t>Title</a:t>
-                      </a:r>
-                      <a:endParaRPr lang="en-GB" sz="1600" b="0" dirty="0">
-                        <a:latin typeface="+mn-lt"/>
-                        <a:cs typeface="Arial" panose="020B0604020202020204" pitchFamily="34" charset="0"/>
-                      </a:endParaRPr>
-                    </a:p>
-                  </a:txBody>
-                  <a:tcPr anchor="ctr">
-                    <a:lnL w="12700" cap="flat" cmpd="sng" algn="ctr">
-                      <a:noFill/>
-                      <a:prstDash val="solid"/>
-                      <a:round/>
-                      <a:headEnd type="none" w="med" len="med"/>
-                      <a:tailEnd type="none" w="med" len="med"/>
-                    </a:lnL>
-                    <a:lnR w="12700" cap="flat" cmpd="sng" algn="ctr">
-                      <a:solidFill>
-                        <a:schemeClr val="accent2">
-                          <a:lumMod val="75000"/>
-                        </a:schemeClr>
-                      </a:solidFill>
-                      <a:prstDash val="solid"/>
-                      <a:round/>
-                      <a:headEnd type="none" w="med" len="med"/>
-                      <a:tailEnd type="none" w="med" len="med"/>
-                    </a:lnR>
-                    <a:lnT w="38100" cap="flat" cmpd="sng" algn="ctr">
-                      <a:solidFill>
-                        <a:schemeClr val="accent2">
-                          <a:lumMod val="75000"/>
-                        </a:schemeClr>
-                      </a:solidFill>
-                      <a:prstDash val="solid"/>
-                      <a:round/>
-                      <a:headEnd type="none" w="med" len="med"/>
-                      <a:tailEnd type="none" w="med" len="med"/>
-                    </a:lnT>
-                    <a:lnB w="38100" cap="flat" cmpd="sng" algn="ctr">
-                      <a:solidFill>
-                        <a:schemeClr val="accent2">
-                          <a:lumMod val="75000"/>
-                        </a:schemeClr>
-                      </a:solidFill>
-                      <a:prstDash val="solid"/>
-                      <a:round/>
-                      <a:headEnd type="none" w="med" len="med"/>
-                      <a:tailEnd type="none" w="med" len="med"/>
-                    </a:lnB>
-                    <a:lnTlToBr w="12700" cmpd="sng">
-                      <a:noFill/>
-                      <a:prstDash val="solid"/>
-                    </a:lnTlToBr>
-                    <a:lnBlToTr w="12700" cmpd="sng">
-                      <a:noFill/>
-                      <a:prstDash val="solid"/>
-                    </a:lnBlToTr>
-                    <a:noFill/>
-                  </a:tcPr>
-                </a:tc>
-                <a:tc>
-                  <a:txBody>
-                    <a:bodyPr/>
-                    <a:lstStyle/>
-                    <a:p>
-                      <a:pPr marL="0" marR="0" lvl="0" indent="0" algn="ctr" defTabSz="914400" rtl="0" eaLnBrk="1" fontAlgn="auto" latinLnBrk="0" hangingPunct="1">
-                        <a:lnSpc>
-                          <a:spcPct val="100000"/>
-                        </a:lnSpc>
-                        <a:spcBef>
-                          <a:spcPts val="0"/>
-                        </a:spcBef>
-                        <a:spcAft>
-                          <a:spcPts val="0"/>
-                        </a:spcAft>
-                        <a:buClrTx/>
-                        <a:buSzTx/>
-                        <a:buFontTx/>
-                        <a:buNone/>
-                        <a:tabLst/>
-                        <a:defRPr/>
-                      </a:pPr>
-                      <a:r>
-                        <a:rPr lang="en-US" sz="1600" b="0" dirty="0">
-                          <a:latin typeface="+mn-lt"/>
-                          <a:cs typeface="Arial" panose="020B0604020202020204" pitchFamily="34" charset="0"/>
-                        </a:rPr>
-                        <a:t>Title</a:t>
-                      </a:r>
-                      <a:endParaRPr lang="en-GB" sz="1600" b="0" dirty="0">
-                        <a:latin typeface="+mn-lt"/>
-                        <a:cs typeface="Arial" panose="020B0604020202020204" pitchFamily="34" charset="0"/>
-                      </a:endParaRPr>
-                    </a:p>
-                  </a:txBody>
-                  <a:tcPr anchor="ctr">
-                    <a:lnL w="12700" cap="flat" cmpd="sng" algn="ctr">
-                      <a:solidFill>
-                        <a:schemeClr val="accent2">
-                          <a:lumMod val="75000"/>
-                        </a:schemeClr>
-                      </a:solidFill>
-                      <a:prstDash val="solid"/>
-                      <a:round/>
-                      <a:headEnd type="none" w="med" len="med"/>
-                      <a:tailEnd type="none" w="med" len="med"/>
-                    </a:lnL>
-                    <a:lnR w="12700" cap="flat" cmpd="sng" algn="ctr">
-                      <a:solidFill>
-                        <a:schemeClr val="accent2">
-                          <a:lumMod val="75000"/>
-                        </a:schemeClr>
-                      </a:solidFill>
-                      <a:prstDash val="solid"/>
-                      <a:round/>
-                      <a:headEnd type="none" w="med" len="med"/>
-                      <a:tailEnd type="none" w="med" len="med"/>
-                    </a:lnR>
-                    <a:lnT w="38100" cap="flat" cmpd="sng" algn="ctr">
-                      <a:solidFill>
-                        <a:schemeClr val="accent2">
-                          <a:lumMod val="75000"/>
-                        </a:schemeClr>
-                      </a:solidFill>
-                      <a:prstDash val="solid"/>
-                      <a:round/>
-                      <a:headEnd type="none" w="med" len="med"/>
-                      <a:tailEnd type="none" w="med" len="med"/>
-                    </a:lnT>
-                    <a:lnB w="38100" cap="flat" cmpd="sng" algn="ctr">
-                      <a:solidFill>
-                        <a:schemeClr val="accent2">
-                          <a:lumMod val="75000"/>
-                        </a:schemeClr>
-                      </a:solidFill>
-                      <a:prstDash val="solid"/>
-                      <a:round/>
-                      <a:headEnd type="none" w="med" len="med"/>
-                      <a:tailEnd type="none" w="med" len="med"/>
-                    </a:lnB>
-                    <a:lnTlToBr w="12700" cmpd="sng">
-                      <a:noFill/>
-                      <a:prstDash val="solid"/>
-                    </a:lnTlToBr>
-                    <a:lnBlToTr w="12700" cmpd="sng">
-                      <a:noFill/>
-                      <a:prstDash val="solid"/>
-                    </a:lnBlToTr>
-                    <a:noFill/>
-                  </a:tcPr>
-                </a:tc>
-                <a:tc>
-                  <a:txBody>
-                    <a:bodyPr/>
-                    <a:lstStyle/>
-                    <a:p>
-                      <a:pPr marL="0" marR="0" lvl="0" indent="0" algn="ctr" defTabSz="914400" rtl="0" eaLnBrk="1" fontAlgn="auto" latinLnBrk="0" hangingPunct="1">
-                        <a:lnSpc>
-                          <a:spcPct val="100000"/>
-                        </a:lnSpc>
-                        <a:spcBef>
-                          <a:spcPts val="0"/>
-                        </a:spcBef>
-                        <a:spcAft>
-                          <a:spcPts val="0"/>
-                        </a:spcAft>
-                        <a:buClrTx/>
-                        <a:buSzTx/>
-                        <a:buFontTx/>
-                        <a:buNone/>
-                        <a:tabLst/>
-                        <a:defRPr/>
-                      </a:pPr>
-                      <a:r>
-                        <a:rPr lang="en-US" sz="1600" b="0" dirty="0">
-                          <a:latin typeface="+mn-lt"/>
-                          <a:cs typeface="Arial" panose="020B0604020202020204" pitchFamily="34" charset="0"/>
-                        </a:rPr>
-                        <a:t>Title</a:t>
-                      </a:r>
-                      <a:endParaRPr lang="en-GB" sz="1600" b="0" dirty="0">
-                        <a:latin typeface="+mn-lt"/>
-                        <a:cs typeface="Arial" panose="020B0604020202020204" pitchFamily="34" charset="0"/>
-                      </a:endParaRPr>
-                    </a:p>
-                  </a:txBody>
-                  <a:tcPr anchor="ctr">
-                    <a:lnL w="12700" cap="flat" cmpd="sng" algn="ctr">
-                      <a:solidFill>
-                        <a:schemeClr val="accent2">
-                          <a:lumMod val="75000"/>
-                        </a:schemeClr>
-                      </a:solidFill>
-                      <a:prstDash val="solid"/>
-                      <a:round/>
-                      <a:headEnd type="none" w="med" len="med"/>
-                      <a:tailEnd type="none" w="med" len="med"/>
-                    </a:lnL>
-                    <a:lnR w="12700" cap="flat" cmpd="sng" algn="ctr">
-                      <a:solidFill>
-                        <a:schemeClr val="accent2">
-                          <a:lumMod val="75000"/>
-                        </a:schemeClr>
-                      </a:solidFill>
-                      <a:prstDash val="solid"/>
-                      <a:round/>
-                      <a:headEnd type="none" w="med" len="med"/>
-                      <a:tailEnd type="none" w="med" len="med"/>
-                    </a:lnR>
-                    <a:lnT w="38100" cap="flat" cmpd="sng" algn="ctr">
-                      <a:solidFill>
-                        <a:schemeClr val="accent2">
-                          <a:lumMod val="75000"/>
-                        </a:schemeClr>
-                      </a:solidFill>
-                      <a:prstDash val="solid"/>
-                      <a:round/>
-                      <a:headEnd type="none" w="med" len="med"/>
-                      <a:tailEnd type="none" w="med" len="med"/>
-                    </a:lnT>
-                    <a:lnB w="38100" cap="flat" cmpd="sng" algn="ctr">
-                      <a:solidFill>
-                        <a:schemeClr val="accent2">
-                          <a:lumMod val="75000"/>
-                        </a:schemeClr>
-                      </a:solidFill>
-                      <a:prstDash val="solid"/>
-                      <a:round/>
-                      <a:headEnd type="none" w="med" len="med"/>
-                      <a:tailEnd type="none" w="med" len="med"/>
-                    </a:lnB>
-                    <a:lnTlToBr w="12700" cmpd="sng">
-                      <a:noFill/>
-                      <a:prstDash val="solid"/>
-                    </a:lnTlToBr>
-                    <a:lnBlToTr w="12700" cmpd="sng">
-                      <a:noFill/>
-                      <a:prstDash val="solid"/>
-                    </a:lnBlToTr>
-                    <a:noFill/>
-                  </a:tcPr>
-                </a:tc>
-                <a:tc>
-                  <a:txBody>
-                    <a:bodyPr/>
-                    <a:lstStyle/>
-                    <a:p>
-                      <a:pPr marL="0" marR="0" lvl="0" indent="0" algn="ctr" defTabSz="914400" rtl="0" eaLnBrk="1" fontAlgn="auto" latinLnBrk="0" hangingPunct="1">
-                        <a:lnSpc>
-                          <a:spcPct val="100000"/>
-                        </a:lnSpc>
-                        <a:spcBef>
-                          <a:spcPts val="0"/>
-                        </a:spcBef>
-                        <a:spcAft>
-                          <a:spcPts val="0"/>
-                        </a:spcAft>
-                        <a:buClrTx/>
-                        <a:buSzTx/>
-                        <a:buFontTx/>
-                        <a:buNone/>
-                        <a:tabLst/>
-                        <a:defRPr/>
-                      </a:pPr>
-                      <a:r>
-                        <a:rPr lang="en-US" sz="1600" b="0" dirty="0">
-                          <a:latin typeface="+mn-lt"/>
-                          <a:cs typeface="Arial" panose="020B0604020202020204" pitchFamily="34" charset="0"/>
-                        </a:rPr>
-                        <a:t>Title</a:t>
-                      </a:r>
-                      <a:endParaRPr lang="en-GB" sz="1600" b="0" dirty="0">
-                        <a:latin typeface="+mn-lt"/>
-                        <a:cs typeface="Arial" panose="020B0604020202020204" pitchFamily="34" charset="0"/>
-                      </a:endParaRPr>
-                    </a:p>
-                  </a:txBody>
-                  <a:tcPr anchor="ctr">
-                    <a:lnL w="12700" cap="flat" cmpd="sng" algn="ctr">
-                      <a:solidFill>
-                        <a:schemeClr val="accent2">
-                          <a:lumMod val="75000"/>
-                        </a:schemeClr>
-                      </a:solidFill>
-                      <a:prstDash val="solid"/>
-                      <a:round/>
-                      <a:headEnd type="none" w="med" len="med"/>
-                      <a:tailEnd type="none" w="med" len="med"/>
-                    </a:lnL>
-                    <a:lnR w="12700" cap="flat" cmpd="sng" algn="ctr">
-                      <a:noFill/>
-                      <a:prstDash val="solid"/>
-                      <a:round/>
-                      <a:headEnd type="none" w="med" len="med"/>
-                      <a:tailEnd type="none" w="med" len="med"/>
-                    </a:lnR>
-                    <a:lnT w="38100" cap="flat" cmpd="sng" algn="ctr">
-                      <a:solidFill>
-                        <a:schemeClr val="accent2">
-                          <a:lumMod val="75000"/>
-                        </a:schemeClr>
-                      </a:solidFill>
-                      <a:prstDash val="solid"/>
-                      <a:round/>
-                      <a:headEnd type="none" w="med" len="med"/>
-                      <a:tailEnd type="none" w="med" len="med"/>
-                    </a:lnT>
-                    <a:lnB w="38100" cap="flat" cmpd="sng" algn="ctr">
-                      <a:solidFill>
-                        <a:schemeClr val="accent2">
-                          <a:lumMod val="75000"/>
-                        </a:schemeClr>
-                      </a:solidFill>
-                      <a:prstDash val="solid"/>
-                      <a:round/>
-                      <a:headEnd type="none" w="med" len="med"/>
-                      <a:tailEnd type="none" w="med" len="med"/>
-                    </a:lnB>
-                    <a:lnTlToBr w="12700" cmpd="sng">
-                      <a:noFill/>
-                      <a:prstDash val="solid"/>
-                    </a:lnTlToBr>
-                    <a:lnBlToTr w="12700" cmpd="sng">
-                      <a:noFill/>
-                      <a:prstDash val="solid"/>
-                    </a:lnBlToTr>
-                    <a:noFill/>
-                  </a:tcPr>
-                </a:tc>
-                <a:extLst>
-                  <a:ext uri="{0D108BD9-81ED-4DB2-BD59-A6C34878D82A}">
-                    <a16:rowId xmlns:a16="http://schemas.microsoft.com/office/drawing/2014/main" xmlns="" val="3766630617"/>
-                  </a:ext>
-                </a:extLst>
-              </a:tr>
-              <a:tr h="548640">
-                <a:tc>
-                  <a:txBody>
-                    <a:bodyPr/>
-                    <a:lstStyle/>
-                    <a:p>
-                      <a:endParaRPr lang="en-GB" sz="1400" dirty="0">
-                        <a:latin typeface="+mn-lt"/>
-                      </a:endParaRPr>
-                    </a:p>
-                  </a:txBody>
-                  <a:tcPr anchor="ctr">
-                    <a:lnL w="38100" cap="flat" cmpd="sng" algn="ctr">
-                      <a:noFill/>
-                      <a:prstDash val="solid"/>
-                      <a:round/>
-                      <a:headEnd type="none" w="med" len="med"/>
-                      <a:tailEnd type="none" w="med" len="med"/>
-                    </a:lnL>
-                    <a:lnR w="12700" cap="flat" cmpd="sng" algn="ctr">
-                      <a:solidFill>
-                        <a:schemeClr val="accent2">
-                          <a:lumMod val="75000"/>
-                        </a:schemeClr>
-                      </a:solidFill>
-                      <a:prstDash val="solid"/>
-                      <a:round/>
-                      <a:headEnd type="none" w="med" len="med"/>
-                      <a:tailEnd type="none" w="med" len="med"/>
-                    </a:lnR>
-                    <a:lnT w="38100" cap="flat" cmpd="sng" algn="ctr">
-                      <a:solidFill>
-                        <a:schemeClr val="accent2">
-                          <a:lumMod val="75000"/>
-                        </a:schemeClr>
-                      </a:solidFill>
-                      <a:prstDash val="solid"/>
-                      <a:round/>
-                      <a:headEnd type="none" w="med" len="med"/>
-                      <a:tailEnd type="none" w="med" len="med"/>
-                    </a:lnT>
-                    <a:lnB w="12700" cap="flat" cmpd="sng" algn="ctr">
-                      <a:solidFill>
-                        <a:schemeClr val="accent2">
-                          <a:lumMod val="75000"/>
-                        </a:schemeClr>
-                      </a:solidFill>
-                      <a:prstDash val="solid"/>
-                      <a:round/>
-                      <a:headEnd type="none" w="med" len="med"/>
-                      <a:tailEnd type="none" w="med" len="med"/>
-                    </a:lnB>
-                    <a:noFill/>
-                  </a:tcPr>
-                </a:tc>
-                <a:tc>
-                  <a:txBody>
-                    <a:bodyPr/>
-                    <a:lstStyle/>
-                    <a:p>
-                      <a:endParaRPr lang="en-GB" sz="1400" dirty="0">
-                        <a:latin typeface="+mn-lt"/>
-                      </a:endParaRPr>
-                    </a:p>
-                  </a:txBody>
-                  <a:tcPr anchor="ctr">
-                    <a:lnL w="12700" cap="flat" cmpd="sng" algn="ctr">
-                      <a:solidFill>
-                        <a:schemeClr val="accent2">
-                          <a:lumMod val="75000"/>
-                        </a:schemeClr>
-                      </a:solidFill>
-                      <a:prstDash val="solid"/>
-                      <a:round/>
-                      <a:headEnd type="none" w="med" len="med"/>
-                      <a:tailEnd type="none" w="med" len="med"/>
-                    </a:lnL>
-                    <a:lnR w="12700" cap="flat" cmpd="sng" algn="ctr">
-                      <a:solidFill>
-                        <a:schemeClr val="accent2">
-                          <a:lumMod val="75000"/>
-                        </a:schemeClr>
-                      </a:solidFill>
-                      <a:prstDash val="solid"/>
-                      <a:round/>
-                      <a:headEnd type="none" w="med" len="med"/>
-                      <a:tailEnd type="none" w="med" len="med"/>
-                    </a:lnR>
-                    <a:lnT w="38100" cap="flat" cmpd="sng" algn="ctr">
-                      <a:solidFill>
-                        <a:schemeClr val="accent2">
-                          <a:lumMod val="75000"/>
-                        </a:schemeClr>
-                      </a:solidFill>
-                      <a:prstDash val="solid"/>
-                      <a:round/>
-                      <a:headEnd type="none" w="med" len="med"/>
-                      <a:tailEnd type="none" w="med" len="med"/>
-                    </a:lnT>
-                    <a:lnB w="12700" cap="flat" cmpd="sng" algn="ctr">
-                      <a:solidFill>
-                        <a:schemeClr val="accent2">
-                          <a:lumMod val="75000"/>
-                        </a:schemeClr>
-                      </a:solidFill>
-                      <a:prstDash val="solid"/>
-                      <a:round/>
-                      <a:headEnd type="none" w="med" len="med"/>
-                      <a:tailEnd type="none" w="med" len="med"/>
-                    </a:lnB>
-                    <a:noFill/>
-                  </a:tcPr>
-                </a:tc>
-                <a:tc>
-                  <a:txBody>
-                    <a:bodyPr/>
-                    <a:lstStyle/>
-                    <a:p>
-                      <a:endParaRPr lang="en-GB" sz="1400" dirty="0">
-                        <a:latin typeface="+mn-lt"/>
-                      </a:endParaRPr>
-                    </a:p>
-                  </a:txBody>
-                  <a:tcPr anchor="ctr">
-                    <a:lnL w="12700" cap="flat" cmpd="sng" algn="ctr">
-                      <a:solidFill>
-                        <a:schemeClr val="accent2">
-                          <a:lumMod val="75000"/>
-                        </a:schemeClr>
-                      </a:solidFill>
-                      <a:prstDash val="solid"/>
-                      <a:round/>
-                      <a:headEnd type="none" w="med" len="med"/>
-                      <a:tailEnd type="none" w="med" len="med"/>
-                    </a:lnL>
-                    <a:lnR w="12700" cap="flat" cmpd="sng" algn="ctr">
-                      <a:solidFill>
-                        <a:schemeClr val="accent2">
-                          <a:lumMod val="75000"/>
-                        </a:schemeClr>
-                      </a:solidFill>
-                      <a:prstDash val="solid"/>
-                      <a:round/>
-                      <a:headEnd type="none" w="med" len="med"/>
-                      <a:tailEnd type="none" w="med" len="med"/>
-                    </a:lnR>
-                    <a:lnT w="38100" cap="flat" cmpd="sng" algn="ctr">
-                      <a:solidFill>
-                        <a:schemeClr val="accent2">
-                          <a:lumMod val="75000"/>
-                        </a:schemeClr>
-                      </a:solidFill>
-                      <a:prstDash val="solid"/>
-                      <a:round/>
-                      <a:headEnd type="none" w="med" len="med"/>
-                      <a:tailEnd type="none" w="med" len="med"/>
-                    </a:lnT>
-                    <a:lnB w="12700" cap="flat" cmpd="sng" algn="ctr">
-                      <a:solidFill>
-                        <a:schemeClr val="accent2">
-                          <a:lumMod val="75000"/>
-                        </a:schemeClr>
-                      </a:solidFill>
-                      <a:prstDash val="solid"/>
-                      <a:round/>
-                      <a:headEnd type="none" w="med" len="med"/>
-                      <a:tailEnd type="none" w="med" len="med"/>
-                    </a:lnB>
-                    <a:noFill/>
-                  </a:tcPr>
-                </a:tc>
-                <a:tc>
-                  <a:txBody>
-                    <a:bodyPr/>
-                    <a:lstStyle/>
-                    <a:p>
-                      <a:endParaRPr lang="en-GB" sz="1400" dirty="0">
-                        <a:latin typeface="+mn-lt"/>
-                      </a:endParaRPr>
-                    </a:p>
-                  </a:txBody>
-                  <a:tcPr anchor="ctr">
-                    <a:lnL w="12700" cap="flat" cmpd="sng" algn="ctr">
-                      <a:solidFill>
-                        <a:schemeClr val="accent2">
-                          <a:lumMod val="75000"/>
-                        </a:schemeClr>
-                      </a:solidFill>
-                      <a:prstDash val="solid"/>
-                      <a:round/>
-                      <a:headEnd type="none" w="med" len="med"/>
-                      <a:tailEnd type="none" w="med" len="med"/>
-                    </a:lnL>
-                    <a:lnR w="38100" cap="flat" cmpd="sng" algn="ctr">
-                      <a:noFill/>
-                      <a:prstDash val="solid"/>
-                      <a:round/>
-                      <a:headEnd type="none" w="med" len="med"/>
-                      <a:tailEnd type="none" w="med" len="med"/>
-                    </a:lnR>
-                    <a:lnT w="38100" cap="flat" cmpd="sng" algn="ctr">
-                      <a:solidFill>
-                        <a:schemeClr val="accent2">
-                          <a:lumMod val="75000"/>
-                        </a:schemeClr>
-                      </a:solidFill>
-                      <a:prstDash val="solid"/>
-                      <a:round/>
-                      <a:headEnd type="none" w="med" len="med"/>
-                      <a:tailEnd type="none" w="med" len="med"/>
-                    </a:lnT>
-                    <a:lnB w="12700" cap="flat" cmpd="sng" algn="ctr">
-                      <a:solidFill>
-                        <a:schemeClr val="accent2">
-                          <a:lumMod val="75000"/>
-                        </a:schemeClr>
-                      </a:solidFill>
-                      <a:prstDash val="solid"/>
-                      <a:round/>
-                      <a:headEnd type="none" w="med" len="med"/>
-                      <a:tailEnd type="none" w="med" len="med"/>
-                    </a:lnB>
-                    <a:noFill/>
-                  </a:tcPr>
-                </a:tc>
-                <a:extLst>
-                  <a:ext uri="{0D108BD9-81ED-4DB2-BD59-A6C34878D82A}">
-                    <a16:rowId xmlns:a16="http://schemas.microsoft.com/office/drawing/2014/main" xmlns="" val="3446274366"/>
-                  </a:ext>
-                </a:extLst>
-              </a:tr>
-              <a:tr h="548640">
-                <a:tc>
-                  <a:txBody>
-                    <a:bodyPr/>
-                    <a:lstStyle/>
-                    <a:p>
-                      <a:endParaRPr lang="en-GB" sz="1400" dirty="0">
-                        <a:latin typeface="+mn-lt"/>
-                      </a:endParaRPr>
-                    </a:p>
-                  </a:txBody>
-                  <a:tcPr anchor="ctr">
-                    <a:lnL w="38100" cap="flat" cmpd="sng" algn="ctr">
-                      <a:noFill/>
-                      <a:prstDash val="solid"/>
-                      <a:round/>
-                      <a:headEnd type="none" w="med" len="med"/>
-                      <a:tailEnd type="none" w="med" len="med"/>
-                    </a:lnL>
-                    <a:lnR w="12700" cap="flat" cmpd="sng" algn="ctr">
-                      <a:solidFill>
-                        <a:schemeClr val="accent2">
-                          <a:lumMod val="75000"/>
-                        </a:schemeClr>
-                      </a:solidFill>
-                      <a:prstDash val="solid"/>
-                      <a:round/>
-                      <a:headEnd type="none" w="med" len="med"/>
-                      <a:tailEnd type="none" w="med" len="med"/>
-                    </a:lnR>
-                    <a:lnT w="12700" cap="flat" cmpd="sng" algn="ctr">
-                      <a:solidFill>
-                        <a:schemeClr val="accent2">
-                          <a:lumMod val="75000"/>
-                        </a:schemeClr>
-                      </a:solidFill>
-                      <a:prstDash val="solid"/>
-                      <a:round/>
-                      <a:headEnd type="none" w="med" len="med"/>
-                      <a:tailEnd type="none" w="med" len="med"/>
-                    </a:lnT>
-                    <a:lnB w="12700" cap="flat" cmpd="sng" algn="ctr">
-                      <a:solidFill>
-                        <a:schemeClr val="accent2">
-                          <a:lumMod val="75000"/>
-                        </a:schemeClr>
-                      </a:solidFill>
-                      <a:prstDash val="solid"/>
-                      <a:round/>
-                      <a:headEnd type="none" w="med" len="med"/>
-                      <a:tailEnd type="none" w="med" len="med"/>
-                    </a:lnB>
-                    <a:solidFill>
-                      <a:schemeClr val="accent5"/>
-                    </a:solidFill>
-                  </a:tcPr>
-                </a:tc>
-                <a:tc>
-                  <a:txBody>
-                    <a:bodyPr/>
-                    <a:lstStyle/>
-                    <a:p>
-                      <a:endParaRPr lang="en-GB" sz="1400" dirty="0">
-                        <a:latin typeface="+mn-lt"/>
-                      </a:endParaRPr>
-                    </a:p>
-                  </a:txBody>
-                  <a:tcPr anchor="ctr">
-                    <a:lnL w="12700" cap="flat" cmpd="sng" algn="ctr">
-                      <a:solidFill>
-                        <a:schemeClr val="accent2">
-                          <a:lumMod val="75000"/>
-                        </a:schemeClr>
-                      </a:solidFill>
-                      <a:prstDash val="solid"/>
-                      <a:round/>
-                      <a:headEnd type="none" w="med" len="med"/>
-                      <a:tailEnd type="none" w="med" len="med"/>
-                    </a:lnL>
-                    <a:lnR w="12700" cap="flat" cmpd="sng" algn="ctr">
-                      <a:solidFill>
-                        <a:schemeClr val="accent2">
-                          <a:lumMod val="75000"/>
-                        </a:schemeClr>
-                      </a:solidFill>
-                      <a:prstDash val="solid"/>
-                      <a:round/>
-                      <a:headEnd type="none" w="med" len="med"/>
-                      <a:tailEnd type="none" w="med" len="med"/>
-                    </a:lnR>
-                    <a:lnT w="12700" cap="flat" cmpd="sng" algn="ctr">
-                      <a:solidFill>
-                        <a:schemeClr val="accent2">
-                          <a:lumMod val="75000"/>
-                        </a:schemeClr>
-                      </a:solidFill>
-                      <a:prstDash val="solid"/>
-                      <a:round/>
-                      <a:headEnd type="none" w="med" len="med"/>
-                      <a:tailEnd type="none" w="med" len="med"/>
-                    </a:lnT>
-                    <a:lnB w="12700" cap="flat" cmpd="sng" algn="ctr">
-                      <a:solidFill>
-                        <a:schemeClr val="accent2">
-                          <a:lumMod val="75000"/>
-                        </a:schemeClr>
-                      </a:solidFill>
-                      <a:prstDash val="solid"/>
-                      <a:round/>
-                      <a:headEnd type="none" w="med" len="med"/>
-                      <a:tailEnd type="none" w="med" len="med"/>
-                    </a:lnB>
-                    <a:solidFill>
-                      <a:schemeClr val="accent5"/>
-                    </a:solidFill>
-                  </a:tcPr>
-                </a:tc>
-                <a:tc>
-                  <a:txBody>
-                    <a:bodyPr/>
-                    <a:lstStyle/>
-                    <a:p>
-                      <a:endParaRPr lang="en-GB" sz="1400" dirty="0">
-                        <a:latin typeface="+mn-lt"/>
-                      </a:endParaRPr>
-                    </a:p>
-                  </a:txBody>
-                  <a:tcPr anchor="ctr">
-                    <a:lnL w="12700" cap="flat" cmpd="sng" algn="ctr">
-                      <a:solidFill>
-                        <a:schemeClr val="accent2">
-                          <a:lumMod val="75000"/>
-                        </a:schemeClr>
-                      </a:solidFill>
-                      <a:prstDash val="solid"/>
-                      <a:round/>
-                      <a:headEnd type="none" w="med" len="med"/>
-                      <a:tailEnd type="none" w="med" len="med"/>
-                    </a:lnL>
-                    <a:lnR w="12700" cap="flat" cmpd="sng" algn="ctr">
-                      <a:solidFill>
-                        <a:schemeClr val="accent2">
-                          <a:lumMod val="75000"/>
-                        </a:schemeClr>
-                      </a:solidFill>
-                      <a:prstDash val="solid"/>
-                      <a:round/>
-                      <a:headEnd type="none" w="med" len="med"/>
-                      <a:tailEnd type="none" w="med" len="med"/>
-                    </a:lnR>
-                    <a:lnT w="12700" cap="flat" cmpd="sng" algn="ctr">
-                      <a:solidFill>
-                        <a:schemeClr val="accent2">
-                          <a:lumMod val="75000"/>
-                        </a:schemeClr>
-                      </a:solidFill>
-                      <a:prstDash val="solid"/>
-                      <a:round/>
-                      <a:headEnd type="none" w="med" len="med"/>
-                      <a:tailEnd type="none" w="med" len="med"/>
-                    </a:lnT>
-                    <a:lnB w="12700" cap="flat" cmpd="sng" algn="ctr">
-                      <a:solidFill>
-                        <a:schemeClr val="accent2">
-                          <a:lumMod val="75000"/>
-                        </a:schemeClr>
-                      </a:solidFill>
-                      <a:prstDash val="solid"/>
-                      <a:round/>
-                      <a:headEnd type="none" w="med" len="med"/>
-                      <a:tailEnd type="none" w="med" len="med"/>
-                    </a:lnB>
-                    <a:solidFill>
-                      <a:schemeClr val="accent5"/>
-                    </a:solidFill>
-                  </a:tcPr>
-                </a:tc>
-                <a:tc>
-                  <a:txBody>
-                    <a:bodyPr/>
-                    <a:lstStyle/>
-                    <a:p>
-                      <a:endParaRPr lang="en-GB" sz="1400" dirty="0">
-                        <a:latin typeface="+mn-lt"/>
-                      </a:endParaRPr>
-                    </a:p>
-                  </a:txBody>
-                  <a:tcPr anchor="ctr">
-                    <a:lnL w="12700" cap="flat" cmpd="sng" algn="ctr">
-                      <a:solidFill>
-                        <a:schemeClr val="accent2">
-                          <a:lumMod val="75000"/>
-                        </a:schemeClr>
-                      </a:solidFill>
-                      <a:prstDash val="solid"/>
-                      <a:round/>
-                      <a:headEnd type="none" w="med" len="med"/>
-                      <a:tailEnd type="none" w="med" len="med"/>
-                    </a:lnL>
-                    <a:lnR w="38100" cap="flat" cmpd="sng" algn="ctr">
-                      <a:noFill/>
-                      <a:prstDash val="solid"/>
-                      <a:round/>
-                      <a:headEnd type="none" w="med" len="med"/>
-                      <a:tailEnd type="none" w="med" len="med"/>
-                    </a:lnR>
-                    <a:lnT w="12700" cap="flat" cmpd="sng" algn="ctr">
-                      <a:solidFill>
-                        <a:schemeClr val="accent2">
-                          <a:lumMod val="75000"/>
-                        </a:schemeClr>
-                      </a:solidFill>
-                      <a:prstDash val="solid"/>
-                      <a:round/>
-                      <a:headEnd type="none" w="med" len="med"/>
-                      <a:tailEnd type="none" w="med" len="med"/>
-                    </a:lnT>
-                    <a:lnB w="12700" cap="flat" cmpd="sng" algn="ctr">
-                      <a:solidFill>
-                        <a:schemeClr val="accent2">
-                          <a:lumMod val="75000"/>
-                        </a:schemeClr>
-                      </a:solidFill>
-                      <a:prstDash val="solid"/>
-                      <a:round/>
-                      <a:headEnd type="none" w="med" len="med"/>
-                      <a:tailEnd type="none" w="med" len="med"/>
-                    </a:lnB>
-                    <a:solidFill>
-                      <a:schemeClr val="accent5"/>
-                    </a:solidFill>
-                  </a:tcPr>
-                </a:tc>
-                <a:extLst>
-                  <a:ext uri="{0D108BD9-81ED-4DB2-BD59-A6C34878D82A}">
-                    <a16:rowId xmlns:a16="http://schemas.microsoft.com/office/drawing/2014/main" xmlns="" val="1758271508"/>
-                  </a:ext>
-                </a:extLst>
-              </a:tr>
-              <a:tr h="548640">
-                <a:tc>
-                  <a:txBody>
-                    <a:bodyPr/>
-                    <a:lstStyle/>
-                    <a:p>
-                      <a:endParaRPr lang="en-GB" sz="1400" dirty="0">
-                        <a:latin typeface="+mn-lt"/>
-                      </a:endParaRPr>
-                    </a:p>
-                  </a:txBody>
-                  <a:tcPr anchor="ctr">
-                    <a:lnL w="38100" cap="flat" cmpd="sng" algn="ctr">
-                      <a:noFill/>
-                      <a:prstDash val="solid"/>
-                      <a:round/>
-                      <a:headEnd type="none" w="med" len="med"/>
-                      <a:tailEnd type="none" w="med" len="med"/>
-                    </a:lnL>
-                    <a:lnR w="12700" cap="flat" cmpd="sng" algn="ctr">
-                      <a:solidFill>
-                        <a:schemeClr val="accent2">
-                          <a:lumMod val="75000"/>
-                        </a:schemeClr>
-                      </a:solidFill>
-                      <a:prstDash val="solid"/>
-                      <a:round/>
-                      <a:headEnd type="none" w="med" len="med"/>
-                      <a:tailEnd type="none" w="med" len="med"/>
-                    </a:lnR>
-                    <a:lnT w="12700" cap="flat" cmpd="sng" algn="ctr">
-                      <a:solidFill>
-                        <a:schemeClr val="accent2">
-                          <a:lumMod val="75000"/>
-                        </a:schemeClr>
-                      </a:solidFill>
-                      <a:prstDash val="solid"/>
-                      <a:round/>
-                      <a:headEnd type="none" w="med" len="med"/>
-                      <a:tailEnd type="none" w="med" len="med"/>
-                    </a:lnT>
-                    <a:lnB w="12700" cap="flat" cmpd="sng" algn="ctr">
-                      <a:solidFill>
-                        <a:schemeClr val="accent2">
-                          <a:lumMod val="75000"/>
-                        </a:schemeClr>
-                      </a:solidFill>
-                      <a:prstDash val="solid"/>
-                      <a:round/>
-                      <a:headEnd type="none" w="med" len="med"/>
-                      <a:tailEnd type="none" w="med" len="med"/>
-                    </a:lnB>
-                    <a:noFill/>
-                  </a:tcPr>
-                </a:tc>
-                <a:tc>
-                  <a:txBody>
-                    <a:bodyPr/>
-                    <a:lstStyle/>
-                    <a:p>
-                      <a:endParaRPr lang="en-GB" sz="1400" dirty="0">
-                        <a:latin typeface="+mn-lt"/>
-                      </a:endParaRPr>
-                    </a:p>
-                  </a:txBody>
-                  <a:tcPr anchor="ctr">
-                    <a:lnL w="12700" cap="flat" cmpd="sng" algn="ctr">
-                      <a:solidFill>
-                        <a:schemeClr val="accent2">
-                          <a:lumMod val="75000"/>
-                        </a:schemeClr>
-                      </a:solidFill>
-                      <a:prstDash val="solid"/>
-                      <a:round/>
-                      <a:headEnd type="none" w="med" len="med"/>
-                      <a:tailEnd type="none" w="med" len="med"/>
-                    </a:lnL>
-                    <a:lnR w="12700" cap="flat" cmpd="sng" algn="ctr">
-                      <a:solidFill>
-                        <a:schemeClr val="accent2">
-                          <a:lumMod val="75000"/>
-                        </a:schemeClr>
-                      </a:solidFill>
-                      <a:prstDash val="solid"/>
-                      <a:round/>
-                      <a:headEnd type="none" w="med" len="med"/>
-                      <a:tailEnd type="none" w="med" len="med"/>
-                    </a:lnR>
-                    <a:lnT w="12700" cap="flat" cmpd="sng" algn="ctr">
-                      <a:solidFill>
-                        <a:schemeClr val="accent2">
-                          <a:lumMod val="75000"/>
-                        </a:schemeClr>
-                      </a:solidFill>
-                      <a:prstDash val="solid"/>
-                      <a:round/>
-                      <a:headEnd type="none" w="med" len="med"/>
-                      <a:tailEnd type="none" w="med" len="med"/>
-                    </a:lnT>
-                    <a:lnB w="12700" cap="flat" cmpd="sng" algn="ctr">
-                      <a:solidFill>
-                        <a:schemeClr val="accent2">
-                          <a:lumMod val="75000"/>
-                        </a:schemeClr>
-                      </a:solidFill>
-                      <a:prstDash val="solid"/>
-                      <a:round/>
-                      <a:headEnd type="none" w="med" len="med"/>
-                      <a:tailEnd type="none" w="med" len="med"/>
-                    </a:lnB>
-                    <a:noFill/>
-                  </a:tcPr>
-                </a:tc>
-                <a:tc>
-                  <a:txBody>
-                    <a:bodyPr/>
-                    <a:lstStyle/>
-                    <a:p>
-                      <a:endParaRPr lang="en-GB" sz="1400" dirty="0">
-                        <a:latin typeface="+mn-lt"/>
-                      </a:endParaRPr>
-                    </a:p>
-                  </a:txBody>
-                  <a:tcPr anchor="ctr">
-                    <a:lnL w="12700" cap="flat" cmpd="sng" algn="ctr">
-                      <a:solidFill>
-                        <a:schemeClr val="accent2">
-                          <a:lumMod val="75000"/>
-                        </a:schemeClr>
-                      </a:solidFill>
-                      <a:prstDash val="solid"/>
-                      <a:round/>
-                      <a:headEnd type="none" w="med" len="med"/>
-                      <a:tailEnd type="none" w="med" len="med"/>
-                    </a:lnL>
-                    <a:lnR w="12700" cap="flat" cmpd="sng" algn="ctr">
-                      <a:solidFill>
-                        <a:schemeClr val="accent2">
-                          <a:lumMod val="75000"/>
-                        </a:schemeClr>
-                      </a:solidFill>
-                      <a:prstDash val="solid"/>
-                      <a:round/>
-                      <a:headEnd type="none" w="med" len="med"/>
-                      <a:tailEnd type="none" w="med" len="med"/>
-                    </a:lnR>
-                    <a:lnT w="12700" cap="flat" cmpd="sng" algn="ctr">
-                      <a:solidFill>
-                        <a:schemeClr val="accent2">
-                          <a:lumMod val="75000"/>
-                        </a:schemeClr>
-                      </a:solidFill>
-                      <a:prstDash val="solid"/>
-                      <a:round/>
-                      <a:headEnd type="none" w="med" len="med"/>
-                      <a:tailEnd type="none" w="med" len="med"/>
-                    </a:lnT>
-                    <a:lnB w="12700" cap="flat" cmpd="sng" algn="ctr">
-                      <a:solidFill>
-                        <a:schemeClr val="accent2">
-                          <a:lumMod val="75000"/>
-                        </a:schemeClr>
-                      </a:solidFill>
-                      <a:prstDash val="solid"/>
-                      <a:round/>
-                      <a:headEnd type="none" w="med" len="med"/>
-                      <a:tailEnd type="none" w="med" len="med"/>
-                    </a:lnB>
-                    <a:noFill/>
-                  </a:tcPr>
-                </a:tc>
-                <a:tc>
-                  <a:txBody>
-                    <a:bodyPr/>
-                    <a:lstStyle/>
-                    <a:p>
-                      <a:endParaRPr lang="en-GB" sz="1400" dirty="0">
-                        <a:latin typeface="+mn-lt"/>
-                      </a:endParaRPr>
-                    </a:p>
-                  </a:txBody>
-                  <a:tcPr anchor="ctr">
-                    <a:lnL w="12700" cap="flat" cmpd="sng" algn="ctr">
-                      <a:solidFill>
-                        <a:schemeClr val="accent2">
-                          <a:lumMod val="75000"/>
-                        </a:schemeClr>
-                      </a:solidFill>
-                      <a:prstDash val="solid"/>
-                      <a:round/>
-                      <a:headEnd type="none" w="med" len="med"/>
-                      <a:tailEnd type="none" w="med" len="med"/>
-                    </a:lnL>
-                    <a:lnR w="38100" cap="flat" cmpd="sng" algn="ctr">
-                      <a:noFill/>
-                      <a:prstDash val="solid"/>
-                      <a:round/>
-                      <a:headEnd type="none" w="med" len="med"/>
-                      <a:tailEnd type="none" w="med" len="med"/>
-                    </a:lnR>
-                    <a:lnT w="12700" cap="flat" cmpd="sng" algn="ctr">
-                      <a:solidFill>
-                        <a:schemeClr val="accent2">
-                          <a:lumMod val="75000"/>
-                        </a:schemeClr>
-                      </a:solidFill>
-                      <a:prstDash val="solid"/>
-                      <a:round/>
-                      <a:headEnd type="none" w="med" len="med"/>
-                      <a:tailEnd type="none" w="med" len="med"/>
-                    </a:lnT>
-                    <a:lnB w="12700" cap="flat" cmpd="sng" algn="ctr">
-                      <a:solidFill>
-                        <a:schemeClr val="accent2">
-                          <a:lumMod val="75000"/>
-                        </a:schemeClr>
-                      </a:solidFill>
-                      <a:prstDash val="solid"/>
-                      <a:round/>
-                      <a:headEnd type="none" w="med" len="med"/>
-                      <a:tailEnd type="none" w="med" len="med"/>
-                    </a:lnB>
-                    <a:noFill/>
-                  </a:tcPr>
-                </a:tc>
-                <a:extLst>
-                  <a:ext uri="{0D108BD9-81ED-4DB2-BD59-A6C34878D82A}">
-                    <a16:rowId xmlns:a16="http://schemas.microsoft.com/office/drawing/2014/main" xmlns="" val="3736384641"/>
-                  </a:ext>
-                </a:extLst>
-              </a:tr>
-              <a:tr h="548640">
-                <a:tc>
-                  <a:txBody>
-                    <a:bodyPr/>
-                    <a:lstStyle/>
-                    <a:p>
-                      <a:endParaRPr lang="en-GB" sz="1400" dirty="0">
-                        <a:latin typeface="+mn-lt"/>
-                      </a:endParaRPr>
-                    </a:p>
-                  </a:txBody>
-                  <a:tcPr anchor="ctr">
-                    <a:lnL w="38100" cap="flat" cmpd="sng" algn="ctr">
-                      <a:noFill/>
-                      <a:prstDash val="solid"/>
-                      <a:round/>
-                      <a:headEnd type="none" w="med" len="med"/>
-                      <a:tailEnd type="none" w="med" len="med"/>
-                    </a:lnL>
-                    <a:lnR w="12700" cap="flat" cmpd="sng" algn="ctr">
-                      <a:solidFill>
-                        <a:schemeClr val="accent2">
-                          <a:lumMod val="75000"/>
-                        </a:schemeClr>
-                      </a:solidFill>
-                      <a:prstDash val="solid"/>
-                      <a:round/>
-                      <a:headEnd type="none" w="med" len="med"/>
-                      <a:tailEnd type="none" w="med" len="med"/>
-                    </a:lnR>
-                    <a:lnT w="12700" cap="flat" cmpd="sng" algn="ctr">
-                      <a:solidFill>
-                        <a:schemeClr val="accent2">
-                          <a:lumMod val="75000"/>
-                        </a:schemeClr>
-                      </a:solidFill>
-                      <a:prstDash val="solid"/>
-                      <a:round/>
-                      <a:headEnd type="none" w="med" len="med"/>
-                      <a:tailEnd type="none" w="med" len="med"/>
-                    </a:lnT>
-                    <a:lnB w="12700" cap="flat" cmpd="sng" algn="ctr">
-                      <a:solidFill>
-                        <a:schemeClr val="accent2">
-                          <a:lumMod val="75000"/>
-                        </a:schemeClr>
-                      </a:solidFill>
-                      <a:prstDash val="solid"/>
-                      <a:round/>
-                      <a:headEnd type="none" w="med" len="med"/>
-                      <a:tailEnd type="none" w="med" len="med"/>
-                    </a:lnB>
-                    <a:solidFill>
-                      <a:schemeClr val="accent5"/>
-                    </a:solidFill>
-                  </a:tcPr>
-                </a:tc>
-                <a:tc>
-                  <a:txBody>
-                    <a:bodyPr/>
-                    <a:lstStyle/>
-                    <a:p>
-                      <a:endParaRPr lang="en-GB" sz="1400" dirty="0">
-                        <a:latin typeface="+mn-lt"/>
-                      </a:endParaRPr>
-                    </a:p>
-                  </a:txBody>
-                  <a:tcPr anchor="ctr">
-                    <a:lnL w="12700" cap="flat" cmpd="sng" algn="ctr">
-                      <a:solidFill>
-                        <a:schemeClr val="accent2">
-                          <a:lumMod val="75000"/>
-                        </a:schemeClr>
-                      </a:solidFill>
-                      <a:prstDash val="solid"/>
-                      <a:round/>
-                      <a:headEnd type="none" w="med" len="med"/>
-                      <a:tailEnd type="none" w="med" len="med"/>
-                    </a:lnL>
-                    <a:lnR w="12700" cap="flat" cmpd="sng" algn="ctr">
-                      <a:solidFill>
-                        <a:schemeClr val="accent2">
-                          <a:lumMod val="75000"/>
-                        </a:schemeClr>
-                      </a:solidFill>
-                      <a:prstDash val="solid"/>
-                      <a:round/>
-                      <a:headEnd type="none" w="med" len="med"/>
-                      <a:tailEnd type="none" w="med" len="med"/>
-                    </a:lnR>
-                    <a:lnT w="12700" cap="flat" cmpd="sng" algn="ctr">
-                      <a:solidFill>
-                        <a:schemeClr val="accent2">
-                          <a:lumMod val="75000"/>
-                        </a:schemeClr>
-                      </a:solidFill>
-                      <a:prstDash val="solid"/>
-                      <a:round/>
-                      <a:headEnd type="none" w="med" len="med"/>
-                      <a:tailEnd type="none" w="med" len="med"/>
-                    </a:lnT>
-                    <a:lnB w="12700" cap="flat" cmpd="sng" algn="ctr">
-                      <a:solidFill>
-                        <a:schemeClr val="accent2">
-                          <a:lumMod val="75000"/>
-                        </a:schemeClr>
-                      </a:solidFill>
-                      <a:prstDash val="solid"/>
-                      <a:round/>
-                      <a:headEnd type="none" w="med" len="med"/>
-                      <a:tailEnd type="none" w="med" len="med"/>
-                    </a:lnB>
-                    <a:solidFill>
-                      <a:schemeClr val="accent5"/>
-                    </a:solidFill>
-                  </a:tcPr>
-                </a:tc>
-                <a:tc>
-                  <a:txBody>
-                    <a:bodyPr/>
-                    <a:lstStyle/>
-                    <a:p>
-                      <a:endParaRPr lang="en-GB" sz="1400" dirty="0">
-                        <a:latin typeface="+mn-lt"/>
-                      </a:endParaRPr>
-                    </a:p>
-                  </a:txBody>
-                  <a:tcPr anchor="ctr">
-                    <a:lnL w="12700" cap="flat" cmpd="sng" algn="ctr">
-                      <a:solidFill>
-                        <a:schemeClr val="accent2">
-                          <a:lumMod val="75000"/>
-                        </a:schemeClr>
-                      </a:solidFill>
-                      <a:prstDash val="solid"/>
-                      <a:round/>
-                      <a:headEnd type="none" w="med" len="med"/>
-                      <a:tailEnd type="none" w="med" len="med"/>
-                    </a:lnL>
-                    <a:lnR w="12700" cap="flat" cmpd="sng" algn="ctr">
-                      <a:solidFill>
-                        <a:schemeClr val="accent2">
-                          <a:lumMod val="75000"/>
-                        </a:schemeClr>
-                      </a:solidFill>
-                      <a:prstDash val="solid"/>
-                      <a:round/>
-                      <a:headEnd type="none" w="med" len="med"/>
-                      <a:tailEnd type="none" w="med" len="med"/>
-                    </a:lnR>
-                    <a:lnT w="12700" cap="flat" cmpd="sng" algn="ctr">
-                      <a:solidFill>
-                        <a:schemeClr val="accent2">
-                          <a:lumMod val="75000"/>
-                        </a:schemeClr>
-                      </a:solidFill>
-                      <a:prstDash val="solid"/>
-                      <a:round/>
-                      <a:headEnd type="none" w="med" len="med"/>
-                      <a:tailEnd type="none" w="med" len="med"/>
-                    </a:lnT>
-                    <a:lnB w="12700" cap="flat" cmpd="sng" algn="ctr">
-                      <a:solidFill>
-                        <a:schemeClr val="accent2">
-                          <a:lumMod val="75000"/>
-                        </a:schemeClr>
-                      </a:solidFill>
-                      <a:prstDash val="solid"/>
-                      <a:round/>
-                      <a:headEnd type="none" w="med" len="med"/>
-                      <a:tailEnd type="none" w="med" len="med"/>
-                    </a:lnB>
-                    <a:solidFill>
-                      <a:schemeClr val="accent5"/>
-                    </a:solidFill>
-                  </a:tcPr>
-                </a:tc>
-                <a:tc>
-                  <a:txBody>
-                    <a:bodyPr/>
-                    <a:lstStyle/>
-                    <a:p>
-                      <a:endParaRPr lang="en-GB" sz="1400" dirty="0">
-                        <a:latin typeface="+mn-lt"/>
-                      </a:endParaRPr>
-                    </a:p>
-                  </a:txBody>
-                  <a:tcPr anchor="ctr">
-                    <a:lnL w="12700" cap="flat" cmpd="sng" algn="ctr">
-                      <a:solidFill>
-                        <a:schemeClr val="accent2">
-                          <a:lumMod val="75000"/>
-                        </a:schemeClr>
-                      </a:solidFill>
-                      <a:prstDash val="solid"/>
-                      <a:round/>
-                      <a:headEnd type="none" w="med" len="med"/>
-                      <a:tailEnd type="none" w="med" len="med"/>
-                    </a:lnL>
-                    <a:lnR w="38100" cap="flat" cmpd="sng" algn="ctr">
-                      <a:noFill/>
-                      <a:prstDash val="solid"/>
-                      <a:round/>
-                      <a:headEnd type="none" w="med" len="med"/>
-                      <a:tailEnd type="none" w="med" len="med"/>
-                    </a:lnR>
-                    <a:lnT w="12700" cap="flat" cmpd="sng" algn="ctr">
-                      <a:solidFill>
-                        <a:schemeClr val="accent2">
-                          <a:lumMod val="75000"/>
-                        </a:schemeClr>
-                      </a:solidFill>
-                      <a:prstDash val="solid"/>
-                      <a:round/>
-                      <a:headEnd type="none" w="med" len="med"/>
-                      <a:tailEnd type="none" w="med" len="med"/>
-                    </a:lnT>
-                    <a:lnB w="12700" cap="flat" cmpd="sng" algn="ctr">
-                      <a:solidFill>
-                        <a:schemeClr val="accent2">
-                          <a:lumMod val="75000"/>
-                        </a:schemeClr>
-                      </a:solidFill>
-                      <a:prstDash val="solid"/>
-                      <a:round/>
-                      <a:headEnd type="none" w="med" len="med"/>
-                      <a:tailEnd type="none" w="med" len="med"/>
-                    </a:lnB>
-                    <a:solidFill>
-                      <a:schemeClr val="accent5"/>
-                    </a:solidFill>
-                  </a:tcPr>
-                </a:tc>
-                <a:extLst>
-                  <a:ext uri="{0D108BD9-81ED-4DB2-BD59-A6C34878D82A}">
-                    <a16:rowId xmlns:a16="http://schemas.microsoft.com/office/drawing/2014/main" xmlns="" val="3090935587"/>
-                  </a:ext>
-                </a:extLst>
-              </a:tr>
-              <a:tr h="548640">
-                <a:tc>
-                  <a:txBody>
-                    <a:bodyPr/>
-                    <a:lstStyle/>
-                    <a:p>
-                      <a:endParaRPr lang="en-GB" sz="1400" dirty="0">
-                        <a:latin typeface="+mn-lt"/>
-                      </a:endParaRPr>
-                    </a:p>
-                  </a:txBody>
-                  <a:tcPr anchor="ctr">
-                    <a:lnL w="38100" cap="flat" cmpd="sng" algn="ctr">
-                      <a:noFill/>
-                      <a:prstDash val="solid"/>
-                      <a:round/>
-                      <a:headEnd type="none" w="med" len="med"/>
-                      <a:tailEnd type="none" w="med" len="med"/>
-                    </a:lnL>
-                    <a:lnR w="12700" cap="flat" cmpd="sng" algn="ctr">
-                      <a:solidFill>
-                        <a:schemeClr val="accent2">
-                          <a:lumMod val="75000"/>
-                        </a:schemeClr>
-                      </a:solidFill>
-                      <a:prstDash val="solid"/>
-                      <a:round/>
-                      <a:headEnd type="none" w="med" len="med"/>
-                      <a:tailEnd type="none" w="med" len="med"/>
-                    </a:lnR>
-                    <a:lnT w="12700" cap="flat" cmpd="sng" algn="ctr">
-                      <a:solidFill>
-                        <a:schemeClr val="accent2">
-                          <a:lumMod val="75000"/>
-                        </a:schemeClr>
-                      </a:solidFill>
-                      <a:prstDash val="solid"/>
-                      <a:round/>
-                      <a:headEnd type="none" w="med" len="med"/>
-                      <a:tailEnd type="none" w="med" len="med"/>
-                    </a:lnT>
-                    <a:lnB w="12700" cap="flat" cmpd="sng" algn="ctr">
-                      <a:solidFill>
-                        <a:schemeClr val="accent2">
-                          <a:lumMod val="75000"/>
-                        </a:schemeClr>
-                      </a:solidFill>
-                      <a:prstDash val="solid"/>
-                      <a:round/>
-                      <a:headEnd type="none" w="med" len="med"/>
-                      <a:tailEnd type="none" w="med" len="med"/>
-                    </a:lnB>
-                    <a:noFill/>
-                  </a:tcPr>
-                </a:tc>
-                <a:tc>
-                  <a:txBody>
-                    <a:bodyPr/>
-                    <a:lstStyle/>
-                    <a:p>
-                      <a:endParaRPr lang="en-GB" sz="1400" dirty="0">
-                        <a:latin typeface="+mn-lt"/>
-                      </a:endParaRPr>
-                    </a:p>
-                  </a:txBody>
-                  <a:tcPr anchor="ctr">
-                    <a:lnL w="12700" cap="flat" cmpd="sng" algn="ctr">
-                      <a:solidFill>
-                        <a:schemeClr val="accent2">
-                          <a:lumMod val="75000"/>
-                        </a:schemeClr>
-                      </a:solidFill>
-                      <a:prstDash val="solid"/>
-                      <a:round/>
-                      <a:headEnd type="none" w="med" len="med"/>
-                      <a:tailEnd type="none" w="med" len="med"/>
-                    </a:lnL>
-                    <a:lnR w="12700" cap="flat" cmpd="sng" algn="ctr">
-                      <a:solidFill>
-                        <a:schemeClr val="accent2">
-                          <a:lumMod val="75000"/>
-                        </a:schemeClr>
-                      </a:solidFill>
-                      <a:prstDash val="solid"/>
-                      <a:round/>
-                      <a:headEnd type="none" w="med" len="med"/>
-                      <a:tailEnd type="none" w="med" len="med"/>
-                    </a:lnR>
-                    <a:lnT w="12700" cap="flat" cmpd="sng" algn="ctr">
-                      <a:solidFill>
-                        <a:schemeClr val="accent2">
-                          <a:lumMod val="75000"/>
-                        </a:schemeClr>
-                      </a:solidFill>
-                      <a:prstDash val="solid"/>
-                      <a:round/>
-                      <a:headEnd type="none" w="med" len="med"/>
-                      <a:tailEnd type="none" w="med" len="med"/>
-                    </a:lnT>
-                    <a:lnB w="12700" cap="flat" cmpd="sng" algn="ctr">
-                      <a:solidFill>
-                        <a:schemeClr val="accent2">
-                          <a:lumMod val="75000"/>
-                        </a:schemeClr>
-                      </a:solidFill>
-                      <a:prstDash val="solid"/>
-                      <a:round/>
-                      <a:headEnd type="none" w="med" len="med"/>
-                      <a:tailEnd type="none" w="med" len="med"/>
-                    </a:lnB>
-                    <a:noFill/>
-                  </a:tcPr>
-                </a:tc>
-                <a:tc>
-                  <a:txBody>
-                    <a:bodyPr/>
-                    <a:lstStyle/>
-                    <a:p>
-                      <a:endParaRPr lang="en-GB" sz="1400" dirty="0">
-                        <a:latin typeface="+mn-lt"/>
-                      </a:endParaRPr>
-                    </a:p>
-                  </a:txBody>
-                  <a:tcPr anchor="ctr">
-                    <a:lnL w="12700" cap="flat" cmpd="sng" algn="ctr">
-                      <a:solidFill>
-                        <a:schemeClr val="accent2">
-                          <a:lumMod val="75000"/>
-                        </a:schemeClr>
-                      </a:solidFill>
-                      <a:prstDash val="solid"/>
-                      <a:round/>
-                      <a:headEnd type="none" w="med" len="med"/>
-                      <a:tailEnd type="none" w="med" len="med"/>
-                    </a:lnL>
-                    <a:lnR w="12700" cap="flat" cmpd="sng" algn="ctr">
-                      <a:solidFill>
-                        <a:schemeClr val="accent2">
-                          <a:lumMod val="75000"/>
-                        </a:schemeClr>
-                      </a:solidFill>
-                      <a:prstDash val="solid"/>
-                      <a:round/>
-                      <a:headEnd type="none" w="med" len="med"/>
-                      <a:tailEnd type="none" w="med" len="med"/>
-                    </a:lnR>
-                    <a:lnT w="12700" cap="flat" cmpd="sng" algn="ctr">
-                      <a:solidFill>
-                        <a:schemeClr val="accent2">
-                          <a:lumMod val="75000"/>
-                        </a:schemeClr>
-                      </a:solidFill>
-                      <a:prstDash val="solid"/>
-                      <a:round/>
-                      <a:headEnd type="none" w="med" len="med"/>
-                      <a:tailEnd type="none" w="med" len="med"/>
-                    </a:lnT>
-                    <a:lnB w="12700" cap="flat" cmpd="sng" algn="ctr">
-                      <a:solidFill>
-                        <a:schemeClr val="accent2">
-                          <a:lumMod val="75000"/>
-                        </a:schemeClr>
-                      </a:solidFill>
-                      <a:prstDash val="solid"/>
-                      <a:round/>
-                      <a:headEnd type="none" w="med" len="med"/>
-                      <a:tailEnd type="none" w="med" len="med"/>
-                    </a:lnB>
-                    <a:noFill/>
-                  </a:tcPr>
-                </a:tc>
-                <a:tc>
-                  <a:txBody>
-                    <a:bodyPr/>
-                    <a:lstStyle/>
-                    <a:p>
-                      <a:endParaRPr lang="en-GB" sz="1400" dirty="0">
-                        <a:latin typeface="+mn-lt"/>
-                      </a:endParaRPr>
-                    </a:p>
-                  </a:txBody>
-                  <a:tcPr anchor="ctr">
-                    <a:lnL w="12700" cap="flat" cmpd="sng" algn="ctr">
-                      <a:solidFill>
-                        <a:schemeClr val="accent2">
-                          <a:lumMod val="75000"/>
-                        </a:schemeClr>
-                      </a:solidFill>
-                      <a:prstDash val="solid"/>
-                      <a:round/>
-                      <a:headEnd type="none" w="med" len="med"/>
-                      <a:tailEnd type="none" w="med" len="med"/>
-                    </a:lnL>
-                    <a:lnR w="38100" cap="flat" cmpd="sng" algn="ctr">
-                      <a:noFill/>
-                      <a:prstDash val="solid"/>
-                      <a:round/>
-                      <a:headEnd type="none" w="med" len="med"/>
-                      <a:tailEnd type="none" w="med" len="med"/>
-                    </a:lnR>
-                    <a:lnT w="12700" cap="flat" cmpd="sng" algn="ctr">
-                      <a:solidFill>
-                        <a:schemeClr val="accent2">
-                          <a:lumMod val="75000"/>
-                        </a:schemeClr>
-                      </a:solidFill>
-                      <a:prstDash val="solid"/>
-                      <a:round/>
-                      <a:headEnd type="none" w="med" len="med"/>
-                      <a:tailEnd type="none" w="med" len="med"/>
-                    </a:lnT>
-                    <a:lnB w="12700" cap="flat" cmpd="sng" algn="ctr">
-                      <a:solidFill>
-                        <a:schemeClr val="accent2">
-                          <a:lumMod val="75000"/>
-                        </a:schemeClr>
-                      </a:solidFill>
-                      <a:prstDash val="solid"/>
-                      <a:round/>
-                      <a:headEnd type="none" w="med" len="med"/>
-                      <a:tailEnd type="none" w="med" len="med"/>
-                    </a:lnB>
-                    <a:noFill/>
-                  </a:tcPr>
-                </a:tc>
-                <a:extLst>
-                  <a:ext uri="{0D108BD9-81ED-4DB2-BD59-A6C34878D82A}">
-                    <a16:rowId xmlns:a16="http://schemas.microsoft.com/office/drawing/2014/main" xmlns="" val="446909641"/>
-                  </a:ext>
-                </a:extLst>
-              </a:tr>
-              <a:tr h="548640">
-                <a:tc>
-                  <a:txBody>
-                    <a:bodyPr/>
-                    <a:lstStyle/>
-                    <a:p>
-                      <a:endParaRPr lang="en-GB" sz="1400" dirty="0">
-                        <a:latin typeface="+mn-lt"/>
-                      </a:endParaRPr>
-                    </a:p>
-                  </a:txBody>
-                  <a:tcPr anchor="ctr">
-                    <a:lnL w="38100" cap="flat" cmpd="sng" algn="ctr">
-                      <a:noFill/>
-                      <a:prstDash val="solid"/>
-                      <a:round/>
-                      <a:headEnd type="none" w="med" len="med"/>
-                      <a:tailEnd type="none" w="med" len="med"/>
-                    </a:lnL>
-                    <a:lnR w="12700" cap="flat" cmpd="sng" algn="ctr">
-                      <a:solidFill>
-                        <a:schemeClr val="accent2">
-                          <a:lumMod val="75000"/>
-                        </a:schemeClr>
-                      </a:solidFill>
-                      <a:prstDash val="solid"/>
-                      <a:round/>
-                      <a:headEnd type="none" w="med" len="med"/>
-                      <a:tailEnd type="none" w="med" len="med"/>
-                    </a:lnR>
-                    <a:lnT w="12700" cap="flat" cmpd="sng" algn="ctr">
-                      <a:solidFill>
-                        <a:schemeClr val="accent2">
-                          <a:lumMod val="75000"/>
-                        </a:schemeClr>
-                      </a:solidFill>
-                      <a:prstDash val="solid"/>
-                      <a:round/>
-                      <a:headEnd type="none" w="med" len="med"/>
-                      <a:tailEnd type="none" w="med" len="med"/>
-                    </a:lnT>
-                    <a:lnB w="12700" cap="flat" cmpd="sng" algn="ctr">
-                      <a:solidFill>
-                        <a:schemeClr val="accent2">
-                          <a:lumMod val="75000"/>
-                        </a:schemeClr>
-                      </a:solidFill>
-                      <a:prstDash val="solid"/>
-                      <a:round/>
-                      <a:headEnd type="none" w="med" len="med"/>
-                      <a:tailEnd type="none" w="med" len="med"/>
-                    </a:lnB>
-                    <a:solidFill>
-                      <a:schemeClr val="accent5"/>
-                    </a:solidFill>
-                  </a:tcPr>
-                </a:tc>
-                <a:tc>
-                  <a:txBody>
-                    <a:bodyPr/>
-                    <a:lstStyle/>
-                    <a:p>
-                      <a:endParaRPr lang="en-GB" sz="1400" dirty="0">
-                        <a:latin typeface="+mn-lt"/>
-                      </a:endParaRPr>
-                    </a:p>
-                  </a:txBody>
-                  <a:tcPr anchor="ctr">
-                    <a:lnL w="12700" cap="flat" cmpd="sng" algn="ctr">
-                      <a:solidFill>
-                        <a:schemeClr val="accent2">
-                          <a:lumMod val="75000"/>
-                        </a:schemeClr>
-                      </a:solidFill>
-                      <a:prstDash val="solid"/>
-                      <a:round/>
-                      <a:headEnd type="none" w="med" len="med"/>
-                      <a:tailEnd type="none" w="med" len="med"/>
-                    </a:lnL>
-                    <a:lnR w="12700" cap="flat" cmpd="sng" algn="ctr">
-                      <a:solidFill>
-                        <a:schemeClr val="accent2">
-                          <a:lumMod val="75000"/>
-                        </a:schemeClr>
-                      </a:solidFill>
-                      <a:prstDash val="solid"/>
-                      <a:round/>
-                      <a:headEnd type="none" w="med" len="med"/>
-                      <a:tailEnd type="none" w="med" len="med"/>
-                    </a:lnR>
-                    <a:lnT w="12700" cap="flat" cmpd="sng" algn="ctr">
-                      <a:solidFill>
-                        <a:schemeClr val="accent2">
-                          <a:lumMod val="75000"/>
-                        </a:schemeClr>
-                      </a:solidFill>
-                      <a:prstDash val="solid"/>
-                      <a:round/>
-                      <a:headEnd type="none" w="med" len="med"/>
-                      <a:tailEnd type="none" w="med" len="med"/>
-                    </a:lnT>
-                    <a:lnB w="12700" cap="flat" cmpd="sng" algn="ctr">
-                      <a:solidFill>
-                        <a:schemeClr val="accent2">
-                          <a:lumMod val="75000"/>
-                        </a:schemeClr>
-                      </a:solidFill>
-                      <a:prstDash val="solid"/>
-                      <a:round/>
-                      <a:headEnd type="none" w="med" len="med"/>
-                      <a:tailEnd type="none" w="med" len="med"/>
-                    </a:lnB>
-                    <a:solidFill>
-                      <a:schemeClr val="accent5"/>
-                    </a:solidFill>
-                  </a:tcPr>
-                </a:tc>
-                <a:tc>
-                  <a:txBody>
-                    <a:bodyPr/>
-                    <a:lstStyle/>
-                    <a:p>
-                      <a:endParaRPr lang="en-GB" sz="1400" dirty="0">
-                        <a:latin typeface="+mn-lt"/>
-                      </a:endParaRPr>
-                    </a:p>
-                  </a:txBody>
-                  <a:tcPr anchor="ctr">
-                    <a:lnL w="12700" cap="flat" cmpd="sng" algn="ctr">
-                      <a:solidFill>
-                        <a:schemeClr val="accent2">
-                          <a:lumMod val="75000"/>
-                        </a:schemeClr>
-                      </a:solidFill>
-                      <a:prstDash val="solid"/>
-                      <a:round/>
-                      <a:headEnd type="none" w="med" len="med"/>
-                      <a:tailEnd type="none" w="med" len="med"/>
-                    </a:lnL>
-                    <a:lnR w="12700" cap="flat" cmpd="sng" algn="ctr">
-                      <a:solidFill>
-                        <a:schemeClr val="accent2">
-                          <a:lumMod val="75000"/>
-                        </a:schemeClr>
-                      </a:solidFill>
-                      <a:prstDash val="solid"/>
-                      <a:round/>
-                      <a:headEnd type="none" w="med" len="med"/>
-                      <a:tailEnd type="none" w="med" len="med"/>
-                    </a:lnR>
-                    <a:lnT w="12700" cap="flat" cmpd="sng" algn="ctr">
-                      <a:solidFill>
-                        <a:schemeClr val="accent2">
-                          <a:lumMod val="75000"/>
-                        </a:schemeClr>
-                      </a:solidFill>
-                      <a:prstDash val="solid"/>
-                      <a:round/>
-                      <a:headEnd type="none" w="med" len="med"/>
-                      <a:tailEnd type="none" w="med" len="med"/>
-                    </a:lnT>
-                    <a:lnB w="12700" cap="flat" cmpd="sng" algn="ctr">
-                      <a:solidFill>
-                        <a:schemeClr val="accent2">
-                          <a:lumMod val="75000"/>
-                        </a:schemeClr>
-                      </a:solidFill>
-                      <a:prstDash val="solid"/>
-                      <a:round/>
-                      <a:headEnd type="none" w="med" len="med"/>
-                      <a:tailEnd type="none" w="med" len="med"/>
-                    </a:lnB>
-                    <a:solidFill>
-                      <a:schemeClr val="accent5"/>
-                    </a:solidFill>
-                  </a:tcPr>
-                </a:tc>
-                <a:tc>
-                  <a:txBody>
-                    <a:bodyPr/>
-                    <a:lstStyle/>
-                    <a:p>
-                      <a:endParaRPr lang="en-GB" sz="1400" dirty="0">
-                        <a:latin typeface="+mn-lt"/>
-                      </a:endParaRPr>
-                    </a:p>
-                  </a:txBody>
-                  <a:tcPr anchor="ctr">
-                    <a:lnL w="12700" cap="flat" cmpd="sng" algn="ctr">
-                      <a:solidFill>
-                        <a:schemeClr val="accent2">
-                          <a:lumMod val="75000"/>
-                        </a:schemeClr>
-                      </a:solidFill>
-                      <a:prstDash val="solid"/>
-                      <a:round/>
-                      <a:headEnd type="none" w="med" len="med"/>
-                      <a:tailEnd type="none" w="med" len="med"/>
-                    </a:lnL>
-                    <a:lnR w="38100" cap="flat" cmpd="sng" algn="ctr">
-                      <a:noFill/>
-                      <a:prstDash val="solid"/>
-                      <a:round/>
-                      <a:headEnd type="none" w="med" len="med"/>
-                      <a:tailEnd type="none" w="med" len="med"/>
-                    </a:lnR>
-                    <a:lnT w="12700" cap="flat" cmpd="sng" algn="ctr">
-                      <a:solidFill>
-                        <a:schemeClr val="accent2">
-                          <a:lumMod val="75000"/>
-                        </a:schemeClr>
-                      </a:solidFill>
-                      <a:prstDash val="solid"/>
-                      <a:round/>
-                      <a:headEnd type="none" w="med" len="med"/>
-                      <a:tailEnd type="none" w="med" len="med"/>
-                    </a:lnT>
-                    <a:lnB w="12700" cap="flat" cmpd="sng" algn="ctr">
-                      <a:solidFill>
-                        <a:schemeClr val="accent2">
-                          <a:lumMod val="75000"/>
-                        </a:schemeClr>
-                      </a:solidFill>
-                      <a:prstDash val="solid"/>
-                      <a:round/>
-                      <a:headEnd type="none" w="med" len="med"/>
-                      <a:tailEnd type="none" w="med" len="med"/>
-                    </a:lnB>
-                    <a:solidFill>
-                      <a:schemeClr val="accent5"/>
-                    </a:solidFill>
-                  </a:tcPr>
-                </a:tc>
-                <a:extLst>
-                  <a:ext uri="{0D108BD9-81ED-4DB2-BD59-A6C34878D82A}">
-                    <a16:rowId xmlns:a16="http://schemas.microsoft.com/office/drawing/2014/main" xmlns="" val="3472044516"/>
-                  </a:ext>
-                </a:extLst>
-              </a:tr>
-            </a:tbl>
-          </a:graphicData>
-        </a:graphic>
-      </p:graphicFrame>
-      <p:sp>
-        <p:nvSpPr>
-          <p:cNvPr id="2" name="Slide Number Placeholder 1">
-            <a:extLst>
-              <a:ext uri="{FF2B5EF4-FFF2-40B4-BE49-F238E27FC236}">
-                <a16:creationId xmlns:a16="http://schemas.microsoft.com/office/drawing/2014/main" xmlns="" id="{E4398C1C-6656-4A73-A680-62A81CDC27FD}"/>
-              </a:ext>
-            </a:extLst>
-          </p:cNvPr>
-          <p:cNvSpPr>
-            <a:spLocks noGrp="1"/>
-          </p:cNvSpPr>
-          <p:nvPr>
-            <p:ph type="sldNum" sz="quarter" idx="12"/>
-          </p:nvPr>
-        </p:nvSpPr>
-        <p:spPr/>
-        <p:txBody>
-          <a:bodyPr/>
-          <a:lstStyle/>
-          <a:p>
-            <a:fld id="{C263D6C4-4840-40CC-AC84-17E24B3B7BDE}" type="slidenum">
-              <a:rPr lang="en-US" smtClean="0"/>
-              <a:pPr/>
-              <a:t>19</a:t>
-            </a:fld>
-            <a:endParaRPr lang="en-US" dirty="0"/>
-          </a:p>
-        </p:txBody>
-      </p:sp>
-    </p:spTree>
-    <p:extLst>
-      <p:ext uri="{BB962C8B-B14F-4D97-AF65-F5344CB8AC3E}">
-        <p14:creationId xmlns:p14="http://schemas.microsoft.com/office/powerpoint/2010/main" val="1065425595"/>
-      </p:ext>
-    </p:extLst>
-  </p:cSld>
-  <p:clrMapOvr>
-    <a:masterClrMapping/>
-  </p:clrMapOvr>
-  <mc:AlternateContent xmlns:mc="http://schemas.openxmlformats.org/markup-compatibility/2006" xmlns:p14="http://schemas.microsoft.com/office/powerpoint/2010/main">
-    <mc:Choice Requires="p14">
-      <p:transition spd="med" p14:dur="700">
-        <p:fade/>
-      </p:transition>
-    </mc:Choice>
-    <mc:Fallback xmlns="">
-      <p:transition spd="med">
-        <p:fade/>
-      </p:transition>
-    </mc:Fallback>
-  </mc:AlternateContent>
+  <p:transition spd="slow">
+    <p:wipe/>
+  </p:transition>
 </p:sld>
 </file>
 
@@ -30966,503 +27566,6 @@
       </p:par>
     </p:tnLst>
   </p:timing>
-</p:sld>
-</file>
-
-<file path=ppt/slides/slide20.xml><?xml version="1.0" encoding="utf-8"?>
-<p:sld xmlns:a="http://schemas.openxmlformats.org/drawingml/2006/main" xmlns:r="http://schemas.openxmlformats.org/officeDocument/2006/relationships" xmlns:p="http://schemas.openxmlformats.org/presentationml/2006/main">
-  <p:cSld>
-    <p:spTree>
-      <p:nvGrpSpPr>
-        <p:cNvPr id="1" name=""/>
-        <p:cNvGrpSpPr/>
-        <p:nvPr/>
-      </p:nvGrpSpPr>
-      <p:grpSpPr>
-        <a:xfrm>
-          <a:off x="0" y="0"/>
-          <a:ext cx="0" cy="0"/>
-          <a:chOff x="0" y="0"/>
-          <a:chExt cx="0" cy="0"/>
-        </a:xfrm>
-      </p:grpSpPr>
-      <p:sp>
-        <p:nvSpPr>
-          <p:cNvPr id="5" name="Title 4">
-            <a:extLst>
-              <a:ext uri="{FF2B5EF4-FFF2-40B4-BE49-F238E27FC236}">
-                <a16:creationId xmlns:a16="http://schemas.microsoft.com/office/drawing/2014/main" xmlns="" id="{201323FB-427E-4A8D-B473-AB0657D8D23B}"/>
-              </a:ext>
-            </a:extLst>
-          </p:cNvPr>
-          <p:cNvSpPr>
-            <a:spLocks noGrp="1"/>
-          </p:cNvSpPr>
-          <p:nvPr>
-            <p:ph type="title"/>
-          </p:nvPr>
-        </p:nvSpPr>
-        <p:spPr/>
-        <p:txBody>
-          <a:bodyPr/>
-          <a:lstStyle/>
-          <a:p>
-            <a:r>
-              <a:rPr lang="en-US" dirty="0"/>
-              <a:t>Chart</a:t>
-            </a:r>
-          </a:p>
-        </p:txBody>
-      </p:sp>
-      <p:graphicFrame>
-        <p:nvGraphicFramePr>
-          <p:cNvPr id="7" name="Chart 6" title="Gross Revenue Placeholder Chart">
-            <a:extLst>
-              <a:ext uri="{FF2B5EF4-FFF2-40B4-BE49-F238E27FC236}">
-                <a16:creationId xmlns:a16="http://schemas.microsoft.com/office/drawing/2014/main" xmlns="" id="{19AEAA04-4840-FB41-B910-5F3570D85F0A}"/>
-              </a:ext>
-            </a:extLst>
-          </p:cNvPr>
-          <p:cNvGraphicFramePr/>
-          <p:nvPr>
-            <p:extLst>
-              <p:ext uri="{D42A27DB-BD31-4B8C-83A1-F6EECF244321}">
-                <p14:modId xmlns:p14="http://schemas.microsoft.com/office/powerpoint/2010/main" val="654825679"/>
-              </p:ext>
-            </p:extLst>
-          </p:nvPr>
-        </p:nvGraphicFramePr>
-        <p:xfrm>
-          <a:off x="1250950" y="1712075"/>
-          <a:ext cx="9690100" cy="4444199"/>
-        </p:xfrm>
-        <a:graphic>
-          <a:graphicData uri="http://schemas.openxmlformats.org/drawingml/2006/chart">
-            <c:chart xmlns:c="http://schemas.openxmlformats.org/drawingml/2006/chart" xmlns:r="http://schemas.openxmlformats.org/officeDocument/2006/relationships" r:id="rId2"/>
-          </a:graphicData>
-        </a:graphic>
-      </p:graphicFrame>
-      <p:sp>
-        <p:nvSpPr>
-          <p:cNvPr id="2" name="Slide Number Placeholder 1">
-            <a:extLst>
-              <a:ext uri="{FF2B5EF4-FFF2-40B4-BE49-F238E27FC236}">
-                <a16:creationId xmlns:a16="http://schemas.microsoft.com/office/drawing/2014/main" xmlns="" id="{E4398C1C-6656-4A73-A680-62A81CDC27FD}"/>
-              </a:ext>
-            </a:extLst>
-          </p:cNvPr>
-          <p:cNvSpPr>
-            <a:spLocks noGrp="1"/>
-          </p:cNvSpPr>
-          <p:nvPr>
-            <p:ph type="sldNum" sz="quarter" idx="12"/>
-          </p:nvPr>
-        </p:nvSpPr>
-        <p:spPr/>
-        <p:txBody>
-          <a:bodyPr/>
-          <a:lstStyle/>
-          <a:p>
-            <a:fld id="{C263D6C4-4840-40CC-AC84-17E24B3B7BDE}" type="slidenum">
-              <a:rPr lang="en-US" smtClean="0"/>
-              <a:pPr/>
-              <a:t>20</a:t>
-            </a:fld>
-            <a:endParaRPr lang="en-US" dirty="0"/>
-          </a:p>
-        </p:txBody>
-      </p:sp>
-    </p:spTree>
-    <p:extLst>
-      <p:ext uri="{BB962C8B-B14F-4D97-AF65-F5344CB8AC3E}">
-        <p14:creationId xmlns:p14="http://schemas.microsoft.com/office/powerpoint/2010/main" val="3322300142"/>
-      </p:ext>
-    </p:extLst>
-  </p:cSld>
-  <p:clrMapOvr>
-    <a:masterClrMapping/>
-  </p:clrMapOvr>
-  <mc:AlternateContent xmlns:mc="http://schemas.openxmlformats.org/markup-compatibility/2006" xmlns:p14="http://schemas.microsoft.com/office/powerpoint/2010/main">
-    <mc:Choice Requires="p14">
-      <p:transition spd="med" p14:dur="700">
-        <p:fade/>
-      </p:transition>
-    </mc:Choice>
-    <mc:Fallback xmlns="">
-      <p:transition spd="med">
-        <p:fade/>
-      </p:transition>
-    </mc:Fallback>
-  </mc:AlternateContent>
-</p:sld>
-</file>
-
-<file path=ppt/slides/slide21.xml><?xml version="1.0" encoding="utf-8"?>
-<p:sld xmlns:a="http://schemas.openxmlformats.org/drawingml/2006/main" xmlns:r="http://schemas.openxmlformats.org/officeDocument/2006/relationships" xmlns:p="http://schemas.openxmlformats.org/presentationml/2006/main">
-  <p:cSld>
-    <p:spTree>
-      <p:nvGrpSpPr>
-        <p:cNvPr id="1" name=""/>
-        <p:cNvGrpSpPr/>
-        <p:nvPr/>
-      </p:nvGrpSpPr>
-      <p:grpSpPr>
-        <a:xfrm>
-          <a:off x="0" y="0"/>
-          <a:ext cx="0" cy="0"/>
-          <a:chOff x="0" y="0"/>
-          <a:chExt cx="0" cy="0"/>
-        </a:xfrm>
-      </p:grpSpPr>
-      <p:sp>
-        <p:nvSpPr>
-          <p:cNvPr id="6" name="Title 5">
-            <a:extLst>
-              <a:ext uri="{FF2B5EF4-FFF2-40B4-BE49-F238E27FC236}">
-                <a16:creationId xmlns:a16="http://schemas.microsoft.com/office/drawing/2014/main" xmlns="" id="{A4CD37D6-FE32-48E3-A3AD-F07BE6A19FA1}"/>
-              </a:ext>
-            </a:extLst>
-          </p:cNvPr>
-          <p:cNvSpPr>
-            <a:spLocks noGrp="1"/>
-          </p:cNvSpPr>
-          <p:nvPr>
-            <p:ph type="title"/>
-          </p:nvPr>
-        </p:nvSpPr>
-        <p:spPr>
-          <a:xfrm>
-            <a:off x="533399" y="3200400"/>
-            <a:ext cx="7551057" cy="2859313"/>
-          </a:xfrm>
-        </p:spPr>
-        <p:txBody>
-          <a:bodyPr/>
-          <a:lstStyle/>
-          <a:p>
-            <a:r>
-              <a:rPr lang="en-US" dirty="0"/>
-              <a:t>Quote appears here </a:t>
-            </a:r>
-            <a:br>
-              <a:rPr lang="en-US" dirty="0"/>
-            </a:br>
-            <a:r>
-              <a:rPr lang="en-US" dirty="0"/>
-              <a:t>Lorem ipsum dolor sit amet, consectetuer adipiscing elit.” </a:t>
-            </a:r>
-            <a:br>
-              <a:rPr lang="en-US" dirty="0"/>
-            </a:br>
-            <a:r>
-              <a:rPr lang="en-US" sz="2400" dirty="0"/>
-              <a:t>- Author</a:t>
-            </a:r>
-            <a:endParaRPr lang="en-US" dirty="0"/>
-          </a:p>
-        </p:txBody>
-      </p:sp>
-      <p:sp>
-        <p:nvSpPr>
-          <p:cNvPr id="2" name="Slide Number Placeholder 1">
-            <a:extLst>
-              <a:ext uri="{FF2B5EF4-FFF2-40B4-BE49-F238E27FC236}">
-                <a16:creationId xmlns:a16="http://schemas.microsoft.com/office/drawing/2014/main" xmlns="" id="{8EDC7217-2779-44E0-9E6D-3B3879516A1D}"/>
-              </a:ext>
-            </a:extLst>
-          </p:cNvPr>
-          <p:cNvSpPr>
-            <a:spLocks noGrp="1"/>
-          </p:cNvSpPr>
-          <p:nvPr>
-            <p:ph type="sldNum" sz="quarter" idx="12"/>
-          </p:nvPr>
-        </p:nvSpPr>
-        <p:spPr/>
-        <p:txBody>
-          <a:bodyPr/>
-          <a:lstStyle/>
-          <a:p>
-            <a:fld id="{C263D6C4-4840-40CC-AC84-17E24B3B7BDE}" type="slidenum">
-              <a:rPr lang="en-US" smtClean="0"/>
-              <a:pPr/>
-              <a:t>21</a:t>
-            </a:fld>
-            <a:endParaRPr lang="en-US" dirty="0"/>
-          </a:p>
-        </p:txBody>
-      </p:sp>
-    </p:spTree>
-    <p:extLst>
-      <p:ext uri="{BB962C8B-B14F-4D97-AF65-F5344CB8AC3E}">
-        <p14:creationId xmlns:p14="http://schemas.microsoft.com/office/powerpoint/2010/main" val="914134537"/>
-      </p:ext>
-    </p:extLst>
-  </p:cSld>
-  <p:clrMapOvr>
-    <a:masterClrMapping/>
-  </p:clrMapOvr>
-  <mc:AlternateContent xmlns:mc="http://schemas.openxmlformats.org/markup-compatibility/2006" xmlns:p14="http://schemas.microsoft.com/office/powerpoint/2010/main">
-    <mc:Choice Requires="p14">
-      <p:transition spd="med" p14:dur="700">
-        <p:fade/>
-      </p:transition>
-    </mc:Choice>
-    <mc:Fallback xmlns="">
-      <p:transition spd="med">
-        <p:fade/>
-      </p:transition>
-    </mc:Fallback>
-  </mc:AlternateContent>
-</p:sld>
-</file>
-
-<file path=ppt/slides/slide22.xml><?xml version="1.0" encoding="utf-8"?>
-<p:sld xmlns:a="http://schemas.openxmlformats.org/drawingml/2006/main" xmlns:r="http://schemas.openxmlformats.org/officeDocument/2006/relationships" xmlns:p="http://schemas.openxmlformats.org/presentationml/2006/main">
-  <p:cSld>
-    <p:spTree>
-      <p:nvGrpSpPr>
-        <p:cNvPr id="1" name=""/>
-        <p:cNvGrpSpPr/>
-        <p:nvPr/>
-      </p:nvGrpSpPr>
-      <p:grpSpPr>
-        <a:xfrm>
-          <a:off x="0" y="0"/>
-          <a:ext cx="0" cy="0"/>
-          <a:chOff x="0" y="0"/>
-          <a:chExt cx="0" cy="0"/>
-        </a:xfrm>
-      </p:grpSpPr>
-      <p:sp>
-        <p:nvSpPr>
-          <p:cNvPr id="2" name="Title 1">
-            <a:extLst>
-              <a:ext uri="{FF2B5EF4-FFF2-40B4-BE49-F238E27FC236}">
-                <a16:creationId xmlns:a16="http://schemas.microsoft.com/office/drawing/2014/main" xmlns="" id="{632BE5BF-9922-45FB-8F3F-4446D40A051B}"/>
-              </a:ext>
-            </a:extLst>
-          </p:cNvPr>
-          <p:cNvSpPr>
-            <a:spLocks noGrp="1"/>
-          </p:cNvSpPr>
-          <p:nvPr>
-            <p:ph type="ctrTitle"/>
-          </p:nvPr>
-        </p:nvSpPr>
-        <p:spPr/>
-        <p:txBody>
-          <a:bodyPr/>
-          <a:lstStyle/>
-          <a:p>
-            <a:r>
-              <a:rPr lang="en-US" dirty="0"/>
-              <a:t>Thank You 1</a:t>
-            </a:r>
-            <a:endParaRPr lang="en-GB" dirty="0"/>
-          </a:p>
-        </p:txBody>
-      </p:sp>
-    </p:spTree>
-    <p:extLst>
-      <p:ext uri="{BB962C8B-B14F-4D97-AF65-F5344CB8AC3E}">
-        <p14:creationId xmlns:p14="http://schemas.microsoft.com/office/powerpoint/2010/main" val="429771863"/>
-      </p:ext>
-    </p:extLst>
-  </p:cSld>
-  <p:clrMapOvr>
-    <a:masterClrMapping/>
-  </p:clrMapOvr>
-  <p:transition spd="slow">
-    <p:wipe/>
-  </p:transition>
-</p:sld>
-</file>
-
-<file path=ppt/slides/slide23.xml><?xml version="1.0" encoding="utf-8"?>
-<p:sld xmlns:a="http://schemas.openxmlformats.org/drawingml/2006/main" xmlns:r="http://schemas.openxmlformats.org/officeDocument/2006/relationships" xmlns:p="http://schemas.openxmlformats.org/presentationml/2006/main">
-  <p:cSld>
-    <p:spTree>
-      <p:nvGrpSpPr>
-        <p:cNvPr id="1" name=""/>
-        <p:cNvGrpSpPr/>
-        <p:nvPr/>
-      </p:nvGrpSpPr>
-      <p:grpSpPr>
-        <a:xfrm>
-          <a:off x="0" y="0"/>
-          <a:ext cx="0" cy="0"/>
-          <a:chOff x="0" y="0"/>
-          <a:chExt cx="0" cy="0"/>
-        </a:xfrm>
-      </p:grpSpPr>
-      <p:sp>
-        <p:nvSpPr>
-          <p:cNvPr id="2" name="Title 1">
-            <a:extLst>
-              <a:ext uri="{FF2B5EF4-FFF2-40B4-BE49-F238E27FC236}">
-                <a16:creationId xmlns:a16="http://schemas.microsoft.com/office/drawing/2014/main" xmlns="" id="{632BE5BF-9922-45FB-8F3F-4446D40A051B}"/>
-              </a:ext>
-            </a:extLst>
-          </p:cNvPr>
-          <p:cNvSpPr>
-            <a:spLocks noGrp="1"/>
-          </p:cNvSpPr>
-          <p:nvPr>
-            <p:ph type="ctrTitle"/>
-          </p:nvPr>
-        </p:nvSpPr>
-        <p:spPr/>
-        <p:txBody>
-          <a:bodyPr/>
-          <a:lstStyle/>
-          <a:p>
-            <a:r>
-              <a:rPr lang="en-US" dirty="0"/>
-              <a:t>Thank You 2</a:t>
-            </a:r>
-            <a:endParaRPr lang="en-GB" dirty="0"/>
-          </a:p>
-        </p:txBody>
-      </p:sp>
-    </p:spTree>
-    <p:extLst>
-      <p:ext uri="{BB962C8B-B14F-4D97-AF65-F5344CB8AC3E}">
-        <p14:creationId xmlns:p14="http://schemas.microsoft.com/office/powerpoint/2010/main" val="44069682"/>
-      </p:ext>
-    </p:extLst>
-  </p:cSld>
-  <p:clrMapOvr>
-    <a:masterClrMapping/>
-  </p:clrMapOvr>
-  <p:transition spd="slow">
-    <p:wipe/>
-  </p:transition>
-</p:sld>
-</file>
-
-<file path=ppt/slides/slide24.xml><?xml version="1.0" encoding="utf-8"?>
-<p:sld xmlns:a="http://schemas.openxmlformats.org/drawingml/2006/main" xmlns:r="http://schemas.openxmlformats.org/officeDocument/2006/relationships" xmlns:p="http://schemas.openxmlformats.org/presentationml/2006/main">
-  <p:cSld>
-    <p:spTree>
-      <p:nvGrpSpPr>
-        <p:cNvPr id="1" name=""/>
-        <p:cNvGrpSpPr/>
-        <p:nvPr/>
-      </p:nvGrpSpPr>
-      <p:grpSpPr>
-        <a:xfrm>
-          <a:off x="0" y="0"/>
-          <a:ext cx="0" cy="0"/>
-          <a:chOff x="0" y="0"/>
-          <a:chExt cx="0" cy="0"/>
-        </a:xfrm>
-      </p:grpSpPr>
-      <p:sp>
-        <p:nvSpPr>
-          <p:cNvPr id="4" name="Title 3">
-            <a:extLst>
-              <a:ext uri="{FF2B5EF4-FFF2-40B4-BE49-F238E27FC236}">
-                <a16:creationId xmlns:a16="http://schemas.microsoft.com/office/drawing/2014/main" xmlns="" id="{E98DCA46-603B-4178-8707-30E192CE6B8D}"/>
-              </a:ext>
-            </a:extLst>
-          </p:cNvPr>
-          <p:cNvSpPr>
-            <a:spLocks noGrp="1"/>
-          </p:cNvSpPr>
-          <p:nvPr>
-            <p:ph type="title"/>
-          </p:nvPr>
-        </p:nvSpPr>
-        <p:spPr/>
-        <p:txBody>
-          <a:bodyPr/>
-          <a:lstStyle/>
-          <a:p>
-            <a:r>
-              <a:rPr lang="en-US" dirty="0"/>
-              <a:t>Customize this Template</a:t>
-            </a:r>
-          </a:p>
-        </p:txBody>
-      </p:sp>
-      <p:sp>
-        <p:nvSpPr>
-          <p:cNvPr id="2" name="Slide Number Placeholder 1">
-            <a:extLst>
-              <a:ext uri="{FF2B5EF4-FFF2-40B4-BE49-F238E27FC236}">
-                <a16:creationId xmlns:a16="http://schemas.microsoft.com/office/drawing/2014/main" xmlns="" id="{6D90B5C6-1CB0-445E-99D1-8E2FE8C59B50}"/>
-              </a:ext>
-            </a:extLst>
-          </p:cNvPr>
-          <p:cNvSpPr>
-            <a:spLocks noGrp="1"/>
-          </p:cNvSpPr>
-          <p:nvPr>
-            <p:ph type="sldNum" sz="quarter" idx="12"/>
-          </p:nvPr>
-        </p:nvSpPr>
-        <p:spPr/>
-        <p:txBody>
-          <a:bodyPr/>
-          <a:lstStyle/>
-          <a:p>
-            <a:fld id="{C263D6C4-4840-40CC-AC84-17E24B3B7BDE}" type="slidenum">
-              <a:rPr lang="en-US" smtClean="0"/>
-              <a:pPr/>
-              <a:t>24</a:t>
-            </a:fld>
-            <a:endParaRPr lang="en-US" dirty="0"/>
-          </a:p>
-        </p:txBody>
-      </p:sp>
-      <p:sp>
-        <p:nvSpPr>
-          <p:cNvPr id="3" name="Text Placeholder 2">
-            <a:extLst>
-              <a:ext uri="{FF2B5EF4-FFF2-40B4-BE49-F238E27FC236}">
-                <a16:creationId xmlns:a16="http://schemas.microsoft.com/office/drawing/2014/main" xmlns="" id="{06554A61-D199-469B-AB0C-B68F82B5059F}"/>
-              </a:ext>
-            </a:extLst>
-          </p:cNvPr>
-          <p:cNvSpPr>
-            <a:spLocks noGrp="1"/>
-          </p:cNvSpPr>
-          <p:nvPr>
-            <p:ph type="body" sz="quarter" idx="13"/>
-          </p:nvPr>
-        </p:nvSpPr>
-        <p:spPr/>
-        <p:txBody>
-          <a:bodyPr/>
-          <a:lstStyle/>
-          <a:p>
-            <a:r>
-              <a:rPr lang="en-US" u="sng" dirty="0">
-                <a:hlinkClick r:id="rId2">
-                  <a:extLst>
-                    <a:ext uri="{A12FA001-AC4F-418D-AE19-62706E023703}">
-                      <ahyp:hlinkClr xmlns:ahyp="http://schemas.microsoft.com/office/drawing/2018/hyperlinkcolor" xmlns="" val="tx"/>
-                    </a:ext>
-                  </a:extLst>
-                </a:hlinkClick>
-              </a:rPr>
-              <a:t>Template Editing Instructions and Feedback</a:t>
-            </a:r>
-            <a:endParaRPr lang="en-US" u="sng" dirty="0"/>
-          </a:p>
-        </p:txBody>
-      </p:sp>
-    </p:spTree>
-    <p:extLst>
-      <p:ext uri="{BB962C8B-B14F-4D97-AF65-F5344CB8AC3E}">
-        <p14:creationId xmlns:p14="http://schemas.microsoft.com/office/powerpoint/2010/main" val="59582380"/>
-      </p:ext>
-    </p:extLst>
-  </p:cSld>
-  <p:clrMapOvr>
-    <a:masterClrMapping/>
-  </p:clrMapOvr>
 </p:sld>
 </file>
 

--- a/Selenium/Specflow/Web Automation Test with Specflow.pptx
+++ b/Selenium/Specflow/Web Automation Test with Specflow.pptx
@@ -5,29 +5,28 @@
     <p:sldMasterId id="2147483648" r:id="rId4"/>
   </p:sldMasterIdLst>
   <p:notesMasterIdLst>
-    <p:notesMasterId r:id="rId22"/>
+    <p:notesMasterId r:id="rId21"/>
   </p:notesMasterIdLst>
   <p:handoutMasterIdLst>
-    <p:handoutMasterId r:id="rId23"/>
+    <p:handoutMasterId r:id="rId22"/>
   </p:handoutMasterIdLst>
   <p:sldIdLst>
     <p:sldId id="256" r:id="rId5"/>
     <p:sldId id="257" r:id="rId6"/>
     <p:sldId id="258" r:id="rId7"/>
-    <p:sldId id="286" r:id="rId8"/>
-    <p:sldId id="287" r:id="rId9"/>
-    <p:sldId id="261" r:id="rId10"/>
-    <p:sldId id="288" r:id="rId11"/>
-    <p:sldId id="289" r:id="rId12"/>
-    <p:sldId id="290" r:id="rId13"/>
-    <p:sldId id="291" r:id="rId14"/>
-    <p:sldId id="292" r:id="rId15"/>
-    <p:sldId id="295" r:id="rId16"/>
+    <p:sldId id="261" r:id="rId8"/>
+    <p:sldId id="286" r:id="rId9"/>
+    <p:sldId id="288" r:id="rId10"/>
+    <p:sldId id="289" r:id="rId11"/>
+    <p:sldId id="290" r:id="rId12"/>
+    <p:sldId id="291" r:id="rId13"/>
+    <p:sldId id="292" r:id="rId14"/>
+    <p:sldId id="298" r:id="rId15"/>
+    <p:sldId id="294" r:id="rId16"/>
     <p:sldId id="293" r:id="rId17"/>
-    <p:sldId id="294" r:id="rId18"/>
-    <p:sldId id="296" r:id="rId19"/>
-    <p:sldId id="297" r:id="rId20"/>
-    <p:sldId id="269" r:id="rId21"/>
+    <p:sldId id="296" r:id="rId18"/>
+    <p:sldId id="297" r:id="rId19"/>
+    <p:sldId id="269" r:id="rId20"/>
   </p:sldIdLst>
   <p:sldSz cx="12192000" cy="6858000"/>
   <p:notesSz cx="6858000" cy="9144000"/>
@@ -175,7 +174,7 @@
           <p:cNvPr id="2" name="Header Placeholder 1">
             <a:extLst>
               <a:ext uri="{FF2B5EF4-FFF2-40B4-BE49-F238E27FC236}">
-                <a16:creationId xmlns:a16="http://schemas.microsoft.com/office/drawing/2014/main" xmlns="" id="{E62FF6B6-4F8A-40F7-B5F4-FC3996824D73}"/>
+                <a16:creationId xmlns:a16="http://schemas.microsoft.com/office/drawing/2014/main" id="{E62FF6B6-4F8A-40F7-B5F4-FC3996824D73}"/>
               </a:ext>
             </a:extLst>
           </p:cNvPr>
@@ -212,7 +211,7 @@
           <p:cNvPr id="3" name="Date Placeholder 2">
             <a:extLst>
               <a:ext uri="{FF2B5EF4-FFF2-40B4-BE49-F238E27FC236}">
-                <a16:creationId xmlns:a16="http://schemas.microsoft.com/office/drawing/2014/main" xmlns="" id="{8910A999-F365-48DF-976A-0517FE045440}"/>
+                <a16:creationId xmlns:a16="http://schemas.microsoft.com/office/drawing/2014/main" id="{8910A999-F365-48DF-976A-0517FE045440}"/>
               </a:ext>
             </a:extLst>
           </p:cNvPr>
@@ -242,7 +241,7 @@
           <a:p>
             <a:fld id="{1CA5457B-CDAE-4DEB-AEC8-C82DE2312E37}" type="datetimeFigureOut">
               <a:rPr lang="en-US" smtClean="0"/>
-              <a:t>6/2/2019</a:t>
+              <a:t>6/3/2019</a:t>
             </a:fld>
             <a:endParaRPr lang="en-US" dirty="0"/>
           </a:p>
@@ -253,7 +252,7 @@
           <p:cNvPr id="4" name="Footer Placeholder 3">
             <a:extLst>
               <a:ext uri="{FF2B5EF4-FFF2-40B4-BE49-F238E27FC236}">
-                <a16:creationId xmlns:a16="http://schemas.microsoft.com/office/drawing/2014/main" xmlns="" id="{F8735C90-ADBF-4B9E-BE88-E1C8F83EB4D2}"/>
+                <a16:creationId xmlns:a16="http://schemas.microsoft.com/office/drawing/2014/main" id="{F8735C90-ADBF-4B9E-BE88-E1C8F83EB4D2}"/>
               </a:ext>
             </a:extLst>
           </p:cNvPr>
@@ -290,7 +289,7 @@
           <p:cNvPr id="5" name="Slide Number Placeholder 4">
             <a:extLst>
               <a:ext uri="{FF2B5EF4-FFF2-40B4-BE49-F238E27FC236}">
-                <a16:creationId xmlns:a16="http://schemas.microsoft.com/office/drawing/2014/main" xmlns="" id="{82506A01-6D0A-45EF-A584-05A3361D66F7}"/>
+                <a16:creationId xmlns:a16="http://schemas.microsoft.com/office/drawing/2014/main" id="{82506A01-6D0A-45EF-A584-05A3361D66F7}"/>
               </a:ext>
             </a:extLst>
           </p:cNvPr>
@@ -419,7 +418,7 @@
           <a:p>
             <a:fld id="{090B78EA-28CE-41D8-9043-90E391E5F567}" type="datetimeFigureOut">
               <a:rPr lang="en-US" noProof="0" smtClean="0"/>
-              <a:t>6/2/2019</a:t>
+              <a:t>6/3/2019</a:t>
             </a:fld>
             <a:endParaRPr lang="en-US" noProof="0" dirty="0"/>
           </a:p>
@@ -708,7 +707,7 @@
           <p:cNvPr id="21" name="Rectangle 20">
             <a:extLst>
               <a:ext uri="{FF2B5EF4-FFF2-40B4-BE49-F238E27FC236}">
-                <a16:creationId xmlns:a16="http://schemas.microsoft.com/office/drawing/2014/main" xmlns="" id="{6E739168-A5E8-443A-B392-7AD4CF8977AD}"/>
+                <a16:creationId xmlns:a16="http://schemas.microsoft.com/office/drawing/2014/main" id="{6E739168-A5E8-443A-B392-7AD4CF8977AD}"/>
               </a:ext>
             </a:extLst>
           </p:cNvPr>
@@ -760,7 +759,7 @@
           <p:cNvPr id="7" name="Group 6">
             <a:extLst>
               <a:ext uri="{FF2B5EF4-FFF2-40B4-BE49-F238E27FC236}">
-                <a16:creationId xmlns:a16="http://schemas.microsoft.com/office/drawing/2014/main" xmlns="" id="{4CA15AFD-4983-47DD-9ED0-D3B27E5A096F}"/>
+                <a16:creationId xmlns:a16="http://schemas.microsoft.com/office/drawing/2014/main" id="{4CA15AFD-4983-47DD-9ED0-D3B27E5A096F}"/>
               </a:ext>
             </a:extLst>
           </p:cNvPr>
@@ -780,7 +779,7 @@
             <p:cNvPr id="8" name="Group 7">
               <a:extLst>
                 <a:ext uri="{FF2B5EF4-FFF2-40B4-BE49-F238E27FC236}">
-                  <a16:creationId xmlns:a16="http://schemas.microsoft.com/office/drawing/2014/main" xmlns="" id="{2222D5E2-E9B4-4180-98B8-4E514C9ADB28}"/>
+                  <a16:creationId xmlns:a16="http://schemas.microsoft.com/office/drawing/2014/main" id="{2222D5E2-E9B4-4180-98B8-4E514C9ADB28}"/>
                 </a:ext>
               </a:extLst>
             </p:cNvPr>
@@ -800,7 +799,7 @@
               <p:cNvPr id="15" name="Freeform: Shape 14">
                 <a:extLst>
                   <a:ext uri="{FF2B5EF4-FFF2-40B4-BE49-F238E27FC236}">
-                    <a16:creationId xmlns:a16="http://schemas.microsoft.com/office/drawing/2014/main" xmlns="" id="{41E10E1E-5268-4F03-BA64-07E19DE26739}"/>
+                    <a16:creationId xmlns:a16="http://schemas.microsoft.com/office/drawing/2014/main" id="{41E10E1E-5268-4F03-BA64-07E19DE26739}"/>
                   </a:ext>
                 </a:extLst>
               </p:cNvPr>
@@ -937,7 +936,7 @@
               <p:cNvPr id="16" name="Freeform: Shape 15">
                 <a:extLst>
                   <a:ext uri="{FF2B5EF4-FFF2-40B4-BE49-F238E27FC236}">
-                    <a16:creationId xmlns:a16="http://schemas.microsoft.com/office/drawing/2014/main" xmlns="" id="{B989C45D-BDFF-418F-BE79-03FF70015770}"/>
+                    <a16:creationId xmlns:a16="http://schemas.microsoft.com/office/drawing/2014/main" id="{B989C45D-BDFF-418F-BE79-03FF70015770}"/>
                   </a:ext>
                 </a:extLst>
               </p:cNvPr>
@@ -1101,7 +1100,7 @@
               <p:cNvPr id="17" name="Right Triangle 16">
                 <a:extLst>
                   <a:ext uri="{FF2B5EF4-FFF2-40B4-BE49-F238E27FC236}">
-                    <a16:creationId xmlns:a16="http://schemas.microsoft.com/office/drawing/2014/main" xmlns="" id="{8DCD5806-2A2F-4ABF-8057-245681C498E6}"/>
+                    <a16:creationId xmlns:a16="http://schemas.microsoft.com/office/drawing/2014/main" id="{8DCD5806-2A2F-4ABF-8057-245681C498E6}"/>
                   </a:ext>
                 </a:extLst>
               </p:cNvPr>
@@ -1155,7 +1154,7 @@
               <p:cNvPr id="18" name="Right Triangle 17">
                 <a:extLst>
                   <a:ext uri="{FF2B5EF4-FFF2-40B4-BE49-F238E27FC236}">
-                    <a16:creationId xmlns:a16="http://schemas.microsoft.com/office/drawing/2014/main" xmlns="" id="{3A93038F-E9E4-4FFD-B3DF-28DB7C2C1490}"/>
+                    <a16:creationId xmlns:a16="http://schemas.microsoft.com/office/drawing/2014/main" id="{3A93038F-E9E4-4FFD-B3DF-28DB7C2C1490}"/>
                   </a:ext>
                 </a:extLst>
               </p:cNvPr>
@@ -1212,7 +1211,7 @@
               <p:cNvPr id="19" name="Right Triangle 18">
                 <a:extLst>
                   <a:ext uri="{FF2B5EF4-FFF2-40B4-BE49-F238E27FC236}">
-                    <a16:creationId xmlns:a16="http://schemas.microsoft.com/office/drawing/2014/main" xmlns="" id="{5DEA1E02-BBD0-4AE3-AF22-433B90272178}"/>
+                    <a16:creationId xmlns:a16="http://schemas.microsoft.com/office/drawing/2014/main" id="{5DEA1E02-BBD0-4AE3-AF22-433B90272178}"/>
                   </a:ext>
                 </a:extLst>
               </p:cNvPr>
@@ -1266,7 +1265,7 @@
               <p:cNvPr id="20" name="Freeform: Shape 19">
                 <a:extLst>
                   <a:ext uri="{FF2B5EF4-FFF2-40B4-BE49-F238E27FC236}">
-                    <a16:creationId xmlns:a16="http://schemas.microsoft.com/office/drawing/2014/main" xmlns="" id="{0027A677-9ACB-4264-B148-4806678FB83F}"/>
+                    <a16:creationId xmlns:a16="http://schemas.microsoft.com/office/drawing/2014/main" id="{0027A677-9ACB-4264-B148-4806678FB83F}"/>
                   </a:ext>
                 </a:extLst>
               </p:cNvPr>
@@ -1429,7 +1428,7 @@
             <p:cNvPr id="9" name="Freeform: Shape 12">
               <a:extLst>
                 <a:ext uri="{FF2B5EF4-FFF2-40B4-BE49-F238E27FC236}">
-                  <a16:creationId xmlns:a16="http://schemas.microsoft.com/office/drawing/2014/main" xmlns="" id="{E3AAB79D-382D-4A95-965E-526B6A681DA7}"/>
+                  <a16:creationId xmlns:a16="http://schemas.microsoft.com/office/drawing/2014/main" id="{E3AAB79D-382D-4A95-965E-526B6A681DA7}"/>
                 </a:ext>
               </a:extLst>
             </p:cNvPr>
@@ -1519,7 +1518,7 @@
             <p:cNvPr id="10" name="Freeform: Shape 9">
               <a:extLst>
                 <a:ext uri="{FF2B5EF4-FFF2-40B4-BE49-F238E27FC236}">
-                  <a16:creationId xmlns:a16="http://schemas.microsoft.com/office/drawing/2014/main" xmlns="" id="{C0A22127-2B4A-4B15-B0A9-F019A30347A1}"/>
+                  <a16:creationId xmlns:a16="http://schemas.microsoft.com/office/drawing/2014/main" id="{C0A22127-2B4A-4B15-B0A9-F019A30347A1}"/>
                 </a:ext>
               </a:extLst>
             </p:cNvPr>
@@ -1622,7 +1621,7 @@
             <p:cNvPr id="11" name="Freeform: Shape 12">
               <a:extLst>
                 <a:ext uri="{FF2B5EF4-FFF2-40B4-BE49-F238E27FC236}">
-                  <a16:creationId xmlns:a16="http://schemas.microsoft.com/office/drawing/2014/main" xmlns="" id="{F04D9FDC-1B67-4254-9535-CD32E81F0C3E}"/>
+                  <a16:creationId xmlns:a16="http://schemas.microsoft.com/office/drawing/2014/main" id="{F04D9FDC-1B67-4254-9535-CD32E81F0C3E}"/>
                 </a:ext>
               </a:extLst>
             </p:cNvPr>
@@ -1720,7 +1719,7 @@
             <p:cNvPr id="12" name="Group 11">
               <a:extLst>
                 <a:ext uri="{FF2B5EF4-FFF2-40B4-BE49-F238E27FC236}">
-                  <a16:creationId xmlns:a16="http://schemas.microsoft.com/office/drawing/2014/main" xmlns="" id="{0A86C4EA-4CF8-4531-845D-4FCB1E2F7422}"/>
+                  <a16:creationId xmlns:a16="http://schemas.microsoft.com/office/drawing/2014/main" id="{0A86C4EA-4CF8-4531-845D-4FCB1E2F7422}"/>
                 </a:ext>
               </a:extLst>
             </p:cNvPr>
@@ -1740,7 +1739,7 @@
               <p:cNvPr id="13" name="Freeform: Shape 12">
                 <a:extLst>
                   <a:ext uri="{FF2B5EF4-FFF2-40B4-BE49-F238E27FC236}">
-                    <a16:creationId xmlns:a16="http://schemas.microsoft.com/office/drawing/2014/main" xmlns="" id="{1101B195-C112-4D20-8D19-4D22479B150D}"/>
+                    <a16:creationId xmlns:a16="http://schemas.microsoft.com/office/drawing/2014/main" id="{1101B195-C112-4D20-8D19-4D22479B150D}"/>
                   </a:ext>
                 </a:extLst>
               </p:cNvPr>
@@ -1830,7 +1829,7 @@
               <p:cNvPr id="14" name="Freeform: Shape 12">
                 <a:extLst>
                   <a:ext uri="{FF2B5EF4-FFF2-40B4-BE49-F238E27FC236}">
-                    <a16:creationId xmlns:a16="http://schemas.microsoft.com/office/drawing/2014/main" xmlns="" id="{CA755F1F-9955-4CBB-8F34-F7801CA44CE7}"/>
+                    <a16:creationId xmlns:a16="http://schemas.microsoft.com/office/drawing/2014/main" id="{CA755F1F-9955-4CBB-8F34-F7801CA44CE7}"/>
                   </a:ext>
                 </a:extLst>
               </p:cNvPr>
@@ -1930,7 +1929,7 @@
           <p:cNvPr id="2" name="Title 1">
             <a:extLst>
               <a:ext uri="{FF2B5EF4-FFF2-40B4-BE49-F238E27FC236}">
-                <a16:creationId xmlns:a16="http://schemas.microsoft.com/office/drawing/2014/main" xmlns="" id="{9E597736-C478-4C26-9BAF-205FE31E977C}"/>
+                <a16:creationId xmlns:a16="http://schemas.microsoft.com/office/drawing/2014/main" id="{9E597736-C478-4C26-9BAF-205FE31E977C}"/>
               </a:ext>
             </a:extLst>
           </p:cNvPr>
@@ -1977,7 +1976,7 @@
           <p:cNvPr id="3" name="Subtitle 2">
             <a:extLst>
               <a:ext uri="{FF2B5EF4-FFF2-40B4-BE49-F238E27FC236}">
-                <a16:creationId xmlns:a16="http://schemas.microsoft.com/office/drawing/2014/main" xmlns="" id="{C3D2DEF0-A0B0-4CFE-B67D-A9D75E2368DC}"/>
+                <a16:creationId xmlns:a16="http://schemas.microsoft.com/office/drawing/2014/main" id="{C3D2DEF0-A0B0-4CFE-B67D-A9D75E2368DC}"/>
               </a:ext>
             </a:extLst>
           </p:cNvPr>
@@ -2013,10 +2012,9 @@
           <a:p>
             <a:pPr marL="228600" lvl="0" indent="-228600"/>
             <a:r>
-              <a:rPr lang="en-US" noProof="0" smtClean="0"/>
+              <a:rPr lang="en-US" noProof="0"/>
               <a:t>Click to edit Master subtitle style</a:t>
             </a:r>
-            <a:endParaRPr lang="en-US" noProof="0"/>
           </a:p>
         </p:txBody>
       </p:sp>
@@ -2063,7 +2061,7 @@
           <p:cNvPr id="11" name="Rectangle 10">
             <a:extLst>
               <a:ext uri="{FF2B5EF4-FFF2-40B4-BE49-F238E27FC236}">
-                <a16:creationId xmlns:a16="http://schemas.microsoft.com/office/drawing/2014/main" xmlns="" id="{EB3E033F-4449-40FA-BC85-BD2712D313DD}"/>
+                <a16:creationId xmlns:a16="http://schemas.microsoft.com/office/drawing/2014/main" id="{EB3E033F-4449-40FA-BC85-BD2712D313DD}"/>
               </a:ext>
             </a:extLst>
           </p:cNvPr>
@@ -2117,7 +2115,7 @@
           <p:cNvPr id="10" name="Freeform: Shape 9">
             <a:extLst>
               <a:ext uri="{FF2B5EF4-FFF2-40B4-BE49-F238E27FC236}">
-                <a16:creationId xmlns:a16="http://schemas.microsoft.com/office/drawing/2014/main" xmlns="" id="{63D26743-0505-444C-80B3-E88EE87DF72B}"/>
+                <a16:creationId xmlns:a16="http://schemas.microsoft.com/office/drawing/2014/main" id="{63D26743-0505-444C-80B3-E88EE87DF72B}"/>
               </a:ext>
             </a:extLst>
           </p:cNvPr>
@@ -2240,7 +2238,7 @@
           <p:cNvPr id="18" name="Freeform: Shape 17">
             <a:extLst>
               <a:ext uri="{FF2B5EF4-FFF2-40B4-BE49-F238E27FC236}">
-                <a16:creationId xmlns:a16="http://schemas.microsoft.com/office/drawing/2014/main" xmlns="" id="{E37145E9-AC61-47D5-9288-8789940F81B6}"/>
+                <a16:creationId xmlns:a16="http://schemas.microsoft.com/office/drawing/2014/main" id="{E37145E9-AC61-47D5-9288-8789940F81B6}"/>
               </a:ext>
             </a:extLst>
           </p:cNvPr>
@@ -2392,7 +2390,7 @@
           <p:cNvPr id="12" name="Freeform: Shape 11">
             <a:extLst>
               <a:ext uri="{FF2B5EF4-FFF2-40B4-BE49-F238E27FC236}">
-                <a16:creationId xmlns:a16="http://schemas.microsoft.com/office/drawing/2014/main" xmlns="" id="{A5E2B3ED-9A49-40A7-B8A3-62595FE513F9}"/>
+                <a16:creationId xmlns:a16="http://schemas.microsoft.com/office/drawing/2014/main" id="{A5E2B3ED-9A49-40A7-B8A3-62595FE513F9}"/>
               </a:ext>
             </a:extLst>
           </p:cNvPr>
@@ -2542,7 +2540,7 @@
           <p:cNvPr id="8" name="Freeform: Shape 7">
             <a:extLst>
               <a:ext uri="{FF2B5EF4-FFF2-40B4-BE49-F238E27FC236}">
-                <a16:creationId xmlns:a16="http://schemas.microsoft.com/office/drawing/2014/main" xmlns="" id="{1599AF7E-3E34-4597-AA72-9373A7FDB020}"/>
+                <a16:creationId xmlns:a16="http://schemas.microsoft.com/office/drawing/2014/main" id="{1599AF7E-3E34-4597-AA72-9373A7FDB020}"/>
               </a:ext>
             </a:extLst>
           </p:cNvPr>
@@ -2688,7 +2686,7 @@
           <p:cNvPr id="2" name="Title 1">
             <a:extLst>
               <a:ext uri="{FF2B5EF4-FFF2-40B4-BE49-F238E27FC236}">
-                <a16:creationId xmlns:a16="http://schemas.microsoft.com/office/drawing/2014/main" xmlns="" id="{4A2DF563-7FAC-46B3-B24C-7E45CD89DA2B}"/>
+                <a16:creationId xmlns:a16="http://schemas.microsoft.com/office/drawing/2014/main" id="{4A2DF563-7FAC-46B3-B24C-7E45CD89DA2B}"/>
               </a:ext>
             </a:extLst>
           </p:cNvPr>
@@ -2722,10 +2720,9 @@
           <a:p>
             <a:pPr lvl="0"/>
             <a:r>
-              <a:rPr lang="en-US" noProof="0" smtClean="0"/>
+              <a:rPr lang="en-US" noProof="0"/>
               <a:t>Click to edit Master title style</a:t>
             </a:r>
-            <a:endParaRPr lang="en-US" noProof="0"/>
           </a:p>
         </p:txBody>
       </p:sp>
@@ -2734,7 +2731,7 @@
           <p:cNvPr id="15" name="Group 14">
             <a:extLst>
               <a:ext uri="{FF2B5EF4-FFF2-40B4-BE49-F238E27FC236}">
-                <a16:creationId xmlns:a16="http://schemas.microsoft.com/office/drawing/2014/main" xmlns="" id="{7732E1E7-45E3-4264-8F26-66758696DD1E}"/>
+                <a16:creationId xmlns:a16="http://schemas.microsoft.com/office/drawing/2014/main" id="{7732E1E7-45E3-4264-8F26-66758696DD1E}"/>
               </a:ext>
             </a:extLst>
           </p:cNvPr>
@@ -2754,7 +2751,7 @@
             <p:cNvPr id="16" name="Freeform: Shape 15">
               <a:extLst>
                 <a:ext uri="{FF2B5EF4-FFF2-40B4-BE49-F238E27FC236}">
-                  <a16:creationId xmlns:a16="http://schemas.microsoft.com/office/drawing/2014/main" xmlns="" id="{2E3DF883-8093-49FA-81E1-E5D77F086A25}"/>
+                  <a16:creationId xmlns:a16="http://schemas.microsoft.com/office/drawing/2014/main" id="{2E3DF883-8093-49FA-81E1-E5D77F086A25}"/>
                 </a:ext>
               </a:extLst>
             </p:cNvPr>
@@ -2844,7 +2841,7 @@
             <p:cNvPr id="17" name="Freeform: Shape 16">
               <a:extLst>
                 <a:ext uri="{FF2B5EF4-FFF2-40B4-BE49-F238E27FC236}">
-                  <a16:creationId xmlns:a16="http://schemas.microsoft.com/office/drawing/2014/main" xmlns="" id="{18944C90-37E5-4BBE-89FF-060627168050}"/>
+                  <a16:creationId xmlns:a16="http://schemas.microsoft.com/office/drawing/2014/main" id="{18944C90-37E5-4BBE-89FF-060627168050}"/>
                 </a:ext>
               </a:extLst>
             </p:cNvPr>
@@ -2943,7 +2940,7 @@
           <p:cNvPr id="6" name="Group 5">
             <a:extLst>
               <a:ext uri="{FF2B5EF4-FFF2-40B4-BE49-F238E27FC236}">
-                <a16:creationId xmlns:a16="http://schemas.microsoft.com/office/drawing/2014/main" xmlns="" id="{D9EBF8BB-A805-4DDB-B459-082F99815B95}"/>
+                <a16:creationId xmlns:a16="http://schemas.microsoft.com/office/drawing/2014/main" id="{D9EBF8BB-A805-4DDB-B459-082F99815B95}"/>
               </a:ext>
             </a:extLst>
           </p:cNvPr>
@@ -2963,7 +2960,7 @@
             <p:cNvPr id="19" name="Rectangle: Single Corner Snipped 18">
               <a:extLst>
                 <a:ext uri="{FF2B5EF4-FFF2-40B4-BE49-F238E27FC236}">
-                  <a16:creationId xmlns:a16="http://schemas.microsoft.com/office/drawing/2014/main" xmlns="" id="{5D638788-DD47-45E7-939A-FA108A818173}"/>
+                  <a16:creationId xmlns:a16="http://schemas.microsoft.com/office/drawing/2014/main" id="{5D638788-DD47-45E7-939A-FA108A818173}"/>
                 </a:ext>
               </a:extLst>
             </p:cNvPr>
@@ -3029,7 +3026,7 @@
             <p:cNvPr id="3" name="Rectangle: Single Corner Snipped 2">
               <a:extLst>
                 <a:ext uri="{FF2B5EF4-FFF2-40B4-BE49-F238E27FC236}">
-                  <a16:creationId xmlns:a16="http://schemas.microsoft.com/office/drawing/2014/main" xmlns="" id="{74BDECEF-EEFE-4332-B3B2-BDE4F82C10FC}"/>
+                  <a16:creationId xmlns:a16="http://schemas.microsoft.com/office/drawing/2014/main" id="{74BDECEF-EEFE-4332-B3B2-BDE4F82C10FC}"/>
                 </a:ext>
               </a:extLst>
             </p:cNvPr>
@@ -3086,7 +3083,7 @@
           <p:cNvPr id="24" name="Freeform: Shape 23">
             <a:extLst>
               <a:ext uri="{FF2B5EF4-FFF2-40B4-BE49-F238E27FC236}">
-                <a16:creationId xmlns:a16="http://schemas.microsoft.com/office/drawing/2014/main" xmlns="" id="{18103E00-7E4A-44CD-81AC-06433CAE1110}"/>
+                <a16:creationId xmlns:a16="http://schemas.microsoft.com/office/drawing/2014/main" id="{18103E00-7E4A-44CD-81AC-06433CAE1110}"/>
               </a:ext>
             </a:extLst>
           </p:cNvPr>
@@ -3181,7 +3178,7 @@
           <p:cNvPr id="5" name="Slide Number Placeholder 4">
             <a:extLst>
               <a:ext uri="{FF2B5EF4-FFF2-40B4-BE49-F238E27FC236}">
-                <a16:creationId xmlns:a16="http://schemas.microsoft.com/office/drawing/2014/main" xmlns="" id="{87B51822-97FF-47A7-8E4E-A0F79B4EB237}"/>
+                <a16:creationId xmlns:a16="http://schemas.microsoft.com/office/drawing/2014/main" id="{87B51822-97FF-47A7-8E4E-A0F79B4EB237}"/>
               </a:ext>
             </a:extLst>
           </p:cNvPr>
@@ -3225,7 +3222,7 @@
           <p:cNvPr id="20" name="Content Placeholder 2">
             <a:extLst>
               <a:ext uri="{FF2B5EF4-FFF2-40B4-BE49-F238E27FC236}">
-                <a16:creationId xmlns:a16="http://schemas.microsoft.com/office/drawing/2014/main" xmlns="" id="{FE796BFF-6E5F-4DE7-B193-F501FC094D63}"/>
+                <a16:creationId xmlns:a16="http://schemas.microsoft.com/office/drawing/2014/main" id="{FE796BFF-6E5F-4DE7-B193-F501FC094D63}"/>
               </a:ext>
             </a:extLst>
           </p:cNvPr>
@@ -3296,38 +3293,37 @@
           <a:p>
             <a:pPr lvl="0"/>
             <a:r>
-              <a:rPr lang="en-US" noProof="0" smtClean="0"/>
+              <a:rPr lang="en-US" noProof="0"/>
               <a:t>Click to edit Master text styles</a:t>
             </a:r>
           </a:p>
           <a:p>
             <a:pPr lvl="1"/>
             <a:r>
-              <a:rPr lang="en-US" noProof="0" smtClean="0"/>
+              <a:rPr lang="en-US" noProof="0"/>
               <a:t>Second level</a:t>
             </a:r>
           </a:p>
           <a:p>
             <a:pPr lvl="2"/>
             <a:r>
-              <a:rPr lang="en-US" noProof="0" smtClean="0"/>
+              <a:rPr lang="en-US" noProof="0"/>
               <a:t>Third level</a:t>
             </a:r>
           </a:p>
           <a:p>
             <a:pPr lvl="3"/>
             <a:r>
-              <a:rPr lang="en-US" noProof="0" smtClean="0"/>
+              <a:rPr lang="en-US" noProof="0"/>
               <a:t>Fourth level</a:t>
             </a:r>
           </a:p>
           <a:p>
             <a:pPr lvl="4"/>
             <a:r>
-              <a:rPr lang="en-US" noProof="0" smtClean="0"/>
+              <a:rPr lang="en-US" noProof="0"/>
               <a:t>Fifth level</a:t>
             </a:r>
-            <a:endParaRPr lang="en-US" noProof="0"/>
           </a:p>
         </p:txBody>
       </p:sp>
@@ -3336,7 +3332,7 @@
           <p:cNvPr id="21" name="Content Placeholder 3">
             <a:extLst>
               <a:ext uri="{FF2B5EF4-FFF2-40B4-BE49-F238E27FC236}">
-                <a16:creationId xmlns:a16="http://schemas.microsoft.com/office/drawing/2014/main" xmlns="" id="{78622754-CA4D-4C27-A37F-B26E7B4C9CA2}"/>
+                <a16:creationId xmlns:a16="http://schemas.microsoft.com/office/drawing/2014/main" id="{78622754-CA4D-4C27-A37F-B26E7B4C9CA2}"/>
               </a:ext>
             </a:extLst>
           </p:cNvPr>
@@ -3397,38 +3393,37 @@
           <a:p>
             <a:pPr lvl="0"/>
             <a:r>
-              <a:rPr lang="en-US" noProof="0" smtClean="0"/>
+              <a:rPr lang="en-US" noProof="0"/>
               <a:t>Click to edit Master text styles</a:t>
             </a:r>
           </a:p>
           <a:p>
             <a:pPr lvl="1"/>
             <a:r>
-              <a:rPr lang="en-US" noProof="0" smtClean="0"/>
+              <a:rPr lang="en-US" noProof="0"/>
               <a:t>Second level</a:t>
             </a:r>
           </a:p>
           <a:p>
             <a:pPr lvl="2"/>
             <a:r>
-              <a:rPr lang="en-US" noProof="0" smtClean="0"/>
+              <a:rPr lang="en-US" noProof="0"/>
               <a:t>Third level</a:t>
             </a:r>
           </a:p>
           <a:p>
             <a:pPr lvl="3"/>
             <a:r>
-              <a:rPr lang="en-US" noProof="0" smtClean="0"/>
+              <a:rPr lang="en-US" noProof="0"/>
               <a:t>Fourth level</a:t>
             </a:r>
           </a:p>
           <a:p>
             <a:pPr lvl="4"/>
             <a:r>
-              <a:rPr lang="en-US" noProof="0" smtClean="0"/>
+              <a:rPr lang="en-US" noProof="0"/>
               <a:t>Fifth level</a:t>
             </a:r>
-            <a:endParaRPr lang="en-US" noProof="0"/>
           </a:p>
         </p:txBody>
       </p:sp>
@@ -3475,7 +3470,7 @@
           <p:cNvPr id="11" name="Rectangle 10">
             <a:extLst>
               <a:ext uri="{FF2B5EF4-FFF2-40B4-BE49-F238E27FC236}">
-                <a16:creationId xmlns:a16="http://schemas.microsoft.com/office/drawing/2014/main" xmlns="" id="{EB3E033F-4449-40FA-BC85-BD2712D313DD}"/>
+                <a16:creationId xmlns:a16="http://schemas.microsoft.com/office/drawing/2014/main" id="{EB3E033F-4449-40FA-BC85-BD2712D313DD}"/>
               </a:ext>
             </a:extLst>
           </p:cNvPr>
@@ -3529,7 +3524,7 @@
           <p:cNvPr id="10" name="Freeform: Shape 9">
             <a:extLst>
               <a:ext uri="{FF2B5EF4-FFF2-40B4-BE49-F238E27FC236}">
-                <a16:creationId xmlns:a16="http://schemas.microsoft.com/office/drawing/2014/main" xmlns="" id="{63D26743-0505-444C-80B3-E88EE87DF72B}"/>
+                <a16:creationId xmlns:a16="http://schemas.microsoft.com/office/drawing/2014/main" id="{63D26743-0505-444C-80B3-E88EE87DF72B}"/>
               </a:ext>
             </a:extLst>
           </p:cNvPr>
@@ -3652,7 +3647,7 @@
           <p:cNvPr id="18" name="Freeform: Shape 17">
             <a:extLst>
               <a:ext uri="{FF2B5EF4-FFF2-40B4-BE49-F238E27FC236}">
-                <a16:creationId xmlns:a16="http://schemas.microsoft.com/office/drawing/2014/main" xmlns="" id="{E37145E9-AC61-47D5-9288-8789940F81B6}"/>
+                <a16:creationId xmlns:a16="http://schemas.microsoft.com/office/drawing/2014/main" id="{E37145E9-AC61-47D5-9288-8789940F81B6}"/>
               </a:ext>
             </a:extLst>
           </p:cNvPr>
@@ -3804,7 +3799,7 @@
           <p:cNvPr id="12" name="Freeform: Shape 11">
             <a:extLst>
               <a:ext uri="{FF2B5EF4-FFF2-40B4-BE49-F238E27FC236}">
-                <a16:creationId xmlns:a16="http://schemas.microsoft.com/office/drawing/2014/main" xmlns="" id="{A5E2B3ED-9A49-40A7-B8A3-62595FE513F9}"/>
+                <a16:creationId xmlns:a16="http://schemas.microsoft.com/office/drawing/2014/main" id="{A5E2B3ED-9A49-40A7-B8A3-62595FE513F9}"/>
               </a:ext>
             </a:extLst>
           </p:cNvPr>
@@ -3954,7 +3949,7 @@
           <p:cNvPr id="8" name="Freeform: Shape 7">
             <a:extLst>
               <a:ext uri="{FF2B5EF4-FFF2-40B4-BE49-F238E27FC236}">
-                <a16:creationId xmlns:a16="http://schemas.microsoft.com/office/drawing/2014/main" xmlns="" id="{1599AF7E-3E34-4597-AA72-9373A7FDB020}"/>
+                <a16:creationId xmlns:a16="http://schemas.microsoft.com/office/drawing/2014/main" id="{1599AF7E-3E34-4597-AA72-9373A7FDB020}"/>
               </a:ext>
             </a:extLst>
           </p:cNvPr>
@@ -4100,7 +4095,7 @@
           <p:cNvPr id="2" name="Title 1">
             <a:extLst>
               <a:ext uri="{FF2B5EF4-FFF2-40B4-BE49-F238E27FC236}">
-                <a16:creationId xmlns:a16="http://schemas.microsoft.com/office/drawing/2014/main" xmlns="" id="{4A2DF563-7FAC-46B3-B24C-7E45CD89DA2B}"/>
+                <a16:creationId xmlns:a16="http://schemas.microsoft.com/office/drawing/2014/main" id="{4A2DF563-7FAC-46B3-B24C-7E45CD89DA2B}"/>
               </a:ext>
             </a:extLst>
           </p:cNvPr>
@@ -4134,10 +4129,9 @@
           <a:p>
             <a:pPr lvl="0"/>
             <a:r>
-              <a:rPr lang="en-US" noProof="0" smtClean="0"/>
+              <a:rPr lang="en-US" noProof="0"/>
               <a:t>Click to edit Master title style</a:t>
             </a:r>
-            <a:endParaRPr lang="en-US" noProof="0"/>
           </a:p>
         </p:txBody>
       </p:sp>
@@ -4146,7 +4140,7 @@
           <p:cNvPr id="15" name="Group 14">
             <a:extLst>
               <a:ext uri="{FF2B5EF4-FFF2-40B4-BE49-F238E27FC236}">
-                <a16:creationId xmlns:a16="http://schemas.microsoft.com/office/drawing/2014/main" xmlns="" id="{7732E1E7-45E3-4264-8F26-66758696DD1E}"/>
+                <a16:creationId xmlns:a16="http://schemas.microsoft.com/office/drawing/2014/main" id="{7732E1E7-45E3-4264-8F26-66758696DD1E}"/>
               </a:ext>
             </a:extLst>
           </p:cNvPr>
@@ -4166,7 +4160,7 @@
             <p:cNvPr id="16" name="Freeform: Shape 15">
               <a:extLst>
                 <a:ext uri="{FF2B5EF4-FFF2-40B4-BE49-F238E27FC236}">
-                  <a16:creationId xmlns:a16="http://schemas.microsoft.com/office/drawing/2014/main" xmlns="" id="{2E3DF883-8093-49FA-81E1-E5D77F086A25}"/>
+                  <a16:creationId xmlns:a16="http://schemas.microsoft.com/office/drawing/2014/main" id="{2E3DF883-8093-49FA-81E1-E5D77F086A25}"/>
                 </a:ext>
               </a:extLst>
             </p:cNvPr>
@@ -4256,7 +4250,7 @@
             <p:cNvPr id="17" name="Freeform: Shape 16">
               <a:extLst>
                 <a:ext uri="{FF2B5EF4-FFF2-40B4-BE49-F238E27FC236}">
-                  <a16:creationId xmlns:a16="http://schemas.microsoft.com/office/drawing/2014/main" xmlns="" id="{18944C90-37E5-4BBE-89FF-060627168050}"/>
+                  <a16:creationId xmlns:a16="http://schemas.microsoft.com/office/drawing/2014/main" id="{18944C90-37E5-4BBE-89FF-060627168050}"/>
                 </a:ext>
               </a:extLst>
             </p:cNvPr>
@@ -4355,7 +4349,7 @@
           <p:cNvPr id="6" name="Group 5">
             <a:extLst>
               <a:ext uri="{FF2B5EF4-FFF2-40B4-BE49-F238E27FC236}">
-                <a16:creationId xmlns:a16="http://schemas.microsoft.com/office/drawing/2014/main" xmlns="" id="{D9EBF8BB-A805-4DDB-B459-082F99815B95}"/>
+                <a16:creationId xmlns:a16="http://schemas.microsoft.com/office/drawing/2014/main" id="{D9EBF8BB-A805-4DDB-B459-082F99815B95}"/>
               </a:ext>
             </a:extLst>
           </p:cNvPr>
@@ -4375,7 +4369,7 @@
             <p:cNvPr id="19" name="Rectangle: Single Corner Snipped 18">
               <a:extLst>
                 <a:ext uri="{FF2B5EF4-FFF2-40B4-BE49-F238E27FC236}">
-                  <a16:creationId xmlns:a16="http://schemas.microsoft.com/office/drawing/2014/main" xmlns="" id="{5D638788-DD47-45E7-939A-FA108A818173}"/>
+                  <a16:creationId xmlns:a16="http://schemas.microsoft.com/office/drawing/2014/main" id="{5D638788-DD47-45E7-939A-FA108A818173}"/>
                 </a:ext>
               </a:extLst>
             </p:cNvPr>
@@ -4436,7 +4430,7 @@
             <p:cNvPr id="3" name="Rectangle: Single Corner Snipped 2">
               <a:extLst>
                 <a:ext uri="{FF2B5EF4-FFF2-40B4-BE49-F238E27FC236}">
-                  <a16:creationId xmlns:a16="http://schemas.microsoft.com/office/drawing/2014/main" xmlns="" id="{74BDECEF-EEFE-4332-B3B2-BDE4F82C10FC}"/>
+                  <a16:creationId xmlns:a16="http://schemas.microsoft.com/office/drawing/2014/main" id="{74BDECEF-EEFE-4332-B3B2-BDE4F82C10FC}"/>
                 </a:ext>
               </a:extLst>
             </p:cNvPr>
@@ -4493,7 +4487,7 @@
           <p:cNvPr id="20" name="Picture Placeholder 8">
             <a:extLst>
               <a:ext uri="{FF2B5EF4-FFF2-40B4-BE49-F238E27FC236}">
-                <a16:creationId xmlns:a16="http://schemas.microsoft.com/office/drawing/2014/main" xmlns="" id="{6D00E6B4-1CBE-404E-B943-5F1832320C1C}"/>
+                <a16:creationId xmlns:a16="http://schemas.microsoft.com/office/drawing/2014/main" id="{6D00E6B4-1CBE-404E-B943-5F1832320C1C}"/>
               </a:ext>
             </a:extLst>
           </p:cNvPr>
@@ -4544,7 +4538,7 @@
           </a:lstStyle>
           <a:p>
             <a:r>
-              <a:rPr lang="en-US" noProof="0" smtClean="0"/>
+              <a:rPr lang="en-US" noProof="0"/>
               <a:t>Click icon to add picture</a:t>
             </a:r>
             <a:endParaRPr lang="en-US" noProof="0" dirty="0"/>
@@ -4556,7 +4550,7 @@
           <p:cNvPr id="21" name="Picture Placeholder 8">
             <a:extLst>
               <a:ext uri="{FF2B5EF4-FFF2-40B4-BE49-F238E27FC236}">
-                <a16:creationId xmlns:a16="http://schemas.microsoft.com/office/drawing/2014/main" xmlns="" id="{7CD59BFD-62BE-4E33-92A5-B84A2A9A8D3B}"/>
+                <a16:creationId xmlns:a16="http://schemas.microsoft.com/office/drawing/2014/main" id="{7CD59BFD-62BE-4E33-92A5-B84A2A9A8D3B}"/>
               </a:ext>
             </a:extLst>
           </p:cNvPr>
@@ -4607,7 +4601,7 @@
           </a:lstStyle>
           <a:p>
             <a:r>
-              <a:rPr lang="en-US" noProof="0" smtClean="0"/>
+              <a:rPr lang="en-US" noProof="0"/>
               <a:t>Click icon to add picture</a:t>
             </a:r>
             <a:endParaRPr lang="en-US" noProof="0" dirty="0"/>
@@ -4619,7 +4613,7 @@
           <p:cNvPr id="22" name="Picture Placeholder 8">
             <a:extLst>
               <a:ext uri="{FF2B5EF4-FFF2-40B4-BE49-F238E27FC236}">
-                <a16:creationId xmlns:a16="http://schemas.microsoft.com/office/drawing/2014/main" xmlns="" id="{60DC5978-55B8-421D-91B4-29F8210A7B2C}"/>
+                <a16:creationId xmlns:a16="http://schemas.microsoft.com/office/drawing/2014/main" id="{60DC5978-55B8-421D-91B4-29F8210A7B2C}"/>
               </a:ext>
             </a:extLst>
           </p:cNvPr>
@@ -4670,7 +4664,7 @@
           </a:lstStyle>
           <a:p>
             <a:r>
-              <a:rPr lang="en-US" noProof="0" smtClean="0"/>
+              <a:rPr lang="en-US" noProof="0"/>
               <a:t>Click icon to add picture</a:t>
             </a:r>
             <a:endParaRPr lang="en-US" noProof="0" dirty="0"/>
@@ -4682,7 +4676,7 @@
           <p:cNvPr id="23" name="Picture Placeholder 8">
             <a:extLst>
               <a:ext uri="{FF2B5EF4-FFF2-40B4-BE49-F238E27FC236}">
-                <a16:creationId xmlns:a16="http://schemas.microsoft.com/office/drawing/2014/main" xmlns="" id="{BE3FB8C3-2C7E-4C59-8BD5-53FA2772DB56}"/>
+                <a16:creationId xmlns:a16="http://schemas.microsoft.com/office/drawing/2014/main" id="{BE3FB8C3-2C7E-4C59-8BD5-53FA2772DB56}"/>
               </a:ext>
             </a:extLst>
           </p:cNvPr>
@@ -4733,7 +4727,7 @@
           </a:lstStyle>
           <a:p>
             <a:r>
-              <a:rPr lang="en-US" noProof="0" smtClean="0"/>
+              <a:rPr lang="en-US" noProof="0"/>
               <a:t>Click icon to add picture</a:t>
             </a:r>
             <a:endParaRPr lang="en-US" noProof="0" dirty="0"/>
@@ -4745,7 +4739,7 @@
           <p:cNvPr id="24" name="Picture Placeholder 8">
             <a:extLst>
               <a:ext uri="{FF2B5EF4-FFF2-40B4-BE49-F238E27FC236}">
-                <a16:creationId xmlns:a16="http://schemas.microsoft.com/office/drawing/2014/main" xmlns="" id="{FD8FA9DA-C36B-4889-B88F-28B5829E53E2}"/>
+                <a16:creationId xmlns:a16="http://schemas.microsoft.com/office/drawing/2014/main" id="{FD8FA9DA-C36B-4889-B88F-28B5829E53E2}"/>
               </a:ext>
             </a:extLst>
           </p:cNvPr>
@@ -4796,7 +4790,7 @@
           </a:lstStyle>
           <a:p>
             <a:r>
-              <a:rPr lang="en-US" noProof="0" smtClean="0"/>
+              <a:rPr lang="en-US" noProof="0"/>
               <a:t>Click icon to add picture</a:t>
             </a:r>
             <a:endParaRPr lang="en-US" noProof="0" dirty="0"/>
@@ -4808,7 +4802,7 @@
           <p:cNvPr id="26" name="Text Placeholder 22">
             <a:extLst>
               <a:ext uri="{FF2B5EF4-FFF2-40B4-BE49-F238E27FC236}">
-                <a16:creationId xmlns:a16="http://schemas.microsoft.com/office/drawing/2014/main" xmlns="" id="{2A19101D-7C37-42BF-8167-5391EA65EC3A}"/>
+                <a16:creationId xmlns:a16="http://schemas.microsoft.com/office/drawing/2014/main" id="{2A19101D-7C37-42BF-8167-5391EA65EC3A}"/>
               </a:ext>
             </a:extLst>
           </p:cNvPr>
@@ -4907,7 +4901,7 @@
           <a:p>
             <a:pPr lvl="0"/>
             <a:r>
-              <a:rPr lang="en-US" noProof="0" smtClean="0"/>
+              <a:rPr lang="en-US" noProof="0"/>
               <a:t>Click to edit Master text styles</a:t>
             </a:r>
           </a:p>
@@ -4918,7 +4912,7 @@
           <p:cNvPr id="27" name="Text Placeholder 22">
             <a:extLst>
               <a:ext uri="{FF2B5EF4-FFF2-40B4-BE49-F238E27FC236}">
-                <a16:creationId xmlns:a16="http://schemas.microsoft.com/office/drawing/2014/main" xmlns="" id="{05F72315-51A9-431C-B80A-45E4FB1D6BD6}"/>
+                <a16:creationId xmlns:a16="http://schemas.microsoft.com/office/drawing/2014/main" id="{05F72315-51A9-431C-B80A-45E4FB1D6BD6}"/>
               </a:ext>
             </a:extLst>
           </p:cNvPr>
@@ -5017,7 +5011,7 @@
           <a:p>
             <a:pPr lvl="0"/>
             <a:r>
-              <a:rPr lang="en-US" noProof="0" smtClean="0"/>
+              <a:rPr lang="en-US" noProof="0"/>
               <a:t>Click to edit Master text styles</a:t>
             </a:r>
           </a:p>
@@ -5028,7 +5022,7 @@
           <p:cNvPr id="28" name="Text Placeholder 22">
             <a:extLst>
               <a:ext uri="{FF2B5EF4-FFF2-40B4-BE49-F238E27FC236}">
-                <a16:creationId xmlns:a16="http://schemas.microsoft.com/office/drawing/2014/main" xmlns="" id="{883D1F0C-34F1-46E1-B178-E4AB82B14631}"/>
+                <a16:creationId xmlns:a16="http://schemas.microsoft.com/office/drawing/2014/main" id="{883D1F0C-34F1-46E1-B178-E4AB82B14631}"/>
               </a:ext>
             </a:extLst>
           </p:cNvPr>
@@ -5127,7 +5121,7 @@
           <a:p>
             <a:pPr lvl="0"/>
             <a:r>
-              <a:rPr lang="en-US" noProof="0" smtClean="0"/>
+              <a:rPr lang="en-US" noProof="0"/>
               <a:t>Click to edit Master text styles</a:t>
             </a:r>
           </a:p>
@@ -5138,7 +5132,7 @@
           <p:cNvPr id="29" name="Text Placeholder 22">
             <a:extLst>
               <a:ext uri="{FF2B5EF4-FFF2-40B4-BE49-F238E27FC236}">
-                <a16:creationId xmlns:a16="http://schemas.microsoft.com/office/drawing/2014/main" xmlns="" id="{7202A849-DF14-40E7-B38D-1185F72603EC}"/>
+                <a16:creationId xmlns:a16="http://schemas.microsoft.com/office/drawing/2014/main" id="{7202A849-DF14-40E7-B38D-1185F72603EC}"/>
               </a:ext>
             </a:extLst>
           </p:cNvPr>
@@ -5237,7 +5231,7 @@
           <a:p>
             <a:pPr lvl="0"/>
             <a:r>
-              <a:rPr lang="en-US" noProof="0" smtClean="0"/>
+              <a:rPr lang="en-US" noProof="0"/>
               <a:t>Click to edit Master text styles</a:t>
             </a:r>
           </a:p>
@@ -5248,7 +5242,7 @@
           <p:cNvPr id="30" name="Text Placeholder 22">
             <a:extLst>
               <a:ext uri="{FF2B5EF4-FFF2-40B4-BE49-F238E27FC236}">
-                <a16:creationId xmlns:a16="http://schemas.microsoft.com/office/drawing/2014/main" xmlns="" id="{CCFC1ADF-AC11-4CCD-AC2D-478B6FFEA5EA}"/>
+                <a16:creationId xmlns:a16="http://schemas.microsoft.com/office/drawing/2014/main" id="{CCFC1ADF-AC11-4CCD-AC2D-478B6FFEA5EA}"/>
               </a:ext>
             </a:extLst>
           </p:cNvPr>
@@ -5347,7 +5341,7 @@
           <a:p>
             <a:pPr lvl="0"/>
             <a:r>
-              <a:rPr lang="en-US" noProof="0" smtClean="0"/>
+              <a:rPr lang="en-US" noProof="0"/>
               <a:t>Click to edit Master text styles</a:t>
             </a:r>
           </a:p>
@@ -5358,7 +5352,7 @@
           <p:cNvPr id="7" name="Straight Connector 6">
             <a:extLst>
               <a:ext uri="{FF2B5EF4-FFF2-40B4-BE49-F238E27FC236}">
-                <a16:creationId xmlns:a16="http://schemas.microsoft.com/office/drawing/2014/main" xmlns="" id="{2B4CB326-DA0E-488E-B236-7017E8438FBB}"/>
+                <a16:creationId xmlns:a16="http://schemas.microsoft.com/office/drawing/2014/main" id="{2B4CB326-DA0E-488E-B236-7017E8438FBB}"/>
               </a:ext>
             </a:extLst>
           </p:cNvPr>
@@ -5399,7 +5393,7 @@
           <p:cNvPr id="31" name="Straight Connector 30">
             <a:extLst>
               <a:ext uri="{FF2B5EF4-FFF2-40B4-BE49-F238E27FC236}">
-                <a16:creationId xmlns:a16="http://schemas.microsoft.com/office/drawing/2014/main" xmlns="" id="{9366B533-7212-4A36-9CE2-D6302E721F8F}"/>
+                <a16:creationId xmlns:a16="http://schemas.microsoft.com/office/drawing/2014/main" id="{9366B533-7212-4A36-9CE2-D6302E721F8F}"/>
               </a:ext>
             </a:extLst>
           </p:cNvPr>
@@ -5440,7 +5434,7 @@
           <p:cNvPr id="32" name="Straight Connector 31">
             <a:extLst>
               <a:ext uri="{FF2B5EF4-FFF2-40B4-BE49-F238E27FC236}">
-                <a16:creationId xmlns:a16="http://schemas.microsoft.com/office/drawing/2014/main" xmlns="" id="{AD7474CD-E230-4E14-8274-5E20F673F401}"/>
+                <a16:creationId xmlns:a16="http://schemas.microsoft.com/office/drawing/2014/main" id="{AD7474CD-E230-4E14-8274-5E20F673F401}"/>
               </a:ext>
             </a:extLst>
           </p:cNvPr>
@@ -5481,7 +5475,7 @@
           <p:cNvPr id="33" name="Straight Connector 32">
             <a:extLst>
               <a:ext uri="{FF2B5EF4-FFF2-40B4-BE49-F238E27FC236}">
-                <a16:creationId xmlns:a16="http://schemas.microsoft.com/office/drawing/2014/main" xmlns="" id="{6BF71FCE-6F39-4D2F-82BE-7D9F1D2ED59F}"/>
+                <a16:creationId xmlns:a16="http://schemas.microsoft.com/office/drawing/2014/main" id="{6BF71FCE-6F39-4D2F-82BE-7D9F1D2ED59F}"/>
               </a:ext>
             </a:extLst>
           </p:cNvPr>
@@ -5522,7 +5516,7 @@
           <p:cNvPr id="34" name="Straight Connector 33">
             <a:extLst>
               <a:ext uri="{FF2B5EF4-FFF2-40B4-BE49-F238E27FC236}">
-                <a16:creationId xmlns:a16="http://schemas.microsoft.com/office/drawing/2014/main" xmlns="" id="{AE97AC7A-17D9-4F42-9DD0-94FE4FC6BF19}"/>
+                <a16:creationId xmlns:a16="http://schemas.microsoft.com/office/drawing/2014/main" id="{AE97AC7A-17D9-4F42-9DD0-94FE4FC6BF19}"/>
               </a:ext>
             </a:extLst>
           </p:cNvPr>
@@ -5563,7 +5557,7 @@
           <p:cNvPr id="35" name="Freeform: Shape 34">
             <a:extLst>
               <a:ext uri="{FF2B5EF4-FFF2-40B4-BE49-F238E27FC236}">
-                <a16:creationId xmlns:a16="http://schemas.microsoft.com/office/drawing/2014/main" xmlns="" id="{62EEBF51-DCAD-4335-85E9-52801031A1BF}"/>
+                <a16:creationId xmlns:a16="http://schemas.microsoft.com/office/drawing/2014/main" id="{62EEBF51-DCAD-4335-85E9-52801031A1BF}"/>
               </a:ext>
             </a:extLst>
           </p:cNvPr>
@@ -5658,7 +5652,7 @@
           <p:cNvPr id="5" name="Slide Number Placeholder 4">
             <a:extLst>
               <a:ext uri="{FF2B5EF4-FFF2-40B4-BE49-F238E27FC236}">
-                <a16:creationId xmlns:a16="http://schemas.microsoft.com/office/drawing/2014/main" xmlns="" id="{87B51822-97FF-47A7-8E4E-A0F79B4EB237}"/>
+                <a16:creationId xmlns:a16="http://schemas.microsoft.com/office/drawing/2014/main" id="{87B51822-97FF-47A7-8E4E-A0F79B4EB237}"/>
               </a:ext>
             </a:extLst>
           </p:cNvPr>
@@ -5740,7 +5734,7 @@
           <p:cNvPr id="11" name="Rectangle 10">
             <a:extLst>
               <a:ext uri="{FF2B5EF4-FFF2-40B4-BE49-F238E27FC236}">
-                <a16:creationId xmlns:a16="http://schemas.microsoft.com/office/drawing/2014/main" xmlns="" id="{EB3E033F-4449-40FA-BC85-BD2712D313DD}"/>
+                <a16:creationId xmlns:a16="http://schemas.microsoft.com/office/drawing/2014/main" id="{EB3E033F-4449-40FA-BC85-BD2712D313DD}"/>
               </a:ext>
             </a:extLst>
           </p:cNvPr>
@@ -5794,7 +5788,7 @@
           <p:cNvPr id="10" name="Freeform: Shape 9">
             <a:extLst>
               <a:ext uri="{FF2B5EF4-FFF2-40B4-BE49-F238E27FC236}">
-                <a16:creationId xmlns:a16="http://schemas.microsoft.com/office/drawing/2014/main" xmlns="" id="{63D26743-0505-444C-80B3-E88EE87DF72B}"/>
+                <a16:creationId xmlns:a16="http://schemas.microsoft.com/office/drawing/2014/main" id="{63D26743-0505-444C-80B3-E88EE87DF72B}"/>
               </a:ext>
             </a:extLst>
           </p:cNvPr>
@@ -5917,7 +5911,7 @@
           <p:cNvPr id="18" name="Freeform: Shape 17">
             <a:extLst>
               <a:ext uri="{FF2B5EF4-FFF2-40B4-BE49-F238E27FC236}">
-                <a16:creationId xmlns:a16="http://schemas.microsoft.com/office/drawing/2014/main" xmlns="" id="{E37145E9-AC61-47D5-9288-8789940F81B6}"/>
+                <a16:creationId xmlns:a16="http://schemas.microsoft.com/office/drawing/2014/main" id="{E37145E9-AC61-47D5-9288-8789940F81B6}"/>
               </a:ext>
             </a:extLst>
           </p:cNvPr>
@@ -6069,7 +6063,7 @@
           <p:cNvPr id="12" name="Freeform: Shape 11">
             <a:extLst>
               <a:ext uri="{FF2B5EF4-FFF2-40B4-BE49-F238E27FC236}">
-                <a16:creationId xmlns:a16="http://schemas.microsoft.com/office/drawing/2014/main" xmlns="" id="{A5E2B3ED-9A49-40A7-B8A3-62595FE513F9}"/>
+                <a16:creationId xmlns:a16="http://schemas.microsoft.com/office/drawing/2014/main" id="{A5E2B3ED-9A49-40A7-B8A3-62595FE513F9}"/>
               </a:ext>
             </a:extLst>
           </p:cNvPr>
@@ -6219,7 +6213,7 @@
           <p:cNvPr id="8" name="Freeform: Shape 7">
             <a:extLst>
               <a:ext uri="{FF2B5EF4-FFF2-40B4-BE49-F238E27FC236}">
-                <a16:creationId xmlns:a16="http://schemas.microsoft.com/office/drawing/2014/main" xmlns="" id="{1599AF7E-3E34-4597-AA72-9373A7FDB020}"/>
+                <a16:creationId xmlns:a16="http://schemas.microsoft.com/office/drawing/2014/main" id="{1599AF7E-3E34-4597-AA72-9373A7FDB020}"/>
               </a:ext>
             </a:extLst>
           </p:cNvPr>
@@ -6365,7 +6359,7 @@
           <p:cNvPr id="2" name="Title 1">
             <a:extLst>
               <a:ext uri="{FF2B5EF4-FFF2-40B4-BE49-F238E27FC236}">
-                <a16:creationId xmlns:a16="http://schemas.microsoft.com/office/drawing/2014/main" xmlns="" id="{4A2DF563-7FAC-46B3-B24C-7E45CD89DA2B}"/>
+                <a16:creationId xmlns:a16="http://schemas.microsoft.com/office/drawing/2014/main" id="{4A2DF563-7FAC-46B3-B24C-7E45CD89DA2B}"/>
               </a:ext>
             </a:extLst>
           </p:cNvPr>
@@ -6399,10 +6393,9 @@
           <a:p>
             <a:pPr lvl="0"/>
             <a:r>
-              <a:rPr lang="en-US" noProof="0" smtClean="0"/>
+              <a:rPr lang="en-US" noProof="0"/>
               <a:t>Click to edit Master title style</a:t>
             </a:r>
-            <a:endParaRPr lang="en-US" noProof="0"/>
           </a:p>
         </p:txBody>
       </p:sp>
@@ -6411,7 +6404,7 @@
           <p:cNvPr id="15" name="Group 14">
             <a:extLst>
               <a:ext uri="{FF2B5EF4-FFF2-40B4-BE49-F238E27FC236}">
-                <a16:creationId xmlns:a16="http://schemas.microsoft.com/office/drawing/2014/main" xmlns="" id="{7732E1E7-45E3-4264-8F26-66758696DD1E}"/>
+                <a16:creationId xmlns:a16="http://schemas.microsoft.com/office/drawing/2014/main" id="{7732E1E7-45E3-4264-8F26-66758696DD1E}"/>
               </a:ext>
             </a:extLst>
           </p:cNvPr>
@@ -6431,7 +6424,7 @@
             <p:cNvPr id="16" name="Freeform: Shape 15">
               <a:extLst>
                 <a:ext uri="{FF2B5EF4-FFF2-40B4-BE49-F238E27FC236}">
-                  <a16:creationId xmlns:a16="http://schemas.microsoft.com/office/drawing/2014/main" xmlns="" id="{2E3DF883-8093-49FA-81E1-E5D77F086A25}"/>
+                  <a16:creationId xmlns:a16="http://schemas.microsoft.com/office/drawing/2014/main" id="{2E3DF883-8093-49FA-81E1-E5D77F086A25}"/>
                 </a:ext>
               </a:extLst>
             </p:cNvPr>
@@ -6521,7 +6514,7 @@
             <p:cNvPr id="17" name="Freeform: Shape 16">
               <a:extLst>
                 <a:ext uri="{FF2B5EF4-FFF2-40B4-BE49-F238E27FC236}">
-                  <a16:creationId xmlns:a16="http://schemas.microsoft.com/office/drawing/2014/main" xmlns="" id="{18944C90-37E5-4BBE-89FF-060627168050}"/>
+                  <a16:creationId xmlns:a16="http://schemas.microsoft.com/office/drawing/2014/main" id="{18944C90-37E5-4BBE-89FF-060627168050}"/>
                 </a:ext>
               </a:extLst>
             </p:cNvPr>
@@ -6620,7 +6613,7 @@
           <p:cNvPr id="6" name="Group 5">
             <a:extLst>
               <a:ext uri="{FF2B5EF4-FFF2-40B4-BE49-F238E27FC236}">
-                <a16:creationId xmlns:a16="http://schemas.microsoft.com/office/drawing/2014/main" xmlns="" id="{D9EBF8BB-A805-4DDB-B459-082F99815B95}"/>
+                <a16:creationId xmlns:a16="http://schemas.microsoft.com/office/drawing/2014/main" id="{D9EBF8BB-A805-4DDB-B459-082F99815B95}"/>
               </a:ext>
             </a:extLst>
           </p:cNvPr>
@@ -6640,7 +6633,7 @@
             <p:cNvPr id="19" name="Rectangle: Single Corner Snipped 18">
               <a:extLst>
                 <a:ext uri="{FF2B5EF4-FFF2-40B4-BE49-F238E27FC236}">
-                  <a16:creationId xmlns:a16="http://schemas.microsoft.com/office/drawing/2014/main" xmlns="" id="{5D638788-DD47-45E7-939A-FA108A818173}"/>
+                  <a16:creationId xmlns:a16="http://schemas.microsoft.com/office/drawing/2014/main" id="{5D638788-DD47-45E7-939A-FA108A818173}"/>
                 </a:ext>
               </a:extLst>
             </p:cNvPr>
@@ -6701,7 +6694,7 @@
             <p:cNvPr id="3" name="Rectangle: Single Corner Snipped 2">
               <a:extLst>
                 <a:ext uri="{FF2B5EF4-FFF2-40B4-BE49-F238E27FC236}">
-                  <a16:creationId xmlns:a16="http://schemas.microsoft.com/office/drawing/2014/main" xmlns="" id="{74BDECEF-EEFE-4332-B3B2-BDE4F82C10FC}"/>
+                  <a16:creationId xmlns:a16="http://schemas.microsoft.com/office/drawing/2014/main" id="{74BDECEF-EEFE-4332-B3B2-BDE4F82C10FC}"/>
                 </a:ext>
               </a:extLst>
             </p:cNvPr>
@@ -6758,7 +6751,7 @@
           <p:cNvPr id="26" name="Text Placeholder 22">
             <a:extLst>
               <a:ext uri="{FF2B5EF4-FFF2-40B4-BE49-F238E27FC236}">
-                <a16:creationId xmlns:a16="http://schemas.microsoft.com/office/drawing/2014/main" xmlns="" id="{2A19101D-7C37-42BF-8167-5391EA65EC3A}"/>
+                <a16:creationId xmlns:a16="http://schemas.microsoft.com/office/drawing/2014/main" id="{2A19101D-7C37-42BF-8167-5391EA65EC3A}"/>
               </a:ext>
             </a:extLst>
           </p:cNvPr>
@@ -6857,7 +6850,7 @@
           <a:p>
             <a:pPr lvl="0"/>
             <a:r>
-              <a:rPr lang="en-US" noProof="0" smtClean="0"/>
+              <a:rPr lang="en-US" noProof="0"/>
               <a:t>Click to edit Master text styles</a:t>
             </a:r>
           </a:p>
@@ -6868,7 +6861,7 @@
           <p:cNvPr id="35" name="Freeform: Shape 34">
             <a:extLst>
               <a:ext uri="{FF2B5EF4-FFF2-40B4-BE49-F238E27FC236}">
-                <a16:creationId xmlns:a16="http://schemas.microsoft.com/office/drawing/2014/main" xmlns="" id="{62EEBF51-DCAD-4335-85E9-52801031A1BF}"/>
+                <a16:creationId xmlns:a16="http://schemas.microsoft.com/office/drawing/2014/main" id="{62EEBF51-DCAD-4335-85E9-52801031A1BF}"/>
               </a:ext>
             </a:extLst>
           </p:cNvPr>
@@ -6963,7 +6956,7 @@
           <p:cNvPr id="5" name="Slide Number Placeholder 4">
             <a:extLst>
               <a:ext uri="{FF2B5EF4-FFF2-40B4-BE49-F238E27FC236}">
-                <a16:creationId xmlns:a16="http://schemas.microsoft.com/office/drawing/2014/main" xmlns="" id="{87B51822-97FF-47A7-8E4E-A0F79B4EB237}"/>
+                <a16:creationId xmlns:a16="http://schemas.microsoft.com/office/drawing/2014/main" id="{87B51822-97FF-47A7-8E4E-A0F79B4EB237}"/>
               </a:ext>
             </a:extLst>
           </p:cNvPr>
@@ -7007,7 +7000,7 @@
           <p:cNvPr id="13" name="Picture Placeholder 12">
             <a:extLst>
               <a:ext uri="{FF2B5EF4-FFF2-40B4-BE49-F238E27FC236}">
-                <a16:creationId xmlns:a16="http://schemas.microsoft.com/office/drawing/2014/main" xmlns="" id="{231B97CF-FD24-4932-8459-893B1AC73D33}"/>
+                <a16:creationId xmlns:a16="http://schemas.microsoft.com/office/drawing/2014/main" id="{231B97CF-FD24-4932-8459-893B1AC73D33}"/>
               </a:ext>
             </a:extLst>
           </p:cNvPr>
@@ -7052,7 +7045,7 @@
           <p:cNvPr id="36" name="Text Placeholder 22">
             <a:extLst>
               <a:ext uri="{FF2B5EF4-FFF2-40B4-BE49-F238E27FC236}">
-                <a16:creationId xmlns:a16="http://schemas.microsoft.com/office/drawing/2014/main" xmlns="" id="{642D3CE0-C3B4-4F3F-A650-AB452B3AD4BA}"/>
+                <a16:creationId xmlns:a16="http://schemas.microsoft.com/office/drawing/2014/main" id="{642D3CE0-C3B4-4F3F-A650-AB452B3AD4BA}"/>
               </a:ext>
             </a:extLst>
           </p:cNvPr>
@@ -7151,7 +7144,7 @@
           <a:p>
             <a:pPr lvl="0"/>
             <a:r>
-              <a:rPr lang="en-US" noProof="0" smtClean="0"/>
+              <a:rPr lang="en-US" noProof="0"/>
               <a:t>Click to edit Master text styles</a:t>
             </a:r>
           </a:p>
@@ -7162,7 +7155,7 @@
           <p:cNvPr id="37" name="Text Placeholder 22">
             <a:extLst>
               <a:ext uri="{FF2B5EF4-FFF2-40B4-BE49-F238E27FC236}">
-                <a16:creationId xmlns:a16="http://schemas.microsoft.com/office/drawing/2014/main" xmlns="" id="{DBED2BB0-CDAD-40EE-8B35-C66DF45EE29D}"/>
+                <a16:creationId xmlns:a16="http://schemas.microsoft.com/office/drawing/2014/main" id="{DBED2BB0-CDAD-40EE-8B35-C66DF45EE29D}"/>
               </a:ext>
             </a:extLst>
           </p:cNvPr>
@@ -7261,7 +7254,7 @@
           <a:p>
             <a:pPr lvl="0"/>
             <a:r>
-              <a:rPr lang="en-US" noProof="0" smtClean="0"/>
+              <a:rPr lang="en-US" noProof="0"/>
               <a:t>Click to edit Master text styles</a:t>
             </a:r>
           </a:p>
@@ -7310,7 +7303,7 @@
           <p:cNvPr id="11" name="Rectangle 10">
             <a:extLst>
               <a:ext uri="{FF2B5EF4-FFF2-40B4-BE49-F238E27FC236}">
-                <a16:creationId xmlns:a16="http://schemas.microsoft.com/office/drawing/2014/main" xmlns="" id="{EB3E033F-4449-40FA-BC85-BD2712D313DD}"/>
+                <a16:creationId xmlns:a16="http://schemas.microsoft.com/office/drawing/2014/main" id="{EB3E033F-4449-40FA-BC85-BD2712D313DD}"/>
               </a:ext>
             </a:extLst>
           </p:cNvPr>
@@ -7364,7 +7357,7 @@
           <p:cNvPr id="10" name="Freeform: Shape 9">
             <a:extLst>
               <a:ext uri="{FF2B5EF4-FFF2-40B4-BE49-F238E27FC236}">
-                <a16:creationId xmlns:a16="http://schemas.microsoft.com/office/drawing/2014/main" xmlns="" id="{63D26743-0505-444C-80B3-E88EE87DF72B}"/>
+                <a16:creationId xmlns:a16="http://schemas.microsoft.com/office/drawing/2014/main" id="{63D26743-0505-444C-80B3-E88EE87DF72B}"/>
               </a:ext>
             </a:extLst>
           </p:cNvPr>
@@ -7487,7 +7480,7 @@
           <p:cNvPr id="18" name="Freeform: Shape 17">
             <a:extLst>
               <a:ext uri="{FF2B5EF4-FFF2-40B4-BE49-F238E27FC236}">
-                <a16:creationId xmlns:a16="http://schemas.microsoft.com/office/drawing/2014/main" xmlns="" id="{E37145E9-AC61-47D5-9288-8789940F81B6}"/>
+                <a16:creationId xmlns:a16="http://schemas.microsoft.com/office/drawing/2014/main" id="{E37145E9-AC61-47D5-9288-8789940F81B6}"/>
               </a:ext>
             </a:extLst>
           </p:cNvPr>
@@ -7639,7 +7632,7 @@
           <p:cNvPr id="12" name="Freeform: Shape 11">
             <a:extLst>
               <a:ext uri="{FF2B5EF4-FFF2-40B4-BE49-F238E27FC236}">
-                <a16:creationId xmlns:a16="http://schemas.microsoft.com/office/drawing/2014/main" xmlns="" id="{A5E2B3ED-9A49-40A7-B8A3-62595FE513F9}"/>
+                <a16:creationId xmlns:a16="http://schemas.microsoft.com/office/drawing/2014/main" id="{A5E2B3ED-9A49-40A7-B8A3-62595FE513F9}"/>
               </a:ext>
             </a:extLst>
           </p:cNvPr>
@@ -7789,7 +7782,7 @@
           <p:cNvPr id="8" name="Freeform: Shape 7">
             <a:extLst>
               <a:ext uri="{FF2B5EF4-FFF2-40B4-BE49-F238E27FC236}">
-                <a16:creationId xmlns:a16="http://schemas.microsoft.com/office/drawing/2014/main" xmlns="" id="{1599AF7E-3E34-4597-AA72-9373A7FDB020}"/>
+                <a16:creationId xmlns:a16="http://schemas.microsoft.com/office/drawing/2014/main" id="{1599AF7E-3E34-4597-AA72-9373A7FDB020}"/>
               </a:ext>
             </a:extLst>
           </p:cNvPr>
@@ -7935,7 +7928,7 @@
           <p:cNvPr id="2" name="Title 1">
             <a:extLst>
               <a:ext uri="{FF2B5EF4-FFF2-40B4-BE49-F238E27FC236}">
-                <a16:creationId xmlns:a16="http://schemas.microsoft.com/office/drawing/2014/main" xmlns="" id="{4A2DF563-7FAC-46B3-B24C-7E45CD89DA2B}"/>
+                <a16:creationId xmlns:a16="http://schemas.microsoft.com/office/drawing/2014/main" id="{4A2DF563-7FAC-46B3-B24C-7E45CD89DA2B}"/>
               </a:ext>
             </a:extLst>
           </p:cNvPr>
@@ -7969,10 +7962,9 @@
           <a:p>
             <a:pPr lvl="0"/>
             <a:r>
-              <a:rPr lang="en-US" noProof="0" smtClean="0"/>
+              <a:rPr lang="en-US" noProof="0"/>
               <a:t>Click to edit Master title style</a:t>
             </a:r>
-            <a:endParaRPr lang="en-US" noProof="0"/>
           </a:p>
         </p:txBody>
       </p:sp>
@@ -7981,7 +7973,7 @@
           <p:cNvPr id="15" name="Group 14">
             <a:extLst>
               <a:ext uri="{FF2B5EF4-FFF2-40B4-BE49-F238E27FC236}">
-                <a16:creationId xmlns:a16="http://schemas.microsoft.com/office/drawing/2014/main" xmlns="" id="{7732E1E7-45E3-4264-8F26-66758696DD1E}"/>
+                <a16:creationId xmlns:a16="http://schemas.microsoft.com/office/drawing/2014/main" id="{7732E1E7-45E3-4264-8F26-66758696DD1E}"/>
               </a:ext>
             </a:extLst>
           </p:cNvPr>
@@ -8001,7 +7993,7 @@
             <p:cNvPr id="16" name="Freeform: Shape 15">
               <a:extLst>
                 <a:ext uri="{FF2B5EF4-FFF2-40B4-BE49-F238E27FC236}">
-                  <a16:creationId xmlns:a16="http://schemas.microsoft.com/office/drawing/2014/main" xmlns="" id="{2E3DF883-8093-49FA-81E1-E5D77F086A25}"/>
+                  <a16:creationId xmlns:a16="http://schemas.microsoft.com/office/drawing/2014/main" id="{2E3DF883-8093-49FA-81E1-E5D77F086A25}"/>
                 </a:ext>
               </a:extLst>
             </p:cNvPr>
@@ -8091,7 +8083,7 @@
             <p:cNvPr id="17" name="Freeform: Shape 16">
               <a:extLst>
                 <a:ext uri="{FF2B5EF4-FFF2-40B4-BE49-F238E27FC236}">
-                  <a16:creationId xmlns:a16="http://schemas.microsoft.com/office/drawing/2014/main" xmlns="" id="{18944C90-37E5-4BBE-89FF-060627168050}"/>
+                  <a16:creationId xmlns:a16="http://schemas.microsoft.com/office/drawing/2014/main" id="{18944C90-37E5-4BBE-89FF-060627168050}"/>
                 </a:ext>
               </a:extLst>
             </p:cNvPr>
@@ -8190,7 +8182,7 @@
           <p:cNvPr id="6" name="Group 5">
             <a:extLst>
               <a:ext uri="{FF2B5EF4-FFF2-40B4-BE49-F238E27FC236}">
-                <a16:creationId xmlns:a16="http://schemas.microsoft.com/office/drawing/2014/main" xmlns="" id="{D9EBF8BB-A805-4DDB-B459-082F99815B95}"/>
+                <a16:creationId xmlns:a16="http://schemas.microsoft.com/office/drawing/2014/main" id="{D9EBF8BB-A805-4DDB-B459-082F99815B95}"/>
               </a:ext>
             </a:extLst>
           </p:cNvPr>
@@ -8210,7 +8202,7 @@
             <p:cNvPr id="19" name="Rectangle: Single Corner Snipped 18">
               <a:extLst>
                 <a:ext uri="{FF2B5EF4-FFF2-40B4-BE49-F238E27FC236}">
-                  <a16:creationId xmlns:a16="http://schemas.microsoft.com/office/drawing/2014/main" xmlns="" id="{5D638788-DD47-45E7-939A-FA108A818173}"/>
+                  <a16:creationId xmlns:a16="http://schemas.microsoft.com/office/drawing/2014/main" id="{5D638788-DD47-45E7-939A-FA108A818173}"/>
                 </a:ext>
               </a:extLst>
             </p:cNvPr>
@@ -8271,7 +8263,7 @@
             <p:cNvPr id="3" name="Rectangle: Single Corner Snipped 2">
               <a:extLst>
                 <a:ext uri="{FF2B5EF4-FFF2-40B4-BE49-F238E27FC236}">
-                  <a16:creationId xmlns:a16="http://schemas.microsoft.com/office/drawing/2014/main" xmlns="" id="{74BDECEF-EEFE-4332-B3B2-BDE4F82C10FC}"/>
+                  <a16:creationId xmlns:a16="http://schemas.microsoft.com/office/drawing/2014/main" id="{74BDECEF-EEFE-4332-B3B2-BDE4F82C10FC}"/>
                 </a:ext>
               </a:extLst>
             </p:cNvPr>
@@ -8328,7 +8320,7 @@
           <p:cNvPr id="26" name="Text Placeholder 22">
             <a:extLst>
               <a:ext uri="{FF2B5EF4-FFF2-40B4-BE49-F238E27FC236}">
-                <a16:creationId xmlns:a16="http://schemas.microsoft.com/office/drawing/2014/main" xmlns="" id="{2A19101D-7C37-42BF-8167-5391EA65EC3A}"/>
+                <a16:creationId xmlns:a16="http://schemas.microsoft.com/office/drawing/2014/main" id="{2A19101D-7C37-42BF-8167-5391EA65EC3A}"/>
               </a:ext>
             </a:extLst>
           </p:cNvPr>
@@ -8427,7 +8419,7 @@
           <a:p>
             <a:pPr lvl="0"/>
             <a:r>
-              <a:rPr lang="en-US" noProof="0" smtClean="0"/>
+              <a:rPr lang="en-US" noProof="0"/>
               <a:t>Click to edit Master text styles</a:t>
             </a:r>
           </a:p>
@@ -8438,7 +8430,7 @@
           <p:cNvPr id="35" name="Freeform: Shape 34">
             <a:extLst>
               <a:ext uri="{FF2B5EF4-FFF2-40B4-BE49-F238E27FC236}">
-                <a16:creationId xmlns:a16="http://schemas.microsoft.com/office/drawing/2014/main" xmlns="" id="{62EEBF51-DCAD-4335-85E9-52801031A1BF}"/>
+                <a16:creationId xmlns:a16="http://schemas.microsoft.com/office/drawing/2014/main" id="{62EEBF51-DCAD-4335-85E9-52801031A1BF}"/>
               </a:ext>
             </a:extLst>
           </p:cNvPr>
@@ -8533,7 +8525,7 @@
           <p:cNvPr id="5" name="Slide Number Placeholder 4">
             <a:extLst>
               <a:ext uri="{FF2B5EF4-FFF2-40B4-BE49-F238E27FC236}">
-                <a16:creationId xmlns:a16="http://schemas.microsoft.com/office/drawing/2014/main" xmlns="" id="{87B51822-97FF-47A7-8E4E-A0F79B4EB237}"/>
+                <a16:creationId xmlns:a16="http://schemas.microsoft.com/office/drawing/2014/main" id="{87B51822-97FF-47A7-8E4E-A0F79B4EB237}"/>
               </a:ext>
             </a:extLst>
           </p:cNvPr>
@@ -8577,7 +8569,7 @@
           <p:cNvPr id="13" name="Picture Placeholder 12">
             <a:extLst>
               <a:ext uri="{FF2B5EF4-FFF2-40B4-BE49-F238E27FC236}">
-                <a16:creationId xmlns:a16="http://schemas.microsoft.com/office/drawing/2014/main" xmlns="" id="{231B97CF-FD24-4932-8459-893B1AC73D33}"/>
+                <a16:creationId xmlns:a16="http://schemas.microsoft.com/office/drawing/2014/main" id="{231B97CF-FD24-4932-8459-893B1AC73D33}"/>
               </a:ext>
             </a:extLst>
           </p:cNvPr>
@@ -8660,7 +8652,7 @@
           <p:cNvPr id="11" name="Rectangle 10">
             <a:extLst>
               <a:ext uri="{FF2B5EF4-FFF2-40B4-BE49-F238E27FC236}">
-                <a16:creationId xmlns:a16="http://schemas.microsoft.com/office/drawing/2014/main" xmlns="" id="{EB3E033F-4449-40FA-BC85-BD2712D313DD}"/>
+                <a16:creationId xmlns:a16="http://schemas.microsoft.com/office/drawing/2014/main" id="{EB3E033F-4449-40FA-BC85-BD2712D313DD}"/>
               </a:ext>
             </a:extLst>
           </p:cNvPr>
@@ -8714,7 +8706,7 @@
           <p:cNvPr id="10" name="Freeform: Shape 9">
             <a:extLst>
               <a:ext uri="{FF2B5EF4-FFF2-40B4-BE49-F238E27FC236}">
-                <a16:creationId xmlns:a16="http://schemas.microsoft.com/office/drawing/2014/main" xmlns="" id="{63D26743-0505-444C-80B3-E88EE87DF72B}"/>
+                <a16:creationId xmlns:a16="http://schemas.microsoft.com/office/drawing/2014/main" id="{63D26743-0505-444C-80B3-E88EE87DF72B}"/>
               </a:ext>
             </a:extLst>
           </p:cNvPr>
@@ -8837,7 +8829,7 @@
           <p:cNvPr id="18" name="Freeform: Shape 17">
             <a:extLst>
               <a:ext uri="{FF2B5EF4-FFF2-40B4-BE49-F238E27FC236}">
-                <a16:creationId xmlns:a16="http://schemas.microsoft.com/office/drawing/2014/main" xmlns="" id="{E37145E9-AC61-47D5-9288-8789940F81B6}"/>
+                <a16:creationId xmlns:a16="http://schemas.microsoft.com/office/drawing/2014/main" id="{E37145E9-AC61-47D5-9288-8789940F81B6}"/>
               </a:ext>
             </a:extLst>
           </p:cNvPr>
@@ -8989,7 +8981,7 @@
           <p:cNvPr id="12" name="Freeform: Shape 11">
             <a:extLst>
               <a:ext uri="{FF2B5EF4-FFF2-40B4-BE49-F238E27FC236}">
-                <a16:creationId xmlns:a16="http://schemas.microsoft.com/office/drawing/2014/main" xmlns="" id="{A5E2B3ED-9A49-40A7-B8A3-62595FE513F9}"/>
+                <a16:creationId xmlns:a16="http://schemas.microsoft.com/office/drawing/2014/main" id="{A5E2B3ED-9A49-40A7-B8A3-62595FE513F9}"/>
               </a:ext>
             </a:extLst>
           </p:cNvPr>
@@ -9139,7 +9131,7 @@
           <p:cNvPr id="8" name="Freeform: Shape 7">
             <a:extLst>
               <a:ext uri="{FF2B5EF4-FFF2-40B4-BE49-F238E27FC236}">
-                <a16:creationId xmlns:a16="http://schemas.microsoft.com/office/drawing/2014/main" xmlns="" id="{1599AF7E-3E34-4597-AA72-9373A7FDB020}"/>
+                <a16:creationId xmlns:a16="http://schemas.microsoft.com/office/drawing/2014/main" id="{1599AF7E-3E34-4597-AA72-9373A7FDB020}"/>
               </a:ext>
             </a:extLst>
           </p:cNvPr>
@@ -9285,7 +9277,7 @@
           <p:cNvPr id="2" name="Title 1">
             <a:extLst>
               <a:ext uri="{FF2B5EF4-FFF2-40B4-BE49-F238E27FC236}">
-                <a16:creationId xmlns:a16="http://schemas.microsoft.com/office/drawing/2014/main" xmlns="" id="{4A2DF563-7FAC-46B3-B24C-7E45CD89DA2B}"/>
+                <a16:creationId xmlns:a16="http://schemas.microsoft.com/office/drawing/2014/main" id="{4A2DF563-7FAC-46B3-B24C-7E45CD89DA2B}"/>
               </a:ext>
             </a:extLst>
           </p:cNvPr>
@@ -9319,10 +9311,9 @@
           <a:p>
             <a:pPr lvl="0"/>
             <a:r>
-              <a:rPr lang="en-US" noProof="0" smtClean="0"/>
+              <a:rPr lang="en-US" noProof="0"/>
               <a:t>Click to edit Master title style</a:t>
             </a:r>
-            <a:endParaRPr lang="en-US" noProof="0"/>
           </a:p>
         </p:txBody>
       </p:sp>
@@ -9331,7 +9322,7 @@
           <p:cNvPr id="15" name="Group 14">
             <a:extLst>
               <a:ext uri="{FF2B5EF4-FFF2-40B4-BE49-F238E27FC236}">
-                <a16:creationId xmlns:a16="http://schemas.microsoft.com/office/drawing/2014/main" xmlns="" id="{7732E1E7-45E3-4264-8F26-66758696DD1E}"/>
+                <a16:creationId xmlns:a16="http://schemas.microsoft.com/office/drawing/2014/main" id="{7732E1E7-45E3-4264-8F26-66758696DD1E}"/>
               </a:ext>
             </a:extLst>
           </p:cNvPr>
@@ -9351,7 +9342,7 @@
             <p:cNvPr id="16" name="Freeform: Shape 15">
               <a:extLst>
                 <a:ext uri="{FF2B5EF4-FFF2-40B4-BE49-F238E27FC236}">
-                  <a16:creationId xmlns:a16="http://schemas.microsoft.com/office/drawing/2014/main" xmlns="" id="{2E3DF883-8093-49FA-81E1-E5D77F086A25}"/>
+                  <a16:creationId xmlns:a16="http://schemas.microsoft.com/office/drawing/2014/main" id="{2E3DF883-8093-49FA-81E1-E5D77F086A25}"/>
                 </a:ext>
               </a:extLst>
             </p:cNvPr>
@@ -9441,7 +9432,7 @@
             <p:cNvPr id="17" name="Freeform: Shape 16">
               <a:extLst>
                 <a:ext uri="{FF2B5EF4-FFF2-40B4-BE49-F238E27FC236}">
-                  <a16:creationId xmlns:a16="http://schemas.microsoft.com/office/drawing/2014/main" xmlns="" id="{18944C90-37E5-4BBE-89FF-060627168050}"/>
+                  <a16:creationId xmlns:a16="http://schemas.microsoft.com/office/drawing/2014/main" id="{18944C90-37E5-4BBE-89FF-060627168050}"/>
                 </a:ext>
               </a:extLst>
             </p:cNvPr>
@@ -9540,7 +9531,7 @@
           <p:cNvPr id="6" name="Group 5">
             <a:extLst>
               <a:ext uri="{FF2B5EF4-FFF2-40B4-BE49-F238E27FC236}">
-                <a16:creationId xmlns:a16="http://schemas.microsoft.com/office/drawing/2014/main" xmlns="" id="{D9EBF8BB-A805-4DDB-B459-082F99815B95}"/>
+                <a16:creationId xmlns:a16="http://schemas.microsoft.com/office/drawing/2014/main" id="{D9EBF8BB-A805-4DDB-B459-082F99815B95}"/>
               </a:ext>
             </a:extLst>
           </p:cNvPr>
@@ -9560,7 +9551,7 @@
             <p:cNvPr id="19" name="Rectangle: Single Corner Snipped 18">
               <a:extLst>
                 <a:ext uri="{FF2B5EF4-FFF2-40B4-BE49-F238E27FC236}">
-                  <a16:creationId xmlns:a16="http://schemas.microsoft.com/office/drawing/2014/main" xmlns="" id="{5D638788-DD47-45E7-939A-FA108A818173}"/>
+                  <a16:creationId xmlns:a16="http://schemas.microsoft.com/office/drawing/2014/main" id="{5D638788-DD47-45E7-939A-FA108A818173}"/>
                 </a:ext>
               </a:extLst>
             </p:cNvPr>
@@ -9621,7 +9612,7 @@
             <p:cNvPr id="3" name="Rectangle: Single Corner Snipped 2">
               <a:extLst>
                 <a:ext uri="{FF2B5EF4-FFF2-40B4-BE49-F238E27FC236}">
-                  <a16:creationId xmlns:a16="http://schemas.microsoft.com/office/drawing/2014/main" xmlns="" id="{74BDECEF-EEFE-4332-B3B2-BDE4F82C10FC}"/>
+                  <a16:creationId xmlns:a16="http://schemas.microsoft.com/office/drawing/2014/main" id="{74BDECEF-EEFE-4332-B3B2-BDE4F82C10FC}"/>
                 </a:ext>
               </a:extLst>
             </p:cNvPr>
@@ -9678,7 +9669,7 @@
           <p:cNvPr id="35" name="Freeform: Shape 34">
             <a:extLst>
               <a:ext uri="{FF2B5EF4-FFF2-40B4-BE49-F238E27FC236}">
-                <a16:creationId xmlns:a16="http://schemas.microsoft.com/office/drawing/2014/main" xmlns="" id="{62EEBF51-DCAD-4335-85E9-52801031A1BF}"/>
+                <a16:creationId xmlns:a16="http://schemas.microsoft.com/office/drawing/2014/main" id="{62EEBF51-DCAD-4335-85E9-52801031A1BF}"/>
               </a:ext>
             </a:extLst>
           </p:cNvPr>
@@ -9773,7 +9764,7 @@
           <p:cNvPr id="5" name="Slide Number Placeholder 4">
             <a:extLst>
               <a:ext uri="{FF2B5EF4-FFF2-40B4-BE49-F238E27FC236}">
-                <a16:creationId xmlns:a16="http://schemas.microsoft.com/office/drawing/2014/main" xmlns="" id="{87B51822-97FF-47A7-8E4E-A0F79B4EB237}"/>
+                <a16:creationId xmlns:a16="http://schemas.microsoft.com/office/drawing/2014/main" id="{87B51822-97FF-47A7-8E4E-A0F79B4EB237}"/>
               </a:ext>
             </a:extLst>
           </p:cNvPr>
@@ -9817,7 +9808,7 @@
           <p:cNvPr id="20" name="Picture Placeholder 2">
             <a:extLst>
               <a:ext uri="{FF2B5EF4-FFF2-40B4-BE49-F238E27FC236}">
-                <a16:creationId xmlns:a16="http://schemas.microsoft.com/office/drawing/2014/main" xmlns="" id="{30B3A574-7940-4E35-857E-5CA35A5910E5}"/>
+                <a16:creationId xmlns:a16="http://schemas.microsoft.com/office/drawing/2014/main" id="{30B3A574-7940-4E35-857E-5CA35A5910E5}"/>
               </a:ext>
             </a:extLst>
           </p:cNvPr>
@@ -9882,7 +9873,7 @@
           </a:lstStyle>
           <a:p>
             <a:r>
-              <a:rPr lang="en-US" noProof="0" smtClean="0"/>
+              <a:rPr lang="en-US" noProof="0"/>
               <a:t>Click icon to add picture</a:t>
             </a:r>
             <a:endParaRPr lang="en-US" noProof="0" dirty="0"/>
@@ -9894,7 +9885,7 @@
           <p:cNvPr id="21" name="Text Placeholder 3">
             <a:extLst>
               <a:ext uri="{FF2B5EF4-FFF2-40B4-BE49-F238E27FC236}">
-                <a16:creationId xmlns:a16="http://schemas.microsoft.com/office/drawing/2014/main" xmlns="" id="{912B51EA-3E6F-4BF6-BE48-62128AF32B85}"/>
+                <a16:creationId xmlns:a16="http://schemas.microsoft.com/office/drawing/2014/main" id="{912B51EA-3E6F-4BF6-BE48-62128AF32B85}"/>
               </a:ext>
             </a:extLst>
           </p:cNvPr>
@@ -9959,7 +9950,7 @@
           <a:p>
             <a:pPr lvl="0"/>
             <a:r>
-              <a:rPr lang="en-US" noProof="0" smtClean="0"/>
+              <a:rPr lang="en-US" noProof="0"/>
               <a:t>Click to edit Master text styles</a:t>
             </a:r>
           </a:p>
@@ -10008,7 +9999,7 @@
           <p:cNvPr id="11" name="Rectangle 10">
             <a:extLst>
               <a:ext uri="{FF2B5EF4-FFF2-40B4-BE49-F238E27FC236}">
-                <a16:creationId xmlns:a16="http://schemas.microsoft.com/office/drawing/2014/main" xmlns="" id="{EB3E033F-4449-40FA-BC85-BD2712D313DD}"/>
+                <a16:creationId xmlns:a16="http://schemas.microsoft.com/office/drawing/2014/main" id="{EB3E033F-4449-40FA-BC85-BD2712D313DD}"/>
               </a:ext>
             </a:extLst>
           </p:cNvPr>
@@ -10062,7 +10053,7 @@
           <p:cNvPr id="10" name="Freeform: Shape 9">
             <a:extLst>
               <a:ext uri="{FF2B5EF4-FFF2-40B4-BE49-F238E27FC236}">
-                <a16:creationId xmlns:a16="http://schemas.microsoft.com/office/drawing/2014/main" xmlns="" id="{63D26743-0505-444C-80B3-E88EE87DF72B}"/>
+                <a16:creationId xmlns:a16="http://schemas.microsoft.com/office/drawing/2014/main" id="{63D26743-0505-444C-80B3-E88EE87DF72B}"/>
               </a:ext>
             </a:extLst>
           </p:cNvPr>
@@ -10185,7 +10176,7 @@
           <p:cNvPr id="18" name="Freeform: Shape 17">
             <a:extLst>
               <a:ext uri="{FF2B5EF4-FFF2-40B4-BE49-F238E27FC236}">
-                <a16:creationId xmlns:a16="http://schemas.microsoft.com/office/drawing/2014/main" xmlns="" id="{E37145E9-AC61-47D5-9288-8789940F81B6}"/>
+                <a16:creationId xmlns:a16="http://schemas.microsoft.com/office/drawing/2014/main" id="{E37145E9-AC61-47D5-9288-8789940F81B6}"/>
               </a:ext>
             </a:extLst>
           </p:cNvPr>
@@ -10337,7 +10328,7 @@
           <p:cNvPr id="12" name="Freeform: Shape 11">
             <a:extLst>
               <a:ext uri="{FF2B5EF4-FFF2-40B4-BE49-F238E27FC236}">
-                <a16:creationId xmlns:a16="http://schemas.microsoft.com/office/drawing/2014/main" xmlns="" id="{A5E2B3ED-9A49-40A7-B8A3-62595FE513F9}"/>
+                <a16:creationId xmlns:a16="http://schemas.microsoft.com/office/drawing/2014/main" id="{A5E2B3ED-9A49-40A7-B8A3-62595FE513F9}"/>
               </a:ext>
             </a:extLst>
           </p:cNvPr>
@@ -10487,7 +10478,7 @@
           <p:cNvPr id="8" name="Freeform: Shape 7">
             <a:extLst>
               <a:ext uri="{FF2B5EF4-FFF2-40B4-BE49-F238E27FC236}">
-                <a16:creationId xmlns:a16="http://schemas.microsoft.com/office/drawing/2014/main" xmlns="" id="{1599AF7E-3E34-4597-AA72-9373A7FDB020}"/>
+                <a16:creationId xmlns:a16="http://schemas.microsoft.com/office/drawing/2014/main" id="{1599AF7E-3E34-4597-AA72-9373A7FDB020}"/>
               </a:ext>
             </a:extLst>
           </p:cNvPr>
@@ -10633,7 +10624,7 @@
           <p:cNvPr id="2" name="Title 1">
             <a:extLst>
               <a:ext uri="{FF2B5EF4-FFF2-40B4-BE49-F238E27FC236}">
-                <a16:creationId xmlns:a16="http://schemas.microsoft.com/office/drawing/2014/main" xmlns="" id="{4A2DF563-7FAC-46B3-B24C-7E45CD89DA2B}"/>
+                <a16:creationId xmlns:a16="http://schemas.microsoft.com/office/drawing/2014/main" id="{4A2DF563-7FAC-46B3-B24C-7E45CD89DA2B}"/>
               </a:ext>
             </a:extLst>
           </p:cNvPr>
@@ -10667,10 +10658,9 @@
           <a:p>
             <a:pPr lvl="0"/>
             <a:r>
-              <a:rPr lang="en-US" noProof="0" smtClean="0"/>
+              <a:rPr lang="en-US" noProof="0"/>
               <a:t>Click to edit Master title style</a:t>
             </a:r>
-            <a:endParaRPr lang="en-US" noProof="0"/>
           </a:p>
         </p:txBody>
       </p:sp>
@@ -10679,7 +10669,7 @@
           <p:cNvPr id="15" name="Group 14">
             <a:extLst>
               <a:ext uri="{FF2B5EF4-FFF2-40B4-BE49-F238E27FC236}">
-                <a16:creationId xmlns:a16="http://schemas.microsoft.com/office/drawing/2014/main" xmlns="" id="{7732E1E7-45E3-4264-8F26-66758696DD1E}"/>
+                <a16:creationId xmlns:a16="http://schemas.microsoft.com/office/drawing/2014/main" id="{7732E1E7-45E3-4264-8F26-66758696DD1E}"/>
               </a:ext>
             </a:extLst>
           </p:cNvPr>
@@ -10699,7 +10689,7 @@
             <p:cNvPr id="16" name="Freeform: Shape 15">
               <a:extLst>
                 <a:ext uri="{FF2B5EF4-FFF2-40B4-BE49-F238E27FC236}">
-                  <a16:creationId xmlns:a16="http://schemas.microsoft.com/office/drawing/2014/main" xmlns="" id="{2E3DF883-8093-49FA-81E1-E5D77F086A25}"/>
+                  <a16:creationId xmlns:a16="http://schemas.microsoft.com/office/drawing/2014/main" id="{2E3DF883-8093-49FA-81E1-E5D77F086A25}"/>
                 </a:ext>
               </a:extLst>
             </p:cNvPr>
@@ -10789,7 +10779,7 @@
             <p:cNvPr id="17" name="Freeform: Shape 16">
               <a:extLst>
                 <a:ext uri="{FF2B5EF4-FFF2-40B4-BE49-F238E27FC236}">
-                  <a16:creationId xmlns:a16="http://schemas.microsoft.com/office/drawing/2014/main" xmlns="" id="{18944C90-37E5-4BBE-89FF-060627168050}"/>
+                  <a16:creationId xmlns:a16="http://schemas.microsoft.com/office/drawing/2014/main" id="{18944C90-37E5-4BBE-89FF-060627168050}"/>
                 </a:ext>
               </a:extLst>
             </p:cNvPr>
@@ -10888,7 +10878,7 @@
           <p:cNvPr id="6" name="Group 5">
             <a:extLst>
               <a:ext uri="{FF2B5EF4-FFF2-40B4-BE49-F238E27FC236}">
-                <a16:creationId xmlns:a16="http://schemas.microsoft.com/office/drawing/2014/main" xmlns="" id="{D9EBF8BB-A805-4DDB-B459-082F99815B95}"/>
+                <a16:creationId xmlns:a16="http://schemas.microsoft.com/office/drawing/2014/main" id="{D9EBF8BB-A805-4DDB-B459-082F99815B95}"/>
               </a:ext>
             </a:extLst>
           </p:cNvPr>
@@ -10908,7 +10898,7 @@
             <p:cNvPr id="19" name="Rectangle: Single Corner Snipped 18">
               <a:extLst>
                 <a:ext uri="{FF2B5EF4-FFF2-40B4-BE49-F238E27FC236}">
-                  <a16:creationId xmlns:a16="http://schemas.microsoft.com/office/drawing/2014/main" xmlns="" id="{5D638788-DD47-45E7-939A-FA108A818173}"/>
+                  <a16:creationId xmlns:a16="http://schemas.microsoft.com/office/drawing/2014/main" id="{5D638788-DD47-45E7-939A-FA108A818173}"/>
                 </a:ext>
               </a:extLst>
             </p:cNvPr>
@@ -10969,7 +10959,7 @@
             <p:cNvPr id="3" name="Rectangle: Single Corner Snipped 2">
               <a:extLst>
                 <a:ext uri="{FF2B5EF4-FFF2-40B4-BE49-F238E27FC236}">
-                  <a16:creationId xmlns:a16="http://schemas.microsoft.com/office/drawing/2014/main" xmlns="" id="{74BDECEF-EEFE-4332-B3B2-BDE4F82C10FC}"/>
+                  <a16:creationId xmlns:a16="http://schemas.microsoft.com/office/drawing/2014/main" id="{74BDECEF-EEFE-4332-B3B2-BDE4F82C10FC}"/>
                 </a:ext>
               </a:extLst>
             </p:cNvPr>
@@ -11026,7 +11016,7 @@
           <p:cNvPr id="35" name="Freeform: Shape 34">
             <a:extLst>
               <a:ext uri="{FF2B5EF4-FFF2-40B4-BE49-F238E27FC236}">
-                <a16:creationId xmlns:a16="http://schemas.microsoft.com/office/drawing/2014/main" xmlns="" id="{62EEBF51-DCAD-4335-85E9-52801031A1BF}"/>
+                <a16:creationId xmlns:a16="http://schemas.microsoft.com/office/drawing/2014/main" id="{62EEBF51-DCAD-4335-85E9-52801031A1BF}"/>
               </a:ext>
             </a:extLst>
           </p:cNvPr>
@@ -11121,7 +11111,7 @@
           <p:cNvPr id="5" name="Slide Number Placeholder 4">
             <a:extLst>
               <a:ext uri="{FF2B5EF4-FFF2-40B4-BE49-F238E27FC236}">
-                <a16:creationId xmlns:a16="http://schemas.microsoft.com/office/drawing/2014/main" xmlns="" id="{87B51822-97FF-47A7-8E4E-A0F79B4EB237}"/>
+                <a16:creationId xmlns:a16="http://schemas.microsoft.com/office/drawing/2014/main" id="{87B51822-97FF-47A7-8E4E-A0F79B4EB237}"/>
               </a:ext>
             </a:extLst>
           </p:cNvPr>
@@ -11165,7 +11155,7 @@
           <p:cNvPr id="21" name="Text Placeholder 3">
             <a:extLst>
               <a:ext uri="{FF2B5EF4-FFF2-40B4-BE49-F238E27FC236}">
-                <a16:creationId xmlns:a16="http://schemas.microsoft.com/office/drawing/2014/main" xmlns="" id="{912B51EA-3E6F-4BF6-BE48-62128AF32B85}"/>
+                <a16:creationId xmlns:a16="http://schemas.microsoft.com/office/drawing/2014/main" id="{912B51EA-3E6F-4BF6-BE48-62128AF32B85}"/>
               </a:ext>
             </a:extLst>
           </p:cNvPr>
@@ -11230,7 +11220,7 @@
           <a:p>
             <a:pPr lvl="0"/>
             <a:r>
-              <a:rPr lang="en-US" noProof="0" smtClean="0"/>
+              <a:rPr lang="en-US" noProof="0"/>
               <a:t>Click to edit Master text styles</a:t>
             </a:r>
           </a:p>
@@ -11241,7 +11231,7 @@
           <p:cNvPr id="22" name="Content Placeholder 2">
             <a:extLst>
               <a:ext uri="{FF2B5EF4-FFF2-40B4-BE49-F238E27FC236}">
-                <a16:creationId xmlns:a16="http://schemas.microsoft.com/office/drawing/2014/main" xmlns="" id="{A015C605-1D30-48BC-A0D6-3B11AF56CC53}"/>
+                <a16:creationId xmlns:a16="http://schemas.microsoft.com/office/drawing/2014/main" id="{A015C605-1D30-48BC-A0D6-3B11AF56CC53}"/>
               </a:ext>
             </a:extLst>
           </p:cNvPr>
@@ -11314,38 +11304,37 @@
           <a:p>
             <a:pPr lvl="0"/>
             <a:r>
-              <a:rPr lang="en-US" noProof="0" smtClean="0"/>
+              <a:rPr lang="en-US" noProof="0"/>
               <a:t>Click to edit Master text styles</a:t>
             </a:r>
           </a:p>
           <a:p>
             <a:pPr lvl="1"/>
             <a:r>
-              <a:rPr lang="en-US" noProof="0" smtClean="0"/>
+              <a:rPr lang="en-US" noProof="0"/>
               <a:t>Second level</a:t>
             </a:r>
           </a:p>
           <a:p>
             <a:pPr lvl="2"/>
             <a:r>
-              <a:rPr lang="en-US" noProof="0" smtClean="0"/>
+              <a:rPr lang="en-US" noProof="0"/>
               <a:t>Third level</a:t>
             </a:r>
           </a:p>
           <a:p>
             <a:pPr lvl="3"/>
             <a:r>
-              <a:rPr lang="en-US" noProof="0" smtClean="0"/>
+              <a:rPr lang="en-US" noProof="0"/>
               <a:t>Fourth level</a:t>
             </a:r>
           </a:p>
           <a:p>
             <a:pPr lvl="4"/>
             <a:r>
-              <a:rPr lang="en-US" noProof="0" smtClean="0"/>
+              <a:rPr lang="en-US" noProof="0"/>
               <a:t>Fifth level</a:t>
             </a:r>
-            <a:endParaRPr lang="en-US" noProof="0"/>
           </a:p>
         </p:txBody>
       </p:sp>
@@ -11384,7 +11373,7 @@
           <p:cNvPr id="18" name="Rectangle 17">
             <a:extLst>
               <a:ext uri="{FF2B5EF4-FFF2-40B4-BE49-F238E27FC236}">
-                <a16:creationId xmlns:a16="http://schemas.microsoft.com/office/drawing/2014/main" xmlns="" id="{D4494CD2-CCDD-0248-96F8-741002C44255}"/>
+                <a16:creationId xmlns:a16="http://schemas.microsoft.com/office/drawing/2014/main" id="{D4494CD2-CCDD-0248-96F8-741002C44255}"/>
               </a:ext>
             </a:extLst>
           </p:cNvPr>
@@ -11438,7 +11427,7 @@
           <p:cNvPr id="19" name="Freeform: Shape 9">
             <a:extLst>
               <a:ext uri="{FF2B5EF4-FFF2-40B4-BE49-F238E27FC236}">
-                <a16:creationId xmlns:a16="http://schemas.microsoft.com/office/drawing/2014/main" xmlns="" id="{07077B00-C1EE-7241-B441-7814F92A7EDF}"/>
+                <a16:creationId xmlns:a16="http://schemas.microsoft.com/office/drawing/2014/main" id="{07077B00-C1EE-7241-B441-7814F92A7EDF}"/>
               </a:ext>
             </a:extLst>
           </p:cNvPr>
@@ -11561,7 +11550,7 @@
           <p:cNvPr id="20" name="Freeform: Shape 17">
             <a:extLst>
               <a:ext uri="{FF2B5EF4-FFF2-40B4-BE49-F238E27FC236}">
-                <a16:creationId xmlns:a16="http://schemas.microsoft.com/office/drawing/2014/main" xmlns="" id="{3A1AEBC4-637E-F64C-9192-69AC4BB26D0C}"/>
+                <a16:creationId xmlns:a16="http://schemas.microsoft.com/office/drawing/2014/main" id="{3A1AEBC4-637E-F64C-9192-69AC4BB26D0C}"/>
               </a:ext>
             </a:extLst>
           </p:cNvPr>
@@ -11713,7 +11702,7 @@
           <p:cNvPr id="21" name="Freeform: Shape 11">
             <a:extLst>
               <a:ext uri="{FF2B5EF4-FFF2-40B4-BE49-F238E27FC236}">
-                <a16:creationId xmlns:a16="http://schemas.microsoft.com/office/drawing/2014/main" xmlns="" id="{669A7039-C54C-8E46-9A8B-DDB2547D989C}"/>
+                <a16:creationId xmlns:a16="http://schemas.microsoft.com/office/drawing/2014/main" id="{669A7039-C54C-8E46-9A8B-DDB2547D989C}"/>
               </a:ext>
             </a:extLst>
           </p:cNvPr>
@@ -11863,7 +11852,7 @@
           <p:cNvPr id="22" name="Freeform: Shape 7">
             <a:extLst>
               <a:ext uri="{FF2B5EF4-FFF2-40B4-BE49-F238E27FC236}">
-                <a16:creationId xmlns:a16="http://schemas.microsoft.com/office/drawing/2014/main" xmlns="" id="{4F173B32-87BB-9A40-8C91-4C1EED2B7ABF}"/>
+                <a16:creationId xmlns:a16="http://schemas.microsoft.com/office/drawing/2014/main" id="{4F173B32-87BB-9A40-8C91-4C1EED2B7ABF}"/>
               </a:ext>
             </a:extLst>
           </p:cNvPr>
@@ -12009,7 +11998,7 @@
           <p:cNvPr id="24" name="Group 23">
             <a:extLst>
               <a:ext uri="{FF2B5EF4-FFF2-40B4-BE49-F238E27FC236}">
-                <a16:creationId xmlns:a16="http://schemas.microsoft.com/office/drawing/2014/main" xmlns="" id="{4AC87F4E-12B5-1B42-AFD2-4DB39B7645C9}"/>
+                <a16:creationId xmlns:a16="http://schemas.microsoft.com/office/drawing/2014/main" id="{4AC87F4E-12B5-1B42-AFD2-4DB39B7645C9}"/>
               </a:ext>
             </a:extLst>
           </p:cNvPr>
@@ -12029,7 +12018,7 @@
             <p:cNvPr id="25" name="Freeform: Shape 15">
               <a:extLst>
                 <a:ext uri="{FF2B5EF4-FFF2-40B4-BE49-F238E27FC236}">
-                  <a16:creationId xmlns:a16="http://schemas.microsoft.com/office/drawing/2014/main" xmlns="" id="{03DD8765-59DF-A045-ADB5-E39FAEE153A0}"/>
+                  <a16:creationId xmlns:a16="http://schemas.microsoft.com/office/drawing/2014/main" id="{03DD8765-59DF-A045-ADB5-E39FAEE153A0}"/>
                 </a:ext>
               </a:extLst>
             </p:cNvPr>
@@ -12119,7 +12108,7 @@
             <p:cNvPr id="26" name="Freeform: Shape 16">
               <a:extLst>
                 <a:ext uri="{FF2B5EF4-FFF2-40B4-BE49-F238E27FC236}">
-                  <a16:creationId xmlns:a16="http://schemas.microsoft.com/office/drawing/2014/main" xmlns="" id="{B34B796C-A407-7B4D-B4F0-E58A44FE8DB4}"/>
+                  <a16:creationId xmlns:a16="http://schemas.microsoft.com/office/drawing/2014/main" id="{B34B796C-A407-7B4D-B4F0-E58A44FE8DB4}"/>
                 </a:ext>
               </a:extLst>
             </p:cNvPr>
@@ -12218,7 +12207,7 @@
           <p:cNvPr id="30" name="Freeform: Shape 23">
             <a:extLst>
               <a:ext uri="{FF2B5EF4-FFF2-40B4-BE49-F238E27FC236}">
-                <a16:creationId xmlns:a16="http://schemas.microsoft.com/office/drawing/2014/main" xmlns="" id="{CBE3FDC9-67CB-FA42-B127-A36BFF4678BB}"/>
+                <a16:creationId xmlns:a16="http://schemas.microsoft.com/office/drawing/2014/main" id="{CBE3FDC9-67CB-FA42-B127-A36BFF4678BB}"/>
               </a:ext>
             </a:extLst>
           </p:cNvPr>
@@ -12313,7 +12302,7 @@
           <p:cNvPr id="31" name="Slide Number Placeholder 4">
             <a:extLst>
               <a:ext uri="{FF2B5EF4-FFF2-40B4-BE49-F238E27FC236}">
-                <a16:creationId xmlns:a16="http://schemas.microsoft.com/office/drawing/2014/main" xmlns="" id="{1E902BFF-CA8F-D745-A819-A7BB38B30ED9}"/>
+                <a16:creationId xmlns:a16="http://schemas.microsoft.com/office/drawing/2014/main" id="{1E902BFF-CA8F-D745-A819-A7BB38B30ED9}"/>
               </a:ext>
             </a:extLst>
           </p:cNvPr>
@@ -12387,7 +12376,7 @@
           <p:cNvPr id="21" name="Rectangle 20">
             <a:extLst>
               <a:ext uri="{FF2B5EF4-FFF2-40B4-BE49-F238E27FC236}">
-                <a16:creationId xmlns:a16="http://schemas.microsoft.com/office/drawing/2014/main" xmlns="" id="{6E739168-A5E8-443A-B392-7AD4CF8977AD}"/>
+                <a16:creationId xmlns:a16="http://schemas.microsoft.com/office/drawing/2014/main" id="{6E739168-A5E8-443A-B392-7AD4CF8977AD}"/>
               </a:ext>
             </a:extLst>
           </p:cNvPr>
@@ -12439,7 +12428,7 @@
           <p:cNvPr id="15" name="Freeform: Shape 14">
             <a:extLst>
               <a:ext uri="{FF2B5EF4-FFF2-40B4-BE49-F238E27FC236}">
-                <a16:creationId xmlns:a16="http://schemas.microsoft.com/office/drawing/2014/main" xmlns="" id="{41E10E1E-5268-4F03-BA64-07E19DE26739}"/>
+                <a16:creationId xmlns:a16="http://schemas.microsoft.com/office/drawing/2014/main" id="{41E10E1E-5268-4F03-BA64-07E19DE26739}"/>
               </a:ext>
             </a:extLst>
           </p:cNvPr>
@@ -12576,7 +12565,7 @@
           <p:cNvPr id="16" name="Freeform: Shape 15">
             <a:extLst>
               <a:ext uri="{FF2B5EF4-FFF2-40B4-BE49-F238E27FC236}">
-                <a16:creationId xmlns:a16="http://schemas.microsoft.com/office/drawing/2014/main" xmlns="" id="{B989C45D-BDFF-418F-BE79-03FF70015770}"/>
+                <a16:creationId xmlns:a16="http://schemas.microsoft.com/office/drawing/2014/main" id="{B989C45D-BDFF-418F-BE79-03FF70015770}"/>
               </a:ext>
             </a:extLst>
           </p:cNvPr>
@@ -12740,7 +12729,7 @@
           <p:cNvPr id="20" name="Freeform: Shape 19">
             <a:extLst>
               <a:ext uri="{FF2B5EF4-FFF2-40B4-BE49-F238E27FC236}">
-                <a16:creationId xmlns:a16="http://schemas.microsoft.com/office/drawing/2014/main" xmlns="" id="{0027A677-9ACB-4264-B148-4806678FB83F}"/>
+                <a16:creationId xmlns:a16="http://schemas.microsoft.com/office/drawing/2014/main" id="{0027A677-9ACB-4264-B148-4806678FB83F}"/>
               </a:ext>
             </a:extLst>
           </p:cNvPr>
@@ -12902,7 +12891,7 @@
           <p:cNvPr id="6" name="Group 5">
             <a:extLst>
               <a:ext uri="{FF2B5EF4-FFF2-40B4-BE49-F238E27FC236}">
-                <a16:creationId xmlns:a16="http://schemas.microsoft.com/office/drawing/2014/main" xmlns="" id="{EA7FF9D7-8545-4547-AC77-A0421EEB9B99}"/>
+                <a16:creationId xmlns:a16="http://schemas.microsoft.com/office/drawing/2014/main" id="{EA7FF9D7-8545-4547-AC77-A0421EEB9B99}"/>
               </a:ext>
             </a:extLst>
           </p:cNvPr>
@@ -12922,7 +12911,7 @@
             <p:cNvPr id="17" name="Right Triangle 16">
               <a:extLst>
                 <a:ext uri="{FF2B5EF4-FFF2-40B4-BE49-F238E27FC236}">
-                  <a16:creationId xmlns:a16="http://schemas.microsoft.com/office/drawing/2014/main" xmlns="" id="{8DCD5806-2A2F-4ABF-8057-245681C498E6}"/>
+                  <a16:creationId xmlns:a16="http://schemas.microsoft.com/office/drawing/2014/main" id="{8DCD5806-2A2F-4ABF-8057-245681C498E6}"/>
                 </a:ext>
               </a:extLst>
             </p:cNvPr>
@@ -12976,7 +12965,7 @@
             <p:cNvPr id="18" name="Right Triangle 17">
               <a:extLst>
                 <a:ext uri="{FF2B5EF4-FFF2-40B4-BE49-F238E27FC236}">
-                  <a16:creationId xmlns:a16="http://schemas.microsoft.com/office/drawing/2014/main" xmlns="" id="{3A93038F-E9E4-4FFD-B3DF-28DB7C2C1490}"/>
+                  <a16:creationId xmlns:a16="http://schemas.microsoft.com/office/drawing/2014/main" id="{3A93038F-E9E4-4FFD-B3DF-28DB7C2C1490}"/>
                 </a:ext>
               </a:extLst>
             </p:cNvPr>
@@ -13033,7 +13022,7 @@
             <p:cNvPr id="19" name="Right Triangle 18">
               <a:extLst>
                 <a:ext uri="{FF2B5EF4-FFF2-40B4-BE49-F238E27FC236}">
-                  <a16:creationId xmlns:a16="http://schemas.microsoft.com/office/drawing/2014/main" xmlns="" id="{5DEA1E02-BBD0-4AE3-AF22-433B90272178}"/>
+                  <a16:creationId xmlns:a16="http://schemas.microsoft.com/office/drawing/2014/main" id="{5DEA1E02-BBD0-4AE3-AF22-433B90272178}"/>
                 </a:ext>
               </a:extLst>
             </p:cNvPr>
@@ -13088,7 +13077,7 @@
           <p:cNvPr id="2" name="Title 1">
             <a:extLst>
               <a:ext uri="{FF2B5EF4-FFF2-40B4-BE49-F238E27FC236}">
-                <a16:creationId xmlns:a16="http://schemas.microsoft.com/office/drawing/2014/main" xmlns="" id="{9E597736-C478-4C26-9BAF-205FE31E977C}"/>
+                <a16:creationId xmlns:a16="http://schemas.microsoft.com/office/drawing/2014/main" id="{9E597736-C478-4C26-9BAF-205FE31E977C}"/>
               </a:ext>
             </a:extLst>
           </p:cNvPr>
@@ -13165,7 +13154,7 @@
           <p:cNvPr id="21" name="Rectangle 20">
             <a:extLst>
               <a:ext uri="{FF2B5EF4-FFF2-40B4-BE49-F238E27FC236}">
-                <a16:creationId xmlns:a16="http://schemas.microsoft.com/office/drawing/2014/main" xmlns="" id="{6E739168-A5E8-443A-B392-7AD4CF8977AD}"/>
+                <a16:creationId xmlns:a16="http://schemas.microsoft.com/office/drawing/2014/main" id="{6E739168-A5E8-443A-B392-7AD4CF8977AD}"/>
               </a:ext>
             </a:extLst>
           </p:cNvPr>
@@ -13217,7 +13206,7 @@
           <p:cNvPr id="15" name="Freeform: Shape 14">
             <a:extLst>
               <a:ext uri="{FF2B5EF4-FFF2-40B4-BE49-F238E27FC236}">
-                <a16:creationId xmlns:a16="http://schemas.microsoft.com/office/drawing/2014/main" xmlns="" id="{41E10E1E-5268-4F03-BA64-07E19DE26739}"/>
+                <a16:creationId xmlns:a16="http://schemas.microsoft.com/office/drawing/2014/main" id="{41E10E1E-5268-4F03-BA64-07E19DE26739}"/>
               </a:ext>
             </a:extLst>
           </p:cNvPr>
@@ -13354,7 +13343,7 @@
           <p:cNvPr id="16" name="Freeform: Shape 15">
             <a:extLst>
               <a:ext uri="{FF2B5EF4-FFF2-40B4-BE49-F238E27FC236}">
-                <a16:creationId xmlns:a16="http://schemas.microsoft.com/office/drawing/2014/main" xmlns="" id="{B989C45D-BDFF-418F-BE79-03FF70015770}"/>
+                <a16:creationId xmlns:a16="http://schemas.microsoft.com/office/drawing/2014/main" id="{B989C45D-BDFF-418F-BE79-03FF70015770}"/>
               </a:ext>
             </a:extLst>
           </p:cNvPr>
@@ -13518,7 +13507,7 @@
           <p:cNvPr id="20" name="Freeform: Shape 19">
             <a:extLst>
               <a:ext uri="{FF2B5EF4-FFF2-40B4-BE49-F238E27FC236}">
-                <a16:creationId xmlns:a16="http://schemas.microsoft.com/office/drawing/2014/main" xmlns="" id="{0027A677-9ACB-4264-B148-4806678FB83F}"/>
+                <a16:creationId xmlns:a16="http://schemas.microsoft.com/office/drawing/2014/main" id="{0027A677-9ACB-4264-B148-4806678FB83F}"/>
               </a:ext>
             </a:extLst>
           </p:cNvPr>
@@ -13680,7 +13669,7 @@
           <p:cNvPr id="2" name="Title 1">
             <a:extLst>
               <a:ext uri="{FF2B5EF4-FFF2-40B4-BE49-F238E27FC236}">
-                <a16:creationId xmlns:a16="http://schemas.microsoft.com/office/drawing/2014/main" xmlns="" id="{9E597736-C478-4C26-9BAF-205FE31E977C}"/>
+                <a16:creationId xmlns:a16="http://schemas.microsoft.com/office/drawing/2014/main" id="{9E597736-C478-4C26-9BAF-205FE31E977C}"/>
               </a:ext>
             </a:extLst>
           </p:cNvPr>
@@ -13727,7 +13716,7 @@
           <p:cNvPr id="35" name="Freeform: Shape 34">
             <a:extLst>
               <a:ext uri="{FF2B5EF4-FFF2-40B4-BE49-F238E27FC236}">
-                <a16:creationId xmlns:a16="http://schemas.microsoft.com/office/drawing/2014/main" xmlns="" id="{C024DCDB-C6BF-455E-AAB8-EAF9DAB302A1}"/>
+                <a16:creationId xmlns:a16="http://schemas.microsoft.com/office/drawing/2014/main" id="{C024DCDB-C6BF-455E-AAB8-EAF9DAB302A1}"/>
               </a:ext>
             </a:extLst>
           </p:cNvPr>
@@ -13835,7 +13824,7 @@
           <p:cNvPr id="32" name="Freeform: Shape 31">
             <a:extLst>
               <a:ext uri="{FF2B5EF4-FFF2-40B4-BE49-F238E27FC236}">
-                <a16:creationId xmlns:a16="http://schemas.microsoft.com/office/drawing/2014/main" xmlns="" id="{26AFB47A-5D51-4F9C-B01B-977CE5E3C093}"/>
+                <a16:creationId xmlns:a16="http://schemas.microsoft.com/office/drawing/2014/main" id="{26AFB47A-5D51-4F9C-B01B-977CE5E3C093}"/>
               </a:ext>
             </a:extLst>
           </p:cNvPr>
@@ -13951,7 +13940,7 @@
           <p:cNvPr id="30" name="Freeform: Shape 29">
             <a:extLst>
               <a:ext uri="{FF2B5EF4-FFF2-40B4-BE49-F238E27FC236}">
-                <a16:creationId xmlns:a16="http://schemas.microsoft.com/office/drawing/2014/main" xmlns="" id="{6997A4FF-7390-4173-8ACD-6CF7145AACEC}"/>
+                <a16:creationId xmlns:a16="http://schemas.microsoft.com/office/drawing/2014/main" id="{6997A4FF-7390-4173-8ACD-6CF7145AACEC}"/>
               </a:ext>
             </a:extLst>
           </p:cNvPr>
@@ -14090,7 +14079,7 @@
           <p:cNvPr id="7" name="Rectangle 6">
             <a:extLst>
               <a:ext uri="{FF2B5EF4-FFF2-40B4-BE49-F238E27FC236}">
-                <a16:creationId xmlns:a16="http://schemas.microsoft.com/office/drawing/2014/main" xmlns="" id="{B2838D16-809E-4EB1-8C0C-0E63D8139112}"/>
+                <a16:creationId xmlns:a16="http://schemas.microsoft.com/office/drawing/2014/main" id="{B2838D16-809E-4EB1-8C0C-0E63D8139112}"/>
               </a:ext>
             </a:extLst>
           </p:cNvPr>
@@ -14142,7 +14131,7 @@
           <p:cNvPr id="8" name="Freeform: Shape 7">
             <a:extLst>
               <a:ext uri="{FF2B5EF4-FFF2-40B4-BE49-F238E27FC236}">
-                <a16:creationId xmlns:a16="http://schemas.microsoft.com/office/drawing/2014/main" xmlns="" id="{01FEB333-94B4-4E53-9019-D584810903BB}"/>
+                <a16:creationId xmlns:a16="http://schemas.microsoft.com/office/drawing/2014/main" id="{01FEB333-94B4-4E53-9019-D584810903BB}"/>
               </a:ext>
             </a:extLst>
           </p:cNvPr>
@@ -14263,7 +14252,7 @@
           <p:cNvPr id="9" name="Freeform: Shape 8">
             <a:extLst>
               <a:ext uri="{FF2B5EF4-FFF2-40B4-BE49-F238E27FC236}">
-                <a16:creationId xmlns:a16="http://schemas.microsoft.com/office/drawing/2014/main" xmlns="" id="{A59B9489-0CD9-4DB7-AC82-6E7867F91403}"/>
+                <a16:creationId xmlns:a16="http://schemas.microsoft.com/office/drawing/2014/main" id="{A59B9489-0CD9-4DB7-AC82-6E7867F91403}"/>
               </a:ext>
             </a:extLst>
           </p:cNvPr>
@@ -14403,7 +14392,7 @@
           <p:cNvPr id="10" name="Right Triangle 9">
             <a:extLst>
               <a:ext uri="{FF2B5EF4-FFF2-40B4-BE49-F238E27FC236}">
-                <a16:creationId xmlns:a16="http://schemas.microsoft.com/office/drawing/2014/main" xmlns="" id="{A55D1C76-C591-4FA5-9780-87AB6B37C0FA}"/>
+                <a16:creationId xmlns:a16="http://schemas.microsoft.com/office/drawing/2014/main" id="{A55D1C76-C591-4FA5-9780-87AB6B37C0FA}"/>
               </a:ext>
             </a:extLst>
           </p:cNvPr>
@@ -14457,7 +14446,7 @@
           <p:cNvPr id="11" name="Freeform: Shape 10">
             <a:extLst>
               <a:ext uri="{FF2B5EF4-FFF2-40B4-BE49-F238E27FC236}">
-                <a16:creationId xmlns:a16="http://schemas.microsoft.com/office/drawing/2014/main" xmlns="" id="{A7DC1D12-670F-4235-8791-FA8C2B330871}"/>
+                <a16:creationId xmlns:a16="http://schemas.microsoft.com/office/drawing/2014/main" id="{A7DC1D12-670F-4235-8791-FA8C2B330871}"/>
               </a:ext>
             </a:extLst>
           </p:cNvPr>
@@ -14603,7 +14592,7 @@
           <p:cNvPr id="12" name="Freeform: Shape 11">
             <a:extLst>
               <a:ext uri="{FF2B5EF4-FFF2-40B4-BE49-F238E27FC236}">
-                <a16:creationId xmlns:a16="http://schemas.microsoft.com/office/drawing/2014/main" xmlns="" id="{859569CF-FDAC-47C4-A0F5-296F7117C398}"/>
+                <a16:creationId xmlns:a16="http://schemas.microsoft.com/office/drawing/2014/main" id="{859569CF-FDAC-47C4-A0F5-296F7117C398}"/>
               </a:ext>
             </a:extLst>
           </p:cNvPr>
@@ -14703,7 +14692,7 @@
           <p:cNvPr id="13" name="Freeform: Shape 12">
             <a:extLst>
               <a:ext uri="{FF2B5EF4-FFF2-40B4-BE49-F238E27FC236}">
-                <a16:creationId xmlns:a16="http://schemas.microsoft.com/office/drawing/2014/main" xmlns="" id="{D68D0C72-2B2C-4C85-A091-157853C71784}"/>
+                <a16:creationId xmlns:a16="http://schemas.microsoft.com/office/drawing/2014/main" id="{D68D0C72-2B2C-4C85-A091-157853C71784}"/>
               </a:ext>
             </a:extLst>
           </p:cNvPr>
@@ -14811,7 +14800,7 @@
           <p:cNvPr id="14" name="Freeform: Shape 13">
             <a:extLst>
               <a:ext uri="{FF2B5EF4-FFF2-40B4-BE49-F238E27FC236}">
-                <a16:creationId xmlns:a16="http://schemas.microsoft.com/office/drawing/2014/main" xmlns="" id="{8E25334A-5FE3-4DDA-8D32-4796CCFCAA74}"/>
+                <a16:creationId xmlns:a16="http://schemas.microsoft.com/office/drawing/2014/main" id="{8E25334A-5FE3-4DDA-8D32-4796CCFCAA74}"/>
               </a:ext>
             </a:extLst>
           </p:cNvPr>
@@ -14903,7 +14892,7 @@
           <p:cNvPr id="15" name="Freeform: Shape 14">
             <a:extLst>
               <a:ext uri="{FF2B5EF4-FFF2-40B4-BE49-F238E27FC236}">
-                <a16:creationId xmlns:a16="http://schemas.microsoft.com/office/drawing/2014/main" xmlns="" id="{18818DF1-D7FD-4C0F-875D-7A07E8F75C06}"/>
+                <a16:creationId xmlns:a16="http://schemas.microsoft.com/office/drawing/2014/main" id="{18818DF1-D7FD-4C0F-875D-7A07E8F75C06}"/>
               </a:ext>
             </a:extLst>
           </p:cNvPr>
@@ -15003,7 +14992,7 @@
           <p:cNvPr id="16" name="Group 15">
             <a:extLst>
               <a:ext uri="{FF2B5EF4-FFF2-40B4-BE49-F238E27FC236}">
-                <a16:creationId xmlns:a16="http://schemas.microsoft.com/office/drawing/2014/main" xmlns="" id="{8F9BB384-9E14-4CEA-82C1-21837229D3EF}"/>
+                <a16:creationId xmlns:a16="http://schemas.microsoft.com/office/drawing/2014/main" id="{8F9BB384-9E14-4CEA-82C1-21837229D3EF}"/>
               </a:ext>
             </a:extLst>
           </p:cNvPr>
@@ -15023,7 +15012,7 @@
             <p:cNvPr id="17" name="Freeform: Shape 16">
               <a:extLst>
                 <a:ext uri="{FF2B5EF4-FFF2-40B4-BE49-F238E27FC236}">
-                  <a16:creationId xmlns:a16="http://schemas.microsoft.com/office/drawing/2014/main" xmlns="" id="{0862A81A-959D-4EAB-90ED-DB20759BB397}"/>
+                  <a16:creationId xmlns:a16="http://schemas.microsoft.com/office/drawing/2014/main" id="{0862A81A-959D-4EAB-90ED-DB20759BB397}"/>
                 </a:ext>
               </a:extLst>
             </p:cNvPr>
@@ -15113,7 +15102,7 @@
             <p:cNvPr id="18" name="Freeform: Shape 17">
               <a:extLst>
                 <a:ext uri="{FF2B5EF4-FFF2-40B4-BE49-F238E27FC236}">
-                  <a16:creationId xmlns:a16="http://schemas.microsoft.com/office/drawing/2014/main" xmlns="" id="{AAB9E28C-9422-42BD-AECE-29B44B5D63E2}"/>
+                  <a16:creationId xmlns:a16="http://schemas.microsoft.com/office/drawing/2014/main" id="{AAB9E28C-9422-42BD-AECE-29B44B5D63E2}"/>
                 </a:ext>
               </a:extLst>
             </p:cNvPr>
@@ -15212,7 +15201,7 @@
           <p:cNvPr id="19" name="Group 18">
             <a:extLst>
               <a:ext uri="{FF2B5EF4-FFF2-40B4-BE49-F238E27FC236}">
-                <a16:creationId xmlns:a16="http://schemas.microsoft.com/office/drawing/2014/main" xmlns="" id="{2772239B-C46D-4458-BB4B-DDB12FAB0172}"/>
+                <a16:creationId xmlns:a16="http://schemas.microsoft.com/office/drawing/2014/main" id="{2772239B-C46D-4458-BB4B-DDB12FAB0172}"/>
               </a:ext>
             </a:extLst>
           </p:cNvPr>
@@ -15232,7 +15221,7 @@
             <p:cNvPr id="20" name="Freeform: Shape 19">
               <a:extLst>
                 <a:ext uri="{FF2B5EF4-FFF2-40B4-BE49-F238E27FC236}">
-                  <a16:creationId xmlns:a16="http://schemas.microsoft.com/office/drawing/2014/main" xmlns="" id="{3C8A2A1A-1FB9-4CA1-B74E-B293187E51AA}"/>
+                  <a16:creationId xmlns:a16="http://schemas.microsoft.com/office/drawing/2014/main" id="{3C8A2A1A-1FB9-4CA1-B74E-B293187E51AA}"/>
                 </a:ext>
               </a:extLst>
             </p:cNvPr>
@@ -15322,7 +15311,7 @@
             <p:cNvPr id="21" name="Freeform: Shape 20">
               <a:extLst>
                 <a:ext uri="{FF2B5EF4-FFF2-40B4-BE49-F238E27FC236}">
-                  <a16:creationId xmlns:a16="http://schemas.microsoft.com/office/drawing/2014/main" xmlns="" id="{DF2B18BA-6B43-40FA-A23B-D894D6AB468B}"/>
+                  <a16:creationId xmlns:a16="http://schemas.microsoft.com/office/drawing/2014/main" id="{DF2B18BA-6B43-40FA-A23B-D894D6AB468B}"/>
                 </a:ext>
               </a:extLst>
             </p:cNvPr>
@@ -15421,7 +15410,7 @@
           <p:cNvPr id="3" name="Text Placeholder 2">
             <a:extLst>
               <a:ext uri="{FF2B5EF4-FFF2-40B4-BE49-F238E27FC236}">
-                <a16:creationId xmlns:a16="http://schemas.microsoft.com/office/drawing/2014/main" xmlns="" id="{5E194264-A3F5-42E2-9A63-DCCED0457E1B}"/>
+                <a16:creationId xmlns:a16="http://schemas.microsoft.com/office/drawing/2014/main" id="{5E194264-A3F5-42E2-9A63-DCCED0457E1B}"/>
               </a:ext>
             </a:extLst>
           </p:cNvPr>
@@ -15460,7 +15449,7 @@
           <a:p>
             <a:pPr marL="228600" lvl="0" indent="-228600"/>
             <a:r>
-              <a:rPr lang="en-US" noProof="0" smtClean="0"/>
+              <a:rPr lang="en-US" noProof="0"/>
               <a:t>Click to edit Master text styles</a:t>
             </a:r>
           </a:p>
@@ -15471,7 +15460,7 @@
           <p:cNvPr id="22" name="Slide Number Placeholder 4">
             <a:extLst>
               <a:ext uri="{FF2B5EF4-FFF2-40B4-BE49-F238E27FC236}">
-                <a16:creationId xmlns:a16="http://schemas.microsoft.com/office/drawing/2014/main" xmlns="" id="{0F332671-6296-47C8-BF26-B2D962F5D03D}"/>
+                <a16:creationId xmlns:a16="http://schemas.microsoft.com/office/drawing/2014/main" id="{0F332671-6296-47C8-BF26-B2D962F5D03D}"/>
               </a:ext>
             </a:extLst>
           </p:cNvPr>
@@ -15515,7 +15504,7 @@
           <p:cNvPr id="23" name="Title 1">
             <a:extLst>
               <a:ext uri="{FF2B5EF4-FFF2-40B4-BE49-F238E27FC236}">
-                <a16:creationId xmlns:a16="http://schemas.microsoft.com/office/drawing/2014/main" xmlns="" id="{7772A652-7229-2B42-B87B-298C31D6F0CB}"/>
+                <a16:creationId xmlns:a16="http://schemas.microsoft.com/office/drawing/2014/main" id="{7772A652-7229-2B42-B87B-298C31D6F0CB}"/>
               </a:ext>
             </a:extLst>
           </p:cNvPr>
@@ -15590,7 +15579,7 @@
           <p:cNvPr id="22" name="Rectangle 21">
             <a:extLst>
               <a:ext uri="{FF2B5EF4-FFF2-40B4-BE49-F238E27FC236}">
-                <a16:creationId xmlns:a16="http://schemas.microsoft.com/office/drawing/2014/main" xmlns="" id="{2CDBB6E5-B91E-4946-9390-E8693855103A}"/>
+                <a16:creationId xmlns:a16="http://schemas.microsoft.com/office/drawing/2014/main" id="{2CDBB6E5-B91E-4946-9390-E8693855103A}"/>
               </a:ext>
             </a:extLst>
           </p:cNvPr>
@@ -15644,7 +15633,7 @@
           <p:cNvPr id="34" name="Freeform: Shape 33">
             <a:extLst>
               <a:ext uri="{FF2B5EF4-FFF2-40B4-BE49-F238E27FC236}">
-                <a16:creationId xmlns:a16="http://schemas.microsoft.com/office/drawing/2014/main" xmlns="" id="{0C3CC1C9-1FA0-4FE4-8984-4A8B3728D674}"/>
+                <a16:creationId xmlns:a16="http://schemas.microsoft.com/office/drawing/2014/main" id="{0C3CC1C9-1FA0-4FE4-8984-4A8B3728D674}"/>
               </a:ext>
             </a:extLst>
           </p:cNvPr>
@@ -15789,7 +15778,7 @@
           <p:cNvPr id="24" name="Freeform: Shape 23">
             <a:extLst>
               <a:ext uri="{FF2B5EF4-FFF2-40B4-BE49-F238E27FC236}">
-                <a16:creationId xmlns:a16="http://schemas.microsoft.com/office/drawing/2014/main" xmlns="" id="{8E049265-431E-48DE-B7F7-4959930171DC}"/>
+                <a16:creationId xmlns:a16="http://schemas.microsoft.com/office/drawing/2014/main" id="{8E049265-431E-48DE-B7F7-4959930171DC}"/>
               </a:ext>
             </a:extLst>
           </p:cNvPr>
@@ -15929,7 +15918,7 @@
           <p:cNvPr id="25" name="Freeform: Shape 24">
             <a:extLst>
               <a:ext uri="{FF2B5EF4-FFF2-40B4-BE49-F238E27FC236}">
-                <a16:creationId xmlns:a16="http://schemas.microsoft.com/office/drawing/2014/main" xmlns="" id="{173E5F2D-1F8E-4DCC-857F-932C6C6539BB}"/>
+                <a16:creationId xmlns:a16="http://schemas.microsoft.com/office/drawing/2014/main" id="{173E5F2D-1F8E-4DCC-857F-932C6C6539BB}"/>
               </a:ext>
             </a:extLst>
           </p:cNvPr>
@@ -16075,7 +16064,7 @@
           <p:cNvPr id="26" name="Group 25">
             <a:extLst>
               <a:ext uri="{FF2B5EF4-FFF2-40B4-BE49-F238E27FC236}">
-                <a16:creationId xmlns:a16="http://schemas.microsoft.com/office/drawing/2014/main" xmlns="" id="{E9318B2B-E019-4078-9EF0-C9D6281AE31B}"/>
+                <a16:creationId xmlns:a16="http://schemas.microsoft.com/office/drawing/2014/main" id="{E9318B2B-E019-4078-9EF0-C9D6281AE31B}"/>
               </a:ext>
             </a:extLst>
           </p:cNvPr>
@@ -16095,7 +16084,7 @@
             <p:cNvPr id="27" name="Freeform: Shape 26">
               <a:extLst>
                 <a:ext uri="{FF2B5EF4-FFF2-40B4-BE49-F238E27FC236}">
-                  <a16:creationId xmlns:a16="http://schemas.microsoft.com/office/drawing/2014/main" xmlns="" id="{D3E625C0-9656-421F-861F-67C8F93362ED}"/>
+                  <a16:creationId xmlns:a16="http://schemas.microsoft.com/office/drawing/2014/main" id="{D3E625C0-9656-421F-861F-67C8F93362ED}"/>
                 </a:ext>
               </a:extLst>
             </p:cNvPr>
@@ -16195,7 +16184,7 @@
             <p:cNvPr id="28" name="Freeform: Shape 27">
               <a:extLst>
                 <a:ext uri="{FF2B5EF4-FFF2-40B4-BE49-F238E27FC236}">
-                  <a16:creationId xmlns:a16="http://schemas.microsoft.com/office/drawing/2014/main" xmlns="" id="{49F8E490-C6E3-4D00-866F-CD85DD88996E}"/>
+                  <a16:creationId xmlns:a16="http://schemas.microsoft.com/office/drawing/2014/main" id="{49F8E490-C6E3-4D00-866F-CD85DD88996E}"/>
                 </a:ext>
               </a:extLst>
             </p:cNvPr>
@@ -16304,7 +16293,7 @@
           <p:cNvPr id="29" name="Freeform: Shape 28">
             <a:extLst>
               <a:ext uri="{FF2B5EF4-FFF2-40B4-BE49-F238E27FC236}">
-                <a16:creationId xmlns:a16="http://schemas.microsoft.com/office/drawing/2014/main" xmlns="" id="{EE8F5B31-1523-46AE-9455-C33DFC1BDDE0}"/>
+                <a16:creationId xmlns:a16="http://schemas.microsoft.com/office/drawing/2014/main" id="{EE8F5B31-1523-46AE-9455-C33DFC1BDDE0}"/>
               </a:ext>
             </a:extLst>
           </p:cNvPr>
@@ -16396,7 +16385,7 @@
           <p:cNvPr id="30" name="Freeform: Shape 29">
             <a:extLst>
               <a:ext uri="{FF2B5EF4-FFF2-40B4-BE49-F238E27FC236}">
-                <a16:creationId xmlns:a16="http://schemas.microsoft.com/office/drawing/2014/main" xmlns="" id="{5D17048F-C2E1-4775-BC32-50BD6219F89D}"/>
+                <a16:creationId xmlns:a16="http://schemas.microsoft.com/office/drawing/2014/main" id="{5D17048F-C2E1-4775-BC32-50BD6219F89D}"/>
               </a:ext>
             </a:extLst>
           </p:cNvPr>
@@ -16496,7 +16485,7 @@
           <p:cNvPr id="31" name="Group 30">
             <a:extLst>
               <a:ext uri="{FF2B5EF4-FFF2-40B4-BE49-F238E27FC236}">
-                <a16:creationId xmlns:a16="http://schemas.microsoft.com/office/drawing/2014/main" xmlns="" id="{EAB002AA-4848-49C8-A834-036F860C79A3}"/>
+                <a16:creationId xmlns:a16="http://schemas.microsoft.com/office/drawing/2014/main" id="{EAB002AA-4848-49C8-A834-036F860C79A3}"/>
               </a:ext>
             </a:extLst>
           </p:cNvPr>
@@ -16516,7 +16505,7 @@
             <p:cNvPr id="32" name="Freeform: Shape 31">
               <a:extLst>
                 <a:ext uri="{FF2B5EF4-FFF2-40B4-BE49-F238E27FC236}">
-                  <a16:creationId xmlns:a16="http://schemas.microsoft.com/office/drawing/2014/main" xmlns="" id="{14B187A8-7F8D-469D-A03B-4F835A5746DE}"/>
+                  <a16:creationId xmlns:a16="http://schemas.microsoft.com/office/drawing/2014/main" id="{14B187A8-7F8D-469D-A03B-4F835A5746DE}"/>
                 </a:ext>
               </a:extLst>
             </p:cNvPr>
@@ -16606,7 +16595,7 @@
             <p:cNvPr id="33" name="Freeform: Shape 32">
               <a:extLst>
                 <a:ext uri="{FF2B5EF4-FFF2-40B4-BE49-F238E27FC236}">
-                  <a16:creationId xmlns:a16="http://schemas.microsoft.com/office/drawing/2014/main" xmlns="" id="{03D871D1-A11A-48FB-82A8-8D61AB5CB85C}"/>
+                  <a16:creationId xmlns:a16="http://schemas.microsoft.com/office/drawing/2014/main" id="{03D871D1-A11A-48FB-82A8-8D61AB5CB85C}"/>
                 </a:ext>
               </a:extLst>
             </p:cNvPr>
@@ -16705,7 +16694,7 @@
           <p:cNvPr id="2" name="Title 1">
             <a:extLst>
               <a:ext uri="{FF2B5EF4-FFF2-40B4-BE49-F238E27FC236}">
-                <a16:creationId xmlns:a16="http://schemas.microsoft.com/office/drawing/2014/main" xmlns="" id="{42374B20-3E42-44AF-BEF1-8AB33067395C}"/>
+                <a16:creationId xmlns:a16="http://schemas.microsoft.com/office/drawing/2014/main" id="{42374B20-3E42-44AF-BEF1-8AB33067395C}"/>
               </a:ext>
             </a:extLst>
           </p:cNvPr>
@@ -16750,7 +16739,7 @@
           <p:cNvPr id="3" name="Text Placeholder 2">
             <a:extLst>
               <a:ext uri="{FF2B5EF4-FFF2-40B4-BE49-F238E27FC236}">
-                <a16:creationId xmlns:a16="http://schemas.microsoft.com/office/drawing/2014/main" xmlns="" id="{5E194264-A3F5-42E2-9A63-DCCED0457E1B}"/>
+                <a16:creationId xmlns:a16="http://schemas.microsoft.com/office/drawing/2014/main" id="{5E194264-A3F5-42E2-9A63-DCCED0457E1B}"/>
               </a:ext>
             </a:extLst>
           </p:cNvPr>
@@ -16789,7 +16778,7 @@
           <a:p>
             <a:pPr marL="228600" lvl="0" indent="-228600"/>
             <a:r>
-              <a:rPr lang="en-US" noProof="0" smtClean="0"/>
+              <a:rPr lang="en-US" noProof="0"/>
               <a:t>Click to edit Master text styles</a:t>
             </a:r>
           </a:p>
@@ -16800,7 +16789,7 @@
           <p:cNvPr id="35" name="Slide Number Placeholder 4">
             <a:extLst>
               <a:ext uri="{FF2B5EF4-FFF2-40B4-BE49-F238E27FC236}">
-                <a16:creationId xmlns:a16="http://schemas.microsoft.com/office/drawing/2014/main" xmlns="" id="{6F73F836-940E-4B65-A29C-D0869263C935}"/>
+                <a16:creationId xmlns:a16="http://schemas.microsoft.com/office/drawing/2014/main" id="{6F73F836-940E-4B65-A29C-D0869263C935}"/>
               </a:ext>
             </a:extLst>
           </p:cNvPr>
@@ -16874,7 +16863,7 @@
           <p:cNvPr id="22" name="Rectangle 21">
             <a:extLst>
               <a:ext uri="{FF2B5EF4-FFF2-40B4-BE49-F238E27FC236}">
-                <a16:creationId xmlns:a16="http://schemas.microsoft.com/office/drawing/2014/main" xmlns="" id="{2CDBB6E5-B91E-4946-9390-E8693855103A}"/>
+                <a16:creationId xmlns:a16="http://schemas.microsoft.com/office/drawing/2014/main" id="{2CDBB6E5-B91E-4946-9390-E8693855103A}"/>
               </a:ext>
             </a:extLst>
           </p:cNvPr>
@@ -16928,7 +16917,7 @@
           <p:cNvPr id="34" name="Freeform: Shape 33">
             <a:extLst>
               <a:ext uri="{FF2B5EF4-FFF2-40B4-BE49-F238E27FC236}">
-                <a16:creationId xmlns:a16="http://schemas.microsoft.com/office/drawing/2014/main" xmlns="" id="{0C3CC1C9-1FA0-4FE4-8984-4A8B3728D674}"/>
+                <a16:creationId xmlns:a16="http://schemas.microsoft.com/office/drawing/2014/main" id="{0C3CC1C9-1FA0-4FE4-8984-4A8B3728D674}"/>
               </a:ext>
             </a:extLst>
           </p:cNvPr>
@@ -17073,7 +17062,7 @@
           <p:cNvPr id="24" name="Freeform: Shape 23">
             <a:extLst>
               <a:ext uri="{FF2B5EF4-FFF2-40B4-BE49-F238E27FC236}">
-                <a16:creationId xmlns:a16="http://schemas.microsoft.com/office/drawing/2014/main" xmlns="" id="{8E049265-431E-48DE-B7F7-4959930171DC}"/>
+                <a16:creationId xmlns:a16="http://schemas.microsoft.com/office/drawing/2014/main" id="{8E049265-431E-48DE-B7F7-4959930171DC}"/>
               </a:ext>
             </a:extLst>
           </p:cNvPr>
@@ -17213,7 +17202,7 @@
           <p:cNvPr id="25" name="Freeform: Shape 24">
             <a:extLst>
               <a:ext uri="{FF2B5EF4-FFF2-40B4-BE49-F238E27FC236}">
-                <a16:creationId xmlns:a16="http://schemas.microsoft.com/office/drawing/2014/main" xmlns="" id="{173E5F2D-1F8E-4DCC-857F-932C6C6539BB}"/>
+                <a16:creationId xmlns:a16="http://schemas.microsoft.com/office/drawing/2014/main" id="{173E5F2D-1F8E-4DCC-857F-932C6C6539BB}"/>
               </a:ext>
             </a:extLst>
           </p:cNvPr>
@@ -17359,7 +17348,7 @@
           <p:cNvPr id="4" name="Oval 3">
             <a:extLst>
               <a:ext uri="{FF2B5EF4-FFF2-40B4-BE49-F238E27FC236}">
-                <a16:creationId xmlns:a16="http://schemas.microsoft.com/office/drawing/2014/main" xmlns="" id="{ECB4C115-EFF9-405C-98BE-F4077B9730D0}"/>
+                <a16:creationId xmlns:a16="http://schemas.microsoft.com/office/drawing/2014/main" id="{ECB4C115-EFF9-405C-98BE-F4077B9730D0}"/>
               </a:ext>
             </a:extLst>
           </p:cNvPr>
@@ -17417,7 +17406,7 @@
           <p:cNvPr id="18" name="Title 1">
             <a:extLst>
               <a:ext uri="{FF2B5EF4-FFF2-40B4-BE49-F238E27FC236}">
-                <a16:creationId xmlns:a16="http://schemas.microsoft.com/office/drawing/2014/main" xmlns="" id="{C9A300DD-BB54-44ED-A7E4-01CD41EC930F}"/>
+                <a16:creationId xmlns:a16="http://schemas.microsoft.com/office/drawing/2014/main" id="{C9A300DD-BB54-44ED-A7E4-01CD41EC930F}"/>
               </a:ext>
             </a:extLst>
           </p:cNvPr>
@@ -17480,7 +17469,7 @@
           <p:cNvPr id="2" name="Title 1">
             <a:extLst>
               <a:ext uri="{FF2B5EF4-FFF2-40B4-BE49-F238E27FC236}">
-                <a16:creationId xmlns:a16="http://schemas.microsoft.com/office/drawing/2014/main" xmlns="" id="{42374B20-3E42-44AF-BEF1-8AB33067395C}"/>
+                <a16:creationId xmlns:a16="http://schemas.microsoft.com/office/drawing/2014/main" id="{42374B20-3E42-44AF-BEF1-8AB33067395C}"/>
               </a:ext>
             </a:extLst>
           </p:cNvPr>
@@ -17528,7 +17517,7 @@
           <p:cNvPr id="19" name="Slide Number Placeholder 4">
             <a:extLst>
               <a:ext uri="{FF2B5EF4-FFF2-40B4-BE49-F238E27FC236}">
-                <a16:creationId xmlns:a16="http://schemas.microsoft.com/office/drawing/2014/main" xmlns="" id="{A4E6C1FF-5925-42B3-B7F9-0A0031BDAD30}"/>
+                <a16:creationId xmlns:a16="http://schemas.microsoft.com/office/drawing/2014/main" id="{A4E6C1FF-5925-42B3-B7F9-0A0031BDAD30}"/>
               </a:ext>
             </a:extLst>
           </p:cNvPr>
@@ -17610,7 +17599,7 @@
           <p:cNvPr id="11" name="Rectangle 10">
             <a:extLst>
               <a:ext uri="{FF2B5EF4-FFF2-40B4-BE49-F238E27FC236}">
-                <a16:creationId xmlns:a16="http://schemas.microsoft.com/office/drawing/2014/main" xmlns="" id="{EB3E033F-4449-40FA-BC85-BD2712D313DD}"/>
+                <a16:creationId xmlns:a16="http://schemas.microsoft.com/office/drawing/2014/main" id="{EB3E033F-4449-40FA-BC85-BD2712D313DD}"/>
               </a:ext>
             </a:extLst>
           </p:cNvPr>
@@ -17664,7 +17653,7 @@
           <p:cNvPr id="10" name="Freeform: Shape 9">
             <a:extLst>
               <a:ext uri="{FF2B5EF4-FFF2-40B4-BE49-F238E27FC236}">
-                <a16:creationId xmlns:a16="http://schemas.microsoft.com/office/drawing/2014/main" xmlns="" id="{63D26743-0505-444C-80B3-E88EE87DF72B}"/>
+                <a16:creationId xmlns:a16="http://schemas.microsoft.com/office/drawing/2014/main" id="{63D26743-0505-444C-80B3-E88EE87DF72B}"/>
               </a:ext>
             </a:extLst>
           </p:cNvPr>
@@ -17787,7 +17776,7 @@
           <p:cNvPr id="8" name="Freeform: Shape 7">
             <a:extLst>
               <a:ext uri="{FF2B5EF4-FFF2-40B4-BE49-F238E27FC236}">
-                <a16:creationId xmlns:a16="http://schemas.microsoft.com/office/drawing/2014/main" xmlns="" id="{1599AF7E-3E34-4597-AA72-9373A7FDB020}"/>
+                <a16:creationId xmlns:a16="http://schemas.microsoft.com/office/drawing/2014/main" id="{1599AF7E-3E34-4597-AA72-9373A7FDB020}"/>
               </a:ext>
             </a:extLst>
           </p:cNvPr>
@@ -17933,7 +17922,7 @@
           <p:cNvPr id="2" name="Title 1">
             <a:extLst>
               <a:ext uri="{FF2B5EF4-FFF2-40B4-BE49-F238E27FC236}">
-                <a16:creationId xmlns:a16="http://schemas.microsoft.com/office/drawing/2014/main" xmlns="" id="{4A2DF563-7FAC-46B3-B24C-7E45CD89DA2B}"/>
+                <a16:creationId xmlns:a16="http://schemas.microsoft.com/office/drawing/2014/main" id="{4A2DF563-7FAC-46B3-B24C-7E45CD89DA2B}"/>
               </a:ext>
             </a:extLst>
           </p:cNvPr>
@@ -17967,10 +17956,9 @@
           <a:p>
             <a:pPr lvl="0"/>
             <a:r>
-              <a:rPr lang="en-US" noProof="0" smtClean="0"/>
+              <a:rPr lang="en-US" noProof="0"/>
               <a:t>Click to edit Master title style</a:t>
             </a:r>
-            <a:endParaRPr lang="en-US" noProof="0"/>
           </a:p>
         </p:txBody>
       </p:sp>
@@ -17979,7 +17967,7 @@
           <p:cNvPr id="5" name="Slide Number Placeholder 4">
             <a:extLst>
               <a:ext uri="{FF2B5EF4-FFF2-40B4-BE49-F238E27FC236}">
-                <a16:creationId xmlns:a16="http://schemas.microsoft.com/office/drawing/2014/main" xmlns="" id="{87B51822-97FF-47A7-8E4E-A0F79B4EB237}"/>
+                <a16:creationId xmlns:a16="http://schemas.microsoft.com/office/drawing/2014/main" id="{87B51822-97FF-47A7-8E4E-A0F79B4EB237}"/>
               </a:ext>
             </a:extLst>
           </p:cNvPr>
@@ -18023,7 +18011,7 @@
           <p:cNvPr id="15" name="Group 14">
             <a:extLst>
               <a:ext uri="{FF2B5EF4-FFF2-40B4-BE49-F238E27FC236}">
-                <a16:creationId xmlns:a16="http://schemas.microsoft.com/office/drawing/2014/main" xmlns="" id="{7732E1E7-45E3-4264-8F26-66758696DD1E}"/>
+                <a16:creationId xmlns:a16="http://schemas.microsoft.com/office/drawing/2014/main" id="{7732E1E7-45E3-4264-8F26-66758696DD1E}"/>
               </a:ext>
             </a:extLst>
           </p:cNvPr>
@@ -18043,7 +18031,7 @@
             <p:cNvPr id="16" name="Freeform: Shape 15">
               <a:extLst>
                 <a:ext uri="{FF2B5EF4-FFF2-40B4-BE49-F238E27FC236}">
-                  <a16:creationId xmlns:a16="http://schemas.microsoft.com/office/drawing/2014/main" xmlns="" id="{2E3DF883-8093-49FA-81E1-E5D77F086A25}"/>
+                  <a16:creationId xmlns:a16="http://schemas.microsoft.com/office/drawing/2014/main" id="{2E3DF883-8093-49FA-81E1-E5D77F086A25}"/>
                 </a:ext>
               </a:extLst>
             </p:cNvPr>
@@ -18133,7 +18121,7 @@
             <p:cNvPr id="17" name="Freeform: Shape 16">
               <a:extLst>
                 <a:ext uri="{FF2B5EF4-FFF2-40B4-BE49-F238E27FC236}">
-                  <a16:creationId xmlns:a16="http://schemas.microsoft.com/office/drawing/2014/main" xmlns="" id="{18944C90-37E5-4BBE-89FF-060627168050}"/>
+                  <a16:creationId xmlns:a16="http://schemas.microsoft.com/office/drawing/2014/main" id="{18944C90-37E5-4BBE-89FF-060627168050}"/>
                 </a:ext>
               </a:extLst>
             </p:cNvPr>
@@ -18232,7 +18220,7 @@
           <p:cNvPr id="23" name="Text Placeholder 22">
             <a:extLst>
               <a:ext uri="{FF2B5EF4-FFF2-40B4-BE49-F238E27FC236}">
-                <a16:creationId xmlns:a16="http://schemas.microsoft.com/office/drawing/2014/main" xmlns="" id="{03618670-D1E4-466C-BDB5-FC890AC31457}"/>
+                <a16:creationId xmlns:a16="http://schemas.microsoft.com/office/drawing/2014/main" id="{03618670-D1E4-466C-BDB5-FC890AC31457}"/>
               </a:ext>
             </a:extLst>
           </p:cNvPr>
@@ -18330,21 +18318,21 @@
           <a:p>
             <a:pPr lvl="0"/>
             <a:r>
-              <a:rPr lang="en-US" noProof="0" smtClean="0"/>
+              <a:rPr lang="en-US" noProof="0"/>
               <a:t>Click to edit Master text styles</a:t>
             </a:r>
           </a:p>
           <a:p>
             <a:pPr lvl="1"/>
             <a:r>
-              <a:rPr lang="en-US" noProof="0" smtClean="0"/>
+              <a:rPr lang="en-US" noProof="0"/>
               <a:t>Second level</a:t>
             </a:r>
           </a:p>
           <a:p>
             <a:pPr lvl="2"/>
             <a:r>
-              <a:rPr lang="en-US" noProof="0" smtClean="0"/>
+              <a:rPr lang="en-US" noProof="0"/>
               <a:t>Third level</a:t>
             </a:r>
           </a:p>
@@ -18393,7 +18381,7 @@
           <p:cNvPr id="11" name="Rectangle 10">
             <a:extLst>
               <a:ext uri="{FF2B5EF4-FFF2-40B4-BE49-F238E27FC236}">
-                <a16:creationId xmlns:a16="http://schemas.microsoft.com/office/drawing/2014/main" xmlns="" id="{EB3E033F-4449-40FA-BC85-BD2712D313DD}"/>
+                <a16:creationId xmlns:a16="http://schemas.microsoft.com/office/drawing/2014/main" id="{EB3E033F-4449-40FA-BC85-BD2712D313DD}"/>
               </a:ext>
             </a:extLst>
           </p:cNvPr>
@@ -18447,7 +18435,7 @@
           <p:cNvPr id="10" name="Freeform: Shape 9">
             <a:extLst>
               <a:ext uri="{FF2B5EF4-FFF2-40B4-BE49-F238E27FC236}">
-                <a16:creationId xmlns:a16="http://schemas.microsoft.com/office/drawing/2014/main" xmlns="" id="{63D26743-0505-444C-80B3-E88EE87DF72B}"/>
+                <a16:creationId xmlns:a16="http://schemas.microsoft.com/office/drawing/2014/main" id="{63D26743-0505-444C-80B3-E88EE87DF72B}"/>
               </a:ext>
             </a:extLst>
           </p:cNvPr>
@@ -18570,7 +18558,7 @@
           <p:cNvPr id="18" name="Freeform: Shape 17">
             <a:extLst>
               <a:ext uri="{FF2B5EF4-FFF2-40B4-BE49-F238E27FC236}">
-                <a16:creationId xmlns:a16="http://schemas.microsoft.com/office/drawing/2014/main" xmlns="" id="{E37145E9-AC61-47D5-9288-8789940F81B6}"/>
+                <a16:creationId xmlns:a16="http://schemas.microsoft.com/office/drawing/2014/main" id="{E37145E9-AC61-47D5-9288-8789940F81B6}"/>
               </a:ext>
             </a:extLst>
           </p:cNvPr>
@@ -18722,7 +18710,7 @@
           <p:cNvPr id="12" name="Freeform: Shape 11">
             <a:extLst>
               <a:ext uri="{FF2B5EF4-FFF2-40B4-BE49-F238E27FC236}">
-                <a16:creationId xmlns:a16="http://schemas.microsoft.com/office/drawing/2014/main" xmlns="" id="{A5E2B3ED-9A49-40A7-B8A3-62595FE513F9}"/>
+                <a16:creationId xmlns:a16="http://schemas.microsoft.com/office/drawing/2014/main" id="{A5E2B3ED-9A49-40A7-B8A3-62595FE513F9}"/>
               </a:ext>
             </a:extLst>
           </p:cNvPr>
@@ -18872,7 +18860,7 @@
           <p:cNvPr id="8" name="Freeform: Shape 7">
             <a:extLst>
               <a:ext uri="{FF2B5EF4-FFF2-40B4-BE49-F238E27FC236}">
-                <a16:creationId xmlns:a16="http://schemas.microsoft.com/office/drawing/2014/main" xmlns="" id="{1599AF7E-3E34-4597-AA72-9373A7FDB020}"/>
+                <a16:creationId xmlns:a16="http://schemas.microsoft.com/office/drawing/2014/main" id="{1599AF7E-3E34-4597-AA72-9373A7FDB020}"/>
               </a:ext>
             </a:extLst>
           </p:cNvPr>
@@ -19018,7 +19006,7 @@
           <p:cNvPr id="2" name="Title 1">
             <a:extLst>
               <a:ext uri="{FF2B5EF4-FFF2-40B4-BE49-F238E27FC236}">
-                <a16:creationId xmlns:a16="http://schemas.microsoft.com/office/drawing/2014/main" xmlns="" id="{4A2DF563-7FAC-46B3-B24C-7E45CD89DA2B}"/>
+                <a16:creationId xmlns:a16="http://schemas.microsoft.com/office/drawing/2014/main" id="{4A2DF563-7FAC-46B3-B24C-7E45CD89DA2B}"/>
               </a:ext>
             </a:extLst>
           </p:cNvPr>
@@ -19052,10 +19040,9 @@
           <a:p>
             <a:pPr lvl="0"/>
             <a:r>
-              <a:rPr lang="en-US" noProof="0" smtClean="0"/>
+              <a:rPr lang="en-US" noProof="0"/>
               <a:t>Click to edit Master title style</a:t>
             </a:r>
-            <a:endParaRPr lang="en-US" noProof="0"/>
           </a:p>
         </p:txBody>
       </p:sp>
@@ -19064,7 +19051,7 @@
           <p:cNvPr id="15" name="Group 14">
             <a:extLst>
               <a:ext uri="{FF2B5EF4-FFF2-40B4-BE49-F238E27FC236}">
-                <a16:creationId xmlns:a16="http://schemas.microsoft.com/office/drawing/2014/main" xmlns="" id="{7732E1E7-45E3-4264-8F26-66758696DD1E}"/>
+                <a16:creationId xmlns:a16="http://schemas.microsoft.com/office/drawing/2014/main" id="{7732E1E7-45E3-4264-8F26-66758696DD1E}"/>
               </a:ext>
             </a:extLst>
           </p:cNvPr>
@@ -19084,7 +19071,7 @@
             <p:cNvPr id="16" name="Freeform: Shape 15">
               <a:extLst>
                 <a:ext uri="{FF2B5EF4-FFF2-40B4-BE49-F238E27FC236}">
-                  <a16:creationId xmlns:a16="http://schemas.microsoft.com/office/drawing/2014/main" xmlns="" id="{2E3DF883-8093-49FA-81E1-E5D77F086A25}"/>
+                  <a16:creationId xmlns:a16="http://schemas.microsoft.com/office/drawing/2014/main" id="{2E3DF883-8093-49FA-81E1-E5D77F086A25}"/>
                 </a:ext>
               </a:extLst>
             </p:cNvPr>
@@ -19174,7 +19161,7 @@
             <p:cNvPr id="17" name="Freeform: Shape 16">
               <a:extLst>
                 <a:ext uri="{FF2B5EF4-FFF2-40B4-BE49-F238E27FC236}">
-                  <a16:creationId xmlns:a16="http://schemas.microsoft.com/office/drawing/2014/main" xmlns="" id="{18944C90-37E5-4BBE-89FF-060627168050}"/>
+                  <a16:creationId xmlns:a16="http://schemas.microsoft.com/office/drawing/2014/main" id="{18944C90-37E5-4BBE-89FF-060627168050}"/>
                 </a:ext>
               </a:extLst>
             </p:cNvPr>
@@ -19273,7 +19260,7 @@
           <p:cNvPr id="6" name="Group 5">
             <a:extLst>
               <a:ext uri="{FF2B5EF4-FFF2-40B4-BE49-F238E27FC236}">
-                <a16:creationId xmlns:a16="http://schemas.microsoft.com/office/drawing/2014/main" xmlns="" id="{D9EBF8BB-A805-4DDB-B459-082F99815B95}"/>
+                <a16:creationId xmlns:a16="http://schemas.microsoft.com/office/drawing/2014/main" id="{D9EBF8BB-A805-4DDB-B459-082F99815B95}"/>
               </a:ext>
             </a:extLst>
           </p:cNvPr>
@@ -19293,7 +19280,7 @@
             <p:cNvPr id="19" name="Rectangle: Single Corner Snipped 18">
               <a:extLst>
                 <a:ext uri="{FF2B5EF4-FFF2-40B4-BE49-F238E27FC236}">
-                  <a16:creationId xmlns:a16="http://schemas.microsoft.com/office/drawing/2014/main" xmlns="" id="{5D638788-DD47-45E7-939A-FA108A818173}"/>
+                  <a16:creationId xmlns:a16="http://schemas.microsoft.com/office/drawing/2014/main" id="{5D638788-DD47-45E7-939A-FA108A818173}"/>
                 </a:ext>
               </a:extLst>
             </p:cNvPr>
@@ -19359,7 +19346,7 @@
             <p:cNvPr id="3" name="Rectangle: Single Corner Snipped 2">
               <a:extLst>
                 <a:ext uri="{FF2B5EF4-FFF2-40B4-BE49-F238E27FC236}">
-                  <a16:creationId xmlns:a16="http://schemas.microsoft.com/office/drawing/2014/main" xmlns="" id="{74BDECEF-EEFE-4332-B3B2-BDE4F82C10FC}"/>
+                  <a16:creationId xmlns:a16="http://schemas.microsoft.com/office/drawing/2014/main" id="{74BDECEF-EEFE-4332-B3B2-BDE4F82C10FC}"/>
                 </a:ext>
               </a:extLst>
             </p:cNvPr>
@@ -19416,7 +19403,7 @@
           <p:cNvPr id="24" name="Freeform: Shape 23">
             <a:extLst>
               <a:ext uri="{FF2B5EF4-FFF2-40B4-BE49-F238E27FC236}">
-                <a16:creationId xmlns:a16="http://schemas.microsoft.com/office/drawing/2014/main" xmlns="" id="{18103E00-7E4A-44CD-81AC-06433CAE1110}"/>
+                <a16:creationId xmlns:a16="http://schemas.microsoft.com/office/drawing/2014/main" id="{18103E00-7E4A-44CD-81AC-06433CAE1110}"/>
               </a:ext>
             </a:extLst>
           </p:cNvPr>
@@ -19511,7 +19498,7 @@
           <p:cNvPr id="5" name="Slide Number Placeholder 4">
             <a:extLst>
               <a:ext uri="{FF2B5EF4-FFF2-40B4-BE49-F238E27FC236}">
-                <a16:creationId xmlns:a16="http://schemas.microsoft.com/office/drawing/2014/main" xmlns="" id="{87B51822-97FF-47A7-8E4E-A0F79B4EB237}"/>
+                <a16:creationId xmlns:a16="http://schemas.microsoft.com/office/drawing/2014/main" id="{87B51822-97FF-47A7-8E4E-A0F79B4EB237}"/>
               </a:ext>
             </a:extLst>
           </p:cNvPr>
@@ -19593,7 +19580,7 @@
           <p:cNvPr id="11" name="Rectangle 10">
             <a:extLst>
               <a:ext uri="{FF2B5EF4-FFF2-40B4-BE49-F238E27FC236}">
-                <a16:creationId xmlns:a16="http://schemas.microsoft.com/office/drawing/2014/main" xmlns="" id="{EB3E033F-4449-40FA-BC85-BD2712D313DD}"/>
+                <a16:creationId xmlns:a16="http://schemas.microsoft.com/office/drawing/2014/main" id="{EB3E033F-4449-40FA-BC85-BD2712D313DD}"/>
               </a:ext>
             </a:extLst>
           </p:cNvPr>
@@ -19647,7 +19634,7 @@
           <p:cNvPr id="10" name="Freeform: Shape 9">
             <a:extLst>
               <a:ext uri="{FF2B5EF4-FFF2-40B4-BE49-F238E27FC236}">
-                <a16:creationId xmlns:a16="http://schemas.microsoft.com/office/drawing/2014/main" xmlns="" id="{63D26743-0505-444C-80B3-E88EE87DF72B}"/>
+                <a16:creationId xmlns:a16="http://schemas.microsoft.com/office/drawing/2014/main" id="{63D26743-0505-444C-80B3-E88EE87DF72B}"/>
               </a:ext>
             </a:extLst>
           </p:cNvPr>
@@ -19770,7 +19757,7 @@
           <p:cNvPr id="18" name="Freeform: Shape 17">
             <a:extLst>
               <a:ext uri="{FF2B5EF4-FFF2-40B4-BE49-F238E27FC236}">
-                <a16:creationId xmlns:a16="http://schemas.microsoft.com/office/drawing/2014/main" xmlns="" id="{E37145E9-AC61-47D5-9288-8789940F81B6}"/>
+                <a16:creationId xmlns:a16="http://schemas.microsoft.com/office/drawing/2014/main" id="{E37145E9-AC61-47D5-9288-8789940F81B6}"/>
               </a:ext>
             </a:extLst>
           </p:cNvPr>
@@ -19922,7 +19909,7 @@
           <p:cNvPr id="12" name="Freeform: Shape 11">
             <a:extLst>
               <a:ext uri="{FF2B5EF4-FFF2-40B4-BE49-F238E27FC236}">
-                <a16:creationId xmlns:a16="http://schemas.microsoft.com/office/drawing/2014/main" xmlns="" id="{A5E2B3ED-9A49-40A7-B8A3-62595FE513F9}"/>
+                <a16:creationId xmlns:a16="http://schemas.microsoft.com/office/drawing/2014/main" id="{A5E2B3ED-9A49-40A7-B8A3-62595FE513F9}"/>
               </a:ext>
             </a:extLst>
           </p:cNvPr>
@@ -20072,7 +20059,7 @@
           <p:cNvPr id="8" name="Freeform: Shape 7">
             <a:extLst>
               <a:ext uri="{FF2B5EF4-FFF2-40B4-BE49-F238E27FC236}">
-                <a16:creationId xmlns:a16="http://schemas.microsoft.com/office/drawing/2014/main" xmlns="" id="{1599AF7E-3E34-4597-AA72-9373A7FDB020}"/>
+                <a16:creationId xmlns:a16="http://schemas.microsoft.com/office/drawing/2014/main" id="{1599AF7E-3E34-4597-AA72-9373A7FDB020}"/>
               </a:ext>
             </a:extLst>
           </p:cNvPr>
@@ -20218,7 +20205,7 @@
           <p:cNvPr id="2" name="Title 1">
             <a:extLst>
               <a:ext uri="{FF2B5EF4-FFF2-40B4-BE49-F238E27FC236}">
-                <a16:creationId xmlns:a16="http://schemas.microsoft.com/office/drawing/2014/main" xmlns="" id="{4A2DF563-7FAC-46B3-B24C-7E45CD89DA2B}"/>
+                <a16:creationId xmlns:a16="http://schemas.microsoft.com/office/drawing/2014/main" id="{4A2DF563-7FAC-46B3-B24C-7E45CD89DA2B}"/>
               </a:ext>
             </a:extLst>
           </p:cNvPr>
@@ -20252,10 +20239,9 @@
           <a:p>
             <a:pPr lvl="0"/>
             <a:r>
-              <a:rPr lang="en-US" noProof="0" smtClean="0"/>
+              <a:rPr lang="en-US" noProof="0"/>
               <a:t>Click to edit Master title style</a:t>
             </a:r>
-            <a:endParaRPr lang="en-US" noProof="0"/>
           </a:p>
         </p:txBody>
       </p:sp>
@@ -20264,7 +20250,7 @@
           <p:cNvPr id="15" name="Group 14">
             <a:extLst>
               <a:ext uri="{FF2B5EF4-FFF2-40B4-BE49-F238E27FC236}">
-                <a16:creationId xmlns:a16="http://schemas.microsoft.com/office/drawing/2014/main" xmlns="" id="{7732E1E7-45E3-4264-8F26-66758696DD1E}"/>
+                <a16:creationId xmlns:a16="http://schemas.microsoft.com/office/drawing/2014/main" id="{7732E1E7-45E3-4264-8F26-66758696DD1E}"/>
               </a:ext>
             </a:extLst>
           </p:cNvPr>
@@ -20284,7 +20270,7 @@
             <p:cNvPr id="16" name="Freeform: Shape 15">
               <a:extLst>
                 <a:ext uri="{FF2B5EF4-FFF2-40B4-BE49-F238E27FC236}">
-                  <a16:creationId xmlns:a16="http://schemas.microsoft.com/office/drawing/2014/main" xmlns="" id="{2E3DF883-8093-49FA-81E1-E5D77F086A25}"/>
+                  <a16:creationId xmlns:a16="http://schemas.microsoft.com/office/drawing/2014/main" id="{2E3DF883-8093-49FA-81E1-E5D77F086A25}"/>
                 </a:ext>
               </a:extLst>
             </p:cNvPr>
@@ -20374,7 +20360,7 @@
             <p:cNvPr id="17" name="Freeform: Shape 16">
               <a:extLst>
                 <a:ext uri="{FF2B5EF4-FFF2-40B4-BE49-F238E27FC236}">
-                  <a16:creationId xmlns:a16="http://schemas.microsoft.com/office/drawing/2014/main" xmlns="" id="{18944C90-37E5-4BBE-89FF-060627168050}"/>
+                  <a16:creationId xmlns:a16="http://schemas.microsoft.com/office/drawing/2014/main" id="{18944C90-37E5-4BBE-89FF-060627168050}"/>
                 </a:ext>
               </a:extLst>
             </p:cNvPr>
@@ -20473,7 +20459,7 @@
           <p:cNvPr id="6" name="Group 5">
             <a:extLst>
               <a:ext uri="{FF2B5EF4-FFF2-40B4-BE49-F238E27FC236}">
-                <a16:creationId xmlns:a16="http://schemas.microsoft.com/office/drawing/2014/main" xmlns="" id="{D9EBF8BB-A805-4DDB-B459-082F99815B95}"/>
+                <a16:creationId xmlns:a16="http://schemas.microsoft.com/office/drawing/2014/main" id="{D9EBF8BB-A805-4DDB-B459-082F99815B95}"/>
               </a:ext>
             </a:extLst>
           </p:cNvPr>
@@ -20493,7 +20479,7 @@
             <p:cNvPr id="19" name="Rectangle: Single Corner Snipped 18">
               <a:extLst>
                 <a:ext uri="{FF2B5EF4-FFF2-40B4-BE49-F238E27FC236}">
-                  <a16:creationId xmlns:a16="http://schemas.microsoft.com/office/drawing/2014/main" xmlns="" id="{5D638788-DD47-45E7-939A-FA108A818173}"/>
+                  <a16:creationId xmlns:a16="http://schemas.microsoft.com/office/drawing/2014/main" id="{5D638788-DD47-45E7-939A-FA108A818173}"/>
                 </a:ext>
               </a:extLst>
             </p:cNvPr>
@@ -20559,7 +20545,7 @@
             <p:cNvPr id="3" name="Rectangle: Single Corner Snipped 2">
               <a:extLst>
                 <a:ext uri="{FF2B5EF4-FFF2-40B4-BE49-F238E27FC236}">
-                  <a16:creationId xmlns:a16="http://schemas.microsoft.com/office/drawing/2014/main" xmlns="" id="{74BDECEF-EEFE-4332-B3B2-BDE4F82C10FC}"/>
+                  <a16:creationId xmlns:a16="http://schemas.microsoft.com/office/drawing/2014/main" id="{74BDECEF-EEFE-4332-B3B2-BDE4F82C10FC}"/>
                 </a:ext>
               </a:extLst>
             </p:cNvPr>
@@ -20616,7 +20602,7 @@
           <p:cNvPr id="24" name="Freeform: Shape 23">
             <a:extLst>
               <a:ext uri="{FF2B5EF4-FFF2-40B4-BE49-F238E27FC236}">
-                <a16:creationId xmlns:a16="http://schemas.microsoft.com/office/drawing/2014/main" xmlns="" id="{18103E00-7E4A-44CD-81AC-06433CAE1110}"/>
+                <a16:creationId xmlns:a16="http://schemas.microsoft.com/office/drawing/2014/main" id="{18103E00-7E4A-44CD-81AC-06433CAE1110}"/>
               </a:ext>
             </a:extLst>
           </p:cNvPr>
@@ -20711,7 +20697,7 @@
           <p:cNvPr id="5" name="Slide Number Placeholder 4">
             <a:extLst>
               <a:ext uri="{FF2B5EF4-FFF2-40B4-BE49-F238E27FC236}">
-                <a16:creationId xmlns:a16="http://schemas.microsoft.com/office/drawing/2014/main" xmlns="" id="{87B51822-97FF-47A7-8E4E-A0F79B4EB237}"/>
+                <a16:creationId xmlns:a16="http://schemas.microsoft.com/office/drawing/2014/main" id="{87B51822-97FF-47A7-8E4E-A0F79B4EB237}"/>
               </a:ext>
             </a:extLst>
           </p:cNvPr>
@@ -20755,7 +20741,7 @@
           <p:cNvPr id="7" name="Text Placeholder 6">
             <a:extLst>
               <a:ext uri="{FF2B5EF4-FFF2-40B4-BE49-F238E27FC236}">
-                <a16:creationId xmlns:a16="http://schemas.microsoft.com/office/drawing/2014/main" xmlns="" id="{7E0C167E-2626-40DB-AACF-D02543E29BB3}"/>
+                <a16:creationId xmlns:a16="http://schemas.microsoft.com/office/drawing/2014/main" id="{7E0C167E-2626-40DB-AACF-D02543E29BB3}"/>
               </a:ext>
             </a:extLst>
           </p:cNvPr>
@@ -20789,7 +20775,7 @@
           <a:p>
             <a:pPr lvl="0"/>
             <a:r>
-              <a:rPr lang="en-US" noProof="0" smtClean="0"/>
+              <a:rPr lang="en-US" noProof="0"/>
               <a:t>Click to edit Master text styles</a:t>
             </a:r>
           </a:p>
@@ -20838,7 +20824,7 @@
           <p:cNvPr id="11" name="Rectangle 10">
             <a:extLst>
               <a:ext uri="{FF2B5EF4-FFF2-40B4-BE49-F238E27FC236}">
-                <a16:creationId xmlns:a16="http://schemas.microsoft.com/office/drawing/2014/main" xmlns="" id="{EB3E033F-4449-40FA-BC85-BD2712D313DD}"/>
+                <a16:creationId xmlns:a16="http://schemas.microsoft.com/office/drawing/2014/main" id="{EB3E033F-4449-40FA-BC85-BD2712D313DD}"/>
               </a:ext>
             </a:extLst>
           </p:cNvPr>
@@ -20892,7 +20878,7 @@
           <p:cNvPr id="10" name="Freeform: Shape 9">
             <a:extLst>
               <a:ext uri="{FF2B5EF4-FFF2-40B4-BE49-F238E27FC236}">
-                <a16:creationId xmlns:a16="http://schemas.microsoft.com/office/drawing/2014/main" xmlns="" id="{63D26743-0505-444C-80B3-E88EE87DF72B}"/>
+                <a16:creationId xmlns:a16="http://schemas.microsoft.com/office/drawing/2014/main" id="{63D26743-0505-444C-80B3-E88EE87DF72B}"/>
               </a:ext>
             </a:extLst>
           </p:cNvPr>
@@ -21015,7 +21001,7 @@
           <p:cNvPr id="18" name="Freeform: Shape 17">
             <a:extLst>
               <a:ext uri="{FF2B5EF4-FFF2-40B4-BE49-F238E27FC236}">
-                <a16:creationId xmlns:a16="http://schemas.microsoft.com/office/drawing/2014/main" xmlns="" id="{E37145E9-AC61-47D5-9288-8789940F81B6}"/>
+                <a16:creationId xmlns:a16="http://schemas.microsoft.com/office/drawing/2014/main" id="{E37145E9-AC61-47D5-9288-8789940F81B6}"/>
               </a:ext>
             </a:extLst>
           </p:cNvPr>
@@ -21167,7 +21153,7 @@
           <p:cNvPr id="12" name="Freeform: Shape 11">
             <a:extLst>
               <a:ext uri="{FF2B5EF4-FFF2-40B4-BE49-F238E27FC236}">
-                <a16:creationId xmlns:a16="http://schemas.microsoft.com/office/drawing/2014/main" xmlns="" id="{A5E2B3ED-9A49-40A7-B8A3-62595FE513F9}"/>
+                <a16:creationId xmlns:a16="http://schemas.microsoft.com/office/drawing/2014/main" id="{A5E2B3ED-9A49-40A7-B8A3-62595FE513F9}"/>
               </a:ext>
             </a:extLst>
           </p:cNvPr>
@@ -21317,7 +21303,7 @@
           <p:cNvPr id="8" name="Freeform: Shape 7">
             <a:extLst>
               <a:ext uri="{FF2B5EF4-FFF2-40B4-BE49-F238E27FC236}">
-                <a16:creationId xmlns:a16="http://schemas.microsoft.com/office/drawing/2014/main" xmlns="" id="{1599AF7E-3E34-4597-AA72-9373A7FDB020}"/>
+                <a16:creationId xmlns:a16="http://schemas.microsoft.com/office/drawing/2014/main" id="{1599AF7E-3E34-4597-AA72-9373A7FDB020}"/>
               </a:ext>
             </a:extLst>
           </p:cNvPr>
@@ -21463,7 +21449,7 @@
           <p:cNvPr id="2" name="Title 1">
             <a:extLst>
               <a:ext uri="{FF2B5EF4-FFF2-40B4-BE49-F238E27FC236}">
-                <a16:creationId xmlns:a16="http://schemas.microsoft.com/office/drawing/2014/main" xmlns="" id="{4A2DF563-7FAC-46B3-B24C-7E45CD89DA2B}"/>
+                <a16:creationId xmlns:a16="http://schemas.microsoft.com/office/drawing/2014/main" id="{4A2DF563-7FAC-46B3-B24C-7E45CD89DA2B}"/>
               </a:ext>
             </a:extLst>
           </p:cNvPr>
@@ -21497,10 +21483,9 @@
           <a:p>
             <a:pPr lvl="0"/>
             <a:r>
-              <a:rPr lang="en-US" noProof="0" smtClean="0"/>
+              <a:rPr lang="en-US" noProof="0"/>
               <a:t>Click to edit Master title style</a:t>
             </a:r>
-            <a:endParaRPr lang="en-US" noProof="0"/>
           </a:p>
         </p:txBody>
       </p:sp>
@@ -21509,7 +21494,7 @@
           <p:cNvPr id="15" name="Group 14">
             <a:extLst>
               <a:ext uri="{FF2B5EF4-FFF2-40B4-BE49-F238E27FC236}">
-                <a16:creationId xmlns:a16="http://schemas.microsoft.com/office/drawing/2014/main" xmlns="" id="{7732E1E7-45E3-4264-8F26-66758696DD1E}"/>
+                <a16:creationId xmlns:a16="http://schemas.microsoft.com/office/drawing/2014/main" id="{7732E1E7-45E3-4264-8F26-66758696DD1E}"/>
               </a:ext>
             </a:extLst>
           </p:cNvPr>
@@ -21529,7 +21514,7 @@
             <p:cNvPr id="16" name="Freeform: Shape 15">
               <a:extLst>
                 <a:ext uri="{FF2B5EF4-FFF2-40B4-BE49-F238E27FC236}">
-                  <a16:creationId xmlns:a16="http://schemas.microsoft.com/office/drawing/2014/main" xmlns="" id="{2E3DF883-8093-49FA-81E1-E5D77F086A25}"/>
+                  <a16:creationId xmlns:a16="http://schemas.microsoft.com/office/drawing/2014/main" id="{2E3DF883-8093-49FA-81E1-E5D77F086A25}"/>
                 </a:ext>
               </a:extLst>
             </p:cNvPr>
@@ -21619,7 +21604,7 @@
             <p:cNvPr id="17" name="Freeform: Shape 16">
               <a:extLst>
                 <a:ext uri="{FF2B5EF4-FFF2-40B4-BE49-F238E27FC236}">
-                  <a16:creationId xmlns:a16="http://schemas.microsoft.com/office/drawing/2014/main" xmlns="" id="{18944C90-37E5-4BBE-89FF-060627168050}"/>
+                  <a16:creationId xmlns:a16="http://schemas.microsoft.com/office/drawing/2014/main" id="{18944C90-37E5-4BBE-89FF-060627168050}"/>
                 </a:ext>
               </a:extLst>
             </p:cNvPr>
@@ -21718,7 +21703,7 @@
           <p:cNvPr id="6" name="Group 5">
             <a:extLst>
               <a:ext uri="{FF2B5EF4-FFF2-40B4-BE49-F238E27FC236}">
-                <a16:creationId xmlns:a16="http://schemas.microsoft.com/office/drawing/2014/main" xmlns="" id="{D9EBF8BB-A805-4DDB-B459-082F99815B95}"/>
+                <a16:creationId xmlns:a16="http://schemas.microsoft.com/office/drawing/2014/main" id="{D9EBF8BB-A805-4DDB-B459-082F99815B95}"/>
               </a:ext>
             </a:extLst>
           </p:cNvPr>
@@ -21738,7 +21723,7 @@
             <p:cNvPr id="19" name="Rectangle: Single Corner Snipped 18">
               <a:extLst>
                 <a:ext uri="{FF2B5EF4-FFF2-40B4-BE49-F238E27FC236}">
-                  <a16:creationId xmlns:a16="http://schemas.microsoft.com/office/drawing/2014/main" xmlns="" id="{5D638788-DD47-45E7-939A-FA108A818173}"/>
+                  <a16:creationId xmlns:a16="http://schemas.microsoft.com/office/drawing/2014/main" id="{5D638788-DD47-45E7-939A-FA108A818173}"/>
                 </a:ext>
               </a:extLst>
             </p:cNvPr>
@@ -21804,7 +21789,7 @@
             <p:cNvPr id="3" name="Rectangle: Single Corner Snipped 2">
               <a:extLst>
                 <a:ext uri="{FF2B5EF4-FFF2-40B4-BE49-F238E27FC236}">
-                  <a16:creationId xmlns:a16="http://schemas.microsoft.com/office/drawing/2014/main" xmlns="" id="{74BDECEF-EEFE-4332-B3B2-BDE4F82C10FC}"/>
+                  <a16:creationId xmlns:a16="http://schemas.microsoft.com/office/drawing/2014/main" id="{74BDECEF-EEFE-4332-B3B2-BDE4F82C10FC}"/>
                 </a:ext>
               </a:extLst>
             </p:cNvPr>
@@ -21861,7 +21846,7 @@
           <p:cNvPr id="24" name="Freeform: Shape 23">
             <a:extLst>
               <a:ext uri="{FF2B5EF4-FFF2-40B4-BE49-F238E27FC236}">
-                <a16:creationId xmlns:a16="http://schemas.microsoft.com/office/drawing/2014/main" xmlns="" id="{18103E00-7E4A-44CD-81AC-06433CAE1110}"/>
+                <a16:creationId xmlns:a16="http://schemas.microsoft.com/office/drawing/2014/main" id="{18103E00-7E4A-44CD-81AC-06433CAE1110}"/>
               </a:ext>
             </a:extLst>
           </p:cNvPr>
@@ -21956,7 +21941,7 @@
           <p:cNvPr id="5" name="Slide Number Placeholder 4">
             <a:extLst>
               <a:ext uri="{FF2B5EF4-FFF2-40B4-BE49-F238E27FC236}">
-                <a16:creationId xmlns:a16="http://schemas.microsoft.com/office/drawing/2014/main" xmlns="" id="{87B51822-97FF-47A7-8E4E-A0F79B4EB237}"/>
+                <a16:creationId xmlns:a16="http://schemas.microsoft.com/office/drawing/2014/main" id="{87B51822-97FF-47A7-8E4E-A0F79B4EB237}"/>
               </a:ext>
             </a:extLst>
           </p:cNvPr>
@@ -22000,7 +21985,7 @@
           <p:cNvPr id="20" name="Content Placeholder 2">
             <a:extLst>
               <a:ext uri="{FF2B5EF4-FFF2-40B4-BE49-F238E27FC236}">
-                <a16:creationId xmlns:a16="http://schemas.microsoft.com/office/drawing/2014/main" xmlns="" id="{0103A49C-32FF-49E6-86F3-FC2E19517BD5}"/>
+                <a16:creationId xmlns:a16="http://schemas.microsoft.com/office/drawing/2014/main" id="{0103A49C-32FF-49E6-86F3-FC2E19517BD5}"/>
               </a:ext>
             </a:extLst>
           </p:cNvPr>
@@ -22059,38 +22044,37 @@
           <a:p>
             <a:pPr lvl="0"/>
             <a:r>
-              <a:rPr lang="en-US" noProof="0" smtClean="0"/>
+              <a:rPr lang="en-US" noProof="0"/>
               <a:t>Click to edit Master text styles</a:t>
             </a:r>
           </a:p>
           <a:p>
             <a:pPr lvl="1"/>
             <a:r>
-              <a:rPr lang="en-US" noProof="0" smtClean="0"/>
+              <a:rPr lang="en-US" noProof="0"/>
               <a:t>Second level</a:t>
             </a:r>
           </a:p>
           <a:p>
             <a:pPr lvl="2"/>
             <a:r>
-              <a:rPr lang="en-US" noProof="0" smtClean="0"/>
+              <a:rPr lang="en-US" noProof="0"/>
               <a:t>Third level</a:t>
             </a:r>
           </a:p>
           <a:p>
             <a:pPr lvl="3"/>
             <a:r>
-              <a:rPr lang="en-US" noProof="0" smtClean="0"/>
+              <a:rPr lang="en-US" noProof="0"/>
               <a:t>Fourth level</a:t>
             </a:r>
           </a:p>
           <a:p>
             <a:pPr lvl="4"/>
             <a:r>
-              <a:rPr lang="en-US" noProof="0" smtClean="0"/>
+              <a:rPr lang="en-US" noProof="0"/>
               <a:t>Fifth level</a:t>
             </a:r>
-            <a:endParaRPr lang="en-US" noProof="0"/>
           </a:p>
         </p:txBody>
       </p:sp>
@@ -22137,7 +22121,7 @@
           <p:cNvPr id="11" name="Rectangle 10">
             <a:extLst>
               <a:ext uri="{FF2B5EF4-FFF2-40B4-BE49-F238E27FC236}">
-                <a16:creationId xmlns:a16="http://schemas.microsoft.com/office/drawing/2014/main" xmlns="" id="{EB3E033F-4449-40FA-BC85-BD2712D313DD}"/>
+                <a16:creationId xmlns:a16="http://schemas.microsoft.com/office/drawing/2014/main" id="{EB3E033F-4449-40FA-BC85-BD2712D313DD}"/>
               </a:ext>
             </a:extLst>
           </p:cNvPr>
@@ -22191,7 +22175,7 @@
           <p:cNvPr id="10" name="Freeform: Shape 9">
             <a:extLst>
               <a:ext uri="{FF2B5EF4-FFF2-40B4-BE49-F238E27FC236}">
-                <a16:creationId xmlns:a16="http://schemas.microsoft.com/office/drawing/2014/main" xmlns="" id="{63D26743-0505-444C-80B3-E88EE87DF72B}"/>
+                <a16:creationId xmlns:a16="http://schemas.microsoft.com/office/drawing/2014/main" id="{63D26743-0505-444C-80B3-E88EE87DF72B}"/>
               </a:ext>
             </a:extLst>
           </p:cNvPr>
@@ -22314,7 +22298,7 @@
           <p:cNvPr id="18" name="Freeform: Shape 17">
             <a:extLst>
               <a:ext uri="{FF2B5EF4-FFF2-40B4-BE49-F238E27FC236}">
-                <a16:creationId xmlns:a16="http://schemas.microsoft.com/office/drawing/2014/main" xmlns="" id="{E37145E9-AC61-47D5-9288-8789940F81B6}"/>
+                <a16:creationId xmlns:a16="http://schemas.microsoft.com/office/drawing/2014/main" id="{E37145E9-AC61-47D5-9288-8789940F81B6}"/>
               </a:ext>
             </a:extLst>
           </p:cNvPr>
@@ -22466,7 +22450,7 @@
           <p:cNvPr id="12" name="Freeform: Shape 11">
             <a:extLst>
               <a:ext uri="{FF2B5EF4-FFF2-40B4-BE49-F238E27FC236}">
-                <a16:creationId xmlns:a16="http://schemas.microsoft.com/office/drawing/2014/main" xmlns="" id="{A5E2B3ED-9A49-40A7-B8A3-62595FE513F9}"/>
+                <a16:creationId xmlns:a16="http://schemas.microsoft.com/office/drawing/2014/main" id="{A5E2B3ED-9A49-40A7-B8A3-62595FE513F9}"/>
               </a:ext>
             </a:extLst>
           </p:cNvPr>
@@ -22616,7 +22600,7 @@
           <p:cNvPr id="8" name="Freeform: Shape 7">
             <a:extLst>
               <a:ext uri="{FF2B5EF4-FFF2-40B4-BE49-F238E27FC236}">
-                <a16:creationId xmlns:a16="http://schemas.microsoft.com/office/drawing/2014/main" xmlns="" id="{1599AF7E-3E34-4597-AA72-9373A7FDB020}"/>
+                <a16:creationId xmlns:a16="http://schemas.microsoft.com/office/drawing/2014/main" id="{1599AF7E-3E34-4597-AA72-9373A7FDB020}"/>
               </a:ext>
             </a:extLst>
           </p:cNvPr>
@@ -22762,7 +22746,7 @@
           <p:cNvPr id="2" name="Title 1">
             <a:extLst>
               <a:ext uri="{FF2B5EF4-FFF2-40B4-BE49-F238E27FC236}">
-                <a16:creationId xmlns:a16="http://schemas.microsoft.com/office/drawing/2014/main" xmlns="" id="{4A2DF563-7FAC-46B3-B24C-7E45CD89DA2B}"/>
+                <a16:creationId xmlns:a16="http://schemas.microsoft.com/office/drawing/2014/main" id="{4A2DF563-7FAC-46B3-B24C-7E45CD89DA2B}"/>
               </a:ext>
             </a:extLst>
           </p:cNvPr>
@@ -22796,10 +22780,9 @@
           <a:p>
             <a:pPr lvl="0"/>
             <a:r>
-              <a:rPr lang="en-US" noProof="0" smtClean="0"/>
+              <a:rPr lang="en-US" noProof="0"/>
               <a:t>Click to edit Master title style</a:t>
             </a:r>
-            <a:endParaRPr lang="en-US" noProof="0"/>
           </a:p>
         </p:txBody>
       </p:sp>
@@ -22808,7 +22791,7 @@
           <p:cNvPr id="15" name="Group 14">
             <a:extLst>
               <a:ext uri="{FF2B5EF4-FFF2-40B4-BE49-F238E27FC236}">
-                <a16:creationId xmlns:a16="http://schemas.microsoft.com/office/drawing/2014/main" xmlns="" id="{7732E1E7-45E3-4264-8F26-66758696DD1E}"/>
+                <a16:creationId xmlns:a16="http://schemas.microsoft.com/office/drawing/2014/main" id="{7732E1E7-45E3-4264-8F26-66758696DD1E}"/>
               </a:ext>
             </a:extLst>
           </p:cNvPr>
@@ -22828,7 +22811,7 @@
             <p:cNvPr id="16" name="Freeform: Shape 15">
               <a:extLst>
                 <a:ext uri="{FF2B5EF4-FFF2-40B4-BE49-F238E27FC236}">
-                  <a16:creationId xmlns:a16="http://schemas.microsoft.com/office/drawing/2014/main" xmlns="" id="{2E3DF883-8093-49FA-81E1-E5D77F086A25}"/>
+                  <a16:creationId xmlns:a16="http://schemas.microsoft.com/office/drawing/2014/main" id="{2E3DF883-8093-49FA-81E1-E5D77F086A25}"/>
                 </a:ext>
               </a:extLst>
             </p:cNvPr>
@@ -22918,7 +22901,7 @@
             <p:cNvPr id="17" name="Freeform: Shape 16">
               <a:extLst>
                 <a:ext uri="{FF2B5EF4-FFF2-40B4-BE49-F238E27FC236}">
-                  <a16:creationId xmlns:a16="http://schemas.microsoft.com/office/drawing/2014/main" xmlns="" id="{18944C90-37E5-4BBE-89FF-060627168050}"/>
+                  <a16:creationId xmlns:a16="http://schemas.microsoft.com/office/drawing/2014/main" id="{18944C90-37E5-4BBE-89FF-060627168050}"/>
                 </a:ext>
               </a:extLst>
             </p:cNvPr>
@@ -23017,7 +23000,7 @@
           <p:cNvPr id="6" name="Group 5">
             <a:extLst>
               <a:ext uri="{FF2B5EF4-FFF2-40B4-BE49-F238E27FC236}">
-                <a16:creationId xmlns:a16="http://schemas.microsoft.com/office/drawing/2014/main" xmlns="" id="{D9EBF8BB-A805-4DDB-B459-082F99815B95}"/>
+                <a16:creationId xmlns:a16="http://schemas.microsoft.com/office/drawing/2014/main" id="{D9EBF8BB-A805-4DDB-B459-082F99815B95}"/>
               </a:ext>
             </a:extLst>
           </p:cNvPr>
@@ -23037,7 +23020,7 @@
             <p:cNvPr id="19" name="Rectangle: Single Corner Snipped 18">
               <a:extLst>
                 <a:ext uri="{FF2B5EF4-FFF2-40B4-BE49-F238E27FC236}">
-                  <a16:creationId xmlns:a16="http://schemas.microsoft.com/office/drawing/2014/main" xmlns="" id="{5D638788-DD47-45E7-939A-FA108A818173}"/>
+                  <a16:creationId xmlns:a16="http://schemas.microsoft.com/office/drawing/2014/main" id="{5D638788-DD47-45E7-939A-FA108A818173}"/>
                 </a:ext>
               </a:extLst>
             </p:cNvPr>
@@ -23103,7 +23086,7 @@
             <p:cNvPr id="3" name="Rectangle: Single Corner Snipped 2">
               <a:extLst>
                 <a:ext uri="{FF2B5EF4-FFF2-40B4-BE49-F238E27FC236}">
-                  <a16:creationId xmlns:a16="http://schemas.microsoft.com/office/drawing/2014/main" xmlns="" id="{74BDECEF-EEFE-4332-B3B2-BDE4F82C10FC}"/>
+                  <a16:creationId xmlns:a16="http://schemas.microsoft.com/office/drawing/2014/main" id="{74BDECEF-EEFE-4332-B3B2-BDE4F82C10FC}"/>
                 </a:ext>
               </a:extLst>
             </p:cNvPr>
@@ -23160,7 +23143,7 @@
           <p:cNvPr id="24" name="Freeform: Shape 23">
             <a:extLst>
               <a:ext uri="{FF2B5EF4-FFF2-40B4-BE49-F238E27FC236}">
-                <a16:creationId xmlns:a16="http://schemas.microsoft.com/office/drawing/2014/main" xmlns="" id="{18103E00-7E4A-44CD-81AC-06433CAE1110}"/>
+                <a16:creationId xmlns:a16="http://schemas.microsoft.com/office/drawing/2014/main" id="{18103E00-7E4A-44CD-81AC-06433CAE1110}"/>
               </a:ext>
             </a:extLst>
           </p:cNvPr>
@@ -23255,7 +23238,7 @@
           <p:cNvPr id="5" name="Slide Number Placeholder 4">
             <a:extLst>
               <a:ext uri="{FF2B5EF4-FFF2-40B4-BE49-F238E27FC236}">
-                <a16:creationId xmlns:a16="http://schemas.microsoft.com/office/drawing/2014/main" xmlns="" id="{87B51822-97FF-47A7-8E4E-A0F79B4EB237}"/>
+                <a16:creationId xmlns:a16="http://schemas.microsoft.com/office/drawing/2014/main" id="{87B51822-97FF-47A7-8E4E-A0F79B4EB237}"/>
               </a:ext>
             </a:extLst>
           </p:cNvPr>
@@ -23299,7 +23282,7 @@
           <p:cNvPr id="25" name="Text Placeholder 2">
             <a:extLst>
               <a:ext uri="{FF2B5EF4-FFF2-40B4-BE49-F238E27FC236}">
-                <a16:creationId xmlns:a16="http://schemas.microsoft.com/office/drawing/2014/main" xmlns="" id="{7FA80A70-18DE-4DB9-9982-BA75BE54CF93}"/>
+                <a16:creationId xmlns:a16="http://schemas.microsoft.com/office/drawing/2014/main" id="{7FA80A70-18DE-4DB9-9982-BA75BE54CF93}"/>
               </a:ext>
             </a:extLst>
           </p:cNvPr>
@@ -23366,7 +23349,7 @@
           <a:p>
             <a:pPr lvl="0"/>
             <a:r>
-              <a:rPr lang="en-US" noProof="0" smtClean="0"/>
+              <a:rPr lang="en-US" noProof="0"/>
               <a:t>Click to edit Master text styles</a:t>
             </a:r>
           </a:p>
@@ -23377,7 +23360,7 @@
           <p:cNvPr id="26" name="Text Placeholder 4">
             <a:extLst>
               <a:ext uri="{FF2B5EF4-FFF2-40B4-BE49-F238E27FC236}">
-                <a16:creationId xmlns:a16="http://schemas.microsoft.com/office/drawing/2014/main" xmlns="" id="{2801C0EF-C078-44B0-AD01-4850E9A65EE0}"/>
+                <a16:creationId xmlns:a16="http://schemas.microsoft.com/office/drawing/2014/main" id="{2801C0EF-C078-44B0-AD01-4850E9A65EE0}"/>
               </a:ext>
             </a:extLst>
           </p:cNvPr>
@@ -23444,7 +23427,7 @@
           <a:p>
             <a:pPr lvl="0"/>
             <a:r>
-              <a:rPr lang="en-US" noProof="0" smtClean="0"/>
+              <a:rPr lang="en-US" noProof="0"/>
               <a:t>Click to edit Master text styles</a:t>
             </a:r>
           </a:p>
@@ -23455,7 +23438,7 @@
           <p:cNvPr id="27" name="Content Placeholder 3">
             <a:extLst>
               <a:ext uri="{FF2B5EF4-FFF2-40B4-BE49-F238E27FC236}">
-                <a16:creationId xmlns:a16="http://schemas.microsoft.com/office/drawing/2014/main" xmlns="" id="{7C9DED91-45F6-4308-A085-1EFACA6468CF}"/>
+                <a16:creationId xmlns:a16="http://schemas.microsoft.com/office/drawing/2014/main" id="{7C9DED91-45F6-4308-A085-1EFACA6468CF}"/>
               </a:ext>
             </a:extLst>
           </p:cNvPr>
@@ -23516,38 +23499,37 @@
           <a:p>
             <a:pPr lvl="0"/>
             <a:r>
-              <a:rPr lang="en-US" noProof="0" smtClean="0"/>
+              <a:rPr lang="en-US" noProof="0"/>
               <a:t>Click to edit Master text styles</a:t>
             </a:r>
           </a:p>
           <a:p>
             <a:pPr lvl="1"/>
             <a:r>
-              <a:rPr lang="en-US" noProof="0" smtClean="0"/>
+              <a:rPr lang="en-US" noProof="0"/>
               <a:t>Second level</a:t>
             </a:r>
           </a:p>
           <a:p>
             <a:pPr lvl="2"/>
             <a:r>
-              <a:rPr lang="en-US" noProof="0" smtClean="0"/>
+              <a:rPr lang="en-US" noProof="0"/>
               <a:t>Third level</a:t>
             </a:r>
           </a:p>
           <a:p>
             <a:pPr lvl="3"/>
             <a:r>
-              <a:rPr lang="en-US" noProof="0" smtClean="0"/>
+              <a:rPr lang="en-US" noProof="0"/>
               <a:t>Fourth level</a:t>
             </a:r>
           </a:p>
           <a:p>
             <a:pPr lvl="4"/>
             <a:r>
-              <a:rPr lang="en-US" noProof="0" smtClean="0"/>
+              <a:rPr lang="en-US" noProof="0"/>
               <a:t>Fifth level</a:t>
             </a:r>
-            <a:endParaRPr lang="en-US" noProof="0"/>
           </a:p>
         </p:txBody>
       </p:sp>
@@ -23556,7 +23538,7 @@
           <p:cNvPr id="28" name="Content Placeholder 5">
             <a:extLst>
               <a:ext uri="{FF2B5EF4-FFF2-40B4-BE49-F238E27FC236}">
-                <a16:creationId xmlns:a16="http://schemas.microsoft.com/office/drawing/2014/main" xmlns="" id="{0574B5E7-B666-439B-9278-67BE1EA6EBC5}"/>
+                <a16:creationId xmlns:a16="http://schemas.microsoft.com/office/drawing/2014/main" id="{0574B5E7-B666-439B-9278-67BE1EA6EBC5}"/>
               </a:ext>
             </a:extLst>
           </p:cNvPr>
@@ -23617,38 +23599,37 @@
           <a:p>
             <a:pPr lvl="0"/>
             <a:r>
-              <a:rPr lang="en-US" noProof="0" smtClean="0"/>
+              <a:rPr lang="en-US" noProof="0"/>
               <a:t>Click to edit Master text styles</a:t>
             </a:r>
           </a:p>
           <a:p>
             <a:pPr lvl="1"/>
             <a:r>
-              <a:rPr lang="en-US" noProof="0" smtClean="0"/>
+              <a:rPr lang="en-US" noProof="0"/>
               <a:t>Second level</a:t>
             </a:r>
           </a:p>
           <a:p>
             <a:pPr lvl="2"/>
             <a:r>
-              <a:rPr lang="en-US" noProof="0" smtClean="0"/>
+              <a:rPr lang="en-US" noProof="0"/>
               <a:t>Third level</a:t>
             </a:r>
           </a:p>
           <a:p>
             <a:pPr lvl="3"/>
             <a:r>
-              <a:rPr lang="en-US" noProof="0" smtClean="0"/>
+              <a:rPr lang="en-US" noProof="0"/>
               <a:t>Fourth level</a:t>
             </a:r>
           </a:p>
           <a:p>
             <a:pPr lvl="4"/>
             <a:r>
-              <a:rPr lang="en-US" noProof="0" smtClean="0"/>
+              <a:rPr lang="en-US" noProof="0"/>
               <a:t>Fifth level</a:t>
             </a:r>
-            <a:endParaRPr lang="en-US" noProof="0"/>
           </a:p>
         </p:txBody>
       </p:sp>
@@ -23692,7 +23673,7 @@
           <p:cNvPr id="2" name="Title Placeholder 1">
             <a:extLst>
               <a:ext uri="{FF2B5EF4-FFF2-40B4-BE49-F238E27FC236}">
-                <a16:creationId xmlns:a16="http://schemas.microsoft.com/office/drawing/2014/main" xmlns="" id="{761B0E15-6FC5-434E-8780-B186D9DB0CD0}"/>
+                <a16:creationId xmlns:a16="http://schemas.microsoft.com/office/drawing/2014/main" id="{761B0E15-6FC5-434E-8780-B186D9DB0CD0}"/>
               </a:ext>
             </a:extLst>
           </p:cNvPr>
@@ -23719,10 +23700,9 @@
           <a:lstStyle/>
           <a:p>
             <a:r>
-              <a:rPr lang="en-US" noProof="0" smtClean="0"/>
+              <a:rPr lang="en-US" noProof="0"/>
               <a:t>Click to edit Master title style</a:t>
             </a:r>
-            <a:endParaRPr lang="en-US" noProof="0"/>
           </a:p>
         </p:txBody>
       </p:sp>
@@ -23731,7 +23711,7 @@
           <p:cNvPr id="3" name="Text Placeholder 2">
             <a:extLst>
               <a:ext uri="{FF2B5EF4-FFF2-40B4-BE49-F238E27FC236}">
-                <a16:creationId xmlns:a16="http://schemas.microsoft.com/office/drawing/2014/main" xmlns="" id="{A9C7B128-34F3-405C-B601-8BAFDB43499C}"/>
+                <a16:creationId xmlns:a16="http://schemas.microsoft.com/office/drawing/2014/main" id="{A9C7B128-34F3-405C-B601-8BAFDB43499C}"/>
               </a:ext>
             </a:extLst>
           </p:cNvPr>
@@ -23759,38 +23739,37 @@
           <a:p>
             <a:pPr lvl="0"/>
             <a:r>
-              <a:rPr lang="en-US" noProof="0" smtClean="0"/>
+              <a:rPr lang="en-US" noProof="0"/>
               <a:t>Click to edit Master text styles</a:t>
             </a:r>
           </a:p>
           <a:p>
             <a:pPr lvl="1"/>
             <a:r>
-              <a:rPr lang="en-US" noProof="0" smtClean="0"/>
+              <a:rPr lang="en-US" noProof="0"/>
               <a:t>Second level</a:t>
             </a:r>
           </a:p>
           <a:p>
             <a:pPr lvl="2"/>
             <a:r>
-              <a:rPr lang="en-US" noProof="0" smtClean="0"/>
+              <a:rPr lang="en-US" noProof="0"/>
               <a:t>Third level</a:t>
             </a:r>
           </a:p>
           <a:p>
             <a:pPr lvl="3"/>
             <a:r>
-              <a:rPr lang="en-US" noProof="0" smtClean="0"/>
+              <a:rPr lang="en-US" noProof="0"/>
               <a:t>Fourth level</a:t>
             </a:r>
           </a:p>
           <a:p>
             <a:pPr lvl="4"/>
             <a:r>
-              <a:rPr lang="en-US" noProof="0" smtClean="0"/>
+              <a:rPr lang="en-US" noProof="0"/>
               <a:t>Fifth level</a:t>
             </a:r>
-            <a:endParaRPr lang="en-US" noProof="0"/>
           </a:p>
         </p:txBody>
       </p:sp>
@@ -23799,7 +23778,7 @@
           <p:cNvPr id="6" name="Slide Number Placeholder 5">
             <a:extLst>
               <a:ext uri="{FF2B5EF4-FFF2-40B4-BE49-F238E27FC236}">
-                <a16:creationId xmlns:a16="http://schemas.microsoft.com/office/drawing/2014/main" xmlns="" id="{9F5A7754-E8C7-438B-922D-9027C6CF58E2}"/>
+                <a16:creationId xmlns:a16="http://schemas.microsoft.com/office/drawing/2014/main" id="{9F5A7754-E8C7-438B-922D-9027C6CF58E2}"/>
               </a:ext>
             </a:extLst>
           </p:cNvPr>
@@ -23846,7 +23825,7 @@
           <p:cNvPr id="5" name="Rectangle 4">
             <a:extLst>
               <a:ext uri="{FF2B5EF4-FFF2-40B4-BE49-F238E27FC236}">
-                <a16:creationId xmlns:a16="http://schemas.microsoft.com/office/drawing/2014/main" xmlns="" id="{7CDDDB7D-9189-9548-A2B9-81DC62C3C1A3}"/>
+                <a16:creationId xmlns:a16="http://schemas.microsoft.com/office/drawing/2014/main" id="{7CDDDB7D-9189-9548-A2B9-81DC62C3C1A3}"/>
               </a:ext>
             </a:extLst>
           </p:cNvPr>
@@ -23900,7 +23879,7 @@
           <p:cNvPr id="7" name="Freeform: Shape 9">
             <a:extLst>
               <a:ext uri="{FF2B5EF4-FFF2-40B4-BE49-F238E27FC236}">
-                <a16:creationId xmlns:a16="http://schemas.microsoft.com/office/drawing/2014/main" xmlns="" id="{096D8877-6B4A-4540-8927-767DD7401718}"/>
+                <a16:creationId xmlns:a16="http://schemas.microsoft.com/office/drawing/2014/main" id="{096D8877-6B4A-4540-8927-767DD7401718}"/>
               </a:ext>
             </a:extLst>
           </p:cNvPr>
@@ -24023,7 +24002,7 @@
           <p:cNvPr id="8" name="Freeform: Shape 17">
             <a:extLst>
               <a:ext uri="{FF2B5EF4-FFF2-40B4-BE49-F238E27FC236}">
-                <a16:creationId xmlns:a16="http://schemas.microsoft.com/office/drawing/2014/main" xmlns="" id="{5AF2E123-FE0F-8541-8E36-5030C450AA7E}"/>
+                <a16:creationId xmlns:a16="http://schemas.microsoft.com/office/drawing/2014/main" id="{5AF2E123-FE0F-8541-8E36-5030C450AA7E}"/>
               </a:ext>
             </a:extLst>
           </p:cNvPr>
@@ -24175,7 +24154,7 @@
           <p:cNvPr id="9" name="Freeform: Shape 11">
             <a:extLst>
               <a:ext uri="{FF2B5EF4-FFF2-40B4-BE49-F238E27FC236}">
-                <a16:creationId xmlns:a16="http://schemas.microsoft.com/office/drawing/2014/main" xmlns="" id="{E5519D99-3B68-924A-9CD0-14B911711CA8}"/>
+                <a16:creationId xmlns:a16="http://schemas.microsoft.com/office/drawing/2014/main" id="{E5519D99-3B68-924A-9CD0-14B911711CA8}"/>
               </a:ext>
             </a:extLst>
           </p:cNvPr>
@@ -24325,7 +24304,7 @@
           <p:cNvPr id="10" name="Freeform: Shape 7">
             <a:extLst>
               <a:ext uri="{FF2B5EF4-FFF2-40B4-BE49-F238E27FC236}">
-                <a16:creationId xmlns:a16="http://schemas.microsoft.com/office/drawing/2014/main" xmlns="" id="{A09E21A9-FBEF-144C-A152-FE484F3C55C1}"/>
+                <a16:creationId xmlns:a16="http://schemas.microsoft.com/office/drawing/2014/main" id="{A09E21A9-FBEF-144C-A152-FE484F3C55C1}"/>
               </a:ext>
             </a:extLst>
           </p:cNvPr>
@@ -24471,7 +24450,7 @@
           <p:cNvPr id="11" name="Title 1">
             <a:extLst>
               <a:ext uri="{FF2B5EF4-FFF2-40B4-BE49-F238E27FC236}">
-                <a16:creationId xmlns:a16="http://schemas.microsoft.com/office/drawing/2014/main" xmlns="" id="{70C7F2CB-A8CE-1545-A08D-93592C4BAEEA}"/>
+                <a16:creationId xmlns:a16="http://schemas.microsoft.com/office/drawing/2014/main" id="{70C7F2CB-A8CE-1545-A08D-93592C4BAEEA}"/>
               </a:ext>
             </a:extLst>
           </p:cNvPr>
@@ -24527,7 +24506,7 @@
           <p:cNvPr id="12" name="Group 11">
             <a:extLst>
               <a:ext uri="{FF2B5EF4-FFF2-40B4-BE49-F238E27FC236}">
-                <a16:creationId xmlns:a16="http://schemas.microsoft.com/office/drawing/2014/main" xmlns="" id="{7068FCE4-1B47-3C4B-B091-013120A97D09}"/>
+                <a16:creationId xmlns:a16="http://schemas.microsoft.com/office/drawing/2014/main" id="{7068FCE4-1B47-3C4B-B091-013120A97D09}"/>
               </a:ext>
             </a:extLst>
           </p:cNvPr>
@@ -24547,7 +24526,7 @@
             <p:cNvPr id="13" name="Freeform: Shape 15">
               <a:extLst>
                 <a:ext uri="{FF2B5EF4-FFF2-40B4-BE49-F238E27FC236}">
-                  <a16:creationId xmlns:a16="http://schemas.microsoft.com/office/drawing/2014/main" xmlns="" id="{FEC3FDE7-F27E-5E4E-8752-287CAB7792D4}"/>
+                  <a16:creationId xmlns:a16="http://schemas.microsoft.com/office/drawing/2014/main" id="{FEC3FDE7-F27E-5E4E-8752-287CAB7792D4}"/>
                 </a:ext>
               </a:extLst>
             </p:cNvPr>
@@ -24637,7 +24616,7 @@
             <p:cNvPr id="14" name="Freeform: Shape 16">
               <a:extLst>
                 <a:ext uri="{FF2B5EF4-FFF2-40B4-BE49-F238E27FC236}">
-                  <a16:creationId xmlns:a16="http://schemas.microsoft.com/office/drawing/2014/main" xmlns="" id="{81C902DB-0D21-5044-82B6-9E7A70A1BF62}"/>
+                  <a16:creationId xmlns:a16="http://schemas.microsoft.com/office/drawing/2014/main" id="{81C902DB-0D21-5044-82B6-9E7A70A1BF62}"/>
                 </a:ext>
               </a:extLst>
             </p:cNvPr>
@@ -24736,7 +24715,7 @@
           <p:cNvPr id="15" name="Group 14">
             <a:extLst>
               <a:ext uri="{FF2B5EF4-FFF2-40B4-BE49-F238E27FC236}">
-                <a16:creationId xmlns:a16="http://schemas.microsoft.com/office/drawing/2014/main" xmlns="" id="{BE1E08A0-195D-694F-947B-986A76FBB93E}"/>
+                <a16:creationId xmlns:a16="http://schemas.microsoft.com/office/drawing/2014/main" id="{BE1E08A0-195D-694F-947B-986A76FBB93E}"/>
               </a:ext>
             </a:extLst>
           </p:cNvPr>
@@ -24756,7 +24735,7 @@
             <p:cNvPr id="16" name="Rectangle: Single Corner Snipped 18">
               <a:extLst>
                 <a:ext uri="{FF2B5EF4-FFF2-40B4-BE49-F238E27FC236}">
-                  <a16:creationId xmlns:a16="http://schemas.microsoft.com/office/drawing/2014/main" xmlns="" id="{ED5DFFCD-1EE3-E64E-B51F-BD7D72413E0B}"/>
+                  <a16:creationId xmlns:a16="http://schemas.microsoft.com/office/drawing/2014/main" id="{ED5DFFCD-1EE3-E64E-B51F-BD7D72413E0B}"/>
                 </a:ext>
               </a:extLst>
             </p:cNvPr>
@@ -24822,7 +24801,7 @@
             <p:cNvPr id="17" name="Rectangle: Single Corner Snipped 2">
               <a:extLst>
                 <a:ext uri="{FF2B5EF4-FFF2-40B4-BE49-F238E27FC236}">
-                  <a16:creationId xmlns:a16="http://schemas.microsoft.com/office/drawing/2014/main" xmlns="" id="{C12DB3CA-8E64-AA43-BFBE-A2CA9A816DBE}"/>
+                  <a16:creationId xmlns:a16="http://schemas.microsoft.com/office/drawing/2014/main" id="{C12DB3CA-8E64-AA43-BFBE-A2CA9A816DBE}"/>
                 </a:ext>
               </a:extLst>
             </p:cNvPr>
@@ -24879,7 +24858,7 @@
           <p:cNvPr id="18" name="Freeform: Shape 23">
             <a:extLst>
               <a:ext uri="{FF2B5EF4-FFF2-40B4-BE49-F238E27FC236}">
-                <a16:creationId xmlns:a16="http://schemas.microsoft.com/office/drawing/2014/main" xmlns="" id="{A587DEFD-D470-4142-8E0D-A71DDB147C92}"/>
+                <a16:creationId xmlns:a16="http://schemas.microsoft.com/office/drawing/2014/main" id="{A587DEFD-D470-4142-8E0D-A71DDB147C92}"/>
               </a:ext>
             </a:extLst>
           </p:cNvPr>
@@ -24974,7 +24953,7 @@
           <p:cNvPr id="19" name="Slide Number Placeholder 4">
             <a:extLst>
               <a:ext uri="{FF2B5EF4-FFF2-40B4-BE49-F238E27FC236}">
-                <a16:creationId xmlns:a16="http://schemas.microsoft.com/office/drawing/2014/main" xmlns="" id="{7D9BF857-7910-734D-A217-5E3344220AA2}"/>
+                <a16:creationId xmlns:a16="http://schemas.microsoft.com/office/drawing/2014/main" id="{7D9BF857-7910-734D-A217-5E3344220AA2}"/>
               </a:ext>
             </a:extLst>
           </p:cNvPr>
@@ -25492,7 +25471,7 @@
           <p:cNvPr id="2" name="Title 1">
             <a:extLst>
               <a:ext uri="{FF2B5EF4-FFF2-40B4-BE49-F238E27FC236}">
-                <a16:creationId xmlns:a16="http://schemas.microsoft.com/office/drawing/2014/main" xmlns="" id="{632BE5BF-9922-45FB-8F3F-4446D40A051B}"/>
+                <a16:creationId xmlns:a16="http://schemas.microsoft.com/office/drawing/2014/main" id="{632BE5BF-9922-45FB-8F3F-4446D40A051B}"/>
               </a:ext>
             </a:extLst>
           </p:cNvPr>
@@ -25514,18 +25493,18 @@
           <a:lstStyle/>
           <a:p>
             <a:r>
-              <a:rPr lang="en-US" sz="7500" dirty="0" smtClean="0">
+              <a:rPr lang="en-US" sz="7500" dirty="0">
                 <a:latin typeface="Times New Roman" panose="02020603050405020304" pitchFamily="18" charset="0"/>
                 <a:cs typeface="Times New Roman" panose="02020603050405020304" pitchFamily="18" charset="0"/>
               </a:rPr>
               <a:t>Web Automation test with </a:t>
             </a:r>
             <a:r>
-              <a:rPr lang="en-US" sz="7500" dirty="0" err="1" smtClean="0">
+              <a:rPr lang="en-US" sz="7500" dirty="0" err="1">
                 <a:latin typeface="Times New Roman" panose="02020603050405020304" pitchFamily="18" charset="0"/>
                 <a:cs typeface="Times New Roman" panose="02020603050405020304" pitchFamily="18" charset="0"/>
               </a:rPr>
-              <a:t>Specflow</a:t>
+              <a:t>SpecFlow</a:t>
             </a:r>
             <a:endParaRPr lang="en-US" sz="7500" dirty="0">
               <a:latin typeface="Times New Roman" panose="02020603050405020304" pitchFamily="18" charset="0"/>
@@ -25539,7 +25518,7 @@
           <p:cNvPr id="3" name="Subtitle 2">
             <a:extLst>
               <a:ext uri="{FF2B5EF4-FFF2-40B4-BE49-F238E27FC236}">
-                <a16:creationId xmlns:a16="http://schemas.microsoft.com/office/drawing/2014/main" xmlns="" id="{0D537F64-4C96-4AA8-BB21-E8053A3186DD}"/>
+                <a16:creationId xmlns:a16="http://schemas.microsoft.com/office/drawing/2014/main" id="{0D537F64-4C96-4AA8-BB21-E8053A3186DD}"/>
               </a:ext>
             </a:extLst>
           </p:cNvPr>
@@ -25566,16 +25545,12 @@
               <a:buNone/>
             </a:pPr>
             <a:r>
-              <a:rPr lang="en-US" sz="2500" dirty="0" smtClean="0">
+              <a:rPr lang="en-US" sz="2500" dirty="0">
                 <a:latin typeface="Times New Roman" panose="02020603050405020304" pitchFamily="18" charset="0"/>
                 <a:cs typeface="Times New Roman" panose="02020603050405020304" pitchFamily="18" charset="0"/>
               </a:rPr>
               <a:t>Ngo Hung Phuc</a:t>
             </a:r>
-            <a:endParaRPr lang="en-US" sz="2500" dirty="0">
-              <a:latin typeface="Times New Roman" panose="02020603050405020304" pitchFamily="18" charset="0"/>
-              <a:cs typeface="Times New Roman" panose="02020603050405020304" pitchFamily="18" charset="0"/>
-            </a:endParaRPr>
           </a:p>
         </p:txBody>
       </p:sp>
@@ -25592,13 +25567,6 @@
   <p:transition spd="slow">
     <p:wipe/>
   </p:transition>
-  <p:timing>
-    <p:tnLst>
-      <p:par>
-        <p:cTn id="1" dur="indefinite" restart="never" nodeType="tmRoot"/>
-      </p:par>
-    </p:tnLst>
-  </p:timing>
 </p:sld>
 </file>
 
@@ -25624,7 +25592,7 @@
           <p:cNvPr id="7" name="Title 6">
             <a:extLst>
               <a:ext uri="{FF2B5EF4-FFF2-40B4-BE49-F238E27FC236}">
-                <a16:creationId xmlns:a16="http://schemas.microsoft.com/office/drawing/2014/main" xmlns="" id="{7875C19A-1AAE-476A-A316-A2CF92D763D3}"/>
+                <a16:creationId xmlns:a16="http://schemas.microsoft.com/office/drawing/2014/main" id="{7875C19A-1AAE-476A-A316-A2CF92D763D3}"/>
               </a:ext>
             </a:extLst>
           </p:cNvPr>
@@ -25645,7 +25613,13 @@
           <a:bodyPr/>
           <a:lstStyle/>
           <a:p>
-            <a:endParaRPr lang="en-US" dirty="0"/>
+            <a:r>
+              <a:rPr lang="en-US" dirty="0">
+                <a:latin typeface="Times New Roman" panose="02020603050405020304" pitchFamily="18" charset="0"/>
+                <a:cs typeface="Times New Roman" panose="02020603050405020304" pitchFamily="18" charset="0"/>
+              </a:rPr>
+              <a:t>Important Terms used in Gherkin</a:t>
+            </a:r>
           </a:p>
         </p:txBody>
       </p:sp>
@@ -25654,7 +25628,7 @@
           <p:cNvPr id="10" name="Text Placeholder 9">
             <a:extLst>
               <a:ext uri="{FF2B5EF4-FFF2-40B4-BE49-F238E27FC236}">
-                <a16:creationId xmlns:a16="http://schemas.microsoft.com/office/drawing/2014/main" xmlns="" id="{EF2BC084-E6DB-4DE7-B309-042A85EBA700}"/>
+                <a16:creationId xmlns:a16="http://schemas.microsoft.com/office/drawing/2014/main" id="{EF2BC084-E6DB-4DE7-B309-042A85EBA700}"/>
               </a:ext>
             </a:extLst>
           </p:cNvPr>
@@ -25665,15 +25639,91 @@
             <p:ph type="body" sz="quarter" idx="13"/>
           </p:nvPr>
         </p:nvSpPr>
-        <p:spPr/>
+        <p:spPr>
+          <a:xfrm>
+            <a:off x="444500" y="1317072"/>
+            <a:ext cx="6718300" cy="5268285"/>
+          </a:xfrm>
+        </p:spPr>
         <p:txBody>
           <a:bodyPr/>
           <a:lstStyle/>
           <a:p>
-            <a:endParaRPr lang="nl-NL" sz="2500" dirty="0" smtClean="0">
-              <a:latin typeface="Times New Roman" panose="02020603050405020304" pitchFamily="18" charset="0"/>
-              <a:cs typeface="Times New Roman" panose="02020603050405020304" pitchFamily="18" charset="0"/>
-            </a:endParaRPr>
+            <a:r>
+              <a:rPr lang="en-US" sz="2000" dirty="0">
+                <a:latin typeface="Times New Roman" panose="02020603050405020304" pitchFamily="18" charset="0"/>
+                <a:cs typeface="Times New Roman" panose="02020603050405020304" pitchFamily="18" charset="0"/>
+              </a:rPr>
+              <a:t>Feature:  name of the feature will be written.</a:t>
+            </a:r>
+          </a:p>
+          <a:p>
+            <a:r>
+              <a:rPr lang="en-US" sz="2000" dirty="0">
+                <a:latin typeface="Times New Roman" panose="02020603050405020304" pitchFamily="18" charset="0"/>
+                <a:cs typeface="Times New Roman" panose="02020603050405020304" pitchFamily="18" charset="0"/>
+              </a:rPr>
+              <a:t>Background: helps you to add some context to the scenario. It can contain some steps of the scenario, but the only difference is that it should be run before each scenario.</a:t>
+            </a:r>
+          </a:p>
+          <a:p>
+            <a:r>
+              <a:rPr lang="en-US" sz="2000" dirty="0">
+                <a:latin typeface="Times New Roman" panose="02020603050405020304" pitchFamily="18" charset="0"/>
+                <a:cs typeface="Times New Roman" panose="02020603050405020304" pitchFamily="18" charset="0"/>
+              </a:rPr>
+              <a:t>Scenario: Each feature file may have multiple scenarios, and each scenario starts with Scenario: followed by scenario name.</a:t>
+            </a:r>
+          </a:p>
+          <a:p>
+            <a:r>
+              <a:rPr lang="en-US" sz="2000" dirty="0">
+                <a:latin typeface="Times New Roman" panose="02020603050405020304" pitchFamily="18" charset="0"/>
+                <a:cs typeface="Times New Roman" panose="02020603050405020304" pitchFamily="18" charset="0"/>
+              </a:rPr>
+              <a:t>Given: Given keyword is to put the system in a familiar state before the user starts interacting with the system.</a:t>
+            </a:r>
+          </a:p>
+          <a:p>
+            <a:r>
+              <a:rPr lang="en-US" sz="2000" dirty="0">
+                <a:latin typeface="Times New Roman" panose="02020603050405020304" pitchFamily="18" charset="0"/>
+                <a:cs typeface="Times New Roman" panose="02020603050405020304" pitchFamily="18" charset="0"/>
+              </a:rPr>
+              <a:t>When: When the step is to define action performed by the user.</a:t>
+            </a:r>
+          </a:p>
+          <a:p>
+            <a:r>
+              <a:rPr lang="en-US" sz="2000" dirty="0">
+                <a:latin typeface="Times New Roman" panose="02020603050405020304" pitchFamily="18" charset="0"/>
+                <a:cs typeface="Times New Roman" panose="02020603050405020304" pitchFamily="18" charset="0"/>
+              </a:rPr>
+              <a:t>Then: The use of 'then' keyword is to see the </a:t>
+            </a:r>
+            <a:r>
+              <a:rPr lang="en-US" sz="2000" b="1" dirty="0">
+                <a:latin typeface="Times New Roman" panose="02020603050405020304" pitchFamily="18" charset="0"/>
+                <a:cs typeface="Times New Roman" panose="02020603050405020304" pitchFamily="18" charset="0"/>
+              </a:rPr>
+              <a:t>outcome</a:t>
+            </a:r>
+            <a:r>
+              <a:rPr lang="en-US" sz="2000" dirty="0">
+                <a:latin typeface="Times New Roman" panose="02020603050405020304" pitchFamily="18" charset="0"/>
+                <a:cs typeface="Times New Roman" panose="02020603050405020304" pitchFamily="18" charset="0"/>
+              </a:rPr>
+              <a:t> after the action in when step. </a:t>
+            </a:r>
+          </a:p>
+          <a:p>
+            <a:r>
+              <a:rPr lang="en-US" sz="2000" dirty="0">
+                <a:latin typeface="Times New Roman" panose="02020603050405020304" pitchFamily="18" charset="0"/>
+                <a:cs typeface="Times New Roman" panose="02020603050405020304" pitchFamily="18" charset="0"/>
+              </a:rPr>
+              <a:t>And &amp; But</a:t>
+            </a:r>
           </a:p>
         </p:txBody>
       </p:sp>
@@ -25682,7 +25732,7 @@
           <p:cNvPr id="2" name="Slide Number Placeholder 1">
             <a:extLst>
               <a:ext uri="{FF2B5EF4-FFF2-40B4-BE49-F238E27FC236}">
-                <a16:creationId xmlns:a16="http://schemas.microsoft.com/office/drawing/2014/main" xmlns="" id="{BE9800F6-D571-48C4-8466-12AA1ADB6599}"/>
+                <a16:creationId xmlns:a16="http://schemas.microsoft.com/office/drawing/2014/main" id="{BE9800F6-D571-48C4-8466-12AA1ADB6599}"/>
               </a:ext>
             </a:extLst>
           </p:cNvPr>
@@ -25707,65 +25757,28 @@
           </a:p>
         </p:txBody>
       </p:sp>
-      <p:pic>
-        <p:nvPicPr>
-          <p:cNvPr id="3" name="Picture 2"/>
-          <p:cNvPicPr>
-            <a:picLocks noChangeAspect="1"/>
-          </p:cNvPicPr>
-          <p:nvPr/>
-        </p:nvPicPr>
-        <p:blipFill>
-          <a:blip r:embed="rId2">
-            <a:extLst>
-              <a:ext uri="{28A0092B-C50C-407E-A947-70E740481C1C}">
-                <a14:useLocalDpi xmlns:a14="http://schemas.microsoft.com/office/drawing/2010/main" val="0"/>
-              </a:ext>
-            </a:extLst>
-          </a:blip>
-          <a:stretch>
-            <a:fillRect/>
-          </a:stretch>
-        </p:blipFill>
-        <p:spPr>
-          <a:xfrm>
-            <a:off x="444500" y="1098550"/>
-            <a:ext cx="8886825" cy="5581650"/>
-          </a:xfrm>
-          <a:prstGeom prst="rect">
-            <a:avLst/>
-          </a:prstGeom>
-        </p:spPr>
-      </p:pic>
     </p:spTree>
     <p:extLst>
       <p:ext uri="{BB962C8B-B14F-4D97-AF65-F5344CB8AC3E}">
-        <p14:creationId xmlns:p14="http://schemas.microsoft.com/office/powerpoint/2010/main" val="411668700"/>
+        <p14:creationId xmlns:p14="http://schemas.microsoft.com/office/powerpoint/2010/main" val="3954962368"/>
       </p:ext>
     </p:extLst>
   </p:cSld>
   <p:clrMapOvr>
     <a:masterClrMapping/>
   </p:clrMapOvr>
-  <mc:AlternateContent xmlns:mc="http://schemas.openxmlformats.org/markup-compatibility/2006">
-    <mc:Choice xmlns:p14="http://schemas.microsoft.com/office/powerpoint/2010/main" Requires="p14">
+  <mc:AlternateContent xmlns:mc="http://schemas.openxmlformats.org/markup-compatibility/2006" xmlns:p14="http://schemas.microsoft.com/office/powerpoint/2010/main">
+    <mc:Choice Requires="p14">
       <p:transition spd="med" p14:dur="700">
         <p:fade/>
       </p:transition>
     </mc:Choice>
-    <mc:Fallback>
+    <mc:Fallback xmlns="">
       <p:transition spd="med">
         <p:fade/>
       </p:transition>
     </mc:Fallback>
   </mc:AlternateContent>
-  <p:timing>
-    <p:tnLst>
-      <p:par>
-        <p:cTn id="1" dur="indefinite" restart="never" nodeType="tmRoot"/>
-      </p:par>
-    </p:tnLst>
-  </p:timing>
 </p:sld>
 </file>
 
@@ -25788,10 +25801,10 @@
       </p:grpSpPr>
       <p:sp>
         <p:nvSpPr>
-          <p:cNvPr id="7" name="Title 6">
+          <p:cNvPr id="4" name="Title 3">
             <a:extLst>
               <a:ext uri="{FF2B5EF4-FFF2-40B4-BE49-F238E27FC236}">
-                <a16:creationId xmlns:a16="http://schemas.microsoft.com/office/drawing/2014/main" xmlns="" id="{7875C19A-1AAE-476A-A316-A2CF92D763D3}"/>
+                <a16:creationId xmlns:a16="http://schemas.microsoft.com/office/drawing/2014/main" id="{315E3981-F0D7-482C-A8E0-6A57700BECA7}"/>
               </a:ext>
             </a:extLst>
           </p:cNvPr>
@@ -25802,12 +25815,7 @@
             <p:ph type="title"/>
           </p:nvPr>
         </p:nvSpPr>
-        <p:spPr>
-          <a:xfrm>
-            <a:off x="444500" y="542925"/>
-            <a:ext cx="11214100" cy="535531"/>
-          </a:xfrm>
-        </p:spPr>
+        <p:spPr/>
         <p:txBody>
           <a:bodyPr/>
           <a:lstStyle/>
@@ -25817,153 +25825,8 @@
                 <a:latin typeface="Times New Roman" panose="02020603050405020304" pitchFamily="18" charset="0"/>
                 <a:cs typeface="Times New Roman" panose="02020603050405020304" pitchFamily="18" charset="0"/>
               </a:rPr>
-              <a:t>Important Terms used in Gherkin</a:t>
+              <a:t>Advantage and Disadvantages of Gherkin</a:t>
             </a:r>
-          </a:p>
-        </p:txBody>
-      </p:sp>
-      <p:sp>
-        <p:nvSpPr>
-          <p:cNvPr id="10" name="Text Placeholder 9">
-            <a:extLst>
-              <a:ext uri="{FF2B5EF4-FFF2-40B4-BE49-F238E27FC236}">
-                <a16:creationId xmlns:a16="http://schemas.microsoft.com/office/drawing/2014/main" xmlns="" id="{EF2BC084-E6DB-4DE7-B309-042A85EBA700}"/>
-              </a:ext>
-            </a:extLst>
-          </p:cNvPr>
-          <p:cNvSpPr>
-            <a:spLocks noGrp="1"/>
-          </p:cNvSpPr>
-          <p:nvPr>
-            <p:ph type="body" sz="quarter" idx="13"/>
-          </p:nvPr>
-        </p:nvSpPr>
-        <p:spPr/>
-        <p:txBody>
-          <a:bodyPr/>
-          <a:lstStyle/>
-          <a:p>
-            <a:r>
-              <a:rPr lang="en-US" sz="2000" dirty="0" smtClean="0">
-                <a:latin typeface="Times New Roman" panose="02020603050405020304" pitchFamily="18" charset="0"/>
-                <a:cs typeface="Times New Roman" panose="02020603050405020304" pitchFamily="18" charset="0"/>
-              </a:rPr>
-              <a:t>Feature: </a:t>
-            </a:r>
-            <a:r>
-              <a:rPr lang="en-US" sz="2000" dirty="0">
-                <a:latin typeface="Times New Roman" panose="02020603050405020304" pitchFamily="18" charset="0"/>
-                <a:cs typeface="Times New Roman" panose="02020603050405020304" pitchFamily="18" charset="0"/>
-              </a:rPr>
-              <a:t> name of the feature will be written.</a:t>
-            </a:r>
-          </a:p>
-          <a:p>
-            <a:r>
-              <a:rPr lang="en-US" sz="2000" dirty="0" smtClean="0">
-                <a:latin typeface="Times New Roman" panose="02020603050405020304" pitchFamily="18" charset="0"/>
-                <a:cs typeface="Times New Roman" panose="02020603050405020304" pitchFamily="18" charset="0"/>
-              </a:rPr>
-              <a:t>Background: </a:t>
-            </a:r>
-            <a:r>
-              <a:rPr lang="en-US" sz="2000" dirty="0">
-                <a:latin typeface="Times New Roman" panose="02020603050405020304" pitchFamily="18" charset="0"/>
-                <a:cs typeface="Times New Roman" panose="02020603050405020304" pitchFamily="18" charset="0"/>
-              </a:rPr>
-              <a:t>helps you to add some context to the scenario. It can contain some steps of the scenario, but the only difference is that it should be run before each scenario.</a:t>
-            </a:r>
-          </a:p>
-          <a:p>
-            <a:r>
-              <a:rPr lang="en-US" sz="2000" dirty="0" smtClean="0">
-                <a:latin typeface="Times New Roman" panose="02020603050405020304" pitchFamily="18" charset="0"/>
-                <a:cs typeface="Times New Roman" panose="02020603050405020304" pitchFamily="18" charset="0"/>
-              </a:rPr>
-              <a:t>Scenario: </a:t>
-            </a:r>
-            <a:r>
-              <a:rPr lang="en-US" sz="2000" dirty="0">
-                <a:latin typeface="Times New Roman" panose="02020603050405020304" pitchFamily="18" charset="0"/>
-                <a:cs typeface="Times New Roman" panose="02020603050405020304" pitchFamily="18" charset="0"/>
-              </a:rPr>
-              <a:t>Each feature file may have multiple scenarios, and each scenario starts with Scenario: followed by scenario name.</a:t>
-            </a:r>
-          </a:p>
-          <a:p>
-            <a:r>
-              <a:rPr lang="en-US" sz="2000" dirty="0" smtClean="0">
-                <a:latin typeface="Times New Roman" panose="02020603050405020304" pitchFamily="18" charset="0"/>
-                <a:cs typeface="Times New Roman" panose="02020603050405020304" pitchFamily="18" charset="0"/>
-              </a:rPr>
-              <a:t>Given: </a:t>
-            </a:r>
-            <a:r>
-              <a:rPr lang="en-US" sz="2000" dirty="0">
-                <a:latin typeface="Times New Roman" panose="02020603050405020304" pitchFamily="18" charset="0"/>
-                <a:cs typeface="Times New Roman" panose="02020603050405020304" pitchFamily="18" charset="0"/>
-              </a:rPr>
-              <a:t>Given keyword is to put the system in a familiar state before the user starts interacting with the system.</a:t>
-            </a:r>
-          </a:p>
-          <a:p>
-            <a:r>
-              <a:rPr lang="en-US" sz="2000" dirty="0" smtClean="0">
-                <a:latin typeface="Times New Roman" panose="02020603050405020304" pitchFamily="18" charset="0"/>
-                <a:cs typeface="Times New Roman" panose="02020603050405020304" pitchFamily="18" charset="0"/>
-              </a:rPr>
-              <a:t>When: </a:t>
-            </a:r>
-            <a:r>
-              <a:rPr lang="en-US" sz="2000" dirty="0">
-                <a:latin typeface="Times New Roman" panose="02020603050405020304" pitchFamily="18" charset="0"/>
-                <a:cs typeface="Times New Roman" panose="02020603050405020304" pitchFamily="18" charset="0"/>
-              </a:rPr>
-              <a:t>When the step is to define action performed by the user.</a:t>
-            </a:r>
-          </a:p>
-          <a:p>
-            <a:r>
-              <a:rPr lang="en-US" sz="2000" dirty="0" smtClean="0">
-                <a:latin typeface="Times New Roman" panose="02020603050405020304" pitchFamily="18" charset="0"/>
-                <a:cs typeface="Times New Roman" panose="02020603050405020304" pitchFamily="18" charset="0"/>
-              </a:rPr>
-              <a:t>Then: </a:t>
-            </a:r>
-            <a:r>
-              <a:rPr lang="en-US" sz="2000" dirty="0">
-                <a:latin typeface="Times New Roman" panose="02020603050405020304" pitchFamily="18" charset="0"/>
-                <a:cs typeface="Times New Roman" panose="02020603050405020304" pitchFamily="18" charset="0"/>
-              </a:rPr>
-              <a:t>The use of 'then' keyword is to see the </a:t>
-            </a:r>
-            <a:r>
-              <a:rPr lang="en-US" sz="2000" b="1" dirty="0">
-                <a:latin typeface="Times New Roman" panose="02020603050405020304" pitchFamily="18" charset="0"/>
-                <a:cs typeface="Times New Roman" panose="02020603050405020304" pitchFamily="18" charset="0"/>
-              </a:rPr>
-              <a:t>outcome</a:t>
-            </a:r>
-            <a:r>
-              <a:rPr lang="en-US" sz="2000" dirty="0">
-                <a:latin typeface="Times New Roman" panose="02020603050405020304" pitchFamily="18" charset="0"/>
-                <a:cs typeface="Times New Roman" panose="02020603050405020304" pitchFamily="18" charset="0"/>
-              </a:rPr>
-              <a:t> after the action in when step. </a:t>
-            </a:r>
-          </a:p>
-          <a:p>
-            <a:r>
-              <a:rPr lang="en-US" sz="2000" dirty="0" smtClean="0">
-                <a:latin typeface="Times New Roman" panose="02020603050405020304" pitchFamily="18" charset="0"/>
-                <a:cs typeface="Times New Roman" panose="02020603050405020304" pitchFamily="18" charset="0"/>
-              </a:rPr>
-              <a:t>And &amp; But</a:t>
-            </a:r>
-            <a:endParaRPr lang="en-US" sz="2000" dirty="0">
-              <a:latin typeface="Times New Roman" panose="02020603050405020304" pitchFamily="18" charset="0"/>
-              <a:cs typeface="Times New Roman" panose="02020603050405020304" pitchFamily="18" charset="0"/>
-            </a:endParaRPr>
           </a:p>
         </p:txBody>
       </p:sp>
@@ -25972,7 +25835,7 @@
           <p:cNvPr id="2" name="Slide Number Placeholder 1">
             <a:extLst>
               <a:ext uri="{FF2B5EF4-FFF2-40B4-BE49-F238E27FC236}">
-                <a16:creationId xmlns:a16="http://schemas.microsoft.com/office/drawing/2014/main" xmlns="" id="{BE9800F6-D571-48C4-8466-12AA1ADB6599}"/>
+                <a16:creationId xmlns:a16="http://schemas.microsoft.com/office/drawing/2014/main" id="{520FC4EE-F318-4344-9E3C-B950ADB63865}"/>
               </a:ext>
             </a:extLst>
           </p:cNvPr>
@@ -25997,35 +25860,278 @@
           </a:p>
         </p:txBody>
       </p:sp>
+      <p:sp>
+        <p:nvSpPr>
+          <p:cNvPr id="7" name="Text Placeholder 6">
+            <a:extLst>
+              <a:ext uri="{FF2B5EF4-FFF2-40B4-BE49-F238E27FC236}">
+                <a16:creationId xmlns:a16="http://schemas.microsoft.com/office/drawing/2014/main" id="{B74126B4-1E6C-4FFF-9282-40E18A85A07F}"/>
+              </a:ext>
+            </a:extLst>
+          </p:cNvPr>
+          <p:cNvSpPr>
+            <a:spLocks noGrp="1"/>
+          </p:cNvSpPr>
+          <p:nvPr>
+            <p:ph type="body" sz="quarter" idx="1"/>
+          </p:nvPr>
+        </p:nvSpPr>
+        <p:spPr>
+          <a:xfrm>
+            <a:off x="459142" y="1415949"/>
+            <a:ext cx="5157787" cy="823912"/>
+          </a:xfrm>
+        </p:spPr>
+        <p:txBody>
+          <a:bodyPr>
+            <a:normAutofit/>
+          </a:bodyPr>
+          <a:lstStyle/>
+          <a:p>
+            <a:r>
+              <a:rPr lang="en-US" sz="2800" dirty="0">
+                <a:latin typeface="Times New Roman" panose="02020603050405020304" pitchFamily="18" charset="0"/>
+                <a:cs typeface="Times New Roman" panose="02020603050405020304" pitchFamily="18" charset="0"/>
+              </a:rPr>
+              <a:t>Advantage</a:t>
+            </a:r>
+            <a:endParaRPr lang="en-US" sz="2500" dirty="0">
+              <a:latin typeface="Times New Roman" panose="02020603050405020304" pitchFamily="18" charset="0"/>
+              <a:cs typeface="Times New Roman" panose="02020603050405020304" pitchFamily="18" charset="0"/>
+            </a:endParaRPr>
+          </a:p>
+        </p:txBody>
+      </p:sp>
+      <p:sp>
+        <p:nvSpPr>
+          <p:cNvPr id="5" name="Text Placeholder 4">
+            <a:extLst>
+              <a:ext uri="{FF2B5EF4-FFF2-40B4-BE49-F238E27FC236}">
+                <a16:creationId xmlns:a16="http://schemas.microsoft.com/office/drawing/2014/main" id="{E0C87788-476B-4620-8002-A5C1177AD6C1}"/>
+              </a:ext>
+            </a:extLst>
+          </p:cNvPr>
+          <p:cNvSpPr>
+            <a:spLocks noGrp="1"/>
+          </p:cNvSpPr>
+          <p:nvPr>
+            <p:ph type="body" sz="quarter" idx="3"/>
+          </p:nvPr>
+        </p:nvSpPr>
+        <p:spPr>
+          <a:xfrm>
+            <a:off x="6500812" y="1415949"/>
+            <a:ext cx="5157788" cy="823912"/>
+          </a:xfrm>
+        </p:spPr>
+        <p:txBody>
+          <a:bodyPr>
+            <a:normAutofit/>
+          </a:bodyPr>
+          <a:lstStyle/>
+          <a:p>
+            <a:r>
+              <a:rPr lang="en-US" sz="2800" dirty="0">
+                <a:latin typeface="Times New Roman" panose="02020603050405020304" pitchFamily="18" charset="0"/>
+                <a:cs typeface="Times New Roman" panose="02020603050405020304" pitchFamily="18" charset="0"/>
+              </a:rPr>
+              <a:t>Disadvantages</a:t>
+            </a:r>
+            <a:endParaRPr lang="en-US" sz="2500" dirty="0">
+              <a:latin typeface="Times New Roman" panose="02020603050405020304" pitchFamily="18" charset="0"/>
+              <a:cs typeface="Times New Roman" panose="02020603050405020304" pitchFamily="18" charset="0"/>
+            </a:endParaRPr>
+          </a:p>
+        </p:txBody>
+      </p:sp>
+      <p:sp>
+        <p:nvSpPr>
+          <p:cNvPr id="8" name="Text Placeholder 7">
+            <a:extLst>
+              <a:ext uri="{FF2B5EF4-FFF2-40B4-BE49-F238E27FC236}">
+                <a16:creationId xmlns:a16="http://schemas.microsoft.com/office/drawing/2014/main" id="{47DC4E62-1A34-4F98-A451-214F1808519C}"/>
+              </a:ext>
+            </a:extLst>
+          </p:cNvPr>
+          <p:cNvSpPr>
+            <a:spLocks noGrp="1"/>
+          </p:cNvSpPr>
+          <p:nvPr>
+            <p:ph type="body" sz="quarter" idx="2"/>
+          </p:nvPr>
+        </p:nvSpPr>
+        <p:spPr>
+          <a:xfrm>
+            <a:off x="444500" y="1963024"/>
+            <a:ext cx="4928689" cy="4226639"/>
+          </a:xfrm>
+        </p:spPr>
+        <p:txBody>
+          <a:bodyPr>
+            <a:noAutofit/>
+          </a:bodyPr>
+          <a:lstStyle/>
+          <a:p>
+            <a:r>
+              <a:rPr lang="en-US" sz="2000" dirty="0">
+                <a:latin typeface="Times New Roman" panose="02020603050405020304" pitchFamily="18" charset="0"/>
+                <a:cs typeface="Times New Roman" panose="02020603050405020304" pitchFamily="18" charset="0"/>
+              </a:rPr>
+              <a:t>Gherkin is simple enough for non-programmers to understand</a:t>
+            </a:r>
+          </a:p>
+          <a:p>
+            <a:r>
+              <a:rPr lang="en-US" sz="2000" dirty="0">
+                <a:latin typeface="Times New Roman" panose="02020603050405020304" pitchFamily="18" charset="0"/>
+                <a:cs typeface="Times New Roman" panose="02020603050405020304" pitchFamily="18" charset="0"/>
+              </a:rPr>
+              <a:t>Programmers can use it as a very solid base to start their tests</a:t>
+            </a:r>
+          </a:p>
+          <a:p>
+            <a:r>
+              <a:rPr lang="en-US" sz="2000" dirty="0">
+                <a:latin typeface="Times New Roman" panose="02020603050405020304" pitchFamily="18" charset="0"/>
+                <a:cs typeface="Times New Roman" panose="02020603050405020304" pitchFamily="18" charset="0"/>
+              </a:rPr>
+              <a:t>It makes User Stories easier to digest</a:t>
+            </a:r>
+          </a:p>
+          <a:p>
+            <a:r>
+              <a:rPr lang="en-US" sz="2000" dirty="0">
+                <a:latin typeface="Times New Roman" panose="02020603050405020304" pitchFamily="18" charset="0"/>
+                <a:cs typeface="Times New Roman" panose="02020603050405020304" pitchFamily="18" charset="0"/>
+              </a:rPr>
+              <a:t>Gherkin script can easily understand by business executives and developers</a:t>
+            </a:r>
+          </a:p>
+          <a:p>
+            <a:r>
+              <a:rPr lang="en-US" sz="2000" dirty="0">
+                <a:latin typeface="Times New Roman" panose="02020603050405020304" pitchFamily="18" charset="0"/>
+                <a:cs typeface="Times New Roman" panose="02020603050405020304" pitchFamily="18" charset="0"/>
+              </a:rPr>
+              <a:t>Targets the business requirements</a:t>
+            </a:r>
+          </a:p>
+          <a:p>
+            <a:r>
+              <a:rPr lang="en-US" sz="2000" dirty="0">
+                <a:latin typeface="Times New Roman" panose="02020603050405020304" pitchFamily="18" charset="0"/>
+                <a:cs typeface="Times New Roman" panose="02020603050405020304" pitchFamily="18" charset="0"/>
+              </a:rPr>
+              <a:t>A significant proportion of the functional specifications is written as user stories</a:t>
+            </a:r>
+          </a:p>
+          <a:p>
+            <a:r>
+              <a:rPr lang="en-US" sz="2000" dirty="0">
+                <a:latin typeface="Times New Roman" panose="02020603050405020304" pitchFamily="18" charset="0"/>
+                <a:cs typeface="Times New Roman" panose="02020603050405020304" pitchFamily="18" charset="0"/>
+              </a:rPr>
+              <a:t>Style of writing tests cases are easier to reuse code in other tests</a:t>
+            </a:r>
+          </a:p>
+          <a:p>
+            <a:endParaRPr lang="en-US" sz="2000" dirty="0">
+              <a:latin typeface="Times New Roman" panose="02020603050405020304" pitchFamily="18" charset="0"/>
+              <a:cs typeface="Times New Roman" panose="02020603050405020304" pitchFamily="18" charset="0"/>
+            </a:endParaRPr>
+          </a:p>
+          <a:p>
+            <a:endParaRPr lang="en-US" sz="2000" dirty="0">
+              <a:latin typeface="Times New Roman" panose="02020603050405020304" pitchFamily="18" charset="0"/>
+              <a:cs typeface="Times New Roman" panose="02020603050405020304" pitchFamily="18" charset="0"/>
+            </a:endParaRPr>
+          </a:p>
+        </p:txBody>
+      </p:sp>
+      <p:sp>
+        <p:nvSpPr>
+          <p:cNvPr id="6" name="Text Placeholder 5">
+            <a:extLst>
+              <a:ext uri="{FF2B5EF4-FFF2-40B4-BE49-F238E27FC236}">
+                <a16:creationId xmlns:a16="http://schemas.microsoft.com/office/drawing/2014/main" id="{000A9570-5EF6-4AFB-9FCA-7C8998E3FEB1}"/>
+              </a:ext>
+            </a:extLst>
+          </p:cNvPr>
+          <p:cNvSpPr>
+            <a:spLocks noGrp="1"/>
+          </p:cNvSpPr>
+          <p:nvPr>
+            <p:ph type="body" sz="quarter" idx="4"/>
+          </p:nvPr>
+        </p:nvSpPr>
+        <p:spPr>
+          <a:xfrm>
+            <a:off x="6475412" y="1971413"/>
+            <a:ext cx="5183188" cy="3949802"/>
+          </a:xfrm>
+        </p:spPr>
+        <p:txBody>
+          <a:bodyPr>
+            <a:normAutofit/>
+          </a:bodyPr>
+          <a:lstStyle/>
+          <a:p>
+            <a:r>
+              <a:rPr lang="en-US" sz="2800" dirty="0">
+                <a:latin typeface="Times New Roman" panose="02020603050405020304" pitchFamily="18" charset="0"/>
+                <a:cs typeface="Times New Roman" panose="02020603050405020304" pitchFamily="18" charset="0"/>
+              </a:rPr>
+              <a:t>It requires a high level of business engagement and collaborations</a:t>
+            </a:r>
+          </a:p>
+          <a:p>
+            <a:r>
+              <a:rPr lang="en-US" sz="2800" dirty="0">
+                <a:latin typeface="Times New Roman" panose="02020603050405020304" pitchFamily="18" charset="0"/>
+                <a:cs typeface="Times New Roman" panose="02020603050405020304" pitchFamily="18" charset="0"/>
+              </a:rPr>
+              <a:t>May not work well in all scenarios</a:t>
+            </a:r>
+          </a:p>
+          <a:p>
+            <a:r>
+              <a:rPr lang="en-US" sz="2800" dirty="0">
+                <a:latin typeface="Times New Roman" panose="02020603050405020304" pitchFamily="18" charset="0"/>
+                <a:cs typeface="Times New Roman" panose="02020603050405020304" pitchFamily="18" charset="0"/>
+              </a:rPr>
+              <a:t>Poorly written tests can easily increase test-maintenance cost</a:t>
+            </a:r>
+          </a:p>
+          <a:p>
+            <a:endParaRPr lang="en-US" sz="2800" dirty="0">
+              <a:latin typeface="Times New Roman" panose="02020603050405020304" pitchFamily="18" charset="0"/>
+              <a:cs typeface="Times New Roman" panose="02020603050405020304" pitchFamily="18" charset="0"/>
+            </a:endParaRPr>
+          </a:p>
+        </p:txBody>
+      </p:sp>
     </p:spTree>
     <p:extLst>
       <p:ext uri="{BB962C8B-B14F-4D97-AF65-F5344CB8AC3E}">
-        <p14:creationId xmlns:p14="http://schemas.microsoft.com/office/powerpoint/2010/main" val="3954962368"/>
+        <p14:creationId xmlns:p14="http://schemas.microsoft.com/office/powerpoint/2010/main" val="1091630318"/>
       </p:ext>
     </p:extLst>
   </p:cSld>
   <p:clrMapOvr>
     <a:masterClrMapping/>
   </p:clrMapOvr>
-  <mc:AlternateContent xmlns:mc="http://schemas.openxmlformats.org/markup-compatibility/2006">
-    <mc:Choice xmlns:p14="http://schemas.microsoft.com/office/powerpoint/2010/main" Requires="p14">
+  <mc:AlternateContent xmlns:mc="http://schemas.openxmlformats.org/markup-compatibility/2006" xmlns:p14="http://schemas.microsoft.com/office/powerpoint/2010/main">
+    <mc:Choice Requires="p14">
       <p:transition spd="med" p14:dur="700">
         <p:fade/>
       </p:transition>
     </mc:Choice>
-    <mc:Fallback>
+    <mc:Fallback xmlns="">
       <p:transition spd="med">
         <p:fade/>
       </p:transition>
     </mc:Fallback>
   </mc:AlternateContent>
-  <p:timing>
-    <p:tnLst>
-      <p:par>
-        <p:cTn id="1" dur="indefinite" restart="never" nodeType="tmRoot"/>
-      </p:par>
-    </p:tnLst>
-  </p:timing>
 </p:sld>
 </file>
 
@@ -26048,7 +26154,13 @@
       </p:grpSpPr>
       <p:sp>
         <p:nvSpPr>
-          <p:cNvPr id="2" name="Title 1"/>
+          <p:cNvPr id="7" name="Title 6">
+            <a:extLst>
+              <a:ext uri="{FF2B5EF4-FFF2-40B4-BE49-F238E27FC236}">
+                <a16:creationId xmlns:a16="http://schemas.microsoft.com/office/drawing/2014/main" id="{7875C19A-1AAE-476A-A316-A2CF92D763D3}"/>
+              </a:ext>
+            </a:extLst>
+          </p:cNvPr>
           <p:cNvSpPr>
             <a:spLocks noGrp="1"/>
           </p:cNvSpPr>
@@ -26058,8 +26170,8 @@
         </p:nvSpPr>
         <p:spPr>
           <a:xfrm>
-            <a:off x="444500" y="254601"/>
-            <a:ext cx="11214100" cy="978729"/>
+            <a:off x="444500" y="542925"/>
+            <a:ext cx="11214100" cy="535531"/>
           </a:xfrm>
         </p:spPr>
         <p:txBody>
@@ -26067,18 +26179,12 @@
           <a:lstStyle/>
           <a:p>
             <a:r>
-              <a:rPr lang="en-US" dirty="0">
+              <a:rPr lang="en-US" b="0" dirty="0">
                 <a:latin typeface="Times New Roman" panose="02020603050405020304" pitchFamily="18" charset="0"/>
                 <a:cs typeface="Times New Roman" panose="02020603050405020304" pitchFamily="18" charset="0"/>
               </a:rPr>
-              <a:t>Advantage and Disadvantages of Gherkin</a:t>
+              <a:t>Page Object Model</a:t>
             </a:r>
-            <a:br>
-              <a:rPr lang="en-US" dirty="0">
-                <a:latin typeface="Times New Roman" panose="02020603050405020304" pitchFamily="18" charset="0"/>
-                <a:cs typeface="Times New Roman" panose="02020603050405020304" pitchFamily="18" charset="0"/>
-              </a:rPr>
-            </a:br>
             <a:endParaRPr lang="en-US" dirty="0">
               <a:latin typeface="Times New Roman" panose="02020603050405020304" pitchFamily="18" charset="0"/>
               <a:cs typeface="Times New Roman" panose="02020603050405020304" pitchFamily="18" charset="0"/>
@@ -26088,7 +26194,121 @@
       </p:sp>
       <p:sp>
         <p:nvSpPr>
-          <p:cNvPr id="3" name="Slide Number Placeholder 2"/>
+          <p:cNvPr id="10" name="Text Placeholder 9">
+            <a:extLst>
+              <a:ext uri="{FF2B5EF4-FFF2-40B4-BE49-F238E27FC236}">
+                <a16:creationId xmlns:a16="http://schemas.microsoft.com/office/drawing/2014/main" id="{EF2BC084-E6DB-4DE7-B309-042A85EBA700}"/>
+              </a:ext>
+            </a:extLst>
+          </p:cNvPr>
+          <p:cNvSpPr>
+            <a:spLocks noGrp="1"/>
+          </p:cNvSpPr>
+          <p:nvPr>
+            <p:ph type="body" sz="quarter" idx="13"/>
+          </p:nvPr>
+        </p:nvSpPr>
+        <p:spPr>
+          <a:xfrm>
+            <a:off x="444499" y="1309817"/>
+            <a:ext cx="7612105" cy="5256446"/>
+          </a:xfrm>
+        </p:spPr>
+        <p:txBody>
+          <a:bodyPr/>
+          <a:lstStyle/>
+          <a:p>
+            <a:r>
+              <a:rPr lang="en-US" sz="2100" b="1" dirty="0">
+                <a:latin typeface="Times New Roman" panose="02020603050405020304" pitchFamily="18" charset="0"/>
+                <a:cs typeface="Times New Roman" panose="02020603050405020304" pitchFamily="18" charset="0"/>
+              </a:rPr>
+              <a:t>Page Object Model</a:t>
+            </a:r>
+            <a:r>
+              <a:rPr lang="en-US" sz="2100" dirty="0">
+                <a:latin typeface="Times New Roman" panose="02020603050405020304" pitchFamily="18" charset="0"/>
+                <a:cs typeface="Times New Roman" panose="02020603050405020304" pitchFamily="18" charset="0"/>
+              </a:rPr>
+              <a:t> is a design pattern which has become popular in test automation for enhancing test maintenance and reducing code duplication</a:t>
+            </a:r>
+          </a:p>
+          <a:p>
+            <a:r>
+              <a:rPr lang="nl-NL" sz="2100" dirty="0">
+                <a:latin typeface="Times New Roman" panose="02020603050405020304" pitchFamily="18" charset="0"/>
+                <a:cs typeface="Times New Roman" panose="02020603050405020304" pitchFamily="18" charset="0"/>
+              </a:rPr>
+              <a:t>Instead writing code inside test class to interact with Browser we write code in Page class. Page class handle web interaction logic and how to interact with the web elements</a:t>
+            </a:r>
+          </a:p>
+          <a:p>
+            <a:r>
+              <a:rPr lang="en-US" sz="2100" dirty="0">
+                <a:latin typeface="Times New Roman" panose="02020603050405020304" pitchFamily="18" charset="0"/>
+                <a:cs typeface="Times New Roman" panose="02020603050405020304" pitchFamily="18" charset="0"/>
+              </a:rPr>
+              <a:t>We should keep our tests and element locators separately, this will keep code clean and easy to understand and maintain.</a:t>
+            </a:r>
+          </a:p>
+          <a:p>
+            <a:r>
+              <a:rPr lang="en-US" sz="2100" dirty="0">
+                <a:latin typeface="Times New Roman" panose="02020603050405020304" pitchFamily="18" charset="0"/>
+                <a:cs typeface="Times New Roman" panose="02020603050405020304" pitchFamily="18" charset="0"/>
+              </a:rPr>
+              <a:t>The Page Object approach makes test automation framework programmer friendly, more durable and comprehensive.</a:t>
+            </a:r>
+          </a:p>
+          <a:p>
+            <a:r>
+              <a:rPr lang="en-US" sz="2100" dirty="0">
+                <a:latin typeface="Times New Roman" panose="02020603050405020304" pitchFamily="18" charset="0"/>
+                <a:cs typeface="Times New Roman" panose="02020603050405020304" pitchFamily="18" charset="0"/>
+              </a:rPr>
+              <a:t>Test cases become short and optimized as we are able to reuse page object methods in the </a:t>
+            </a:r>
+            <a:r>
+              <a:rPr lang="en-US" sz="2100" b="1" dirty="0">
+                <a:latin typeface="Times New Roman" panose="02020603050405020304" pitchFamily="18" charset="0"/>
+                <a:cs typeface="Times New Roman" panose="02020603050405020304" pitchFamily="18" charset="0"/>
+              </a:rPr>
+              <a:t>POM</a:t>
+            </a:r>
+            <a:r>
+              <a:rPr lang="en-US" sz="2100" dirty="0">
+                <a:latin typeface="Times New Roman" panose="02020603050405020304" pitchFamily="18" charset="0"/>
+                <a:cs typeface="Times New Roman" panose="02020603050405020304" pitchFamily="18" charset="0"/>
+              </a:rPr>
+              <a:t> classes.</a:t>
+            </a:r>
+          </a:p>
+          <a:p>
+            <a:r>
+              <a:rPr lang="en-US" sz="2100" dirty="0">
+                <a:latin typeface="Times New Roman" panose="02020603050405020304" pitchFamily="18" charset="0"/>
+                <a:cs typeface="Times New Roman" panose="02020603050405020304" pitchFamily="18" charset="0"/>
+              </a:rPr>
+              <a:t>Any change in UI can easily be implemented, updated and maintained into the Page Objects and Classes.</a:t>
+            </a:r>
+          </a:p>
+          <a:p>
+            <a:endParaRPr lang="en-US" sz="2100" dirty="0">
+              <a:latin typeface="Times New Roman" panose="02020603050405020304" pitchFamily="18" charset="0"/>
+              <a:cs typeface="Times New Roman" panose="02020603050405020304" pitchFamily="18" charset="0"/>
+            </a:endParaRPr>
+          </a:p>
+        </p:txBody>
+      </p:sp>
+      <p:sp>
+        <p:nvSpPr>
+          <p:cNvPr id="2" name="Slide Number Placeholder 1">
+            <a:extLst>
+              <a:ext uri="{FF2B5EF4-FFF2-40B4-BE49-F238E27FC236}">
+                <a16:creationId xmlns:a16="http://schemas.microsoft.com/office/drawing/2014/main" id="{BE9800F6-D571-48C4-8466-12AA1ADB6599}"/>
+              </a:ext>
+            </a:extLst>
+          </p:cNvPr>
           <p:cNvSpPr>
             <a:spLocks noGrp="1"/>
           </p:cNvSpPr>
@@ -26102,182 +26322,36 @@
           <a:lstStyle/>
           <a:p>
             <a:fld id="{C263D6C4-4840-40CC-AC84-17E24B3B7BDE}" type="slidenum">
-              <a:rPr lang="en-US" noProof="0" smtClean="0"/>
+              <a:rPr lang="en-US" smtClean="0"/>
               <a:pPr/>
               <a:t>12</a:t>
             </a:fld>
-            <a:endParaRPr lang="en-US" noProof="0" dirty="0"/>
-          </a:p>
-        </p:txBody>
-      </p:sp>
-      <p:sp>
-        <p:nvSpPr>
-          <p:cNvPr id="4" name="Text Placeholder 3"/>
-          <p:cNvSpPr>
-            <a:spLocks noGrp="1"/>
-          </p:cNvSpPr>
-          <p:nvPr>
-            <p:ph type="body" sz="quarter" idx="13"/>
-          </p:nvPr>
-        </p:nvSpPr>
-        <p:spPr>
-          <a:xfrm>
-            <a:off x="444500" y="848498"/>
-            <a:ext cx="6718300" cy="4870132"/>
-          </a:xfrm>
-        </p:spPr>
-        <p:txBody>
-          <a:bodyPr/>
-          <a:lstStyle/>
-          <a:p>
-            <a:r>
-              <a:rPr lang="en-US" sz="2000" dirty="0" smtClean="0">
-                <a:latin typeface="Times New Roman" panose="02020603050405020304" pitchFamily="18" charset="0"/>
-                <a:cs typeface="Times New Roman" panose="02020603050405020304" pitchFamily="18" charset="0"/>
-              </a:rPr>
-              <a:t>Gherkin </a:t>
-            </a:r>
-            <a:r>
-              <a:rPr lang="en-US" sz="2000" dirty="0">
-                <a:latin typeface="Times New Roman" panose="02020603050405020304" pitchFamily="18" charset="0"/>
-                <a:cs typeface="Times New Roman" panose="02020603050405020304" pitchFamily="18" charset="0"/>
-              </a:rPr>
-              <a:t>is simple enough for non-programmers to understand</a:t>
-            </a:r>
-          </a:p>
-          <a:p>
-            <a:r>
-              <a:rPr lang="en-US" sz="2000" dirty="0">
-                <a:latin typeface="Times New Roman" panose="02020603050405020304" pitchFamily="18" charset="0"/>
-                <a:cs typeface="Times New Roman" panose="02020603050405020304" pitchFamily="18" charset="0"/>
-              </a:rPr>
-              <a:t>Programmers can use it as a very solid base to start their tests</a:t>
-            </a:r>
-          </a:p>
-          <a:p>
-            <a:r>
-              <a:rPr lang="en-US" sz="2000" dirty="0">
-                <a:latin typeface="Times New Roman" panose="02020603050405020304" pitchFamily="18" charset="0"/>
-                <a:cs typeface="Times New Roman" panose="02020603050405020304" pitchFamily="18" charset="0"/>
-              </a:rPr>
-              <a:t>It makes User Stories easier to digest</a:t>
-            </a:r>
-          </a:p>
-          <a:p>
-            <a:r>
-              <a:rPr lang="en-US" sz="2000" dirty="0">
-                <a:latin typeface="Times New Roman" panose="02020603050405020304" pitchFamily="18" charset="0"/>
-                <a:cs typeface="Times New Roman" panose="02020603050405020304" pitchFamily="18" charset="0"/>
-              </a:rPr>
-              <a:t>Gherkin script can easily understand by business executives and developers</a:t>
-            </a:r>
-          </a:p>
-          <a:p>
-            <a:r>
-              <a:rPr lang="en-US" sz="2000" dirty="0">
-                <a:latin typeface="Times New Roman" panose="02020603050405020304" pitchFamily="18" charset="0"/>
-                <a:cs typeface="Times New Roman" panose="02020603050405020304" pitchFamily="18" charset="0"/>
-              </a:rPr>
-              <a:t>Targets the business requirements</a:t>
-            </a:r>
-          </a:p>
-          <a:p>
-            <a:r>
-              <a:rPr lang="en-US" sz="2000" dirty="0">
-                <a:latin typeface="Times New Roman" panose="02020603050405020304" pitchFamily="18" charset="0"/>
-                <a:cs typeface="Times New Roman" panose="02020603050405020304" pitchFamily="18" charset="0"/>
-              </a:rPr>
-              <a:t>A significant proportion of the functional specifications is written as user </a:t>
-            </a:r>
-            <a:r>
-              <a:rPr lang="en-US" sz="2000" dirty="0" smtClean="0">
-                <a:latin typeface="Times New Roman" panose="02020603050405020304" pitchFamily="18" charset="0"/>
-                <a:cs typeface="Times New Roman" panose="02020603050405020304" pitchFamily="18" charset="0"/>
-              </a:rPr>
-              <a:t>stories</a:t>
-            </a:r>
-          </a:p>
-          <a:p>
-            <a:r>
-              <a:rPr lang="en-US" sz="2000" dirty="0" smtClean="0">
-                <a:latin typeface="Times New Roman" panose="02020603050405020304" pitchFamily="18" charset="0"/>
-                <a:cs typeface="Times New Roman" panose="02020603050405020304" pitchFamily="18" charset="0"/>
-              </a:rPr>
-              <a:t>Style </a:t>
-            </a:r>
-            <a:r>
-              <a:rPr lang="en-US" sz="2000" dirty="0">
-                <a:latin typeface="Times New Roman" panose="02020603050405020304" pitchFamily="18" charset="0"/>
-                <a:cs typeface="Times New Roman" panose="02020603050405020304" pitchFamily="18" charset="0"/>
-              </a:rPr>
-              <a:t>of writing tests cases are easier to reuse code in other tests</a:t>
-            </a:r>
-          </a:p>
-          <a:p>
-            <a:endParaRPr lang="en-US" sz="2000" dirty="0" smtClean="0">
-              <a:latin typeface="Times New Roman" panose="02020603050405020304" pitchFamily="18" charset="0"/>
-              <a:cs typeface="Times New Roman" panose="02020603050405020304" pitchFamily="18" charset="0"/>
-            </a:endParaRPr>
-          </a:p>
-          <a:p>
-            <a:r>
-              <a:rPr lang="en-US" sz="2000" dirty="0" smtClean="0">
-                <a:latin typeface="Times New Roman" panose="02020603050405020304" pitchFamily="18" charset="0"/>
-                <a:cs typeface="Times New Roman" panose="02020603050405020304" pitchFamily="18" charset="0"/>
-              </a:rPr>
-              <a:t>It </a:t>
-            </a:r>
-            <a:r>
-              <a:rPr lang="en-US" sz="2000" dirty="0">
-                <a:latin typeface="Times New Roman" panose="02020603050405020304" pitchFamily="18" charset="0"/>
-                <a:cs typeface="Times New Roman" panose="02020603050405020304" pitchFamily="18" charset="0"/>
-              </a:rPr>
-              <a:t>requires a high level of business engagement and collaborations</a:t>
-            </a:r>
-          </a:p>
-          <a:p>
-            <a:r>
-              <a:rPr lang="en-US" sz="2000" dirty="0">
-                <a:latin typeface="Times New Roman" panose="02020603050405020304" pitchFamily="18" charset="0"/>
-                <a:cs typeface="Times New Roman" panose="02020603050405020304" pitchFamily="18" charset="0"/>
-              </a:rPr>
-              <a:t>May not work well in all scenarios</a:t>
-            </a:r>
-          </a:p>
-          <a:p>
-            <a:r>
-              <a:rPr lang="en-US" sz="2000" dirty="0">
-                <a:latin typeface="Times New Roman" panose="02020603050405020304" pitchFamily="18" charset="0"/>
-                <a:cs typeface="Times New Roman" panose="02020603050405020304" pitchFamily="18" charset="0"/>
-              </a:rPr>
-              <a:t>Poorly written tests can easily increase test-maintenance cost</a:t>
-            </a:r>
-          </a:p>
-          <a:p>
-            <a:endParaRPr lang="en-US" sz="2000" dirty="0">
-              <a:latin typeface="Times New Roman" panose="02020603050405020304" pitchFamily="18" charset="0"/>
-              <a:cs typeface="Times New Roman" panose="02020603050405020304" pitchFamily="18" charset="0"/>
-            </a:endParaRPr>
+            <a:endParaRPr lang="en-US" dirty="0"/>
           </a:p>
         </p:txBody>
       </p:sp>
     </p:spTree>
     <p:extLst>
       <p:ext uri="{BB962C8B-B14F-4D97-AF65-F5344CB8AC3E}">
-        <p14:creationId xmlns:p14="http://schemas.microsoft.com/office/powerpoint/2010/main" val="2466399648"/>
+        <p14:creationId xmlns:p14="http://schemas.microsoft.com/office/powerpoint/2010/main" val="69014658"/>
       </p:ext>
     </p:extLst>
   </p:cSld>
   <p:clrMapOvr>
     <a:masterClrMapping/>
   </p:clrMapOvr>
-  <p:timing>
-    <p:tnLst>
-      <p:par>
-        <p:cTn id="1" dur="indefinite" restart="never" nodeType="tmRoot"/>
-      </p:par>
-    </p:tnLst>
-  </p:timing>
+  <mc:AlternateContent xmlns:mc="http://schemas.openxmlformats.org/markup-compatibility/2006" xmlns:p14="http://schemas.microsoft.com/office/powerpoint/2010/main">
+    <mc:Choice Requires="p14">
+      <p:transition spd="med" p14:dur="700">
+        <p:fade/>
+      </p:transition>
+    </mc:Choice>
+    <mc:Fallback xmlns="">
+      <p:transition spd="med">
+        <p:fade/>
+      </p:transition>
+    </mc:Fallback>
+  </mc:AlternateContent>
 </p:sld>
 </file>
 
@@ -26303,7 +26377,7 @@
           <p:cNvPr id="7" name="Title 6">
             <a:extLst>
               <a:ext uri="{FF2B5EF4-FFF2-40B4-BE49-F238E27FC236}">
-                <a16:creationId xmlns:a16="http://schemas.microsoft.com/office/drawing/2014/main" xmlns="" id="{7875C19A-1AAE-476A-A316-A2CF92D763D3}"/>
+                <a16:creationId xmlns:a16="http://schemas.microsoft.com/office/drawing/2014/main" id="{7875C19A-1AAE-476A-A316-A2CF92D763D3}"/>
               </a:ext>
             </a:extLst>
           </p:cNvPr>
@@ -26340,38 +26414,10 @@
       </p:sp>
       <p:sp>
         <p:nvSpPr>
-          <p:cNvPr id="10" name="Text Placeholder 9">
-            <a:extLst>
-              <a:ext uri="{FF2B5EF4-FFF2-40B4-BE49-F238E27FC236}">
-                <a16:creationId xmlns:a16="http://schemas.microsoft.com/office/drawing/2014/main" xmlns="" id="{EF2BC084-E6DB-4DE7-B309-042A85EBA700}"/>
-              </a:ext>
-            </a:extLst>
-          </p:cNvPr>
-          <p:cNvSpPr>
-            <a:spLocks noGrp="1"/>
-          </p:cNvSpPr>
-          <p:nvPr>
-            <p:ph type="body" sz="quarter" idx="13"/>
-          </p:nvPr>
-        </p:nvSpPr>
-        <p:spPr/>
-        <p:txBody>
-          <a:bodyPr/>
-          <a:lstStyle/>
-          <a:p>
-            <a:endParaRPr lang="en-US" sz="2000" dirty="0">
-              <a:latin typeface="Times New Roman" panose="02020603050405020304" pitchFamily="18" charset="0"/>
-              <a:cs typeface="Times New Roman" panose="02020603050405020304" pitchFamily="18" charset="0"/>
-            </a:endParaRPr>
-          </a:p>
-        </p:txBody>
-      </p:sp>
-      <p:sp>
-        <p:nvSpPr>
           <p:cNvPr id="2" name="Slide Number Placeholder 1">
             <a:extLst>
               <a:ext uri="{FF2B5EF4-FFF2-40B4-BE49-F238E27FC236}">
-                <a16:creationId xmlns:a16="http://schemas.microsoft.com/office/drawing/2014/main" xmlns="" id="{BE9800F6-D571-48C4-8466-12AA1ADB6599}"/>
+                <a16:creationId xmlns:a16="http://schemas.microsoft.com/office/drawing/2014/main" id="{BE9800F6-D571-48C4-8466-12AA1ADB6599}"/>
               </a:ext>
             </a:extLst>
           </p:cNvPr>
@@ -26418,7 +26464,7 @@
         </p:blipFill>
         <p:spPr>
           <a:xfrm>
-            <a:off x="444500" y="1625385"/>
+            <a:off x="2350796" y="1625385"/>
             <a:ext cx="7490408" cy="5018573"/>
           </a:xfrm>
           <a:prstGeom prst="rect">
@@ -26436,270 +26482,22 @@
   <p:clrMapOvr>
     <a:masterClrMapping/>
   </p:clrMapOvr>
-  <mc:AlternateContent xmlns:mc="http://schemas.openxmlformats.org/markup-compatibility/2006">
-    <mc:Choice xmlns:p14="http://schemas.microsoft.com/office/powerpoint/2010/main" Requires="p14">
+  <mc:AlternateContent xmlns:mc="http://schemas.openxmlformats.org/markup-compatibility/2006" xmlns:p14="http://schemas.microsoft.com/office/powerpoint/2010/main">
+    <mc:Choice Requires="p14">
       <p:transition spd="med" p14:dur="700">
         <p:fade/>
       </p:transition>
     </mc:Choice>
-    <mc:Fallback>
+    <mc:Fallback xmlns="">
       <p:transition spd="med">
         <p:fade/>
       </p:transition>
     </mc:Fallback>
   </mc:AlternateContent>
-  <p:timing>
-    <p:tnLst>
-      <p:par>
-        <p:cTn id="1" dur="indefinite" restart="never" nodeType="tmRoot"/>
-      </p:par>
-    </p:tnLst>
-  </p:timing>
 </p:sld>
 </file>
 
 <file path=ppt/slides/slide14.xml><?xml version="1.0" encoding="utf-8"?>
-<p:sld xmlns:a="http://schemas.openxmlformats.org/drawingml/2006/main" xmlns:r="http://schemas.openxmlformats.org/officeDocument/2006/relationships" xmlns:p="http://schemas.openxmlformats.org/presentationml/2006/main">
-  <p:cSld>
-    <p:spTree>
-      <p:nvGrpSpPr>
-        <p:cNvPr id="1" name=""/>
-        <p:cNvGrpSpPr/>
-        <p:nvPr/>
-      </p:nvGrpSpPr>
-      <p:grpSpPr>
-        <a:xfrm>
-          <a:off x="0" y="0"/>
-          <a:ext cx="0" cy="0"/>
-          <a:chOff x="0" y="0"/>
-          <a:chExt cx="0" cy="0"/>
-        </a:xfrm>
-      </p:grpSpPr>
-      <p:sp>
-        <p:nvSpPr>
-          <p:cNvPr id="7" name="Title 6">
-            <a:extLst>
-              <a:ext uri="{FF2B5EF4-FFF2-40B4-BE49-F238E27FC236}">
-                <a16:creationId xmlns:a16="http://schemas.microsoft.com/office/drawing/2014/main" xmlns="" id="{7875C19A-1AAE-476A-A316-A2CF92D763D3}"/>
-              </a:ext>
-            </a:extLst>
-          </p:cNvPr>
-          <p:cNvSpPr>
-            <a:spLocks noGrp="1"/>
-          </p:cNvSpPr>
-          <p:nvPr>
-            <p:ph type="title"/>
-          </p:nvPr>
-        </p:nvSpPr>
-        <p:spPr>
-          <a:xfrm>
-            <a:off x="444500" y="542925"/>
-            <a:ext cx="11214100" cy="535531"/>
-          </a:xfrm>
-        </p:spPr>
-        <p:txBody>
-          <a:bodyPr/>
-          <a:lstStyle/>
-          <a:p>
-            <a:r>
-              <a:rPr lang="en-US" b="0" dirty="0">
-                <a:latin typeface="Times New Roman" panose="02020603050405020304" pitchFamily="18" charset="0"/>
-                <a:cs typeface="Times New Roman" panose="02020603050405020304" pitchFamily="18" charset="0"/>
-              </a:rPr>
-              <a:t>Page Object Model</a:t>
-            </a:r>
-            <a:endParaRPr lang="en-US" dirty="0">
-              <a:latin typeface="Times New Roman" panose="02020603050405020304" pitchFamily="18" charset="0"/>
-              <a:cs typeface="Times New Roman" panose="02020603050405020304" pitchFamily="18" charset="0"/>
-            </a:endParaRPr>
-          </a:p>
-        </p:txBody>
-      </p:sp>
-      <p:sp>
-        <p:nvSpPr>
-          <p:cNvPr id="10" name="Text Placeholder 9">
-            <a:extLst>
-              <a:ext uri="{FF2B5EF4-FFF2-40B4-BE49-F238E27FC236}">
-                <a16:creationId xmlns:a16="http://schemas.microsoft.com/office/drawing/2014/main" xmlns="" id="{EF2BC084-E6DB-4DE7-B309-042A85EBA700}"/>
-              </a:ext>
-            </a:extLst>
-          </p:cNvPr>
-          <p:cNvSpPr>
-            <a:spLocks noGrp="1"/>
-          </p:cNvSpPr>
-          <p:nvPr>
-            <p:ph type="body" sz="quarter" idx="13"/>
-          </p:nvPr>
-        </p:nvSpPr>
-        <p:spPr>
-          <a:xfrm>
-            <a:off x="444499" y="1309817"/>
-            <a:ext cx="7612105" cy="4408812"/>
-          </a:xfrm>
-        </p:spPr>
-        <p:txBody>
-          <a:bodyPr/>
-          <a:lstStyle/>
-          <a:p>
-            <a:r>
-              <a:rPr lang="en-US" sz="2100" b="1" dirty="0">
-                <a:latin typeface="Times New Roman" panose="02020603050405020304" pitchFamily="18" charset="0"/>
-                <a:cs typeface="Times New Roman" panose="02020603050405020304" pitchFamily="18" charset="0"/>
-              </a:rPr>
-              <a:t>Page Object Model</a:t>
-            </a:r>
-            <a:r>
-              <a:rPr lang="en-US" sz="2100" dirty="0">
-                <a:latin typeface="Times New Roman" panose="02020603050405020304" pitchFamily="18" charset="0"/>
-                <a:cs typeface="Times New Roman" panose="02020603050405020304" pitchFamily="18" charset="0"/>
-              </a:rPr>
-              <a:t> is a design pattern which has become popular in test automation for enhancing test maintenance and reducing code </a:t>
-            </a:r>
-            <a:r>
-              <a:rPr lang="en-US" sz="2100" dirty="0" smtClean="0">
-                <a:latin typeface="Times New Roman" panose="02020603050405020304" pitchFamily="18" charset="0"/>
-                <a:cs typeface="Times New Roman" panose="02020603050405020304" pitchFamily="18" charset="0"/>
-              </a:rPr>
-              <a:t>duplication</a:t>
-            </a:r>
-          </a:p>
-          <a:p>
-            <a:r>
-              <a:rPr lang="nl-NL" sz="2100" dirty="0" smtClean="0">
-                <a:latin typeface="Times New Roman" panose="02020603050405020304" pitchFamily="18" charset="0"/>
-                <a:cs typeface="Times New Roman" panose="02020603050405020304" pitchFamily="18" charset="0"/>
-              </a:rPr>
-              <a:t>Instead writing code inside test class to interact with Browser we write code in Page class. Page class handle web interaction logic and how to interact with the web elements</a:t>
-            </a:r>
-          </a:p>
-          <a:p>
-            <a:r>
-              <a:rPr lang="en-US" sz="2100" dirty="0" smtClean="0">
-                <a:latin typeface="Times New Roman" panose="02020603050405020304" pitchFamily="18" charset="0"/>
-                <a:cs typeface="Times New Roman" panose="02020603050405020304" pitchFamily="18" charset="0"/>
-              </a:rPr>
-              <a:t>We </a:t>
-            </a:r>
-            <a:r>
-              <a:rPr lang="en-US" sz="2100" dirty="0">
-                <a:latin typeface="Times New Roman" panose="02020603050405020304" pitchFamily="18" charset="0"/>
-                <a:cs typeface="Times New Roman" panose="02020603050405020304" pitchFamily="18" charset="0"/>
-              </a:rPr>
-              <a:t>should keep our tests and element locators separately, this will keep code clean and easy to understand and maintain.</a:t>
-            </a:r>
-          </a:p>
-          <a:p>
-            <a:r>
-              <a:rPr lang="en-US" sz="2100" dirty="0">
-                <a:latin typeface="Times New Roman" panose="02020603050405020304" pitchFamily="18" charset="0"/>
-                <a:cs typeface="Times New Roman" panose="02020603050405020304" pitchFamily="18" charset="0"/>
-              </a:rPr>
-              <a:t>The Page Object approach makes test automation framework programmer friendly, more durable and comprehensive.</a:t>
-            </a:r>
-          </a:p>
-          <a:p>
-            <a:r>
-              <a:rPr lang="en-US" sz="2100" dirty="0">
-                <a:latin typeface="Times New Roman" panose="02020603050405020304" pitchFamily="18" charset="0"/>
-                <a:cs typeface="Times New Roman" panose="02020603050405020304" pitchFamily="18" charset="0"/>
-              </a:rPr>
-              <a:t>Test cases become short and optimized as we are able to reuse page object methods in the </a:t>
-            </a:r>
-            <a:r>
-              <a:rPr lang="en-US" sz="2100" b="1" dirty="0">
-                <a:latin typeface="Times New Roman" panose="02020603050405020304" pitchFamily="18" charset="0"/>
-                <a:cs typeface="Times New Roman" panose="02020603050405020304" pitchFamily="18" charset="0"/>
-              </a:rPr>
-              <a:t>POM</a:t>
-            </a:r>
-            <a:r>
-              <a:rPr lang="en-US" sz="2100" dirty="0">
-                <a:latin typeface="Times New Roman" panose="02020603050405020304" pitchFamily="18" charset="0"/>
-                <a:cs typeface="Times New Roman" panose="02020603050405020304" pitchFamily="18" charset="0"/>
-              </a:rPr>
-              <a:t> classes.</a:t>
-            </a:r>
-          </a:p>
-          <a:p>
-            <a:r>
-              <a:rPr lang="en-US" sz="2100" dirty="0">
-                <a:latin typeface="Times New Roman" panose="02020603050405020304" pitchFamily="18" charset="0"/>
-                <a:cs typeface="Times New Roman" panose="02020603050405020304" pitchFamily="18" charset="0"/>
-              </a:rPr>
-              <a:t>Any change in UI can easily be implemented, updated and maintained into the Page Objects and Classes.</a:t>
-            </a:r>
-          </a:p>
-          <a:p>
-            <a:endParaRPr lang="en-US" sz="2100" dirty="0">
-              <a:latin typeface="Times New Roman" panose="02020603050405020304" pitchFamily="18" charset="0"/>
-              <a:cs typeface="Times New Roman" panose="02020603050405020304" pitchFamily="18" charset="0"/>
-            </a:endParaRPr>
-          </a:p>
-        </p:txBody>
-      </p:sp>
-      <p:sp>
-        <p:nvSpPr>
-          <p:cNvPr id="2" name="Slide Number Placeholder 1">
-            <a:extLst>
-              <a:ext uri="{FF2B5EF4-FFF2-40B4-BE49-F238E27FC236}">
-                <a16:creationId xmlns:a16="http://schemas.microsoft.com/office/drawing/2014/main" xmlns="" id="{BE9800F6-D571-48C4-8466-12AA1ADB6599}"/>
-              </a:ext>
-            </a:extLst>
-          </p:cNvPr>
-          <p:cNvSpPr>
-            <a:spLocks noGrp="1"/>
-          </p:cNvSpPr>
-          <p:nvPr>
-            <p:ph type="sldNum" sz="quarter" idx="12"/>
-          </p:nvPr>
-        </p:nvSpPr>
-        <p:spPr/>
-        <p:txBody>
-          <a:bodyPr/>
-          <a:lstStyle/>
-          <a:p>
-            <a:fld id="{C263D6C4-4840-40CC-AC84-17E24B3B7BDE}" type="slidenum">
-              <a:rPr lang="en-US" smtClean="0"/>
-              <a:pPr/>
-              <a:t>14</a:t>
-            </a:fld>
-            <a:endParaRPr lang="en-US" dirty="0"/>
-          </a:p>
-        </p:txBody>
-      </p:sp>
-    </p:spTree>
-    <p:extLst>
-      <p:ext uri="{BB962C8B-B14F-4D97-AF65-F5344CB8AC3E}">
-        <p14:creationId xmlns:p14="http://schemas.microsoft.com/office/powerpoint/2010/main" val="69014658"/>
-      </p:ext>
-    </p:extLst>
-  </p:cSld>
-  <p:clrMapOvr>
-    <a:masterClrMapping/>
-  </p:clrMapOvr>
-  <mc:AlternateContent xmlns:mc="http://schemas.openxmlformats.org/markup-compatibility/2006">
-    <mc:Choice xmlns:p14="http://schemas.microsoft.com/office/powerpoint/2010/main" Requires="p14">
-      <p:transition spd="med" p14:dur="700">
-        <p:fade/>
-      </p:transition>
-    </mc:Choice>
-    <mc:Fallback>
-      <p:transition spd="med">
-        <p:fade/>
-      </p:transition>
-    </mc:Fallback>
-  </mc:AlternateContent>
-  <p:timing>
-    <p:tnLst>
-      <p:par>
-        <p:cTn id="1" dur="indefinite" restart="never" nodeType="tmRoot"/>
-      </p:par>
-    </p:tnLst>
-  </p:timing>
-</p:sld>
-</file>
-
-<file path=ppt/slides/slide15.xml><?xml version="1.0" encoding="utf-8"?>
 <p:sld xmlns:a="http://schemas.openxmlformats.org/drawingml/2006/main" xmlns:r="http://schemas.openxmlformats.org/officeDocument/2006/relationships" xmlns:p="http://schemas.openxmlformats.org/presentationml/2006/main">
   <p:cSld>
     <p:spTree>
@@ -26765,7 +26563,7 @@
             <a:fld id="{C263D6C4-4840-40CC-AC84-17E24B3B7BDE}" type="slidenum">
               <a:rPr lang="en-US" noProof="0" smtClean="0"/>
               <a:pPr/>
-              <a:t>15</a:t>
+              <a:t>14</a:t>
             </a:fld>
             <a:endParaRPr lang="en-US" noProof="0" dirty="0"/>
           </a:p>
@@ -26784,7 +26582,7 @@
         <p:spPr>
           <a:xfrm>
             <a:off x="444500" y="1210963"/>
-            <a:ext cx="6718300" cy="4507666"/>
+            <a:ext cx="6435271" cy="5303048"/>
           </a:xfrm>
         </p:spPr>
         <p:txBody>
@@ -26792,33 +26590,16 @@
           <a:lstStyle/>
           <a:p>
             <a:r>
-              <a:rPr lang="en-US" sz="2200" dirty="0" smtClean="0">
-                <a:latin typeface="Times New Roman" panose="02020603050405020304" pitchFamily="18" charset="0"/>
-                <a:cs typeface="Times New Roman" panose="02020603050405020304" pitchFamily="18" charset="0"/>
-              </a:rPr>
-              <a:t>A </a:t>
-            </a:r>
-            <a:r>
               <a:rPr lang="en-US" sz="2200" dirty="0">
                 <a:latin typeface="Times New Roman" panose="02020603050405020304" pitchFamily="18" charset="0"/>
                 <a:cs typeface="Times New Roman" panose="02020603050405020304" pitchFamily="18" charset="0"/>
               </a:rPr>
-              <a:t>website may be using different kind of elements to display some kind of </a:t>
+              <a:t>A website may be using different kind of elements to display some kind of data like text box, button, dropdown list, hyper link, checkbox, radio button</a:t>
             </a:r>
+          </a:p>
+          <a:p>
             <a:r>
-              <a:rPr lang="en-US" sz="2200" dirty="0" smtClean="0">
-                <a:latin typeface="Times New Roman" panose="02020603050405020304" pitchFamily="18" charset="0"/>
-                <a:cs typeface="Times New Roman" panose="02020603050405020304" pitchFamily="18" charset="0"/>
-              </a:rPr>
-              <a:t>data like text box, button, dropdown list, hyper link, checkbox, radio button</a:t>
-            </a:r>
-          </a:p>
-          <a:p>
-            <a:pPr marL="0" indent="0">
-              <a:buNone/>
-            </a:pPr>
-            <a:r>
-              <a:rPr lang="nl-NL" sz="2200" dirty="0" smtClean="0">
+              <a:rPr lang="nl-NL" sz="2200" dirty="0">
                 <a:latin typeface="Times New Roman" panose="02020603050405020304" pitchFamily="18" charset="0"/>
                 <a:cs typeface="Times New Roman" panose="02020603050405020304" pitchFamily="18" charset="0"/>
               </a:rPr>
@@ -26826,8 +26607,9 @@
             </a:r>
           </a:p>
           <a:p>
+            <a:pPr lvl="1"/>
             <a:r>
-              <a:rPr lang="en-US" sz="2200" dirty="0">
+              <a:rPr lang="en-US" sz="2000" dirty="0">
                 <a:latin typeface="Times New Roman" panose="02020603050405020304" pitchFamily="18" charset="0"/>
                 <a:cs typeface="Times New Roman" panose="02020603050405020304" pitchFamily="18" charset="0"/>
               </a:rPr>
@@ -26835,8 +26617,9 @@
             </a:r>
           </a:p>
           <a:p>
+            <a:pPr lvl="1"/>
             <a:r>
-              <a:rPr lang="en-US" sz="2200" dirty="0">
+              <a:rPr lang="en-US" sz="2000" dirty="0">
                 <a:latin typeface="Times New Roman" panose="02020603050405020304" pitchFamily="18" charset="0"/>
                 <a:cs typeface="Times New Roman" panose="02020603050405020304" pitchFamily="18" charset="0"/>
               </a:rPr>
@@ -26844,8 +26627,9 @@
             </a:r>
           </a:p>
           <a:p>
+            <a:pPr lvl="1"/>
             <a:r>
-              <a:rPr lang="en-US" sz="2200" dirty="0">
+              <a:rPr lang="en-US" sz="2000" dirty="0">
                 <a:latin typeface="Times New Roman" panose="02020603050405020304" pitchFamily="18" charset="0"/>
                 <a:cs typeface="Times New Roman" panose="02020603050405020304" pitchFamily="18" charset="0"/>
               </a:rPr>
@@ -26853,8 +26637,9 @@
             </a:r>
           </a:p>
           <a:p>
+            <a:pPr lvl="1"/>
             <a:r>
-              <a:rPr lang="en-US" sz="2200" dirty="0">
+              <a:rPr lang="en-US" sz="2000" dirty="0">
                 <a:latin typeface="Times New Roman" panose="02020603050405020304" pitchFamily="18" charset="0"/>
                 <a:cs typeface="Times New Roman" panose="02020603050405020304" pitchFamily="18" charset="0"/>
               </a:rPr>
@@ -26862,21 +26647,23 @@
             </a:r>
           </a:p>
           <a:p>
+            <a:pPr lvl="1"/>
             <a:r>
-              <a:rPr lang="en-US" sz="2200" dirty="0" err="1">
+              <a:rPr lang="en-US" sz="2000" dirty="0" err="1">
                 <a:latin typeface="Times New Roman" panose="02020603050405020304" pitchFamily="18" charset="0"/>
                 <a:cs typeface="Times New Roman" panose="02020603050405020304" pitchFamily="18" charset="0"/>
               </a:rPr>
               <a:t>XPath</a:t>
             </a:r>
-            <a:endParaRPr lang="en-US" sz="2200" dirty="0">
+            <a:endParaRPr lang="en-US" sz="2000" dirty="0">
               <a:latin typeface="Times New Roman" panose="02020603050405020304" pitchFamily="18" charset="0"/>
               <a:cs typeface="Times New Roman" panose="02020603050405020304" pitchFamily="18" charset="0"/>
             </a:endParaRPr>
           </a:p>
           <a:p>
+            <a:pPr lvl="1"/>
             <a:r>
-              <a:rPr lang="en-US" sz="2200" dirty="0">
+              <a:rPr lang="en-US" sz="2000" dirty="0">
                 <a:latin typeface="Times New Roman" panose="02020603050405020304" pitchFamily="18" charset="0"/>
                 <a:cs typeface="Times New Roman" panose="02020603050405020304" pitchFamily="18" charset="0"/>
               </a:rPr>
@@ -26884,8 +26671,9 @@
             </a:r>
           </a:p>
           <a:p>
+            <a:pPr lvl="1"/>
             <a:r>
-              <a:rPr lang="en-US" sz="2200" dirty="0">
+              <a:rPr lang="en-US" sz="2000" dirty="0">
                 <a:latin typeface="Times New Roman" panose="02020603050405020304" pitchFamily="18" charset="0"/>
                 <a:cs typeface="Times New Roman" panose="02020603050405020304" pitchFamily="18" charset="0"/>
               </a:rPr>
@@ -26893,8 +26681,9 @@
             </a:r>
           </a:p>
           <a:p>
+            <a:pPr lvl="1"/>
             <a:r>
-              <a:rPr lang="en-US" sz="2200" dirty="0">
+              <a:rPr lang="en-US" sz="2000" dirty="0">
                 <a:latin typeface="Times New Roman" panose="02020603050405020304" pitchFamily="18" charset="0"/>
                 <a:cs typeface="Times New Roman" panose="02020603050405020304" pitchFamily="18" charset="0"/>
               </a:rPr>
@@ -26902,7 +26691,7 @@
             </a:r>
           </a:p>
           <a:p>
-            <a:endParaRPr lang="en-US" sz="2200" dirty="0" smtClean="0">
+            <a:endParaRPr lang="en-US" sz="2200" dirty="0">
               <a:latin typeface="Times New Roman" panose="02020603050405020304" pitchFamily="18" charset="0"/>
               <a:cs typeface="Times New Roman" panose="02020603050405020304" pitchFamily="18" charset="0"/>
             </a:endParaRPr>
@@ -26925,17 +26714,10 @@
   <p:clrMapOvr>
     <a:masterClrMapping/>
   </p:clrMapOvr>
-  <p:timing>
-    <p:tnLst>
-      <p:par>
-        <p:cTn id="1" dur="indefinite" restart="never" nodeType="tmRoot"/>
-      </p:par>
-    </p:tnLst>
-  </p:timing>
 </p:sld>
 </file>
 
-<file path=ppt/slides/slide16.xml><?xml version="1.0" encoding="utf-8"?>
+<file path=ppt/slides/slide15.xml><?xml version="1.0" encoding="utf-8"?>
 <p:sld xmlns:a="http://schemas.openxmlformats.org/drawingml/2006/main" xmlns:r="http://schemas.openxmlformats.org/officeDocument/2006/relationships" xmlns:p="http://schemas.openxmlformats.org/presentationml/2006/main">
   <p:cSld>
     <p:spTree>
@@ -26977,14 +26759,21 @@
                 <a:latin typeface="Times New Roman" panose="02020603050405020304" pitchFamily="18" charset="0"/>
                 <a:cs typeface="Times New Roman" panose="02020603050405020304" pitchFamily="18" charset="0"/>
               </a:rPr>
-              <a:t>What is SpecFlow</a:t>
+              <a:t>What is </a:t>
+            </a:r>
+            <a:r>
+              <a:rPr lang="en-US" dirty="0" err="1">
+                <a:latin typeface="Times New Roman" panose="02020603050405020304" pitchFamily="18" charset="0"/>
+                <a:cs typeface="Times New Roman" panose="02020603050405020304" pitchFamily="18" charset="0"/>
+              </a:rPr>
+              <a:t>SpecFlow</a:t>
             </a:r>
             <a:r>
               <a:rPr lang="en-US" dirty="0">
                 <a:latin typeface="Times New Roman" panose="02020603050405020304" pitchFamily="18" charset="0"/>
                 <a:cs typeface="Times New Roman" panose="02020603050405020304" pitchFamily="18" charset="0"/>
               </a:rPr>
-              <a:t> Feature File?</a:t>
+              <a:t> feature file?</a:t>
             </a:r>
             <a:br>
               <a:rPr lang="en-US" dirty="0">
@@ -27017,7 +26806,7 @@
             <a:fld id="{C263D6C4-4840-40CC-AC84-17E24B3B7BDE}" type="slidenum">
               <a:rPr lang="en-US" noProof="0" smtClean="0"/>
               <a:pPr/>
-              <a:t>16</a:t>
+              <a:t>15</a:t>
             </a:fld>
             <a:endParaRPr lang="en-US" noProof="0" dirty="0"/>
           </a:p>
@@ -27071,14 +26860,7 @@
                 <a:latin typeface="Times New Roman" panose="02020603050405020304" pitchFamily="18" charset="0"/>
                 <a:cs typeface="Times New Roman" panose="02020603050405020304" pitchFamily="18" charset="0"/>
               </a:rPr>
-              <a:t> test. This is a file where you will describe your tests in Descriptive </a:t>
-            </a:r>
-            <a:r>
-              <a:rPr lang="en-US" sz="2500" dirty="0" smtClean="0">
-                <a:latin typeface="Times New Roman" panose="02020603050405020304" pitchFamily="18" charset="0"/>
-                <a:cs typeface="Times New Roman" panose="02020603050405020304" pitchFamily="18" charset="0"/>
-              </a:rPr>
-              <a:t>language</a:t>
+              <a:t> test. This is a file where you will describe your tests in Descriptive language</a:t>
             </a:r>
           </a:p>
           <a:p>
@@ -27087,21 +26869,7 @@
                 <a:latin typeface="Times New Roman" panose="02020603050405020304" pitchFamily="18" charset="0"/>
                 <a:cs typeface="Times New Roman" panose="02020603050405020304" pitchFamily="18" charset="0"/>
               </a:rPr>
-              <a:t>It </a:t>
-            </a:r>
-            <a:r>
-              <a:rPr lang="en-US" sz="2500" dirty="0" smtClean="0">
-                <a:latin typeface="Times New Roman" panose="02020603050405020304" pitchFamily="18" charset="0"/>
-                <a:cs typeface="Times New Roman" panose="02020603050405020304" pitchFamily="18" charset="0"/>
-              </a:rPr>
-              <a:t>is </a:t>
-            </a:r>
-            <a:r>
-              <a:rPr lang="en-US" sz="2500" dirty="0">
-                <a:latin typeface="Times New Roman" panose="02020603050405020304" pitchFamily="18" charset="0"/>
-                <a:cs typeface="Times New Roman" panose="02020603050405020304" pitchFamily="18" charset="0"/>
-              </a:rPr>
-              <a:t>an essential part of </a:t>
+              <a:t>It is an essential part of </a:t>
             </a:r>
             <a:r>
               <a:rPr lang="en-US" sz="2500" dirty="0" err="1">
@@ -27117,10 +26885,6 @@
               </a:rPr>
               <a:t>, as it serves as an automation test script as well as live documents. A feature file can contain a scenario or can contain many scenarios in a single feature file but it usually contains a list of scenarios.</a:t>
             </a:r>
-            <a:endParaRPr lang="en-US" sz="2500" dirty="0">
-              <a:latin typeface="Times New Roman" panose="02020603050405020304" pitchFamily="18" charset="0"/>
-              <a:cs typeface="Times New Roman" panose="02020603050405020304" pitchFamily="18" charset="0"/>
-            </a:endParaRPr>
           </a:p>
         </p:txBody>
       </p:sp>
@@ -27137,7 +26901,7 @@
 </p:sld>
 </file>
 
-<file path=ppt/slides/slide17.xml><?xml version="1.0" encoding="utf-8"?>
+<file path=ppt/slides/slide16.xml><?xml version="1.0" encoding="utf-8"?>
 <p:sld xmlns:a="http://schemas.openxmlformats.org/drawingml/2006/main" xmlns:r="http://schemas.openxmlformats.org/officeDocument/2006/relationships" xmlns:p="http://schemas.openxmlformats.org/presentationml/2006/main">
   <p:cSld>
     <p:spTree>
@@ -27176,8 +26940,8 @@
         </p:blipFill>
         <p:spPr>
           <a:xfrm>
-            <a:off x="1639330" y="164756"/>
-            <a:ext cx="8135535" cy="6419067"/>
+            <a:off x="1805657" y="43852"/>
+            <a:ext cx="8580686" cy="6770296"/>
           </a:xfrm>
           <a:prstGeom prst="rect">
             <a:avLst/>
@@ -27222,7 +26986,7 @@
           <p:cNvPr id="4" name="Title 3">
             <a:extLst>
               <a:ext uri="{FF2B5EF4-FFF2-40B4-BE49-F238E27FC236}">
-                <a16:creationId xmlns:a16="http://schemas.microsoft.com/office/drawing/2014/main" xmlns="" id="{E3BD8413-C238-49D7-A4E1-E8FEF1811A0E}"/>
+                <a16:creationId xmlns:a16="http://schemas.microsoft.com/office/drawing/2014/main" id="{E3BD8413-C238-49D7-A4E1-E8FEF1811A0E}"/>
               </a:ext>
             </a:extLst>
           </p:cNvPr>
@@ -27246,72 +27010,18 @@
           <a:lstStyle/>
           <a:p>
             <a:r>
-              <a:rPr lang="en-US" sz="3000" b="0" dirty="0" smtClean="0">
-                <a:latin typeface="Times New Roman" panose="02020603050405020304" pitchFamily="18" charset="0"/>
-                <a:cs typeface="Times New Roman" panose="02020603050405020304" pitchFamily="18" charset="0"/>
-              </a:rPr>
-              <a:t> * What </a:t>
-            </a:r>
-            <a:r>
               <a:rPr lang="en-US" sz="3000" b="0" dirty="0">
                 <a:latin typeface="Times New Roman" panose="02020603050405020304" pitchFamily="18" charset="0"/>
                 <a:cs typeface="Times New Roman" panose="02020603050405020304" pitchFamily="18" charset="0"/>
               </a:rPr>
-              <a:t>is </a:t>
+              <a:t> * What is </a:t>
             </a:r>
             <a:r>
-              <a:rPr lang="en-US" sz="3000" b="0" dirty="0" err="1" smtClean="0">
+              <a:rPr lang="en-US" sz="3000" b="0" dirty="0" err="1">
                 <a:latin typeface="Times New Roman" panose="02020603050405020304" pitchFamily="18" charset="0"/>
                 <a:cs typeface="Times New Roman" panose="02020603050405020304" pitchFamily="18" charset="0"/>
               </a:rPr>
-              <a:t>specflow</a:t>
-            </a:r>
-            <a:r>
-              <a:rPr lang="en-US" sz="3000" b="0" dirty="0" smtClean="0">
-                <a:latin typeface="Times New Roman" panose="02020603050405020304" pitchFamily="18" charset="0"/>
-                <a:cs typeface="Times New Roman" panose="02020603050405020304" pitchFamily="18" charset="0"/>
-              </a:rPr>
-              <a:t/>
-            </a:r>
-            <a:br>
-              <a:rPr lang="en-US" sz="3000" b="0" dirty="0" smtClean="0">
-                <a:latin typeface="Times New Roman" panose="02020603050405020304" pitchFamily="18" charset="0"/>
-                <a:cs typeface="Times New Roman" panose="02020603050405020304" pitchFamily="18" charset="0"/>
-              </a:rPr>
-            </a:br>
-            <a:r>
-              <a:rPr lang="en-US" sz="3000" b="0" dirty="0">
-                <a:latin typeface="Times New Roman" panose="02020603050405020304" pitchFamily="18" charset="0"/>
-                <a:cs typeface="Times New Roman" panose="02020603050405020304" pitchFamily="18" charset="0"/>
-              </a:rPr>
-              <a:t> </a:t>
-            </a:r>
-            <a:r>
-              <a:rPr lang="en-US" sz="3000" b="0" dirty="0" smtClean="0">
-                <a:latin typeface="Times New Roman" panose="02020603050405020304" pitchFamily="18" charset="0"/>
-                <a:cs typeface="Times New Roman" panose="02020603050405020304" pitchFamily="18" charset="0"/>
-              </a:rPr>
-              <a:t>* TDD &amp; BDD</a:t>
-            </a:r>
-            <a:br>
-              <a:rPr lang="en-US" sz="3000" b="0" dirty="0" smtClean="0">
-                <a:latin typeface="Times New Roman" panose="02020603050405020304" pitchFamily="18" charset="0"/>
-                <a:cs typeface="Times New Roman" panose="02020603050405020304" pitchFamily="18" charset="0"/>
-              </a:rPr>
-            </a:br>
-            <a:r>
-              <a:rPr lang="en-US" sz="3000" b="0" dirty="0" smtClean="0">
-                <a:latin typeface="Times New Roman" panose="02020603050405020304" pitchFamily="18" charset="0"/>
-                <a:cs typeface="Times New Roman" panose="02020603050405020304" pitchFamily="18" charset="0"/>
-              </a:rPr>
-              <a:t> * Selenium</a:t>
-            </a:r>
-            <a:r>
-              <a:rPr lang="en-US" sz="3000" b="0" dirty="0">
-                <a:latin typeface="Times New Roman" panose="02020603050405020304" pitchFamily="18" charset="0"/>
-                <a:cs typeface="Times New Roman" panose="02020603050405020304" pitchFamily="18" charset="0"/>
-              </a:rPr>
-              <a:t/>
+              <a:t>SpecFlow</a:t>
             </a:r>
             <a:br>
               <a:rPr lang="en-US" sz="3000" b="0" dirty="0">
@@ -27324,98 +27034,10 @@
                 <a:latin typeface="Times New Roman" panose="02020603050405020304" pitchFamily="18" charset="0"/>
                 <a:cs typeface="Times New Roman" panose="02020603050405020304" pitchFamily="18" charset="0"/>
               </a:rPr>
-              <a:t> * Web Driver</a:t>
+              <a:t> * TDD &amp; BDD</a:t>
             </a:r>
             <a:br>
               <a:rPr lang="en-US" sz="3000" b="0" dirty="0">
-                <a:latin typeface="Times New Roman" panose="02020603050405020304" pitchFamily="18" charset="0"/>
-                <a:cs typeface="Times New Roman" panose="02020603050405020304" pitchFamily="18" charset="0"/>
-              </a:rPr>
-            </a:br>
-            <a:r>
-              <a:rPr lang="en-US" sz="3000" b="0" dirty="0" smtClean="0">
-                <a:latin typeface="Times New Roman" panose="02020603050405020304" pitchFamily="18" charset="0"/>
-                <a:cs typeface="Times New Roman" panose="02020603050405020304" pitchFamily="18" charset="0"/>
-              </a:rPr>
-              <a:t> * Setup </a:t>
-            </a:r>
-            <a:r>
-              <a:rPr lang="en-US" sz="3000" b="0" dirty="0">
-                <a:latin typeface="Times New Roman" panose="02020603050405020304" pitchFamily="18" charset="0"/>
-                <a:cs typeface="Times New Roman" panose="02020603050405020304" pitchFamily="18" charset="0"/>
-              </a:rPr>
-              <a:t>&amp; </a:t>
-            </a:r>
-            <a:r>
-              <a:rPr lang="en-US" sz="3000" b="0" dirty="0" smtClean="0">
-                <a:latin typeface="Times New Roman" panose="02020603050405020304" pitchFamily="18" charset="0"/>
-                <a:cs typeface="Times New Roman" panose="02020603050405020304" pitchFamily="18" charset="0"/>
-              </a:rPr>
-              <a:t>Requirement</a:t>
-            </a:r>
-            <a:r>
-              <a:rPr lang="en-US" sz="3000" b="0" dirty="0">
-                <a:latin typeface="Times New Roman" panose="02020603050405020304" pitchFamily="18" charset="0"/>
-                <a:cs typeface="Times New Roman" panose="02020603050405020304" pitchFamily="18" charset="0"/>
-              </a:rPr>
-              <a:t/>
-            </a:r>
-            <a:br>
-              <a:rPr lang="en-US" sz="3000" b="0" dirty="0">
-                <a:latin typeface="Times New Roman" panose="02020603050405020304" pitchFamily="18" charset="0"/>
-                <a:cs typeface="Times New Roman" panose="02020603050405020304" pitchFamily="18" charset="0"/>
-              </a:rPr>
-            </a:br>
-            <a:r>
-              <a:rPr lang="en-US" sz="3000" b="0" dirty="0" smtClean="0">
-                <a:latin typeface="Times New Roman" panose="02020603050405020304" pitchFamily="18" charset="0"/>
-                <a:cs typeface="Times New Roman" panose="02020603050405020304" pitchFamily="18" charset="0"/>
-              </a:rPr>
-              <a:t> * What </a:t>
-            </a:r>
-            <a:r>
-              <a:rPr lang="en-US" sz="3000" b="0" dirty="0">
-                <a:latin typeface="Times New Roman" panose="02020603050405020304" pitchFamily="18" charset="0"/>
-                <a:cs typeface="Times New Roman" panose="02020603050405020304" pitchFamily="18" charset="0"/>
-              </a:rPr>
-              <a:t>is Gherkin, Gherkin syntax, Advantage and </a:t>
-            </a:r>
-            <a:r>
-              <a:rPr lang="en-US" sz="3000" b="0" dirty="0" smtClean="0">
-                <a:latin typeface="Times New Roman" panose="02020603050405020304" pitchFamily="18" charset="0"/>
-                <a:cs typeface="Times New Roman" panose="02020603050405020304" pitchFamily="18" charset="0"/>
-              </a:rPr>
-              <a:t>Disadvantages</a:t>
-            </a:r>
-            <a:br>
-              <a:rPr lang="en-US" sz="3000" b="0" dirty="0" smtClean="0">
-                <a:latin typeface="Times New Roman" panose="02020603050405020304" pitchFamily="18" charset="0"/>
-                <a:cs typeface="Times New Roman" panose="02020603050405020304" pitchFamily="18" charset="0"/>
-              </a:rPr>
-            </a:br>
-            <a:r>
-              <a:rPr lang="en-US" sz="3000" b="0" dirty="0" smtClean="0">
-                <a:latin typeface="Times New Roman" panose="02020603050405020304" pitchFamily="18" charset="0"/>
-                <a:cs typeface="Times New Roman" panose="02020603050405020304" pitchFamily="18" charset="0"/>
-              </a:rPr>
-              <a:t> * Terms </a:t>
-            </a:r>
-            <a:r>
-              <a:rPr lang="en-US" sz="3000" b="0" dirty="0">
-                <a:latin typeface="Times New Roman" panose="02020603050405020304" pitchFamily="18" charset="0"/>
-                <a:cs typeface="Times New Roman" panose="02020603050405020304" pitchFamily="18" charset="0"/>
-              </a:rPr>
-              <a:t>used in </a:t>
-            </a:r>
-            <a:r>
-              <a:rPr lang="en-US" sz="3000" b="0" dirty="0" smtClean="0">
-                <a:latin typeface="Times New Roman" panose="02020603050405020304" pitchFamily="18" charset="0"/>
-                <a:cs typeface="Times New Roman" panose="02020603050405020304" pitchFamily="18" charset="0"/>
-              </a:rPr>
-              <a:t>Gherkin</a:t>
-            </a:r>
-            <a:br>
-              <a:rPr lang="en-US" sz="3000" b="0" dirty="0" smtClean="0">
                 <a:latin typeface="Times New Roman" panose="02020603050405020304" pitchFamily="18" charset="0"/>
                 <a:cs typeface="Times New Roman" panose="02020603050405020304" pitchFamily="18" charset="0"/>
               </a:rPr>
@@ -27425,54 +27047,7 @@
                 <a:latin typeface="Times New Roman" panose="02020603050405020304" pitchFamily="18" charset="0"/>
                 <a:cs typeface="Times New Roman" panose="02020603050405020304" pitchFamily="18" charset="0"/>
               </a:rPr>
-              <a:t> * Page </a:t>
-            </a:r>
-            <a:r>
-              <a:rPr lang="en-US" sz="3000" b="0" dirty="0" smtClean="0">
-                <a:latin typeface="Times New Roman" panose="02020603050405020304" pitchFamily="18" charset="0"/>
-                <a:cs typeface="Times New Roman" panose="02020603050405020304" pitchFamily="18" charset="0"/>
-              </a:rPr>
-              <a:t>Object Model</a:t>
-            </a:r>
-            <a:br>
-              <a:rPr lang="en-US" sz="3000" b="0" dirty="0" smtClean="0">
-                <a:latin typeface="Times New Roman" panose="02020603050405020304" pitchFamily="18" charset="0"/>
-                <a:cs typeface="Times New Roman" panose="02020603050405020304" pitchFamily="18" charset="0"/>
-              </a:rPr>
-            </a:br>
-            <a:r>
-              <a:rPr lang="en-US" sz="3000" b="0" dirty="0" smtClean="0">
-                <a:latin typeface="Times New Roman" panose="02020603050405020304" pitchFamily="18" charset="0"/>
-                <a:cs typeface="Times New Roman" panose="02020603050405020304" pitchFamily="18" charset="0"/>
-              </a:rPr>
-              <a:t> * Web elements</a:t>
-            </a:r>
-            <a:br>
-              <a:rPr lang="en-US" sz="3000" b="0" dirty="0" smtClean="0">
-                <a:latin typeface="Times New Roman" panose="02020603050405020304" pitchFamily="18" charset="0"/>
-                <a:cs typeface="Times New Roman" panose="02020603050405020304" pitchFamily="18" charset="0"/>
-              </a:rPr>
-            </a:br>
-            <a:r>
-              <a:rPr lang="en-US" sz="3000" b="0" dirty="0" smtClean="0">
-                <a:latin typeface="Times New Roman" panose="02020603050405020304" pitchFamily="18" charset="0"/>
-                <a:cs typeface="Times New Roman" panose="02020603050405020304" pitchFamily="18" charset="0"/>
-              </a:rPr>
-              <a:t> * Feature in </a:t>
-            </a:r>
-            <a:r>
-              <a:rPr lang="en-US" sz="3000" b="0" dirty="0" err="1" smtClean="0">
-                <a:latin typeface="Times New Roman" panose="02020603050405020304" pitchFamily="18" charset="0"/>
-                <a:cs typeface="Times New Roman" panose="02020603050405020304" pitchFamily="18" charset="0"/>
-              </a:rPr>
-              <a:t>specflow</a:t>
-            </a:r>
-            <a:r>
-              <a:rPr lang="en-US" sz="3000" b="0" dirty="0">
-                <a:latin typeface="Times New Roman" panose="02020603050405020304" pitchFamily="18" charset="0"/>
-                <a:cs typeface="Times New Roman" panose="02020603050405020304" pitchFamily="18" charset="0"/>
-              </a:rPr>
-              <a:t/>
+              <a:t> * Selenium WebDriver</a:t>
             </a:r>
             <a:br>
               <a:rPr lang="en-US" sz="3000" b="0" dirty="0">
@@ -27481,18 +27056,96 @@
               </a:rPr>
             </a:br>
             <a:r>
-              <a:rPr lang="en-US" sz="3000" b="0" dirty="0" smtClean="0">
+              <a:rPr lang="en-US" sz="3000" b="0" dirty="0">
                 <a:latin typeface="Times New Roman" panose="02020603050405020304" pitchFamily="18" charset="0"/>
                 <a:cs typeface="Times New Roman" panose="02020603050405020304" pitchFamily="18" charset="0"/>
               </a:rPr>
-              <a:t> * Demo</a:t>
+              <a:t> * Setup &amp; Requirement</a:t>
             </a:r>
+            <a:br>
+              <a:rPr lang="en-US" sz="3000" b="0" dirty="0">
+                <a:latin typeface="Times New Roman" panose="02020603050405020304" pitchFamily="18" charset="0"/>
+                <a:cs typeface="Times New Roman" panose="02020603050405020304" pitchFamily="18" charset="0"/>
+              </a:rPr>
+            </a:br>
             <a:r>
               <a:rPr lang="en-US" sz="3000" b="0" dirty="0">
                 <a:latin typeface="Times New Roman" panose="02020603050405020304" pitchFamily="18" charset="0"/>
                 <a:cs typeface="Times New Roman" panose="02020603050405020304" pitchFamily="18" charset="0"/>
               </a:rPr>
-              <a:t/>
+              <a:t> * What is Gherkin, Gherkin syntax, Advantage and Disadvantages</a:t>
+            </a:r>
+            <a:br>
+              <a:rPr lang="en-US" sz="3000" b="0" dirty="0">
+                <a:latin typeface="Times New Roman" panose="02020603050405020304" pitchFamily="18" charset="0"/>
+                <a:cs typeface="Times New Roman" panose="02020603050405020304" pitchFamily="18" charset="0"/>
+              </a:rPr>
+            </a:br>
+            <a:r>
+              <a:rPr lang="en-US" sz="3000" b="0" dirty="0">
+                <a:latin typeface="Times New Roman" panose="02020603050405020304" pitchFamily="18" charset="0"/>
+                <a:cs typeface="Times New Roman" panose="02020603050405020304" pitchFamily="18" charset="0"/>
+              </a:rPr>
+              <a:t> * Terms used in Gherkin</a:t>
+            </a:r>
+            <a:br>
+              <a:rPr lang="en-US" sz="3000" b="0" dirty="0">
+                <a:latin typeface="Times New Roman" panose="02020603050405020304" pitchFamily="18" charset="0"/>
+                <a:cs typeface="Times New Roman" panose="02020603050405020304" pitchFamily="18" charset="0"/>
+              </a:rPr>
+            </a:br>
+            <a:r>
+              <a:rPr lang="en-US" sz="3000" b="0" dirty="0">
+                <a:latin typeface="Times New Roman" panose="02020603050405020304" pitchFamily="18" charset="0"/>
+                <a:cs typeface="Times New Roman" panose="02020603050405020304" pitchFamily="18" charset="0"/>
+              </a:rPr>
+              <a:t> * Page Object Model</a:t>
+            </a:r>
+            <a:br>
+              <a:rPr lang="en-US" sz="3000" b="0" dirty="0">
+                <a:latin typeface="Times New Roman" panose="02020603050405020304" pitchFamily="18" charset="0"/>
+                <a:cs typeface="Times New Roman" panose="02020603050405020304" pitchFamily="18" charset="0"/>
+              </a:rPr>
+            </a:br>
+            <a:r>
+              <a:rPr lang="en-US" sz="3000" b="0" dirty="0">
+                <a:latin typeface="Times New Roman" panose="02020603050405020304" pitchFamily="18" charset="0"/>
+                <a:cs typeface="Times New Roman" panose="02020603050405020304" pitchFamily="18" charset="0"/>
+              </a:rPr>
+              <a:t> * Web elements</a:t>
+            </a:r>
+            <a:br>
+              <a:rPr lang="en-US" sz="3000" b="0" dirty="0">
+                <a:latin typeface="Times New Roman" panose="02020603050405020304" pitchFamily="18" charset="0"/>
+                <a:cs typeface="Times New Roman" panose="02020603050405020304" pitchFamily="18" charset="0"/>
+              </a:rPr>
+            </a:br>
+            <a:r>
+              <a:rPr lang="en-US" sz="3000" b="0" dirty="0">
+                <a:latin typeface="Times New Roman" panose="02020603050405020304" pitchFamily="18" charset="0"/>
+                <a:cs typeface="Times New Roman" panose="02020603050405020304" pitchFamily="18" charset="0"/>
+              </a:rPr>
+              <a:t> * Feature in </a:t>
+            </a:r>
+            <a:r>
+              <a:rPr lang="en-US" sz="3000" b="0" dirty="0" err="1">
+                <a:latin typeface="Times New Roman" panose="02020603050405020304" pitchFamily="18" charset="0"/>
+                <a:cs typeface="Times New Roman" panose="02020603050405020304" pitchFamily="18" charset="0"/>
+              </a:rPr>
+              <a:t>SpecFlow</a:t>
+            </a:r>
+            <a:br>
+              <a:rPr lang="en-US" sz="3000" b="0" dirty="0">
+                <a:latin typeface="Times New Roman" panose="02020603050405020304" pitchFamily="18" charset="0"/>
+                <a:cs typeface="Times New Roman" panose="02020603050405020304" pitchFamily="18" charset="0"/>
+              </a:rPr>
+            </a:br>
+            <a:r>
+              <a:rPr lang="en-US" sz="3000" b="0" dirty="0">
+                <a:latin typeface="Times New Roman" panose="02020603050405020304" pitchFamily="18" charset="0"/>
+                <a:cs typeface="Times New Roman" panose="02020603050405020304" pitchFamily="18" charset="0"/>
+              </a:rPr>
+              <a:t> * Demo</a:t>
             </a:r>
             <a:br>
               <a:rPr lang="en-US" sz="3000" b="0" dirty="0">
@@ -27512,7 +27165,7 @@
           <p:cNvPr id="2" name="Slide Number Placeholder 1">
             <a:extLst>
               <a:ext uri="{FF2B5EF4-FFF2-40B4-BE49-F238E27FC236}">
-                <a16:creationId xmlns:a16="http://schemas.microsoft.com/office/drawing/2014/main" xmlns="" id="{0B24BF10-2B55-43AB-9F77-F1A1410384A9}"/>
+                <a16:creationId xmlns:a16="http://schemas.microsoft.com/office/drawing/2014/main" id="{0B24BF10-2B55-43AB-9F77-F1A1410384A9}"/>
               </a:ext>
             </a:extLst>
           </p:cNvPr>
@@ -27559,13 +27212,6 @@
       </p:transition>
     </mc:Fallback>
   </mc:AlternateContent>
-  <p:timing>
-    <p:tnLst>
-      <p:par>
-        <p:cTn id="1" dur="indefinite" restart="never" nodeType="tmRoot"/>
-      </p:par>
-    </p:tnLst>
-  </p:timing>
 </p:sld>
 </file>
 
@@ -27591,7 +27237,7 @@
           <p:cNvPr id="7" name="Title 6">
             <a:extLst>
               <a:ext uri="{FF2B5EF4-FFF2-40B4-BE49-F238E27FC236}">
-                <a16:creationId xmlns:a16="http://schemas.microsoft.com/office/drawing/2014/main" xmlns="" id="{7875C19A-1AAE-476A-A316-A2CF92D763D3}"/>
+                <a16:creationId xmlns:a16="http://schemas.microsoft.com/office/drawing/2014/main" id="{7875C19A-1AAE-476A-A316-A2CF92D763D3}"/>
               </a:ext>
             </a:extLst>
           </p:cNvPr>
@@ -27608,18 +27254,18 @@
           <a:lstStyle/>
           <a:p>
             <a:r>
-              <a:rPr lang="en-US" dirty="0" smtClean="0">
+              <a:rPr lang="en-US" dirty="0">
                 <a:latin typeface="Times New Roman" panose="02020603050405020304" pitchFamily="18" charset="0"/>
                 <a:cs typeface="Times New Roman" panose="02020603050405020304" pitchFamily="18" charset="0"/>
               </a:rPr>
               <a:t>What is </a:t>
             </a:r>
             <a:r>
-              <a:rPr lang="en-US" dirty="0" err="1" smtClean="0">
+              <a:rPr lang="en-US" dirty="0" err="1">
                 <a:latin typeface="Times New Roman" panose="02020603050405020304" pitchFamily="18" charset="0"/>
                 <a:cs typeface="Times New Roman" panose="02020603050405020304" pitchFamily="18" charset="0"/>
               </a:rPr>
-              <a:t>Specflow</a:t>
+              <a:t>SpecFlow</a:t>
             </a:r>
             <a:endParaRPr lang="en-US" dirty="0">
               <a:latin typeface="Times New Roman" panose="02020603050405020304" pitchFamily="18" charset="0"/>
@@ -27633,7 +27279,7 @@
           <p:cNvPr id="10" name="Text Placeholder 9">
             <a:extLst>
               <a:ext uri="{FF2B5EF4-FFF2-40B4-BE49-F238E27FC236}">
-                <a16:creationId xmlns:a16="http://schemas.microsoft.com/office/drawing/2014/main" xmlns="" id="{EF2BC084-E6DB-4DE7-B309-042A85EBA700}"/>
+                <a16:creationId xmlns:a16="http://schemas.microsoft.com/office/drawing/2014/main" id="{EF2BC084-E6DB-4DE7-B309-042A85EBA700}"/>
               </a:ext>
             </a:extLst>
           </p:cNvPr>
@@ -27673,18 +27319,11 @@
                 <a:latin typeface="Times New Roman" panose="02020603050405020304" pitchFamily="18" charset="0"/>
                 <a:cs typeface="Times New Roman" panose="02020603050405020304" pitchFamily="18" charset="0"/>
               </a:rPr>
-              <a:t> to define, manage and automatically execute human-readable acceptance tests in .NET projects. Writing easily understandable tests is a cornerstone of the BDD paradigm and also helps build up a living documentation of your system</a:t>
+              <a:t> to define, manage and automatically execute human-readable acceptance tests in .NET projects. Writing easily understandable tests is a cornerstone of the BDD paradigm and also helps build up a living documentation of your system.</a:t>
             </a:r>
-            <a:r>
-              <a:rPr lang="en-US" sz="3000" dirty="0" smtClean="0">
-                <a:latin typeface="Times New Roman" panose="02020603050405020304" pitchFamily="18" charset="0"/>
-                <a:cs typeface="Times New Roman" panose="02020603050405020304" pitchFamily="18" charset="0"/>
-              </a:rPr>
-              <a:t>.</a:t>
-            </a:r>
-          </a:p>
-          <a:p>
-            <a:endParaRPr lang="en-US" sz="3000" dirty="0" smtClean="0">
+          </a:p>
+          <a:p>
+            <a:endParaRPr lang="en-US" sz="3000" dirty="0">
               <a:latin typeface="Times New Roman" panose="02020603050405020304" pitchFamily="18" charset="0"/>
               <a:cs typeface="Times New Roman" panose="02020603050405020304" pitchFamily="18" charset="0"/>
             </a:endParaRPr>
@@ -27744,14 +27383,7 @@
                 <a:latin typeface="Times New Roman" panose="02020603050405020304" pitchFamily="18" charset="0"/>
                 <a:cs typeface="Times New Roman" panose="02020603050405020304" pitchFamily="18" charset="0"/>
               </a:rPr>
-              <a:t> 2</a:t>
-            </a:r>
-            <a:r>
-              <a:rPr lang="en-US" sz="3000" dirty="0" smtClean="0">
-                <a:latin typeface="Times New Roman" panose="02020603050405020304" pitchFamily="18" charset="0"/>
-                <a:cs typeface="Times New Roman" panose="02020603050405020304" pitchFamily="18" charset="0"/>
-              </a:rPr>
-              <a:t>.</a:t>
+              <a:t> 2.</a:t>
             </a:r>
           </a:p>
         </p:txBody>
@@ -27761,7 +27393,7 @@
           <p:cNvPr id="2" name="Slide Number Placeholder 1">
             <a:extLst>
               <a:ext uri="{FF2B5EF4-FFF2-40B4-BE49-F238E27FC236}">
-                <a16:creationId xmlns:a16="http://schemas.microsoft.com/office/drawing/2014/main" xmlns="" id="{BE9800F6-D571-48C4-8466-12AA1ADB6599}"/>
+                <a16:creationId xmlns:a16="http://schemas.microsoft.com/office/drawing/2014/main" id="{BE9800F6-D571-48C4-8466-12AA1ADB6599}"/>
               </a:ext>
             </a:extLst>
           </p:cNvPr>
@@ -27808,13 +27440,6 @@
       </p:transition>
     </mc:Fallback>
   </mc:AlternateContent>
-  <p:timing>
-    <p:tnLst>
-      <p:par>
-        <p:cTn id="1" dur="indefinite" restart="never" nodeType="tmRoot"/>
-      </p:par>
-    </p:tnLst>
-  </p:timing>
 </p:sld>
 </file>
 
@@ -27837,7 +27462,13 @@
       </p:grpSpPr>
       <p:sp>
         <p:nvSpPr>
-          <p:cNvPr id="2" name="Title 1"/>
+          <p:cNvPr id="4" name="Title 3">
+            <a:extLst>
+              <a:ext uri="{FF2B5EF4-FFF2-40B4-BE49-F238E27FC236}">
+                <a16:creationId xmlns:a16="http://schemas.microsoft.com/office/drawing/2014/main" id="{315E3981-F0D7-482C-A8E0-6A57700BECA7}"/>
+              </a:ext>
+            </a:extLst>
+          </p:cNvPr>
           <p:cNvSpPr>
             <a:spLocks noGrp="1"/>
           </p:cNvSpPr>
@@ -27851,7 +27482,10 @@
           <a:lstStyle/>
           <a:p>
             <a:r>
-              <a:rPr lang="en-US" dirty="0"/>
+              <a:rPr lang="en-US" dirty="0">
+                <a:latin typeface="Times New Roman" panose="02020603050405020304" pitchFamily="18" charset="0"/>
+                <a:cs typeface="Times New Roman" panose="02020603050405020304" pitchFamily="18" charset="0"/>
+              </a:rPr>
               <a:t>TDD &amp; BDD</a:t>
             </a:r>
           </a:p>
@@ -27859,7 +27493,13 @@
       </p:sp>
       <p:sp>
         <p:nvSpPr>
-          <p:cNvPr id="3" name="Slide Number Placeholder 2"/>
+          <p:cNvPr id="2" name="Slide Number Placeholder 1">
+            <a:extLst>
+              <a:ext uri="{FF2B5EF4-FFF2-40B4-BE49-F238E27FC236}">
+                <a16:creationId xmlns:a16="http://schemas.microsoft.com/office/drawing/2014/main" id="{520FC4EE-F318-4344-9E3C-B950ADB63865}"/>
+              </a:ext>
+            </a:extLst>
+          </p:cNvPr>
           <p:cNvSpPr>
             <a:spLocks noGrp="1"/>
           </p:cNvSpPr>
@@ -27873,80 +27513,249 @@
           <a:lstStyle/>
           <a:p>
             <a:fld id="{C263D6C4-4840-40CC-AC84-17E24B3B7BDE}" type="slidenum">
-              <a:rPr lang="en-US" noProof="0" smtClean="0"/>
+              <a:rPr lang="en-US" smtClean="0"/>
               <a:pPr/>
               <a:t>4</a:t>
             </a:fld>
-            <a:endParaRPr lang="en-US" noProof="0" dirty="0"/>
+            <a:endParaRPr lang="en-US" dirty="0"/>
           </a:p>
         </p:txBody>
       </p:sp>
       <p:sp>
         <p:nvSpPr>
-          <p:cNvPr id="4" name="Text Placeholder 3"/>
+          <p:cNvPr id="7" name="Text Placeholder 6">
+            <a:extLst>
+              <a:ext uri="{FF2B5EF4-FFF2-40B4-BE49-F238E27FC236}">
+                <a16:creationId xmlns:a16="http://schemas.microsoft.com/office/drawing/2014/main" id="{B74126B4-1E6C-4FFF-9282-40E18A85A07F}"/>
+              </a:ext>
+            </a:extLst>
+          </p:cNvPr>
           <p:cNvSpPr>
             <a:spLocks noGrp="1"/>
           </p:cNvSpPr>
           <p:nvPr>
-            <p:ph type="body" sz="quarter" idx="13"/>
+            <p:ph type="body" sz="quarter" idx="1"/>
           </p:nvPr>
         </p:nvSpPr>
         <p:spPr/>
         <p:txBody>
-          <a:bodyPr/>
+          <a:bodyPr>
+            <a:normAutofit fontScale="92500" lnSpcReduction="10000"/>
+          </a:bodyPr>
           <a:lstStyle/>
           <a:p>
-            <a:endParaRPr lang="en-US"/>
+            <a:r>
+              <a:rPr lang="en-US" sz="2500" dirty="0">
+                <a:latin typeface="Times New Roman" panose="02020603050405020304" pitchFamily="18" charset="0"/>
+                <a:cs typeface="Times New Roman" panose="02020603050405020304" pitchFamily="18" charset="0"/>
+              </a:rPr>
+              <a:t>TDD</a:t>
+            </a:r>
+          </a:p>
+          <a:p>
+            <a:r>
+              <a:rPr lang="en-US" sz="2500" dirty="0">
+                <a:latin typeface="Times New Roman" panose="02020603050405020304" pitchFamily="18" charset="0"/>
+                <a:cs typeface="Times New Roman" panose="02020603050405020304" pitchFamily="18" charset="0"/>
+              </a:rPr>
+              <a:t>Test Driven-Development</a:t>
+            </a:r>
           </a:p>
         </p:txBody>
       </p:sp>
-      <p:pic>
-        <p:nvPicPr>
-          <p:cNvPr id="5" name="Picture 4"/>
-          <p:cNvPicPr>
-            <a:picLocks noChangeAspect="1"/>
-          </p:cNvPicPr>
-          <p:nvPr/>
-        </p:nvPicPr>
-        <p:blipFill>
-          <a:blip r:embed="rId2">
+      <p:sp>
+        <p:nvSpPr>
+          <p:cNvPr id="5" name="Text Placeholder 4">
             <a:extLst>
-              <a:ext uri="{28A0092B-C50C-407E-A947-70E740481C1C}">
-                <a14:useLocalDpi xmlns:a14="http://schemas.microsoft.com/office/drawing/2010/main" val="0"/>
+              <a:ext uri="{FF2B5EF4-FFF2-40B4-BE49-F238E27FC236}">
+                <a16:creationId xmlns:a16="http://schemas.microsoft.com/office/drawing/2014/main" id="{E0C87788-476B-4620-8002-A5C1177AD6C1}"/>
               </a:ext>
             </a:extLst>
-          </a:blip>
-          <a:stretch>
-            <a:fillRect/>
-          </a:stretch>
-        </p:blipFill>
+          </p:cNvPr>
+          <p:cNvSpPr>
+            <a:spLocks noGrp="1"/>
+          </p:cNvSpPr>
+          <p:nvPr>
+            <p:ph type="body" sz="quarter" idx="3"/>
+          </p:nvPr>
+        </p:nvSpPr>
+        <p:spPr/>
+        <p:txBody>
+          <a:bodyPr>
+            <a:normAutofit fontScale="92500" lnSpcReduction="10000"/>
+          </a:bodyPr>
+          <a:lstStyle/>
+          <a:p>
+            <a:r>
+              <a:rPr lang="en-US" sz="2500" dirty="0">
+                <a:latin typeface="Times New Roman" panose="02020603050405020304" pitchFamily="18" charset="0"/>
+                <a:cs typeface="Times New Roman" panose="02020603050405020304" pitchFamily="18" charset="0"/>
+              </a:rPr>
+              <a:t>BDD</a:t>
+            </a:r>
+          </a:p>
+          <a:p>
+            <a:r>
+              <a:rPr lang="en-US" sz="2500" dirty="0">
+                <a:latin typeface="Times New Roman" panose="02020603050405020304" pitchFamily="18" charset="0"/>
+                <a:cs typeface="Times New Roman" panose="02020603050405020304" pitchFamily="18" charset="0"/>
+              </a:rPr>
+              <a:t>Behavior Driven-Development</a:t>
+            </a:r>
+          </a:p>
+        </p:txBody>
+      </p:sp>
+      <p:sp>
+        <p:nvSpPr>
+          <p:cNvPr id="8" name="Text Placeholder 7">
+            <a:extLst>
+              <a:ext uri="{FF2B5EF4-FFF2-40B4-BE49-F238E27FC236}">
+                <a16:creationId xmlns:a16="http://schemas.microsoft.com/office/drawing/2014/main" id="{47DC4E62-1A34-4F98-A451-214F1808519C}"/>
+              </a:ext>
+            </a:extLst>
+          </p:cNvPr>
+          <p:cNvSpPr>
+            <a:spLocks noGrp="1"/>
+          </p:cNvSpPr>
+          <p:nvPr>
+            <p:ph type="body" sz="quarter" idx="2"/>
+          </p:nvPr>
+        </p:nvSpPr>
         <p:spPr>
           <a:xfrm>
-            <a:off x="444500" y="1190625"/>
-            <a:ext cx="11137900" cy="5124450"/>
+            <a:off x="444500" y="2505075"/>
+            <a:ext cx="4928689" cy="3684588"/>
           </a:xfrm>
-          <a:prstGeom prst="rect">
-            <a:avLst/>
-          </a:prstGeom>
         </p:spPr>
-      </p:pic>
+        <p:txBody>
+          <a:bodyPr>
+            <a:normAutofit/>
+          </a:bodyPr>
+          <a:lstStyle/>
+          <a:p>
+            <a:r>
+              <a:rPr lang="en-US" sz="2500" dirty="0">
+                <a:latin typeface="Times New Roman" panose="02020603050405020304" pitchFamily="18" charset="0"/>
+                <a:cs typeface="Times New Roman" panose="02020603050405020304" pitchFamily="18" charset="0"/>
+              </a:rPr>
+              <a:t>TDD is an innovative software development approach where tests are written, before writing the bare minimum of code required for the test to be fulfilled</a:t>
+            </a:r>
+          </a:p>
+          <a:p>
+            <a:r>
+              <a:rPr lang="nl-NL" sz="2500" dirty="0">
+                <a:latin typeface="Times New Roman" panose="02020603050405020304" pitchFamily="18" charset="0"/>
+                <a:cs typeface="Times New Roman" panose="02020603050405020304" pitchFamily="18" charset="0"/>
+              </a:rPr>
+              <a:t>Focus on unit testing and tend to be use by Developer</a:t>
+            </a:r>
+          </a:p>
+          <a:p>
+            <a:r>
+              <a:rPr lang="nl-NL" sz="2500" dirty="0">
+                <a:latin typeface="Times New Roman" panose="02020603050405020304" pitchFamily="18" charset="0"/>
+                <a:cs typeface="Times New Roman" panose="02020603050405020304" pitchFamily="18" charset="0"/>
+              </a:rPr>
+              <a:t>Testing focus on requirements</a:t>
+            </a:r>
+            <a:endParaRPr lang="en-US" sz="2500" dirty="0">
+              <a:latin typeface="Times New Roman" panose="02020603050405020304" pitchFamily="18" charset="0"/>
+              <a:cs typeface="Times New Roman" panose="02020603050405020304" pitchFamily="18" charset="0"/>
+            </a:endParaRPr>
+          </a:p>
+          <a:p>
+            <a:endParaRPr lang="en-US" sz="2500" dirty="0">
+              <a:latin typeface="Times New Roman" panose="02020603050405020304" pitchFamily="18" charset="0"/>
+              <a:cs typeface="Times New Roman" panose="02020603050405020304" pitchFamily="18" charset="0"/>
+            </a:endParaRPr>
+          </a:p>
+          <a:p>
+            <a:endParaRPr lang="en-US" sz="2500" dirty="0">
+              <a:latin typeface="Times New Roman" panose="02020603050405020304" pitchFamily="18" charset="0"/>
+              <a:cs typeface="Times New Roman" panose="02020603050405020304" pitchFamily="18" charset="0"/>
+            </a:endParaRPr>
+          </a:p>
+        </p:txBody>
+      </p:sp>
+      <p:sp>
+        <p:nvSpPr>
+          <p:cNvPr id="6" name="Text Placeholder 5">
+            <a:extLst>
+              <a:ext uri="{FF2B5EF4-FFF2-40B4-BE49-F238E27FC236}">
+                <a16:creationId xmlns:a16="http://schemas.microsoft.com/office/drawing/2014/main" id="{000A9570-5EF6-4AFB-9FCA-7C8998E3FEB1}"/>
+              </a:ext>
+            </a:extLst>
+          </p:cNvPr>
+          <p:cNvSpPr>
+            <a:spLocks noGrp="1"/>
+          </p:cNvSpPr>
+          <p:nvPr>
+            <p:ph type="body" sz="quarter" idx="4"/>
+          </p:nvPr>
+        </p:nvSpPr>
+        <p:spPr/>
+        <p:txBody>
+          <a:bodyPr>
+            <a:normAutofit/>
+          </a:bodyPr>
+          <a:lstStyle/>
+          <a:p>
+            <a:r>
+              <a:rPr lang="en-US" sz="2500" dirty="0">
+                <a:latin typeface="Times New Roman" panose="02020603050405020304" pitchFamily="18" charset="0"/>
+                <a:cs typeface="Times New Roman" panose="02020603050405020304" pitchFamily="18" charset="0"/>
+              </a:rPr>
+              <a:t>Tests are more user-focused and based on the system’s behavior</a:t>
+            </a:r>
+          </a:p>
+          <a:p>
+            <a:r>
+              <a:rPr lang="nl-NL" sz="2500" dirty="0">
+                <a:latin typeface="Times New Roman" panose="02020603050405020304" pitchFamily="18" charset="0"/>
+                <a:cs typeface="Times New Roman" panose="02020603050405020304" pitchFamily="18" charset="0"/>
+              </a:rPr>
+              <a:t>Focus on requirement and tend to be use by Developer, Tester, Customer</a:t>
+            </a:r>
+          </a:p>
+          <a:p>
+            <a:r>
+              <a:rPr lang="nl-NL" sz="2500" dirty="0">
+                <a:latin typeface="Times New Roman" panose="02020603050405020304" pitchFamily="18" charset="0"/>
+                <a:cs typeface="Times New Roman" panose="02020603050405020304" pitchFamily="18" charset="0"/>
+              </a:rPr>
+              <a:t>New feature align with business outcomes</a:t>
+            </a:r>
+          </a:p>
+          <a:p>
+            <a:endParaRPr lang="en-US" sz="2500" dirty="0">
+              <a:latin typeface="Times New Roman" panose="02020603050405020304" pitchFamily="18" charset="0"/>
+              <a:cs typeface="Times New Roman" panose="02020603050405020304" pitchFamily="18" charset="0"/>
+            </a:endParaRPr>
+          </a:p>
+        </p:txBody>
+      </p:sp>
     </p:spTree>
     <p:extLst>
       <p:ext uri="{BB962C8B-B14F-4D97-AF65-F5344CB8AC3E}">
-        <p14:creationId xmlns:p14="http://schemas.microsoft.com/office/powerpoint/2010/main" val="4082427360"/>
+        <p14:creationId xmlns:p14="http://schemas.microsoft.com/office/powerpoint/2010/main" val="3607270498"/>
       </p:ext>
     </p:extLst>
   </p:cSld>
   <p:clrMapOvr>
     <a:masterClrMapping/>
   </p:clrMapOvr>
-  <p:timing>
-    <p:tnLst>
-      <p:par>
-        <p:cTn id="1" dur="indefinite" restart="never" nodeType="tmRoot"/>
-      </p:par>
-    </p:tnLst>
-  </p:timing>
+  <mc:AlternateContent xmlns:mc="http://schemas.openxmlformats.org/markup-compatibility/2006" xmlns:p14="http://schemas.microsoft.com/office/powerpoint/2010/main">
+    <mc:Choice Requires="p14">
+      <p:transition spd="med" p14:dur="700">
+        <p:fade/>
+      </p:transition>
+    </mc:Choice>
+    <mc:Fallback xmlns="">
+      <p:transition spd="med">
+        <p:fade/>
+      </p:transition>
+    </mc:Fallback>
+  </mc:AlternateContent>
 </p:sld>
 </file>
 
@@ -27984,7 +27793,7 @@
           <a:p>
             <a:r>
               <a:rPr lang="en-US" dirty="0"/>
-              <a:t>TDD</a:t>
+              <a:t>TDD &amp; BDD</a:t>
             </a:r>
           </a:p>
         </p:txBody>
@@ -28013,49 +27822,30 @@
           </a:p>
         </p:txBody>
       </p:sp>
-      <p:sp>
-        <p:nvSpPr>
-          <p:cNvPr id="4" name="Text Placeholder 3"/>
-          <p:cNvSpPr>
-            <a:spLocks noGrp="1"/>
-          </p:cNvSpPr>
-          <p:nvPr>
-            <p:ph type="body" sz="quarter" idx="13"/>
-          </p:nvPr>
-        </p:nvSpPr>
-        <p:spPr/>
-        <p:txBody>
-          <a:bodyPr/>
-          <a:lstStyle/>
-          <a:p>
-            <a:endParaRPr lang="en-US"/>
-          </a:p>
-        </p:txBody>
-      </p:sp>
       <p:pic>
         <p:nvPicPr>
-          <p:cNvPr id="5" name="Picture 4"/>
+          <p:cNvPr id="5" name="Picture 4">
+            <a:extLst>
+              <a:ext uri="{FF2B5EF4-FFF2-40B4-BE49-F238E27FC236}">
+                <a16:creationId xmlns:a16="http://schemas.microsoft.com/office/drawing/2014/main" id="{C096AD44-E593-4491-8A04-26CDB48AAC41}"/>
+              </a:ext>
+            </a:extLst>
+          </p:cNvPr>
           <p:cNvPicPr>
             <a:picLocks noChangeAspect="1"/>
           </p:cNvPicPr>
           <p:nvPr/>
         </p:nvPicPr>
         <p:blipFill>
-          <a:blip r:embed="rId2">
-            <a:extLst>
-              <a:ext uri="{28A0092B-C50C-407E-A947-70E740481C1C}">
-                <a14:useLocalDpi xmlns:a14="http://schemas.microsoft.com/office/drawing/2010/main" val="0"/>
-              </a:ext>
-            </a:extLst>
-          </a:blip>
+          <a:blip r:embed="rId2"/>
           <a:stretch>
             <a:fillRect/>
           </a:stretch>
         </p:blipFill>
         <p:spPr>
           <a:xfrm>
-            <a:off x="444499" y="1625385"/>
-            <a:ext cx="9449144" cy="4665166"/>
+            <a:off x="1219200" y="1298096"/>
+            <a:ext cx="9753600" cy="5124450"/>
           </a:xfrm>
           <a:prstGeom prst="rect">
             <a:avLst/>
@@ -28065,20 +27855,13 @@
     </p:spTree>
     <p:extLst>
       <p:ext uri="{BB962C8B-B14F-4D97-AF65-F5344CB8AC3E}">
-        <p14:creationId xmlns:p14="http://schemas.microsoft.com/office/powerpoint/2010/main" val="1188944892"/>
+        <p14:creationId xmlns:p14="http://schemas.microsoft.com/office/powerpoint/2010/main" val="4082427360"/>
       </p:ext>
     </p:extLst>
   </p:cSld>
   <p:clrMapOvr>
     <a:masterClrMapping/>
   </p:clrMapOvr>
-  <p:timing>
-    <p:tnLst>
-      <p:par>
-        <p:cTn id="1" dur="indefinite" restart="never" nodeType="tmRoot"/>
-      </p:par>
-    </p:tnLst>
-  </p:timing>
 </p:sld>
 </file>
 
@@ -28101,10 +27884,10 @@
       </p:grpSpPr>
       <p:sp>
         <p:nvSpPr>
-          <p:cNvPr id="4" name="Title 3">
+          <p:cNvPr id="7" name="Title 6">
             <a:extLst>
               <a:ext uri="{FF2B5EF4-FFF2-40B4-BE49-F238E27FC236}">
-                <a16:creationId xmlns:a16="http://schemas.microsoft.com/office/drawing/2014/main" xmlns="" id="{315E3981-F0D7-482C-A8E0-6A57700BECA7}"/>
+                <a16:creationId xmlns:a16="http://schemas.microsoft.com/office/drawing/2014/main" id="{7875C19A-1AAE-476A-A316-A2CF92D763D3}"/>
               </a:ext>
             </a:extLst>
           </p:cNvPr>
@@ -28121,16 +27904,58 @@
           <a:lstStyle/>
           <a:p>
             <a:r>
-              <a:rPr lang="en-US" dirty="0" smtClean="0">
+              <a:rPr lang="en-US" dirty="0"/>
+              <a:t>What Is Selenium WebDriver?</a:t>
+            </a:r>
+          </a:p>
+        </p:txBody>
+      </p:sp>
+      <p:sp>
+        <p:nvSpPr>
+          <p:cNvPr id="10" name="Text Placeholder 9">
+            <a:extLst>
+              <a:ext uri="{FF2B5EF4-FFF2-40B4-BE49-F238E27FC236}">
+                <a16:creationId xmlns:a16="http://schemas.microsoft.com/office/drawing/2014/main" id="{EF2BC084-E6DB-4DE7-B309-042A85EBA700}"/>
+              </a:ext>
+            </a:extLst>
+          </p:cNvPr>
+          <p:cNvSpPr>
+            <a:spLocks noGrp="1"/>
+          </p:cNvSpPr>
+          <p:nvPr>
+            <p:ph type="body" sz="quarter" idx="13"/>
+          </p:nvPr>
+        </p:nvSpPr>
+        <p:spPr/>
+        <p:txBody>
+          <a:bodyPr/>
+          <a:lstStyle/>
+          <a:p>
+            <a:r>
+              <a:rPr lang="en-US" sz="2500" dirty="0">
                 <a:latin typeface="Times New Roman" panose="02020603050405020304" pitchFamily="18" charset="0"/>
                 <a:cs typeface="Times New Roman" panose="02020603050405020304" pitchFamily="18" charset="0"/>
               </a:rPr>
-              <a:t>TDD &amp; BDD</a:t>
+              <a:t>Selenium is an open source tool which is used for automating the tests carried out on web browsers (Web applications are tested using any web browser).</a:t>
             </a:r>
-            <a:endParaRPr lang="en-US" dirty="0">
-              <a:latin typeface="Times New Roman" panose="02020603050405020304" pitchFamily="18" charset="0"/>
-              <a:cs typeface="Times New Roman" panose="02020603050405020304" pitchFamily="18" charset="0"/>
-            </a:endParaRPr>
+          </a:p>
+          <a:p>
+            <a:r>
+              <a:rPr lang="en-US" sz="2500" dirty="0">
+                <a:latin typeface="Times New Roman" panose="02020603050405020304" pitchFamily="18" charset="0"/>
+                <a:cs typeface="Times New Roman" panose="02020603050405020304" pitchFamily="18" charset="0"/>
+              </a:rPr>
+              <a:t>WebDriver is a web automation framework that allows you to execute your tests against different browsers using different programming languages.</a:t>
+            </a:r>
+          </a:p>
+          <a:p>
+            <a:r>
+              <a:rPr lang="nl-NL" sz="2500" dirty="0">
+                <a:latin typeface="Times New Roman" panose="02020603050405020304" pitchFamily="18" charset="0"/>
+                <a:cs typeface="Times New Roman" panose="02020603050405020304" pitchFamily="18" charset="0"/>
+              </a:rPr>
+              <a:t>WebDriver support FireFox, IE, Chrome, Opera, Safari, etc...</a:t>
+            </a:r>
           </a:p>
         </p:txBody>
       </p:sp>
@@ -28139,7 +27964,7 @@
           <p:cNvPr id="2" name="Slide Number Placeholder 1">
             <a:extLst>
               <a:ext uri="{FF2B5EF4-FFF2-40B4-BE49-F238E27FC236}">
-                <a16:creationId xmlns:a16="http://schemas.microsoft.com/office/drawing/2014/main" xmlns="" id="{520FC4EE-F318-4344-9E3C-B950ADB63865}"/>
+                <a16:creationId xmlns:a16="http://schemas.microsoft.com/office/drawing/2014/main" id="{BE9800F6-D571-48C4-8466-12AA1ADB6599}"/>
               </a:ext>
             </a:extLst>
           </p:cNvPr>
@@ -28164,261 +27989,10 @@
           </a:p>
         </p:txBody>
       </p:sp>
-      <p:sp>
-        <p:nvSpPr>
-          <p:cNvPr id="7" name="Text Placeholder 6">
-            <a:extLst>
-              <a:ext uri="{FF2B5EF4-FFF2-40B4-BE49-F238E27FC236}">
-                <a16:creationId xmlns:a16="http://schemas.microsoft.com/office/drawing/2014/main" xmlns="" id="{B74126B4-1E6C-4FFF-9282-40E18A85A07F}"/>
-              </a:ext>
-            </a:extLst>
-          </p:cNvPr>
-          <p:cNvSpPr>
-            <a:spLocks noGrp="1"/>
-          </p:cNvSpPr>
-          <p:nvPr>
-            <p:ph type="body" sz="quarter" idx="1"/>
-          </p:nvPr>
-        </p:nvSpPr>
-        <p:spPr/>
-        <p:txBody>
-          <a:bodyPr>
-            <a:normAutofit/>
-          </a:bodyPr>
-          <a:lstStyle/>
-          <a:p>
-            <a:r>
-              <a:rPr lang="en-US" sz="2500" dirty="0" smtClean="0">
-                <a:latin typeface="Times New Roman" panose="02020603050405020304" pitchFamily="18" charset="0"/>
-                <a:cs typeface="Times New Roman" panose="02020603050405020304" pitchFamily="18" charset="0"/>
-              </a:rPr>
-              <a:t>TDD</a:t>
-            </a:r>
-            <a:endParaRPr lang="en-US" sz="2500" dirty="0">
-              <a:latin typeface="Times New Roman" panose="02020603050405020304" pitchFamily="18" charset="0"/>
-              <a:cs typeface="Times New Roman" panose="02020603050405020304" pitchFamily="18" charset="0"/>
-            </a:endParaRPr>
-          </a:p>
-        </p:txBody>
-      </p:sp>
-      <p:sp>
-        <p:nvSpPr>
-          <p:cNvPr id="5" name="Text Placeholder 4">
-            <a:extLst>
-              <a:ext uri="{FF2B5EF4-FFF2-40B4-BE49-F238E27FC236}">
-                <a16:creationId xmlns:a16="http://schemas.microsoft.com/office/drawing/2014/main" xmlns="" id="{E0C87788-476B-4620-8002-A5C1177AD6C1}"/>
-              </a:ext>
-            </a:extLst>
-          </p:cNvPr>
-          <p:cNvSpPr>
-            <a:spLocks noGrp="1"/>
-          </p:cNvSpPr>
-          <p:nvPr>
-            <p:ph type="body" sz="quarter" idx="3"/>
-          </p:nvPr>
-        </p:nvSpPr>
-        <p:spPr/>
-        <p:txBody>
-          <a:bodyPr>
-            <a:normAutofit/>
-          </a:bodyPr>
-          <a:lstStyle/>
-          <a:p>
-            <a:r>
-              <a:rPr lang="en-US" sz="2500" dirty="0" smtClean="0">
-                <a:latin typeface="Times New Roman" panose="02020603050405020304" pitchFamily="18" charset="0"/>
-                <a:cs typeface="Times New Roman" panose="02020603050405020304" pitchFamily="18" charset="0"/>
-              </a:rPr>
-              <a:t>BDD</a:t>
-            </a:r>
-            <a:endParaRPr lang="en-US" sz="2500" dirty="0">
-              <a:latin typeface="Times New Roman" panose="02020603050405020304" pitchFamily="18" charset="0"/>
-              <a:cs typeface="Times New Roman" panose="02020603050405020304" pitchFamily="18" charset="0"/>
-            </a:endParaRPr>
-          </a:p>
-        </p:txBody>
-      </p:sp>
-      <p:sp>
-        <p:nvSpPr>
-          <p:cNvPr id="8" name="Text Placeholder 7">
-            <a:extLst>
-              <a:ext uri="{FF2B5EF4-FFF2-40B4-BE49-F238E27FC236}">
-                <a16:creationId xmlns:a16="http://schemas.microsoft.com/office/drawing/2014/main" xmlns="" id="{47DC4E62-1A34-4F98-A451-214F1808519C}"/>
-              </a:ext>
-            </a:extLst>
-          </p:cNvPr>
-          <p:cNvSpPr>
-            <a:spLocks noGrp="1"/>
-          </p:cNvSpPr>
-          <p:nvPr>
-            <p:ph type="body" sz="quarter" idx="2"/>
-          </p:nvPr>
-        </p:nvSpPr>
-        <p:spPr/>
-        <p:txBody>
-          <a:bodyPr>
-            <a:normAutofit/>
-          </a:bodyPr>
-          <a:lstStyle/>
-          <a:p>
-            <a:r>
-              <a:rPr lang="en-US" sz="2500" dirty="0">
-                <a:latin typeface="Times New Roman" panose="02020603050405020304" pitchFamily="18" charset="0"/>
-                <a:cs typeface="Times New Roman" panose="02020603050405020304" pitchFamily="18" charset="0"/>
-              </a:rPr>
-              <a:t>TDD is an innovative software development approach where tests are written, before writing the bare minimum of code required for the test to be </a:t>
-            </a:r>
-            <a:r>
-              <a:rPr lang="en-US" sz="2500" dirty="0" smtClean="0">
-                <a:latin typeface="Times New Roman" panose="02020603050405020304" pitchFamily="18" charset="0"/>
-                <a:cs typeface="Times New Roman" panose="02020603050405020304" pitchFamily="18" charset="0"/>
-              </a:rPr>
-              <a:t>fulfilled</a:t>
-            </a:r>
-          </a:p>
-          <a:p>
-            <a:r>
-              <a:rPr lang="nl-NL" sz="2500" dirty="0" smtClean="0">
-                <a:latin typeface="Times New Roman" panose="02020603050405020304" pitchFamily="18" charset="0"/>
-                <a:cs typeface="Times New Roman" panose="02020603050405020304" pitchFamily="18" charset="0"/>
-              </a:rPr>
-              <a:t>Focus on unit testing and tend to be use by Developer</a:t>
-            </a:r>
-          </a:p>
-          <a:p>
-            <a:r>
-              <a:rPr lang="nl-NL" sz="2500" dirty="0" smtClean="0">
-                <a:latin typeface="Times New Roman" panose="02020603050405020304" pitchFamily="18" charset="0"/>
-                <a:cs typeface="Times New Roman" panose="02020603050405020304" pitchFamily="18" charset="0"/>
-              </a:rPr>
-              <a:t>Testing focus on requirements</a:t>
-            </a:r>
-            <a:endParaRPr lang="en-US" sz="2500" dirty="0">
-              <a:latin typeface="Times New Roman" panose="02020603050405020304" pitchFamily="18" charset="0"/>
-              <a:cs typeface="Times New Roman" panose="02020603050405020304" pitchFamily="18" charset="0"/>
-            </a:endParaRPr>
-          </a:p>
-          <a:p>
-            <a:endParaRPr lang="en-US" sz="2500" dirty="0">
-              <a:latin typeface="Times New Roman" panose="02020603050405020304" pitchFamily="18" charset="0"/>
-              <a:cs typeface="Times New Roman" panose="02020603050405020304" pitchFamily="18" charset="0"/>
-            </a:endParaRPr>
-          </a:p>
-          <a:p>
-            <a:endParaRPr lang="en-US" sz="2500" dirty="0">
-              <a:latin typeface="Times New Roman" panose="02020603050405020304" pitchFamily="18" charset="0"/>
-              <a:cs typeface="Times New Roman" panose="02020603050405020304" pitchFamily="18" charset="0"/>
-            </a:endParaRPr>
-          </a:p>
-        </p:txBody>
-      </p:sp>
-      <p:sp>
-        <p:nvSpPr>
-          <p:cNvPr id="6" name="Text Placeholder 5">
-            <a:extLst>
-              <a:ext uri="{FF2B5EF4-FFF2-40B4-BE49-F238E27FC236}">
-                <a16:creationId xmlns:a16="http://schemas.microsoft.com/office/drawing/2014/main" xmlns="" id="{000A9570-5EF6-4AFB-9FCA-7C8998E3FEB1}"/>
-              </a:ext>
-            </a:extLst>
-          </p:cNvPr>
-          <p:cNvSpPr>
-            <a:spLocks noGrp="1"/>
-          </p:cNvSpPr>
-          <p:nvPr>
-            <p:ph type="body" sz="quarter" idx="4"/>
-          </p:nvPr>
-        </p:nvSpPr>
-        <p:spPr/>
-        <p:txBody>
-          <a:bodyPr>
-            <a:normAutofit/>
-          </a:bodyPr>
-          <a:lstStyle/>
-          <a:p>
-            <a:r>
-              <a:rPr lang="en-US" sz="2500" dirty="0">
-                <a:latin typeface="Times New Roman" panose="02020603050405020304" pitchFamily="18" charset="0"/>
-                <a:cs typeface="Times New Roman" panose="02020603050405020304" pitchFamily="18" charset="0"/>
-              </a:rPr>
-              <a:t>T</a:t>
-            </a:r>
-            <a:r>
-              <a:rPr lang="en-US" sz="2500" dirty="0" smtClean="0">
-                <a:latin typeface="Times New Roman" panose="02020603050405020304" pitchFamily="18" charset="0"/>
-                <a:cs typeface="Times New Roman" panose="02020603050405020304" pitchFamily="18" charset="0"/>
-              </a:rPr>
-              <a:t>ests </a:t>
-            </a:r>
-            <a:r>
-              <a:rPr lang="en-US" sz="2500" dirty="0">
-                <a:latin typeface="Times New Roman" panose="02020603050405020304" pitchFamily="18" charset="0"/>
-                <a:cs typeface="Times New Roman" panose="02020603050405020304" pitchFamily="18" charset="0"/>
-              </a:rPr>
-              <a:t>are more user-focused and based on the system’s </a:t>
-            </a:r>
-            <a:r>
-              <a:rPr lang="en-US" sz="2500" dirty="0" smtClean="0">
-                <a:latin typeface="Times New Roman" panose="02020603050405020304" pitchFamily="18" charset="0"/>
-                <a:cs typeface="Times New Roman" panose="02020603050405020304" pitchFamily="18" charset="0"/>
-              </a:rPr>
-              <a:t>behavior</a:t>
-            </a:r>
-          </a:p>
-          <a:p>
-            <a:r>
-              <a:rPr lang="nl-NL" sz="2500" dirty="0">
-                <a:latin typeface="Times New Roman" panose="02020603050405020304" pitchFamily="18" charset="0"/>
-                <a:cs typeface="Times New Roman" panose="02020603050405020304" pitchFamily="18" charset="0"/>
-              </a:rPr>
-              <a:t>Focus on </a:t>
-            </a:r>
-            <a:r>
-              <a:rPr lang="nl-NL" sz="2500" dirty="0" smtClean="0">
-                <a:latin typeface="Times New Roman" panose="02020603050405020304" pitchFamily="18" charset="0"/>
-                <a:cs typeface="Times New Roman" panose="02020603050405020304" pitchFamily="18" charset="0"/>
-              </a:rPr>
-              <a:t>requirement </a:t>
-            </a:r>
-            <a:r>
-              <a:rPr lang="nl-NL" sz="2500" dirty="0">
-                <a:latin typeface="Times New Roman" panose="02020603050405020304" pitchFamily="18" charset="0"/>
-                <a:cs typeface="Times New Roman" panose="02020603050405020304" pitchFamily="18" charset="0"/>
-              </a:rPr>
-              <a:t>and tend to be use by </a:t>
-            </a:r>
-            <a:r>
-              <a:rPr lang="nl-NL" sz="2500" dirty="0" smtClean="0">
-                <a:latin typeface="Times New Roman" panose="02020603050405020304" pitchFamily="18" charset="0"/>
-                <a:cs typeface="Times New Roman" panose="02020603050405020304" pitchFamily="18" charset="0"/>
-              </a:rPr>
-              <a:t>Developer, Tester, Customer</a:t>
-            </a:r>
-          </a:p>
-          <a:p>
-            <a:r>
-              <a:rPr lang="nl-NL" sz="2500" dirty="0" smtClean="0">
-                <a:latin typeface="Times New Roman" panose="02020603050405020304" pitchFamily="18" charset="0"/>
-                <a:cs typeface="Times New Roman" panose="02020603050405020304" pitchFamily="18" charset="0"/>
-              </a:rPr>
-              <a:t>New feature align with business outcomes</a:t>
-            </a:r>
-            <a:endParaRPr lang="nl-NL" sz="2500" dirty="0">
-              <a:latin typeface="Times New Roman" panose="02020603050405020304" pitchFamily="18" charset="0"/>
-              <a:cs typeface="Times New Roman" panose="02020603050405020304" pitchFamily="18" charset="0"/>
-            </a:endParaRPr>
-          </a:p>
-          <a:p>
-            <a:endParaRPr lang="en-US" sz="2500" dirty="0">
-              <a:latin typeface="Times New Roman" panose="02020603050405020304" pitchFamily="18" charset="0"/>
-              <a:cs typeface="Times New Roman" panose="02020603050405020304" pitchFamily="18" charset="0"/>
-            </a:endParaRPr>
-          </a:p>
-        </p:txBody>
-      </p:sp>
     </p:spTree>
     <p:extLst>
       <p:ext uri="{BB962C8B-B14F-4D97-AF65-F5344CB8AC3E}">
-        <p14:creationId xmlns:p14="http://schemas.microsoft.com/office/powerpoint/2010/main" val="3607270498"/>
+        <p14:creationId xmlns:p14="http://schemas.microsoft.com/office/powerpoint/2010/main" val="625126734"/>
       </p:ext>
     </p:extLst>
   </p:cSld>
@@ -28437,13 +28011,6 @@
       </p:transition>
     </mc:Fallback>
   </mc:AlternateContent>
-  <p:timing>
-    <p:tnLst>
-      <p:par>
-        <p:cTn id="1" dur="indefinite" restart="never" nodeType="tmRoot"/>
-      </p:par>
-    </p:tnLst>
-  </p:timing>
 </p:sld>
 </file>
 
@@ -28469,7 +28036,7 @@
           <p:cNvPr id="7" name="Title 6">
             <a:extLst>
               <a:ext uri="{FF2B5EF4-FFF2-40B4-BE49-F238E27FC236}">
-                <a16:creationId xmlns:a16="http://schemas.microsoft.com/office/drawing/2014/main" xmlns="" id="{7875C19A-1AAE-476A-A316-A2CF92D763D3}"/>
+                <a16:creationId xmlns:a16="http://schemas.microsoft.com/office/drawing/2014/main" id="{7875C19A-1AAE-476A-A316-A2CF92D763D3}"/>
               </a:ext>
             </a:extLst>
           </p:cNvPr>
@@ -28480,18 +28047,22 @@
             <p:ph type="title"/>
           </p:nvPr>
         </p:nvSpPr>
-        <p:spPr/>
+        <p:spPr>
+          <a:xfrm>
+            <a:off x="444500" y="542925"/>
+            <a:ext cx="11214100" cy="535531"/>
+          </a:xfrm>
+        </p:spPr>
         <p:txBody>
           <a:bodyPr/>
           <a:lstStyle/>
           <a:p>
             <a:r>
-              <a:rPr lang="en-US" dirty="0"/>
-              <a:t>What Is </a:t>
-            </a:r>
-            <a:r>
-              <a:rPr lang="en-US" dirty="0" smtClean="0"/>
-              <a:t>Selenium? Selenium Web Driver</a:t>
+              <a:rPr lang="en-US" b="0" dirty="0">
+                <a:latin typeface="Times New Roman" panose="02020603050405020304" pitchFamily="18" charset="0"/>
+                <a:cs typeface="Times New Roman" panose="02020603050405020304" pitchFamily="18" charset="0"/>
+              </a:rPr>
+              <a:t>Setup &amp; Requirement</a:t>
             </a:r>
             <a:endParaRPr lang="en-US" dirty="0"/>
           </a:p>
@@ -28502,7 +28073,7 @@
           <p:cNvPr id="10" name="Text Placeholder 9">
             <a:extLst>
               <a:ext uri="{FF2B5EF4-FFF2-40B4-BE49-F238E27FC236}">
-                <a16:creationId xmlns:a16="http://schemas.microsoft.com/office/drawing/2014/main" xmlns="" id="{EF2BC084-E6DB-4DE7-B309-042A85EBA700}"/>
+                <a16:creationId xmlns:a16="http://schemas.microsoft.com/office/drawing/2014/main" id="{EF2BC084-E6DB-4DE7-B309-042A85EBA700}"/>
               </a:ext>
             </a:extLst>
           </p:cNvPr>
@@ -28519,64 +28090,29 @@
           <a:lstStyle/>
           <a:p>
             <a:r>
-              <a:rPr lang="en-US" sz="2500" dirty="0">
+              <a:rPr lang="nl-NL" sz="2500" dirty="0">
                 <a:latin typeface="Times New Roman" panose="02020603050405020304" pitchFamily="18" charset="0"/>
                 <a:cs typeface="Times New Roman" panose="02020603050405020304" pitchFamily="18" charset="0"/>
               </a:rPr>
-              <a:t>Selenium is an open source tool which is used for automating the tests carried out on web browsers (Web applications are tested using any web browser</a:t>
+              <a:t>.Net core sdk 2.2</a:t>
             </a:r>
+          </a:p>
+          <a:p>
             <a:r>
-              <a:rPr lang="en-US" sz="2500" dirty="0" smtClean="0">
+              <a:rPr lang="nl-NL" sz="2500" dirty="0">
                 <a:latin typeface="Times New Roman" panose="02020603050405020304" pitchFamily="18" charset="0"/>
                 <a:cs typeface="Times New Roman" panose="02020603050405020304" pitchFamily="18" charset="0"/>
               </a:rPr>
-              <a:t>).</a:t>
+              <a:t>Visual studio 2019</a:t>
             </a:r>
           </a:p>
           <a:p>
             <a:r>
-              <a:rPr lang="en-US" sz="2500" dirty="0" err="1">
+              <a:rPr lang="nl-NL" sz="2500" dirty="0">
                 <a:latin typeface="Times New Roman" panose="02020603050405020304" pitchFamily="18" charset="0"/>
                 <a:cs typeface="Times New Roman" panose="02020603050405020304" pitchFamily="18" charset="0"/>
               </a:rPr>
-              <a:t>WebDriver</a:t>
-            </a:r>
-            <a:r>
-              <a:rPr lang="en-US" sz="2500" dirty="0">
-                <a:latin typeface="Times New Roman" panose="02020603050405020304" pitchFamily="18" charset="0"/>
-                <a:cs typeface="Times New Roman" panose="02020603050405020304" pitchFamily="18" charset="0"/>
-              </a:rPr>
-              <a:t> is a web automation framework that allows you to execute your tests against different </a:t>
-            </a:r>
-            <a:r>
-              <a:rPr lang="en-US" sz="2500" dirty="0" smtClean="0">
-                <a:latin typeface="Times New Roman" panose="02020603050405020304" pitchFamily="18" charset="0"/>
-                <a:cs typeface="Times New Roman" panose="02020603050405020304" pitchFamily="18" charset="0"/>
-              </a:rPr>
-              <a:t>browsers</a:t>
-            </a:r>
-            <a:r>
-              <a:rPr lang="en-US" sz="2500" dirty="0">
-                <a:latin typeface="Times New Roman" panose="02020603050405020304" pitchFamily="18" charset="0"/>
-                <a:cs typeface="Times New Roman" panose="02020603050405020304" pitchFamily="18" charset="0"/>
-              </a:rPr>
-              <a:t> using different programming languages</a:t>
-            </a:r>
-            <a:r>
-              <a:rPr lang="en-US" sz="2500" dirty="0" smtClean="0">
-                <a:latin typeface="Times New Roman" panose="02020603050405020304" pitchFamily="18" charset="0"/>
-                <a:cs typeface="Times New Roman" panose="02020603050405020304" pitchFamily="18" charset="0"/>
-              </a:rPr>
-              <a:t>.</a:t>
-            </a:r>
-          </a:p>
-          <a:p>
-            <a:r>
-              <a:rPr lang="nl-NL" sz="2500" dirty="0" smtClean="0">
-                <a:latin typeface="Times New Roman" panose="02020603050405020304" pitchFamily="18" charset="0"/>
-                <a:cs typeface="Times New Roman" panose="02020603050405020304" pitchFamily="18" charset="0"/>
-              </a:rPr>
-              <a:t>Web Driver support FireFox, IE, Chrome, Opera, Safari, etc...</a:t>
+              <a:t>Chrome webdriver</a:t>
             </a:r>
           </a:p>
         </p:txBody>
@@ -28586,7 +28122,7 @@
           <p:cNvPr id="2" name="Slide Number Placeholder 1">
             <a:extLst>
               <a:ext uri="{FF2B5EF4-FFF2-40B4-BE49-F238E27FC236}">
-                <a16:creationId xmlns:a16="http://schemas.microsoft.com/office/drawing/2014/main" xmlns="" id="{BE9800F6-D571-48C4-8466-12AA1ADB6599}"/>
+                <a16:creationId xmlns:a16="http://schemas.microsoft.com/office/drawing/2014/main" id="{BE9800F6-D571-48C4-8466-12AA1ADB6599}"/>
               </a:ext>
             </a:extLst>
           </p:cNvPr>
@@ -28614,32 +28150,25 @@
     </p:spTree>
     <p:extLst>
       <p:ext uri="{BB962C8B-B14F-4D97-AF65-F5344CB8AC3E}">
-        <p14:creationId xmlns:p14="http://schemas.microsoft.com/office/powerpoint/2010/main" val="625126734"/>
+        <p14:creationId xmlns:p14="http://schemas.microsoft.com/office/powerpoint/2010/main" val="1719078573"/>
       </p:ext>
     </p:extLst>
   </p:cSld>
   <p:clrMapOvr>
     <a:masterClrMapping/>
   </p:clrMapOvr>
-  <mc:AlternateContent xmlns:mc="http://schemas.openxmlformats.org/markup-compatibility/2006">
-    <mc:Choice xmlns:p14="http://schemas.microsoft.com/office/powerpoint/2010/main" Requires="p14">
+  <mc:AlternateContent xmlns:mc="http://schemas.openxmlformats.org/markup-compatibility/2006" xmlns:p14="http://schemas.microsoft.com/office/powerpoint/2010/main">
+    <mc:Choice Requires="p14">
       <p:transition spd="med" p14:dur="700">
         <p:fade/>
       </p:transition>
     </mc:Choice>
-    <mc:Fallback>
+    <mc:Fallback xmlns="">
       <p:transition spd="med">
         <p:fade/>
       </p:transition>
     </mc:Fallback>
   </mc:AlternateContent>
-  <p:timing>
-    <p:tnLst>
-      <p:par>
-        <p:cTn id="1" dur="indefinite" restart="never" nodeType="tmRoot"/>
-      </p:par>
-    </p:tnLst>
-  </p:timing>
 </p:sld>
 </file>
 
@@ -28665,186 +28194,7 @@
           <p:cNvPr id="7" name="Title 6">
             <a:extLst>
               <a:ext uri="{FF2B5EF4-FFF2-40B4-BE49-F238E27FC236}">
-                <a16:creationId xmlns:a16="http://schemas.microsoft.com/office/drawing/2014/main" xmlns="" id="{7875C19A-1AAE-476A-A316-A2CF92D763D3}"/>
-              </a:ext>
-            </a:extLst>
-          </p:cNvPr>
-          <p:cNvSpPr>
-            <a:spLocks noGrp="1"/>
-          </p:cNvSpPr>
-          <p:nvPr>
-            <p:ph type="title"/>
-          </p:nvPr>
-        </p:nvSpPr>
-        <p:spPr>
-          <a:xfrm>
-            <a:off x="444500" y="542925"/>
-            <a:ext cx="11214100" cy="535531"/>
-          </a:xfrm>
-        </p:spPr>
-        <p:txBody>
-          <a:bodyPr/>
-          <a:lstStyle/>
-          <a:p>
-            <a:r>
-              <a:rPr lang="en-US" b="0" dirty="0">
-                <a:latin typeface="Times New Roman" panose="02020603050405020304" pitchFamily="18" charset="0"/>
-                <a:cs typeface="Times New Roman" panose="02020603050405020304" pitchFamily="18" charset="0"/>
-              </a:rPr>
-              <a:t>Setup &amp; Requirement</a:t>
-            </a:r>
-            <a:endParaRPr lang="en-US" dirty="0"/>
-          </a:p>
-        </p:txBody>
-      </p:sp>
-      <p:sp>
-        <p:nvSpPr>
-          <p:cNvPr id="10" name="Text Placeholder 9">
-            <a:extLst>
-              <a:ext uri="{FF2B5EF4-FFF2-40B4-BE49-F238E27FC236}">
-                <a16:creationId xmlns:a16="http://schemas.microsoft.com/office/drawing/2014/main" xmlns="" id="{EF2BC084-E6DB-4DE7-B309-042A85EBA700}"/>
-              </a:ext>
-            </a:extLst>
-          </p:cNvPr>
-          <p:cNvSpPr>
-            <a:spLocks noGrp="1"/>
-          </p:cNvSpPr>
-          <p:nvPr>
-            <p:ph type="body" sz="quarter" idx="13"/>
-          </p:nvPr>
-        </p:nvSpPr>
-        <p:spPr/>
-        <p:txBody>
-          <a:bodyPr/>
-          <a:lstStyle/>
-          <a:p>
-            <a:r>
-              <a:rPr lang="nl-NL" sz="2500" dirty="0" smtClean="0">
-                <a:latin typeface="Times New Roman" panose="02020603050405020304" pitchFamily="18" charset="0"/>
-                <a:cs typeface="Times New Roman" panose="02020603050405020304" pitchFamily="18" charset="0"/>
-              </a:rPr>
-              <a:t>.Net </a:t>
-            </a:r>
-            <a:r>
-              <a:rPr lang="nl-NL" sz="2500" dirty="0">
-                <a:latin typeface="Times New Roman" panose="02020603050405020304" pitchFamily="18" charset="0"/>
-                <a:cs typeface="Times New Roman" panose="02020603050405020304" pitchFamily="18" charset="0"/>
-              </a:rPr>
-              <a:t>core sdk </a:t>
-            </a:r>
-            <a:r>
-              <a:rPr lang="nl-NL" sz="2500" dirty="0" smtClean="0">
-                <a:latin typeface="Times New Roman" panose="02020603050405020304" pitchFamily="18" charset="0"/>
-                <a:cs typeface="Times New Roman" panose="02020603050405020304" pitchFamily="18" charset="0"/>
-              </a:rPr>
-              <a:t>2.2</a:t>
-            </a:r>
-          </a:p>
-          <a:p>
-            <a:r>
-              <a:rPr lang="nl-NL" sz="2500" dirty="0" smtClean="0">
-                <a:latin typeface="Times New Roman" panose="02020603050405020304" pitchFamily="18" charset="0"/>
-                <a:cs typeface="Times New Roman" panose="02020603050405020304" pitchFamily="18" charset="0"/>
-              </a:rPr>
-              <a:t>Visual studio 2019</a:t>
-            </a:r>
-          </a:p>
-          <a:p>
-            <a:r>
-              <a:rPr lang="nl-NL" sz="2500" dirty="0" smtClean="0">
-                <a:latin typeface="Times New Roman" panose="02020603050405020304" pitchFamily="18" charset="0"/>
-                <a:cs typeface="Times New Roman" panose="02020603050405020304" pitchFamily="18" charset="0"/>
-              </a:rPr>
-              <a:t>Chrome web driver</a:t>
-            </a:r>
-          </a:p>
-        </p:txBody>
-      </p:sp>
-      <p:sp>
-        <p:nvSpPr>
-          <p:cNvPr id="2" name="Slide Number Placeholder 1">
-            <a:extLst>
-              <a:ext uri="{FF2B5EF4-FFF2-40B4-BE49-F238E27FC236}">
-                <a16:creationId xmlns:a16="http://schemas.microsoft.com/office/drawing/2014/main" xmlns="" id="{BE9800F6-D571-48C4-8466-12AA1ADB6599}"/>
-              </a:ext>
-            </a:extLst>
-          </p:cNvPr>
-          <p:cNvSpPr>
-            <a:spLocks noGrp="1"/>
-          </p:cNvSpPr>
-          <p:nvPr>
-            <p:ph type="sldNum" sz="quarter" idx="12"/>
-          </p:nvPr>
-        </p:nvSpPr>
-        <p:spPr/>
-        <p:txBody>
-          <a:bodyPr/>
-          <a:lstStyle/>
-          <a:p>
-            <a:fld id="{C263D6C4-4840-40CC-AC84-17E24B3B7BDE}" type="slidenum">
-              <a:rPr lang="en-US" smtClean="0"/>
-              <a:pPr/>
-              <a:t>8</a:t>
-            </a:fld>
-            <a:endParaRPr lang="en-US" dirty="0"/>
-          </a:p>
-        </p:txBody>
-      </p:sp>
-    </p:spTree>
-    <p:extLst>
-      <p:ext uri="{BB962C8B-B14F-4D97-AF65-F5344CB8AC3E}">
-        <p14:creationId xmlns:p14="http://schemas.microsoft.com/office/powerpoint/2010/main" val="1719078573"/>
-      </p:ext>
-    </p:extLst>
-  </p:cSld>
-  <p:clrMapOvr>
-    <a:masterClrMapping/>
-  </p:clrMapOvr>
-  <mc:AlternateContent xmlns:mc="http://schemas.openxmlformats.org/markup-compatibility/2006">
-    <mc:Choice xmlns:p14="http://schemas.microsoft.com/office/powerpoint/2010/main" Requires="p14">
-      <p:transition spd="med" p14:dur="700">
-        <p:fade/>
-      </p:transition>
-    </mc:Choice>
-    <mc:Fallback>
-      <p:transition spd="med">
-        <p:fade/>
-      </p:transition>
-    </mc:Fallback>
-  </mc:AlternateContent>
-  <p:timing>
-    <p:tnLst>
-      <p:par>
-        <p:cTn id="1" dur="indefinite" restart="never" nodeType="tmRoot"/>
-      </p:par>
-    </p:tnLst>
-  </p:timing>
-</p:sld>
-</file>
-
-<file path=ppt/slides/slide9.xml><?xml version="1.0" encoding="utf-8"?>
-<p:sld xmlns:a="http://schemas.openxmlformats.org/drawingml/2006/main" xmlns:r="http://schemas.openxmlformats.org/officeDocument/2006/relationships" xmlns:p="http://schemas.openxmlformats.org/presentationml/2006/main">
-  <p:cSld>
-    <p:spTree>
-      <p:nvGrpSpPr>
-        <p:cNvPr id="1" name=""/>
-        <p:cNvGrpSpPr/>
-        <p:nvPr/>
-      </p:nvGrpSpPr>
-      <p:grpSpPr>
-        <a:xfrm>
-          <a:off x="0" y="0"/>
-          <a:ext cx="0" cy="0"/>
-          <a:chOff x="0" y="0"/>
-          <a:chExt cx="0" cy="0"/>
-        </a:xfrm>
-      </p:grpSpPr>
-      <p:sp>
-        <p:nvSpPr>
-          <p:cNvPr id="7" name="Title 6">
-            <a:extLst>
-              <a:ext uri="{FF2B5EF4-FFF2-40B4-BE49-F238E27FC236}">
-                <a16:creationId xmlns:a16="http://schemas.microsoft.com/office/drawing/2014/main" xmlns="" id="{7875C19A-1AAE-476A-A316-A2CF92D763D3}"/>
+                <a16:creationId xmlns:a16="http://schemas.microsoft.com/office/drawing/2014/main" id="{7875C19A-1AAE-476A-A316-A2CF92D763D3}"/>
               </a:ext>
             </a:extLst>
           </p:cNvPr>
@@ -28887,7 +28237,7 @@
           <p:cNvPr id="10" name="Text Placeholder 9">
             <a:extLst>
               <a:ext uri="{FF2B5EF4-FFF2-40B4-BE49-F238E27FC236}">
-                <a16:creationId xmlns:a16="http://schemas.microsoft.com/office/drawing/2014/main" xmlns="" id="{EF2BC084-E6DB-4DE7-B309-042A85EBA700}"/>
+                <a16:creationId xmlns:a16="http://schemas.microsoft.com/office/drawing/2014/main" id="{EF2BC084-E6DB-4DE7-B309-042A85EBA700}"/>
               </a:ext>
             </a:extLst>
           </p:cNvPr>
@@ -28910,13 +28260,9 @@
               </a:rPr>
               <a:t>Gherkin is the format for cucumber specifications. It is a domain specific language which helps you to describe business behavior without the need to go into detail of implementation. This text acts as documentation and skeleton of your automated tests. </a:t>
             </a:r>
-            <a:endParaRPr lang="en-US" sz="2000" dirty="0" smtClean="0">
-              <a:latin typeface="Times New Roman" panose="02020603050405020304" pitchFamily="18" charset="0"/>
-              <a:cs typeface="Times New Roman" panose="02020603050405020304" pitchFamily="18" charset="0"/>
-            </a:endParaRPr>
-          </a:p>
-          <a:p>
-            <a:endParaRPr lang="nl-NL" sz="2000" dirty="0" smtClean="0">
+          </a:p>
+          <a:p>
+            <a:endParaRPr lang="nl-NL" sz="2000" dirty="0">
               <a:latin typeface="Times New Roman" panose="02020603050405020304" pitchFamily="18" charset="0"/>
               <a:cs typeface="Times New Roman" panose="02020603050405020304" pitchFamily="18" charset="0"/>
             </a:endParaRPr>
@@ -28928,7 +28274,7 @@
           <p:cNvPr id="2" name="Slide Number Placeholder 1">
             <a:extLst>
               <a:ext uri="{FF2B5EF4-FFF2-40B4-BE49-F238E27FC236}">
-                <a16:creationId xmlns:a16="http://schemas.microsoft.com/office/drawing/2014/main" xmlns="" id="{BE9800F6-D571-48C4-8466-12AA1ADB6599}"/>
+                <a16:creationId xmlns:a16="http://schemas.microsoft.com/office/drawing/2014/main" id="{BE9800F6-D571-48C4-8466-12AA1ADB6599}"/>
               </a:ext>
             </a:extLst>
           </p:cNvPr>
@@ -28947,7 +28293,7 @@
             <a:fld id="{C263D6C4-4840-40CC-AC84-17E24B3B7BDE}" type="slidenum">
               <a:rPr lang="en-US" smtClean="0"/>
               <a:pPr/>
-              <a:t>9</a:t>
+              <a:t>8</a:t>
             </a:fld>
             <a:endParaRPr lang="en-US" dirty="0"/>
           </a:p>
@@ -28993,25 +28339,157 @@
   <p:clrMapOvr>
     <a:masterClrMapping/>
   </p:clrMapOvr>
-  <mc:AlternateContent xmlns:mc="http://schemas.openxmlformats.org/markup-compatibility/2006">
-    <mc:Choice xmlns:p14="http://schemas.microsoft.com/office/powerpoint/2010/main" Requires="p14">
+  <mc:AlternateContent xmlns:mc="http://schemas.openxmlformats.org/markup-compatibility/2006" xmlns:p14="http://schemas.microsoft.com/office/powerpoint/2010/main">
+    <mc:Choice Requires="p14">
       <p:transition spd="med" p14:dur="700">
         <p:fade/>
       </p:transition>
     </mc:Choice>
-    <mc:Fallback>
+    <mc:Fallback xmlns="">
       <p:transition spd="med">
         <p:fade/>
       </p:transition>
     </mc:Fallback>
   </mc:AlternateContent>
-  <p:timing>
-    <p:tnLst>
-      <p:par>
-        <p:cTn id="1" dur="indefinite" restart="never" nodeType="tmRoot"/>
-      </p:par>
-    </p:tnLst>
-  </p:timing>
+</p:sld>
+</file>
+
+<file path=ppt/slides/slide9.xml><?xml version="1.0" encoding="utf-8"?>
+<p:sld xmlns:a="http://schemas.openxmlformats.org/drawingml/2006/main" xmlns:r="http://schemas.openxmlformats.org/officeDocument/2006/relationships" xmlns:p="http://schemas.openxmlformats.org/presentationml/2006/main">
+  <p:cSld>
+    <p:spTree>
+      <p:nvGrpSpPr>
+        <p:cNvPr id="1" name=""/>
+        <p:cNvGrpSpPr/>
+        <p:nvPr/>
+      </p:nvGrpSpPr>
+      <p:grpSpPr>
+        <a:xfrm>
+          <a:off x="0" y="0"/>
+          <a:ext cx="0" cy="0"/>
+          <a:chOff x="0" y="0"/>
+          <a:chExt cx="0" cy="0"/>
+        </a:xfrm>
+      </p:grpSpPr>
+      <p:sp>
+        <p:nvSpPr>
+          <p:cNvPr id="7" name="Title 6">
+            <a:extLst>
+              <a:ext uri="{FF2B5EF4-FFF2-40B4-BE49-F238E27FC236}">
+                <a16:creationId xmlns:a16="http://schemas.microsoft.com/office/drawing/2014/main" id="{7875C19A-1AAE-476A-A316-A2CF92D763D3}"/>
+              </a:ext>
+            </a:extLst>
+          </p:cNvPr>
+          <p:cNvSpPr>
+            <a:spLocks noGrp="1"/>
+          </p:cNvSpPr>
+          <p:nvPr>
+            <p:ph type="title"/>
+          </p:nvPr>
+        </p:nvSpPr>
+        <p:spPr>
+          <a:xfrm>
+            <a:off x="444500" y="542925"/>
+            <a:ext cx="11214100" cy="535531"/>
+          </a:xfrm>
+        </p:spPr>
+        <p:txBody>
+          <a:bodyPr/>
+          <a:lstStyle/>
+          <a:p>
+            <a:r>
+              <a:rPr lang="en-US" b="0" dirty="0">
+                <a:latin typeface="Times New Roman" panose="02020603050405020304" pitchFamily="18" charset="0"/>
+                <a:cs typeface="Times New Roman" panose="02020603050405020304" pitchFamily="18" charset="0"/>
+              </a:rPr>
+              <a:t>What is Gherkin, Gherkin syntax, Advantage and Disadvantages</a:t>
+            </a:r>
+            <a:endParaRPr lang="en-US" dirty="0"/>
+          </a:p>
+        </p:txBody>
+      </p:sp>
+      <p:sp>
+        <p:nvSpPr>
+          <p:cNvPr id="2" name="Slide Number Placeholder 1">
+            <a:extLst>
+              <a:ext uri="{FF2B5EF4-FFF2-40B4-BE49-F238E27FC236}">
+                <a16:creationId xmlns:a16="http://schemas.microsoft.com/office/drawing/2014/main" id="{BE9800F6-D571-48C4-8466-12AA1ADB6599}"/>
+              </a:ext>
+            </a:extLst>
+          </p:cNvPr>
+          <p:cNvSpPr>
+            <a:spLocks noGrp="1"/>
+          </p:cNvSpPr>
+          <p:nvPr>
+            <p:ph type="sldNum" sz="quarter" idx="12"/>
+          </p:nvPr>
+        </p:nvSpPr>
+        <p:spPr/>
+        <p:txBody>
+          <a:bodyPr/>
+          <a:lstStyle/>
+          <a:p>
+            <a:fld id="{C263D6C4-4840-40CC-AC84-17E24B3B7BDE}" type="slidenum">
+              <a:rPr lang="en-US" smtClean="0"/>
+              <a:pPr/>
+              <a:t>9</a:t>
+            </a:fld>
+            <a:endParaRPr lang="en-US" dirty="0"/>
+          </a:p>
+        </p:txBody>
+      </p:sp>
+      <p:pic>
+        <p:nvPicPr>
+          <p:cNvPr id="3" name="Picture 2"/>
+          <p:cNvPicPr>
+            <a:picLocks noChangeAspect="1"/>
+          </p:cNvPicPr>
+          <p:nvPr/>
+        </p:nvPicPr>
+        <p:blipFill>
+          <a:blip r:embed="rId2">
+            <a:extLst>
+              <a:ext uri="{28A0092B-C50C-407E-A947-70E740481C1C}">
+                <a14:useLocalDpi xmlns:a14="http://schemas.microsoft.com/office/drawing/2010/main" val="0"/>
+              </a:ext>
+            </a:extLst>
+          </a:blip>
+          <a:stretch>
+            <a:fillRect/>
+          </a:stretch>
+        </p:blipFill>
+        <p:spPr>
+          <a:xfrm>
+            <a:off x="1830814" y="1314997"/>
+            <a:ext cx="8530372" cy="5357768"/>
+          </a:xfrm>
+          <a:prstGeom prst="rect">
+            <a:avLst/>
+          </a:prstGeom>
+        </p:spPr>
+      </p:pic>
+    </p:spTree>
+    <p:extLst>
+      <p:ext uri="{BB962C8B-B14F-4D97-AF65-F5344CB8AC3E}">
+        <p14:creationId xmlns:p14="http://schemas.microsoft.com/office/powerpoint/2010/main" val="411668700"/>
+      </p:ext>
+    </p:extLst>
+  </p:cSld>
+  <p:clrMapOvr>
+    <a:masterClrMapping/>
+  </p:clrMapOvr>
+  <mc:AlternateContent xmlns:mc="http://schemas.openxmlformats.org/markup-compatibility/2006" xmlns:p14="http://schemas.microsoft.com/office/powerpoint/2010/main">
+    <mc:Choice Requires="p14">
+      <p:transition spd="med" p14:dur="700">
+        <p:fade/>
+      </p:transition>
+    </mc:Choice>
+    <mc:Fallback xmlns="">
+      <p:transition spd="med">
+        <p:fade/>
+      </p:transition>
+    </mc:Fallback>
+  </mc:AlternateContent>
 </p:sld>
 </file>
 
